--- a/DC Python Generic Meetup Slides.pptx
+++ b/DC Python Generic Meetup Slides.pptx
@@ -8,6 +8,7 @@
     <p:sldId id="256" r:id="rId2"/>
     <p:sldId id="257" r:id="rId3"/>
     <p:sldId id="258" r:id="rId4"/>
+    <p:sldId id="259" r:id="rId5"/>
   </p:sldIdLst>
   <p:sldSz cx="9144000" cy="6858000" type="screen4x3"/>
   <p:notesSz cx="6858000" cy="9144000"/>
@@ -3290,10 +3291,18 @@
           </a:p>
           <a:p>
             <a:r>
-              <a:rPr lang="en-US" dirty="0" smtClean="0"/>
+              <a:rPr lang="en-US" dirty="0" smtClean="0">
+                <a:solidFill>
+                  <a:srgbClr val="FF0000"/>
+                </a:solidFill>
+              </a:rPr>
               <a:t>You</a:t>
             </a:r>
-            <a:endParaRPr lang="en-US" dirty="0"/>
+            <a:endParaRPr lang="en-US" dirty="0">
+              <a:solidFill>
+                <a:srgbClr val="FF0000"/>
+              </a:solidFill>
+            </a:endParaRPr>
           </a:p>
         </p:txBody>
       </p:sp>
@@ -3344,7 +3353,7 @@
           <a:p>
             <a:r>
               <a:rPr lang="en-US" dirty="0" smtClean="0"/>
-              <a:t>Why:</a:t>
+              <a:t>Why?</a:t>
             </a:r>
             <a:endParaRPr lang="en-US" dirty="0"/>
           </a:p>
@@ -3365,6 +3374,26 @@
           <a:bodyPr/>
           <a:lstStyle/>
           <a:p>
+            <a:r>
+              <a:rPr lang="en-US" dirty="0" smtClean="0"/>
+              <a:t>To get together</a:t>
+            </a:r>
+          </a:p>
+          <a:p>
+            <a:r>
+              <a:rPr lang="en-US" dirty="0" smtClean="0">
+                <a:solidFill>
+                  <a:srgbClr val="FF0000"/>
+                </a:solidFill>
+              </a:rPr>
+              <a:t>To learn Python</a:t>
+            </a:r>
+          </a:p>
+          <a:p>
+            <a:r>
+              <a:rPr lang="en-US" dirty="0" smtClean="0"/>
+              <a:t>To have fun</a:t>
+            </a:r>
             <a:endParaRPr lang="en-US" dirty="0"/>
           </a:p>
         </p:txBody>
@@ -3373,6 +3402,102 @@
     <p:extLst>
       <p:ext uri="{BB962C8B-B14F-4D97-AF65-F5344CB8AC3E}">
         <p14:creationId xmlns:p14="http://schemas.microsoft.com/office/powerpoint/2010/main" val="2982498852"/>
+      </p:ext>
+    </p:extLst>
+  </p:cSld>
+  <p:clrMapOvr>
+    <a:masterClrMapping/>
+  </p:clrMapOvr>
+</p:sld>
+</file>
+
+<file path=ppt/slides/slide4.xml><?xml version="1.0" encoding="utf-8"?>
+<p:sld xmlns:a="http://schemas.openxmlformats.org/drawingml/2006/main" xmlns:r="http://schemas.openxmlformats.org/officeDocument/2006/relationships" xmlns:p="http://schemas.openxmlformats.org/presentationml/2006/main">
+  <p:cSld>
+    <p:spTree>
+      <p:nvGrpSpPr>
+        <p:cNvPr id="1" name=""/>
+        <p:cNvGrpSpPr/>
+        <p:nvPr/>
+      </p:nvGrpSpPr>
+      <p:grpSpPr>
+        <a:xfrm>
+          <a:off x="0" y="0"/>
+          <a:ext cx="0" cy="0"/>
+          <a:chOff x="0" y="0"/>
+          <a:chExt cx="0" cy="0"/>
+        </a:xfrm>
+      </p:grpSpPr>
+      <p:sp>
+        <p:nvSpPr>
+          <p:cNvPr id="2" name="Title 1"/>
+          <p:cNvSpPr>
+            <a:spLocks noGrp="1"/>
+          </p:cNvSpPr>
+          <p:nvPr>
+            <p:ph type="title"/>
+          </p:nvPr>
+        </p:nvSpPr>
+        <p:spPr/>
+        <p:txBody>
+          <a:bodyPr/>
+          <a:lstStyle/>
+          <a:p>
+            <a:r>
+              <a:rPr lang="en-US" dirty="0" smtClean="0"/>
+              <a:t>How?</a:t>
+            </a:r>
+            <a:endParaRPr lang="en-US" dirty="0"/>
+          </a:p>
+        </p:txBody>
+      </p:sp>
+      <p:sp>
+        <p:nvSpPr>
+          <p:cNvPr id="3" name="Content Placeholder 2"/>
+          <p:cNvSpPr>
+            <a:spLocks noGrp="1"/>
+          </p:cNvSpPr>
+          <p:nvPr>
+            <p:ph idx="1"/>
+          </p:nvPr>
+        </p:nvSpPr>
+        <p:spPr/>
+        <p:txBody>
+          <a:bodyPr/>
+          <a:lstStyle/>
+          <a:p>
+            <a:r>
+              <a:rPr lang="en-US" dirty="0" smtClean="0"/>
+              <a:t>Consistency</a:t>
+            </a:r>
+          </a:p>
+          <a:p>
+            <a:r>
+              <a:rPr lang="en-US" dirty="0" smtClean="0"/>
+              <a:t>Sponsors</a:t>
+            </a:r>
+          </a:p>
+          <a:p>
+            <a:r>
+              <a:rPr lang="en-US" dirty="0" smtClean="0">
+                <a:solidFill>
+                  <a:srgbClr val="FF0000"/>
+                </a:solidFill>
+              </a:rPr>
+              <a:t>You</a:t>
+            </a:r>
+            <a:endParaRPr lang="en-US" dirty="0">
+              <a:solidFill>
+                <a:srgbClr val="FF0000"/>
+              </a:solidFill>
+            </a:endParaRPr>
+          </a:p>
+        </p:txBody>
+      </p:sp>
+    </p:spTree>
+    <p:extLst>
+      <p:ext uri="{BB962C8B-B14F-4D97-AF65-F5344CB8AC3E}">
+        <p14:creationId xmlns:p14="http://schemas.microsoft.com/office/powerpoint/2010/main" val="336716893"/>
       </p:ext>
     </p:extLst>
   </p:cSld>

--- a/DC Python Generic Meetup Slides.pptx
+++ b/DC Python Generic Meetup Slides.pptx
@@ -4,11 +4,18 @@
   <p:sldMasterIdLst>
     <p:sldMasterId id="2147483648" r:id="rId1"/>
   </p:sldMasterIdLst>
+  <p:notesMasterIdLst>
+    <p:notesMasterId r:id="rId7"/>
+  </p:notesMasterIdLst>
+  <p:handoutMasterIdLst>
+    <p:handoutMasterId r:id="rId8"/>
+  </p:handoutMasterIdLst>
   <p:sldIdLst>
     <p:sldId id="256" r:id="rId2"/>
     <p:sldId id="257" r:id="rId3"/>
     <p:sldId id="258" r:id="rId4"/>
     <p:sldId id="259" r:id="rId5"/>
+    <p:sldId id="260" r:id="rId6"/>
   </p:sldIdLst>
   <p:sldSz cx="9144000" cy="6858000" type="screen4x3"/>
   <p:notesSz cx="6858000" cy="9144000"/>
@@ -110,6 +117,607 @@
 </p:presentation>
 </file>
 
+<file path=ppt/handoutMasters/handoutMaster1.xml><?xml version="1.0" encoding="utf-8"?>
+<p:handoutMaster xmlns:a="http://schemas.openxmlformats.org/drawingml/2006/main" xmlns:r="http://schemas.openxmlformats.org/officeDocument/2006/relationships" xmlns:p="http://schemas.openxmlformats.org/presentationml/2006/main">
+  <p:cSld>
+    <p:bg>
+      <p:bgRef idx="1001">
+        <a:schemeClr val="bg1"/>
+      </p:bgRef>
+    </p:bg>
+    <p:spTree>
+      <p:nvGrpSpPr>
+        <p:cNvPr id="1" name=""/>
+        <p:cNvGrpSpPr/>
+        <p:nvPr/>
+      </p:nvGrpSpPr>
+      <p:grpSpPr>
+        <a:xfrm>
+          <a:off x="0" y="0"/>
+          <a:ext cx="0" cy="0"/>
+          <a:chOff x="0" y="0"/>
+          <a:chExt cx="0" cy="0"/>
+        </a:xfrm>
+      </p:grpSpPr>
+      <p:sp>
+        <p:nvSpPr>
+          <p:cNvPr id="2" name="Header Placeholder 1"/>
+          <p:cNvSpPr>
+            <a:spLocks noGrp="1"/>
+          </p:cNvSpPr>
+          <p:nvPr>
+            <p:ph type="hdr" sz="quarter"/>
+          </p:nvPr>
+        </p:nvSpPr>
+        <p:spPr>
+          <a:xfrm>
+            <a:off x="0" y="0"/>
+            <a:ext cx="2971800" cy="457200"/>
+          </a:xfrm>
+          <a:prstGeom prst="rect">
+            <a:avLst/>
+          </a:prstGeom>
+        </p:spPr>
+        <p:txBody>
+          <a:bodyPr vert="horz" lIns="91440" tIns="45720" rIns="91440" bIns="45720" rtlCol="0"/>
+          <a:lstStyle>
+            <a:lvl1pPr algn="l">
+              <a:defRPr sz="1200"/>
+            </a:lvl1pPr>
+          </a:lstStyle>
+          <a:p>
+            <a:endParaRPr lang="en-US"/>
+          </a:p>
+        </p:txBody>
+      </p:sp>
+      <p:sp>
+        <p:nvSpPr>
+          <p:cNvPr id="3" name="Date Placeholder 2"/>
+          <p:cNvSpPr>
+            <a:spLocks noGrp="1"/>
+          </p:cNvSpPr>
+          <p:nvPr>
+            <p:ph type="dt" sz="quarter" idx="1"/>
+          </p:nvPr>
+        </p:nvSpPr>
+        <p:spPr>
+          <a:xfrm>
+            <a:off x="3884613" y="0"/>
+            <a:ext cx="2971800" cy="457200"/>
+          </a:xfrm>
+          <a:prstGeom prst="rect">
+            <a:avLst/>
+          </a:prstGeom>
+        </p:spPr>
+        <p:txBody>
+          <a:bodyPr vert="horz" lIns="91440" tIns="45720" rIns="91440" bIns="45720" rtlCol="0"/>
+          <a:lstStyle>
+            <a:lvl1pPr algn="r">
+              <a:defRPr sz="1200"/>
+            </a:lvl1pPr>
+          </a:lstStyle>
+          <a:p>
+            <a:fld id="{3DA2F995-0FF6-6E44-92B9-F44FA798D6C9}" type="datetime1">
+              <a:rPr lang="en-US" smtClean="0"/>
+              <a:t>9/30/13</a:t>
+            </a:fld>
+            <a:endParaRPr lang="en-US"/>
+          </a:p>
+        </p:txBody>
+      </p:sp>
+      <p:sp>
+        <p:nvSpPr>
+          <p:cNvPr id="4" name="Footer Placeholder 3"/>
+          <p:cNvSpPr>
+            <a:spLocks noGrp="1"/>
+          </p:cNvSpPr>
+          <p:nvPr>
+            <p:ph type="ftr" sz="quarter" idx="2"/>
+          </p:nvPr>
+        </p:nvSpPr>
+        <p:spPr>
+          <a:xfrm>
+            <a:off x="0" y="8685213"/>
+            <a:ext cx="2971800" cy="457200"/>
+          </a:xfrm>
+          <a:prstGeom prst="rect">
+            <a:avLst/>
+          </a:prstGeom>
+        </p:spPr>
+        <p:txBody>
+          <a:bodyPr vert="horz" lIns="91440" tIns="45720" rIns="91440" bIns="45720" rtlCol="0" anchor="b"/>
+          <a:lstStyle>
+            <a:lvl1pPr algn="l">
+              <a:defRPr sz="1200"/>
+            </a:lvl1pPr>
+          </a:lstStyle>
+          <a:p>
+            <a:endParaRPr lang="en-US"/>
+          </a:p>
+        </p:txBody>
+      </p:sp>
+      <p:sp>
+        <p:nvSpPr>
+          <p:cNvPr id="5" name="Slide Number Placeholder 4"/>
+          <p:cNvSpPr>
+            <a:spLocks noGrp="1"/>
+          </p:cNvSpPr>
+          <p:nvPr>
+            <p:ph type="sldNum" sz="quarter" idx="3"/>
+          </p:nvPr>
+        </p:nvSpPr>
+        <p:spPr>
+          <a:xfrm>
+            <a:off x="3884613" y="8685213"/>
+            <a:ext cx="2971800" cy="457200"/>
+          </a:xfrm>
+          <a:prstGeom prst="rect">
+            <a:avLst/>
+          </a:prstGeom>
+        </p:spPr>
+        <p:txBody>
+          <a:bodyPr vert="horz" lIns="91440" tIns="45720" rIns="91440" bIns="45720" rtlCol="0" anchor="b"/>
+          <a:lstStyle>
+            <a:lvl1pPr algn="r">
+              <a:defRPr sz="1200"/>
+            </a:lvl1pPr>
+          </a:lstStyle>
+          <a:p>
+            <a:fld id="{9A3CCD27-F3A1-7549-B6FF-690264229B44}" type="slidenum">
+              <a:rPr lang="en-US" smtClean="0"/>
+              <a:t>‹#›</a:t>
+            </a:fld>
+            <a:endParaRPr lang="en-US"/>
+          </a:p>
+        </p:txBody>
+      </p:sp>
+    </p:spTree>
+    <p:extLst>
+      <p:ext uri="{BB962C8B-B14F-4D97-AF65-F5344CB8AC3E}">
+        <p14:creationId xmlns:p14="http://schemas.microsoft.com/office/powerpoint/2010/main" val="3510849368"/>
+      </p:ext>
+    </p:extLst>
+  </p:cSld>
+  <p:clrMap bg1="lt1" tx1="dk1" bg2="lt2" tx2="dk2" accent1="accent1" accent2="accent2" accent3="accent3" accent4="accent4" accent5="accent5" accent6="accent6" hlink="hlink" folHlink="folHlink"/>
+  <p:hf hdr="0" ftr="0" dt="0"/>
+</p:handoutMaster>
+</file>
+
+<file path=ppt/notesMasters/notesMaster1.xml><?xml version="1.0" encoding="utf-8"?>
+<p:notesMaster xmlns:a="http://schemas.openxmlformats.org/drawingml/2006/main" xmlns:r="http://schemas.openxmlformats.org/officeDocument/2006/relationships" xmlns:p="http://schemas.openxmlformats.org/presentationml/2006/main">
+  <p:cSld>
+    <p:bg>
+      <p:bgRef idx="1001">
+        <a:schemeClr val="bg1"/>
+      </p:bgRef>
+    </p:bg>
+    <p:spTree>
+      <p:nvGrpSpPr>
+        <p:cNvPr id="1" name=""/>
+        <p:cNvGrpSpPr/>
+        <p:nvPr/>
+      </p:nvGrpSpPr>
+      <p:grpSpPr>
+        <a:xfrm>
+          <a:off x="0" y="0"/>
+          <a:ext cx="0" cy="0"/>
+          <a:chOff x="0" y="0"/>
+          <a:chExt cx="0" cy="0"/>
+        </a:xfrm>
+      </p:grpSpPr>
+      <p:sp>
+        <p:nvSpPr>
+          <p:cNvPr id="2" name="Header Placeholder 1"/>
+          <p:cNvSpPr>
+            <a:spLocks noGrp="1"/>
+          </p:cNvSpPr>
+          <p:nvPr>
+            <p:ph type="hdr" sz="quarter"/>
+          </p:nvPr>
+        </p:nvSpPr>
+        <p:spPr>
+          <a:xfrm>
+            <a:off x="0" y="0"/>
+            <a:ext cx="2971800" cy="457200"/>
+          </a:xfrm>
+          <a:prstGeom prst="rect">
+            <a:avLst/>
+          </a:prstGeom>
+        </p:spPr>
+        <p:txBody>
+          <a:bodyPr vert="horz" lIns="91440" tIns="45720" rIns="91440" bIns="45720" rtlCol="0"/>
+          <a:lstStyle>
+            <a:lvl1pPr algn="l">
+              <a:defRPr sz="1200"/>
+            </a:lvl1pPr>
+          </a:lstStyle>
+          <a:p>
+            <a:endParaRPr lang="en-US"/>
+          </a:p>
+        </p:txBody>
+      </p:sp>
+      <p:sp>
+        <p:nvSpPr>
+          <p:cNvPr id="3" name="Date Placeholder 2"/>
+          <p:cNvSpPr>
+            <a:spLocks noGrp="1"/>
+          </p:cNvSpPr>
+          <p:nvPr>
+            <p:ph type="dt" idx="1"/>
+          </p:nvPr>
+        </p:nvSpPr>
+        <p:spPr>
+          <a:xfrm>
+            <a:off x="3884613" y="0"/>
+            <a:ext cx="2971800" cy="457200"/>
+          </a:xfrm>
+          <a:prstGeom prst="rect">
+            <a:avLst/>
+          </a:prstGeom>
+        </p:spPr>
+        <p:txBody>
+          <a:bodyPr vert="horz" lIns="91440" tIns="45720" rIns="91440" bIns="45720" rtlCol="0"/>
+          <a:lstStyle>
+            <a:lvl1pPr algn="r">
+              <a:defRPr sz="1200"/>
+            </a:lvl1pPr>
+          </a:lstStyle>
+          <a:p>
+            <a:fld id="{4F924AB4-F5D2-6247-A6D0-391E23B3E7F0}" type="datetime1">
+              <a:rPr lang="en-US" smtClean="0"/>
+              <a:t>9/30/13</a:t>
+            </a:fld>
+            <a:endParaRPr lang="en-US"/>
+          </a:p>
+        </p:txBody>
+      </p:sp>
+      <p:sp>
+        <p:nvSpPr>
+          <p:cNvPr id="4" name="Slide Image Placeholder 3"/>
+          <p:cNvSpPr>
+            <a:spLocks noGrp="1" noRot="1" noChangeAspect="1"/>
+          </p:cNvSpPr>
+          <p:nvPr>
+            <p:ph type="sldImg" idx="2"/>
+          </p:nvPr>
+        </p:nvSpPr>
+        <p:spPr>
+          <a:xfrm>
+            <a:off x="1143000" y="685800"/>
+            <a:ext cx="4572000" cy="3429000"/>
+          </a:xfrm>
+          <a:prstGeom prst="rect">
+            <a:avLst/>
+          </a:prstGeom>
+          <a:noFill/>
+          <a:ln w="12700">
+            <a:solidFill>
+              <a:prstClr val="black"/>
+            </a:solidFill>
+          </a:ln>
+        </p:spPr>
+        <p:txBody>
+          <a:bodyPr vert="horz" lIns="91440" tIns="45720" rIns="91440" bIns="45720" rtlCol="0" anchor="ctr"/>
+          <a:lstStyle/>
+          <a:p>
+            <a:endParaRPr lang="en-US"/>
+          </a:p>
+        </p:txBody>
+      </p:sp>
+      <p:sp>
+        <p:nvSpPr>
+          <p:cNvPr id="5" name="Notes Placeholder 4"/>
+          <p:cNvSpPr>
+            <a:spLocks noGrp="1"/>
+          </p:cNvSpPr>
+          <p:nvPr>
+            <p:ph type="body" sz="quarter" idx="3"/>
+          </p:nvPr>
+        </p:nvSpPr>
+        <p:spPr>
+          <a:xfrm>
+            <a:off x="685800" y="4343400"/>
+            <a:ext cx="5486400" cy="4114800"/>
+          </a:xfrm>
+          <a:prstGeom prst="rect">
+            <a:avLst/>
+          </a:prstGeom>
+        </p:spPr>
+        <p:txBody>
+          <a:bodyPr vert="horz" lIns="91440" tIns="45720" rIns="91440" bIns="45720" rtlCol="0"/>
+          <a:lstStyle/>
+          <a:p>
+            <a:pPr lvl="0"/>
+            <a:r>
+              <a:rPr lang="en-US" smtClean="0"/>
+              <a:t>Click to edit Master text styles</a:t>
+            </a:r>
+          </a:p>
+          <a:p>
+            <a:pPr lvl="1"/>
+            <a:r>
+              <a:rPr lang="en-US" smtClean="0"/>
+              <a:t>Second level</a:t>
+            </a:r>
+          </a:p>
+          <a:p>
+            <a:pPr lvl="2"/>
+            <a:r>
+              <a:rPr lang="en-US" smtClean="0"/>
+              <a:t>Third level</a:t>
+            </a:r>
+          </a:p>
+          <a:p>
+            <a:pPr lvl="3"/>
+            <a:r>
+              <a:rPr lang="en-US" smtClean="0"/>
+              <a:t>Fourth level</a:t>
+            </a:r>
+          </a:p>
+          <a:p>
+            <a:pPr lvl="4"/>
+            <a:r>
+              <a:rPr lang="en-US" smtClean="0"/>
+              <a:t>Fifth level</a:t>
+            </a:r>
+            <a:endParaRPr lang="en-US"/>
+          </a:p>
+        </p:txBody>
+      </p:sp>
+      <p:sp>
+        <p:nvSpPr>
+          <p:cNvPr id="6" name="Footer Placeholder 5"/>
+          <p:cNvSpPr>
+            <a:spLocks noGrp="1"/>
+          </p:cNvSpPr>
+          <p:nvPr>
+            <p:ph type="ftr" sz="quarter" idx="4"/>
+          </p:nvPr>
+        </p:nvSpPr>
+        <p:spPr>
+          <a:xfrm>
+            <a:off x="0" y="8685213"/>
+            <a:ext cx="2971800" cy="457200"/>
+          </a:xfrm>
+          <a:prstGeom prst="rect">
+            <a:avLst/>
+          </a:prstGeom>
+        </p:spPr>
+        <p:txBody>
+          <a:bodyPr vert="horz" lIns="91440" tIns="45720" rIns="91440" bIns="45720" rtlCol="0" anchor="b"/>
+          <a:lstStyle>
+            <a:lvl1pPr algn="l">
+              <a:defRPr sz="1200"/>
+            </a:lvl1pPr>
+          </a:lstStyle>
+          <a:p>
+            <a:endParaRPr lang="en-US"/>
+          </a:p>
+        </p:txBody>
+      </p:sp>
+      <p:sp>
+        <p:nvSpPr>
+          <p:cNvPr id="7" name="Slide Number Placeholder 6"/>
+          <p:cNvSpPr>
+            <a:spLocks noGrp="1"/>
+          </p:cNvSpPr>
+          <p:nvPr>
+            <p:ph type="sldNum" sz="quarter" idx="5"/>
+          </p:nvPr>
+        </p:nvSpPr>
+        <p:spPr>
+          <a:xfrm>
+            <a:off x="3884613" y="8685213"/>
+            <a:ext cx="2971800" cy="457200"/>
+          </a:xfrm>
+          <a:prstGeom prst="rect">
+            <a:avLst/>
+          </a:prstGeom>
+        </p:spPr>
+        <p:txBody>
+          <a:bodyPr vert="horz" lIns="91440" tIns="45720" rIns="91440" bIns="45720" rtlCol="0" anchor="b"/>
+          <a:lstStyle>
+            <a:lvl1pPr algn="r">
+              <a:defRPr sz="1200"/>
+            </a:lvl1pPr>
+          </a:lstStyle>
+          <a:p>
+            <a:fld id="{C67D605A-642E-A34F-B894-6BF6E4E70EAB}" type="slidenum">
+              <a:rPr lang="en-US" smtClean="0"/>
+              <a:t>‹#›</a:t>
+            </a:fld>
+            <a:endParaRPr lang="en-US"/>
+          </a:p>
+        </p:txBody>
+      </p:sp>
+    </p:spTree>
+    <p:extLst>
+      <p:ext uri="{BB962C8B-B14F-4D97-AF65-F5344CB8AC3E}">
+        <p14:creationId xmlns:p14="http://schemas.microsoft.com/office/powerpoint/2010/main" val="1728452347"/>
+      </p:ext>
+    </p:extLst>
+  </p:cSld>
+  <p:clrMap bg1="lt1" tx1="dk1" bg2="lt2" tx2="dk2" accent1="accent1" accent2="accent2" accent3="accent3" accent4="accent4" accent5="accent5" accent6="accent6" hlink="hlink" folHlink="folHlink"/>
+  <p:hf hdr="0" ftr="0" dt="0"/>
+  <p:notesStyle>
+    <a:lvl1pPr marL="0" algn="l" defTabSz="457200" rtl="0" eaLnBrk="1" latinLnBrk="0" hangingPunct="1">
+      <a:defRPr sz="1200" kern="1200">
+        <a:solidFill>
+          <a:schemeClr val="tx1"/>
+        </a:solidFill>
+        <a:latin typeface="+mn-lt"/>
+        <a:ea typeface="+mn-ea"/>
+        <a:cs typeface="+mn-cs"/>
+      </a:defRPr>
+    </a:lvl1pPr>
+    <a:lvl2pPr marL="457200" algn="l" defTabSz="457200" rtl="0" eaLnBrk="1" latinLnBrk="0" hangingPunct="1">
+      <a:defRPr sz="1200" kern="1200">
+        <a:solidFill>
+          <a:schemeClr val="tx1"/>
+        </a:solidFill>
+        <a:latin typeface="+mn-lt"/>
+        <a:ea typeface="+mn-ea"/>
+        <a:cs typeface="+mn-cs"/>
+      </a:defRPr>
+    </a:lvl2pPr>
+    <a:lvl3pPr marL="914400" algn="l" defTabSz="457200" rtl="0" eaLnBrk="1" latinLnBrk="0" hangingPunct="1">
+      <a:defRPr sz="1200" kern="1200">
+        <a:solidFill>
+          <a:schemeClr val="tx1"/>
+        </a:solidFill>
+        <a:latin typeface="+mn-lt"/>
+        <a:ea typeface="+mn-ea"/>
+        <a:cs typeface="+mn-cs"/>
+      </a:defRPr>
+    </a:lvl3pPr>
+    <a:lvl4pPr marL="1371600" algn="l" defTabSz="457200" rtl="0" eaLnBrk="1" latinLnBrk="0" hangingPunct="1">
+      <a:defRPr sz="1200" kern="1200">
+        <a:solidFill>
+          <a:schemeClr val="tx1"/>
+        </a:solidFill>
+        <a:latin typeface="+mn-lt"/>
+        <a:ea typeface="+mn-ea"/>
+        <a:cs typeface="+mn-cs"/>
+      </a:defRPr>
+    </a:lvl4pPr>
+    <a:lvl5pPr marL="1828800" algn="l" defTabSz="457200" rtl="0" eaLnBrk="1" latinLnBrk="0" hangingPunct="1">
+      <a:defRPr sz="1200" kern="1200">
+        <a:solidFill>
+          <a:schemeClr val="tx1"/>
+        </a:solidFill>
+        <a:latin typeface="+mn-lt"/>
+        <a:ea typeface="+mn-ea"/>
+        <a:cs typeface="+mn-cs"/>
+      </a:defRPr>
+    </a:lvl5pPr>
+    <a:lvl6pPr marL="2286000" algn="l" defTabSz="457200" rtl="0" eaLnBrk="1" latinLnBrk="0" hangingPunct="1">
+      <a:defRPr sz="1200" kern="1200">
+        <a:solidFill>
+          <a:schemeClr val="tx1"/>
+        </a:solidFill>
+        <a:latin typeface="+mn-lt"/>
+        <a:ea typeface="+mn-ea"/>
+        <a:cs typeface="+mn-cs"/>
+      </a:defRPr>
+    </a:lvl6pPr>
+    <a:lvl7pPr marL="2743200" algn="l" defTabSz="457200" rtl="0" eaLnBrk="1" latinLnBrk="0" hangingPunct="1">
+      <a:defRPr sz="1200" kern="1200">
+        <a:solidFill>
+          <a:schemeClr val="tx1"/>
+        </a:solidFill>
+        <a:latin typeface="+mn-lt"/>
+        <a:ea typeface="+mn-ea"/>
+        <a:cs typeface="+mn-cs"/>
+      </a:defRPr>
+    </a:lvl7pPr>
+    <a:lvl8pPr marL="3200400" algn="l" defTabSz="457200" rtl="0" eaLnBrk="1" latinLnBrk="0" hangingPunct="1">
+      <a:defRPr sz="1200" kern="1200">
+        <a:solidFill>
+          <a:schemeClr val="tx1"/>
+        </a:solidFill>
+        <a:latin typeface="+mn-lt"/>
+        <a:ea typeface="+mn-ea"/>
+        <a:cs typeface="+mn-cs"/>
+      </a:defRPr>
+    </a:lvl8pPr>
+    <a:lvl9pPr marL="3657600" algn="l" defTabSz="457200" rtl="0" eaLnBrk="1" latinLnBrk="0" hangingPunct="1">
+      <a:defRPr sz="1200" kern="1200">
+        <a:solidFill>
+          <a:schemeClr val="tx1"/>
+        </a:solidFill>
+        <a:latin typeface="+mn-lt"/>
+        <a:ea typeface="+mn-ea"/>
+        <a:cs typeface="+mn-cs"/>
+      </a:defRPr>
+    </a:lvl9pPr>
+  </p:notesStyle>
+</p:notesMaster>
+</file>
+
+<file path=ppt/notesSlides/notesSlide1.xml><?xml version="1.0" encoding="utf-8"?>
+<p:notes xmlns:a="http://schemas.openxmlformats.org/drawingml/2006/main" xmlns:r="http://schemas.openxmlformats.org/officeDocument/2006/relationships" xmlns:p="http://schemas.openxmlformats.org/presentationml/2006/main">
+  <p:cSld>
+    <p:spTree>
+      <p:nvGrpSpPr>
+        <p:cNvPr id="1" name=""/>
+        <p:cNvGrpSpPr/>
+        <p:nvPr/>
+      </p:nvGrpSpPr>
+      <p:grpSpPr>
+        <a:xfrm>
+          <a:off x="0" y="0"/>
+          <a:ext cx="0" cy="0"/>
+          <a:chOff x="0" y="0"/>
+          <a:chExt cx="0" cy="0"/>
+        </a:xfrm>
+      </p:grpSpPr>
+      <p:sp>
+        <p:nvSpPr>
+          <p:cNvPr id="2" name="Slide Image Placeholder 1"/>
+          <p:cNvSpPr>
+            <a:spLocks noGrp="1" noRot="1" noChangeAspect="1"/>
+          </p:cNvSpPr>
+          <p:nvPr>
+            <p:ph type="sldImg"/>
+          </p:nvPr>
+        </p:nvSpPr>
+        <p:spPr/>
+      </p:sp>
+      <p:sp>
+        <p:nvSpPr>
+          <p:cNvPr id="3" name="Notes Placeholder 2"/>
+          <p:cNvSpPr>
+            <a:spLocks noGrp="1"/>
+          </p:cNvSpPr>
+          <p:nvPr>
+            <p:ph type="body" idx="1"/>
+          </p:nvPr>
+        </p:nvSpPr>
+        <p:spPr/>
+        <p:txBody>
+          <a:bodyPr/>
+          <a:lstStyle/>
+          <a:p>
+            <a:endParaRPr lang="en-US"/>
+          </a:p>
+        </p:txBody>
+      </p:sp>
+      <p:sp>
+        <p:nvSpPr>
+          <p:cNvPr id="4" name="Slide Number Placeholder 3"/>
+          <p:cNvSpPr>
+            <a:spLocks noGrp="1"/>
+          </p:cNvSpPr>
+          <p:nvPr>
+            <p:ph type="sldNum" sz="quarter" idx="10"/>
+          </p:nvPr>
+        </p:nvSpPr>
+        <p:spPr/>
+        <p:txBody>
+          <a:bodyPr/>
+          <a:lstStyle/>
+          <a:p>
+            <a:fld id="{C67D605A-642E-A34F-B894-6BF6E4E70EAB}" type="slidenum">
+              <a:rPr lang="en-US" smtClean="0"/>
+              <a:t>1</a:t>
+            </a:fld>
+            <a:endParaRPr lang="en-US"/>
+          </a:p>
+        </p:txBody>
+      </p:sp>
+    </p:spTree>
+    <p:extLst>
+      <p:ext uri="{BB962C8B-B14F-4D97-AF65-F5344CB8AC3E}">
+        <p14:creationId xmlns:p14="http://schemas.microsoft.com/office/powerpoint/2010/main" val="1307812592"/>
+      </p:ext>
+    </p:extLst>
+  </p:cSld>
+  <p:clrMapOvr>
+    <a:masterClrMapping/>
+  </p:clrMapOvr>
+</p:notes>
+</file>
+
 <file path=ppt/slideLayouts/slideLayout1.xml><?xml version="1.0" encoding="utf-8"?>
 <p:sldLayout xmlns:a="http://schemas.openxmlformats.org/drawingml/2006/main" xmlns:r="http://schemas.openxmlformats.org/officeDocument/2006/relationships" xmlns:p="http://schemas.openxmlformats.org/presentationml/2006/main" type="title" preserve="1">
   <p:cSld name="Title Slide">
@@ -289,7 +897,7 @@
           <a:bodyPr/>
           <a:lstStyle/>
           <a:p>
-            <a:fld id="{DE921290-DC82-874E-9E87-9355047B3793}" type="datetimeFigureOut">
+            <a:fld id="{D58B479C-A613-E540-A18A-4ED6368CC8D5}" type="datetime1">
               <a:rPr lang="en-US" smtClean="0"/>
               <a:t>9/30/13</a:t>
             </a:fld>
@@ -459,7 +1067,7 @@
           <a:bodyPr/>
           <a:lstStyle/>
           <a:p>
-            <a:fld id="{DE921290-DC82-874E-9E87-9355047B3793}" type="datetimeFigureOut">
+            <a:fld id="{528CD4CF-2841-3F43-AB9C-AAFED58B40BF}" type="datetime1">
               <a:rPr lang="en-US" smtClean="0"/>
               <a:t>9/30/13</a:t>
             </a:fld>
@@ -639,7 +1247,7 @@
           <a:bodyPr/>
           <a:lstStyle/>
           <a:p>
-            <a:fld id="{DE921290-DC82-874E-9E87-9355047B3793}" type="datetimeFigureOut">
+            <a:fld id="{084B7766-69EC-5640-B993-DF5D4B41D767}" type="datetime1">
               <a:rPr lang="en-US" smtClean="0"/>
               <a:t>9/30/13</a:t>
             </a:fld>
@@ -809,7 +1417,7 @@
           <a:bodyPr/>
           <a:lstStyle/>
           <a:p>
-            <a:fld id="{DE921290-DC82-874E-9E87-9355047B3793}" type="datetimeFigureOut">
+            <a:fld id="{578EE160-6EFB-B945-A98C-09E9962FBCA7}" type="datetime1">
               <a:rPr lang="en-US" smtClean="0"/>
               <a:t>9/30/13</a:t>
             </a:fld>
@@ -1055,7 +1663,7 @@
           <a:bodyPr/>
           <a:lstStyle/>
           <a:p>
-            <a:fld id="{DE921290-DC82-874E-9E87-9355047B3793}" type="datetimeFigureOut">
+            <a:fld id="{9334A506-0F4D-E14C-8692-989A61B8DA7B}" type="datetime1">
               <a:rPr lang="en-US" smtClean="0"/>
               <a:t>9/30/13</a:t>
             </a:fld>
@@ -1343,7 +1951,7 @@
           <a:bodyPr/>
           <a:lstStyle/>
           <a:p>
-            <a:fld id="{DE921290-DC82-874E-9E87-9355047B3793}" type="datetimeFigureOut">
+            <a:fld id="{AB18862A-80CE-AD46-9128-E579FAFBB762}" type="datetime1">
               <a:rPr lang="en-US" smtClean="0"/>
               <a:t>9/30/13</a:t>
             </a:fld>
@@ -1765,7 +2373,7 @@
           <a:bodyPr/>
           <a:lstStyle/>
           <a:p>
-            <a:fld id="{DE921290-DC82-874E-9E87-9355047B3793}" type="datetimeFigureOut">
+            <a:fld id="{796A0FAF-2876-C346-AE02-A9ECACDBA40A}" type="datetime1">
               <a:rPr lang="en-US" smtClean="0"/>
               <a:t>9/30/13</a:t>
             </a:fld>
@@ -1883,7 +2491,7 @@
           <a:bodyPr/>
           <a:lstStyle/>
           <a:p>
-            <a:fld id="{DE921290-DC82-874E-9E87-9355047B3793}" type="datetimeFigureOut">
+            <a:fld id="{8400723B-7CD2-7646-8E86-692C7DAEB432}" type="datetime1">
               <a:rPr lang="en-US" smtClean="0"/>
               <a:t>9/30/13</a:t>
             </a:fld>
@@ -1978,7 +2586,7 @@
           <a:bodyPr/>
           <a:lstStyle/>
           <a:p>
-            <a:fld id="{DE921290-DC82-874E-9E87-9355047B3793}" type="datetimeFigureOut">
+            <a:fld id="{6DC01575-03D7-594F-9953-92812EC16204}" type="datetime1">
               <a:rPr lang="en-US" smtClean="0"/>
               <a:t>9/30/13</a:t>
             </a:fld>
@@ -2255,7 +2863,7 @@
           <a:bodyPr/>
           <a:lstStyle/>
           <a:p>
-            <a:fld id="{DE921290-DC82-874E-9E87-9355047B3793}" type="datetimeFigureOut">
+            <a:fld id="{7D2C1B22-0F08-4041-BC94-076A056871D0}" type="datetime1">
               <a:rPr lang="en-US" smtClean="0"/>
               <a:t>9/30/13</a:t>
             </a:fld>
@@ -2508,7 +3116,7 @@
           <a:bodyPr/>
           <a:lstStyle/>
           <a:p>
-            <a:fld id="{DE921290-DC82-874E-9E87-9355047B3793}" type="datetimeFigureOut">
+            <a:fld id="{8D7CA9A7-6D4E-924C-80EF-5A7A58EBC5CB}" type="datetime1">
               <a:rPr lang="en-US" smtClean="0"/>
               <a:t>9/30/13</a:t>
             </a:fld>
@@ -2721,7 +3329,7 @@
             </a:lvl1pPr>
           </a:lstStyle>
           <a:p>
-            <a:fld id="{DE921290-DC82-874E-9E87-9355047B3793}" type="datetimeFigureOut">
+            <a:fld id="{BF7B0B65-097E-1846-A364-0628A11BD9CA}" type="datetime1">
               <a:rPr lang="en-US" smtClean="0"/>
               <a:t>9/30/13</a:t>
             </a:fld>
@@ -2828,6 +3436,7 @@
     <p:sldLayoutId id="2147483658" r:id="rId10"/>
     <p:sldLayoutId id="2147483659" r:id="rId11"/>
   </p:sldLayoutIdLst>
+  <p:hf sldNum="0" hdr="0" ftr="0" dt="0"/>
   <p:txStyles>
     <p:titleStyle>
       <a:lvl1pPr algn="ctr" defTabSz="457200" rtl="0" eaLnBrk="1" latinLnBrk="0" hangingPunct="1">
@@ -3181,7 +3790,7 @@
           <p:nvPr/>
         </p:nvPicPr>
         <p:blipFill>
-          <a:blip r:embed="rId2">
+          <a:blip r:embed="rId3">
             <a:extLst>
               <a:ext uri="{28A0092B-C50C-407E-A947-70E740481C1C}">
                 <a14:useLocalDpi xmlns:a14="http://schemas.microsoft.com/office/drawing/2010/main" val="0"/>
@@ -3271,36 +3880,64 @@
           <a:lstStyle/>
           <a:p>
             <a:r>
-              <a:rPr lang="en-US" dirty="0" smtClean="0"/>
-              <a:t>DC Python (ZPUGDC, </a:t>
-            </a:r>
-            <a:r>
-              <a:rPr lang="en-US" dirty="0" err="1" smtClean="0"/>
-              <a:t>Inc</a:t>
-            </a:r>
-            <a:r>
-              <a:rPr lang="en-US" dirty="0" smtClean="0"/>
-              <a:t>)</a:t>
-            </a:r>
-          </a:p>
-          <a:p>
-            <a:r>
-              <a:rPr lang="en-US" dirty="0" smtClean="0"/>
-              <a:t>Sponsors</a:t>
-            </a:r>
-          </a:p>
-          <a:p>
-            <a:r>
               <a:rPr lang="en-US" dirty="0" smtClean="0">
                 <a:solidFill>
-                  <a:srgbClr val="FF0000"/>
+                  <a:schemeClr val="bg1">
+                    <a:lumMod val="50000"/>
+                  </a:schemeClr>
+                </a:solidFill>
+              </a:rPr>
+              <a:t>DC Python (ZPUGDC, </a:t>
+            </a:r>
+            <a:r>
+              <a:rPr lang="en-US" dirty="0" err="1" smtClean="0">
+                <a:solidFill>
+                  <a:schemeClr val="bg1">
+                    <a:lumMod val="50000"/>
+                  </a:schemeClr>
+                </a:solidFill>
+              </a:rPr>
+              <a:t>Inc</a:t>
+            </a:r>
+            <a:r>
+              <a:rPr lang="en-US" dirty="0" smtClean="0">
+                <a:solidFill>
+                  <a:schemeClr val="bg1">
+                    <a:lumMod val="50000"/>
+                  </a:schemeClr>
+                </a:solidFill>
+              </a:rPr>
+              <a:t>)</a:t>
+            </a:r>
+          </a:p>
+          <a:p>
+            <a:r>
+              <a:rPr lang="en-US" dirty="0" smtClean="0">
+                <a:solidFill>
+                  <a:schemeClr val="bg1">
+                    <a:lumMod val="50000"/>
+                  </a:schemeClr>
+                </a:solidFill>
+              </a:rPr>
+              <a:t>Sponsors</a:t>
+            </a:r>
+          </a:p>
+          <a:p>
+            <a:r>
+              <a:rPr lang="en-US" dirty="0" smtClean="0">
+                <a:solidFill>
+                  <a:schemeClr val="bg1">
+                    <a:lumMod val="50000"/>
+                  </a:schemeClr>
                 </a:solidFill>
               </a:rPr>
               <a:t>You</a:t>
             </a:r>
             <a:endParaRPr lang="en-US" dirty="0">
               <a:solidFill>
-                <a:srgbClr val="FF0000"/>
+                <a:schemeClr val="bg1">
+                  <a:lumMod val="50000"/>
+                </a:schemeClr>
               </a:solidFill>
             </a:endParaRPr>
           </a:p>
@@ -3375,15 +4012,19 @@
           <a:lstStyle/>
           <a:p>
             <a:r>
-              <a:rPr lang="en-US" dirty="0" smtClean="0"/>
-              <a:t>To get together</a:t>
-            </a:r>
-          </a:p>
-          <a:p>
-            <a:r>
               <a:rPr lang="en-US" dirty="0" smtClean="0">
                 <a:solidFill>
-                  <a:srgbClr val="FF0000"/>
+                  <a:srgbClr val="7F7F7F"/>
+                </a:solidFill>
+              </a:rPr>
+              <a:t>To get together</a:t>
+            </a:r>
+          </a:p>
+          <a:p>
+            <a:r>
+              <a:rPr lang="en-US" dirty="0" smtClean="0">
+                <a:solidFill>
+                  <a:srgbClr val="7F7F7F"/>
                 </a:solidFill>
               </a:rPr>
               <a:t>To learn Python</a:t>
@@ -3391,10 +4032,18 @@
           </a:p>
           <a:p>
             <a:r>
-              <a:rPr lang="en-US" dirty="0" smtClean="0"/>
+              <a:rPr lang="en-US" dirty="0" smtClean="0">
+                <a:solidFill>
+                  <a:srgbClr val="7F7F7F"/>
+                </a:solidFill>
+              </a:rPr>
               <a:t>To have fun</a:t>
             </a:r>
-            <a:endParaRPr lang="en-US" dirty="0"/>
+            <a:endParaRPr lang="en-US" dirty="0">
+              <a:solidFill>
+                <a:srgbClr val="7F7F7F"/>
+              </a:solidFill>
+            </a:endParaRPr>
           </a:p>
         </p:txBody>
       </p:sp>
@@ -3467,28 +4116,36 @@
           <a:lstStyle/>
           <a:p>
             <a:r>
-              <a:rPr lang="en-US" dirty="0" smtClean="0"/>
-              <a:t>Consistency</a:t>
-            </a:r>
-          </a:p>
-          <a:p>
-            <a:r>
-              <a:rPr lang="en-US" dirty="0" smtClean="0"/>
-              <a:t>Sponsors</a:t>
-            </a:r>
-          </a:p>
-          <a:p>
-            <a:r>
               <a:rPr lang="en-US" dirty="0" smtClean="0">
                 <a:solidFill>
-                  <a:srgbClr val="FF0000"/>
+                  <a:srgbClr val="7F7F7F"/>
+                </a:solidFill>
+              </a:rPr>
+              <a:t>Consistency</a:t>
+            </a:r>
+          </a:p>
+          <a:p>
+            <a:r>
+              <a:rPr lang="en-US" dirty="0" smtClean="0">
+                <a:solidFill>
+                  <a:srgbClr val="7F7F7F"/>
+                </a:solidFill>
+              </a:rPr>
+              <a:t>Sponsors</a:t>
+            </a:r>
+          </a:p>
+          <a:p>
+            <a:r>
+              <a:rPr lang="en-US" dirty="0" smtClean="0">
+                <a:solidFill>
+                  <a:srgbClr val="7F7F7F"/>
                 </a:solidFill>
               </a:rPr>
               <a:t>You</a:t>
             </a:r>
             <a:endParaRPr lang="en-US" dirty="0">
               <a:solidFill>
-                <a:srgbClr val="FF0000"/>
+                <a:srgbClr val="7F7F7F"/>
               </a:solidFill>
             </a:endParaRPr>
           </a:p>
@@ -3498,6 +4155,74 @@
     <p:extLst>
       <p:ext uri="{BB962C8B-B14F-4D97-AF65-F5344CB8AC3E}">
         <p14:creationId xmlns:p14="http://schemas.microsoft.com/office/powerpoint/2010/main" val="336716893"/>
+      </p:ext>
+    </p:extLst>
+  </p:cSld>
+  <p:clrMapOvr>
+    <a:masterClrMapping/>
+  </p:clrMapOvr>
+</p:sld>
+</file>
+
+<file path=ppt/slides/slide5.xml><?xml version="1.0" encoding="utf-8"?>
+<p:sld xmlns:a="http://schemas.openxmlformats.org/drawingml/2006/main" xmlns:r="http://schemas.openxmlformats.org/officeDocument/2006/relationships" xmlns:p="http://schemas.openxmlformats.org/presentationml/2006/main">
+  <p:cSld>
+    <p:spTree>
+      <p:nvGrpSpPr>
+        <p:cNvPr id="1" name=""/>
+        <p:cNvGrpSpPr/>
+        <p:nvPr/>
+      </p:nvGrpSpPr>
+      <p:grpSpPr>
+        <a:xfrm>
+          <a:off x="0" y="0"/>
+          <a:ext cx="0" cy="0"/>
+          <a:chOff x="0" y="0"/>
+          <a:chExt cx="0" cy="0"/>
+        </a:xfrm>
+      </p:grpSpPr>
+      <p:sp>
+        <p:nvSpPr>
+          <p:cNvPr id="2" name="Title 1"/>
+          <p:cNvSpPr>
+            <a:spLocks noGrp="1"/>
+          </p:cNvSpPr>
+          <p:nvPr>
+            <p:ph type="title"/>
+          </p:nvPr>
+        </p:nvSpPr>
+        <p:spPr/>
+        <p:txBody>
+          <a:bodyPr/>
+          <a:lstStyle/>
+          <a:p>
+            <a:endParaRPr lang="en-US"/>
+          </a:p>
+        </p:txBody>
+      </p:sp>
+      <p:sp>
+        <p:nvSpPr>
+          <p:cNvPr id="3" name="Content Placeholder 2"/>
+          <p:cNvSpPr>
+            <a:spLocks noGrp="1"/>
+          </p:cNvSpPr>
+          <p:nvPr>
+            <p:ph idx="1"/>
+          </p:nvPr>
+        </p:nvSpPr>
+        <p:spPr/>
+        <p:txBody>
+          <a:bodyPr/>
+          <a:lstStyle/>
+          <a:p>
+            <a:endParaRPr lang="en-US"/>
+          </a:p>
+        </p:txBody>
+      </p:sp>
+    </p:spTree>
+    <p:extLst>
+      <p:ext uri="{BB962C8B-B14F-4D97-AF65-F5344CB8AC3E}">
+        <p14:creationId xmlns:p14="http://schemas.microsoft.com/office/powerpoint/2010/main" val="2783754650"/>
       </p:ext>
     </p:extLst>
   </p:cSld>
@@ -3825,4 +4550,644 @@
   </a:objectDefaults>
   <a:extraClrSchemeLst/>
 </a:theme>
+</file>
+
+<file path=ppt/theme/theme2.xml><?xml version="1.0" encoding="utf-8"?>
+<a:theme xmlns:a="http://schemas.openxmlformats.org/drawingml/2006/main" name="Office Theme">
+  <a:themeElements>
+    <a:clrScheme name="Office">
+      <a:dk1>
+        <a:sysClr val="windowText" lastClr="000000"/>
+      </a:dk1>
+      <a:lt1>
+        <a:sysClr val="window" lastClr="FFFFFF"/>
+      </a:lt1>
+      <a:dk2>
+        <a:srgbClr val="1F497D"/>
+      </a:dk2>
+      <a:lt2>
+        <a:srgbClr val="EEECE1"/>
+      </a:lt2>
+      <a:accent1>
+        <a:srgbClr val="4F81BD"/>
+      </a:accent1>
+      <a:accent2>
+        <a:srgbClr val="C0504D"/>
+      </a:accent2>
+      <a:accent3>
+        <a:srgbClr val="9BBB59"/>
+      </a:accent3>
+      <a:accent4>
+        <a:srgbClr val="8064A2"/>
+      </a:accent4>
+      <a:accent5>
+        <a:srgbClr val="4BACC6"/>
+      </a:accent5>
+      <a:accent6>
+        <a:srgbClr val="F79646"/>
+      </a:accent6>
+      <a:hlink>
+        <a:srgbClr val="0000FF"/>
+      </a:hlink>
+      <a:folHlink>
+        <a:srgbClr val="800080"/>
+      </a:folHlink>
+    </a:clrScheme>
+    <a:fontScheme name="Office">
+      <a:majorFont>
+        <a:latin typeface="Calibri"/>
+        <a:ea typeface=""/>
+        <a:cs typeface=""/>
+        <a:font script="Jpan" typeface="ＭＳ Ｐゴシック"/>
+        <a:font script="Hang" typeface="맑은 고딕"/>
+        <a:font script="Hans" typeface="宋体"/>
+        <a:font script="Hant" typeface="新細明體"/>
+        <a:font script="Arab" typeface="Times New Roman"/>
+        <a:font script="Hebr" typeface="Times New Roman"/>
+        <a:font script="Thai" typeface="Angsana New"/>
+        <a:font script="Ethi" typeface="Nyala"/>
+        <a:font script="Beng" typeface="Vrinda"/>
+        <a:font script="Gujr" typeface="Shruti"/>
+        <a:font script="Khmr" typeface="MoolBoran"/>
+        <a:font script="Knda" typeface="Tunga"/>
+        <a:font script="Guru" typeface="Raavi"/>
+        <a:font script="Cans" typeface="Euphemia"/>
+        <a:font script="Cher" typeface="Plantagenet Cherokee"/>
+        <a:font script="Yiii" typeface="Microsoft Yi Baiti"/>
+        <a:font script="Tibt" typeface="Microsoft Himalaya"/>
+        <a:font script="Thaa" typeface="MV Boli"/>
+        <a:font script="Deva" typeface="Mangal"/>
+        <a:font script="Telu" typeface="Gautami"/>
+        <a:font script="Taml" typeface="Latha"/>
+        <a:font script="Syrc" typeface="Estrangelo Edessa"/>
+        <a:font script="Orya" typeface="Kalinga"/>
+        <a:font script="Mlym" typeface="Kartika"/>
+        <a:font script="Laoo" typeface="DokChampa"/>
+        <a:font script="Sinh" typeface="Iskoola Pota"/>
+        <a:font script="Mong" typeface="Mongolian Baiti"/>
+        <a:font script="Viet" typeface="Times New Roman"/>
+        <a:font script="Uigh" typeface="Microsoft Uighur"/>
+        <a:font script="Geor" typeface="Sylfaen"/>
+      </a:majorFont>
+      <a:minorFont>
+        <a:latin typeface="Calibri"/>
+        <a:ea typeface=""/>
+        <a:cs typeface=""/>
+        <a:font script="Jpan" typeface="ＭＳ Ｐゴシック"/>
+        <a:font script="Hang" typeface="맑은 고딕"/>
+        <a:font script="Hans" typeface="宋体"/>
+        <a:font script="Hant" typeface="新細明體"/>
+        <a:font script="Arab" typeface="Arial"/>
+        <a:font script="Hebr" typeface="Arial"/>
+        <a:font script="Thai" typeface="Cordia New"/>
+        <a:font script="Ethi" typeface="Nyala"/>
+        <a:font script="Beng" typeface="Vrinda"/>
+        <a:font script="Gujr" typeface="Shruti"/>
+        <a:font script="Khmr" typeface="DaunPenh"/>
+        <a:font script="Knda" typeface="Tunga"/>
+        <a:font script="Guru" typeface="Raavi"/>
+        <a:font script="Cans" typeface="Euphemia"/>
+        <a:font script="Cher" typeface="Plantagenet Cherokee"/>
+        <a:font script="Yiii" typeface="Microsoft Yi Baiti"/>
+        <a:font script="Tibt" typeface="Microsoft Himalaya"/>
+        <a:font script="Thaa" typeface="MV Boli"/>
+        <a:font script="Deva" typeface="Mangal"/>
+        <a:font script="Telu" typeface="Gautami"/>
+        <a:font script="Taml" typeface="Latha"/>
+        <a:font script="Syrc" typeface="Estrangelo Edessa"/>
+        <a:font script="Orya" typeface="Kalinga"/>
+        <a:font script="Mlym" typeface="Kartika"/>
+        <a:font script="Laoo" typeface="DokChampa"/>
+        <a:font script="Sinh" typeface="Iskoola Pota"/>
+        <a:font script="Mong" typeface="Mongolian Baiti"/>
+        <a:font script="Viet" typeface="Arial"/>
+        <a:font script="Uigh" typeface="Microsoft Uighur"/>
+        <a:font script="Geor" typeface="Sylfaen"/>
+      </a:minorFont>
+    </a:fontScheme>
+    <a:fmtScheme name="Office">
+      <a:fillStyleLst>
+        <a:solidFill>
+          <a:schemeClr val="phClr"/>
+        </a:solidFill>
+        <a:gradFill rotWithShape="1">
+          <a:gsLst>
+            <a:gs pos="0">
+              <a:schemeClr val="phClr">
+                <a:tint val="50000"/>
+                <a:satMod val="300000"/>
+              </a:schemeClr>
+            </a:gs>
+            <a:gs pos="35000">
+              <a:schemeClr val="phClr">
+                <a:tint val="37000"/>
+                <a:satMod val="300000"/>
+              </a:schemeClr>
+            </a:gs>
+            <a:gs pos="100000">
+              <a:schemeClr val="phClr">
+                <a:tint val="15000"/>
+                <a:satMod val="350000"/>
+              </a:schemeClr>
+            </a:gs>
+          </a:gsLst>
+          <a:lin ang="16200000" scaled="1"/>
+        </a:gradFill>
+        <a:gradFill rotWithShape="1">
+          <a:gsLst>
+            <a:gs pos="0">
+              <a:schemeClr val="phClr">
+                <a:tint val="100000"/>
+                <a:shade val="100000"/>
+                <a:satMod val="130000"/>
+              </a:schemeClr>
+            </a:gs>
+            <a:gs pos="100000">
+              <a:schemeClr val="phClr">
+                <a:tint val="50000"/>
+                <a:shade val="100000"/>
+                <a:satMod val="350000"/>
+              </a:schemeClr>
+            </a:gs>
+          </a:gsLst>
+          <a:lin ang="16200000" scaled="0"/>
+        </a:gradFill>
+      </a:fillStyleLst>
+      <a:lnStyleLst>
+        <a:ln w="9525" cap="flat" cmpd="sng" algn="ctr">
+          <a:solidFill>
+            <a:schemeClr val="phClr">
+              <a:shade val="95000"/>
+              <a:satMod val="105000"/>
+            </a:schemeClr>
+          </a:solidFill>
+          <a:prstDash val="solid"/>
+        </a:ln>
+        <a:ln w="25400" cap="flat" cmpd="sng" algn="ctr">
+          <a:solidFill>
+            <a:schemeClr val="phClr"/>
+          </a:solidFill>
+          <a:prstDash val="solid"/>
+        </a:ln>
+        <a:ln w="38100" cap="flat" cmpd="sng" algn="ctr">
+          <a:solidFill>
+            <a:schemeClr val="phClr"/>
+          </a:solidFill>
+          <a:prstDash val="solid"/>
+        </a:ln>
+      </a:lnStyleLst>
+      <a:effectStyleLst>
+        <a:effectStyle>
+          <a:effectLst>
+            <a:outerShdw blurRad="40000" dist="20000" dir="5400000" rotWithShape="0">
+              <a:srgbClr val="000000">
+                <a:alpha val="38000"/>
+              </a:srgbClr>
+            </a:outerShdw>
+          </a:effectLst>
+        </a:effectStyle>
+        <a:effectStyle>
+          <a:effectLst>
+            <a:outerShdw blurRad="40000" dist="23000" dir="5400000" rotWithShape="0">
+              <a:srgbClr val="000000">
+                <a:alpha val="35000"/>
+              </a:srgbClr>
+            </a:outerShdw>
+          </a:effectLst>
+        </a:effectStyle>
+        <a:effectStyle>
+          <a:effectLst>
+            <a:outerShdw blurRad="40000" dist="23000" dir="5400000" rotWithShape="0">
+              <a:srgbClr val="000000">
+                <a:alpha val="35000"/>
+              </a:srgbClr>
+            </a:outerShdw>
+          </a:effectLst>
+          <a:scene3d>
+            <a:camera prst="orthographicFront">
+              <a:rot lat="0" lon="0" rev="0"/>
+            </a:camera>
+            <a:lightRig rig="threePt" dir="t">
+              <a:rot lat="0" lon="0" rev="1200000"/>
+            </a:lightRig>
+          </a:scene3d>
+          <a:sp3d>
+            <a:bevelT w="63500" h="25400"/>
+          </a:sp3d>
+        </a:effectStyle>
+      </a:effectStyleLst>
+      <a:bgFillStyleLst>
+        <a:solidFill>
+          <a:schemeClr val="phClr"/>
+        </a:solidFill>
+        <a:gradFill rotWithShape="1">
+          <a:gsLst>
+            <a:gs pos="0">
+              <a:schemeClr val="phClr">
+                <a:tint val="40000"/>
+                <a:satMod val="350000"/>
+              </a:schemeClr>
+            </a:gs>
+            <a:gs pos="40000">
+              <a:schemeClr val="phClr">
+                <a:tint val="45000"/>
+                <a:shade val="99000"/>
+                <a:satMod val="350000"/>
+              </a:schemeClr>
+            </a:gs>
+            <a:gs pos="100000">
+              <a:schemeClr val="phClr">
+                <a:shade val="20000"/>
+                <a:satMod val="255000"/>
+              </a:schemeClr>
+            </a:gs>
+          </a:gsLst>
+          <a:path path="circle">
+            <a:fillToRect l="50000" t="-80000" r="50000" b="180000"/>
+          </a:path>
+        </a:gradFill>
+        <a:gradFill rotWithShape="1">
+          <a:gsLst>
+            <a:gs pos="0">
+              <a:schemeClr val="phClr">
+                <a:tint val="80000"/>
+                <a:satMod val="300000"/>
+              </a:schemeClr>
+            </a:gs>
+            <a:gs pos="100000">
+              <a:schemeClr val="phClr">
+                <a:shade val="30000"/>
+                <a:satMod val="200000"/>
+              </a:schemeClr>
+            </a:gs>
+          </a:gsLst>
+          <a:path path="circle">
+            <a:fillToRect l="50000" t="50000" r="50000" b="50000"/>
+          </a:path>
+        </a:gradFill>
+      </a:bgFillStyleLst>
+    </a:fmtScheme>
+  </a:themeElements>
+  <a:objectDefaults>
+    <a:spDef>
+      <a:spPr/>
+      <a:bodyPr/>
+      <a:lstStyle/>
+      <a:style>
+        <a:lnRef idx="1">
+          <a:schemeClr val="accent1"/>
+        </a:lnRef>
+        <a:fillRef idx="3">
+          <a:schemeClr val="accent1"/>
+        </a:fillRef>
+        <a:effectRef idx="2">
+          <a:schemeClr val="accent1"/>
+        </a:effectRef>
+        <a:fontRef idx="minor">
+          <a:schemeClr val="lt1"/>
+        </a:fontRef>
+      </a:style>
+    </a:spDef>
+    <a:lnDef>
+      <a:spPr/>
+      <a:bodyPr/>
+      <a:lstStyle/>
+      <a:style>
+        <a:lnRef idx="2">
+          <a:schemeClr val="accent1"/>
+        </a:lnRef>
+        <a:fillRef idx="0">
+          <a:schemeClr val="accent1"/>
+        </a:fillRef>
+        <a:effectRef idx="1">
+          <a:schemeClr val="accent1"/>
+        </a:effectRef>
+        <a:fontRef idx="minor">
+          <a:schemeClr val="tx1"/>
+        </a:fontRef>
+      </a:style>
+    </a:lnDef>
+  </a:objectDefaults>
+  <a:extraClrSchemeLst/>
+</a:theme>
+</file>
+
+<file path=ppt/theme/theme3.xml><?xml version="1.0" encoding="utf-8"?>
+<a:theme xmlns:a="http://schemas.openxmlformats.org/drawingml/2006/main" name="Office Theme">
+  <a:themeElements>
+    <a:clrScheme name="Office">
+      <a:dk1>
+        <a:sysClr val="windowText" lastClr="000000"/>
+      </a:dk1>
+      <a:lt1>
+        <a:sysClr val="window" lastClr="FFFFFF"/>
+      </a:lt1>
+      <a:dk2>
+        <a:srgbClr val="1F497D"/>
+      </a:dk2>
+      <a:lt2>
+        <a:srgbClr val="EEECE1"/>
+      </a:lt2>
+      <a:accent1>
+        <a:srgbClr val="4F81BD"/>
+      </a:accent1>
+      <a:accent2>
+        <a:srgbClr val="C0504D"/>
+      </a:accent2>
+      <a:accent3>
+        <a:srgbClr val="9BBB59"/>
+      </a:accent3>
+      <a:accent4>
+        <a:srgbClr val="8064A2"/>
+      </a:accent4>
+      <a:accent5>
+        <a:srgbClr val="4BACC6"/>
+      </a:accent5>
+      <a:accent6>
+        <a:srgbClr val="F79646"/>
+      </a:accent6>
+      <a:hlink>
+        <a:srgbClr val="0000FF"/>
+      </a:hlink>
+      <a:folHlink>
+        <a:srgbClr val="800080"/>
+      </a:folHlink>
+    </a:clrScheme>
+    <a:fontScheme name="Office">
+      <a:majorFont>
+        <a:latin typeface="Calibri"/>
+        <a:ea typeface=""/>
+        <a:cs typeface=""/>
+        <a:font script="Jpan" typeface="ＭＳ Ｐゴシック"/>
+        <a:font script="Hang" typeface="맑은 고딕"/>
+        <a:font script="Hans" typeface="宋体"/>
+        <a:font script="Hant" typeface="新細明體"/>
+        <a:font script="Arab" typeface="Times New Roman"/>
+        <a:font script="Hebr" typeface="Times New Roman"/>
+        <a:font script="Thai" typeface="Angsana New"/>
+        <a:font script="Ethi" typeface="Nyala"/>
+        <a:font script="Beng" typeface="Vrinda"/>
+        <a:font script="Gujr" typeface="Shruti"/>
+        <a:font script="Khmr" typeface="MoolBoran"/>
+        <a:font script="Knda" typeface="Tunga"/>
+        <a:font script="Guru" typeface="Raavi"/>
+        <a:font script="Cans" typeface="Euphemia"/>
+        <a:font script="Cher" typeface="Plantagenet Cherokee"/>
+        <a:font script="Yiii" typeface="Microsoft Yi Baiti"/>
+        <a:font script="Tibt" typeface="Microsoft Himalaya"/>
+        <a:font script="Thaa" typeface="MV Boli"/>
+        <a:font script="Deva" typeface="Mangal"/>
+        <a:font script="Telu" typeface="Gautami"/>
+        <a:font script="Taml" typeface="Latha"/>
+        <a:font script="Syrc" typeface="Estrangelo Edessa"/>
+        <a:font script="Orya" typeface="Kalinga"/>
+        <a:font script="Mlym" typeface="Kartika"/>
+        <a:font script="Laoo" typeface="DokChampa"/>
+        <a:font script="Sinh" typeface="Iskoola Pota"/>
+        <a:font script="Mong" typeface="Mongolian Baiti"/>
+        <a:font script="Viet" typeface="Times New Roman"/>
+        <a:font script="Uigh" typeface="Microsoft Uighur"/>
+        <a:font script="Geor" typeface="Sylfaen"/>
+      </a:majorFont>
+      <a:minorFont>
+        <a:latin typeface="Calibri"/>
+        <a:ea typeface=""/>
+        <a:cs typeface=""/>
+        <a:font script="Jpan" typeface="ＭＳ Ｐゴシック"/>
+        <a:font script="Hang" typeface="맑은 고딕"/>
+        <a:font script="Hans" typeface="宋体"/>
+        <a:font script="Hant" typeface="新細明體"/>
+        <a:font script="Arab" typeface="Arial"/>
+        <a:font script="Hebr" typeface="Arial"/>
+        <a:font script="Thai" typeface="Cordia New"/>
+        <a:font script="Ethi" typeface="Nyala"/>
+        <a:font script="Beng" typeface="Vrinda"/>
+        <a:font script="Gujr" typeface="Shruti"/>
+        <a:font script="Khmr" typeface="DaunPenh"/>
+        <a:font script="Knda" typeface="Tunga"/>
+        <a:font script="Guru" typeface="Raavi"/>
+        <a:font script="Cans" typeface="Euphemia"/>
+        <a:font script="Cher" typeface="Plantagenet Cherokee"/>
+        <a:font script="Yiii" typeface="Microsoft Yi Baiti"/>
+        <a:font script="Tibt" typeface="Microsoft Himalaya"/>
+        <a:font script="Thaa" typeface="MV Boli"/>
+        <a:font script="Deva" typeface="Mangal"/>
+        <a:font script="Telu" typeface="Gautami"/>
+        <a:font script="Taml" typeface="Latha"/>
+        <a:font script="Syrc" typeface="Estrangelo Edessa"/>
+        <a:font script="Orya" typeface="Kalinga"/>
+        <a:font script="Mlym" typeface="Kartika"/>
+        <a:font script="Laoo" typeface="DokChampa"/>
+        <a:font script="Sinh" typeface="Iskoola Pota"/>
+        <a:font script="Mong" typeface="Mongolian Baiti"/>
+        <a:font script="Viet" typeface="Arial"/>
+        <a:font script="Uigh" typeface="Microsoft Uighur"/>
+        <a:font script="Geor" typeface="Sylfaen"/>
+      </a:minorFont>
+    </a:fontScheme>
+    <a:fmtScheme name="Office">
+      <a:fillStyleLst>
+        <a:solidFill>
+          <a:schemeClr val="phClr"/>
+        </a:solidFill>
+        <a:gradFill rotWithShape="1">
+          <a:gsLst>
+            <a:gs pos="0">
+              <a:schemeClr val="phClr">
+                <a:tint val="50000"/>
+                <a:satMod val="300000"/>
+              </a:schemeClr>
+            </a:gs>
+            <a:gs pos="35000">
+              <a:schemeClr val="phClr">
+                <a:tint val="37000"/>
+                <a:satMod val="300000"/>
+              </a:schemeClr>
+            </a:gs>
+            <a:gs pos="100000">
+              <a:schemeClr val="phClr">
+                <a:tint val="15000"/>
+                <a:satMod val="350000"/>
+              </a:schemeClr>
+            </a:gs>
+          </a:gsLst>
+          <a:lin ang="16200000" scaled="1"/>
+        </a:gradFill>
+        <a:gradFill rotWithShape="1">
+          <a:gsLst>
+            <a:gs pos="0">
+              <a:schemeClr val="phClr">
+                <a:tint val="100000"/>
+                <a:shade val="100000"/>
+                <a:satMod val="130000"/>
+              </a:schemeClr>
+            </a:gs>
+            <a:gs pos="100000">
+              <a:schemeClr val="phClr">
+                <a:tint val="50000"/>
+                <a:shade val="100000"/>
+                <a:satMod val="350000"/>
+              </a:schemeClr>
+            </a:gs>
+          </a:gsLst>
+          <a:lin ang="16200000" scaled="0"/>
+        </a:gradFill>
+      </a:fillStyleLst>
+      <a:lnStyleLst>
+        <a:ln w="9525" cap="flat" cmpd="sng" algn="ctr">
+          <a:solidFill>
+            <a:schemeClr val="phClr">
+              <a:shade val="95000"/>
+              <a:satMod val="105000"/>
+            </a:schemeClr>
+          </a:solidFill>
+          <a:prstDash val="solid"/>
+        </a:ln>
+        <a:ln w="25400" cap="flat" cmpd="sng" algn="ctr">
+          <a:solidFill>
+            <a:schemeClr val="phClr"/>
+          </a:solidFill>
+          <a:prstDash val="solid"/>
+        </a:ln>
+        <a:ln w="38100" cap="flat" cmpd="sng" algn="ctr">
+          <a:solidFill>
+            <a:schemeClr val="phClr"/>
+          </a:solidFill>
+          <a:prstDash val="solid"/>
+        </a:ln>
+      </a:lnStyleLst>
+      <a:effectStyleLst>
+        <a:effectStyle>
+          <a:effectLst>
+            <a:outerShdw blurRad="40000" dist="20000" dir="5400000" rotWithShape="0">
+              <a:srgbClr val="000000">
+                <a:alpha val="38000"/>
+              </a:srgbClr>
+            </a:outerShdw>
+          </a:effectLst>
+        </a:effectStyle>
+        <a:effectStyle>
+          <a:effectLst>
+            <a:outerShdw blurRad="40000" dist="23000" dir="5400000" rotWithShape="0">
+              <a:srgbClr val="000000">
+                <a:alpha val="35000"/>
+              </a:srgbClr>
+            </a:outerShdw>
+          </a:effectLst>
+        </a:effectStyle>
+        <a:effectStyle>
+          <a:effectLst>
+            <a:outerShdw blurRad="40000" dist="23000" dir="5400000" rotWithShape="0">
+              <a:srgbClr val="000000">
+                <a:alpha val="35000"/>
+              </a:srgbClr>
+            </a:outerShdw>
+          </a:effectLst>
+          <a:scene3d>
+            <a:camera prst="orthographicFront">
+              <a:rot lat="0" lon="0" rev="0"/>
+            </a:camera>
+            <a:lightRig rig="threePt" dir="t">
+              <a:rot lat="0" lon="0" rev="1200000"/>
+            </a:lightRig>
+          </a:scene3d>
+          <a:sp3d>
+            <a:bevelT w="63500" h="25400"/>
+          </a:sp3d>
+        </a:effectStyle>
+      </a:effectStyleLst>
+      <a:bgFillStyleLst>
+        <a:solidFill>
+          <a:schemeClr val="phClr"/>
+        </a:solidFill>
+        <a:gradFill rotWithShape="1">
+          <a:gsLst>
+            <a:gs pos="0">
+              <a:schemeClr val="phClr">
+                <a:tint val="40000"/>
+                <a:satMod val="350000"/>
+              </a:schemeClr>
+            </a:gs>
+            <a:gs pos="40000">
+              <a:schemeClr val="phClr">
+                <a:tint val="45000"/>
+                <a:shade val="99000"/>
+                <a:satMod val="350000"/>
+              </a:schemeClr>
+            </a:gs>
+            <a:gs pos="100000">
+              <a:schemeClr val="phClr">
+                <a:shade val="20000"/>
+                <a:satMod val="255000"/>
+              </a:schemeClr>
+            </a:gs>
+          </a:gsLst>
+          <a:path path="circle">
+            <a:fillToRect l="50000" t="-80000" r="50000" b="180000"/>
+          </a:path>
+        </a:gradFill>
+        <a:gradFill rotWithShape="1">
+          <a:gsLst>
+            <a:gs pos="0">
+              <a:schemeClr val="phClr">
+                <a:tint val="80000"/>
+                <a:satMod val="300000"/>
+              </a:schemeClr>
+            </a:gs>
+            <a:gs pos="100000">
+              <a:schemeClr val="phClr">
+                <a:shade val="30000"/>
+                <a:satMod val="200000"/>
+              </a:schemeClr>
+            </a:gs>
+          </a:gsLst>
+          <a:path path="circle">
+            <a:fillToRect l="50000" t="50000" r="50000" b="50000"/>
+          </a:path>
+        </a:gradFill>
+      </a:bgFillStyleLst>
+    </a:fmtScheme>
+  </a:themeElements>
+  <a:objectDefaults>
+    <a:spDef>
+      <a:spPr/>
+      <a:bodyPr/>
+      <a:lstStyle/>
+      <a:style>
+        <a:lnRef idx="1">
+          <a:schemeClr val="accent1"/>
+        </a:lnRef>
+        <a:fillRef idx="3">
+          <a:schemeClr val="accent1"/>
+        </a:fillRef>
+        <a:effectRef idx="2">
+          <a:schemeClr val="accent1"/>
+        </a:effectRef>
+        <a:fontRef idx="minor">
+          <a:schemeClr val="lt1"/>
+        </a:fontRef>
+      </a:style>
+    </a:spDef>
+    <a:lnDef>
+      <a:spPr/>
+      <a:bodyPr/>
+      <a:lstStyle/>
+      <a:style>
+        <a:lnRef idx="2">
+          <a:schemeClr val="accent1"/>
+        </a:lnRef>
+        <a:fillRef idx="0">
+          <a:schemeClr val="accent1"/>
+        </a:fillRef>
+        <a:effectRef idx="1">
+          <a:schemeClr val="accent1"/>
+        </a:effectRef>
+        <a:fontRef idx="minor">
+          <a:schemeClr val="tx1"/>
+        </a:fontRef>
+      </a:style>
+    </a:lnDef>
+  </a:objectDefaults>
+  <a:extraClrSchemeLst/>
+</a:theme>
 </file>
--- a/DC Python Generic Meetup Slides.pptx
+++ b/DC Python Generic Meetup Slides.pptx
@@ -5,17 +5,30 @@
     <p:sldMasterId id="2147483648" r:id="rId1"/>
   </p:sldMasterIdLst>
   <p:notesMasterIdLst>
-    <p:notesMasterId r:id="rId7"/>
+    <p:notesMasterId r:id="rId20"/>
   </p:notesMasterIdLst>
   <p:handoutMasterIdLst>
-    <p:handoutMasterId r:id="rId8"/>
+    <p:handoutMasterId r:id="rId21"/>
   </p:handoutMasterIdLst>
   <p:sldIdLst>
     <p:sldId id="256" r:id="rId2"/>
     <p:sldId id="257" r:id="rId3"/>
-    <p:sldId id="258" r:id="rId4"/>
-    <p:sldId id="259" r:id="rId5"/>
-    <p:sldId id="260" r:id="rId6"/>
+    <p:sldId id="270" r:id="rId4"/>
+    <p:sldId id="261" r:id="rId5"/>
+    <p:sldId id="269" r:id="rId6"/>
+    <p:sldId id="262" r:id="rId7"/>
+    <p:sldId id="268" r:id="rId8"/>
+    <p:sldId id="267" r:id="rId9"/>
+    <p:sldId id="258" r:id="rId10"/>
+    <p:sldId id="271" r:id="rId11"/>
+    <p:sldId id="265" r:id="rId12"/>
+    <p:sldId id="272" r:id="rId13"/>
+    <p:sldId id="266" r:id="rId14"/>
+    <p:sldId id="273" r:id="rId15"/>
+    <p:sldId id="259" r:id="rId16"/>
+    <p:sldId id="263" r:id="rId17"/>
+    <p:sldId id="264" r:id="rId18"/>
+    <p:sldId id="260" r:id="rId19"/>
   </p:sldIdLst>
   <p:sldSz cx="9144000" cy="6858000" type="screen4x3"/>
   <p:notesSz cx="6858000" cy="9144000"/>
@@ -115,6 +128,2693 @@
     </a:lvl9pPr>
   </p:defaultTextStyle>
 </p:presentation>
+</file>
+
+<file path=ppt/diagrams/colors1.xml><?xml version="1.0" encoding="utf-8"?>
+<dgm:colorsDef xmlns:dgm="http://schemas.openxmlformats.org/drawingml/2006/diagram" xmlns:a="http://schemas.openxmlformats.org/drawingml/2006/main" uniqueId="urn:microsoft.com/office/officeart/2005/8/colors/accent1_2">
+  <dgm:title val=""/>
+  <dgm:desc val=""/>
+  <dgm:catLst>
+    <dgm:cat type="accent1" pri="11200"/>
+  </dgm:catLst>
+  <dgm:styleLbl name="node0">
+    <dgm:fillClrLst meth="repeat">
+      <a:schemeClr val="accent1"/>
+    </dgm:fillClrLst>
+    <dgm:linClrLst meth="repeat">
+      <a:schemeClr val="lt1"/>
+    </dgm:linClrLst>
+    <dgm:effectClrLst/>
+    <dgm:txLinClrLst/>
+    <dgm:txFillClrLst/>
+    <dgm:txEffectClrLst/>
+  </dgm:styleLbl>
+  <dgm:styleLbl name="alignNode1">
+    <dgm:fillClrLst meth="repeat">
+      <a:schemeClr val="accent1"/>
+    </dgm:fillClrLst>
+    <dgm:linClrLst meth="repeat">
+      <a:schemeClr val="accent1"/>
+    </dgm:linClrLst>
+    <dgm:effectClrLst/>
+    <dgm:txLinClrLst/>
+    <dgm:txFillClrLst/>
+    <dgm:txEffectClrLst/>
+  </dgm:styleLbl>
+  <dgm:styleLbl name="node1">
+    <dgm:fillClrLst meth="repeat">
+      <a:schemeClr val="accent1"/>
+    </dgm:fillClrLst>
+    <dgm:linClrLst meth="repeat">
+      <a:schemeClr val="lt1"/>
+    </dgm:linClrLst>
+    <dgm:effectClrLst/>
+    <dgm:txLinClrLst/>
+    <dgm:txFillClrLst/>
+    <dgm:txEffectClrLst/>
+  </dgm:styleLbl>
+  <dgm:styleLbl name="lnNode1">
+    <dgm:fillClrLst meth="repeat">
+      <a:schemeClr val="accent1"/>
+    </dgm:fillClrLst>
+    <dgm:linClrLst meth="repeat">
+      <a:schemeClr val="lt1"/>
+    </dgm:linClrLst>
+    <dgm:effectClrLst/>
+    <dgm:txLinClrLst/>
+    <dgm:txFillClrLst/>
+    <dgm:txEffectClrLst/>
+  </dgm:styleLbl>
+  <dgm:styleLbl name="vennNode1">
+    <dgm:fillClrLst meth="repeat">
+      <a:schemeClr val="accent1">
+        <a:alpha val="50000"/>
+      </a:schemeClr>
+    </dgm:fillClrLst>
+    <dgm:linClrLst meth="repeat">
+      <a:schemeClr val="lt1"/>
+    </dgm:linClrLst>
+    <dgm:effectClrLst/>
+    <dgm:txLinClrLst/>
+    <dgm:txFillClrLst/>
+    <dgm:txEffectClrLst/>
+  </dgm:styleLbl>
+  <dgm:styleLbl name="node2">
+    <dgm:fillClrLst meth="repeat">
+      <a:schemeClr val="accent1"/>
+    </dgm:fillClrLst>
+    <dgm:linClrLst meth="repeat">
+      <a:schemeClr val="lt1"/>
+    </dgm:linClrLst>
+    <dgm:effectClrLst/>
+    <dgm:txLinClrLst/>
+    <dgm:txFillClrLst/>
+    <dgm:txEffectClrLst/>
+  </dgm:styleLbl>
+  <dgm:styleLbl name="node3">
+    <dgm:fillClrLst meth="repeat">
+      <a:schemeClr val="accent1"/>
+    </dgm:fillClrLst>
+    <dgm:linClrLst meth="repeat">
+      <a:schemeClr val="lt1"/>
+    </dgm:linClrLst>
+    <dgm:effectClrLst/>
+    <dgm:txLinClrLst/>
+    <dgm:txFillClrLst/>
+    <dgm:txEffectClrLst/>
+  </dgm:styleLbl>
+  <dgm:styleLbl name="node4">
+    <dgm:fillClrLst meth="repeat">
+      <a:schemeClr val="accent1"/>
+    </dgm:fillClrLst>
+    <dgm:linClrLst meth="repeat">
+      <a:schemeClr val="lt1"/>
+    </dgm:linClrLst>
+    <dgm:effectClrLst/>
+    <dgm:txLinClrLst/>
+    <dgm:txFillClrLst/>
+    <dgm:txEffectClrLst/>
+  </dgm:styleLbl>
+  <dgm:styleLbl name="fgImgPlace1">
+    <dgm:fillClrLst meth="repeat">
+      <a:schemeClr val="accent1">
+        <a:tint val="50000"/>
+      </a:schemeClr>
+    </dgm:fillClrLst>
+    <dgm:linClrLst meth="repeat">
+      <a:schemeClr val="lt1"/>
+    </dgm:linClrLst>
+    <dgm:effectClrLst/>
+    <dgm:txLinClrLst/>
+    <dgm:txFillClrLst meth="repeat">
+      <a:schemeClr val="lt1"/>
+    </dgm:txFillClrLst>
+    <dgm:txEffectClrLst/>
+  </dgm:styleLbl>
+  <dgm:styleLbl name="alignImgPlace1">
+    <dgm:fillClrLst meth="repeat">
+      <a:schemeClr val="accent1">
+        <a:tint val="50000"/>
+      </a:schemeClr>
+    </dgm:fillClrLst>
+    <dgm:linClrLst meth="repeat">
+      <a:schemeClr val="lt1"/>
+    </dgm:linClrLst>
+    <dgm:effectClrLst/>
+    <dgm:txLinClrLst/>
+    <dgm:txFillClrLst meth="repeat">
+      <a:schemeClr val="lt1"/>
+    </dgm:txFillClrLst>
+    <dgm:txEffectClrLst/>
+  </dgm:styleLbl>
+  <dgm:styleLbl name="bgImgPlace1">
+    <dgm:fillClrLst meth="repeat">
+      <a:schemeClr val="accent1">
+        <a:tint val="50000"/>
+      </a:schemeClr>
+    </dgm:fillClrLst>
+    <dgm:linClrLst meth="repeat">
+      <a:schemeClr val="lt1"/>
+    </dgm:linClrLst>
+    <dgm:effectClrLst/>
+    <dgm:txLinClrLst/>
+    <dgm:txFillClrLst meth="repeat">
+      <a:schemeClr val="lt1"/>
+    </dgm:txFillClrLst>
+    <dgm:txEffectClrLst/>
+  </dgm:styleLbl>
+  <dgm:styleLbl name="sibTrans2D1">
+    <dgm:fillClrLst meth="repeat">
+      <a:schemeClr val="accent1">
+        <a:tint val="60000"/>
+      </a:schemeClr>
+    </dgm:fillClrLst>
+    <dgm:linClrLst meth="repeat">
+      <a:schemeClr val="accent1">
+        <a:tint val="60000"/>
+      </a:schemeClr>
+    </dgm:linClrLst>
+    <dgm:effectClrLst/>
+    <dgm:txLinClrLst/>
+    <dgm:txFillClrLst/>
+    <dgm:txEffectClrLst/>
+  </dgm:styleLbl>
+  <dgm:styleLbl name="fgSibTrans2D1">
+    <dgm:fillClrLst meth="repeat">
+      <a:schemeClr val="accent1">
+        <a:tint val="60000"/>
+      </a:schemeClr>
+    </dgm:fillClrLst>
+    <dgm:linClrLst meth="repeat">
+      <a:schemeClr val="accent1">
+        <a:tint val="60000"/>
+      </a:schemeClr>
+    </dgm:linClrLst>
+    <dgm:effectClrLst/>
+    <dgm:txLinClrLst/>
+    <dgm:txFillClrLst/>
+    <dgm:txEffectClrLst/>
+  </dgm:styleLbl>
+  <dgm:styleLbl name="bgSibTrans2D1">
+    <dgm:fillClrLst meth="repeat">
+      <a:schemeClr val="accent1">
+        <a:tint val="60000"/>
+      </a:schemeClr>
+    </dgm:fillClrLst>
+    <dgm:linClrLst meth="repeat">
+      <a:schemeClr val="accent1">
+        <a:tint val="60000"/>
+      </a:schemeClr>
+    </dgm:linClrLst>
+    <dgm:effectClrLst/>
+    <dgm:txLinClrLst/>
+    <dgm:txFillClrLst/>
+    <dgm:txEffectClrLst/>
+  </dgm:styleLbl>
+  <dgm:styleLbl name="sibTrans1D1">
+    <dgm:fillClrLst meth="repeat">
+      <a:schemeClr val="accent1"/>
+    </dgm:fillClrLst>
+    <dgm:linClrLst meth="repeat">
+      <a:schemeClr val="accent1"/>
+    </dgm:linClrLst>
+    <dgm:effectClrLst/>
+    <dgm:txLinClrLst/>
+    <dgm:txFillClrLst meth="repeat">
+      <a:schemeClr val="tx1"/>
+    </dgm:txFillClrLst>
+    <dgm:txEffectClrLst/>
+  </dgm:styleLbl>
+  <dgm:styleLbl name="callout">
+    <dgm:fillClrLst meth="repeat">
+      <a:schemeClr val="accent1"/>
+    </dgm:fillClrLst>
+    <dgm:linClrLst meth="repeat">
+      <a:schemeClr val="accent1">
+        <a:tint val="50000"/>
+      </a:schemeClr>
+    </dgm:linClrLst>
+    <dgm:effectClrLst/>
+    <dgm:txLinClrLst/>
+    <dgm:txFillClrLst meth="repeat">
+      <a:schemeClr val="tx1"/>
+    </dgm:txFillClrLst>
+    <dgm:txEffectClrLst/>
+  </dgm:styleLbl>
+  <dgm:styleLbl name="asst0">
+    <dgm:fillClrLst meth="repeat">
+      <a:schemeClr val="accent1"/>
+    </dgm:fillClrLst>
+    <dgm:linClrLst meth="repeat">
+      <a:schemeClr val="lt1"/>
+    </dgm:linClrLst>
+    <dgm:effectClrLst/>
+    <dgm:txLinClrLst/>
+    <dgm:txFillClrLst/>
+    <dgm:txEffectClrLst/>
+  </dgm:styleLbl>
+  <dgm:styleLbl name="asst1">
+    <dgm:fillClrLst meth="repeat">
+      <a:schemeClr val="accent1"/>
+    </dgm:fillClrLst>
+    <dgm:linClrLst meth="repeat">
+      <a:schemeClr val="lt1"/>
+    </dgm:linClrLst>
+    <dgm:effectClrLst/>
+    <dgm:txLinClrLst/>
+    <dgm:txFillClrLst/>
+    <dgm:txEffectClrLst/>
+  </dgm:styleLbl>
+  <dgm:styleLbl name="asst2">
+    <dgm:fillClrLst meth="repeat">
+      <a:schemeClr val="accent1"/>
+    </dgm:fillClrLst>
+    <dgm:linClrLst meth="repeat">
+      <a:schemeClr val="lt1"/>
+    </dgm:linClrLst>
+    <dgm:effectClrLst/>
+    <dgm:txLinClrLst/>
+    <dgm:txFillClrLst/>
+    <dgm:txEffectClrLst/>
+  </dgm:styleLbl>
+  <dgm:styleLbl name="asst3">
+    <dgm:fillClrLst meth="repeat">
+      <a:schemeClr val="accent1"/>
+    </dgm:fillClrLst>
+    <dgm:linClrLst meth="repeat">
+      <a:schemeClr val="lt1"/>
+    </dgm:linClrLst>
+    <dgm:effectClrLst/>
+    <dgm:txLinClrLst/>
+    <dgm:txFillClrLst/>
+    <dgm:txEffectClrLst/>
+  </dgm:styleLbl>
+  <dgm:styleLbl name="asst4">
+    <dgm:fillClrLst meth="repeat">
+      <a:schemeClr val="accent1"/>
+    </dgm:fillClrLst>
+    <dgm:linClrLst meth="repeat">
+      <a:schemeClr val="lt1"/>
+    </dgm:linClrLst>
+    <dgm:effectClrLst/>
+    <dgm:txLinClrLst/>
+    <dgm:txFillClrLst/>
+    <dgm:txEffectClrLst/>
+  </dgm:styleLbl>
+  <dgm:styleLbl name="parChTrans2D1">
+    <dgm:fillClrLst meth="repeat">
+      <a:schemeClr val="accent1">
+        <a:tint val="60000"/>
+      </a:schemeClr>
+    </dgm:fillClrLst>
+    <dgm:linClrLst meth="repeat">
+      <a:schemeClr val="accent1">
+        <a:tint val="60000"/>
+      </a:schemeClr>
+    </dgm:linClrLst>
+    <dgm:effectClrLst/>
+    <dgm:txLinClrLst/>
+    <dgm:txFillClrLst meth="repeat">
+      <a:schemeClr val="lt1"/>
+    </dgm:txFillClrLst>
+    <dgm:txEffectClrLst/>
+  </dgm:styleLbl>
+  <dgm:styleLbl name="parChTrans2D2">
+    <dgm:fillClrLst meth="repeat">
+      <a:schemeClr val="accent1"/>
+    </dgm:fillClrLst>
+    <dgm:linClrLst meth="repeat">
+      <a:schemeClr val="accent1"/>
+    </dgm:linClrLst>
+    <dgm:effectClrLst/>
+    <dgm:txLinClrLst/>
+    <dgm:txFillClrLst meth="repeat">
+      <a:schemeClr val="lt1"/>
+    </dgm:txFillClrLst>
+    <dgm:txEffectClrLst/>
+  </dgm:styleLbl>
+  <dgm:styleLbl name="parChTrans2D3">
+    <dgm:fillClrLst meth="repeat">
+      <a:schemeClr val="accent1"/>
+    </dgm:fillClrLst>
+    <dgm:linClrLst meth="repeat">
+      <a:schemeClr val="accent1"/>
+    </dgm:linClrLst>
+    <dgm:effectClrLst/>
+    <dgm:txLinClrLst/>
+    <dgm:txFillClrLst meth="repeat">
+      <a:schemeClr val="lt1"/>
+    </dgm:txFillClrLst>
+    <dgm:txEffectClrLst/>
+  </dgm:styleLbl>
+  <dgm:styleLbl name="parChTrans2D4">
+    <dgm:fillClrLst meth="repeat">
+      <a:schemeClr val="accent1"/>
+    </dgm:fillClrLst>
+    <dgm:linClrLst meth="repeat">
+      <a:schemeClr val="accent1"/>
+    </dgm:linClrLst>
+    <dgm:effectClrLst/>
+    <dgm:txLinClrLst/>
+    <dgm:txFillClrLst meth="repeat">
+      <a:schemeClr val="lt1"/>
+    </dgm:txFillClrLst>
+    <dgm:txEffectClrLst/>
+  </dgm:styleLbl>
+  <dgm:styleLbl name="parChTrans1D1">
+    <dgm:fillClrLst meth="repeat">
+      <a:schemeClr val="accent1"/>
+    </dgm:fillClrLst>
+    <dgm:linClrLst meth="repeat">
+      <a:schemeClr val="accent1">
+        <a:shade val="60000"/>
+      </a:schemeClr>
+    </dgm:linClrLst>
+    <dgm:effectClrLst/>
+    <dgm:txLinClrLst/>
+    <dgm:txFillClrLst meth="repeat">
+      <a:schemeClr val="tx1"/>
+    </dgm:txFillClrLst>
+    <dgm:txEffectClrLst/>
+  </dgm:styleLbl>
+  <dgm:styleLbl name="parChTrans1D2">
+    <dgm:fillClrLst meth="repeat">
+      <a:schemeClr val="accent1"/>
+    </dgm:fillClrLst>
+    <dgm:linClrLst meth="repeat">
+      <a:schemeClr val="accent1">
+        <a:shade val="60000"/>
+      </a:schemeClr>
+    </dgm:linClrLst>
+    <dgm:effectClrLst/>
+    <dgm:txLinClrLst/>
+    <dgm:txFillClrLst meth="repeat">
+      <a:schemeClr val="tx1"/>
+    </dgm:txFillClrLst>
+    <dgm:txEffectClrLst/>
+  </dgm:styleLbl>
+  <dgm:styleLbl name="parChTrans1D3">
+    <dgm:fillClrLst meth="repeat">
+      <a:schemeClr val="accent1"/>
+    </dgm:fillClrLst>
+    <dgm:linClrLst meth="repeat">
+      <a:schemeClr val="accent1">
+        <a:shade val="80000"/>
+      </a:schemeClr>
+    </dgm:linClrLst>
+    <dgm:effectClrLst/>
+    <dgm:txLinClrLst/>
+    <dgm:txFillClrLst meth="repeat">
+      <a:schemeClr val="tx1"/>
+    </dgm:txFillClrLst>
+    <dgm:txEffectClrLst/>
+  </dgm:styleLbl>
+  <dgm:styleLbl name="parChTrans1D4">
+    <dgm:fillClrLst meth="repeat">
+      <a:schemeClr val="accent1"/>
+    </dgm:fillClrLst>
+    <dgm:linClrLst meth="repeat">
+      <a:schemeClr val="accent1">
+        <a:shade val="80000"/>
+      </a:schemeClr>
+    </dgm:linClrLst>
+    <dgm:effectClrLst/>
+    <dgm:txLinClrLst/>
+    <dgm:txFillClrLst meth="repeat">
+      <a:schemeClr val="tx1"/>
+    </dgm:txFillClrLst>
+    <dgm:txEffectClrLst/>
+  </dgm:styleLbl>
+  <dgm:styleLbl name="fgAcc1">
+    <dgm:fillClrLst meth="repeat">
+      <a:schemeClr val="lt1">
+        <a:alpha val="90000"/>
+      </a:schemeClr>
+    </dgm:fillClrLst>
+    <dgm:linClrLst meth="repeat">
+      <a:schemeClr val="accent1"/>
+    </dgm:linClrLst>
+    <dgm:effectClrLst/>
+    <dgm:txLinClrLst/>
+    <dgm:txFillClrLst meth="repeat">
+      <a:schemeClr val="dk1"/>
+    </dgm:txFillClrLst>
+    <dgm:txEffectClrLst/>
+  </dgm:styleLbl>
+  <dgm:styleLbl name="conFgAcc1">
+    <dgm:fillClrLst meth="repeat">
+      <a:schemeClr val="lt1">
+        <a:alpha val="90000"/>
+      </a:schemeClr>
+    </dgm:fillClrLst>
+    <dgm:linClrLst meth="repeat">
+      <a:schemeClr val="accent1"/>
+    </dgm:linClrLst>
+    <dgm:effectClrLst/>
+    <dgm:txLinClrLst/>
+    <dgm:txFillClrLst meth="repeat">
+      <a:schemeClr val="dk1"/>
+    </dgm:txFillClrLst>
+    <dgm:txEffectClrLst/>
+  </dgm:styleLbl>
+  <dgm:styleLbl name="alignAcc1">
+    <dgm:fillClrLst meth="repeat">
+      <a:schemeClr val="lt1">
+        <a:alpha val="90000"/>
+      </a:schemeClr>
+    </dgm:fillClrLst>
+    <dgm:linClrLst meth="repeat">
+      <a:schemeClr val="accent1"/>
+    </dgm:linClrLst>
+    <dgm:effectClrLst/>
+    <dgm:txLinClrLst/>
+    <dgm:txFillClrLst meth="repeat">
+      <a:schemeClr val="dk1"/>
+    </dgm:txFillClrLst>
+    <dgm:txEffectClrLst/>
+  </dgm:styleLbl>
+  <dgm:styleLbl name="trAlignAcc1">
+    <dgm:fillClrLst meth="repeat">
+      <a:schemeClr val="lt1">
+        <a:alpha val="40000"/>
+      </a:schemeClr>
+    </dgm:fillClrLst>
+    <dgm:linClrLst meth="repeat">
+      <a:schemeClr val="accent1"/>
+    </dgm:linClrLst>
+    <dgm:effectClrLst/>
+    <dgm:txLinClrLst/>
+    <dgm:txFillClrLst meth="repeat">
+      <a:schemeClr val="dk1"/>
+    </dgm:txFillClrLst>
+    <dgm:txEffectClrLst/>
+  </dgm:styleLbl>
+  <dgm:styleLbl name="bgAcc1">
+    <dgm:fillClrLst meth="repeat">
+      <a:schemeClr val="lt1">
+        <a:alpha val="90000"/>
+      </a:schemeClr>
+    </dgm:fillClrLst>
+    <dgm:linClrLst meth="repeat">
+      <a:schemeClr val="accent1"/>
+    </dgm:linClrLst>
+    <dgm:effectClrLst/>
+    <dgm:txLinClrLst/>
+    <dgm:txFillClrLst meth="repeat">
+      <a:schemeClr val="dk1"/>
+    </dgm:txFillClrLst>
+    <dgm:txEffectClrLst/>
+  </dgm:styleLbl>
+  <dgm:styleLbl name="solidFgAcc1">
+    <dgm:fillClrLst meth="repeat">
+      <a:schemeClr val="lt1"/>
+    </dgm:fillClrLst>
+    <dgm:linClrLst meth="repeat">
+      <a:schemeClr val="accent1"/>
+    </dgm:linClrLst>
+    <dgm:effectClrLst/>
+    <dgm:txLinClrLst/>
+    <dgm:txFillClrLst meth="repeat">
+      <a:schemeClr val="dk1"/>
+    </dgm:txFillClrLst>
+    <dgm:txEffectClrLst/>
+  </dgm:styleLbl>
+  <dgm:styleLbl name="solidAlignAcc1">
+    <dgm:fillClrLst meth="repeat">
+      <a:schemeClr val="lt1"/>
+    </dgm:fillClrLst>
+    <dgm:linClrLst meth="repeat">
+      <a:schemeClr val="accent1"/>
+    </dgm:linClrLst>
+    <dgm:effectClrLst/>
+    <dgm:txLinClrLst/>
+    <dgm:txFillClrLst meth="repeat">
+      <a:schemeClr val="dk1"/>
+    </dgm:txFillClrLst>
+    <dgm:txEffectClrLst/>
+  </dgm:styleLbl>
+  <dgm:styleLbl name="solidBgAcc1">
+    <dgm:fillClrLst meth="repeat">
+      <a:schemeClr val="lt1"/>
+    </dgm:fillClrLst>
+    <dgm:linClrLst meth="repeat">
+      <a:schemeClr val="accent1"/>
+    </dgm:linClrLst>
+    <dgm:effectClrLst/>
+    <dgm:txLinClrLst/>
+    <dgm:txFillClrLst meth="repeat">
+      <a:schemeClr val="dk1"/>
+    </dgm:txFillClrLst>
+    <dgm:txEffectClrLst/>
+  </dgm:styleLbl>
+  <dgm:styleLbl name="fgAccFollowNode1">
+    <dgm:fillClrLst meth="repeat">
+      <a:schemeClr val="accent1">
+        <a:alpha val="90000"/>
+        <a:tint val="40000"/>
+      </a:schemeClr>
+    </dgm:fillClrLst>
+    <dgm:linClrLst meth="repeat">
+      <a:schemeClr val="accent1">
+        <a:alpha val="90000"/>
+        <a:tint val="40000"/>
+      </a:schemeClr>
+    </dgm:linClrLst>
+    <dgm:effectClrLst/>
+    <dgm:txLinClrLst/>
+    <dgm:txFillClrLst meth="repeat">
+      <a:schemeClr val="dk1"/>
+    </dgm:txFillClrLst>
+    <dgm:txEffectClrLst/>
+  </dgm:styleLbl>
+  <dgm:styleLbl name="alignAccFollowNode1">
+    <dgm:fillClrLst meth="repeat">
+      <a:schemeClr val="accent1">
+        <a:alpha val="90000"/>
+        <a:tint val="40000"/>
+      </a:schemeClr>
+    </dgm:fillClrLst>
+    <dgm:linClrLst meth="repeat">
+      <a:schemeClr val="accent1">
+        <a:alpha val="90000"/>
+        <a:tint val="40000"/>
+      </a:schemeClr>
+    </dgm:linClrLst>
+    <dgm:effectClrLst/>
+    <dgm:txLinClrLst/>
+    <dgm:txFillClrLst meth="repeat">
+      <a:schemeClr val="dk1"/>
+    </dgm:txFillClrLst>
+    <dgm:txEffectClrLst/>
+  </dgm:styleLbl>
+  <dgm:styleLbl name="bgAccFollowNode1">
+    <dgm:fillClrLst meth="repeat">
+      <a:schemeClr val="accent1">
+        <a:alpha val="90000"/>
+        <a:tint val="40000"/>
+      </a:schemeClr>
+    </dgm:fillClrLst>
+    <dgm:linClrLst meth="repeat">
+      <a:schemeClr val="accent1">
+        <a:alpha val="90000"/>
+        <a:tint val="40000"/>
+      </a:schemeClr>
+    </dgm:linClrLst>
+    <dgm:effectClrLst/>
+    <dgm:txLinClrLst/>
+    <dgm:txFillClrLst meth="repeat">
+      <a:schemeClr val="dk1"/>
+    </dgm:txFillClrLst>
+    <dgm:txEffectClrLst/>
+  </dgm:styleLbl>
+  <dgm:styleLbl name="fgAcc0">
+    <dgm:fillClrLst meth="repeat">
+      <a:schemeClr val="lt1">
+        <a:alpha val="90000"/>
+      </a:schemeClr>
+    </dgm:fillClrLst>
+    <dgm:linClrLst meth="repeat">
+      <a:schemeClr val="accent1"/>
+    </dgm:linClrLst>
+    <dgm:effectClrLst/>
+    <dgm:txLinClrLst/>
+    <dgm:txFillClrLst meth="repeat">
+      <a:schemeClr val="dk1"/>
+    </dgm:txFillClrLst>
+    <dgm:txEffectClrLst/>
+  </dgm:styleLbl>
+  <dgm:styleLbl name="fgAcc2">
+    <dgm:fillClrLst meth="repeat">
+      <a:schemeClr val="lt1">
+        <a:alpha val="90000"/>
+      </a:schemeClr>
+    </dgm:fillClrLst>
+    <dgm:linClrLst meth="repeat">
+      <a:schemeClr val="accent1"/>
+    </dgm:linClrLst>
+    <dgm:effectClrLst/>
+    <dgm:txLinClrLst/>
+    <dgm:txFillClrLst meth="repeat">
+      <a:schemeClr val="dk1"/>
+    </dgm:txFillClrLst>
+    <dgm:txEffectClrLst/>
+  </dgm:styleLbl>
+  <dgm:styleLbl name="fgAcc3">
+    <dgm:fillClrLst meth="repeat">
+      <a:schemeClr val="lt1">
+        <a:alpha val="90000"/>
+      </a:schemeClr>
+    </dgm:fillClrLst>
+    <dgm:linClrLst meth="repeat">
+      <a:schemeClr val="accent1"/>
+    </dgm:linClrLst>
+    <dgm:effectClrLst/>
+    <dgm:txLinClrLst/>
+    <dgm:txFillClrLst meth="repeat">
+      <a:schemeClr val="dk1"/>
+    </dgm:txFillClrLst>
+    <dgm:txEffectClrLst/>
+  </dgm:styleLbl>
+  <dgm:styleLbl name="fgAcc4">
+    <dgm:fillClrLst meth="repeat">
+      <a:schemeClr val="lt1">
+        <a:alpha val="90000"/>
+      </a:schemeClr>
+    </dgm:fillClrLst>
+    <dgm:linClrLst meth="repeat">
+      <a:schemeClr val="accent1"/>
+    </dgm:linClrLst>
+    <dgm:effectClrLst/>
+    <dgm:txLinClrLst/>
+    <dgm:txFillClrLst meth="repeat">
+      <a:schemeClr val="dk1"/>
+    </dgm:txFillClrLst>
+    <dgm:txEffectClrLst/>
+  </dgm:styleLbl>
+  <dgm:styleLbl name="bgShp">
+    <dgm:fillClrLst meth="repeat">
+      <a:schemeClr val="accent1">
+        <a:tint val="40000"/>
+      </a:schemeClr>
+    </dgm:fillClrLst>
+    <dgm:linClrLst meth="repeat">
+      <a:schemeClr val="accent1"/>
+    </dgm:linClrLst>
+    <dgm:effectClrLst/>
+    <dgm:txLinClrLst/>
+    <dgm:txFillClrLst meth="repeat">
+      <a:schemeClr val="dk1"/>
+    </dgm:txFillClrLst>
+    <dgm:txEffectClrLst/>
+  </dgm:styleLbl>
+  <dgm:styleLbl name="dkBgShp">
+    <dgm:fillClrLst meth="repeat">
+      <a:schemeClr val="accent1">
+        <a:shade val="80000"/>
+      </a:schemeClr>
+    </dgm:fillClrLst>
+    <dgm:linClrLst meth="repeat">
+      <a:schemeClr val="accent1"/>
+    </dgm:linClrLst>
+    <dgm:effectClrLst/>
+    <dgm:txLinClrLst/>
+    <dgm:txFillClrLst meth="repeat">
+      <a:schemeClr val="lt1"/>
+    </dgm:txFillClrLst>
+    <dgm:txEffectClrLst/>
+  </dgm:styleLbl>
+  <dgm:styleLbl name="trBgShp">
+    <dgm:fillClrLst meth="repeat">
+      <a:schemeClr val="accent1">
+        <a:tint val="50000"/>
+        <a:alpha val="40000"/>
+      </a:schemeClr>
+    </dgm:fillClrLst>
+    <dgm:linClrLst meth="repeat">
+      <a:schemeClr val="accent1"/>
+    </dgm:linClrLst>
+    <dgm:effectClrLst/>
+    <dgm:txLinClrLst/>
+    <dgm:txFillClrLst meth="repeat">
+      <a:schemeClr val="lt1"/>
+    </dgm:txFillClrLst>
+    <dgm:txEffectClrLst/>
+  </dgm:styleLbl>
+  <dgm:styleLbl name="fgShp">
+    <dgm:fillClrLst meth="repeat">
+      <a:schemeClr val="accent1">
+        <a:tint val="60000"/>
+      </a:schemeClr>
+    </dgm:fillClrLst>
+    <dgm:linClrLst meth="repeat">
+      <a:schemeClr val="lt1"/>
+    </dgm:linClrLst>
+    <dgm:effectClrLst/>
+    <dgm:txLinClrLst/>
+    <dgm:txFillClrLst meth="repeat">
+      <a:schemeClr val="dk1"/>
+    </dgm:txFillClrLst>
+    <dgm:txEffectClrLst/>
+  </dgm:styleLbl>
+  <dgm:styleLbl name="revTx">
+    <dgm:fillClrLst meth="repeat">
+      <a:schemeClr val="lt1">
+        <a:alpha val="0"/>
+      </a:schemeClr>
+    </dgm:fillClrLst>
+    <dgm:linClrLst meth="repeat">
+      <a:schemeClr val="dk1">
+        <a:alpha val="0"/>
+      </a:schemeClr>
+    </dgm:linClrLst>
+    <dgm:effectClrLst/>
+    <dgm:txLinClrLst/>
+    <dgm:txFillClrLst meth="repeat">
+      <a:schemeClr val="tx1"/>
+    </dgm:txFillClrLst>
+    <dgm:txEffectClrLst/>
+  </dgm:styleLbl>
+</dgm:colorsDef>
+</file>
+
+<file path=ppt/diagrams/data1.xml><?xml version="1.0" encoding="utf-8"?>
+<dgm:dataModel xmlns:dgm="http://schemas.openxmlformats.org/drawingml/2006/diagram" xmlns:a="http://schemas.openxmlformats.org/drawingml/2006/main">
+  <dgm:ptLst>
+    <dgm:pt modelId="{4ECC684F-0F7D-314F-B9A6-9CE9DC873B74}" type="doc">
+      <dgm:prSet loTypeId="urn:microsoft.com/office/officeart/2005/8/layout/equation1" loCatId="" qsTypeId="urn:microsoft.com/office/officeart/2005/8/quickstyle/simple4" qsCatId="simple" csTypeId="urn:microsoft.com/office/officeart/2005/8/colors/accent1_2" csCatId="accent1" phldr="1"/>
+      <dgm:spPr/>
+    </dgm:pt>
+    <dgm:pt modelId="{488E5B53-3640-BC41-8601-71A82784A9B9}">
+      <dgm:prSet phldrT="[Text]"/>
+      <dgm:spPr/>
+      <dgm:t>
+        <a:bodyPr/>
+        <a:lstStyle/>
+        <a:p>
+          <a:r>
+            <a:rPr lang="en-US" dirty="0" smtClean="0"/>
+            <a:t>Sponsors</a:t>
+          </a:r>
+          <a:endParaRPr lang="en-US" dirty="0"/>
+        </a:p>
+      </dgm:t>
+    </dgm:pt>
+    <dgm:pt modelId="{AEE92DE2-C075-AC48-83FE-BAA8C31EDAB9}" type="parTrans" cxnId="{D35759BA-9BA3-9547-96BE-62253A630E09}">
+      <dgm:prSet/>
+      <dgm:spPr/>
+      <dgm:t>
+        <a:bodyPr/>
+        <a:lstStyle/>
+        <a:p>
+          <a:endParaRPr lang="en-US"/>
+        </a:p>
+      </dgm:t>
+    </dgm:pt>
+    <dgm:pt modelId="{E483A671-5D45-9448-B88B-01F058A82F67}" type="sibTrans" cxnId="{D35759BA-9BA3-9547-96BE-62253A630E09}">
+      <dgm:prSet/>
+      <dgm:spPr/>
+      <dgm:t>
+        <a:bodyPr/>
+        <a:lstStyle/>
+        <a:p>
+          <a:endParaRPr lang="en-US"/>
+        </a:p>
+      </dgm:t>
+    </dgm:pt>
+    <dgm:pt modelId="{54197186-10DD-7043-857C-CD4EFC8D86D9}">
+      <dgm:prSet phldrT="[Text]"/>
+      <dgm:spPr/>
+      <dgm:t>
+        <a:bodyPr/>
+        <a:lstStyle/>
+        <a:p>
+          <a:r>
+            <a:rPr lang="en-US" dirty="0" smtClean="0"/>
+            <a:t>DC Python </a:t>
+          </a:r>
+          <a:r>
+            <a:rPr lang="en-US" dirty="0" err="1" smtClean="0"/>
+            <a:t>Meetup</a:t>
+          </a:r>
+          <a:r>
+            <a:rPr lang="en-US" dirty="0" smtClean="0"/>
+            <a:t> (You)</a:t>
+          </a:r>
+          <a:endParaRPr lang="en-US" dirty="0"/>
+        </a:p>
+      </dgm:t>
+    </dgm:pt>
+    <dgm:pt modelId="{45EAFC0C-E36A-3B41-9323-131BDA5E9491}" type="parTrans" cxnId="{F9728D04-1028-2E4A-8186-E173674EFD0D}">
+      <dgm:prSet/>
+      <dgm:spPr/>
+      <dgm:t>
+        <a:bodyPr/>
+        <a:lstStyle/>
+        <a:p>
+          <a:endParaRPr lang="en-US"/>
+        </a:p>
+      </dgm:t>
+    </dgm:pt>
+    <dgm:pt modelId="{F4ACB6AD-0A24-7046-B18F-5621933C496B}" type="sibTrans" cxnId="{F9728D04-1028-2E4A-8186-E173674EFD0D}">
+      <dgm:prSet/>
+      <dgm:spPr/>
+      <dgm:t>
+        <a:bodyPr/>
+        <a:lstStyle/>
+        <a:p>
+          <a:endParaRPr lang="en-US"/>
+        </a:p>
+      </dgm:t>
+    </dgm:pt>
+    <dgm:pt modelId="{4C7B0283-6C34-904D-AA06-376431F17CE5}">
+      <dgm:prSet/>
+      <dgm:spPr/>
+      <dgm:t>
+        <a:bodyPr/>
+        <a:lstStyle/>
+        <a:p>
+          <a:r>
+            <a:rPr lang="en-US" dirty="0" smtClean="0"/>
+            <a:t>DC Python (ZPUGDC, </a:t>
+          </a:r>
+          <a:r>
+            <a:rPr lang="en-US" dirty="0" err="1" smtClean="0"/>
+            <a:t>Inc</a:t>
+          </a:r>
+          <a:r>
+            <a:rPr lang="en-US" dirty="0" smtClean="0"/>
+            <a:t>)</a:t>
+          </a:r>
+          <a:endParaRPr lang="en-US" dirty="0"/>
+        </a:p>
+      </dgm:t>
+    </dgm:pt>
+    <dgm:pt modelId="{523B3A1F-6C1A-0A46-88FF-A6D86C90A07A}" type="parTrans" cxnId="{5DD6E37E-F39B-924D-8EE7-B6AF052452FD}">
+      <dgm:prSet/>
+      <dgm:spPr/>
+      <dgm:t>
+        <a:bodyPr/>
+        <a:lstStyle/>
+        <a:p>
+          <a:endParaRPr lang="en-US"/>
+        </a:p>
+      </dgm:t>
+    </dgm:pt>
+    <dgm:pt modelId="{F8027762-2974-D94F-A17C-BF6CAF479163}" type="sibTrans" cxnId="{5DD6E37E-F39B-924D-8EE7-B6AF052452FD}">
+      <dgm:prSet/>
+      <dgm:spPr/>
+      <dgm:t>
+        <a:bodyPr/>
+        <a:lstStyle/>
+        <a:p>
+          <a:endParaRPr lang="en-US"/>
+        </a:p>
+      </dgm:t>
+    </dgm:pt>
+    <dgm:pt modelId="{93B56176-B886-0444-B17A-022452DA2F9F}" type="pres">
+      <dgm:prSet presAssocID="{4ECC684F-0F7D-314F-B9A6-9CE9DC873B74}" presName="linearFlow" presStyleCnt="0">
+        <dgm:presLayoutVars>
+          <dgm:dir/>
+          <dgm:resizeHandles val="exact"/>
+        </dgm:presLayoutVars>
+      </dgm:prSet>
+      <dgm:spPr/>
+    </dgm:pt>
+    <dgm:pt modelId="{ACCCC60A-D7A0-5644-B8E1-AF520200FE7D}" type="pres">
+      <dgm:prSet presAssocID="{4C7B0283-6C34-904D-AA06-376431F17CE5}" presName="node" presStyleLbl="node1" presStyleIdx="0" presStyleCnt="3">
+        <dgm:presLayoutVars>
+          <dgm:bulletEnabled val="1"/>
+        </dgm:presLayoutVars>
+      </dgm:prSet>
+      <dgm:spPr/>
+      <dgm:t>
+        <a:bodyPr/>
+        <a:lstStyle/>
+        <a:p>
+          <a:endParaRPr lang="en-US"/>
+        </a:p>
+      </dgm:t>
+    </dgm:pt>
+    <dgm:pt modelId="{5C29ED1A-F99D-614E-B2B4-C22786F6A33D}" type="pres">
+      <dgm:prSet presAssocID="{F8027762-2974-D94F-A17C-BF6CAF479163}" presName="spacerL" presStyleCnt="0"/>
+      <dgm:spPr/>
+    </dgm:pt>
+    <dgm:pt modelId="{D74A67A9-6093-594B-B43E-5FB6377EA6F1}" type="pres">
+      <dgm:prSet presAssocID="{F8027762-2974-D94F-A17C-BF6CAF479163}" presName="sibTrans" presStyleLbl="sibTrans2D1" presStyleIdx="0" presStyleCnt="2"/>
+      <dgm:spPr/>
+      <dgm:t>
+        <a:bodyPr/>
+        <a:lstStyle/>
+        <a:p>
+          <a:endParaRPr lang="en-US"/>
+        </a:p>
+      </dgm:t>
+    </dgm:pt>
+    <dgm:pt modelId="{885B3B52-454C-374D-8149-127AABD9749C}" type="pres">
+      <dgm:prSet presAssocID="{F8027762-2974-D94F-A17C-BF6CAF479163}" presName="spacerR" presStyleCnt="0"/>
+      <dgm:spPr/>
+    </dgm:pt>
+    <dgm:pt modelId="{9E5CFF5B-A34C-9544-ABA9-A91F4AB8C805}" type="pres">
+      <dgm:prSet presAssocID="{488E5B53-3640-BC41-8601-71A82784A9B9}" presName="node" presStyleLbl="node1" presStyleIdx="1" presStyleCnt="3">
+        <dgm:presLayoutVars>
+          <dgm:bulletEnabled val="1"/>
+        </dgm:presLayoutVars>
+      </dgm:prSet>
+      <dgm:spPr/>
+      <dgm:t>
+        <a:bodyPr/>
+        <a:lstStyle/>
+        <a:p>
+          <a:endParaRPr lang="en-US"/>
+        </a:p>
+      </dgm:t>
+    </dgm:pt>
+    <dgm:pt modelId="{A185BE08-3864-DC4C-9FA9-DEBD3CB89591}" type="pres">
+      <dgm:prSet presAssocID="{E483A671-5D45-9448-B88B-01F058A82F67}" presName="spacerL" presStyleCnt="0"/>
+      <dgm:spPr/>
+    </dgm:pt>
+    <dgm:pt modelId="{7731807F-631C-9145-A924-7BD8E4FAB9F4}" type="pres">
+      <dgm:prSet presAssocID="{E483A671-5D45-9448-B88B-01F058A82F67}" presName="sibTrans" presStyleLbl="sibTrans2D1" presStyleIdx="1" presStyleCnt="2"/>
+      <dgm:spPr/>
+      <dgm:t>
+        <a:bodyPr/>
+        <a:lstStyle/>
+        <a:p>
+          <a:endParaRPr lang="en-US"/>
+        </a:p>
+      </dgm:t>
+    </dgm:pt>
+    <dgm:pt modelId="{36C38D28-883F-EA43-9E28-A69BEC5BB45B}" type="pres">
+      <dgm:prSet presAssocID="{E483A671-5D45-9448-B88B-01F058A82F67}" presName="spacerR" presStyleCnt="0"/>
+      <dgm:spPr/>
+    </dgm:pt>
+    <dgm:pt modelId="{43B2F147-A6C4-B744-8E79-3FA856FBF0E9}" type="pres">
+      <dgm:prSet presAssocID="{54197186-10DD-7043-857C-CD4EFC8D86D9}" presName="node" presStyleLbl="node1" presStyleIdx="2" presStyleCnt="3">
+        <dgm:presLayoutVars>
+          <dgm:bulletEnabled val="1"/>
+        </dgm:presLayoutVars>
+      </dgm:prSet>
+      <dgm:spPr/>
+      <dgm:t>
+        <a:bodyPr/>
+        <a:lstStyle/>
+        <a:p>
+          <a:endParaRPr lang="en-US"/>
+        </a:p>
+      </dgm:t>
+    </dgm:pt>
+  </dgm:ptLst>
+  <dgm:cxnLst>
+    <dgm:cxn modelId="{066A4966-F416-7E46-99B1-9F0DBB529C5A}" type="presOf" srcId="{F8027762-2974-D94F-A17C-BF6CAF479163}" destId="{D74A67A9-6093-594B-B43E-5FB6377EA6F1}" srcOrd="0" destOrd="0" presId="urn:microsoft.com/office/officeart/2005/8/layout/equation1"/>
+    <dgm:cxn modelId="{D35759BA-9BA3-9547-96BE-62253A630E09}" srcId="{4ECC684F-0F7D-314F-B9A6-9CE9DC873B74}" destId="{488E5B53-3640-BC41-8601-71A82784A9B9}" srcOrd="1" destOrd="0" parTransId="{AEE92DE2-C075-AC48-83FE-BAA8C31EDAB9}" sibTransId="{E483A671-5D45-9448-B88B-01F058A82F67}"/>
+    <dgm:cxn modelId="{19BF7FF7-C9FC-0C42-A3C9-E4A806BA1E20}" type="presOf" srcId="{4C7B0283-6C34-904D-AA06-376431F17CE5}" destId="{ACCCC60A-D7A0-5644-B8E1-AF520200FE7D}" srcOrd="0" destOrd="0" presId="urn:microsoft.com/office/officeart/2005/8/layout/equation1"/>
+    <dgm:cxn modelId="{D249E07D-5046-334C-8FAF-165EB4A80DB5}" type="presOf" srcId="{54197186-10DD-7043-857C-CD4EFC8D86D9}" destId="{43B2F147-A6C4-B744-8E79-3FA856FBF0E9}" srcOrd="0" destOrd="0" presId="urn:microsoft.com/office/officeart/2005/8/layout/equation1"/>
+    <dgm:cxn modelId="{3115325E-1A2E-B54E-91D8-4C2B36C1867F}" type="presOf" srcId="{4ECC684F-0F7D-314F-B9A6-9CE9DC873B74}" destId="{93B56176-B886-0444-B17A-022452DA2F9F}" srcOrd="0" destOrd="0" presId="urn:microsoft.com/office/officeart/2005/8/layout/equation1"/>
+    <dgm:cxn modelId="{F9728D04-1028-2E4A-8186-E173674EFD0D}" srcId="{4ECC684F-0F7D-314F-B9A6-9CE9DC873B74}" destId="{54197186-10DD-7043-857C-CD4EFC8D86D9}" srcOrd="2" destOrd="0" parTransId="{45EAFC0C-E36A-3B41-9323-131BDA5E9491}" sibTransId="{F4ACB6AD-0A24-7046-B18F-5621933C496B}"/>
+    <dgm:cxn modelId="{5BF5606E-49FD-1C48-9685-CFFF8067B0DF}" type="presOf" srcId="{E483A671-5D45-9448-B88B-01F058A82F67}" destId="{7731807F-631C-9145-A924-7BD8E4FAB9F4}" srcOrd="0" destOrd="0" presId="urn:microsoft.com/office/officeart/2005/8/layout/equation1"/>
+    <dgm:cxn modelId="{5DD6E37E-F39B-924D-8EE7-B6AF052452FD}" srcId="{4ECC684F-0F7D-314F-B9A6-9CE9DC873B74}" destId="{4C7B0283-6C34-904D-AA06-376431F17CE5}" srcOrd="0" destOrd="0" parTransId="{523B3A1F-6C1A-0A46-88FF-A6D86C90A07A}" sibTransId="{F8027762-2974-D94F-A17C-BF6CAF479163}"/>
+    <dgm:cxn modelId="{E8C2686A-361B-E146-91B5-A5BB01AD5C55}" type="presOf" srcId="{488E5B53-3640-BC41-8601-71A82784A9B9}" destId="{9E5CFF5B-A34C-9544-ABA9-A91F4AB8C805}" srcOrd="0" destOrd="0" presId="urn:microsoft.com/office/officeart/2005/8/layout/equation1"/>
+    <dgm:cxn modelId="{441A9EBB-5999-7840-B36B-9941CFADF6BE}" type="presParOf" srcId="{93B56176-B886-0444-B17A-022452DA2F9F}" destId="{ACCCC60A-D7A0-5644-B8E1-AF520200FE7D}" srcOrd="0" destOrd="0" presId="urn:microsoft.com/office/officeart/2005/8/layout/equation1"/>
+    <dgm:cxn modelId="{344EA77A-01A3-3F40-B60F-038F341597E0}" type="presParOf" srcId="{93B56176-B886-0444-B17A-022452DA2F9F}" destId="{5C29ED1A-F99D-614E-B2B4-C22786F6A33D}" srcOrd="1" destOrd="0" presId="urn:microsoft.com/office/officeart/2005/8/layout/equation1"/>
+    <dgm:cxn modelId="{7FAA00B0-2FCE-5B48-890B-515AB55EE4F2}" type="presParOf" srcId="{93B56176-B886-0444-B17A-022452DA2F9F}" destId="{D74A67A9-6093-594B-B43E-5FB6377EA6F1}" srcOrd="2" destOrd="0" presId="urn:microsoft.com/office/officeart/2005/8/layout/equation1"/>
+    <dgm:cxn modelId="{0D3B4318-85D8-064C-B5E7-03B730B42902}" type="presParOf" srcId="{93B56176-B886-0444-B17A-022452DA2F9F}" destId="{885B3B52-454C-374D-8149-127AABD9749C}" srcOrd="3" destOrd="0" presId="urn:microsoft.com/office/officeart/2005/8/layout/equation1"/>
+    <dgm:cxn modelId="{D2BD312F-C35C-EE4C-863F-49DC08F32B55}" type="presParOf" srcId="{93B56176-B886-0444-B17A-022452DA2F9F}" destId="{9E5CFF5B-A34C-9544-ABA9-A91F4AB8C805}" srcOrd="4" destOrd="0" presId="urn:microsoft.com/office/officeart/2005/8/layout/equation1"/>
+    <dgm:cxn modelId="{046545A4-B225-8945-B066-4AE06BA6C037}" type="presParOf" srcId="{93B56176-B886-0444-B17A-022452DA2F9F}" destId="{A185BE08-3864-DC4C-9FA9-DEBD3CB89591}" srcOrd="5" destOrd="0" presId="urn:microsoft.com/office/officeart/2005/8/layout/equation1"/>
+    <dgm:cxn modelId="{798E6E93-CDE7-DE4E-A6B6-A02128A1DD99}" type="presParOf" srcId="{93B56176-B886-0444-B17A-022452DA2F9F}" destId="{7731807F-631C-9145-A924-7BD8E4FAB9F4}" srcOrd="6" destOrd="0" presId="urn:microsoft.com/office/officeart/2005/8/layout/equation1"/>
+    <dgm:cxn modelId="{7DA433BC-A3FF-764F-8B6F-5E32944F2E77}" type="presParOf" srcId="{93B56176-B886-0444-B17A-022452DA2F9F}" destId="{36C38D28-883F-EA43-9E28-A69BEC5BB45B}" srcOrd="7" destOrd="0" presId="urn:microsoft.com/office/officeart/2005/8/layout/equation1"/>
+    <dgm:cxn modelId="{04706293-043F-DD4A-BFB9-FBD8F32A1387}" type="presParOf" srcId="{93B56176-B886-0444-B17A-022452DA2F9F}" destId="{43B2F147-A6C4-B744-8E79-3FA856FBF0E9}" srcOrd="8" destOrd="0" presId="urn:microsoft.com/office/officeart/2005/8/layout/equation1"/>
+  </dgm:cxnLst>
+  <dgm:bg/>
+  <dgm:whole/>
+  <dgm:extLst>
+    <a:ext uri="http://schemas.microsoft.com/office/drawing/2008/diagram">
+      <dsp:dataModelExt xmlns:dsp="http://schemas.microsoft.com/office/drawing/2008/diagram" relId="rId6" minVer="http://schemas.openxmlformats.org/drawingml/2006/diagram"/>
+    </a:ext>
+  </dgm:extLst>
+</dgm:dataModel>
+</file>
+
+<file path=ppt/diagrams/drawing1.xml><?xml version="1.0" encoding="utf-8"?>
+<dsp:drawing xmlns:dgm="http://schemas.openxmlformats.org/drawingml/2006/diagram" xmlns:dsp="http://schemas.microsoft.com/office/drawing/2008/diagram" xmlns:a="http://schemas.openxmlformats.org/drawingml/2006/main">
+  <dsp:spTree>
+    <dsp:nvGrpSpPr>
+      <dsp:cNvPr id="0" name=""/>
+      <dsp:cNvGrpSpPr/>
+    </dsp:nvGrpSpPr>
+    <dsp:grpSpPr/>
+    <dsp:sp modelId="{ACCCC60A-D7A0-5644-B8E1-AF520200FE7D}">
+      <dsp:nvSpPr>
+        <dsp:cNvPr id="0" name=""/>
+        <dsp:cNvSpPr/>
+      </dsp:nvSpPr>
+      <dsp:spPr>
+        <a:xfrm>
+          <a:off x="1025" y="1352599"/>
+          <a:ext cx="1358800" cy="1358800"/>
+        </a:xfrm>
+        <a:prstGeom prst="ellipse">
+          <a:avLst/>
+        </a:prstGeom>
+        <a:gradFill rotWithShape="0">
+          <a:gsLst>
+            <a:gs pos="0">
+              <a:schemeClr val="accent1">
+                <a:hueOff val="0"/>
+                <a:satOff val="0"/>
+                <a:lumOff val="0"/>
+                <a:alphaOff val="0"/>
+                <a:tint val="100000"/>
+                <a:shade val="100000"/>
+                <a:satMod val="130000"/>
+              </a:schemeClr>
+            </a:gs>
+            <a:gs pos="100000">
+              <a:schemeClr val="accent1">
+                <a:hueOff val="0"/>
+                <a:satOff val="0"/>
+                <a:lumOff val="0"/>
+                <a:alphaOff val="0"/>
+                <a:tint val="50000"/>
+                <a:shade val="100000"/>
+                <a:satMod val="350000"/>
+              </a:schemeClr>
+            </a:gs>
+          </a:gsLst>
+          <a:lin ang="16200000" scaled="0"/>
+        </a:gradFill>
+        <a:ln>
+          <a:noFill/>
+        </a:ln>
+        <a:effectLst>
+          <a:outerShdw blurRad="40000" dist="23000" dir="5400000" rotWithShape="0">
+            <a:srgbClr val="000000">
+              <a:alpha val="35000"/>
+            </a:srgbClr>
+          </a:outerShdw>
+        </a:effectLst>
+      </dsp:spPr>
+      <dsp:style>
+        <a:lnRef idx="0">
+          <a:scrgbClr r="0" g="0" b="0"/>
+        </a:lnRef>
+        <a:fillRef idx="3">
+          <a:scrgbClr r="0" g="0" b="0"/>
+        </a:fillRef>
+        <a:effectRef idx="2">
+          <a:scrgbClr r="0" g="0" b="0"/>
+        </a:effectRef>
+        <a:fontRef idx="minor">
+          <a:schemeClr val="lt1"/>
+        </a:fontRef>
+      </dsp:style>
+      <dsp:txBody>
+        <a:bodyPr spcFirstLastPara="0" vert="horz" wrap="square" lIns="21590" tIns="21590" rIns="21590" bIns="21590" numCol="1" spcCol="1270" anchor="ctr" anchorCtr="0">
+          <a:noAutofit/>
+        </a:bodyPr>
+        <a:lstStyle/>
+        <a:p>
+          <a:pPr lvl="0" algn="ctr" defTabSz="755650">
+            <a:lnSpc>
+              <a:spcPct val="90000"/>
+            </a:lnSpc>
+            <a:spcBef>
+              <a:spcPct val="0"/>
+            </a:spcBef>
+            <a:spcAft>
+              <a:spcPct val="35000"/>
+            </a:spcAft>
+          </a:pPr>
+          <a:r>
+            <a:rPr lang="en-US" sz="1700" kern="1200" dirty="0" smtClean="0"/>
+            <a:t>DC Python (ZPUGDC, </a:t>
+          </a:r>
+          <a:r>
+            <a:rPr lang="en-US" sz="1700" kern="1200" dirty="0" err="1" smtClean="0"/>
+            <a:t>Inc</a:t>
+          </a:r>
+          <a:r>
+            <a:rPr lang="en-US" sz="1700" kern="1200" dirty="0" smtClean="0"/>
+            <a:t>)</a:t>
+          </a:r>
+          <a:endParaRPr lang="en-US" sz="1700" kern="1200" dirty="0"/>
+        </a:p>
+      </dsp:txBody>
+      <dsp:txXfrm>
+        <a:off x="200017" y="1551591"/>
+        <a:ext cx="960816" cy="960816"/>
+      </dsp:txXfrm>
+    </dsp:sp>
+    <dsp:sp modelId="{D74A67A9-6093-594B-B43E-5FB6377EA6F1}">
+      <dsp:nvSpPr>
+        <dsp:cNvPr id="0" name=""/>
+        <dsp:cNvSpPr/>
+      </dsp:nvSpPr>
+      <dsp:spPr>
+        <a:xfrm>
+          <a:off x="1470160" y="1637947"/>
+          <a:ext cx="788104" cy="788104"/>
+        </a:xfrm>
+        <a:prstGeom prst="mathPlus">
+          <a:avLst/>
+        </a:prstGeom>
+        <a:gradFill rotWithShape="0">
+          <a:gsLst>
+            <a:gs pos="0">
+              <a:schemeClr val="accent1">
+                <a:tint val="60000"/>
+                <a:hueOff val="0"/>
+                <a:satOff val="0"/>
+                <a:lumOff val="0"/>
+                <a:alphaOff val="0"/>
+                <a:tint val="100000"/>
+                <a:shade val="100000"/>
+                <a:satMod val="130000"/>
+              </a:schemeClr>
+            </a:gs>
+            <a:gs pos="100000">
+              <a:schemeClr val="accent1">
+                <a:tint val="60000"/>
+                <a:hueOff val="0"/>
+                <a:satOff val="0"/>
+                <a:lumOff val="0"/>
+                <a:alphaOff val="0"/>
+                <a:tint val="50000"/>
+                <a:shade val="100000"/>
+                <a:satMod val="350000"/>
+              </a:schemeClr>
+            </a:gs>
+          </a:gsLst>
+          <a:lin ang="16200000" scaled="0"/>
+        </a:gradFill>
+        <a:ln>
+          <a:noFill/>
+        </a:ln>
+        <a:effectLst>
+          <a:outerShdw blurRad="40000" dist="23000" dir="5400000" rotWithShape="0">
+            <a:srgbClr val="000000">
+              <a:alpha val="35000"/>
+            </a:srgbClr>
+          </a:outerShdw>
+        </a:effectLst>
+      </dsp:spPr>
+      <dsp:style>
+        <a:lnRef idx="0">
+          <a:scrgbClr r="0" g="0" b="0"/>
+        </a:lnRef>
+        <a:fillRef idx="3">
+          <a:scrgbClr r="0" g="0" b="0"/>
+        </a:fillRef>
+        <a:effectRef idx="2">
+          <a:scrgbClr r="0" g="0" b="0"/>
+        </a:effectRef>
+        <a:fontRef idx="minor">
+          <a:schemeClr val="lt1"/>
+        </a:fontRef>
+      </dsp:style>
+      <dsp:txBody>
+        <a:bodyPr spcFirstLastPara="0" vert="horz" wrap="square" lIns="0" tIns="0" rIns="0" bIns="0" numCol="1" spcCol="1270" anchor="ctr" anchorCtr="0">
+          <a:noAutofit/>
+        </a:bodyPr>
+        <a:lstStyle/>
+        <a:p>
+          <a:pPr lvl="0" algn="ctr" defTabSz="577850">
+            <a:lnSpc>
+              <a:spcPct val="90000"/>
+            </a:lnSpc>
+            <a:spcBef>
+              <a:spcPct val="0"/>
+            </a:spcBef>
+            <a:spcAft>
+              <a:spcPct val="35000"/>
+            </a:spcAft>
+          </a:pPr>
+          <a:endParaRPr lang="en-US" sz="1300" kern="1200"/>
+        </a:p>
+      </dsp:txBody>
+      <dsp:txXfrm>
+        <a:off x="1574623" y="1939318"/>
+        <a:ext cx="579178" cy="185362"/>
+      </dsp:txXfrm>
+    </dsp:sp>
+    <dsp:sp modelId="{9E5CFF5B-A34C-9544-ABA9-A91F4AB8C805}">
+      <dsp:nvSpPr>
+        <dsp:cNvPr id="0" name=""/>
+        <dsp:cNvSpPr/>
+      </dsp:nvSpPr>
+      <dsp:spPr>
+        <a:xfrm>
+          <a:off x="2368599" y="1352599"/>
+          <a:ext cx="1358800" cy="1358800"/>
+        </a:xfrm>
+        <a:prstGeom prst="ellipse">
+          <a:avLst/>
+        </a:prstGeom>
+        <a:gradFill rotWithShape="0">
+          <a:gsLst>
+            <a:gs pos="0">
+              <a:schemeClr val="accent1">
+                <a:hueOff val="0"/>
+                <a:satOff val="0"/>
+                <a:lumOff val="0"/>
+                <a:alphaOff val="0"/>
+                <a:tint val="100000"/>
+                <a:shade val="100000"/>
+                <a:satMod val="130000"/>
+              </a:schemeClr>
+            </a:gs>
+            <a:gs pos="100000">
+              <a:schemeClr val="accent1">
+                <a:hueOff val="0"/>
+                <a:satOff val="0"/>
+                <a:lumOff val="0"/>
+                <a:alphaOff val="0"/>
+                <a:tint val="50000"/>
+                <a:shade val="100000"/>
+                <a:satMod val="350000"/>
+              </a:schemeClr>
+            </a:gs>
+          </a:gsLst>
+          <a:lin ang="16200000" scaled="0"/>
+        </a:gradFill>
+        <a:ln>
+          <a:noFill/>
+        </a:ln>
+        <a:effectLst>
+          <a:outerShdw blurRad="40000" dist="23000" dir="5400000" rotWithShape="0">
+            <a:srgbClr val="000000">
+              <a:alpha val="35000"/>
+            </a:srgbClr>
+          </a:outerShdw>
+        </a:effectLst>
+      </dsp:spPr>
+      <dsp:style>
+        <a:lnRef idx="0">
+          <a:scrgbClr r="0" g="0" b="0"/>
+        </a:lnRef>
+        <a:fillRef idx="3">
+          <a:scrgbClr r="0" g="0" b="0"/>
+        </a:fillRef>
+        <a:effectRef idx="2">
+          <a:scrgbClr r="0" g="0" b="0"/>
+        </a:effectRef>
+        <a:fontRef idx="minor">
+          <a:schemeClr val="lt1"/>
+        </a:fontRef>
+      </dsp:style>
+      <dsp:txBody>
+        <a:bodyPr spcFirstLastPara="0" vert="horz" wrap="square" lIns="21590" tIns="21590" rIns="21590" bIns="21590" numCol="1" spcCol="1270" anchor="ctr" anchorCtr="0">
+          <a:noAutofit/>
+        </a:bodyPr>
+        <a:lstStyle/>
+        <a:p>
+          <a:pPr lvl="0" algn="ctr" defTabSz="755650">
+            <a:lnSpc>
+              <a:spcPct val="90000"/>
+            </a:lnSpc>
+            <a:spcBef>
+              <a:spcPct val="0"/>
+            </a:spcBef>
+            <a:spcAft>
+              <a:spcPct val="35000"/>
+            </a:spcAft>
+          </a:pPr>
+          <a:r>
+            <a:rPr lang="en-US" sz="1700" kern="1200" dirty="0" smtClean="0"/>
+            <a:t>Sponsors</a:t>
+          </a:r>
+          <a:endParaRPr lang="en-US" sz="1700" kern="1200" dirty="0"/>
+        </a:p>
+      </dsp:txBody>
+      <dsp:txXfrm>
+        <a:off x="2567591" y="1551591"/>
+        <a:ext cx="960816" cy="960816"/>
+      </dsp:txXfrm>
+    </dsp:sp>
+    <dsp:sp modelId="{7731807F-631C-9145-A924-7BD8E4FAB9F4}">
+      <dsp:nvSpPr>
+        <dsp:cNvPr id="0" name=""/>
+        <dsp:cNvSpPr/>
+      </dsp:nvSpPr>
+      <dsp:spPr>
+        <a:xfrm>
+          <a:off x="3837735" y="1637947"/>
+          <a:ext cx="788104" cy="788104"/>
+        </a:xfrm>
+        <a:prstGeom prst="mathEqual">
+          <a:avLst/>
+        </a:prstGeom>
+        <a:gradFill rotWithShape="0">
+          <a:gsLst>
+            <a:gs pos="0">
+              <a:schemeClr val="accent1">
+                <a:tint val="60000"/>
+                <a:hueOff val="0"/>
+                <a:satOff val="0"/>
+                <a:lumOff val="0"/>
+                <a:alphaOff val="0"/>
+                <a:tint val="100000"/>
+                <a:shade val="100000"/>
+                <a:satMod val="130000"/>
+              </a:schemeClr>
+            </a:gs>
+            <a:gs pos="100000">
+              <a:schemeClr val="accent1">
+                <a:tint val="60000"/>
+                <a:hueOff val="0"/>
+                <a:satOff val="0"/>
+                <a:lumOff val="0"/>
+                <a:alphaOff val="0"/>
+                <a:tint val="50000"/>
+                <a:shade val="100000"/>
+                <a:satMod val="350000"/>
+              </a:schemeClr>
+            </a:gs>
+          </a:gsLst>
+          <a:lin ang="16200000" scaled="0"/>
+        </a:gradFill>
+        <a:ln>
+          <a:noFill/>
+        </a:ln>
+        <a:effectLst>
+          <a:outerShdw blurRad="40000" dist="23000" dir="5400000" rotWithShape="0">
+            <a:srgbClr val="000000">
+              <a:alpha val="35000"/>
+            </a:srgbClr>
+          </a:outerShdw>
+        </a:effectLst>
+      </dsp:spPr>
+      <dsp:style>
+        <a:lnRef idx="0">
+          <a:scrgbClr r="0" g="0" b="0"/>
+        </a:lnRef>
+        <a:fillRef idx="3">
+          <a:scrgbClr r="0" g="0" b="0"/>
+        </a:fillRef>
+        <a:effectRef idx="2">
+          <a:scrgbClr r="0" g="0" b="0"/>
+        </a:effectRef>
+        <a:fontRef idx="minor">
+          <a:schemeClr val="lt1"/>
+        </a:fontRef>
+      </dsp:style>
+      <dsp:txBody>
+        <a:bodyPr spcFirstLastPara="0" vert="horz" wrap="square" lIns="0" tIns="0" rIns="0" bIns="0" numCol="1" spcCol="1270" anchor="ctr" anchorCtr="0">
+          <a:noAutofit/>
+        </a:bodyPr>
+        <a:lstStyle/>
+        <a:p>
+          <a:pPr lvl="0" algn="ctr" defTabSz="622300">
+            <a:lnSpc>
+              <a:spcPct val="90000"/>
+            </a:lnSpc>
+            <a:spcBef>
+              <a:spcPct val="0"/>
+            </a:spcBef>
+            <a:spcAft>
+              <a:spcPct val="35000"/>
+            </a:spcAft>
+          </a:pPr>
+          <a:endParaRPr lang="en-US" sz="1400" kern="1200"/>
+        </a:p>
+      </dsp:txBody>
+      <dsp:txXfrm>
+        <a:off x="3942198" y="1800296"/>
+        <a:ext cx="579178" cy="463406"/>
+      </dsp:txXfrm>
+    </dsp:sp>
+    <dsp:sp modelId="{43B2F147-A6C4-B744-8E79-3FA856FBF0E9}">
+      <dsp:nvSpPr>
+        <dsp:cNvPr id="0" name=""/>
+        <dsp:cNvSpPr/>
+      </dsp:nvSpPr>
+      <dsp:spPr>
+        <a:xfrm>
+          <a:off x="4736174" y="1352599"/>
+          <a:ext cx="1358800" cy="1358800"/>
+        </a:xfrm>
+        <a:prstGeom prst="ellipse">
+          <a:avLst/>
+        </a:prstGeom>
+        <a:gradFill rotWithShape="0">
+          <a:gsLst>
+            <a:gs pos="0">
+              <a:schemeClr val="accent1">
+                <a:hueOff val="0"/>
+                <a:satOff val="0"/>
+                <a:lumOff val="0"/>
+                <a:alphaOff val="0"/>
+                <a:tint val="100000"/>
+                <a:shade val="100000"/>
+                <a:satMod val="130000"/>
+              </a:schemeClr>
+            </a:gs>
+            <a:gs pos="100000">
+              <a:schemeClr val="accent1">
+                <a:hueOff val="0"/>
+                <a:satOff val="0"/>
+                <a:lumOff val="0"/>
+                <a:alphaOff val="0"/>
+                <a:tint val="50000"/>
+                <a:shade val="100000"/>
+                <a:satMod val="350000"/>
+              </a:schemeClr>
+            </a:gs>
+          </a:gsLst>
+          <a:lin ang="16200000" scaled="0"/>
+        </a:gradFill>
+        <a:ln>
+          <a:noFill/>
+        </a:ln>
+        <a:effectLst>
+          <a:outerShdw blurRad="40000" dist="23000" dir="5400000" rotWithShape="0">
+            <a:srgbClr val="000000">
+              <a:alpha val="35000"/>
+            </a:srgbClr>
+          </a:outerShdw>
+        </a:effectLst>
+      </dsp:spPr>
+      <dsp:style>
+        <a:lnRef idx="0">
+          <a:scrgbClr r="0" g="0" b="0"/>
+        </a:lnRef>
+        <a:fillRef idx="3">
+          <a:scrgbClr r="0" g="0" b="0"/>
+        </a:fillRef>
+        <a:effectRef idx="2">
+          <a:scrgbClr r="0" g="0" b="0"/>
+        </a:effectRef>
+        <a:fontRef idx="minor">
+          <a:schemeClr val="lt1"/>
+        </a:fontRef>
+      </dsp:style>
+      <dsp:txBody>
+        <a:bodyPr spcFirstLastPara="0" vert="horz" wrap="square" lIns="21590" tIns="21590" rIns="21590" bIns="21590" numCol="1" spcCol="1270" anchor="ctr" anchorCtr="0">
+          <a:noAutofit/>
+        </a:bodyPr>
+        <a:lstStyle/>
+        <a:p>
+          <a:pPr lvl="0" algn="ctr" defTabSz="755650">
+            <a:lnSpc>
+              <a:spcPct val="90000"/>
+            </a:lnSpc>
+            <a:spcBef>
+              <a:spcPct val="0"/>
+            </a:spcBef>
+            <a:spcAft>
+              <a:spcPct val="35000"/>
+            </a:spcAft>
+          </a:pPr>
+          <a:r>
+            <a:rPr lang="en-US" sz="1700" kern="1200" dirty="0" smtClean="0"/>
+            <a:t>DC Python </a:t>
+          </a:r>
+          <a:r>
+            <a:rPr lang="en-US" sz="1700" kern="1200" dirty="0" err="1" smtClean="0"/>
+            <a:t>Meetup</a:t>
+          </a:r>
+          <a:r>
+            <a:rPr lang="en-US" sz="1700" kern="1200" dirty="0" smtClean="0"/>
+            <a:t> (You)</a:t>
+          </a:r>
+          <a:endParaRPr lang="en-US" sz="1700" kern="1200" dirty="0"/>
+        </a:p>
+      </dsp:txBody>
+      <dsp:txXfrm>
+        <a:off x="4935166" y="1551591"/>
+        <a:ext cx="960816" cy="960816"/>
+      </dsp:txXfrm>
+    </dsp:sp>
+  </dsp:spTree>
+</dsp:drawing>
+</file>
+
+<file path=ppt/diagrams/layout1.xml><?xml version="1.0" encoding="utf-8"?>
+<dgm:layoutDef xmlns:dgm="http://schemas.openxmlformats.org/drawingml/2006/diagram" xmlns:a="http://schemas.openxmlformats.org/drawingml/2006/main" uniqueId="urn:microsoft.com/office/officeart/2005/8/layout/equation1">
+  <dgm:title val=""/>
+  <dgm:desc val=""/>
+  <dgm:catLst>
+    <dgm:cat type="relationship" pri="17000"/>
+    <dgm:cat type="process" pri="25000"/>
+  </dgm:catLst>
+  <dgm:sampData useDef="1">
+    <dgm:dataModel>
+      <dgm:ptLst/>
+      <dgm:bg/>
+      <dgm:whole/>
+    </dgm:dataModel>
+  </dgm:sampData>
+  <dgm:styleData>
+    <dgm:dataModel>
+      <dgm:ptLst>
+        <dgm:pt modelId="0" type="doc"/>
+        <dgm:pt modelId="1"/>
+        <dgm:pt modelId="2"/>
+      </dgm:ptLst>
+      <dgm:cxnLst>
+        <dgm:cxn modelId="3" srcId="0" destId="1" srcOrd="0" destOrd="0"/>
+        <dgm:cxn modelId="4" srcId="0" destId="2" srcOrd="1" destOrd="0"/>
+      </dgm:cxnLst>
+      <dgm:bg/>
+      <dgm:whole/>
+    </dgm:dataModel>
+  </dgm:styleData>
+  <dgm:clrData>
+    <dgm:dataModel>
+      <dgm:ptLst>
+        <dgm:pt modelId="0" type="doc"/>
+        <dgm:pt modelId="1"/>
+        <dgm:pt modelId="2"/>
+        <dgm:pt modelId="3"/>
+        <dgm:pt modelId="4"/>
+      </dgm:ptLst>
+      <dgm:cxnLst>
+        <dgm:cxn modelId="5" srcId="0" destId="1" srcOrd="0" destOrd="0"/>
+        <dgm:cxn modelId="6" srcId="0" destId="2" srcOrd="1" destOrd="0"/>
+        <dgm:cxn modelId="7" srcId="0" destId="3" srcOrd="2" destOrd="0"/>
+        <dgm:cxn modelId="8" srcId="0" destId="4" srcOrd="3" destOrd="0"/>
+      </dgm:cxnLst>
+      <dgm:bg/>
+      <dgm:whole/>
+    </dgm:dataModel>
+  </dgm:clrData>
+  <dgm:layoutNode name="linearFlow">
+    <dgm:varLst>
+      <dgm:dir/>
+      <dgm:resizeHandles val="exact"/>
+    </dgm:varLst>
+    <dgm:choose name="Name0">
+      <dgm:if name="Name1" func="var" arg="dir" op="equ" val="norm">
+        <dgm:alg type="lin">
+          <dgm:param type="fallback" val="2D"/>
+        </dgm:alg>
+      </dgm:if>
+      <dgm:else name="Name2">
+        <dgm:alg type="lin">
+          <dgm:param type="linDir" val="fromR"/>
+          <dgm:param type="fallback" val="2D"/>
+        </dgm:alg>
+      </dgm:else>
+    </dgm:choose>
+    <dgm:shape xmlns:r="http://schemas.openxmlformats.org/officeDocument/2006/relationships" r:blip="">
+      <dgm:adjLst/>
+    </dgm:shape>
+    <dgm:presOf/>
+    <dgm:constrLst>
+      <dgm:constr type="w" for="ch" ptType="node" refType="w"/>
+      <dgm:constr type="w" for="ch" ptType="sibTrans" refType="w" refFor="ch" refPtType="node" fact="0.58"/>
+      <dgm:constr type="primFontSz" for="ch" ptType="node" op="equ" val="65"/>
+      <dgm:constr type="primFontSz" for="ch" ptType="sibTrans" op="equ" val="55"/>
+      <dgm:constr type="primFontSz" for="ch" ptType="sibTrans" refType="primFontSz" refFor="ch" refPtType="node" op="lte" fact="0.8"/>
+      <dgm:constr type="w" for="ch" forName="spacerL" refType="w" refFor="ch" refPtType="sibTrans" fact="0.14"/>
+      <dgm:constr type="w" for="ch" forName="spacerR" refType="w" refFor="ch" refPtType="sibTrans" fact="0.14"/>
+    </dgm:constrLst>
+    <dgm:ruleLst/>
+    <dgm:forEach name="nodesForEach" axis="ch" ptType="node">
+      <dgm:layoutNode name="node">
+        <dgm:varLst>
+          <dgm:bulletEnabled val="1"/>
+        </dgm:varLst>
+        <dgm:alg type="tx">
+          <dgm:param type="txAnchorVertCh" val="mid"/>
+        </dgm:alg>
+        <dgm:shape xmlns:r="http://schemas.openxmlformats.org/officeDocument/2006/relationships" type="ellipse" r:blip="">
+          <dgm:adjLst/>
+        </dgm:shape>
+        <dgm:presOf axis="desOrSelf" ptType="node"/>
+        <dgm:constrLst>
+          <dgm:constr type="h" refType="w"/>
+          <dgm:constr type="tMarg" refType="primFontSz" fact="0.1"/>
+          <dgm:constr type="bMarg" refType="primFontSz" fact="0.1"/>
+          <dgm:constr type="lMarg" refType="primFontSz" fact="0.1"/>
+          <dgm:constr type="rMarg" refType="primFontSz" fact="0.1"/>
+        </dgm:constrLst>
+        <dgm:ruleLst>
+          <dgm:rule type="primFontSz" val="5" fact="NaN" max="NaN"/>
+        </dgm:ruleLst>
+      </dgm:layoutNode>
+      <dgm:forEach name="sibTransForEach" axis="followSib" ptType="sibTrans" cnt="1">
+        <dgm:layoutNode name="spacerL">
+          <dgm:alg type="sp"/>
+          <dgm:shape xmlns:r="http://schemas.openxmlformats.org/officeDocument/2006/relationships" r:blip="">
+            <dgm:adjLst/>
+          </dgm:shape>
+          <dgm:presOf/>
+          <dgm:constrLst/>
+          <dgm:ruleLst/>
+        </dgm:layoutNode>
+        <dgm:layoutNode name="sibTrans">
+          <dgm:alg type="tx"/>
+          <dgm:choose name="Name3">
+            <dgm:if name="Name4" axis="followSib" ptType="sibTrans" func="cnt" op="equ" val="0">
+              <dgm:shape xmlns:r="http://schemas.openxmlformats.org/officeDocument/2006/relationships" type="mathEqual" r:blip="">
+                <dgm:adjLst/>
+              </dgm:shape>
+            </dgm:if>
+            <dgm:else name="Name5">
+              <dgm:shape xmlns:r="http://schemas.openxmlformats.org/officeDocument/2006/relationships" type="mathPlus" r:blip="">
+                <dgm:adjLst/>
+              </dgm:shape>
+            </dgm:else>
+          </dgm:choose>
+          <dgm:presOf axis="self"/>
+          <dgm:constrLst>
+            <dgm:constr type="h" refType="w"/>
+            <dgm:constr type="lMarg"/>
+            <dgm:constr type="rMarg"/>
+            <dgm:constr type="tMarg"/>
+            <dgm:constr type="bMarg"/>
+          </dgm:constrLst>
+          <dgm:ruleLst>
+            <dgm:rule type="primFontSz" val="5" fact="NaN" max="NaN"/>
+          </dgm:ruleLst>
+        </dgm:layoutNode>
+        <dgm:layoutNode name="spacerR">
+          <dgm:alg type="sp"/>
+          <dgm:shape xmlns:r="http://schemas.openxmlformats.org/officeDocument/2006/relationships" r:blip="">
+            <dgm:adjLst/>
+          </dgm:shape>
+          <dgm:presOf/>
+          <dgm:constrLst/>
+          <dgm:ruleLst/>
+        </dgm:layoutNode>
+      </dgm:forEach>
+    </dgm:forEach>
+  </dgm:layoutNode>
+</dgm:layoutDef>
+</file>
+
+<file path=ppt/diagrams/quickStyle1.xml><?xml version="1.0" encoding="utf-8"?>
+<dgm:styleDef xmlns:dgm="http://schemas.openxmlformats.org/drawingml/2006/diagram" xmlns:a="http://schemas.openxmlformats.org/drawingml/2006/main" uniqueId="urn:microsoft.com/office/officeart/2005/8/quickstyle/simple4">
+  <dgm:title val=""/>
+  <dgm:desc val=""/>
+  <dgm:catLst>
+    <dgm:cat type="simple" pri="10400"/>
+  </dgm:catLst>
+  <dgm:scene3d>
+    <a:camera prst="orthographicFront"/>
+    <a:lightRig rig="threePt" dir="t"/>
+  </dgm:scene3d>
+  <dgm:styleLbl name="node0">
+    <dgm:scene3d>
+      <a:camera prst="orthographicFront"/>
+      <a:lightRig rig="threePt" dir="t"/>
+    </dgm:scene3d>
+    <dgm:sp3d/>
+    <dgm:txPr/>
+    <dgm:style>
+      <a:lnRef idx="0">
+        <a:scrgbClr r="0" g="0" b="0"/>
+      </a:lnRef>
+      <a:fillRef idx="3">
+        <a:scrgbClr r="0" g="0" b="0"/>
+      </a:fillRef>
+      <a:effectRef idx="2">
+        <a:scrgbClr r="0" g="0" b="0"/>
+      </a:effectRef>
+      <a:fontRef idx="minor">
+        <a:schemeClr val="lt1"/>
+      </a:fontRef>
+    </dgm:style>
+  </dgm:styleLbl>
+  <dgm:styleLbl name="lnNode1">
+    <dgm:scene3d>
+      <a:camera prst="orthographicFront"/>
+      <a:lightRig rig="threePt" dir="t"/>
+    </dgm:scene3d>
+    <dgm:sp3d/>
+    <dgm:txPr/>
+    <dgm:style>
+      <a:lnRef idx="1">
+        <a:scrgbClr r="0" g="0" b="0"/>
+      </a:lnRef>
+      <a:fillRef idx="3">
+        <a:scrgbClr r="0" g="0" b="0"/>
+      </a:fillRef>
+      <a:effectRef idx="2">
+        <a:scrgbClr r="0" g="0" b="0"/>
+      </a:effectRef>
+      <a:fontRef idx="minor">
+        <a:schemeClr val="lt1"/>
+      </a:fontRef>
+    </dgm:style>
+  </dgm:styleLbl>
+  <dgm:styleLbl name="vennNode1">
+    <dgm:scene3d>
+      <a:camera prst="orthographicFront"/>
+      <a:lightRig rig="threePt" dir="t"/>
+    </dgm:scene3d>
+    <dgm:sp3d/>
+    <dgm:txPr/>
+    <dgm:style>
+      <a:lnRef idx="0">
+        <a:scrgbClr r="0" g="0" b="0"/>
+      </a:lnRef>
+      <a:fillRef idx="3">
+        <a:scrgbClr r="0" g="0" b="0"/>
+      </a:fillRef>
+      <a:effectRef idx="0">
+        <a:scrgbClr r="0" g="0" b="0"/>
+      </a:effectRef>
+      <a:fontRef idx="minor">
+        <a:schemeClr val="tx1"/>
+      </a:fontRef>
+    </dgm:style>
+  </dgm:styleLbl>
+  <dgm:styleLbl name="alignNode1">
+    <dgm:scene3d>
+      <a:camera prst="orthographicFront"/>
+      <a:lightRig rig="threePt" dir="t"/>
+    </dgm:scene3d>
+    <dgm:sp3d/>
+    <dgm:txPr/>
+    <dgm:style>
+      <a:lnRef idx="1">
+        <a:scrgbClr r="0" g="0" b="0"/>
+      </a:lnRef>
+      <a:fillRef idx="3">
+        <a:scrgbClr r="0" g="0" b="0"/>
+      </a:fillRef>
+      <a:effectRef idx="2">
+        <a:scrgbClr r="0" g="0" b="0"/>
+      </a:effectRef>
+      <a:fontRef idx="minor">
+        <a:schemeClr val="lt1"/>
+      </a:fontRef>
+    </dgm:style>
+  </dgm:styleLbl>
+  <dgm:styleLbl name="node1">
+    <dgm:scene3d>
+      <a:camera prst="orthographicFront"/>
+      <a:lightRig rig="threePt" dir="t"/>
+    </dgm:scene3d>
+    <dgm:sp3d/>
+    <dgm:txPr/>
+    <dgm:style>
+      <a:lnRef idx="0">
+        <a:scrgbClr r="0" g="0" b="0"/>
+      </a:lnRef>
+      <a:fillRef idx="3">
+        <a:scrgbClr r="0" g="0" b="0"/>
+      </a:fillRef>
+      <a:effectRef idx="2">
+        <a:scrgbClr r="0" g="0" b="0"/>
+      </a:effectRef>
+      <a:fontRef idx="minor">
+        <a:schemeClr val="lt1"/>
+      </a:fontRef>
+    </dgm:style>
+  </dgm:styleLbl>
+  <dgm:styleLbl name="node2">
+    <dgm:scene3d>
+      <a:camera prst="orthographicFront"/>
+      <a:lightRig rig="threePt" dir="t"/>
+    </dgm:scene3d>
+    <dgm:sp3d/>
+    <dgm:txPr/>
+    <dgm:style>
+      <a:lnRef idx="0">
+        <a:scrgbClr r="0" g="0" b="0"/>
+      </a:lnRef>
+      <a:fillRef idx="3">
+        <a:scrgbClr r="0" g="0" b="0"/>
+      </a:fillRef>
+      <a:effectRef idx="2">
+        <a:scrgbClr r="0" g="0" b="0"/>
+      </a:effectRef>
+      <a:fontRef idx="minor">
+        <a:schemeClr val="lt1"/>
+      </a:fontRef>
+    </dgm:style>
+  </dgm:styleLbl>
+  <dgm:styleLbl name="node3">
+    <dgm:scene3d>
+      <a:camera prst="orthographicFront"/>
+      <a:lightRig rig="threePt" dir="t"/>
+    </dgm:scene3d>
+    <dgm:sp3d/>
+    <dgm:txPr/>
+    <dgm:style>
+      <a:lnRef idx="0">
+        <a:scrgbClr r="0" g="0" b="0"/>
+      </a:lnRef>
+      <a:fillRef idx="3">
+        <a:scrgbClr r="0" g="0" b="0"/>
+      </a:fillRef>
+      <a:effectRef idx="2">
+        <a:scrgbClr r="0" g="0" b="0"/>
+      </a:effectRef>
+      <a:fontRef idx="minor">
+        <a:schemeClr val="lt1"/>
+      </a:fontRef>
+    </dgm:style>
+  </dgm:styleLbl>
+  <dgm:styleLbl name="node4">
+    <dgm:scene3d>
+      <a:camera prst="orthographicFront"/>
+      <a:lightRig rig="threePt" dir="t"/>
+    </dgm:scene3d>
+    <dgm:sp3d/>
+    <dgm:txPr/>
+    <dgm:style>
+      <a:lnRef idx="0">
+        <a:scrgbClr r="0" g="0" b="0"/>
+      </a:lnRef>
+      <a:fillRef idx="3">
+        <a:scrgbClr r="0" g="0" b="0"/>
+      </a:fillRef>
+      <a:effectRef idx="2">
+        <a:scrgbClr r="0" g="0" b="0"/>
+      </a:effectRef>
+      <a:fontRef idx="minor">
+        <a:schemeClr val="lt1"/>
+      </a:fontRef>
+    </dgm:style>
+  </dgm:styleLbl>
+  <dgm:styleLbl name="fgImgPlace1">
+    <dgm:scene3d>
+      <a:camera prst="orthographicFront"/>
+      <a:lightRig rig="threePt" dir="t"/>
+    </dgm:scene3d>
+    <dgm:sp3d/>
+    <dgm:txPr/>
+    <dgm:style>
+      <a:lnRef idx="0">
+        <a:scrgbClr r="0" g="0" b="0"/>
+      </a:lnRef>
+      <a:fillRef idx="1">
+        <a:scrgbClr r="0" g="0" b="0"/>
+      </a:fillRef>
+      <a:effectRef idx="2">
+        <a:scrgbClr r="0" g="0" b="0"/>
+      </a:effectRef>
+      <a:fontRef idx="minor"/>
+    </dgm:style>
+  </dgm:styleLbl>
+  <dgm:styleLbl name="alignImgPlace1">
+    <dgm:scene3d>
+      <a:camera prst="orthographicFront"/>
+      <a:lightRig rig="threePt" dir="t"/>
+    </dgm:scene3d>
+    <dgm:sp3d/>
+    <dgm:txPr/>
+    <dgm:style>
+      <a:lnRef idx="0">
+        <a:scrgbClr r="0" g="0" b="0"/>
+      </a:lnRef>
+      <a:fillRef idx="1">
+        <a:scrgbClr r="0" g="0" b="0"/>
+      </a:fillRef>
+      <a:effectRef idx="2">
+        <a:scrgbClr r="0" g="0" b="0"/>
+      </a:effectRef>
+      <a:fontRef idx="minor"/>
+    </dgm:style>
+  </dgm:styleLbl>
+  <dgm:styleLbl name="bgImgPlace1">
+    <dgm:scene3d>
+      <a:camera prst="orthographicFront"/>
+      <a:lightRig rig="threePt" dir="t"/>
+    </dgm:scene3d>
+    <dgm:sp3d/>
+    <dgm:txPr/>
+    <dgm:style>
+      <a:lnRef idx="0">
+        <a:scrgbClr r="0" g="0" b="0"/>
+      </a:lnRef>
+      <a:fillRef idx="1">
+        <a:scrgbClr r="0" g="0" b="0"/>
+      </a:fillRef>
+      <a:effectRef idx="2">
+        <a:scrgbClr r="0" g="0" b="0"/>
+      </a:effectRef>
+      <a:fontRef idx="minor"/>
+    </dgm:style>
+  </dgm:styleLbl>
+  <dgm:styleLbl name="sibTrans2D1">
+    <dgm:scene3d>
+      <a:camera prst="orthographicFront"/>
+      <a:lightRig rig="threePt" dir="t"/>
+    </dgm:scene3d>
+    <dgm:sp3d/>
+    <dgm:txPr/>
+    <dgm:style>
+      <a:lnRef idx="0">
+        <a:scrgbClr r="0" g="0" b="0"/>
+      </a:lnRef>
+      <a:fillRef idx="3">
+        <a:scrgbClr r="0" g="0" b="0"/>
+      </a:fillRef>
+      <a:effectRef idx="2">
+        <a:scrgbClr r="0" g="0" b="0"/>
+      </a:effectRef>
+      <a:fontRef idx="minor">
+        <a:schemeClr val="lt1"/>
+      </a:fontRef>
+    </dgm:style>
+  </dgm:styleLbl>
+  <dgm:styleLbl name="fgSibTrans2D1">
+    <dgm:scene3d>
+      <a:camera prst="orthographicFront"/>
+      <a:lightRig rig="threePt" dir="t"/>
+    </dgm:scene3d>
+    <dgm:sp3d/>
+    <dgm:txPr/>
+    <dgm:style>
+      <a:lnRef idx="0">
+        <a:scrgbClr r="0" g="0" b="0"/>
+      </a:lnRef>
+      <a:fillRef idx="3">
+        <a:scrgbClr r="0" g="0" b="0"/>
+      </a:fillRef>
+      <a:effectRef idx="2">
+        <a:scrgbClr r="0" g="0" b="0"/>
+      </a:effectRef>
+      <a:fontRef idx="minor">
+        <a:schemeClr val="lt1"/>
+      </a:fontRef>
+    </dgm:style>
+  </dgm:styleLbl>
+  <dgm:styleLbl name="bgSibTrans2D1">
+    <dgm:scene3d>
+      <a:camera prst="orthographicFront"/>
+      <a:lightRig rig="threePt" dir="t"/>
+    </dgm:scene3d>
+    <dgm:sp3d/>
+    <dgm:txPr/>
+    <dgm:style>
+      <a:lnRef idx="0">
+        <a:scrgbClr r="0" g="0" b="0"/>
+      </a:lnRef>
+      <a:fillRef idx="3">
+        <a:scrgbClr r="0" g="0" b="0"/>
+      </a:fillRef>
+      <a:effectRef idx="2">
+        <a:scrgbClr r="0" g="0" b="0"/>
+      </a:effectRef>
+      <a:fontRef idx="minor">
+        <a:schemeClr val="lt1"/>
+      </a:fontRef>
+    </dgm:style>
+  </dgm:styleLbl>
+  <dgm:styleLbl name="sibTrans1D1">
+    <dgm:scene3d>
+      <a:camera prst="orthographicFront"/>
+      <a:lightRig rig="threePt" dir="t"/>
+    </dgm:scene3d>
+    <dgm:sp3d/>
+    <dgm:txPr/>
+    <dgm:style>
+      <a:lnRef idx="1">
+        <a:scrgbClr r="0" g="0" b="0"/>
+      </a:lnRef>
+      <a:fillRef idx="0">
+        <a:scrgbClr r="0" g="0" b="0"/>
+      </a:fillRef>
+      <a:effectRef idx="0">
+        <a:scrgbClr r="0" g="0" b="0"/>
+      </a:effectRef>
+      <a:fontRef idx="minor"/>
+    </dgm:style>
+  </dgm:styleLbl>
+  <dgm:styleLbl name="callout">
+    <dgm:scene3d>
+      <a:camera prst="orthographicFront"/>
+      <a:lightRig rig="threePt" dir="t"/>
+    </dgm:scene3d>
+    <dgm:sp3d/>
+    <dgm:txPr/>
+    <dgm:style>
+      <a:lnRef idx="2">
+        <a:scrgbClr r="0" g="0" b="0"/>
+      </a:lnRef>
+      <a:fillRef idx="1">
+        <a:scrgbClr r="0" g="0" b="0"/>
+      </a:fillRef>
+      <a:effectRef idx="1">
+        <a:scrgbClr r="0" g="0" b="0"/>
+      </a:effectRef>
+      <a:fontRef idx="minor"/>
+    </dgm:style>
+  </dgm:styleLbl>
+  <dgm:styleLbl name="asst0">
+    <dgm:scene3d>
+      <a:camera prst="orthographicFront"/>
+      <a:lightRig rig="threePt" dir="t"/>
+    </dgm:scene3d>
+    <dgm:sp3d/>
+    <dgm:txPr/>
+    <dgm:style>
+      <a:lnRef idx="0">
+        <a:scrgbClr r="0" g="0" b="0"/>
+      </a:lnRef>
+      <a:fillRef idx="3">
+        <a:scrgbClr r="0" g="0" b="0"/>
+      </a:fillRef>
+      <a:effectRef idx="2">
+        <a:scrgbClr r="0" g="0" b="0"/>
+      </a:effectRef>
+      <a:fontRef idx="minor">
+        <a:schemeClr val="lt1"/>
+      </a:fontRef>
+    </dgm:style>
+  </dgm:styleLbl>
+  <dgm:styleLbl name="asst1">
+    <dgm:scene3d>
+      <a:camera prst="orthographicFront"/>
+      <a:lightRig rig="threePt" dir="t"/>
+    </dgm:scene3d>
+    <dgm:sp3d/>
+    <dgm:txPr/>
+    <dgm:style>
+      <a:lnRef idx="0">
+        <a:scrgbClr r="0" g="0" b="0"/>
+      </a:lnRef>
+      <a:fillRef idx="3">
+        <a:scrgbClr r="0" g="0" b="0"/>
+      </a:fillRef>
+      <a:effectRef idx="2">
+        <a:scrgbClr r="0" g="0" b="0"/>
+      </a:effectRef>
+      <a:fontRef idx="minor">
+        <a:schemeClr val="lt1"/>
+      </a:fontRef>
+    </dgm:style>
+  </dgm:styleLbl>
+  <dgm:styleLbl name="asst2">
+    <dgm:scene3d>
+      <a:camera prst="orthographicFront"/>
+      <a:lightRig rig="threePt" dir="t"/>
+    </dgm:scene3d>
+    <dgm:sp3d/>
+    <dgm:txPr/>
+    <dgm:style>
+      <a:lnRef idx="0">
+        <a:scrgbClr r="0" g="0" b="0"/>
+      </a:lnRef>
+      <a:fillRef idx="3">
+        <a:scrgbClr r="0" g="0" b="0"/>
+      </a:fillRef>
+      <a:effectRef idx="2">
+        <a:scrgbClr r="0" g="0" b="0"/>
+      </a:effectRef>
+      <a:fontRef idx="minor">
+        <a:schemeClr val="lt1"/>
+      </a:fontRef>
+    </dgm:style>
+  </dgm:styleLbl>
+  <dgm:styleLbl name="asst3">
+    <dgm:scene3d>
+      <a:camera prst="orthographicFront"/>
+      <a:lightRig rig="threePt" dir="t"/>
+    </dgm:scene3d>
+    <dgm:sp3d/>
+    <dgm:txPr/>
+    <dgm:style>
+      <a:lnRef idx="0">
+        <a:scrgbClr r="0" g="0" b="0"/>
+      </a:lnRef>
+      <a:fillRef idx="3">
+        <a:scrgbClr r="0" g="0" b="0"/>
+      </a:fillRef>
+      <a:effectRef idx="2">
+        <a:scrgbClr r="0" g="0" b="0"/>
+      </a:effectRef>
+      <a:fontRef idx="minor">
+        <a:schemeClr val="lt1"/>
+      </a:fontRef>
+    </dgm:style>
+  </dgm:styleLbl>
+  <dgm:styleLbl name="asst4">
+    <dgm:scene3d>
+      <a:camera prst="orthographicFront"/>
+      <a:lightRig rig="threePt" dir="t"/>
+    </dgm:scene3d>
+    <dgm:sp3d/>
+    <dgm:txPr/>
+    <dgm:style>
+      <a:lnRef idx="0">
+        <a:scrgbClr r="0" g="0" b="0"/>
+      </a:lnRef>
+      <a:fillRef idx="3">
+        <a:scrgbClr r="0" g="0" b="0"/>
+      </a:fillRef>
+      <a:effectRef idx="2">
+        <a:scrgbClr r="0" g="0" b="0"/>
+      </a:effectRef>
+      <a:fontRef idx="minor">
+        <a:schemeClr val="lt1"/>
+      </a:fontRef>
+    </dgm:style>
+  </dgm:styleLbl>
+  <dgm:styleLbl name="parChTrans2D1">
+    <dgm:scene3d>
+      <a:camera prst="orthographicFront"/>
+      <a:lightRig rig="threePt" dir="t"/>
+    </dgm:scene3d>
+    <dgm:sp3d/>
+    <dgm:txPr/>
+    <dgm:style>
+      <a:lnRef idx="0">
+        <a:scrgbClr r="0" g="0" b="0"/>
+      </a:lnRef>
+      <a:fillRef idx="3">
+        <a:scrgbClr r="0" g="0" b="0"/>
+      </a:fillRef>
+      <a:effectRef idx="2">
+        <a:scrgbClr r="0" g="0" b="0"/>
+      </a:effectRef>
+      <a:fontRef idx="minor">
+        <a:schemeClr val="lt1"/>
+      </a:fontRef>
+    </dgm:style>
+  </dgm:styleLbl>
+  <dgm:styleLbl name="parChTrans2D2">
+    <dgm:scene3d>
+      <a:camera prst="orthographicFront"/>
+      <a:lightRig rig="threePt" dir="t"/>
+    </dgm:scene3d>
+    <dgm:sp3d/>
+    <dgm:txPr/>
+    <dgm:style>
+      <a:lnRef idx="0">
+        <a:scrgbClr r="0" g="0" b="0"/>
+      </a:lnRef>
+      <a:fillRef idx="3">
+        <a:scrgbClr r="0" g="0" b="0"/>
+      </a:fillRef>
+      <a:effectRef idx="2">
+        <a:scrgbClr r="0" g="0" b="0"/>
+      </a:effectRef>
+      <a:fontRef idx="minor">
+        <a:schemeClr val="lt1"/>
+      </a:fontRef>
+    </dgm:style>
+  </dgm:styleLbl>
+  <dgm:styleLbl name="parChTrans2D3">
+    <dgm:scene3d>
+      <a:camera prst="orthographicFront"/>
+      <a:lightRig rig="threePt" dir="t"/>
+    </dgm:scene3d>
+    <dgm:sp3d/>
+    <dgm:txPr/>
+    <dgm:style>
+      <a:lnRef idx="1">
+        <a:scrgbClr r="0" g="0" b="0"/>
+      </a:lnRef>
+      <a:fillRef idx="3">
+        <a:scrgbClr r="0" g="0" b="0"/>
+      </a:fillRef>
+      <a:effectRef idx="2">
+        <a:scrgbClr r="0" g="0" b="0"/>
+      </a:effectRef>
+      <a:fontRef idx="minor">
+        <a:schemeClr val="lt1"/>
+      </a:fontRef>
+    </dgm:style>
+  </dgm:styleLbl>
+  <dgm:styleLbl name="parChTrans2D4">
+    <dgm:scene3d>
+      <a:camera prst="orthographicFront"/>
+      <a:lightRig rig="threePt" dir="t"/>
+    </dgm:scene3d>
+    <dgm:sp3d/>
+    <dgm:txPr/>
+    <dgm:style>
+      <a:lnRef idx="1">
+        <a:scrgbClr r="0" g="0" b="0"/>
+      </a:lnRef>
+      <a:fillRef idx="3">
+        <a:scrgbClr r="0" g="0" b="0"/>
+      </a:fillRef>
+      <a:effectRef idx="2">
+        <a:scrgbClr r="0" g="0" b="0"/>
+      </a:effectRef>
+      <a:fontRef idx="minor">
+        <a:schemeClr val="lt1"/>
+      </a:fontRef>
+    </dgm:style>
+  </dgm:styleLbl>
+  <dgm:styleLbl name="parChTrans1D1">
+    <dgm:scene3d>
+      <a:camera prst="orthographicFront"/>
+      <a:lightRig rig="threePt" dir="t"/>
+    </dgm:scene3d>
+    <dgm:sp3d/>
+    <dgm:txPr/>
+    <dgm:style>
+      <a:lnRef idx="1">
+        <a:scrgbClr r="0" g="0" b="0"/>
+      </a:lnRef>
+      <a:fillRef idx="0">
+        <a:scrgbClr r="0" g="0" b="0"/>
+      </a:fillRef>
+      <a:effectRef idx="0">
+        <a:scrgbClr r="0" g="0" b="0"/>
+      </a:effectRef>
+      <a:fontRef idx="minor"/>
+    </dgm:style>
+  </dgm:styleLbl>
+  <dgm:styleLbl name="parChTrans1D2">
+    <dgm:scene3d>
+      <a:camera prst="orthographicFront"/>
+      <a:lightRig rig="threePt" dir="t"/>
+    </dgm:scene3d>
+    <dgm:sp3d/>
+    <dgm:txPr/>
+    <dgm:style>
+      <a:lnRef idx="1">
+        <a:scrgbClr r="0" g="0" b="0"/>
+      </a:lnRef>
+      <a:fillRef idx="0">
+        <a:scrgbClr r="0" g="0" b="0"/>
+      </a:fillRef>
+      <a:effectRef idx="0">
+        <a:scrgbClr r="0" g="0" b="0"/>
+      </a:effectRef>
+      <a:fontRef idx="minor"/>
+    </dgm:style>
+  </dgm:styleLbl>
+  <dgm:styleLbl name="parChTrans1D3">
+    <dgm:scene3d>
+      <a:camera prst="orthographicFront"/>
+      <a:lightRig rig="threePt" dir="t"/>
+    </dgm:scene3d>
+    <dgm:sp3d/>
+    <dgm:txPr/>
+    <dgm:style>
+      <a:lnRef idx="1">
+        <a:scrgbClr r="0" g="0" b="0"/>
+      </a:lnRef>
+      <a:fillRef idx="0">
+        <a:scrgbClr r="0" g="0" b="0"/>
+      </a:fillRef>
+      <a:effectRef idx="0">
+        <a:scrgbClr r="0" g="0" b="0"/>
+      </a:effectRef>
+      <a:fontRef idx="minor"/>
+    </dgm:style>
+  </dgm:styleLbl>
+  <dgm:styleLbl name="parChTrans1D4">
+    <dgm:scene3d>
+      <a:camera prst="orthographicFront"/>
+      <a:lightRig rig="threePt" dir="t"/>
+    </dgm:scene3d>
+    <dgm:sp3d/>
+    <dgm:txPr/>
+    <dgm:style>
+      <a:lnRef idx="1">
+        <a:scrgbClr r="0" g="0" b="0"/>
+      </a:lnRef>
+      <a:fillRef idx="0">
+        <a:scrgbClr r="0" g="0" b="0"/>
+      </a:fillRef>
+      <a:effectRef idx="0">
+        <a:scrgbClr r="0" g="0" b="0"/>
+      </a:effectRef>
+      <a:fontRef idx="minor"/>
+    </dgm:style>
+  </dgm:styleLbl>
+  <dgm:styleLbl name="fgAcc1">
+    <dgm:scene3d>
+      <a:camera prst="orthographicFront"/>
+      <a:lightRig rig="threePt" dir="t"/>
+    </dgm:scene3d>
+    <dgm:sp3d/>
+    <dgm:txPr/>
+    <dgm:style>
+      <a:lnRef idx="1">
+        <a:scrgbClr r="0" g="0" b="0"/>
+      </a:lnRef>
+      <a:fillRef idx="1">
+        <a:scrgbClr r="0" g="0" b="0"/>
+      </a:fillRef>
+      <a:effectRef idx="0">
+        <a:scrgbClr r="0" g="0" b="0"/>
+      </a:effectRef>
+      <a:fontRef idx="minor"/>
+    </dgm:style>
+  </dgm:styleLbl>
+  <dgm:styleLbl name="conFgAcc1">
+    <dgm:scene3d>
+      <a:camera prst="orthographicFront"/>
+      <a:lightRig rig="threePt" dir="t"/>
+    </dgm:scene3d>
+    <dgm:sp3d/>
+    <dgm:txPr/>
+    <dgm:style>
+      <a:lnRef idx="1">
+        <a:scrgbClr r="0" g="0" b="0"/>
+      </a:lnRef>
+      <a:fillRef idx="1">
+        <a:scrgbClr r="0" g="0" b="0"/>
+      </a:fillRef>
+      <a:effectRef idx="0">
+        <a:scrgbClr r="0" g="0" b="0"/>
+      </a:effectRef>
+      <a:fontRef idx="minor"/>
+    </dgm:style>
+  </dgm:styleLbl>
+  <dgm:styleLbl name="alignAcc1">
+    <dgm:scene3d>
+      <a:camera prst="orthographicFront"/>
+      <a:lightRig rig="threePt" dir="t"/>
+    </dgm:scene3d>
+    <dgm:sp3d/>
+    <dgm:txPr/>
+    <dgm:style>
+      <a:lnRef idx="1">
+        <a:scrgbClr r="0" g="0" b="0"/>
+      </a:lnRef>
+      <a:fillRef idx="1">
+        <a:scrgbClr r="0" g="0" b="0"/>
+      </a:fillRef>
+      <a:effectRef idx="0">
+        <a:scrgbClr r="0" g="0" b="0"/>
+      </a:effectRef>
+      <a:fontRef idx="minor"/>
+    </dgm:style>
+  </dgm:styleLbl>
+  <dgm:styleLbl name="trAlignAcc1">
+    <dgm:scene3d>
+      <a:camera prst="orthographicFront"/>
+      <a:lightRig rig="threePt" dir="t"/>
+    </dgm:scene3d>
+    <dgm:sp3d/>
+    <dgm:txPr/>
+    <dgm:style>
+      <a:lnRef idx="1">
+        <a:scrgbClr r="0" g="0" b="0"/>
+      </a:lnRef>
+      <a:fillRef idx="1">
+        <a:scrgbClr r="0" g="0" b="0"/>
+      </a:fillRef>
+      <a:effectRef idx="0">
+        <a:scrgbClr r="0" g="0" b="0"/>
+      </a:effectRef>
+      <a:fontRef idx="minor"/>
+    </dgm:style>
+  </dgm:styleLbl>
+  <dgm:styleLbl name="bgAcc1">
+    <dgm:scene3d>
+      <a:camera prst="orthographicFront"/>
+      <a:lightRig rig="threePt" dir="t"/>
+    </dgm:scene3d>
+    <dgm:sp3d/>
+    <dgm:txPr/>
+    <dgm:style>
+      <a:lnRef idx="1">
+        <a:scrgbClr r="0" g="0" b="0"/>
+      </a:lnRef>
+      <a:fillRef idx="1">
+        <a:scrgbClr r="0" g="0" b="0"/>
+      </a:fillRef>
+      <a:effectRef idx="0">
+        <a:scrgbClr r="0" g="0" b="0"/>
+      </a:effectRef>
+      <a:fontRef idx="minor"/>
+    </dgm:style>
+  </dgm:styleLbl>
+  <dgm:styleLbl name="solidFgAcc1">
+    <dgm:scene3d>
+      <a:camera prst="orthographicFront"/>
+      <a:lightRig rig="threePt" dir="t"/>
+    </dgm:scene3d>
+    <dgm:sp3d/>
+    <dgm:txPr/>
+    <dgm:style>
+      <a:lnRef idx="1">
+        <a:scrgbClr r="0" g="0" b="0"/>
+      </a:lnRef>
+      <a:fillRef idx="1">
+        <a:scrgbClr r="0" g="0" b="0"/>
+      </a:fillRef>
+      <a:effectRef idx="0">
+        <a:scrgbClr r="0" g="0" b="0"/>
+      </a:effectRef>
+      <a:fontRef idx="minor"/>
+    </dgm:style>
+  </dgm:styleLbl>
+  <dgm:styleLbl name="solidAlignAcc1">
+    <dgm:scene3d>
+      <a:camera prst="orthographicFront"/>
+      <a:lightRig rig="threePt" dir="t"/>
+    </dgm:scene3d>
+    <dgm:sp3d/>
+    <dgm:txPr/>
+    <dgm:style>
+      <a:lnRef idx="1">
+        <a:scrgbClr r="0" g="0" b="0"/>
+      </a:lnRef>
+      <a:fillRef idx="1">
+        <a:scrgbClr r="0" g="0" b="0"/>
+      </a:fillRef>
+      <a:effectRef idx="0">
+        <a:scrgbClr r="0" g="0" b="0"/>
+      </a:effectRef>
+      <a:fontRef idx="minor"/>
+    </dgm:style>
+  </dgm:styleLbl>
+  <dgm:styleLbl name="solidBgAcc1">
+    <dgm:scene3d>
+      <a:camera prst="orthographicFront"/>
+      <a:lightRig rig="threePt" dir="t"/>
+    </dgm:scene3d>
+    <dgm:sp3d/>
+    <dgm:txPr/>
+    <dgm:style>
+      <a:lnRef idx="1">
+        <a:scrgbClr r="0" g="0" b="0"/>
+      </a:lnRef>
+      <a:fillRef idx="1">
+        <a:scrgbClr r="0" g="0" b="0"/>
+      </a:fillRef>
+      <a:effectRef idx="0">
+        <a:scrgbClr r="0" g="0" b="0"/>
+      </a:effectRef>
+      <a:fontRef idx="minor"/>
+    </dgm:style>
+  </dgm:styleLbl>
+  <dgm:styleLbl name="fgAccFollowNode1">
+    <dgm:scene3d>
+      <a:camera prst="orthographicFront"/>
+      <a:lightRig rig="threePt" dir="t"/>
+    </dgm:scene3d>
+    <dgm:sp3d/>
+    <dgm:txPr/>
+    <dgm:style>
+      <a:lnRef idx="1">
+        <a:scrgbClr r="0" g="0" b="0"/>
+      </a:lnRef>
+      <a:fillRef idx="1">
+        <a:scrgbClr r="0" g="0" b="0"/>
+      </a:fillRef>
+      <a:effectRef idx="0">
+        <a:scrgbClr r="0" g="0" b="0"/>
+      </a:effectRef>
+      <a:fontRef idx="minor"/>
+    </dgm:style>
+  </dgm:styleLbl>
+  <dgm:styleLbl name="alignAccFollowNode1">
+    <dgm:scene3d>
+      <a:camera prst="orthographicFront"/>
+      <a:lightRig rig="threePt" dir="t"/>
+    </dgm:scene3d>
+    <dgm:sp3d/>
+    <dgm:txPr/>
+    <dgm:style>
+      <a:lnRef idx="1">
+        <a:scrgbClr r="0" g="0" b="0"/>
+      </a:lnRef>
+      <a:fillRef idx="1">
+        <a:scrgbClr r="0" g="0" b="0"/>
+      </a:fillRef>
+      <a:effectRef idx="0">
+        <a:scrgbClr r="0" g="0" b="0"/>
+      </a:effectRef>
+      <a:fontRef idx="minor"/>
+    </dgm:style>
+  </dgm:styleLbl>
+  <dgm:styleLbl name="bgAccFollowNode1">
+    <dgm:scene3d>
+      <a:camera prst="orthographicFront"/>
+      <a:lightRig rig="threePt" dir="t"/>
+    </dgm:scene3d>
+    <dgm:sp3d/>
+    <dgm:txPr/>
+    <dgm:style>
+      <a:lnRef idx="1">
+        <a:scrgbClr r="0" g="0" b="0"/>
+      </a:lnRef>
+      <a:fillRef idx="1">
+        <a:scrgbClr r="0" g="0" b="0"/>
+      </a:fillRef>
+      <a:effectRef idx="0">
+        <a:scrgbClr r="0" g="0" b="0"/>
+      </a:effectRef>
+      <a:fontRef idx="minor"/>
+    </dgm:style>
+  </dgm:styleLbl>
+  <dgm:styleLbl name="fgAcc0">
+    <dgm:scene3d>
+      <a:camera prst="orthographicFront"/>
+      <a:lightRig rig="threePt" dir="t"/>
+    </dgm:scene3d>
+    <dgm:sp3d/>
+    <dgm:txPr/>
+    <dgm:style>
+      <a:lnRef idx="1">
+        <a:scrgbClr r="0" g="0" b="0"/>
+      </a:lnRef>
+      <a:fillRef idx="1">
+        <a:scrgbClr r="0" g="0" b="0"/>
+      </a:fillRef>
+      <a:effectRef idx="0">
+        <a:scrgbClr r="0" g="0" b="0"/>
+      </a:effectRef>
+      <a:fontRef idx="minor"/>
+    </dgm:style>
+  </dgm:styleLbl>
+  <dgm:styleLbl name="fgAcc2">
+    <dgm:scene3d>
+      <a:camera prst="orthographicFront"/>
+      <a:lightRig rig="threePt" dir="t"/>
+    </dgm:scene3d>
+    <dgm:sp3d/>
+    <dgm:txPr/>
+    <dgm:style>
+      <a:lnRef idx="1">
+        <a:scrgbClr r="0" g="0" b="0"/>
+      </a:lnRef>
+      <a:fillRef idx="1">
+        <a:scrgbClr r="0" g="0" b="0"/>
+      </a:fillRef>
+      <a:effectRef idx="0">
+        <a:scrgbClr r="0" g="0" b="0"/>
+      </a:effectRef>
+      <a:fontRef idx="minor"/>
+    </dgm:style>
+  </dgm:styleLbl>
+  <dgm:styleLbl name="fgAcc3">
+    <dgm:scene3d>
+      <a:camera prst="orthographicFront"/>
+      <a:lightRig rig="threePt" dir="t"/>
+    </dgm:scene3d>
+    <dgm:sp3d/>
+    <dgm:txPr/>
+    <dgm:style>
+      <a:lnRef idx="1">
+        <a:scrgbClr r="0" g="0" b="0"/>
+      </a:lnRef>
+      <a:fillRef idx="1">
+        <a:scrgbClr r="0" g="0" b="0"/>
+      </a:fillRef>
+      <a:effectRef idx="0">
+        <a:scrgbClr r="0" g="0" b="0"/>
+      </a:effectRef>
+      <a:fontRef idx="minor"/>
+    </dgm:style>
+  </dgm:styleLbl>
+  <dgm:styleLbl name="fgAcc4">
+    <dgm:scene3d>
+      <a:camera prst="orthographicFront"/>
+      <a:lightRig rig="threePt" dir="t"/>
+    </dgm:scene3d>
+    <dgm:sp3d/>
+    <dgm:txPr/>
+    <dgm:style>
+      <a:lnRef idx="1">
+        <a:scrgbClr r="0" g="0" b="0"/>
+      </a:lnRef>
+      <a:fillRef idx="1">
+        <a:scrgbClr r="0" g="0" b="0"/>
+      </a:fillRef>
+      <a:effectRef idx="0">
+        <a:scrgbClr r="0" g="0" b="0"/>
+      </a:effectRef>
+      <a:fontRef idx="minor"/>
+    </dgm:style>
+  </dgm:styleLbl>
+  <dgm:styleLbl name="bgShp">
+    <dgm:scene3d>
+      <a:camera prst="orthographicFront"/>
+      <a:lightRig rig="threePt" dir="t"/>
+    </dgm:scene3d>
+    <dgm:sp3d/>
+    <dgm:txPr/>
+    <dgm:style>
+      <a:lnRef idx="0">
+        <a:scrgbClr r="0" g="0" b="0"/>
+      </a:lnRef>
+      <a:fillRef idx="1">
+        <a:scrgbClr r="0" g="0" b="0"/>
+      </a:fillRef>
+      <a:effectRef idx="2">
+        <a:scrgbClr r="0" g="0" b="0"/>
+      </a:effectRef>
+      <a:fontRef idx="minor"/>
+    </dgm:style>
+  </dgm:styleLbl>
+  <dgm:styleLbl name="dkBgShp">
+    <dgm:scene3d>
+      <a:camera prst="orthographicFront"/>
+      <a:lightRig rig="threePt" dir="t"/>
+    </dgm:scene3d>
+    <dgm:sp3d/>
+    <dgm:txPr/>
+    <dgm:style>
+      <a:lnRef idx="0">
+        <a:scrgbClr r="0" g="0" b="0"/>
+      </a:lnRef>
+      <a:fillRef idx="1">
+        <a:scrgbClr r="0" g="0" b="0"/>
+      </a:fillRef>
+      <a:effectRef idx="2">
+        <a:scrgbClr r="0" g="0" b="0"/>
+      </a:effectRef>
+      <a:fontRef idx="minor"/>
+    </dgm:style>
+  </dgm:styleLbl>
+  <dgm:styleLbl name="trBgShp">
+    <dgm:scene3d>
+      <a:camera prst="orthographicFront"/>
+      <a:lightRig rig="threePt" dir="t"/>
+    </dgm:scene3d>
+    <dgm:sp3d/>
+    <dgm:txPr/>
+    <dgm:style>
+      <a:lnRef idx="0">
+        <a:scrgbClr r="0" g="0" b="0"/>
+      </a:lnRef>
+      <a:fillRef idx="1">
+        <a:scrgbClr r="0" g="0" b="0"/>
+      </a:fillRef>
+      <a:effectRef idx="0">
+        <a:scrgbClr r="0" g="0" b="0"/>
+      </a:effectRef>
+      <a:fontRef idx="minor"/>
+    </dgm:style>
+  </dgm:styleLbl>
+  <dgm:styleLbl name="fgShp">
+    <dgm:scene3d>
+      <a:camera prst="orthographicFront"/>
+      <a:lightRig rig="threePt" dir="t"/>
+    </dgm:scene3d>
+    <dgm:sp3d/>
+    <dgm:txPr/>
+    <dgm:style>
+      <a:lnRef idx="0">
+        <a:scrgbClr r="0" g="0" b="0"/>
+      </a:lnRef>
+      <a:fillRef idx="3">
+        <a:scrgbClr r="0" g="0" b="0"/>
+      </a:fillRef>
+      <a:effectRef idx="2">
+        <a:scrgbClr r="0" g="0" b="0"/>
+      </a:effectRef>
+      <a:fontRef idx="minor"/>
+    </dgm:style>
+  </dgm:styleLbl>
+  <dgm:styleLbl name="revTx">
+    <dgm:scene3d>
+      <a:camera prst="orthographicFront"/>
+      <a:lightRig rig="threePt" dir="t"/>
+    </dgm:scene3d>
+    <dgm:sp3d/>
+    <dgm:txPr/>
+    <dgm:style>
+      <a:lnRef idx="0">
+        <a:scrgbClr r="0" g="0" b="0"/>
+      </a:lnRef>
+      <a:fillRef idx="0">
+        <a:scrgbClr r="0" g="0" b="0"/>
+      </a:fillRef>
+      <a:effectRef idx="0">
+        <a:scrgbClr r="0" g="0" b="0"/>
+      </a:effectRef>
+      <a:fontRef idx="minor"/>
+    </dgm:style>
+  </dgm:styleLbl>
+</dgm:styleDef>
 </file>
 
 <file path=ppt/handoutMasters/handoutMaster1.xml><?xml version="1.0" encoding="utf-8"?>
@@ -709,6 +3409,182 @@
     <p:extLst>
       <p:ext uri="{BB962C8B-B14F-4D97-AF65-F5344CB8AC3E}">
         <p14:creationId xmlns:p14="http://schemas.microsoft.com/office/powerpoint/2010/main" val="1307812592"/>
+      </p:ext>
+    </p:extLst>
+  </p:cSld>
+  <p:clrMapOvr>
+    <a:masterClrMapping/>
+  </p:clrMapOvr>
+</p:notes>
+</file>
+
+<file path=ppt/notesSlides/notesSlide2.xml><?xml version="1.0" encoding="utf-8"?>
+<p:notes xmlns:a="http://schemas.openxmlformats.org/drawingml/2006/main" xmlns:r="http://schemas.openxmlformats.org/officeDocument/2006/relationships" xmlns:p="http://schemas.openxmlformats.org/presentationml/2006/main">
+  <p:cSld>
+    <p:spTree>
+      <p:nvGrpSpPr>
+        <p:cNvPr id="1" name=""/>
+        <p:cNvGrpSpPr/>
+        <p:nvPr/>
+      </p:nvGrpSpPr>
+      <p:grpSpPr>
+        <a:xfrm>
+          <a:off x="0" y="0"/>
+          <a:ext cx="0" cy="0"/>
+          <a:chOff x="0" y="0"/>
+          <a:chExt cx="0" cy="0"/>
+        </a:xfrm>
+      </p:grpSpPr>
+      <p:sp>
+        <p:nvSpPr>
+          <p:cNvPr id="2" name="Slide Image Placeholder 1"/>
+          <p:cNvSpPr>
+            <a:spLocks noGrp="1" noRot="1" noChangeAspect="1"/>
+          </p:cNvSpPr>
+          <p:nvPr>
+            <p:ph type="sldImg"/>
+          </p:nvPr>
+        </p:nvSpPr>
+        <p:spPr/>
+      </p:sp>
+      <p:sp>
+        <p:nvSpPr>
+          <p:cNvPr id="3" name="Notes Placeholder 2"/>
+          <p:cNvSpPr>
+            <a:spLocks noGrp="1"/>
+          </p:cNvSpPr>
+          <p:nvPr>
+            <p:ph type="body" idx="1"/>
+          </p:nvPr>
+        </p:nvSpPr>
+        <p:spPr/>
+        <p:txBody>
+          <a:bodyPr/>
+          <a:lstStyle/>
+          <a:p>
+            <a:r>
+              <a:rPr lang="en-US" dirty="0" smtClean="0"/>
+              <a:t>This is our non-profit organization.</a:t>
+            </a:r>
+            <a:endParaRPr lang="en-US" dirty="0"/>
+          </a:p>
+        </p:txBody>
+      </p:sp>
+      <p:sp>
+        <p:nvSpPr>
+          <p:cNvPr id="4" name="Slide Number Placeholder 3"/>
+          <p:cNvSpPr>
+            <a:spLocks noGrp="1"/>
+          </p:cNvSpPr>
+          <p:nvPr>
+            <p:ph type="sldNum" sz="quarter" idx="10"/>
+          </p:nvPr>
+        </p:nvSpPr>
+        <p:spPr/>
+        <p:txBody>
+          <a:bodyPr/>
+          <a:lstStyle/>
+          <a:p>
+            <a:fld id="{C67D605A-642E-A34F-B894-6BF6E4E70EAB}" type="slidenum">
+              <a:rPr lang="en-US" smtClean="0"/>
+              <a:t>2</a:t>
+            </a:fld>
+            <a:endParaRPr lang="en-US"/>
+          </a:p>
+        </p:txBody>
+      </p:sp>
+    </p:spTree>
+    <p:extLst>
+      <p:ext uri="{BB962C8B-B14F-4D97-AF65-F5344CB8AC3E}">
+        <p14:creationId xmlns:p14="http://schemas.microsoft.com/office/powerpoint/2010/main" val="1595204004"/>
+      </p:ext>
+    </p:extLst>
+  </p:cSld>
+  <p:clrMapOvr>
+    <a:masterClrMapping/>
+  </p:clrMapOvr>
+</p:notes>
+</file>
+
+<file path=ppt/notesSlides/notesSlide3.xml><?xml version="1.0" encoding="utf-8"?>
+<p:notes xmlns:a="http://schemas.openxmlformats.org/drawingml/2006/main" xmlns:r="http://schemas.openxmlformats.org/officeDocument/2006/relationships" xmlns:p="http://schemas.openxmlformats.org/presentationml/2006/main">
+  <p:cSld>
+    <p:spTree>
+      <p:nvGrpSpPr>
+        <p:cNvPr id="1" name=""/>
+        <p:cNvGrpSpPr/>
+        <p:nvPr/>
+      </p:nvGrpSpPr>
+      <p:grpSpPr>
+        <a:xfrm>
+          <a:off x="0" y="0"/>
+          <a:ext cx="0" cy="0"/>
+          <a:chOff x="0" y="0"/>
+          <a:chExt cx="0" cy="0"/>
+        </a:xfrm>
+      </p:grpSpPr>
+      <p:sp>
+        <p:nvSpPr>
+          <p:cNvPr id="2" name="Slide Image Placeholder 1"/>
+          <p:cNvSpPr>
+            <a:spLocks noGrp="1" noRot="1" noChangeAspect="1"/>
+          </p:cNvSpPr>
+          <p:nvPr>
+            <p:ph type="sldImg"/>
+          </p:nvPr>
+        </p:nvSpPr>
+        <p:spPr/>
+      </p:sp>
+      <p:sp>
+        <p:nvSpPr>
+          <p:cNvPr id="3" name="Notes Placeholder 2"/>
+          <p:cNvSpPr>
+            <a:spLocks noGrp="1"/>
+          </p:cNvSpPr>
+          <p:nvPr>
+            <p:ph type="body" idx="1"/>
+          </p:nvPr>
+        </p:nvSpPr>
+        <p:spPr/>
+        <p:txBody>
+          <a:bodyPr/>
+          <a:lstStyle/>
+          <a:p>
+            <a:r>
+              <a:rPr lang="en-US" dirty="0" smtClean="0"/>
+              <a:t>This is our non-profit organization.</a:t>
+            </a:r>
+            <a:endParaRPr lang="en-US" dirty="0"/>
+          </a:p>
+        </p:txBody>
+      </p:sp>
+      <p:sp>
+        <p:nvSpPr>
+          <p:cNvPr id="4" name="Slide Number Placeholder 3"/>
+          <p:cNvSpPr>
+            <a:spLocks noGrp="1"/>
+          </p:cNvSpPr>
+          <p:nvPr>
+            <p:ph type="sldNum" sz="quarter" idx="10"/>
+          </p:nvPr>
+        </p:nvSpPr>
+        <p:spPr/>
+        <p:txBody>
+          <a:bodyPr/>
+          <a:lstStyle/>
+          <a:p>
+            <a:fld id="{C67D605A-642E-A34F-B894-6BF6E4E70EAB}" type="slidenum">
+              <a:rPr lang="en-US" smtClean="0"/>
+              <a:t>3</a:t>
+            </a:fld>
+            <a:endParaRPr lang="en-US"/>
+          </a:p>
+        </p:txBody>
+      </p:sp>
+    </p:spTree>
+    <p:extLst>
+      <p:ext uri="{BB962C8B-B14F-4D97-AF65-F5344CB8AC3E}">
+        <p14:creationId xmlns:p14="http://schemas.microsoft.com/office/powerpoint/2010/main" val="1595204004"/>
       </p:ext>
     </p:extLst>
   </p:cSld>
@@ -3821,6 +6697,885 @@
   <p:clrMapOvr>
     <a:masterClrMapping/>
   </p:clrMapOvr>
+  <p:timing>
+    <p:tnLst>
+      <p:par>
+        <p:cTn xmlns:p14="http://schemas.microsoft.com/office/powerpoint/2010/main" id="1" dur="indefinite" restart="never" nodeType="tmRoot"/>
+      </p:par>
+    </p:tnLst>
+  </p:timing>
+</p:sld>
+</file>
+
+<file path=ppt/slides/slide10.xml><?xml version="1.0" encoding="utf-8"?>
+<p:sld xmlns:a="http://schemas.openxmlformats.org/drawingml/2006/main" xmlns:r="http://schemas.openxmlformats.org/officeDocument/2006/relationships" xmlns:p="http://schemas.openxmlformats.org/presentationml/2006/main">
+  <p:cSld>
+    <p:spTree>
+      <p:nvGrpSpPr>
+        <p:cNvPr id="1" name=""/>
+        <p:cNvGrpSpPr/>
+        <p:nvPr/>
+      </p:nvGrpSpPr>
+      <p:grpSpPr>
+        <a:xfrm>
+          <a:off x="0" y="0"/>
+          <a:ext cx="0" cy="0"/>
+          <a:chOff x="0" y="0"/>
+          <a:chExt cx="0" cy="0"/>
+        </a:xfrm>
+      </p:grpSpPr>
+      <p:sp>
+        <p:nvSpPr>
+          <p:cNvPr id="2" name="Title 1"/>
+          <p:cNvSpPr>
+            <a:spLocks noGrp="1"/>
+          </p:cNvSpPr>
+          <p:nvPr>
+            <p:ph type="title"/>
+          </p:nvPr>
+        </p:nvSpPr>
+        <p:spPr/>
+        <p:txBody>
+          <a:bodyPr/>
+          <a:lstStyle/>
+          <a:p>
+            <a:r>
+              <a:rPr lang="en-US" dirty="0" smtClean="0"/>
+              <a:t>Why?</a:t>
+            </a:r>
+            <a:endParaRPr lang="en-US" dirty="0"/>
+          </a:p>
+        </p:txBody>
+      </p:sp>
+      <p:sp>
+        <p:nvSpPr>
+          <p:cNvPr id="3" name="Content Placeholder 2"/>
+          <p:cNvSpPr>
+            <a:spLocks noGrp="1"/>
+          </p:cNvSpPr>
+          <p:nvPr>
+            <p:ph idx="1"/>
+          </p:nvPr>
+        </p:nvSpPr>
+        <p:spPr/>
+        <p:txBody>
+          <a:bodyPr/>
+          <a:lstStyle/>
+          <a:p>
+            <a:r>
+              <a:rPr lang="en-US" dirty="0" smtClean="0">
+                <a:solidFill>
+                  <a:srgbClr val="7F7F7F"/>
+                </a:solidFill>
+              </a:rPr>
+              <a:t>To get together ( o/ \o )</a:t>
+            </a:r>
+          </a:p>
+        </p:txBody>
+      </p:sp>
+    </p:spTree>
+    <p:extLst>
+      <p:ext uri="{BB962C8B-B14F-4D97-AF65-F5344CB8AC3E}">
+        <p14:creationId xmlns:p14="http://schemas.microsoft.com/office/powerpoint/2010/main" val="3613043405"/>
+      </p:ext>
+    </p:extLst>
+  </p:cSld>
+  <p:clrMapOvr>
+    <a:masterClrMapping/>
+  </p:clrMapOvr>
+</p:sld>
+</file>
+
+<file path=ppt/slides/slide11.xml><?xml version="1.0" encoding="utf-8"?>
+<p:sld xmlns:a="http://schemas.openxmlformats.org/drawingml/2006/main" xmlns:r="http://schemas.openxmlformats.org/officeDocument/2006/relationships" xmlns:p="http://schemas.openxmlformats.org/presentationml/2006/main">
+  <p:cSld>
+    <p:spTree>
+      <p:nvGrpSpPr>
+        <p:cNvPr id="1" name=""/>
+        <p:cNvGrpSpPr/>
+        <p:nvPr/>
+      </p:nvGrpSpPr>
+      <p:grpSpPr>
+        <a:xfrm>
+          <a:off x="0" y="0"/>
+          <a:ext cx="0" cy="0"/>
+          <a:chOff x="0" y="0"/>
+          <a:chExt cx="0" cy="0"/>
+        </a:xfrm>
+      </p:grpSpPr>
+      <p:sp>
+        <p:nvSpPr>
+          <p:cNvPr id="2" name="Title 1"/>
+          <p:cNvSpPr>
+            <a:spLocks noGrp="1"/>
+          </p:cNvSpPr>
+          <p:nvPr>
+            <p:ph type="title"/>
+          </p:nvPr>
+        </p:nvSpPr>
+        <p:spPr/>
+        <p:txBody>
+          <a:bodyPr/>
+          <a:lstStyle/>
+          <a:p>
+            <a:r>
+              <a:rPr lang="en-US" dirty="0" smtClean="0"/>
+              <a:t>Why?</a:t>
+            </a:r>
+            <a:endParaRPr lang="en-US" dirty="0"/>
+          </a:p>
+        </p:txBody>
+      </p:sp>
+      <p:sp>
+        <p:nvSpPr>
+          <p:cNvPr id="3" name="Content Placeholder 2"/>
+          <p:cNvSpPr>
+            <a:spLocks noGrp="1"/>
+          </p:cNvSpPr>
+          <p:nvPr>
+            <p:ph idx="1"/>
+          </p:nvPr>
+        </p:nvSpPr>
+        <p:spPr/>
+        <p:txBody>
+          <a:bodyPr/>
+          <a:lstStyle/>
+          <a:p>
+            <a:r>
+              <a:rPr lang="en-US" dirty="0" smtClean="0">
+                <a:solidFill>
+                  <a:srgbClr val="7F7F7F"/>
+                </a:solidFill>
+              </a:rPr>
+              <a:t>To </a:t>
+            </a:r>
+            <a:r>
+              <a:rPr lang="en-US" dirty="0">
+                <a:solidFill>
+                  <a:srgbClr val="7F7F7F"/>
+                </a:solidFill>
+              </a:rPr>
+              <a:t>get together </a:t>
+            </a:r>
+            <a:r>
+              <a:rPr lang="en-US" dirty="0" smtClean="0">
+                <a:solidFill>
+                  <a:srgbClr val="7F7F7F"/>
+                </a:solidFill>
+              </a:rPr>
+              <a:t>( o</a:t>
+            </a:r>
+            <a:r>
+              <a:rPr lang="en-US" dirty="0">
+                <a:solidFill>
+                  <a:srgbClr val="7F7F7F"/>
+                </a:solidFill>
+              </a:rPr>
+              <a:t>/ \</a:t>
+            </a:r>
+            <a:r>
+              <a:rPr lang="en-US" dirty="0" smtClean="0">
+                <a:solidFill>
+                  <a:srgbClr val="7F7F7F"/>
+                </a:solidFill>
+              </a:rPr>
+              <a:t>o )</a:t>
+            </a:r>
+          </a:p>
+          <a:p>
+            <a:r>
+              <a:rPr lang="en-US" dirty="0" smtClean="0">
+                <a:solidFill>
+                  <a:srgbClr val="7F7F7F"/>
+                </a:solidFill>
+              </a:rPr>
+              <a:t>To learn Python</a:t>
+            </a:r>
+          </a:p>
+        </p:txBody>
+      </p:sp>
+    </p:spTree>
+    <p:extLst>
+      <p:ext uri="{BB962C8B-B14F-4D97-AF65-F5344CB8AC3E}">
+        <p14:creationId xmlns:p14="http://schemas.microsoft.com/office/powerpoint/2010/main" val="2064902487"/>
+      </p:ext>
+    </p:extLst>
+  </p:cSld>
+  <p:clrMapOvr>
+    <a:masterClrMapping/>
+  </p:clrMapOvr>
+</p:sld>
+</file>
+
+<file path=ppt/slides/slide12.xml><?xml version="1.0" encoding="utf-8"?>
+<p:sld xmlns:a="http://schemas.openxmlformats.org/drawingml/2006/main" xmlns:r="http://schemas.openxmlformats.org/officeDocument/2006/relationships" xmlns:p="http://schemas.openxmlformats.org/presentationml/2006/main">
+  <p:cSld>
+    <p:spTree>
+      <p:nvGrpSpPr>
+        <p:cNvPr id="1" name=""/>
+        <p:cNvGrpSpPr/>
+        <p:nvPr/>
+      </p:nvGrpSpPr>
+      <p:grpSpPr>
+        <a:xfrm>
+          <a:off x="0" y="0"/>
+          <a:ext cx="0" cy="0"/>
+          <a:chOff x="0" y="0"/>
+          <a:chExt cx="0" cy="0"/>
+        </a:xfrm>
+      </p:grpSpPr>
+      <p:sp>
+        <p:nvSpPr>
+          <p:cNvPr id="2" name="Title 1"/>
+          <p:cNvSpPr>
+            <a:spLocks noGrp="1"/>
+          </p:cNvSpPr>
+          <p:nvPr>
+            <p:ph type="title"/>
+          </p:nvPr>
+        </p:nvSpPr>
+        <p:spPr/>
+        <p:txBody>
+          <a:bodyPr/>
+          <a:lstStyle/>
+          <a:p>
+            <a:r>
+              <a:rPr lang="en-US" dirty="0" smtClean="0"/>
+              <a:t>Why?</a:t>
+            </a:r>
+            <a:endParaRPr lang="en-US" dirty="0"/>
+          </a:p>
+        </p:txBody>
+      </p:sp>
+      <p:sp>
+        <p:nvSpPr>
+          <p:cNvPr id="3" name="Content Placeholder 2"/>
+          <p:cNvSpPr>
+            <a:spLocks noGrp="1"/>
+          </p:cNvSpPr>
+          <p:nvPr>
+            <p:ph idx="1"/>
+          </p:nvPr>
+        </p:nvSpPr>
+        <p:spPr/>
+        <p:txBody>
+          <a:bodyPr/>
+          <a:lstStyle/>
+          <a:p>
+            <a:r>
+              <a:rPr lang="en-US" dirty="0" smtClean="0">
+                <a:solidFill>
+                  <a:srgbClr val="7F7F7F"/>
+                </a:solidFill>
+              </a:rPr>
+              <a:t>To </a:t>
+            </a:r>
+            <a:r>
+              <a:rPr lang="en-US" dirty="0">
+                <a:solidFill>
+                  <a:srgbClr val="7F7F7F"/>
+                </a:solidFill>
+              </a:rPr>
+              <a:t>get together </a:t>
+            </a:r>
+            <a:r>
+              <a:rPr lang="en-US" dirty="0" smtClean="0">
+                <a:solidFill>
+                  <a:srgbClr val="7F7F7F"/>
+                </a:solidFill>
+              </a:rPr>
+              <a:t>( o</a:t>
+            </a:r>
+            <a:r>
+              <a:rPr lang="en-US" dirty="0">
+                <a:solidFill>
+                  <a:srgbClr val="7F7F7F"/>
+                </a:solidFill>
+              </a:rPr>
+              <a:t>/ \</a:t>
+            </a:r>
+            <a:r>
+              <a:rPr lang="en-US" dirty="0" smtClean="0">
+                <a:solidFill>
+                  <a:srgbClr val="7F7F7F"/>
+                </a:solidFill>
+              </a:rPr>
+              <a:t>o )</a:t>
+            </a:r>
+          </a:p>
+          <a:p>
+            <a:r>
+              <a:rPr lang="en-US" dirty="0" smtClean="0">
+                <a:solidFill>
+                  <a:srgbClr val="7F7F7F"/>
+                </a:solidFill>
+              </a:rPr>
+              <a:t>To learn Python ( &gt;&gt;&gt; )</a:t>
+            </a:r>
+          </a:p>
+        </p:txBody>
+      </p:sp>
+    </p:spTree>
+    <p:extLst>
+      <p:ext uri="{BB962C8B-B14F-4D97-AF65-F5344CB8AC3E}">
+        <p14:creationId xmlns:p14="http://schemas.microsoft.com/office/powerpoint/2010/main" val="1167858477"/>
+      </p:ext>
+    </p:extLst>
+  </p:cSld>
+  <p:clrMapOvr>
+    <a:masterClrMapping/>
+  </p:clrMapOvr>
+</p:sld>
+</file>
+
+<file path=ppt/slides/slide13.xml><?xml version="1.0" encoding="utf-8"?>
+<p:sld xmlns:a="http://schemas.openxmlformats.org/drawingml/2006/main" xmlns:r="http://schemas.openxmlformats.org/officeDocument/2006/relationships" xmlns:p="http://schemas.openxmlformats.org/presentationml/2006/main">
+  <p:cSld>
+    <p:spTree>
+      <p:nvGrpSpPr>
+        <p:cNvPr id="1" name=""/>
+        <p:cNvGrpSpPr/>
+        <p:nvPr/>
+      </p:nvGrpSpPr>
+      <p:grpSpPr>
+        <a:xfrm>
+          <a:off x="0" y="0"/>
+          <a:ext cx="0" cy="0"/>
+          <a:chOff x="0" y="0"/>
+          <a:chExt cx="0" cy="0"/>
+        </a:xfrm>
+      </p:grpSpPr>
+      <p:sp>
+        <p:nvSpPr>
+          <p:cNvPr id="2" name="Title 1"/>
+          <p:cNvSpPr>
+            <a:spLocks noGrp="1"/>
+          </p:cNvSpPr>
+          <p:nvPr>
+            <p:ph type="title"/>
+          </p:nvPr>
+        </p:nvSpPr>
+        <p:spPr/>
+        <p:txBody>
+          <a:bodyPr/>
+          <a:lstStyle/>
+          <a:p>
+            <a:r>
+              <a:rPr lang="en-US" dirty="0" smtClean="0"/>
+              <a:t>Why?</a:t>
+            </a:r>
+            <a:endParaRPr lang="en-US" dirty="0"/>
+          </a:p>
+        </p:txBody>
+      </p:sp>
+      <p:sp>
+        <p:nvSpPr>
+          <p:cNvPr id="3" name="Content Placeholder 2"/>
+          <p:cNvSpPr>
+            <a:spLocks noGrp="1"/>
+          </p:cNvSpPr>
+          <p:nvPr>
+            <p:ph idx="1"/>
+          </p:nvPr>
+        </p:nvSpPr>
+        <p:spPr/>
+        <p:txBody>
+          <a:bodyPr/>
+          <a:lstStyle/>
+          <a:p>
+            <a:r>
+              <a:rPr lang="en-US" dirty="0" smtClean="0">
+                <a:solidFill>
+                  <a:srgbClr val="7F7F7F"/>
+                </a:solidFill>
+              </a:rPr>
+              <a:t>To get together ( o/ \o )</a:t>
+            </a:r>
+          </a:p>
+          <a:p>
+            <a:r>
+              <a:rPr lang="en-US" dirty="0" smtClean="0">
+                <a:solidFill>
+                  <a:srgbClr val="7F7F7F"/>
+                </a:solidFill>
+              </a:rPr>
+              <a:t>To learn Python ( &gt;&gt;&gt; )</a:t>
+            </a:r>
+          </a:p>
+          <a:p>
+            <a:r>
+              <a:rPr lang="en-US" dirty="0" smtClean="0">
+                <a:solidFill>
+                  <a:srgbClr val="7F7F7F"/>
+                </a:solidFill>
+              </a:rPr>
+              <a:t>To have fun</a:t>
+            </a:r>
+          </a:p>
+        </p:txBody>
+      </p:sp>
+    </p:spTree>
+    <p:extLst>
+      <p:ext uri="{BB962C8B-B14F-4D97-AF65-F5344CB8AC3E}">
+        <p14:creationId xmlns:p14="http://schemas.microsoft.com/office/powerpoint/2010/main" val="613670414"/>
+      </p:ext>
+    </p:extLst>
+  </p:cSld>
+  <p:clrMapOvr>
+    <a:masterClrMapping/>
+  </p:clrMapOvr>
+</p:sld>
+</file>
+
+<file path=ppt/slides/slide14.xml><?xml version="1.0" encoding="utf-8"?>
+<p:sld xmlns:a="http://schemas.openxmlformats.org/drawingml/2006/main" xmlns:r="http://schemas.openxmlformats.org/officeDocument/2006/relationships" xmlns:p="http://schemas.openxmlformats.org/presentationml/2006/main">
+  <p:cSld>
+    <p:spTree>
+      <p:nvGrpSpPr>
+        <p:cNvPr id="1" name=""/>
+        <p:cNvGrpSpPr/>
+        <p:nvPr/>
+      </p:nvGrpSpPr>
+      <p:grpSpPr>
+        <a:xfrm>
+          <a:off x="0" y="0"/>
+          <a:ext cx="0" cy="0"/>
+          <a:chOff x="0" y="0"/>
+          <a:chExt cx="0" cy="0"/>
+        </a:xfrm>
+      </p:grpSpPr>
+      <p:sp>
+        <p:nvSpPr>
+          <p:cNvPr id="2" name="Title 1"/>
+          <p:cNvSpPr>
+            <a:spLocks noGrp="1"/>
+          </p:cNvSpPr>
+          <p:nvPr>
+            <p:ph type="title"/>
+          </p:nvPr>
+        </p:nvSpPr>
+        <p:spPr/>
+        <p:txBody>
+          <a:bodyPr/>
+          <a:lstStyle/>
+          <a:p>
+            <a:r>
+              <a:rPr lang="en-US" dirty="0" smtClean="0"/>
+              <a:t>Why?</a:t>
+            </a:r>
+            <a:endParaRPr lang="en-US" dirty="0"/>
+          </a:p>
+        </p:txBody>
+      </p:sp>
+      <p:sp>
+        <p:nvSpPr>
+          <p:cNvPr id="3" name="Content Placeholder 2"/>
+          <p:cNvSpPr>
+            <a:spLocks noGrp="1"/>
+          </p:cNvSpPr>
+          <p:nvPr>
+            <p:ph idx="1"/>
+          </p:nvPr>
+        </p:nvSpPr>
+        <p:spPr/>
+        <p:txBody>
+          <a:bodyPr/>
+          <a:lstStyle/>
+          <a:p>
+            <a:r>
+              <a:rPr lang="en-US" dirty="0" smtClean="0">
+                <a:solidFill>
+                  <a:srgbClr val="7F7F7F"/>
+                </a:solidFill>
+              </a:rPr>
+              <a:t>To get together ( o/ \o )</a:t>
+            </a:r>
+          </a:p>
+          <a:p>
+            <a:r>
+              <a:rPr lang="en-US" dirty="0" smtClean="0">
+                <a:solidFill>
+                  <a:srgbClr val="7F7F7F"/>
+                </a:solidFill>
+              </a:rPr>
+              <a:t>To learn Python ( &gt;&gt;&gt; )</a:t>
+            </a:r>
+          </a:p>
+          <a:p>
+            <a:r>
+              <a:rPr lang="en-US" dirty="0" smtClean="0">
+                <a:solidFill>
+                  <a:srgbClr val="7F7F7F"/>
+                </a:solidFill>
+              </a:rPr>
+              <a:t>To </a:t>
+            </a:r>
+            <a:r>
+              <a:rPr lang="en-US" smtClean="0">
+                <a:solidFill>
+                  <a:srgbClr val="7F7F7F"/>
+                </a:solidFill>
+              </a:rPr>
+              <a:t>have fun ( \o/ )</a:t>
+            </a:r>
+            <a:endParaRPr lang="en-US" dirty="0" smtClean="0">
+              <a:solidFill>
+                <a:srgbClr val="7F7F7F"/>
+              </a:solidFill>
+            </a:endParaRPr>
+          </a:p>
+        </p:txBody>
+      </p:sp>
+    </p:spTree>
+    <p:extLst>
+      <p:ext uri="{BB962C8B-B14F-4D97-AF65-F5344CB8AC3E}">
+        <p14:creationId xmlns:p14="http://schemas.microsoft.com/office/powerpoint/2010/main" val="4034274315"/>
+      </p:ext>
+    </p:extLst>
+  </p:cSld>
+  <p:clrMapOvr>
+    <a:masterClrMapping/>
+  </p:clrMapOvr>
+</p:sld>
+</file>
+
+<file path=ppt/slides/slide15.xml><?xml version="1.0" encoding="utf-8"?>
+<p:sld xmlns:a="http://schemas.openxmlformats.org/drawingml/2006/main" xmlns:r="http://schemas.openxmlformats.org/officeDocument/2006/relationships" xmlns:p="http://schemas.openxmlformats.org/presentationml/2006/main">
+  <p:cSld>
+    <p:spTree>
+      <p:nvGrpSpPr>
+        <p:cNvPr id="1" name=""/>
+        <p:cNvGrpSpPr/>
+        <p:nvPr/>
+      </p:nvGrpSpPr>
+      <p:grpSpPr>
+        <a:xfrm>
+          <a:off x="0" y="0"/>
+          <a:ext cx="0" cy="0"/>
+          <a:chOff x="0" y="0"/>
+          <a:chExt cx="0" cy="0"/>
+        </a:xfrm>
+      </p:grpSpPr>
+      <p:sp>
+        <p:nvSpPr>
+          <p:cNvPr id="2" name="Title 1"/>
+          <p:cNvSpPr>
+            <a:spLocks noGrp="1"/>
+          </p:cNvSpPr>
+          <p:nvPr>
+            <p:ph type="title"/>
+          </p:nvPr>
+        </p:nvSpPr>
+        <p:spPr/>
+        <p:txBody>
+          <a:bodyPr/>
+          <a:lstStyle/>
+          <a:p>
+            <a:r>
+              <a:rPr lang="en-US" dirty="0" smtClean="0"/>
+              <a:t>How?</a:t>
+            </a:r>
+            <a:endParaRPr lang="en-US" dirty="0"/>
+          </a:p>
+        </p:txBody>
+      </p:sp>
+      <p:sp>
+        <p:nvSpPr>
+          <p:cNvPr id="3" name="Content Placeholder 2"/>
+          <p:cNvSpPr>
+            <a:spLocks noGrp="1"/>
+          </p:cNvSpPr>
+          <p:nvPr>
+            <p:ph idx="1"/>
+          </p:nvPr>
+        </p:nvSpPr>
+        <p:spPr/>
+        <p:txBody>
+          <a:bodyPr/>
+          <a:lstStyle/>
+          <a:p>
+            <a:r>
+              <a:rPr lang="en-US" dirty="0" smtClean="0">
+                <a:solidFill>
+                  <a:srgbClr val="7F7F7F"/>
+                </a:solidFill>
+              </a:rPr>
+              <a:t>Consistency!</a:t>
+            </a:r>
+          </a:p>
+        </p:txBody>
+      </p:sp>
+    </p:spTree>
+    <p:extLst>
+      <p:ext uri="{BB962C8B-B14F-4D97-AF65-F5344CB8AC3E}">
+        <p14:creationId xmlns:p14="http://schemas.microsoft.com/office/powerpoint/2010/main" val="336716893"/>
+      </p:ext>
+    </p:extLst>
+  </p:cSld>
+  <p:clrMapOvr>
+    <a:masterClrMapping/>
+  </p:clrMapOvr>
+</p:sld>
+</file>
+
+<file path=ppt/slides/slide16.xml><?xml version="1.0" encoding="utf-8"?>
+<p:sld xmlns:a="http://schemas.openxmlformats.org/drawingml/2006/main" xmlns:r="http://schemas.openxmlformats.org/officeDocument/2006/relationships" xmlns:p="http://schemas.openxmlformats.org/presentationml/2006/main">
+  <p:cSld>
+    <p:spTree>
+      <p:nvGrpSpPr>
+        <p:cNvPr id="1" name=""/>
+        <p:cNvGrpSpPr/>
+        <p:nvPr/>
+      </p:nvGrpSpPr>
+      <p:grpSpPr>
+        <a:xfrm>
+          <a:off x="0" y="0"/>
+          <a:ext cx="0" cy="0"/>
+          <a:chOff x="0" y="0"/>
+          <a:chExt cx="0" cy="0"/>
+        </a:xfrm>
+      </p:grpSpPr>
+      <p:sp>
+        <p:nvSpPr>
+          <p:cNvPr id="2" name="Title 1"/>
+          <p:cNvSpPr>
+            <a:spLocks noGrp="1"/>
+          </p:cNvSpPr>
+          <p:nvPr>
+            <p:ph type="title"/>
+          </p:nvPr>
+        </p:nvSpPr>
+        <p:spPr/>
+        <p:txBody>
+          <a:bodyPr/>
+          <a:lstStyle/>
+          <a:p>
+            <a:r>
+              <a:rPr lang="en-US" dirty="0" smtClean="0"/>
+              <a:t>How?</a:t>
+            </a:r>
+            <a:endParaRPr lang="en-US" dirty="0"/>
+          </a:p>
+        </p:txBody>
+      </p:sp>
+      <p:sp>
+        <p:nvSpPr>
+          <p:cNvPr id="3" name="Content Placeholder 2"/>
+          <p:cNvSpPr>
+            <a:spLocks noGrp="1"/>
+          </p:cNvSpPr>
+          <p:nvPr>
+            <p:ph idx="1"/>
+          </p:nvPr>
+        </p:nvSpPr>
+        <p:spPr/>
+        <p:txBody>
+          <a:bodyPr/>
+          <a:lstStyle/>
+          <a:p>
+            <a:r>
+              <a:rPr lang="en-US" dirty="0" smtClean="0">
+                <a:solidFill>
+                  <a:srgbClr val="7F7F7F"/>
+                </a:solidFill>
+              </a:rPr>
+              <a:t>Consistency!</a:t>
+            </a:r>
+          </a:p>
+          <a:p>
+            <a:r>
+              <a:rPr lang="en-US" dirty="0" smtClean="0">
+                <a:solidFill>
+                  <a:srgbClr val="7F7F7F"/>
+                </a:solidFill>
+              </a:rPr>
+              <a:t>Sponsors</a:t>
+            </a:r>
+          </a:p>
+        </p:txBody>
+      </p:sp>
+    </p:spTree>
+    <p:extLst>
+      <p:ext uri="{BB962C8B-B14F-4D97-AF65-F5344CB8AC3E}">
+        <p14:creationId xmlns:p14="http://schemas.microsoft.com/office/powerpoint/2010/main" val="2226488215"/>
+      </p:ext>
+    </p:extLst>
+  </p:cSld>
+  <p:clrMapOvr>
+    <a:masterClrMapping/>
+  </p:clrMapOvr>
+</p:sld>
+</file>
+
+<file path=ppt/slides/slide17.xml><?xml version="1.0" encoding="utf-8"?>
+<p:sld xmlns:a="http://schemas.openxmlformats.org/drawingml/2006/main" xmlns:r="http://schemas.openxmlformats.org/officeDocument/2006/relationships" xmlns:p="http://schemas.openxmlformats.org/presentationml/2006/main">
+  <p:cSld>
+    <p:spTree>
+      <p:nvGrpSpPr>
+        <p:cNvPr id="1" name=""/>
+        <p:cNvGrpSpPr/>
+        <p:nvPr/>
+      </p:nvGrpSpPr>
+      <p:grpSpPr>
+        <a:xfrm>
+          <a:off x="0" y="0"/>
+          <a:ext cx="0" cy="0"/>
+          <a:chOff x="0" y="0"/>
+          <a:chExt cx="0" cy="0"/>
+        </a:xfrm>
+      </p:grpSpPr>
+      <p:sp>
+        <p:nvSpPr>
+          <p:cNvPr id="2" name="Title 1"/>
+          <p:cNvSpPr>
+            <a:spLocks noGrp="1"/>
+          </p:cNvSpPr>
+          <p:nvPr>
+            <p:ph type="title"/>
+          </p:nvPr>
+        </p:nvSpPr>
+        <p:spPr/>
+        <p:txBody>
+          <a:bodyPr/>
+          <a:lstStyle/>
+          <a:p>
+            <a:r>
+              <a:rPr lang="en-US" dirty="0" smtClean="0"/>
+              <a:t>How?</a:t>
+            </a:r>
+            <a:endParaRPr lang="en-US" dirty="0"/>
+          </a:p>
+        </p:txBody>
+      </p:sp>
+      <p:sp>
+        <p:nvSpPr>
+          <p:cNvPr id="3" name="Content Placeholder 2"/>
+          <p:cNvSpPr>
+            <a:spLocks noGrp="1"/>
+          </p:cNvSpPr>
+          <p:nvPr>
+            <p:ph idx="1"/>
+          </p:nvPr>
+        </p:nvSpPr>
+        <p:spPr/>
+        <p:txBody>
+          <a:bodyPr/>
+          <a:lstStyle/>
+          <a:p>
+            <a:r>
+              <a:rPr lang="en-US" dirty="0" smtClean="0">
+                <a:solidFill>
+                  <a:srgbClr val="7F7F7F"/>
+                </a:solidFill>
+              </a:rPr>
+              <a:t>Consistency!</a:t>
+            </a:r>
+          </a:p>
+          <a:p>
+            <a:r>
+              <a:rPr lang="en-US" dirty="0" smtClean="0">
+                <a:solidFill>
+                  <a:srgbClr val="7F7F7F"/>
+                </a:solidFill>
+              </a:rPr>
+              <a:t>Sponsors</a:t>
+            </a:r>
+          </a:p>
+          <a:p>
+            <a:r>
+              <a:rPr lang="en-US" dirty="0" smtClean="0">
+                <a:solidFill>
+                  <a:srgbClr val="7F7F7F"/>
+                </a:solidFill>
+              </a:rPr>
+              <a:t>You</a:t>
+            </a:r>
+            <a:endParaRPr lang="en-US" dirty="0">
+              <a:solidFill>
+                <a:srgbClr val="7F7F7F"/>
+              </a:solidFill>
+            </a:endParaRPr>
+          </a:p>
+        </p:txBody>
+      </p:sp>
+    </p:spTree>
+    <p:extLst>
+      <p:ext uri="{BB962C8B-B14F-4D97-AF65-F5344CB8AC3E}">
+        <p14:creationId xmlns:p14="http://schemas.microsoft.com/office/powerpoint/2010/main" val="1726871669"/>
+      </p:ext>
+    </p:extLst>
+  </p:cSld>
+  <p:clrMapOvr>
+    <a:masterClrMapping/>
+  </p:clrMapOvr>
+</p:sld>
+</file>
+
+<file path=ppt/slides/slide18.xml><?xml version="1.0" encoding="utf-8"?>
+<p:sld xmlns:a="http://schemas.openxmlformats.org/drawingml/2006/main" xmlns:r="http://schemas.openxmlformats.org/officeDocument/2006/relationships" xmlns:p="http://schemas.openxmlformats.org/presentationml/2006/main">
+  <p:cSld>
+    <p:spTree>
+      <p:nvGrpSpPr>
+        <p:cNvPr id="1" name=""/>
+        <p:cNvGrpSpPr/>
+        <p:nvPr/>
+      </p:nvGrpSpPr>
+      <p:grpSpPr>
+        <a:xfrm>
+          <a:off x="0" y="0"/>
+          <a:ext cx="0" cy="0"/>
+          <a:chOff x="0" y="0"/>
+          <a:chExt cx="0" cy="0"/>
+        </a:xfrm>
+      </p:grpSpPr>
+      <p:sp>
+        <p:nvSpPr>
+          <p:cNvPr id="2" name="Title 1"/>
+          <p:cNvSpPr>
+            <a:spLocks noGrp="1"/>
+          </p:cNvSpPr>
+          <p:nvPr>
+            <p:ph type="title"/>
+          </p:nvPr>
+        </p:nvSpPr>
+        <p:spPr/>
+        <p:txBody>
+          <a:bodyPr/>
+          <a:lstStyle/>
+          <a:p>
+            <a:endParaRPr lang="en-US"/>
+          </a:p>
+        </p:txBody>
+      </p:sp>
+      <p:sp>
+        <p:nvSpPr>
+          <p:cNvPr id="3" name="Content Placeholder 2"/>
+          <p:cNvSpPr>
+            <a:spLocks noGrp="1"/>
+          </p:cNvSpPr>
+          <p:nvPr>
+            <p:ph idx="1"/>
+          </p:nvPr>
+        </p:nvSpPr>
+        <p:spPr/>
+        <p:txBody>
+          <a:bodyPr/>
+          <a:lstStyle/>
+          <a:p>
+            <a:endParaRPr lang="en-US"/>
+          </a:p>
+        </p:txBody>
+      </p:sp>
+    </p:spTree>
+    <p:extLst>
+      <p:ext uri="{BB962C8B-B14F-4D97-AF65-F5344CB8AC3E}">
+        <p14:creationId xmlns:p14="http://schemas.microsoft.com/office/powerpoint/2010/main" val="2783754650"/>
+      </p:ext>
+    </p:extLst>
+  </p:cSld>
+  <p:clrMapOvr>
+    <a:masterClrMapping/>
+  </p:clrMapOvr>
 </p:sld>
 </file>
 
@@ -3887,59 +7642,8 @@
                   </a:schemeClr>
                 </a:solidFill>
               </a:rPr>
-              <a:t>DC Python (ZPUGDC, </a:t>
-            </a:r>
-            <a:r>
-              <a:rPr lang="en-US" dirty="0" err="1" smtClean="0">
-                <a:solidFill>
-                  <a:schemeClr val="bg1">
-                    <a:lumMod val="50000"/>
-                  </a:schemeClr>
-                </a:solidFill>
-              </a:rPr>
-              <a:t>Inc</a:t>
-            </a:r>
-            <a:r>
-              <a:rPr lang="en-US" dirty="0" smtClean="0">
-                <a:solidFill>
-                  <a:schemeClr val="bg1">
-                    <a:lumMod val="50000"/>
-                  </a:schemeClr>
-                </a:solidFill>
-              </a:rPr>
-              <a:t>)</a:t>
-            </a:r>
-          </a:p>
-          <a:p>
-            <a:r>
-              <a:rPr lang="en-US" dirty="0" smtClean="0">
-                <a:solidFill>
-                  <a:schemeClr val="bg1">
-                    <a:lumMod val="50000"/>
-                  </a:schemeClr>
-                </a:solidFill>
-              </a:rPr>
-              <a:t>Sponsors</a:t>
-            </a:r>
-          </a:p>
-          <a:p>
-            <a:r>
-              <a:rPr lang="en-US" dirty="0" smtClean="0">
-                <a:solidFill>
-                  <a:schemeClr val="bg1">
-                    <a:lumMod val="50000"/>
-                  </a:schemeClr>
-                </a:solidFill>
-              </a:rPr>
-              <a:t>You</a:t>
-            </a:r>
-            <a:endParaRPr lang="en-US" dirty="0">
-              <a:solidFill>
-                <a:schemeClr val="bg1">
-                  <a:lumMod val="50000"/>
-                </a:schemeClr>
-              </a:solidFill>
-            </a:endParaRPr>
+              <a:t>DC Python</a:t>
+            </a:r>
           </a:p>
         </p:txBody>
       </p:sp>
@@ -3953,6 +7657,25 @@
   <p:clrMapOvr>
     <a:masterClrMapping/>
   </p:clrMapOvr>
+  <mc:AlternateContent xmlns:mc="http://schemas.openxmlformats.org/markup-compatibility/2006" xmlns:p14="http://schemas.microsoft.com/office/powerpoint/2010/main">
+    <mc:Choice Requires="p14">
+      <p:transition spd="slow" p14:dur="3400">
+        <p14:reveal/>
+      </p:transition>
+    </mc:Choice>
+    <mc:Fallback xmlns="">
+      <p:transition xmlns:p14="http://schemas.microsoft.com/office/powerpoint/2010/main" spd="slow">
+        <p:fade/>
+      </p:transition>
+    </mc:Fallback>
+  </mc:AlternateContent>
+  <p:timing>
+    <p:tnLst>
+      <p:par>
+        <p:cTn xmlns:p14="http://schemas.microsoft.com/office/powerpoint/2010/main" id="1" dur="indefinite" restart="never" nodeType="tmRoot"/>
+      </p:par>
+    </p:tnLst>
+  </p:timing>
 </p:sld>
 </file>
 
@@ -3990,7 +7713,7 @@
           <a:p>
             <a:r>
               <a:rPr lang="en-US" dirty="0" smtClean="0"/>
-              <a:t>Why?</a:t>
+              <a:t>Brought to you by:</a:t>
             </a:r>
             <a:endParaRPr lang="en-US" dirty="0"/>
           </a:p>
@@ -4014,49 +7737,65 @@
             <a:r>
               <a:rPr lang="en-US" dirty="0" smtClean="0">
                 <a:solidFill>
-                  <a:srgbClr val="7F7F7F"/>
+                  <a:schemeClr val="bg1">
+                    <a:lumMod val="50000"/>
+                  </a:schemeClr>
                 </a:solidFill>
               </a:rPr>
-              <a:t>To get together</a:t>
-            </a:r>
-          </a:p>
-          <a:p>
+              <a:t>DC Python (ZPUGDC, </a:t>
+            </a:r>
+            <a:r>
+              <a:rPr lang="en-US" dirty="0" err="1" smtClean="0">
+                <a:solidFill>
+                  <a:schemeClr val="bg1">
+                    <a:lumMod val="50000"/>
+                  </a:schemeClr>
+                </a:solidFill>
+              </a:rPr>
+              <a:t>Inc</a:t>
+            </a:r>
             <a:r>
               <a:rPr lang="en-US" dirty="0" smtClean="0">
                 <a:solidFill>
-                  <a:srgbClr val="7F7F7F"/>
+                  <a:schemeClr val="bg1">
+                    <a:lumMod val="50000"/>
+                  </a:schemeClr>
                 </a:solidFill>
               </a:rPr>
-              <a:t>To learn Python</a:t>
-            </a:r>
-          </a:p>
-          <a:p>
-            <a:r>
-              <a:rPr lang="en-US" dirty="0" smtClean="0">
-                <a:solidFill>
-                  <a:srgbClr val="7F7F7F"/>
-                </a:solidFill>
-              </a:rPr>
-              <a:t>To have fun</a:t>
-            </a:r>
-            <a:endParaRPr lang="en-US" dirty="0">
-              <a:solidFill>
-                <a:srgbClr val="7F7F7F"/>
-              </a:solidFill>
-            </a:endParaRPr>
+              <a:t>)</a:t>
+            </a:r>
           </a:p>
         </p:txBody>
       </p:sp>
     </p:spTree>
     <p:extLst>
       <p:ext uri="{BB962C8B-B14F-4D97-AF65-F5344CB8AC3E}">
-        <p14:creationId xmlns:p14="http://schemas.microsoft.com/office/powerpoint/2010/main" val="2982498852"/>
+        <p14:creationId xmlns:p14="http://schemas.microsoft.com/office/powerpoint/2010/main" val="2117030707"/>
       </p:ext>
     </p:extLst>
   </p:cSld>
   <p:clrMapOvr>
     <a:masterClrMapping/>
   </p:clrMapOvr>
+  <mc:AlternateContent xmlns:mc="http://schemas.openxmlformats.org/markup-compatibility/2006" xmlns:p14="http://schemas.microsoft.com/office/powerpoint/2010/main">
+    <mc:Choice Requires="p14">
+      <p:transition spd="slow" p14:dur="3400">
+        <p14:reveal/>
+      </p:transition>
+    </mc:Choice>
+    <mc:Fallback xmlns="">
+      <p:transition xmlns:p14="http://schemas.microsoft.com/office/powerpoint/2010/main" spd="slow">
+        <p:fade/>
+      </p:transition>
+    </mc:Fallback>
+  </mc:AlternateContent>
+  <p:timing>
+    <p:tnLst>
+      <p:par>
+        <p:cTn xmlns:p14="http://schemas.microsoft.com/office/powerpoint/2010/main" id="1" dur="indefinite" restart="never" nodeType="tmRoot"/>
+      </p:par>
+    </p:tnLst>
+  </p:timing>
 </p:sld>
 </file>
 
@@ -4094,7 +7833,7 @@
           <a:p>
             <a:r>
               <a:rPr lang="en-US" dirty="0" smtClean="0"/>
-              <a:t>How?</a:t>
+              <a:t>Brought to you by:</a:t>
             </a:r>
             <a:endParaRPr lang="en-US" dirty="0"/>
           </a:p>
@@ -4118,49 +7857,77 @@
             <a:r>
               <a:rPr lang="en-US" dirty="0" smtClean="0">
                 <a:solidFill>
-                  <a:srgbClr val="7F7F7F"/>
+                  <a:schemeClr val="bg1">
+                    <a:lumMod val="50000"/>
+                  </a:schemeClr>
                 </a:solidFill>
               </a:rPr>
-              <a:t>Consistency</a:t>
-            </a:r>
-          </a:p>
-          <a:p>
+              <a:t>DC Python (ZPUGDC, </a:t>
+            </a:r>
+            <a:r>
+              <a:rPr lang="en-US" dirty="0" err="1" smtClean="0">
+                <a:solidFill>
+                  <a:schemeClr val="bg1">
+                    <a:lumMod val="50000"/>
+                  </a:schemeClr>
+                </a:solidFill>
+              </a:rPr>
+              <a:t>Inc</a:t>
+            </a:r>
             <a:r>
               <a:rPr lang="en-US" dirty="0" smtClean="0">
                 <a:solidFill>
-                  <a:srgbClr val="7F7F7F"/>
+                  <a:schemeClr val="bg1">
+                    <a:lumMod val="50000"/>
+                  </a:schemeClr>
+                </a:solidFill>
+              </a:rPr>
+              <a:t>)</a:t>
+            </a:r>
+          </a:p>
+          <a:p>
+            <a:r>
+              <a:rPr lang="en-US" dirty="0" smtClean="0">
+                <a:solidFill>
+                  <a:schemeClr val="bg1">
+                    <a:lumMod val="50000"/>
+                  </a:schemeClr>
                 </a:solidFill>
               </a:rPr>
               <a:t>Sponsors</a:t>
             </a:r>
           </a:p>
-          <a:p>
-            <a:r>
-              <a:rPr lang="en-US" dirty="0" smtClean="0">
-                <a:solidFill>
-                  <a:srgbClr val="7F7F7F"/>
-                </a:solidFill>
-              </a:rPr>
-              <a:t>You</a:t>
-            </a:r>
-            <a:endParaRPr lang="en-US" dirty="0">
-              <a:solidFill>
-                <a:srgbClr val="7F7F7F"/>
-              </a:solidFill>
-            </a:endParaRPr>
-          </a:p>
         </p:txBody>
       </p:sp>
     </p:spTree>
     <p:extLst>
       <p:ext uri="{BB962C8B-B14F-4D97-AF65-F5344CB8AC3E}">
-        <p14:creationId xmlns:p14="http://schemas.microsoft.com/office/powerpoint/2010/main" val="336716893"/>
+        <p14:creationId xmlns:p14="http://schemas.microsoft.com/office/powerpoint/2010/main" val="541471367"/>
       </p:ext>
     </p:extLst>
   </p:cSld>
   <p:clrMapOvr>
     <a:masterClrMapping/>
   </p:clrMapOvr>
+  <mc:AlternateContent xmlns:mc="http://schemas.openxmlformats.org/markup-compatibility/2006" xmlns:p14="http://schemas.microsoft.com/office/powerpoint/2010/main">
+    <mc:Choice Requires="p14">
+      <p:transition spd="slow" p14:dur="3400">
+        <p14:reveal/>
+      </p:transition>
+    </mc:Choice>
+    <mc:Fallback xmlns="">
+      <p:transition xmlns:p14="http://schemas.microsoft.com/office/powerpoint/2010/main" spd="slow">
+        <p:fade/>
+      </p:transition>
+    </mc:Fallback>
+  </mc:AlternateContent>
+  <p:timing>
+    <p:tnLst>
+      <p:par>
+        <p:cTn xmlns:p14="http://schemas.microsoft.com/office/powerpoint/2010/main" id="1" dur="indefinite" restart="never" nodeType="tmRoot"/>
+      </p:par>
+    </p:tnLst>
+  </p:timing>
 </p:sld>
 </file>
 
@@ -4196,7 +7963,11 @@
           <a:bodyPr/>
           <a:lstStyle/>
           <a:p>
-            <a:endParaRPr lang="en-US"/>
+            <a:r>
+              <a:rPr lang="en-US" dirty="0" smtClean="0"/>
+              <a:t>Brought to you by:</a:t>
+            </a:r>
+            <a:endParaRPr lang="en-US" dirty="0"/>
           </a:p>
         </p:txBody>
       </p:sp>
@@ -4215,14 +7986,607 @@
           <a:bodyPr/>
           <a:lstStyle/>
           <a:p>
-            <a:endParaRPr lang="en-US"/>
+            <a:r>
+              <a:rPr lang="en-US" dirty="0" smtClean="0">
+                <a:solidFill>
+                  <a:schemeClr val="bg1">
+                    <a:lumMod val="50000"/>
+                  </a:schemeClr>
+                </a:solidFill>
+              </a:rPr>
+              <a:t>DC Python (ZPUGDC, </a:t>
+            </a:r>
+            <a:r>
+              <a:rPr lang="en-US" dirty="0" err="1" smtClean="0">
+                <a:solidFill>
+                  <a:schemeClr val="bg1">
+                    <a:lumMod val="50000"/>
+                  </a:schemeClr>
+                </a:solidFill>
+              </a:rPr>
+              <a:t>Inc</a:t>
+            </a:r>
+            <a:r>
+              <a:rPr lang="en-US" dirty="0" smtClean="0">
+                <a:solidFill>
+                  <a:schemeClr val="bg1">
+                    <a:lumMod val="50000"/>
+                  </a:schemeClr>
+                </a:solidFill>
+              </a:rPr>
+              <a:t>)</a:t>
+            </a:r>
+          </a:p>
+          <a:p>
+            <a:r>
+              <a:rPr lang="en-US" dirty="0" smtClean="0">
+                <a:solidFill>
+                  <a:schemeClr val="bg1">
+                    <a:lumMod val="50000"/>
+                  </a:schemeClr>
+                </a:solidFill>
+              </a:rPr>
+              <a:t>Sponsors (Thank You!)</a:t>
+            </a:r>
           </a:p>
         </p:txBody>
       </p:sp>
     </p:spTree>
     <p:extLst>
       <p:ext uri="{BB962C8B-B14F-4D97-AF65-F5344CB8AC3E}">
-        <p14:creationId xmlns:p14="http://schemas.microsoft.com/office/powerpoint/2010/main" val="2783754650"/>
+        <p14:creationId xmlns:p14="http://schemas.microsoft.com/office/powerpoint/2010/main" val="1466153887"/>
+      </p:ext>
+    </p:extLst>
+  </p:cSld>
+  <p:clrMapOvr>
+    <a:masterClrMapping/>
+  </p:clrMapOvr>
+  <mc:AlternateContent xmlns:mc="http://schemas.openxmlformats.org/markup-compatibility/2006" xmlns:p14="http://schemas.microsoft.com/office/powerpoint/2010/main">
+    <mc:Choice Requires="p14">
+      <p:transition spd="slow" p14:dur="3400">
+        <p14:reveal/>
+      </p:transition>
+    </mc:Choice>
+    <mc:Fallback xmlns="">
+      <p:transition xmlns:p14="http://schemas.microsoft.com/office/powerpoint/2010/main" spd="slow">
+        <p:fade/>
+      </p:transition>
+    </mc:Fallback>
+  </mc:AlternateContent>
+  <p:timing>
+    <p:tnLst>
+      <p:par>
+        <p:cTn xmlns:p14="http://schemas.microsoft.com/office/powerpoint/2010/main" id="1" dur="indefinite" restart="never" nodeType="tmRoot"/>
+      </p:par>
+    </p:tnLst>
+  </p:timing>
+</p:sld>
+</file>
+
+<file path=ppt/slides/slide6.xml><?xml version="1.0" encoding="utf-8"?>
+<p:sld xmlns:a="http://schemas.openxmlformats.org/drawingml/2006/main" xmlns:r="http://schemas.openxmlformats.org/officeDocument/2006/relationships" xmlns:p="http://schemas.openxmlformats.org/presentationml/2006/main">
+  <p:cSld>
+    <p:spTree>
+      <p:nvGrpSpPr>
+        <p:cNvPr id="1" name=""/>
+        <p:cNvGrpSpPr/>
+        <p:nvPr/>
+      </p:nvGrpSpPr>
+      <p:grpSpPr>
+        <a:xfrm>
+          <a:off x="0" y="0"/>
+          <a:ext cx="0" cy="0"/>
+          <a:chOff x="0" y="0"/>
+          <a:chExt cx="0" cy="0"/>
+        </a:xfrm>
+      </p:grpSpPr>
+      <p:sp>
+        <p:nvSpPr>
+          <p:cNvPr id="2" name="Title 1"/>
+          <p:cNvSpPr>
+            <a:spLocks noGrp="1"/>
+          </p:cNvSpPr>
+          <p:nvPr>
+            <p:ph type="title"/>
+          </p:nvPr>
+        </p:nvSpPr>
+        <p:spPr/>
+        <p:txBody>
+          <a:bodyPr/>
+          <a:lstStyle/>
+          <a:p>
+            <a:r>
+              <a:rPr lang="en-US" dirty="0" smtClean="0"/>
+              <a:t>Brought to you by:</a:t>
+            </a:r>
+            <a:endParaRPr lang="en-US" dirty="0"/>
+          </a:p>
+        </p:txBody>
+      </p:sp>
+      <p:sp>
+        <p:nvSpPr>
+          <p:cNvPr id="3" name="Content Placeholder 2"/>
+          <p:cNvSpPr>
+            <a:spLocks noGrp="1"/>
+          </p:cNvSpPr>
+          <p:nvPr>
+            <p:ph idx="1"/>
+          </p:nvPr>
+        </p:nvSpPr>
+        <p:spPr/>
+        <p:txBody>
+          <a:bodyPr/>
+          <a:lstStyle/>
+          <a:p>
+            <a:r>
+              <a:rPr lang="en-US" dirty="0" smtClean="0">
+                <a:solidFill>
+                  <a:schemeClr val="bg1">
+                    <a:lumMod val="50000"/>
+                  </a:schemeClr>
+                </a:solidFill>
+              </a:rPr>
+              <a:t>DC Python (ZPUGDC, </a:t>
+            </a:r>
+            <a:r>
+              <a:rPr lang="en-US" dirty="0" err="1" smtClean="0">
+                <a:solidFill>
+                  <a:schemeClr val="bg1">
+                    <a:lumMod val="50000"/>
+                  </a:schemeClr>
+                </a:solidFill>
+              </a:rPr>
+              <a:t>Inc</a:t>
+            </a:r>
+            <a:r>
+              <a:rPr lang="en-US" dirty="0" smtClean="0">
+                <a:solidFill>
+                  <a:schemeClr val="bg1">
+                    <a:lumMod val="50000"/>
+                  </a:schemeClr>
+                </a:solidFill>
+              </a:rPr>
+              <a:t>)</a:t>
+            </a:r>
+          </a:p>
+          <a:p>
+            <a:r>
+              <a:rPr lang="en-US" dirty="0" smtClean="0">
+                <a:solidFill>
+                  <a:schemeClr val="bg1">
+                    <a:lumMod val="50000"/>
+                  </a:schemeClr>
+                </a:solidFill>
+              </a:rPr>
+              <a:t>Sponsors (Thank You!)</a:t>
+            </a:r>
+          </a:p>
+          <a:p>
+            <a:r>
+              <a:rPr lang="en-US" dirty="0" smtClean="0">
+                <a:solidFill>
+                  <a:schemeClr val="bg1">
+                    <a:lumMod val="50000"/>
+                  </a:schemeClr>
+                </a:solidFill>
+              </a:rPr>
+              <a:t>You</a:t>
+            </a:r>
+          </a:p>
+        </p:txBody>
+      </p:sp>
+    </p:spTree>
+    <p:extLst>
+      <p:ext uri="{BB962C8B-B14F-4D97-AF65-F5344CB8AC3E}">
+        <p14:creationId xmlns:p14="http://schemas.microsoft.com/office/powerpoint/2010/main" val="770641886"/>
+      </p:ext>
+    </p:extLst>
+  </p:cSld>
+  <p:clrMapOvr>
+    <a:masterClrMapping/>
+  </p:clrMapOvr>
+  <mc:AlternateContent xmlns:mc="http://schemas.openxmlformats.org/markup-compatibility/2006" xmlns:p14="http://schemas.microsoft.com/office/powerpoint/2010/main">
+    <mc:Choice Requires="p14">
+      <p:transition spd="slow" p14:dur="3400">
+        <p14:reveal/>
+      </p:transition>
+    </mc:Choice>
+    <mc:Fallback xmlns="">
+      <p:transition xmlns:p14="http://schemas.microsoft.com/office/powerpoint/2010/main" spd="slow">
+        <p:fade/>
+      </p:transition>
+    </mc:Fallback>
+  </mc:AlternateContent>
+  <p:timing>
+    <p:tnLst>
+      <p:par>
+        <p:cTn xmlns:p14="http://schemas.microsoft.com/office/powerpoint/2010/main" id="1" dur="indefinite" restart="never" nodeType="tmRoot"/>
+      </p:par>
+    </p:tnLst>
+  </p:timing>
+</p:sld>
+</file>
+
+<file path=ppt/slides/slide7.xml><?xml version="1.0" encoding="utf-8"?>
+<p:sld xmlns:a="http://schemas.openxmlformats.org/drawingml/2006/main" xmlns:r="http://schemas.openxmlformats.org/officeDocument/2006/relationships" xmlns:p="http://schemas.openxmlformats.org/presentationml/2006/main">
+  <p:cSld>
+    <p:spTree>
+      <p:nvGrpSpPr>
+        <p:cNvPr id="1" name=""/>
+        <p:cNvGrpSpPr/>
+        <p:nvPr/>
+      </p:nvGrpSpPr>
+      <p:grpSpPr>
+        <a:xfrm>
+          <a:off x="0" y="0"/>
+          <a:ext cx="0" cy="0"/>
+          <a:chOff x="0" y="0"/>
+          <a:chExt cx="0" cy="0"/>
+        </a:xfrm>
+      </p:grpSpPr>
+      <p:sp>
+        <p:nvSpPr>
+          <p:cNvPr id="2" name="Title 1"/>
+          <p:cNvSpPr>
+            <a:spLocks noGrp="1"/>
+          </p:cNvSpPr>
+          <p:nvPr>
+            <p:ph type="title"/>
+          </p:nvPr>
+        </p:nvSpPr>
+        <p:spPr/>
+        <p:txBody>
+          <a:bodyPr/>
+          <a:lstStyle/>
+          <a:p>
+            <a:r>
+              <a:rPr lang="en-US" dirty="0" smtClean="0"/>
+              <a:t>Brought to you by:</a:t>
+            </a:r>
+            <a:endParaRPr lang="en-US" dirty="0"/>
+          </a:p>
+        </p:txBody>
+      </p:sp>
+      <p:sp>
+        <p:nvSpPr>
+          <p:cNvPr id="3" name="Content Placeholder 2"/>
+          <p:cNvSpPr>
+            <a:spLocks noGrp="1"/>
+          </p:cNvSpPr>
+          <p:nvPr>
+            <p:ph idx="1"/>
+          </p:nvPr>
+        </p:nvSpPr>
+        <p:spPr/>
+        <p:txBody>
+          <a:bodyPr/>
+          <a:lstStyle/>
+          <a:p>
+            <a:r>
+              <a:rPr lang="en-US" dirty="0" smtClean="0">
+                <a:solidFill>
+                  <a:schemeClr val="bg1">
+                    <a:lumMod val="50000"/>
+                  </a:schemeClr>
+                </a:solidFill>
+              </a:rPr>
+              <a:t>DC Python (ZPUGDC, </a:t>
+            </a:r>
+            <a:r>
+              <a:rPr lang="en-US" dirty="0" err="1" smtClean="0">
+                <a:solidFill>
+                  <a:schemeClr val="bg1">
+                    <a:lumMod val="50000"/>
+                  </a:schemeClr>
+                </a:solidFill>
+              </a:rPr>
+              <a:t>Inc</a:t>
+            </a:r>
+            <a:r>
+              <a:rPr lang="en-US" dirty="0" smtClean="0">
+                <a:solidFill>
+                  <a:schemeClr val="bg1">
+                    <a:lumMod val="50000"/>
+                  </a:schemeClr>
+                </a:solidFill>
+              </a:rPr>
+              <a:t>)</a:t>
+            </a:r>
+          </a:p>
+          <a:p>
+            <a:r>
+              <a:rPr lang="en-US" dirty="0" smtClean="0">
+                <a:solidFill>
+                  <a:schemeClr val="bg1">
+                    <a:lumMod val="50000"/>
+                  </a:schemeClr>
+                </a:solidFill>
+              </a:rPr>
+              <a:t>Sponsors (Thank You!)</a:t>
+            </a:r>
+          </a:p>
+          <a:p>
+            <a:r>
+              <a:rPr lang="en-US" dirty="0" smtClean="0">
+                <a:solidFill>
+                  <a:schemeClr val="bg1">
+                    <a:lumMod val="50000"/>
+                  </a:schemeClr>
+                </a:solidFill>
+              </a:rPr>
+              <a:t>You (Thank You, Too!)</a:t>
+            </a:r>
+          </a:p>
+        </p:txBody>
+      </p:sp>
+    </p:spTree>
+    <p:extLst>
+      <p:ext uri="{BB962C8B-B14F-4D97-AF65-F5344CB8AC3E}">
+        <p14:creationId xmlns:p14="http://schemas.microsoft.com/office/powerpoint/2010/main" val="3860508510"/>
+      </p:ext>
+    </p:extLst>
+  </p:cSld>
+  <p:clrMapOvr>
+    <a:masterClrMapping/>
+  </p:clrMapOvr>
+  <mc:AlternateContent xmlns:mc="http://schemas.openxmlformats.org/markup-compatibility/2006" xmlns:p14="http://schemas.microsoft.com/office/powerpoint/2010/main">
+    <mc:Choice Requires="p14">
+      <p:transition spd="slow" p14:dur="3400">
+        <p14:reveal/>
+      </p:transition>
+    </mc:Choice>
+    <mc:Fallback xmlns="">
+      <p:transition xmlns:p14="http://schemas.microsoft.com/office/powerpoint/2010/main" spd="slow">
+        <p:fade/>
+      </p:transition>
+    </mc:Fallback>
+  </mc:AlternateContent>
+  <p:timing>
+    <p:tnLst>
+      <p:par>
+        <p:cTn xmlns:p14="http://schemas.microsoft.com/office/powerpoint/2010/main" id="1" dur="indefinite" restart="never" nodeType="tmRoot"/>
+      </p:par>
+    </p:tnLst>
+  </p:timing>
+</p:sld>
+</file>
+
+<file path=ppt/slides/slide8.xml><?xml version="1.0" encoding="utf-8"?>
+<p:sld xmlns:a="http://schemas.openxmlformats.org/drawingml/2006/main" xmlns:r="http://schemas.openxmlformats.org/officeDocument/2006/relationships" xmlns:p="http://schemas.openxmlformats.org/presentationml/2006/main">
+  <p:cSld>
+    <p:spTree>
+      <p:nvGrpSpPr>
+        <p:cNvPr id="1" name=""/>
+        <p:cNvGrpSpPr/>
+        <p:nvPr/>
+      </p:nvGrpSpPr>
+      <p:grpSpPr>
+        <a:xfrm>
+          <a:off x="0" y="0"/>
+          <a:ext cx="0" cy="0"/>
+          <a:chOff x="0" y="0"/>
+          <a:chExt cx="0" cy="0"/>
+        </a:xfrm>
+      </p:grpSpPr>
+      <p:sp>
+        <p:nvSpPr>
+          <p:cNvPr id="2" name="Title 1"/>
+          <p:cNvSpPr>
+            <a:spLocks noGrp="1"/>
+          </p:cNvSpPr>
+          <p:nvPr>
+            <p:ph type="title"/>
+          </p:nvPr>
+        </p:nvSpPr>
+        <p:spPr/>
+        <p:txBody>
+          <a:bodyPr/>
+          <a:lstStyle/>
+          <a:p>
+            <a:r>
+              <a:rPr lang="en-US" dirty="0" smtClean="0"/>
+              <a:t>Brought to you by:</a:t>
+            </a:r>
+            <a:endParaRPr lang="en-US" dirty="0"/>
+          </a:p>
+        </p:txBody>
+      </p:sp>
+      <p:sp>
+        <p:nvSpPr>
+          <p:cNvPr id="3" name="Content Placeholder 2"/>
+          <p:cNvSpPr>
+            <a:spLocks noGrp="1"/>
+          </p:cNvSpPr>
+          <p:nvPr>
+            <p:ph idx="1"/>
+          </p:nvPr>
+        </p:nvSpPr>
+        <p:spPr/>
+        <p:txBody>
+          <a:bodyPr/>
+          <a:lstStyle/>
+          <a:p>
+            <a:r>
+              <a:rPr lang="en-US" dirty="0" smtClean="0">
+                <a:solidFill>
+                  <a:schemeClr val="bg1">
+                    <a:lumMod val="50000"/>
+                  </a:schemeClr>
+                </a:solidFill>
+              </a:rPr>
+              <a:t>DC Python (ZPUGDC, </a:t>
+            </a:r>
+            <a:r>
+              <a:rPr lang="en-US" dirty="0" err="1" smtClean="0">
+                <a:solidFill>
+                  <a:schemeClr val="bg1">
+                    <a:lumMod val="50000"/>
+                  </a:schemeClr>
+                </a:solidFill>
+              </a:rPr>
+              <a:t>Inc</a:t>
+            </a:r>
+            <a:r>
+              <a:rPr lang="en-US" dirty="0" smtClean="0">
+                <a:solidFill>
+                  <a:schemeClr val="bg1">
+                    <a:lumMod val="50000"/>
+                  </a:schemeClr>
+                </a:solidFill>
+              </a:rPr>
+              <a:t>)</a:t>
+            </a:r>
+          </a:p>
+          <a:p>
+            <a:r>
+              <a:rPr lang="en-US" dirty="0" smtClean="0">
+                <a:solidFill>
+                  <a:schemeClr val="bg1">
+                    <a:lumMod val="50000"/>
+                  </a:schemeClr>
+                </a:solidFill>
+              </a:rPr>
+              <a:t>Sponsors (Thank You!)</a:t>
+            </a:r>
+          </a:p>
+          <a:p>
+            <a:r>
+              <a:rPr lang="en-US" dirty="0" smtClean="0">
+                <a:solidFill>
+                  <a:schemeClr val="bg1">
+                    <a:lumMod val="50000"/>
+                  </a:schemeClr>
+                </a:solidFill>
+              </a:rPr>
+              <a:t>You (Thank You, Too!)</a:t>
+            </a:r>
+          </a:p>
+        </p:txBody>
+      </p:sp>
+      <p:graphicFrame>
+        <p:nvGraphicFramePr>
+          <p:cNvPr id="5" name="Diagram 4"/>
+          <p:cNvGraphicFramePr/>
+          <p:nvPr>
+            <p:extLst>
+              <p:ext uri="{D42A27DB-BD31-4B8C-83A1-F6EECF244321}">
+                <p14:modId xmlns:p14="http://schemas.microsoft.com/office/powerpoint/2010/main" val="3221334281"/>
+              </p:ext>
+            </p:extLst>
+          </p:nvPr>
+        </p:nvGraphicFramePr>
+        <p:xfrm>
+          <a:off x="1536573" y="2767657"/>
+          <a:ext cx="6096000" cy="4064000"/>
+        </p:xfrm>
+        <a:graphic>
+          <a:graphicData uri="http://schemas.openxmlformats.org/drawingml/2006/diagram">
+            <dgm:relIds xmlns:dgm="http://schemas.openxmlformats.org/drawingml/2006/diagram" xmlns:r="http://schemas.openxmlformats.org/officeDocument/2006/relationships" r:dm="rId2" r:lo="rId3" r:qs="rId4" r:cs="rId5"/>
+          </a:graphicData>
+        </a:graphic>
+      </p:graphicFrame>
+    </p:spTree>
+    <p:extLst>
+      <p:ext uri="{BB962C8B-B14F-4D97-AF65-F5344CB8AC3E}">
+        <p14:creationId xmlns:p14="http://schemas.microsoft.com/office/powerpoint/2010/main" val="2389464077"/>
+      </p:ext>
+    </p:extLst>
+  </p:cSld>
+  <p:clrMapOvr>
+    <a:masterClrMapping/>
+  </p:clrMapOvr>
+  <mc:AlternateContent xmlns:mc="http://schemas.openxmlformats.org/markup-compatibility/2006" xmlns:p14="http://schemas.microsoft.com/office/powerpoint/2010/main">
+    <mc:Choice Requires="p14">
+      <p:transition spd="slow" p14:dur="3400">
+        <p14:reveal/>
+      </p:transition>
+    </mc:Choice>
+    <mc:Fallback xmlns="">
+      <p:transition xmlns:p14="http://schemas.microsoft.com/office/powerpoint/2010/main" spd="slow">
+        <p:fade/>
+      </p:transition>
+    </mc:Fallback>
+  </mc:AlternateContent>
+  <p:timing>
+    <p:tnLst>
+      <p:par>
+        <p:cTn xmlns:p14="http://schemas.microsoft.com/office/powerpoint/2010/main" id="1" dur="indefinite" restart="never" nodeType="tmRoot"/>
+      </p:par>
+    </p:tnLst>
+  </p:timing>
+</p:sld>
+</file>
+
+<file path=ppt/slides/slide9.xml><?xml version="1.0" encoding="utf-8"?>
+<p:sld xmlns:a="http://schemas.openxmlformats.org/drawingml/2006/main" xmlns:r="http://schemas.openxmlformats.org/officeDocument/2006/relationships" xmlns:p="http://schemas.openxmlformats.org/presentationml/2006/main">
+  <p:cSld>
+    <p:spTree>
+      <p:nvGrpSpPr>
+        <p:cNvPr id="1" name=""/>
+        <p:cNvGrpSpPr/>
+        <p:nvPr/>
+      </p:nvGrpSpPr>
+      <p:grpSpPr>
+        <a:xfrm>
+          <a:off x="0" y="0"/>
+          <a:ext cx="0" cy="0"/>
+          <a:chOff x="0" y="0"/>
+          <a:chExt cx="0" cy="0"/>
+        </a:xfrm>
+      </p:grpSpPr>
+      <p:sp>
+        <p:nvSpPr>
+          <p:cNvPr id="2" name="Title 1"/>
+          <p:cNvSpPr>
+            <a:spLocks noGrp="1"/>
+          </p:cNvSpPr>
+          <p:nvPr>
+            <p:ph type="title"/>
+          </p:nvPr>
+        </p:nvSpPr>
+        <p:spPr/>
+        <p:txBody>
+          <a:bodyPr/>
+          <a:lstStyle/>
+          <a:p>
+            <a:r>
+              <a:rPr lang="en-US" dirty="0" smtClean="0"/>
+              <a:t>Why?</a:t>
+            </a:r>
+            <a:endParaRPr lang="en-US" dirty="0"/>
+          </a:p>
+        </p:txBody>
+      </p:sp>
+      <p:sp>
+        <p:nvSpPr>
+          <p:cNvPr id="3" name="Content Placeholder 2"/>
+          <p:cNvSpPr>
+            <a:spLocks noGrp="1"/>
+          </p:cNvSpPr>
+          <p:nvPr>
+            <p:ph idx="1"/>
+          </p:nvPr>
+        </p:nvSpPr>
+        <p:spPr/>
+        <p:txBody>
+          <a:bodyPr/>
+          <a:lstStyle/>
+          <a:p>
+            <a:r>
+              <a:rPr lang="en-US" dirty="0" smtClean="0">
+                <a:solidFill>
+                  <a:srgbClr val="7F7F7F"/>
+                </a:solidFill>
+              </a:rPr>
+              <a:t>To get together</a:t>
+            </a:r>
+          </a:p>
+        </p:txBody>
+      </p:sp>
+    </p:spTree>
+    <p:extLst>
+      <p:ext uri="{BB962C8B-B14F-4D97-AF65-F5344CB8AC3E}">
+        <p14:creationId xmlns:p14="http://schemas.microsoft.com/office/powerpoint/2010/main" val="2982498852"/>
       </p:ext>
     </p:extLst>
   </p:cSld>

--- a/DC Python Generic Meetup Slides.pptx
+++ b/DC Python Generic Meetup Slides.pptx
@@ -6697,6 +6697,14 @@
   <p:clrMapOvr>
     <a:masterClrMapping/>
   </p:clrMapOvr>
+  <mc:AlternateContent xmlns:mc="http://schemas.openxmlformats.org/markup-compatibility/2006">
+    <mc:Choice xmlns:p14="http://schemas.microsoft.com/office/powerpoint/2010/main" Requires="p14">
+      <p:transition p14:dur="0"/>
+    </mc:Choice>
+    <mc:Fallback>
+      <p:transition xmlns:p14="http://schemas.microsoft.com/office/powerpoint/2010/main"/>
+    </mc:Fallback>
+  </mc:AlternateContent>
   <p:timing>
     <p:tnLst>
       <p:par>
@@ -6783,6 +6791,14 @@
   <p:clrMapOvr>
     <a:masterClrMapping/>
   </p:clrMapOvr>
+  <mc:AlternateContent xmlns:mc="http://schemas.openxmlformats.org/markup-compatibility/2006">
+    <mc:Choice xmlns:p14="http://schemas.microsoft.com/office/powerpoint/2010/main" Requires="p14">
+      <p:transition p14:dur="0"/>
+    </mc:Choice>
+    <mc:Fallback>
+      <p:transition xmlns:p14="http://schemas.microsoft.com/office/powerpoint/2010/main"/>
+    </mc:Fallback>
+  </mc:AlternateContent>
 </p:sld>
 </file>
 
@@ -6904,6 +6920,14 @@
   <p:clrMapOvr>
     <a:masterClrMapping/>
   </p:clrMapOvr>
+  <mc:AlternateContent xmlns:mc="http://schemas.openxmlformats.org/markup-compatibility/2006">
+    <mc:Choice xmlns:p14="http://schemas.microsoft.com/office/powerpoint/2010/main" Requires="p14">
+      <p:transition p14:dur="0"/>
+    </mc:Choice>
+    <mc:Fallback>
+      <p:transition xmlns:p14="http://schemas.microsoft.com/office/powerpoint/2010/main"/>
+    </mc:Fallback>
+  </mc:AlternateContent>
 </p:sld>
 </file>
 
@@ -7025,6 +7049,14 @@
   <p:clrMapOvr>
     <a:masterClrMapping/>
   </p:clrMapOvr>
+  <mc:AlternateContent xmlns:mc="http://schemas.openxmlformats.org/markup-compatibility/2006">
+    <mc:Choice xmlns:p14="http://schemas.microsoft.com/office/powerpoint/2010/main" Requires="p14">
+      <p:transition p14:dur="0"/>
+    </mc:Choice>
+    <mc:Fallback>
+      <p:transition xmlns:p14="http://schemas.microsoft.com/office/powerpoint/2010/main"/>
+    </mc:Fallback>
+  </mc:AlternateContent>
 </p:sld>
 </file>
 
@@ -7124,6 +7156,14 @@
   <p:clrMapOvr>
     <a:masterClrMapping/>
   </p:clrMapOvr>
+  <mc:AlternateContent xmlns:mc="http://schemas.openxmlformats.org/markup-compatibility/2006">
+    <mc:Choice xmlns:p14="http://schemas.microsoft.com/office/powerpoint/2010/main" Requires="p14">
+      <p:transition p14:dur="0"/>
+    </mc:Choice>
+    <mc:Fallback>
+      <p:transition xmlns:p14="http://schemas.microsoft.com/office/powerpoint/2010/main"/>
+    </mc:Fallback>
+  </mc:AlternateContent>
 </p:sld>
 </file>
 
@@ -7236,6 +7276,14 @@
   <p:clrMapOvr>
     <a:masterClrMapping/>
   </p:clrMapOvr>
+  <mc:AlternateContent xmlns:mc="http://schemas.openxmlformats.org/markup-compatibility/2006">
+    <mc:Choice xmlns:p14="http://schemas.microsoft.com/office/powerpoint/2010/main" Requires="p14">
+      <p:transition p14:dur="0"/>
+    </mc:Choice>
+    <mc:Fallback>
+      <p:transition xmlns:p14="http://schemas.microsoft.com/office/powerpoint/2010/main"/>
+    </mc:Fallback>
+  </mc:AlternateContent>
 </p:sld>
 </file>
 
@@ -7315,6 +7363,14 @@
   <p:clrMapOvr>
     <a:masterClrMapping/>
   </p:clrMapOvr>
+  <mc:AlternateContent xmlns:mc="http://schemas.openxmlformats.org/markup-compatibility/2006">
+    <mc:Choice xmlns:p14="http://schemas.microsoft.com/office/powerpoint/2010/main" Requires="p14">
+      <p:transition p14:dur="0"/>
+    </mc:Choice>
+    <mc:Fallback>
+      <p:transition xmlns:p14="http://schemas.microsoft.com/office/powerpoint/2010/main"/>
+    </mc:Fallback>
+  </mc:AlternateContent>
 </p:sld>
 </file>
 
@@ -7404,6 +7460,14 @@
   <p:clrMapOvr>
     <a:masterClrMapping/>
   </p:clrMapOvr>
+  <mc:AlternateContent xmlns:mc="http://schemas.openxmlformats.org/markup-compatibility/2006">
+    <mc:Choice xmlns:p14="http://schemas.microsoft.com/office/powerpoint/2010/main" Requires="p14">
+      <p:transition p14:dur="0"/>
+    </mc:Choice>
+    <mc:Fallback>
+      <p:transition xmlns:p14="http://schemas.microsoft.com/office/powerpoint/2010/main"/>
+    </mc:Fallback>
+  </mc:AlternateContent>
 </p:sld>
 </file>
 
@@ -7508,6 +7572,14 @@
   <p:clrMapOvr>
     <a:masterClrMapping/>
   </p:clrMapOvr>
+  <mc:AlternateContent xmlns:mc="http://schemas.openxmlformats.org/markup-compatibility/2006">
+    <mc:Choice xmlns:p14="http://schemas.microsoft.com/office/powerpoint/2010/main" Requires="p14">
+      <p:transition p14:dur="0"/>
+    </mc:Choice>
+    <mc:Fallback>
+      <p:transition xmlns:p14="http://schemas.microsoft.com/office/powerpoint/2010/main"/>
+    </mc:Fallback>
+  </mc:AlternateContent>
 </p:sld>
 </file>
 
@@ -7576,6 +7648,14 @@
   <p:clrMapOvr>
     <a:masterClrMapping/>
   </p:clrMapOvr>
+  <mc:AlternateContent xmlns:mc="http://schemas.openxmlformats.org/markup-compatibility/2006">
+    <mc:Choice xmlns:p14="http://schemas.microsoft.com/office/powerpoint/2010/main" Requires="p14">
+      <p:transition p14:dur="0"/>
+    </mc:Choice>
+    <mc:Fallback>
+      <p:transition xmlns:p14="http://schemas.microsoft.com/office/powerpoint/2010/main"/>
+    </mc:Fallback>
+  </mc:AlternateContent>
 </p:sld>
 </file>
 
@@ -7657,16 +7737,12 @@
   <p:clrMapOvr>
     <a:masterClrMapping/>
   </p:clrMapOvr>
-  <mc:AlternateContent xmlns:mc="http://schemas.openxmlformats.org/markup-compatibility/2006" xmlns:p14="http://schemas.microsoft.com/office/powerpoint/2010/main">
-    <mc:Choice Requires="p14">
-      <p:transition spd="slow" p14:dur="3400">
-        <p14:reveal/>
-      </p:transition>
+  <mc:AlternateContent xmlns:mc="http://schemas.openxmlformats.org/markup-compatibility/2006">
+    <mc:Choice xmlns:p14="http://schemas.microsoft.com/office/powerpoint/2010/main" Requires="p14">
+      <p:transition p14:dur="0"/>
     </mc:Choice>
-    <mc:Fallback xmlns="">
-      <p:transition xmlns:p14="http://schemas.microsoft.com/office/powerpoint/2010/main" spd="slow">
-        <p:fade/>
-      </p:transition>
+    <mc:Fallback>
+      <p:transition xmlns:p14="http://schemas.microsoft.com/office/powerpoint/2010/main"/>
     </mc:Fallback>
   </mc:AlternateContent>
   <p:timing>
@@ -7777,16 +7853,12 @@
   <p:clrMapOvr>
     <a:masterClrMapping/>
   </p:clrMapOvr>
-  <mc:AlternateContent xmlns:mc="http://schemas.openxmlformats.org/markup-compatibility/2006" xmlns:p14="http://schemas.microsoft.com/office/powerpoint/2010/main">
-    <mc:Choice Requires="p14">
-      <p:transition spd="slow" p14:dur="3400">
-        <p14:reveal/>
-      </p:transition>
+  <mc:AlternateContent xmlns:mc="http://schemas.openxmlformats.org/markup-compatibility/2006">
+    <mc:Choice xmlns:p14="http://schemas.microsoft.com/office/powerpoint/2010/main" Requires="p14">
+      <p:transition p14:dur="0"/>
     </mc:Choice>
-    <mc:Fallback xmlns="">
-      <p:transition xmlns:p14="http://schemas.microsoft.com/office/powerpoint/2010/main" spd="slow">
-        <p:fade/>
-      </p:transition>
+    <mc:Fallback>
+      <p:transition xmlns:p14="http://schemas.microsoft.com/office/powerpoint/2010/main"/>
     </mc:Fallback>
   </mc:AlternateContent>
   <p:timing>
@@ -7909,16 +7981,12 @@
   <p:clrMapOvr>
     <a:masterClrMapping/>
   </p:clrMapOvr>
-  <mc:AlternateContent xmlns:mc="http://schemas.openxmlformats.org/markup-compatibility/2006" xmlns:p14="http://schemas.microsoft.com/office/powerpoint/2010/main">
-    <mc:Choice Requires="p14">
-      <p:transition spd="slow" p14:dur="3400">
-        <p14:reveal/>
-      </p:transition>
+  <mc:AlternateContent xmlns:mc="http://schemas.openxmlformats.org/markup-compatibility/2006">
+    <mc:Choice xmlns:p14="http://schemas.microsoft.com/office/powerpoint/2010/main" Requires="p14">
+      <p:transition p14:dur="0"/>
     </mc:Choice>
-    <mc:Fallback xmlns="">
-      <p:transition xmlns:p14="http://schemas.microsoft.com/office/powerpoint/2010/main" spd="slow">
-        <p:fade/>
-      </p:transition>
+    <mc:Fallback>
+      <p:transition xmlns:p14="http://schemas.microsoft.com/office/powerpoint/2010/main"/>
     </mc:Fallback>
   </mc:AlternateContent>
   <p:timing>
@@ -8041,16 +8109,12 @@
   <p:clrMapOvr>
     <a:masterClrMapping/>
   </p:clrMapOvr>
-  <mc:AlternateContent xmlns:mc="http://schemas.openxmlformats.org/markup-compatibility/2006" xmlns:p14="http://schemas.microsoft.com/office/powerpoint/2010/main">
-    <mc:Choice Requires="p14">
-      <p:transition spd="slow" p14:dur="3400">
-        <p14:reveal/>
-      </p:transition>
+  <mc:AlternateContent xmlns:mc="http://schemas.openxmlformats.org/markup-compatibility/2006">
+    <mc:Choice xmlns:p14="http://schemas.microsoft.com/office/powerpoint/2010/main" Requires="p14">
+      <p:transition p14:dur="0"/>
     </mc:Choice>
-    <mc:Fallback xmlns="">
-      <p:transition xmlns:p14="http://schemas.microsoft.com/office/powerpoint/2010/main" spd="slow">
-        <p:fade/>
-      </p:transition>
+    <mc:Fallback>
+      <p:transition xmlns:p14="http://schemas.microsoft.com/office/powerpoint/2010/main"/>
     </mc:Fallback>
   </mc:AlternateContent>
   <p:timing>
@@ -8185,16 +8249,12 @@
   <p:clrMapOvr>
     <a:masterClrMapping/>
   </p:clrMapOvr>
-  <mc:AlternateContent xmlns:mc="http://schemas.openxmlformats.org/markup-compatibility/2006" xmlns:p14="http://schemas.microsoft.com/office/powerpoint/2010/main">
-    <mc:Choice Requires="p14">
-      <p:transition spd="slow" p14:dur="3400">
-        <p14:reveal/>
-      </p:transition>
+  <mc:AlternateContent xmlns:mc="http://schemas.openxmlformats.org/markup-compatibility/2006">
+    <mc:Choice xmlns:p14="http://schemas.microsoft.com/office/powerpoint/2010/main" Requires="p14">
+      <p:transition p14:dur="0"/>
     </mc:Choice>
-    <mc:Fallback xmlns="">
-      <p:transition xmlns:p14="http://schemas.microsoft.com/office/powerpoint/2010/main" spd="slow">
-        <p:fade/>
-      </p:transition>
+    <mc:Fallback>
+      <p:transition xmlns:p14="http://schemas.microsoft.com/office/powerpoint/2010/main"/>
     </mc:Fallback>
   </mc:AlternateContent>
   <p:timing>
@@ -8329,16 +8389,12 @@
   <p:clrMapOvr>
     <a:masterClrMapping/>
   </p:clrMapOvr>
-  <mc:AlternateContent xmlns:mc="http://schemas.openxmlformats.org/markup-compatibility/2006" xmlns:p14="http://schemas.microsoft.com/office/powerpoint/2010/main">
-    <mc:Choice Requires="p14">
-      <p:transition spd="slow" p14:dur="3400">
-        <p14:reveal/>
-      </p:transition>
+  <mc:AlternateContent xmlns:mc="http://schemas.openxmlformats.org/markup-compatibility/2006">
+    <mc:Choice xmlns:p14="http://schemas.microsoft.com/office/powerpoint/2010/main" Requires="p14">
+      <p:transition p14:dur="0"/>
     </mc:Choice>
-    <mc:Fallback xmlns="">
-      <p:transition xmlns:p14="http://schemas.microsoft.com/office/powerpoint/2010/main" spd="slow">
-        <p:fade/>
-      </p:transition>
+    <mc:Fallback>
+      <p:transition xmlns:p14="http://schemas.microsoft.com/office/powerpoint/2010/main"/>
     </mc:Fallback>
   </mc:AlternateContent>
   <p:timing>
@@ -8495,16 +8551,12 @@
   <p:clrMapOvr>
     <a:masterClrMapping/>
   </p:clrMapOvr>
-  <mc:AlternateContent xmlns:mc="http://schemas.openxmlformats.org/markup-compatibility/2006" xmlns:p14="http://schemas.microsoft.com/office/powerpoint/2010/main">
-    <mc:Choice Requires="p14">
-      <p:transition spd="slow" p14:dur="3400">
-        <p14:reveal/>
-      </p:transition>
+  <mc:AlternateContent xmlns:mc="http://schemas.openxmlformats.org/markup-compatibility/2006">
+    <mc:Choice xmlns:p14="http://schemas.microsoft.com/office/powerpoint/2010/main" Requires="p14">
+      <p:transition p14:dur="0"/>
     </mc:Choice>
-    <mc:Fallback xmlns="">
-      <p:transition xmlns:p14="http://schemas.microsoft.com/office/powerpoint/2010/main" spd="slow">
-        <p:fade/>
-      </p:transition>
+    <mc:Fallback>
+      <p:transition xmlns:p14="http://schemas.microsoft.com/office/powerpoint/2010/main"/>
     </mc:Fallback>
   </mc:AlternateContent>
   <p:timing>
@@ -8593,6 +8645,14 @@
   <p:clrMapOvr>
     <a:masterClrMapping/>
   </p:clrMapOvr>
+  <mc:AlternateContent xmlns:mc="http://schemas.openxmlformats.org/markup-compatibility/2006">
+    <mc:Choice xmlns:p14="http://schemas.microsoft.com/office/powerpoint/2010/main" Requires="p14">
+      <p:transition p14:dur="0"/>
+    </mc:Choice>
+    <mc:Fallback>
+      <p:transition xmlns:p14="http://schemas.microsoft.com/office/powerpoint/2010/main"/>
+    </mc:Fallback>
+  </mc:AlternateContent>
 </p:sld>
 </file>
 

--- a/DC Python Generic Meetup Slides.pptx
+++ b/DC Python Generic Meetup Slides.pptx
@@ -5,10 +5,10 @@
     <p:sldMasterId id="2147483648" r:id="rId1"/>
   </p:sldMasterIdLst>
   <p:notesMasterIdLst>
-    <p:notesMasterId r:id="rId20"/>
+    <p:notesMasterId r:id="rId22"/>
   </p:notesMasterIdLst>
   <p:handoutMasterIdLst>
-    <p:handoutMasterId r:id="rId21"/>
+    <p:handoutMasterId r:id="rId23"/>
   </p:handoutMasterIdLst>
   <p:sldIdLst>
     <p:sldId id="256" r:id="rId2"/>
@@ -25,10 +25,12 @@
     <p:sldId id="272" r:id="rId13"/>
     <p:sldId id="266" r:id="rId14"/>
     <p:sldId id="273" r:id="rId15"/>
-    <p:sldId id="259" r:id="rId16"/>
-    <p:sldId id="263" r:id="rId17"/>
-    <p:sldId id="264" r:id="rId18"/>
-    <p:sldId id="260" r:id="rId19"/>
+    <p:sldId id="274" r:id="rId16"/>
+    <p:sldId id="275" r:id="rId17"/>
+    <p:sldId id="260" r:id="rId18"/>
+    <p:sldId id="276" r:id="rId19"/>
+    <p:sldId id="277" r:id="rId20"/>
+    <p:sldId id="278" r:id="rId21"/>
   </p:sldIdLst>
   <p:sldSz cx="9144000" cy="6858000" type="screen4x3"/>
   <p:notesSz cx="6858000" cy="9144000"/>
@@ -131,6 +133,753 @@
 </file>
 
 <file path=ppt/diagrams/colors1.xml><?xml version="1.0" encoding="utf-8"?>
+<dgm:colorsDef xmlns:dgm="http://schemas.openxmlformats.org/drawingml/2006/diagram" xmlns:a="http://schemas.openxmlformats.org/drawingml/2006/main" uniqueId="urn:microsoft.com/office/officeart/2005/8/colors/accent1_2">
+  <dgm:title val=""/>
+  <dgm:desc val=""/>
+  <dgm:catLst>
+    <dgm:cat type="accent1" pri="11200"/>
+  </dgm:catLst>
+  <dgm:styleLbl name="node0">
+    <dgm:fillClrLst meth="repeat">
+      <a:schemeClr val="accent1"/>
+    </dgm:fillClrLst>
+    <dgm:linClrLst meth="repeat">
+      <a:schemeClr val="lt1"/>
+    </dgm:linClrLst>
+    <dgm:effectClrLst/>
+    <dgm:txLinClrLst/>
+    <dgm:txFillClrLst/>
+    <dgm:txEffectClrLst/>
+  </dgm:styleLbl>
+  <dgm:styleLbl name="alignNode1">
+    <dgm:fillClrLst meth="repeat">
+      <a:schemeClr val="accent1"/>
+    </dgm:fillClrLst>
+    <dgm:linClrLst meth="repeat">
+      <a:schemeClr val="accent1"/>
+    </dgm:linClrLst>
+    <dgm:effectClrLst/>
+    <dgm:txLinClrLst/>
+    <dgm:txFillClrLst/>
+    <dgm:txEffectClrLst/>
+  </dgm:styleLbl>
+  <dgm:styleLbl name="node1">
+    <dgm:fillClrLst meth="repeat">
+      <a:schemeClr val="accent1"/>
+    </dgm:fillClrLst>
+    <dgm:linClrLst meth="repeat">
+      <a:schemeClr val="lt1"/>
+    </dgm:linClrLst>
+    <dgm:effectClrLst/>
+    <dgm:txLinClrLst/>
+    <dgm:txFillClrLst/>
+    <dgm:txEffectClrLst/>
+  </dgm:styleLbl>
+  <dgm:styleLbl name="lnNode1">
+    <dgm:fillClrLst meth="repeat">
+      <a:schemeClr val="accent1"/>
+    </dgm:fillClrLst>
+    <dgm:linClrLst meth="repeat">
+      <a:schemeClr val="lt1"/>
+    </dgm:linClrLst>
+    <dgm:effectClrLst/>
+    <dgm:txLinClrLst/>
+    <dgm:txFillClrLst/>
+    <dgm:txEffectClrLst/>
+  </dgm:styleLbl>
+  <dgm:styleLbl name="vennNode1">
+    <dgm:fillClrLst meth="repeat">
+      <a:schemeClr val="accent1">
+        <a:alpha val="50000"/>
+      </a:schemeClr>
+    </dgm:fillClrLst>
+    <dgm:linClrLst meth="repeat">
+      <a:schemeClr val="lt1"/>
+    </dgm:linClrLst>
+    <dgm:effectClrLst/>
+    <dgm:txLinClrLst/>
+    <dgm:txFillClrLst/>
+    <dgm:txEffectClrLst/>
+  </dgm:styleLbl>
+  <dgm:styleLbl name="node2">
+    <dgm:fillClrLst meth="repeat">
+      <a:schemeClr val="accent1"/>
+    </dgm:fillClrLst>
+    <dgm:linClrLst meth="repeat">
+      <a:schemeClr val="lt1"/>
+    </dgm:linClrLst>
+    <dgm:effectClrLst/>
+    <dgm:txLinClrLst/>
+    <dgm:txFillClrLst/>
+    <dgm:txEffectClrLst/>
+  </dgm:styleLbl>
+  <dgm:styleLbl name="node3">
+    <dgm:fillClrLst meth="repeat">
+      <a:schemeClr val="accent1"/>
+    </dgm:fillClrLst>
+    <dgm:linClrLst meth="repeat">
+      <a:schemeClr val="lt1"/>
+    </dgm:linClrLst>
+    <dgm:effectClrLst/>
+    <dgm:txLinClrLst/>
+    <dgm:txFillClrLst/>
+    <dgm:txEffectClrLst/>
+  </dgm:styleLbl>
+  <dgm:styleLbl name="node4">
+    <dgm:fillClrLst meth="repeat">
+      <a:schemeClr val="accent1"/>
+    </dgm:fillClrLst>
+    <dgm:linClrLst meth="repeat">
+      <a:schemeClr val="lt1"/>
+    </dgm:linClrLst>
+    <dgm:effectClrLst/>
+    <dgm:txLinClrLst/>
+    <dgm:txFillClrLst/>
+    <dgm:txEffectClrLst/>
+  </dgm:styleLbl>
+  <dgm:styleLbl name="fgImgPlace1">
+    <dgm:fillClrLst meth="repeat">
+      <a:schemeClr val="accent1">
+        <a:tint val="50000"/>
+      </a:schemeClr>
+    </dgm:fillClrLst>
+    <dgm:linClrLst meth="repeat">
+      <a:schemeClr val="lt1"/>
+    </dgm:linClrLst>
+    <dgm:effectClrLst/>
+    <dgm:txLinClrLst/>
+    <dgm:txFillClrLst meth="repeat">
+      <a:schemeClr val="lt1"/>
+    </dgm:txFillClrLst>
+    <dgm:txEffectClrLst/>
+  </dgm:styleLbl>
+  <dgm:styleLbl name="alignImgPlace1">
+    <dgm:fillClrLst meth="repeat">
+      <a:schemeClr val="accent1">
+        <a:tint val="50000"/>
+      </a:schemeClr>
+    </dgm:fillClrLst>
+    <dgm:linClrLst meth="repeat">
+      <a:schemeClr val="lt1"/>
+    </dgm:linClrLst>
+    <dgm:effectClrLst/>
+    <dgm:txLinClrLst/>
+    <dgm:txFillClrLst meth="repeat">
+      <a:schemeClr val="lt1"/>
+    </dgm:txFillClrLst>
+    <dgm:txEffectClrLst/>
+  </dgm:styleLbl>
+  <dgm:styleLbl name="bgImgPlace1">
+    <dgm:fillClrLst meth="repeat">
+      <a:schemeClr val="accent1">
+        <a:tint val="50000"/>
+      </a:schemeClr>
+    </dgm:fillClrLst>
+    <dgm:linClrLst meth="repeat">
+      <a:schemeClr val="lt1"/>
+    </dgm:linClrLst>
+    <dgm:effectClrLst/>
+    <dgm:txLinClrLst/>
+    <dgm:txFillClrLst meth="repeat">
+      <a:schemeClr val="lt1"/>
+    </dgm:txFillClrLst>
+    <dgm:txEffectClrLst/>
+  </dgm:styleLbl>
+  <dgm:styleLbl name="sibTrans2D1">
+    <dgm:fillClrLst meth="repeat">
+      <a:schemeClr val="accent1">
+        <a:tint val="60000"/>
+      </a:schemeClr>
+    </dgm:fillClrLst>
+    <dgm:linClrLst meth="repeat">
+      <a:schemeClr val="accent1">
+        <a:tint val="60000"/>
+      </a:schemeClr>
+    </dgm:linClrLst>
+    <dgm:effectClrLst/>
+    <dgm:txLinClrLst/>
+    <dgm:txFillClrLst/>
+    <dgm:txEffectClrLst/>
+  </dgm:styleLbl>
+  <dgm:styleLbl name="fgSibTrans2D1">
+    <dgm:fillClrLst meth="repeat">
+      <a:schemeClr val="accent1">
+        <a:tint val="60000"/>
+      </a:schemeClr>
+    </dgm:fillClrLst>
+    <dgm:linClrLst meth="repeat">
+      <a:schemeClr val="accent1">
+        <a:tint val="60000"/>
+      </a:schemeClr>
+    </dgm:linClrLst>
+    <dgm:effectClrLst/>
+    <dgm:txLinClrLst/>
+    <dgm:txFillClrLst/>
+    <dgm:txEffectClrLst/>
+  </dgm:styleLbl>
+  <dgm:styleLbl name="bgSibTrans2D1">
+    <dgm:fillClrLst meth="repeat">
+      <a:schemeClr val="accent1">
+        <a:tint val="60000"/>
+      </a:schemeClr>
+    </dgm:fillClrLst>
+    <dgm:linClrLst meth="repeat">
+      <a:schemeClr val="accent1">
+        <a:tint val="60000"/>
+      </a:schemeClr>
+    </dgm:linClrLst>
+    <dgm:effectClrLst/>
+    <dgm:txLinClrLst/>
+    <dgm:txFillClrLst/>
+    <dgm:txEffectClrLst/>
+  </dgm:styleLbl>
+  <dgm:styleLbl name="sibTrans1D1">
+    <dgm:fillClrLst meth="repeat">
+      <a:schemeClr val="accent1"/>
+    </dgm:fillClrLst>
+    <dgm:linClrLst meth="repeat">
+      <a:schemeClr val="accent1"/>
+    </dgm:linClrLst>
+    <dgm:effectClrLst/>
+    <dgm:txLinClrLst/>
+    <dgm:txFillClrLst meth="repeat">
+      <a:schemeClr val="tx1"/>
+    </dgm:txFillClrLst>
+    <dgm:txEffectClrLst/>
+  </dgm:styleLbl>
+  <dgm:styleLbl name="callout">
+    <dgm:fillClrLst meth="repeat">
+      <a:schemeClr val="accent1"/>
+    </dgm:fillClrLst>
+    <dgm:linClrLst meth="repeat">
+      <a:schemeClr val="accent1">
+        <a:tint val="50000"/>
+      </a:schemeClr>
+    </dgm:linClrLst>
+    <dgm:effectClrLst/>
+    <dgm:txLinClrLst/>
+    <dgm:txFillClrLst meth="repeat">
+      <a:schemeClr val="tx1"/>
+    </dgm:txFillClrLst>
+    <dgm:txEffectClrLst/>
+  </dgm:styleLbl>
+  <dgm:styleLbl name="asst0">
+    <dgm:fillClrLst meth="repeat">
+      <a:schemeClr val="accent1"/>
+    </dgm:fillClrLst>
+    <dgm:linClrLst meth="repeat">
+      <a:schemeClr val="lt1"/>
+    </dgm:linClrLst>
+    <dgm:effectClrLst/>
+    <dgm:txLinClrLst/>
+    <dgm:txFillClrLst/>
+    <dgm:txEffectClrLst/>
+  </dgm:styleLbl>
+  <dgm:styleLbl name="asst1">
+    <dgm:fillClrLst meth="repeat">
+      <a:schemeClr val="accent1"/>
+    </dgm:fillClrLst>
+    <dgm:linClrLst meth="repeat">
+      <a:schemeClr val="lt1"/>
+    </dgm:linClrLst>
+    <dgm:effectClrLst/>
+    <dgm:txLinClrLst/>
+    <dgm:txFillClrLst/>
+    <dgm:txEffectClrLst/>
+  </dgm:styleLbl>
+  <dgm:styleLbl name="asst2">
+    <dgm:fillClrLst meth="repeat">
+      <a:schemeClr val="accent1"/>
+    </dgm:fillClrLst>
+    <dgm:linClrLst meth="repeat">
+      <a:schemeClr val="lt1"/>
+    </dgm:linClrLst>
+    <dgm:effectClrLst/>
+    <dgm:txLinClrLst/>
+    <dgm:txFillClrLst/>
+    <dgm:txEffectClrLst/>
+  </dgm:styleLbl>
+  <dgm:styleLbl name="asst3">
+    <dgm:fillClrLst meth="repeat">
+      <a:schemeClr val="accent1"/>
+    </dgm:fillClrLst>
+    <dgm:linClrLst meth="repeat">
+      <a:schemeClr val="lt1"/>
+    </dgm:linClrLst>
+    <dgm:effectClrLst/>
+    <dgm:txLinClrLst/>
+    <dgm:txFillClrLst/>
+    <dgm:txEffectClrLst/>
+  </dgm:styleLbl>
+  <dgm:styleLbl name="asst4">
+    <dgm:fillClrLst meth="repeat">
+      <a:schemeClr val="accent1"/>
+    </dgm:fillClrLst>
+    <dgm:linClrLst meth="repeat">
+      <a:schemeClr val="lt1"/>
+    </dgm:linClrLst>
+    <dgm:effectClrLst/>
+    <dgm:txLinClrLst/>
+    <dgm:txFillClrLst/>
+    <dgm:txEffectClrLst/>
+  </dgm:styleLbl>
+  <dgm:styleLbl name="parChTrans2D1">
+    <dgm:fillClrLst meth="repeat">
+      <a:schemeClr val="accent1">
+        <a:tint val="60000"/>
+      </a:schemeClr>
+    </dgm:fillClrLst>
+    <dgm:linClrLst meth="repeat">
+      <a:schemeClr val="accent1">
+        <a:tint val="60000"/>
+      </a:schemeClr>
+    </dgm:linClrLst>
+    <dgm:effectClrLst/>
+    <dgm:txLinClrLst/>
+    <dgm:txFillClrLst meth="repeat">
+      <a:schemeClr val="lt1"/>
+    </dgm:txFillClrLst>
+    <dgm:txEffectClrLst/>
+  </dgm:styleLbl>
+  <dgm:styleLbl name="parChTrans2D2">
+    <dgm:fillClrLst meth="repeat">
+      <a:schemeClr val="accent1"/>
+    </dgm:fillClrLst>
+    <dgm:linClrLst meth="repeat">
+      <a:schemeClr val="accent1"/>
+    </dgm:linClrLst>
+    <dgm:effectClrLst/>
+    <dgm:txLinClrLst/>
+    <dgm:txFillClrLst meth="repeat">
+      <a:schemeClr val="lt1"/>
+    </dgm:txFillClrLst>
+    <dgm:txEffectClrLst/>
+  </dgm:styleLbl>
+  <dgm:styleLbl name="parChTrans2D3">
+    <dgm:fillClrLst meth="repeat">
+      <a:schemeClr val="accent1"/>
+    </dgm:fillClrLst>
+    <dgm:linClrLst meth="repeat">
+      <a:schemeClr val="accent1"/>
+    </dgm:linClrLst>
+    <dgm:effectClrLst/>
+    <dgm:txLinClrLst/>
+    <dgm:txFillClrLst meth="repeat">
+      <a:schemeClr val="lt1"/>
+    </dgm:txFillClrLst>
+    <dgm:txEffectClrLst/>
+  </dgm:styleLbl>
+  <dgm:styleLbl name="parChTrans2D4">
+    <dgm:fillClrLst meth="repeat">
+      <a:schemeClr val="accent1"/>
+    </dgm:fillClrLst>
+    <dgm:linClrLst meth="repeat">
+      <a:schemeClr val="accent1"/>
+    </dgm:linClrLst>
+    <dgm:effectClrLst/>
+    <dgm:txLinClrLst/>
+    <dgm:txFillClrLst meth="repeat">
+      <a:schemeClr val="lt1"/>
+    </dgm:txFillClrLst>
+    <dgm:txEffectClrLst/>
+  </dgm:styleLbl>
+  <dgm:styleLbl name="parChTrans1D1">
+    <dgm:fillClrLst meth="repeat">
+      <a:schemeClr val="accent1"/>
+    </dgm:fillClrLst>
+    <dgm:linClrLst meth="repeat">
+      <a:schemeClr val="accent1">
+        <a:shade val="60000"/>
+      </a:schemeClr>
+    </dgm:linClrLst>
+    <dgm:effectClrLst/>
+    <dgm:txLinClrLst/>
+    <dgm:txFillClrLst meth="repeat">
+      <a:schemeClr val="tx1"/>
+    </dgm:txFillClrLst>
+    <dgm:txEffectClrLst/>
+  </dgm:styleLbl>
+  <dgm:styleLbl name="parChTrans1D2">
+    <dgm:fillClrLst meth="repeat">
+      <a:schemeClr val="accent1"/>
+    </dgm:fillClrLst>
+    <dgm:linClrLst meth="repeat">
+      <a:schemeClr val="accent1">
+        <a:shade val="60000"/>
+      </a:schemeClr>
+    </dgm:linClrLst>
+    <dgm:effectClrLst/>
+    <dgm:txLinClrLst/>
+    <dgm:txFillClrLst meth="repeat">
+      <a:schemeClr val="tx1"/>
+    </dgm:txFillClrLst>
+    <dgm:txEffectClrLst/>
+  </dgm:styleLbl>
+  <dgm:styleLbl name="parChTrans1D3">
+    <dgm:fillClrLst meth="repeat">
+      <a:schemeClr val="accent1"/>
+    </dgm:fillClrLst>
+    <dgm:linClrLst meth="repeat">
+      <a:schemeClr val="accent1">
+        <a:shade val="80000"/>
+      </a:schemeClr>
+    </dgm:linClrLst>
+    <dgm:effectClrLst/>
+    <dgm:txLinClrLst/>
+    <dgm:txFillClrLst meth="repeat">
+      <a:schemeClr val="tx1"/>
+    </dgm:txFillClrLst>
+    <dgm:txEffectClrLst/>
+  </dgm:styleLbl>
+  <dgm:styleLbl name="parChTrans1D4">
+    <dgm:fillClrLst meth="repeat">
+      <a:schemeClr val="accent1"/>
+    </dgm:fillClrLst>
+    <dgm:linClrLst meth="repeat">
+      <a:schemeClr val="accent1">
+        <a:shade val="80000"/>
+      </a:schemeClr>
+    </dgm:linClrLst>
+    <dgm:effectClrLst/>
+    <dgm:txLinClrLst/>
+    <dgm:txFillClrLst meth="repeat">
+      <a:schemeClr val="tx1"/>
+    </dgm:txFillClrLst>
+    <dgm:txEffectClrLst/>
+  </dgm:styleLbl>
+  <dgm:styleLbl name="fgAcc1">
+    <dgm:fillClrLst meth="repeat">
+      <a:schemeClr val="lt1">
+        <a:alpha val="90000"/>
+      </a:schemeClr>
+    </dgm:fillClrLst>
+    <dgm:linClrLst meth="repeat">
+      <a:schemeClr val="accent1"/>
+    </dgm:linClrLst>
+    <dgm:effectClrLst/>
+    <dgm:txLinClrLst/>
+    <dgm:txFillClrLst meth="repeat">
+      <a:schemeClr val="dk1"/>
+    </dgm:txFillClrLst>
+    <dgm:txEffectClrLst/>
+  </dgm:styleLbl>
+  <dgm:styleLbl name="conFgAcc1">
+    <dgm:fillClrLst meth="repeat">
+      <a:schemeClr val="lt1">
+        <a:alpha val="90000"/>
+      </a:schemeClr>
+    </dgm:fillClrLst>
+    <dgm:linClrLst meth="repeat">
+      <a:schemeClr val="accent1"/>
+    </dgm:linClrLst>
+    <dgm:effectClrLst/>
+    <dgm:txLinClrLst/>
+    <dgm:txFillClrLst meth="repeat">
+      <a:schemeClr val="dk1"/>
+    </dgm:txFillClrLst>
+    <dgm:txEffectClrLst/>
+  </dgm:styleLbl>
+  <dgm:styleLbl name="alignAcc1">
+    <dgm:fillClrLst meth="repeat">
+      <a:schemeClr val="lt1">
+        <a:alpha val="90000"/>
+      </a:schemeClr>
+    </dgm:fillClrLst>
+    <dgm:linClrLst meth="repeat">
+      <a:schemeClr val="accent1"/>
+    </dgm:linClrLst>
+    <dgm:effectClrLst/>
+    <dgm:txLinClrLst/>
+    <dgm:txFillClrLst meth="repeat">
+      <a:schemeClr val="dk1"/>
+    </dgm:txFillClrLst>
+    <dgm:txEffectClrLst/>
+  </dgm:styleLbl>
+  <dgm:styleLbl name="trAlignAcc1">
+    <dgm:fillClrLst meth="repeat">
+      <a:schemeClr val="lt1">
+        <a:alpha val="40000"/>
+      </a:schemeClr>
+    </dgm:fillClrLst>
+    <dgm:linClrLst meth="repeat">
+      <a:schemeClr val="accent1"/>
+    </dgm:linClrLst>
+    <dgm:effectClrLst/>
+    <dgm:txLinClrLst/>
+    <dgm:txFillClrLst meth="repeat">
+      <a:schemeClr val="dk1"/>
+    </dgm:txFillClrLst>
+    <dgm:txEffectClrLst/>
+  </dgm:styleLbl>
+  <dgm:styleLbl name="bgAcc1">
+    <dgm:fillClrLst meth="repeat">
+      <a:schemeClr val="lt1">
+        <a:alpha val="90000"/>
+      </a:schemeClr>
+    </dgm:fillClrLst>
+    <dgm:linClrLst meth="repeat">
+      <a:schemeClr val="accent1"/>
+    </dgm:linClrLst>
+    <dgm:effectClrLst/>
+    <dgm:txLinClrLst/>
+    <dgm:txFillClrLst meth="repeat">
+      <a:schemeClr val="dk1"/>
+    </dgm:txFillClrLst>
+    <dgm:txEffectClrLst/>
+  </dgm:styleLbl>
+  <dgm:styleLbl name="solidFgAcc1">
+    <dgm:fillClrLst meth="repeat">
+      <a:schemeClr val="lt1"/>
+    </dgm:fillClrLst>
+    <dgm:linClrLst meth="repeat">
+      <a:schemeClr val="accent1"/>
+    </dgm:linClrLst>
+    <dgm:effectClrLst/>
+    <dgm:txLinClrLst/>
+    <dgm:txFillClrLst meth="repeat">
+      <a:schemeClr val="dk1"/>
+    </dgm:txFillClrLst>
+    <dgm:txEffectClrLst/>
+  </dgm:styleLbl>
+  <dgm:styleLbl name="solidAlignAcc1">
+    <dgm:fillClrLst meth="repeat">
+      <a:schemeClr val="lt1"/>
+    </dgm:fillClrLst>
+    <dgm:linClrLst meth="repeat">
+      <a:schemeClr val="accent1"/>
+    </dgm:linClrLst>
+    <dgm:effectClrLst/>
+    <dgm:txLinClrLst/>
+    <dgm:txFillClrLst meth="repeat">
+      <a:schemeClr val="dk1"/>
+    </dgm:txFillClrLst>
+    <dgm:txEffectClrLst/>
+  </dgm:styleLbl>
+  <dgm:styleLbl name="solidBgAcc1">
+    <dgm:fillClrLst meth="repeat">
+      <a:schemeClr val="lt1"/>
+    </dgm:fillClrLst>
+    <dgm:linClrLst meth="repeat">
+      <a:schemeClr val="accent1"/>
+    </dgm:linClrLst>
+    <dgm:effectClrLst/>
+    <dgm:txLinClrLst/>
+    <dgm:txFillClrLst meth="repeat">
+      <a:schemeClr val="dk1"/>
+    </dgm:txFillClrLst>
+    <dgm:txEffectClrLst/>
+  </dgm:styleLbl>
+  <dgm:styleLbl name="fgAccFollowNode1">
+    <dgm:fillClrLst meth="repeat">
+      <a:schemeClr val="accent1">
+        <a:alpha val="90000"/>
+        <a:tint val="40000"/>
+      </a:schemeClr>
+    </dgm:fillClrLst>
+    <dgm:linClrLst meth="repeat">
+      <a:schemeClr val="accent1">
+        <a:alpha val="90000"/>
+        <a:tint val="40000"/>
+      </a:schemeClr>
+    </dgm:linClrLst>
+    <dgm:effectClrLst/>
+    <dgm:txLinClrLst/>
+    <dgm:txFillClrLst meth="repeat">
+      <a:schemeClr val="dk1"/>
+    </dgm:txFillClrLst>
+    <dgm:txEffectClrLst/>
+  </dgm:styleLbl>
+  <dgm:styleLbl name="alignAccFollowNode1">
+    <dgm:fillClrLst meth="repeat">
+      <a:schemeClr val="accent1">
+        <a:alpha val="90000"/>
+        <a:tint val="40000"/>
+      </a:schemeClr>
+    </dgm:fillClrLst>
+    <dgm:linClrLst meth="repeat">
+      <a:schemeClr val="accent1">
+        <a:alpha val="90000"/>
+        <a:tint val="40000"/>
+      </a:schemeClr>
+    </dgm:linClrLst>
+    <dgm:effectClrLst/>
+    <dgm:txLinClrLst/>
+    <dgm:txFillClrLst meth="repeat">
+      <a:schemeClr val="dk1"/>
+    </dgm:txFillClrLst>
+    <dgm:txEffectClrLst/>
+  </dgm:styleLbl>
+  <dgm:styleLbl name="bgAccFollowNode1">
+    <dgm:fillClrLst meth="repeat">
+      <a:schemeClr val="accent1">
+        <a:alpha val="90000"/>
+        <a:tint val="40000"/>
+      </a:schemeClr>
+    </dgm:fillClrLst>
+    <dgm:linClrLst meth="repeat">
+      <a:schemeClr val="accent1">
+        <a:alpha val="90000"/>
+        <a:tint val="40000"/>
+      </a:schemeClr>
+    </dgm:linClrLst>
+    <dgm:effectClrLst/>
+    <dgm:txLinClrLst/>
+    <dgm:txFillClrLst meth="repeat">
+      <a:schemeClr val="dk1"/>
+    </dgm:txFillClrLst>
+    <dgm:txEffectClrLst/>
+  </dgm:styleLbl>
+  <dgm:styleLbl name="fgAcc0">
+    <dgm:fillClrLst meth="repeat">
+      <a:schemeClr val="lt1">
+        <a:alpha val="90000"/>
+      </a:schemeClr>
+    </dgm:fillClrLst>
+    <dgm:linClrLst meth="repeat">
+      <a:schemeClr val="accent1"/>
+    </dgm:linClrLst>
+    <dgm:effectClrLst/>
+    <dgm:txLinClrLst/>
+    <dgm:txFillClrLst meth="repeat">
+      <a:schemeClr val="dk1"/>
+    </dgm:txFillClrLst>
+    <dgm:txEffectClrLst/>
+  </dgm:styleLbl>
+  <dgm:styleLbl name="fgAcc2">
+    <dgm:fillClrLst meth="repeat">
+      <a:schemeClr val="lt1">
+        <a:alpha val="90000"/>
+      </a:schemeClr>
+    </dgm:fillClrLst>
+    <dgm:linClrLst meth="repeat">
+      <a:schemeClr val="accent1"/>
+    </dgm:linClrLst>
+    <dgm:effectClrLst/>
+    <dgm:txLinClrLst/>
+    <dgm:txFillClrLst meth="repeat">
+      <a:schemeClr val="dk1"/>
+    </dgm:txFillClrLst>
+    <dgm:txEffectClrLst/>
+  </dgm:styleLbl>
+  <dgm:styleLbl name="fgAcc3">
+    <dgm:fillClrLst meth="repeat">
+      <a:schemeClr val="lt1">
+        <a:alpha val="90000"/>
+      </a:schemeClr>
+    </dgm:fillClrLst>
+    <dgm:linClrLst meth="repeat">
+      <a:schemeClr val="accent1"/>
+    </dgm:linClrLst>
+    <dgm:effectClrLst/>
+    <dgm:txLinClrLst/>
+    <dgm:txFillClrLst meth="repeat">
+      <a:schemeClr val="dk1"/>
+    </dgm:txFillClrLst>
+    <dgm:txEffectClrLst/>
+  </dgm:styleLbl>
+  <dgm:styleLbl name="fgAcc4">
+    <dgm:fillClrLst meth="repeat">
+      <a:schemeClr val="lt1">
+        <a:alpha val="90000"/>
+      </a:schemeClr>
+    </dgm:fillClrLst>
+    <dgm:linClrLst meth="repeat">
+      <a:schemeClr val="accent1"/>
+    </dgm:linClrLst>
+    <dgm:effectClrLst/>
+    <dgm:txLinClrLst/>
+    <dgm:txFillClrLst meth="repeat">
+      <a:schemeClr val="dk1"/>
+    </dgm:txFillClrLst>
+    <dgm:txEffectClrLst/>
+  </dgm:styleLbl>
+  <dgm:styleLbl name="bgShp">
+    <dgm:fillClrLst meth="repeat">
+      <a:schemeClr val="accent1">
+        <a:tint val="40000"/>
+      </a:schemeClr>
+    </dgm:fillClrLst>
+    <dgm:linClrLst meth="repeat">
+      <a:schemeClr val="accent1"/>
+    </dgm:linClrLst>
+    <dgm:effectClrLst/>
+    <dgm:txLinClrLst/>
+    <dgm:txFillClrLst meth="repeat">
+      <a:schemeClr val="dk1"/>
+    </dgm:txFillClrLst>
+    <dgm:txEffectClrLst/>
+  </dgm:styleLbl>
+  <dgm:styleLbl name="dkBgShp">
+    <dgm:fillClrLst meth="repeat">
+      <a:schemeClr val="accent1">
+        <a:shade val="80000"/>
+      </a:schemeClr>
+    </dgm:fillClrLst>
+    <dgm:linClrLst meth="repeat">
+      <a:schemeClr val="accent1"/>
+    </dgm:linClrLst>
+    <dgm:effectClrLst/>
+    <dgm:txLinClrLst/>
+    <dgm:txFillClrLst meth="repeat">
+      <a:schemeClr val="lt1"/>
+    </dgm:txFillClrLst>
+    <dgm:txEffectClrLst/>
+  </dgm:styleLbl>
+  <dgm:styleLbl name="trBgShp">
+    <dgm:fillClrLst meth="repeat">
+      <a:schemeClr val="accent1">
+        <a:tint val="50000"/>
+        <a:alpha val="40000"/>
+      </a:schemeClr>
+    </dgm:fillClrLst>
+    <dgm:linClrLst meth="repeat">
+      <a:schemeClr val="accent1"/>
+    </dgm:linClrLst>
+    <dgm:effectClrLst/>
+    <dgm:txLinClrLst/>
+    <dgm:txFillClrLst meth="repeat">
+      <a:schemeClr val="lt1"/>
+    </dgm:txFillClrLst>
+    <dgm:txEffectClrLst/>
+  </dgm:styleLbl>
+  <dgm:styleLbl name="fgShp">
+    <dgm:fillClrLst meth="repeat">
+      <a:schemeClr val="accent1">
+        <a:tint val="60000"/>
+      </a:schemeClr>
+    </dgm:fillClrLst>
+    <dgm:linClrLst meth="repeat">
+      <a:schemeClr val="lt1"/>
+    </dgm:linClrLst>
+    <dgm:effectClrLst/>
+    <dgm:txLinClrLst/>
+    <dgm:txFillClrLst meth="repeat">
+      <a:schemeClr val="dk1"/>
+    </dgm:txFillClrLst>
+    <dgm:txEffectClrLst/>
+  </dgm:styleLbl>
+  <dgm:styleLbl name="revTx">
+    <dgm:fillClrLst meth="repeat">
+      <a:schemeClr val="lt1">
+        <a:alpha val="0"/>
+      </a:schemeClr>
+    </dgm:fillClrLst>
+    <dgm:linClrLst meth="repeat">
+      <a:schemeClr val="dk1">
+        <a:alpha val="0"/>
+      </a:schemeClr>
+    </dgm:linClrLst>
+    <dgm:effectClrLst/>
+    <dgm:txLinClrLst/>
+    <dgm:txFillClrLst meth="repeat">
+      <a:schemeClr val="tx1"/>
+    </dgm:txFillClrLst>
+    <dgm:txEffectClrLst/>
+  </dgm:styleLbl>
+</dgm:colorsDef>
+</file>
+
+<file path=ppt/diagrams/colors2.xml><?xml version="1.0" encoding="utf-8"?>
 <dgm:colorsDef xmlns:dgm="http://schemas.openxmlformats.org/drawingml/2006/diagram" xmlns:a="http://schemas.openxmlformats.org/drawingml/2006/main" uniqueId="urn:microsoft.com/office/officeart/2005/8/colors/accent1_2">
   <dgm:title val=""/>
   <dgm:desc val=""/>
@@ -1123,6 +1872,386 @@
     <dgm:cxn modelId="{798E6E93-CDE7-DE4E-A6B6-A02128A1DD99}" type="presParOf" srcId="{93B56176-B886-0444-B17A-022452DA2F9F}" destId="{7731807F-631C-9145-A924-7BD8E4FAB9F4}" srcOrd="6" destOrd="0" presId="urn:microsoft.com/office/officeart/2005/8/layout/equation1"/>
     <dgm:cxn modelId="{7DA433BC-A3FF-764F-8B6F-5E32944F2E77}" type="presParOf" srcId="{93B56176-B886-0444-B17A-022452DA2F9F}" destId="{36C38D28-883F-EA43-9E28-A69BEC5BB45B}" srcOrd="7" destOrd="0" presId="urn:microsoft.com/office/officeart/2005/8/layout/equation1"/>
     <dgm:cxn modelId="{04706293-043F-DD4A-BFB9-FBD8F32A1387}" type="presParOf" srcId="{93B56176-B886-0444-B17A-022452DA2F9F}" destId="{43B2F147-A6C4-B744-8E79-3FA856FBF0E9}" srcOrd="8" destOrd="0" presId="urn:microsoft.com/office/officeart/2005/8/layout/equation1"/>
+  </dgm:cxnLst>
+  <dgm:bg/>
+  <dgm:whole/>
+  <dgm:extLst>
+    <a:ext uri="http://schemas.microsoft.com/office/drawing/2008/diagram">
+      <dsp:dataModelExt xmlns:dsp="http://schemas.microsoft.com/office/drawing/2008/diagram" relId="rId6" minVer="http://schemas.openxmlformats.org/drawingml/2006/diagram"/>
+    </a:ext>
+  </dgm:extLst>
+</dgm:dataModel>
+</file>
+
+<file path=ppt/diagrams/data2.xml><?xml version="1.0" encoding="utf-8"?>
+<dgm:dataModel xmlns:dgm="http://schemas.openxmlformats.org/drawingml/2006/diagram" xmlns:a="http://schemas.openxmlformats.org/drawingml/2006/main">
+  <dgm:ptLst>
+    <dgm:pt modelId="{0FAA3DEC-8AA4-8B46-981B-0185EDF5FB58}" type="doc">
+      <dgm:prSet loTypeId="urn:microsoft.com/office/officeart/2008/layout/VerticalCurvedList" loCatId="" qsTypeId="urn:microsoft.com/office/officeart/2005/8/quickstyle/simple4" qsCatId="simple" csTypeId="urn:microsoft.com/office/officeart/2005/8/colors/accent1_2" csCatId="accent1" phldr="1"/>
+      <dgm:spPr/>
+      <dgm:t>
+        <a:bodyPr/>
+        <a:lstStyle/>
+        <a:p>
+          <a:endParaRPr lang="en-US"/>
+        </a:p>
+      </dgm:t>
+    </dgm:pt>
+    <dgm:pt modelId="{81D68C4D-6A72-4A43-AB7E-D9AE84DAD4A8}">
+      <dgm:prSet phldrT="[Text]"/>
+      <dgm:spPr/>
+      <dgm:t>
+        <a:bodyPr/>
+        <a:lstStyle/>
+        <a:p>
+          <a:r>
+            <a:rPr lang="en-US" dirty="0" err="1" smtClean="0"/>
+            <a:t>Meetups</a:t>
+          </a:r>
+          <a:endParaRPr lang="en-US" dirty="0"/>
+        </a:p>
+      </dgm:t>
+    </dgm:pt>
+    <dgm:pt modelId="{1E1E8848-726A-BC49-B063-94BC924A9E12}" type="parTrans" cxnId="{B7FC9215-4FE0-CA49-845B-EDA4EC0D0BD7}">
+      <dgm:prSet/>
+      <dgm:spPr/>
+      <dgm:t>
+        <a:bodyPr/>
+        <a:lstStyle/>
+        <a:p>
+          <a:endParaRPr lang="en-US"/>
+        </a:p>
+      </dgm:t>
+    </dgm:pt>
+    <dgm:pt modelId="{71EFBF55-6BE2-8746-BEAE-6A1B04015D89}" type="sibTrans" cxnId="{B7FC9215-4FE0-CA49-845B-EDA4EC0D0BD7}">
+      <dgm:prSet/>
+      <dgm:spPr/>
+      <dgm:t>
+        <a:bodyPr/>
+        <a:lstStyle/>
+        <a:p>
+          <a:endParaRPr lang="en-US"/>
+        </a:p>
+      </dgm:t>
+    </dgm:pt>
+    <dgm:pt modelId="{E7289C5A-2773-D14E-A191-BB8437D1E73F}">
+      <dgm:prSet phldrT="[Text]"/>
+      <dgm:spPr/>
+      <dgm:t>
+        <a:bodyPr/>
+        <a:lstStyle/>
+        <a:p>
+          <a:r>
+            <a:rPr lang="en-US" dirty="0" smtClean="0"/>
+            <a:t>Trainings</a:t>
+          </a:r>
+          <a:endParaRPr lang="en-US" dirty="0"/>
+        </a:p>
+      </dgm:t>
+    </dgm:pt>
+    <dgm:pt modelId="{0B4DE401-B2C7-2748-8252-E1F9FFB62433}" type="parTrans" cxnId="{6E612AD7-5513-054B-AF16-B60660476FC2}">
+      <dgm:prSet/>
+      <dgm:spPr/>
+      <dgm:t>
+        <a:bodyPr/>
+        <a:lstStyle/>
+        <a:p>
+          <a:endParaRPr lang="en-US"/>
+        </a:p>
+      </dgm:t>
+    </dgm:pt>
+    <dgm:pt modelId="{EA6A8B01-6092-7441-9371-24D987D36EF8}" type="sibTrans" cxnId="{6E612AD7-5513-054B-AF16-B60660476FC2}">
+      <dgm:prSet/>
+      <dgm:spPr/>
+      <dgm:t>
+        <a:bodyPr/>
+        <a:lstStyle/>
+        <a:p>
+          <a:endParaRPr lang="en-US"/>
+        </a:p>
+      </dgm:t>
+    </dgm:pt>
+    <dgm:pt modelId="{76F3C2B2-9E55-644E-9959-9F2AB813E931}">
+      <dgm:prSet phldrT="[Text]"/>
+      <dgm:spPr/>
+      <dgm:t>
+        <a:bodyPr/>
+        <a:lstStyle/>
+        <a:p>
+          <a:r>
+            <a:rPr lang="en-US" dirty="0" smtClean="0"/>
+            <a:t>Conferences</a:t>
+          </a:r>
+          <a:endParaRPr lang="en-US" dirty="0"/>
+        </a:p>
+      </dgm:t>
+    </dgm:pt>
+    <dgm:pt modelId="{342AEC4D-921F-B041-B950-6A240028CAF1}" type="parTrans" cxnId="{F7575EB9-C61F-3640-9403-623D8F9009E0}">
+      <dgm:prSet/>
+      <dgm:spPr/>
+      <dgm:t>
+        <a:bodyPr/>
+        <a:lstStyle/>
+        <a:p>
+          <a:endParaRPr lang="en-US"/>
+        </a:p>
+      </dgm:t>
+    </dgm:pt>
+    <dgm:pt modelId="{7E2C12DD-4074-C14A-979B-D209F091B1C7}" type="sibTrans" cxnId="{F7575EB9-C61F-3640-9403-623D8F9009E0}">
+      <dgm:prSet/>
+      <dgm:spPr/>
+      <dgm:t>
+        <a:bodyPr/>
+        <a:lstStyle/>
+        <a:p>
+          <a:endParaRPr lang="en-US"/>
+        </a:p>
+      </dgm:t>
+    </dgm:pt>
+    <dgm:pt modelId="{7EDB6F38-C6C7-3E48-870C-4BB1A458A2FB}">
+      <dgm:prSet phldrT="[Text]"/>
+      <dgm:spPr/>
+      <dgm:t>
+        <a:bodyPr/>
+        <a:lstStyle/>
+        <a:p>
+          <a:r>
+            <a:rPr lang="en-US" dirty="0" smtClean="0"/>
+            <a:t>Office Hours</a:t>
+          </a:r>
+          <a:endParaRPr lang="en-US" dirty="0"/>
+        </a:p>
+      </dgm:t>
+    </dgm:pt>
+    <dgm:pt modelId="{F8ADFC12-02C0-E745-B053-76856336DAB8}" type="parTrans" cxnId="{2A1EDD33-10D8-5D44-A246-0B842B9595F7}">
+      <dgm:prSet/>
+      <dgm:spPr/>
+      <dgm:t>
+        <a:bodyPr/>
+        <a:lstStyle/>
+        <a:p>
+          <a:endParaRPr lang="en-US"/>
+        </a:p>
+      </dgm:t>
+    </dgm:pt>
+    <dgm:pt modelId="{F6E01CBF-E0AE-1C44-B3F7-5F0BBDB1AB9C}" type="sibTrans" cxnId="{2A1EDD33-10D8-5D44-A246-0B842B9595F7}">
+      <dgm:prSet/>
+      <dgm:spPr/>
+      <dgm:t>
+        <a:bodyPr/>
+        <a:lstStyle/>
+        <a:p>
+          <a:endParaRPr lang="en-US"/>
+        </a:p>
+      </dgm:t>
+    </dgm:pt>
+    <dgm:pt modelId="{FE618610-ACA1-6C4A-B71E-267327068068}">
+      <dgm:prSet phldrT="[Text]"/>
+      <dgm:spPr/>
+      <dgm:t>
+        <a:bodyPr/>
+        <a:lstStyle/>
+        <a:p>
+          <a:r>
+            <a:rPr lang="en-US" dirty="0" smtClean="0"/>
+            <a:t>More…</a:t>
+          </a:r>
+          <a:endParaRPr lang="en-US" dirty="0"/>
+        </a:p>
+      </dgm:t>
+    </dgm:pt>
+    <dgm:pt modelId="{F2011E6A-39D8-9445-9C7C-5B45713C8A29}" type="parTrans" cxnId="{6D7268BD-0C6C-9145-9D5A-5913611D86C5}">
+      <dgm:prSet/>
+      <dgm:spPr/>
+      <dgm:t>
+        <a:bodyPr/>
+        <a:lstStyle/>
+        <a:p>
+          <a:endParaRPr lang="en-US"/>
+        </a:p>
+      </dgm:t>
+    </dgm:pt>
+    <dgm:pt modelId="{6B6E6056-5227-1D4D-B67B-F5EEDB7F6FBD}" type="sibTrans" cxnId="{6D7268BD-0C6C-9145-9D5A-5913611D86C5}">
+      <dgm:prSet/>
+      <dgm:spPr/>
+      <dgm:t>
+        <a:bodyPr/>
+        <a:lstStyle/>
+        <a:p>
+          <a:endParaRPr lang="en-US"/>
+        </a:p>
+      </dgm:t>
+    </dgm:pt>
+    <dgm:pt modelId="{C0F67986-4C0E-FC4E-9D0A-2AE31F2F323E}" type="pres">
+      <dgm:prSet presAssocID="{0FAA3DEC-8AA4-8B46-981B-0185EDF5FB58}" presName="Name0" presStyleCnt="0">
+        <dgm:presLayoutVars>
+          <dgm:chMax val="7"/>
+          <dgm:chPref val="7"/>
+          <dgm:dir/>
+        </dgm:presLayoutVars>
+      </dgm:prSet>
+      <dgm:spPr/>
+    </dgm:pt>
+    <dgm:pt modelId="{87BAF7A7-9B52-E640-85CA-1125ABFBD29E}" type="pres">
+      <dgm:prSet presAssocID="{0FAA3DEC-8AA4-8B46-981B-0185EDF5FB58}" presName="Name1" presStyleCnt="0"/>
+      <dgm:spPr/>
+    </dgm:pt>
+    <dgm:pt modelId="{3314FE8F-B213-7141-96F3-EE1020F19054}" type="pres">
+      <dgm:prSet presAssocID="{0FAA3DEC-8AA4-8B46-981B-0185EDF5FB58}" presName="cycle" presStyleCnt="0"/>
+      <dgm:spPr/>
+    </dgm:pt>
+    <dgm:pt modelId="{89745737-D2A2-2948-B2ED-93E912B57B67}" type="pres">
+      <dgm:prSet presAssocID="{0FAA3DEC-8AA4-8B46-981B-0185EDF5FB58}" presName="srcNode" presStyleLbl="node1" presStyleIdx="0" presStyleCnt="5"/>
+      <dgm:spPr/>
+    </dgm:pt>
+    <dgm:pt modelId="{0093644C-91BC-DD4F-9C06-F2C626D92F0F}" type="pres">
+      <dgm:prSet presAssocID="{0FAA3DEC-8AA4-8B46-981B-0185EDF5FB58}" presName="conn" presStyleLbl="parChTrans1D2" presStyleIdx="0" presStyleCnt="1"/>
+      <dgm:spPr/>
+    </dgm:pt>
+    <dgm:pt modelId="{25535335-E22D-5843-97BB-D5A9C2D5C3E3}" type="pres">
+      <dgm:prSet presAssocID="{0FAA3DEC-8AA4-8B46-981B-0185EDF5FB58}" presName="extraNode" presStyleLbl="node1" presStyleIdx="0" presStyleCnt="5"/>
+      <dgm:spPr/>
+    </dgm:pt>
+    <dgm:pt modelId="{211E576F-BC97-9843-BD8D-E50E4F43E068}" type="pres">
+      <dgm:prSet presAssocID="{0FAA3DEC-8AA4-8B46-981B-0185EDF5FB58}" presName="dstNode" presStyleLbl="node1" presStyleIdx="0" presStyleCnt="5"/>
+      <dgm:spPr/>
+    </dgm:pt>
+    <dgm:pt modelId="{845DCAB6-7CAA-D343-B203-DE7426EB42BA}" type="pres">
+      <dgm:prSet presAssocID="{81D68C4D-6A72-4A43-AB7E-D9AE84DAD4A8}" presName="text_1" presStyleLbl="node1" presStyleIdx="0" presStyleCnt="5">
+        <dgm:presLayoutVars>
+          <dgm:bulletEnabled val="1"/>
+        </dgm:presLayoutVars>
+      </dgm:prSet>
+      <dgm:spPr/>
+      <dgm:t>
+        <a:bodyPr/>
+        <a:lstStyle/>
+        <a:p>
+          <a:endParaRPr lang="en-US"/>
+        </a:p>
+      </dgm:t>
+    </dgm:pt>
+    <dgm:pt modelId="{64EE9807-4444-8549-BB62-65AD396BFC27}" type="pres">
+      <dgm:prSet presAssocID="{81D68C4D-6A72-4A43-AB7E-D9AE84DAD4A8}" presName="accent_1" presStyleCnt="0"/>
+      <dgm:spPr/>
+    </dgm:pt>
+    <dgm:pt modelId="{3B898D6A-5A70-D345-B71C-3929A8213426}" type="pres">
+      <dgm:prSet presAssocID="{81D68C4D-6A72-4A43-AB7E-D9AE84DAD4A8}" presName="accentRepeatNode" presStyleLbl="solidFgAcc1" presStyleIdx="0" presStyleCnt="5"/>
+      <dgm:spPr/>
+    </dgm:pt>
+    <dgm:pt modelId="{24C05408-4147-0846-A71E-29A22ACBFF80}" type="pres">
+      <dgm:prSet presAssocID="{E7289C5A-2773-D14E-A191-BB8437D1E73F}" presName="text_2" presStyleLbl="node1" presStyleIdx="1" presStyleCnt="5">
+        <dgm:presLayoutVars>
+          <dgm:bulletEnabled val="1"/>
+        </dgm:presLayoutVars>
+      </dgm:prSet>
+      <dgm:spPr/>
+      <dgm:t>
+        <a:bodyPr/>
+        <a:lstStyle/>
+        <a:p>
+          <a:endParaRPr lang="en-US"/>
+        </a:p>
+      </dgm:t>
+    </dgm:pt>
+    <dgm:pt modelId="{7F7BD1F0-050C-2342-B8B3-8129F0404596}" type="pres">
+      <dgm:prSet presAssocID="{E7289C5A-2773-D14E-A191-BB8437D1E73F}" presName="accent_2" presStyleCnt="0"/>
+      <dgm:spPr/>
+    </dgm:pt>
+    <dgm:pt modelId="{2BA16188-6960-4541-B9F4-5256C1F191BF}" type="pres">
+      <dgm:prSet presAssocID="{E7289C5A-2773-D14E-A191-BB8437D1E73F}" presName="accentRepeatNode" presStyleLbl="solidFgAcc1" presStyleIdx="1" presStyleCnt="5"/>
+      <dgm:spPr/>
+    </dgm:pt>
+    <dgm:pt modelId="{64DC3264-7068-7B44-8639-A753FB7FAEE0}" type="pres">
+      <dgm:prSet presAssocID="{76F3C2B2-9E55-644E-9959-9F2AB813E931}" presName="text_3" presStyleLbl="node1" presStyleIdx="2" presStyleCnt="5">
+        <dgm:presLayoutVars>
+          <dgm:bulletEnabled val="1"/>
+        </dgm:presLayoutVars>
+      </dgm:prSet>
+      <dgm:spPr/>
+    </dgm:pt>
+    <dgm:pt modelId="{17719A7F-B382-CE44-AE71-504B7FC0E9F1}" type="pres">
+      <dgm:prSet presAssocID="{76F3C2B2-9E55-644E-9959-9F2AB813E931}" presName="accent_3" presStyleCnt="0"/>
+      <dgm:spPr/>
+    </dgm:pt>
+    <dgm:pt modelId="{4F9B5905-7072-BD45-9451-4E98BA3112A1}" type="pres">
+      <dgm:prSet presAssocID="{76F3C2B2-9E55-644E-9959-9F2AB813E931}" presName="accentRepeatNode" presStyleLbl="solidFgAcc1" presStyleIdx="2" presStyleCnt="5"/>
+      <dgm:spPr/>
+    </dgm:pt>
+    <dgm:pt modelId="{5930DEF3-A72A-2D48-BAE3-73FAC9AA5A44}" type="pres">
+      <dgm:prSet presAssocID="{7EDB6F38-C6C7-3E48-870C-4BB1A458A2FB}" presName="text_4" presStyleLbl="node1" presStyleIdx="3" presStyleCnt="5">
+        <dgm:presLayoutVars>
+          <dgm:bulletEnabled val="1"/>
+        </dgm:presLayoutVars>
+      </dgm:prSet>
+      <dgm:spPr/>
+      <dgm:t>
+        <a:bodyPr/>
+        <a:lstStyle/>
+        <a:p>
+          <a:endParaRPr lang="en-US"/>
+        </a:p>
+      </dgm:t>
+    </dgm:pt>
+    <dgm:pt modelId="{968154BF-1378-DC4C-82C2-5B29292A7D3A}" type="pres">
+      <dgm:prSet presAssocID="{7EDB6F38-C6C7-3E48-870C-4BB1A458A2FB}" presName="accent_4" presStyleCnt="0"/>
+      <dgm:spPr/>
+    </dgm:pt>
+    <dgm:pt modelId="{57439A38-0057-B241-AE2E-AC6858025B3B}" type="pres">
+      <dgm:prSet presAssocID="{7EDB6F38-C6C7-3E48-870C-4BB1A458A2FB}" presName="accentRepeatNode" presStyleLbl="solidFgAcc1" presStyleIdx="3" presStyleCnt="5"/>
+      <dgm:spPr/>
+    </dgm:pt>
+    <dgm:pt modelId="{07E11371-BCBC-984A-A2C4-2E2B11327B8E}" type="pres">
+      <dgm:prSet presAssocID="{FE618610-ACA1-6C4A-B71E-267327068068}" presName="text_5" presStyleLbl="node1" presStyleIdx="4" presStyleCnt="5">
+        <dgm:presLayoutVars>
+          <dgm:bulletEnabled val="1"/>
+        </dgm:presLayoutVars>
+      </dgm:prSet>
+      <dgm:spPr/>
+    </dgm:pt>
+    <dgm:pt modelId="{4E6949CF-CB53-FB4C-BE1D-C96249106578}" type="pres">
+      <dgm:prSet presAssocID="{FE618610-ACA1-6C4A-B71E-267327068068}" presName="accent_5" presStyleCnt="0"/>
+      <dgm:spPr/>
+    </dgm:pt>
+    <dgm:pt modelId="{59610FA4-8CB7-4E49-B211-185A0DC24A03}" type="pres">
+      <dgm:prSet presAssocID="{FE618610-ACA1-6C4A-B71E-267327068068}" presName="accentRepeatNode" presStyleLbl="solidFgAcc1" presStyleIdx="4" presStyleCnt="5"/>
+      <dgm:spPr/>
+    </dgm:pt>
+  </dgm:ptLst>
+  <dgm:cxnLst>
+    <dgm:cxn modelId="{F7575EB9-C61F-3640-9403-623D8F9009E0}" srcId="{0FAA3DEC-8AA4-8B46-981B-0185EDF5FB58}" destId="{76F3C2B2-9E55-644E-9959-9F2AB813E931}" srcOrd="2" destOrd="0" parTransId="{342AEC4D-921F-B041-B950-6A240028CAF1}" sibTransId="{7E2C12DD-4074-C14A-979B-D209F091B1C7}"/>
+    <dgm:cxn modelId="{99261463-6AFA-A64B-B8CB-A9FA582FA91B}" type="presOf" srcId="{FE618610-ACA1-6C4A-B71E-267327068068}" destId="{07E11371-BCBC-984A-A2C4-2E2B11327B8E}" srcOrd="0" destOrd="0" presId="urn:microsoft.com/office/officeart/2008/layout/VerticalCurvedList"/>
+    <dgm:cxn modelId="{04F026C8-D9D4-D641-BA72-F7C540BBDB82}" type="presOf" srcId="{E7289C5A-2773-D14E-A191-BB8437D1E73F}" destId="{24C05408-4147-0846-A71E-29A22ACBFF80}" srcOrd="0" destOrd="0" presId="urn:microsoft.com/office/officeart/2008/layout/VerticalCurvedList"/>
+    <dgm:cxn modelId="{6E612AD7-5513-054B-AF16-B60660476FC2}" srcId="{0FAA3DEC-8AA4-8B46-981B-0185EDF5FB58}" destId="{E7289C5A-2773-D14E-A191-BB8437D1E73F}" srcOrd="1" destOrd="0" parTransId="{0B4DE401-B2C7-2748-8252-E1F9FFB62433}" sibTransId="{EA6A8B01-6092-7441-9371-24D987D36EF8}"/>
+    <dgm:cxn modelId="{2D30D03B-E470-494A-AEEB-EDBDB90CB5A7}" type="presOf" srcId="{7EDB6F38-C6C7-3E48-870C-4BB1A458A2FB}" destId="{5930DEF3-A72A-2D48-BAE3-73FAC9AA5A44}" srcOrd="0" destOrd="0" presId="urn:microsoft.com/office/officeart/2008/layout/VerticalCurvedList"/>
+    <dgm:cxn modelId="{9D161696-D96F-C648-B3F6-85CF9D97C5CB}" type="presOf" srcId="{0FAA3DEC-8AA4-8B46-981B-0185EDF5FB58}" destId="{C0F67986-4C0E-FC4E-9D0A-2AE31F2F323E}" srcOrd="0" destOrd="0" presId="urn:microsoft.com/office/officeart/2008/layout/VerticalCurvedList"/>
+    <dgm:cxn modelId="{44AC4E07-F769-6C47-AE5F-663248C83019}" type="presOf" srcId="{71EFBF55-6BE2-8746-BEAE-6A1B04015D89}" destId="{0093644C-91BC-DD4F-9C06-F2C626D92F0F}" srcOrd="0" destOrd="0" presId="urn:microsoft.com/office/officeart/2008/layout/VerticalCurvedList"/>
+    <dgm:cxn modelId="{2A1EDD33-10D8-5D44-A246-0B842B9595F7}" srcId="{0FAA3DEC-8AA4-8B46-981B-0185EDF5FB58}" destId="{7EDB6F38-C6C7-3E48-870C-4BB1A458A2FB}" srcOrd="3" destOrd="0" parTransId="{F8ADFC12-02C0-E745-B053-76856336DAB8}" sibTransId="{F6E01CBF-E0AE-1C44-B3F7-5F0BBDB1AB9C}"/>
+    <dgm:cxn modelId="{1DB70912-253E-664F-9049-AC4EFBC526EA}" type="presOf" srcId="{81D68C4D-6A72-4A43-AB7E-D9AE84DAD4A8}" destId="{845DCAB6-7CAA-D343-B203-DE7426EB42BA}" srcOrd="0" destOrd="0" presId="urn:microsoft.com/office/officeart/2008/layout/VerticalCurvedList"/>
+    <dgm:cxn modelId="{B7FC9215-4FE0-CA49-845B-EDA4EC0D0BD7}" srcId="{0FAA3DEC-8AA4-8B46-981B-0185EDF5FB58}" destId="{81D68C4D-6A72-4A43-AB7E-D9AE84DAD4A8}" srcOrd="0" destOrd="0" parTransId="{1E1E8848-726A-BC49-B063-94BC924A9E12}" sibTransId="{71EFBF55-6BE2-8746-BEAE-6A1B04015D89}"/>
+    <dgm:cxn modelId="{7DB60B61-504F-AE47-8D9D-DC43A196BA75}" type="presOf" srcId="{76F3C2B2-9E55-644E-9959-9F2AB813E931}" destId="{64DC3264-7068-7B44-8639-A753FB7FAEE0}" srcOrd="0" destOrd="0" presId="urn:microsoft.com/office/officeart/2008/layout/VerticalCurvedList"/>
+    <dgm:cxn modelId="{6D7268BD-0C6C-9145-9D5A-5913611D86C5}" srcId="{0FAA3DEC-8AA4-8B46-981B-0185EDF5FB58}" destId="{FE618610-ACA1-6C4A-B71E-267327068068}" srcOrd="4" destOrd="0" parTransId="{F2011E6A-39D8-9445-9C7C-5B45713C8A29}" sibTransId="{6B6E6056-5227-1D4D-B67B-F5EEDB7F6FBD}"/>
+    <dgm:cxn modelId="{6708DB48-6B5E-0F40-9647-ACBEA35CACD2}" type="presParOf" srcId="{C0F67986-4C0E-FC4E-9D0A-2AE31F2F323E}" destId="{87BAF7A7-9B52-E640-85CA-1125ABFBD29E}" srcOrd="0" destOrd="0" presId="urn:microsoft.com/office/officeart/2008/layout/VerticalCurvedList"/>
+    <dgm:cxn modelId="{D67D9FB2-B734-D841-9A4C-5ED22C9505AB}" type="presParOf" srcId="{87BAF7A7-9B52-E640-85CA-1125ABFBD29E}" destId="{3314FE8F-B213-7141-96F3-EE1020F19054}" srcOrd="0" destOrd="0" presId="urn:microsoft.com/office/officeart/2008/layout/VerticalCurvedList"/>
+    <dgm:cxn modelId="{86AF083E-E099-924C-B8E6-9FA469C55A85}" type="presParOf" srcId="{3314FE8F-B213-7141-96F3-EE1020F19054}" destId="{89745737-D2A2-2948-B2ED-93E912B57B67}" srcOrd="0" destOrd="0" presId="urn:microsoft.com/office/officeart/2008/layout/VerticalCurvedList"/>
+    <dgm:cxn modelId="{8A9B4EE0-BD41-0646-8024-1F5AF26EA801}" type="presParOf" srcId="{3314FE8F-B213-7141-96F3-EE1020F19054}" destId="{0093644C-91BC-DD4F-9C06-F2C626D92F0F}" srcOrd="1" destOrd="0" presId="urn:microsoft.com/office/officeart/2008/layout/VerticalCurvedList"/>
+    <dgm:cxn modelId="{755E7D09-A58A-A445-AEE0-2A50F58142AA}" type="presParOf" srcId="{3314FE8F-B213-7141-96F3-EE1020F19054}" destId="{25535335-E22D-5843-97BB-D5A9C2D5C3E3}" srcOrd="2" destOrd="0" presId="urn:microsoft.com/office/officeart/2008/layout/VerticalCurvedList"/>
+    <dgm:cxn modelId="{25E47EBF-3B60-8647-9538-4CFFBAA99F11}" type="presParOf" srcId="{3314FE8F-B213-7141-96F3-EE1020F19054}" destId="{211E576F-BC97-9843-BD8D-E50E4F43E068}" srcOrd="3" destOrd="0" presId="urn:microsoft.com/office/officeart/2008/layout/VerticalCurvedList"/>
+    <dgm:cxn modelId="{A001EB2E-0F16-9342-B445-634B088C72A7}" type="presParOf" srcId="{87BAF7A7-9B52-E640-85CA-1125ABFBD29E}" destId="{845DCAB6-7CAA-D343-B203-DE7426EB42BA}" srcOrd="1" destOrd="0" presId="urn:microsoft.com/office/officeart/2008/layout/VerticalCurvedList"/>
+    <dgm:cxn modelId="{1C22828E-8543-E549-9880-B028C55BBE4A}" type="presParOf" srcId="{87BAF7A7-9B52-E640-85CA-1125ABFBD29E}" destId="{64EE9807-4444-8549-BB62-65AD396BFC27}" srcOrd="2" destOrd="0" presId="urn:microsoft.com/office/officeart/2008/layout/VerticalCurvedList"/>
+    <dgm:cxn modelId="{15851238-AE42-A849-937E-E989B64CC649}" type="presParOf" srcId="{64EE9807-4444-8549-BB62-65AD396BFC27}" destId="{3B898D6A-5A70-D345-B71C-3929A8213426}" srcOrd="0" destOrd="0" presId="urn:microsoft.com/office/officeart/2008/layout/VerticalCurvedList"/>
+    <dgm:cxn modelId="{F0AC2F4F-F506-E24D-88DA-FCE8EE2B6522}" type="presParOf" srcId="{87BAF7A7-9B52-E640-85CA-1125ABFBD29E}" destId="{24C05408-4147-0846-A71E-29A22ACBFF80}" srcOrd="3" destOrd="0" presId="urn:microsoft.com/office/officeart/2008/layout/VerticalCurvedList"/>
+    <dgm:cxn modelId="{7E72FB48-9EF9-874F-8AAD-E8DFBE579C68}" type="presParOf" srcId="{87BAF7A7-9B52-E640-85CA-1125ABFBD29E}" destId="{7F7BD1F0-050C-2342-B8B3-8129F0404596}" srcOrd="4" destOrd="0" presId="urn:microsoft.com/office/officeart/2008/layout/VerticalCurvedList"/>
+    <dgm:cxn modelId="{0BD7B0EE-0E3E-8E47-93F9-AFCF0CBCE03D}" type="presParOf" srcId="{7F7BD1F0-050C-2342-B8B3-8129F0404596}" destId="{2BA16188-6960-4541-B9F4-5256C1F191BF}" srcOrd="0" destOrd="0" presId="urn:microsoft.com/office/officeart/2008/layout/VerticalCurvedList"/>
+    <dgm:cxn modelId="{60532F6E-7FFA-6542-B2C6-D7C34089C754}" type="presParOf" srcId="{87BAF7A7-9B52-E640-85CA-1125ABFBD29E}" destId="{64DC3264-7068-7B44-8639-A753FB7FAEE0}" srcOrd="5" destOrd="0" presId="urn:microsoft.com/office/officeart/2008/layout/VerticalCurvedList"/>
+    <dgm:cxn modelId="{8A6C50AC-04BC-884B-9A24-42474611E47C}" type="presParOf" srcId="{87BAF7A7-9B52-E640-85CA-1125ABFBD29E}" destId="{17719A7F-B382-CE44-AE71-504B7FC0E9F1}" srcOrd="6" destOrd="0" presId="urn:microsoft.com/office/officeart/2008/layout/VerticalCurvedList"/>
+    <dgm:cxn modelId="{9E8298E5-EE74-FA45-A5D2-7F4871977D8D}" type="presParOf" srcId="{17719A7F-B382-CE44-AE71-504B7FC0E9F1}" destId="{4F9B5905-7072-BD45-9451-4E98BA3112A1}" srcOrd="0" destOrd="0" presId="urn:microsoft.com/office/officeart/2008/layout/VerticalCurvedList"/>
+    <dgm:cxn modelId="{262845FC-2828-5546-9AF5-41A58B166EDD}" type="presParOf" srcId="{87BAF7A7-9B52-E640-85CA-1125ABFBD29E}" destId="{5930DEF3-A72A-2D48-BAE3-73FAC9AA5A44}" srcOrd="7" destOrd="0" presId="urn:microsoft.com/office/officeart/2008/layout/VerticalCurvedList"/>
+    <dgm:cxn modelId="{4EA1D2D6-557E-CD4D-B04B-BDB203D68CAA}" type="presParOf" srcId="{87BAF7A7-9B52-E640-85CA-1125ABFBD29E}" destId="{968154BF-1378-DC4C-82C2-5B29292A7D3A}" srcOrd="8" destOrd="0" presId="urn:microsoft.com/office/officeart/2008/layout/VerticalCurvedList"/>
+    <dgm:cxn modelId="{E03950BC-1645-0F44-ACCB-A36952BF1C4B}" type="presParOf" srcId="{968154BF-1378-DC4C-82C2-5B29292A7D3A}" destId="{57439A38-0057-B241-AE2E-AC6858025B3B}" srcOrd="0" destOrd="0" presId="urn:microsoft.com/office/officeart/2008/layout/VerticalCurvedList"/>
+    <dgm:cxn modelId="{1962B728-3580-CF46-9A32-2BA02C698E08}" type="presParOf" srcId="{87BAF7A7-9B52-E640-85CA-1125ABFBD29E}" destId="{07E11371-BCBC-984A-A2C4-2E2B11327B8E}" srcOrd="9" destOrd="0" presId="urn:microsoft.com/office/officeart/2008/layout/VerticalCurvedList"/>
+    <dgm:cxn modelId="{912195F3-79C9-8447-B63E-3A8554130DC0}" type="presParOf" srcId="{87BAF7A7-9B52-E640-85CA-1125ABFBD29E}" destId="{4E6949CF-CB53-FB4C-BE1D-C96249106578}" srcOrd="10" destOrd="0" presId="urn:microsoft.com/office/officeart/2008/layout/VerticalCurvedList"/>
+    <dgm:cxn modelId="{AB335028-893B-D643-85FB-E83DA0AF82E0}" type="presParOf" srcId="{4E6949CF-CB53-FB4C-BE1D-C96249106578}" destId="{59610FA4-8CB7-4E49-B211-185A0DC24A03}" srcOrd="0" destOrd="0" presId="urn:microsoft.com/office/officeart/2008/layout/VerticalCurvedList"/>
   </dgm:cxnLst>
   <dgm:bg/>
   <dgm:whole/>
@@ -1628,6 +2757,768 @@
 </dsp:drawing>
 </file>
 
+<file path=ppt/diagrams/drawing2.xml><?xml version="1.0" encoding="utf-8"?>
+<dsp:drawing xmlns:dgm="http://schemas.openxmlformats.org/drawingml/2006/diagram" xmlns:dsp="http://schemas.microsoft.com/office/drawing/2008/diagram" xmlns:a="http://schemas.openxmlformats.org/drawingml/2006/main">
+  <dsp:spTree>
+    <dsp:nvGrpSpPr>
+      <dsp:cNvPr id="0" name=""/>
+      <dsp:cNvGrpSpPr/>
+    </dsp:nvGrpSpPr>
+    <dsp:grpSpPr/>
+    <dsp:sp modelId="{0093644C-91BC-DD4F-9C06-F2C626D92F0F}">
+      <dsp:nvSpPr>
+        <dsp:cNvPr id="0" name=""/>
+        <dsp:cNvSpPr/>
+      </dsp:nvSpPr>
+      <dsp:spPr>
+        <a:xfrm>
+          <a:off x="-3145381" y="-484128"/>
+          <a:ext cx="3751563" cy="3751563"/>
+        </a:xfrm>
+        <a:prstGeom prst="blockArc">
+          <a:avLst>
+            <a:gd name="adj1" fmla="val 18900000"/>
+            <a:gd name="adj2" fmla="val 2700000"/>
+            <a:gd name="adj3" fmla="val 576"/>
+          </a:avLst>
+        </a:prstGeom>
+        <a:noFill/>
+        <a:ln w="9525" cap="flat" cmpd="sng" algn="ctr">
+          <a:solidFill>
+            <a:schemeClr val="accent1">
+              <a:shade val="60000"/>
+              <a:hueOff val="0"/>
+              <a:satOff val="0"/>
+              <a:lumOff val="0"/>
+              <a:alphaOff val="0"/>
+            </a:schemeClr>
+          </a:solidFill>
+          <a:prstDash val="solid"/>
+        </a:ln>
+        <a:effectLst/>
+      </dsp:spPr>
+      <dsp:style>
+        <a:lnRef idx="1">
+          <a:scrgbClr r="0" g="0" b="0"/>
+        </a:lnRef>
+        <a:fillRef idx="0">
+          <a:scrgbClr r="0" g="0" b="0"/>
+        </a:fillRef>
+        <a:effectRef idx="0">
+          <a:scrgbClr r="0" g="0" b="0"/>
+        </a:effectRef>
+        <a:fontRef idx="minor"/>
+      </dsp:style>
+    </dsp:sp>
+    <dsp:sp modelId="{845DCAB6-7CAA-D343-B203-DE7426EB42BA}">
+      <dsp:nvSpPr>
+        <dsp:cNvPr id="0" name=""/>
+        <dsp:cNvSpPr/>
+      </dsp:nvSpPr>
+      <dsp:spPr>
+        <a:xfrm>
+          <a:off x="266194" y="173900"/>
+          <a:ext cx="5966829" cy="348024"/>
+        </a:xfrm>
+        <a:prstGeom prst="rect">
+          <a:avLst/>
+        </a:prstGeom>
+        <a:gradFill rotWithShape="0">
+          <a:gsLst>
+            <a:gs pos="0">
+              <a:schemeClr val="accent1">
+                <a:hueOff val="0"/>
+                <a:satOff val="0"/>
+                <a:lumOff val="0"/>
+                <a:alphaOff val="0"/>
+                <a:tint val="100000"/>
+                <a:shade val="100000"/>
+                <a:satMod val="130000"/>
+              </a:schemeClr>
+            </a:gs>
+            <a:gs pos="100000">
+              <a:schemeClr val="accent1">
+                <a:hueOff val="0"/>
+                <a:satOff val="0"/>
+                <a:lumOff val="0"/>
+                <a:alphaOff val="0"/>
+                <a:tint val="50000"/>
+                <a:shade val="100000"/>
+                <a:satMod val="350000"/>
+              </a:schemeClr>
+            </a:gs>
+          </a:gsLst>
+          <a:lin ang="16200000" scaled="0"/>
+        </a:gradFill>
+        <a:ln>
+          <a:noFill/>
+        </a:ln>
+        <a:effectLst>
+          <a:outerShdw blurRad="40000" dist="23000" dir="5400000" rotWithShape="0">
+            <a:srgbClr val="000000">
+              <a:alpha val="35000"/>
+            </a:srgbClr>
+          </a:outerShdw>
+        </a:effectLst>
+      </dsp:spPr>
+      <dsp:style>
+        <a:lnRef idx="0">
+          <a:scrgbClr r="0" g="0" b="0"/>
+        </a:lnRef>
+        <a:fillRef idx="3">
+          <a:scrgbClr r="0" g="0" b="0"/>
+        </a:fillRef>
+        <a:effectRef idx="2">
+          <a:scrgbClr r="0" g="0" b="0"/>
+        </a:effectRef>
+        <a:fontRef idx="minor">
+          <a:schemeClr val="lt1"/>
+        </a:fontRef>
+      </dsp:style>
+      <dsp:txBody>
+        <a:bodyPr spcFirstLastPara="0" vert="horz" wrap="square" lIns="276245" tIns="45720" rIns="45720" bIns="45720" numCol="1" spcCol="1270" anchor="ctr" anchorCtr="0">
+          <a:noAutofit/>
+        </a:bodyPr>
+        <a:lstStyle/>
+        <a:p>
+          <a:pPr lvl="0" algn="l" defTabSz="800100">
+            <a:lnSpc>
+              <a:spcPct val="90000"/>
+            </a:lnSpc>
+            <a:spcBef>
+              <a:spcPct val="0"/>
+            </a:spcBef>
+            <a:spcAft>
+              <a:spcPct val="35000"/>
+            </a:spcAft>
+          </a:pPr>
+          <a:r>
+            <a:rPr lang="en-US" sz="1800" kern="1200" dirty="0" err="1" smtClean="0"/>
+            <a:t>Meetups</a:t>
+          </a:r>
+          <a:endParaRPr lang="en-US" sz="1800" kern="1200" dirty="0"/>
+        </a:p>
+      </dsp:txBody>
+      <dsp:txXfrm>
+        <a:off x="266194" y="173900"/>
+        <a:ext cx="5966829" cy="348024"/>
+      </dsp:txXfrm>
+    </dsp:sp>
+    <dsp:sp modelId="{3B898D6A-5A70-D345-B71C-3929A8213426}">
+      <dsp:nvSpPr>
+        <dsp:cNvPr id="0" name=""/>
+        <dsp:cNvSpPr/>
+      </dsp:nvSpPr>
+      <dsp:spPr>
+        <a:xfrm>
+          <a:off x="48678" y="130397"/>
+          <a:ext cx="435030" cy="435030"/>
+        </a:xfrm>
+        <a:prstGeom prst="ellipse">
+          <a:avLst/>
+        </a:prstGeom>
+        <a:solidFill>
+          <a:schemeClr val="lt1">
+            <a:hueOff val="0"/>
+            <a:satOff val="0"/>
+            <a:lumOff val="0"/>
+            <a:alphaOff val="0"/>
+          </a:schemeClr>
+        </a:solidFill>
+        <a:ln w="9525" cap="flat" cmpd="sng" algn="ctr">
+          <a:solidFill>
+            <a:schemeClr val="accent1">
+              <a:hueOff val="0"/>
+              <a:satOff val="0"/>
+              <a:lumOff val="0"/>
+              <a:alphaOff val="0"/>
+            </a:schemeClr>
+          </a:solidFill>
+          <a:prstDash val="solid"/>
+        </a:ln>
+        <a:effectLst/>
+      </dsp:spPr>
+      <dsp:style>
+        <a:lnRef idx="1">
+          <a:scrgbClr r="0" g="0" b="0"/>
+        </a:lnRef>
+        <a:fillRef idx="1">
+          <a:scrgbClr r="0" g="0" b="0"/>
+        </a:fillRef>
+        <a:effectRef idx="0">
+          <a:scrgbClr r="0" g="0" b="0"/>
+        </a:effectRef>
+        <a:fontRef idx="minor"/>
+      </dsp:style>
+    </dsp:sp>
+    <dsp:sp modelId="{24C05408-4147-0846-A71E-29A22ACBFF80}">
+      <dsp:nvSpPr>
+        <dsp:cNvPr id="0" name=""/>
+        <dsp:cNvSpPr/>
+      </dsp:nvSpPr>
+      <dsp:spPr>
+        <a:xfrm>
+          <a:off x="515578" y="695770"/>
+          <a:ext cx="5717445" cy="348024"/>
+        </a:xfrm>
+        <a:prstGeom prst="rect">
+          <a:avLst/>
+        </a:prstGeom>
+        <a:gradFill rotWithShape="0">
+          <a:gsLst>
+            <a:gs pos="0">
+              <a:schemeClr val="accent1">
+                <a:hueOff val="0"/>
+                <a:satOff val="0"/>
+                <a:lumOff val="0"/>
+                <a:alphaOff val="0"/>
+                <a:tint val="100000"/>
+                <a:shade val="100000"/>
+                <a:satMod val="130000"/>
+              </a:schemeClr>
+            </a:gs>
+            <a:gs pos="100000">
+              <a:schemeClr val="accent1">
+                <a:hueOff val="0"/>
+                <a:satOff val="0"/>
+                <a:lumOff val="0"/>
+                <a:alphaOff val="0"/>
+                <a:tint val="50000"/>
+                <a:shade val="100000"/>
+                <a:satMod val="350000"/>
+              </a:schemeClr>
+            </a:gs>
+          </a:gsLst>
+          <a:lin ang="16200000" scaled="0"/>
+        </a:gradFill>
+        <a:ln>
+          <a:noFill/>
+        </a:ln>
+        <a:effectLst>
+          <a:outerShdw blurRad="40000" dist="23000" dir="5400000" rotWithShape="0">
+            <a:srgbClr val="000000">
+              <a:alpha val="35000"/>
+            </a:srgbClr>
+          </a:outerShdw>
+        </a:effectLst>
+      </dsp:spPr>
+      <dsp:style>
+        <a:lnRef idx="0">
+          <a:scrgbClr r="0" g="0" b="0"/>
+        </a:lnRef>
+        <a:fillRef idx="3">
+          <a:scrgbClr r="0" g="0" b="0"/>
+        </a:fillRef>
+        <a:effectRef idx="2">
+          <a:scrgbClr r="0" g="0" b="0"/>
+        </a:effectRef>
+        <a:fontRef idx="minor">
+          <a:schemeClr val="lt1"/>
+        </a:fontRef>
+      </dsp:style>
+      <dsp:txBody>
+        <a:bodyPr spcFirstLastPara="0" vert="horz" wrap="square" lIns="276245" tIns="45720" rIns="45720" bIns="45720" numCol="1" spcCol="1270" anchor="ctr" anchorCtr="0">
+          <a:noAutofit/>
+        </a:bodyPr>
+        <a:lstStyle/>
+        <a:p>
+          <a:pPr lvl="0" algn="l" defTabSz="800100">
+            <a:lnSpc>
+              <a:spcPct val="90000"/>
+            </a:lnSpc>
+            <a:spcBef>
+              <a:spcPct val="0"/>
+            </a:spcBef>
+            <a:spcAft>
+              <a:spcPct val="35000"/>
+            </a:spcAft>
+          </a:pPr>
+          <a:r>
+            <a:rPr lang="en-US" sz="1800" kern="1200" dirty="0" smtClean="0"/>
+            <a:t>Trainings</a:t>
+          </a:r>
+          <a:endParaRPr lang="en-US" sz="1800" kern="1200" dirty="0"/>
+        </a:p>
+      </dsp:txBody>
+      <dsp:txXfrm>
+        <a:off x="515578" y="695770"/>
+        <a:ext cx="5717445" cy="348024"/>
+      </dsp:txXfrm>
+    </dsp:sp>
+    <dsp:sp modelId="{2BA16188-6960-4541-B9F4-5256C1F191BF}">
+      <dsp:nvSpPr>
+        <dsp:cNvPr id="0" name=""/>
+        <dsp:cNvSpPr/>
+      </dsp:nvSpPr>
+      <dsp:spPr>
+        <a:xfrm>
+          <a:off x="298063" y="652267"/>
+          <a:ext cx="435030" cy="435030"/>
+        </a:xfrm>
+        <a:prstGeom prst="ellipse">
+          <a:avLst/>
+        </a:prstGeom>
+        <a:solidFill>
+          <a:schemeClr val="lt1">
+            <a:hueOff val="0"/>
+            <a:satOff val="0"/>
+            <a:lumOff val="0"/>
+            <a:alphaOff val="0"/>
+          </a:schemeClr>
+        </a:solidFill>
+        <a:ln w="9525" cap="flat" cmpd="sng" algn="ctr">
+          <a:solidFill>
+            <a:schemeClr val="accent1">
+              <a:hueOff val="0"/>
+              <a:satOff val="0"/>
+              <a:lumOff val="0"/>
+              <a:alphaOff val="0"/>
+            </a:schemeClr>
+          </a:solidFill>
+          <a:prstDash val="solid"/>
+        </a:ln>
+        <a:effectLst/>
+      </dsp:spPr>
+      <dsp:style>
+        <a:lnRef idx="1">
+          <a:scrgbClr r="0" g="0" b="0"/>
+        </a:lnRef>
+        <a:fillRef idx="1">
+          <a:scrgbClr r="0" g="0" b="0"/>
+        </a:fillRef>
+        <a:effectRef idx="0">
+          <a:scrgbClr r="0" g="0" b="0"/>
+        </a:effectRef>
+        <a:fontRef idx="minor"/>
+      </dsp:style>
+    </dsp:sp>
+    <dsp:sp modelId="{64DC3264-7068-7B44-8639-A753FB7FAEE0}">
+      <dsp:nvSpPr>
+        <dsp:cNvPr id="0" name=""/>
+        <dsp:cNvSpPr/>
+      </dsp:nvSpPr>
+      <dsp:spPr>
+        <a:xfrm>
+          <a:off x="592119" y="1217640"/>
+          <a:ext cx="5640904" cy="348024"/>
+        </a:xfrm>
+        <a:prstGeom prst="rect">
+          <a:avLst/>
+        </a:prstGeom>
+        <a:gradFill rotWithShape="0">
+          <a:gsLst>
+            <a:gs pos="0">
+              <a:schemeClr val="accent1">
+                <a:hueOff val="0"/>
+                <a:satOff val="0"/>
+                <a:lumOff val="0"/>
+                <a:alphaOff val="0"/>
+                <a:tint val="100000"/>
+                <a:shade val="100000"/>
+                <a:satMod val="130000"/>
+              </a:schemeClr>
+            </a:gs>
+            <a:gs pos="100000">
+              <a:schemeClr val="accent1">
+                <a:hueOff val="0"/>
+                <a:satOff val="0"/>
+                <a:lumOff val="0"/>
+                <a:alphaOff val="0"/>
+                <a:tint val="50000"/>
+                <a:shade val="100000"/>
+                <a:satMod val="350000"/>
+              </a:schemeClr>
+            </a:gs>
+          </a:gsLst>
+          <a:lin ang="16200000" scaled="0"/>
+        </a:gradFill>
+        <a:ln>
+          <a:noFill/>
+        </a:ln>
+        <a:effectLst>
+          <a:outerShdw blurRad="40000" dist="23000" dir="5400000" rotWithShape="0">
+            <a:srgbClr val="000000">
+              <a:alpha val="35000"/>
+            </a:srgbClr>
+          </a:outerShdw>
+        </a:effectLst>
+      </dsp:spPr>
+      <dsp:style>
+        <a:lnRef idx="0">
+          <a:scrgbClr r="0" g="0" b="0"/>
+        </a:lnRef>
+        <a:fillRef idx="3">
+          <a:scrgbClr r="0" g="0" b="0"/>
+        </a:fillRef>
+        <a:effectRef idx="2">
+          <a:scrgbClr r="0" g="0" b="0"/>
+        </a:effectRef>
+        <a:fontRef idx="minor">
+          <a:schemeClr val="lt1"/>
+        </a:fontRef>
+      </dsp:style>
+      <dsp:txBody>
+        <a:bodyPr spcFirstLastPara="0" vert="horz" wrap="square" lIns="276245" tIns="45720" rIns="45720" bIns="45720" numCol="1" spcCol="1270" anchor="ctr" anchorCtr="0">
+          <a:noAutofit/>
+        </a:bodyPr>
+        <a:lstStyle/>
+        <a:p>
+          <a:pPr lvl="0" algn="l" defTabSz="800100">
+            <a:lnSpc>
+              <a:spcPct val="90000"/>
+            </a:lnSpc>
+            <a:spcBef>
+              <a:spcPct val="0"/>
+            </a:spcBef>
+            <a:spcAft>
+              <a:spcPct val="35000"/>
+            </a:spcAft>
+          </a:pPr>
+          <a:r>
+            <a:rPr lang="en-US" sz="1800" kern="1200" dirty="0" smtClean="0"/>
+            <a:t>Conferences</a:t>
+          </a:r>
+          <a:endParaRPr lang="en-US" sz="1800" kern="1200" dirty="0"/>
+        </a:p>
+      </dsp:txBody>
+      <dsp:txXfrm>
+        <a:off x="592119" y="1217640"/>
+        <a:ext cx="5640904" cy="348024"/>
+      </dsp:txXfrm>
+    </dsp:sp>
+    <dsp:sp modelId="{4F9B5905-7072-BD45-9451-4E98BA3112A1}">
+      <dsp:nvSpPr>
+        <dsp:cNvPr id="0" name=""/>
+        <dsp:cNvSpPr/>
+      </dsp:nvSpPr>
+      <dsp:spPr>
+        <a:xfrm>
+          <a:off x="374604" y="1174137"/>
+          <a:ext cx="435030" cy="435030"/>
+        </a:xfrm>
+        <a:prstGeom prst="ellipse">
+          <a:avLst/>
+        </a:prstGeom>
+        <a:solidFill>
+          <a:schemeClr val="lt1">
+            <a:hueOff val="0"/>
+            <a:satOff val="0"/>
+            <a:lumOff val="0"/>
+            <a:alphaOff val="0"/>
+          </a:schemeClr>
+        </a:solidFill>
+        <a:ln w="9525" cap="flat" cmpd="sng" algn="ctr">
+          <a:solidFill>
+            <a:schemeClr val="accent1">
+              <a:hueOff val="0"/>
+              <a:satOff val="0"/>
+              <a:lumOff val="0"/>
+              <a:alphaOff val="0"/>
+            </a:schemeClr>
+          </a:solidFill>
+          <a:prstDash val="solid"/>
+        </a:ln>
+        <a:effectLst/>
+      </dsp:spPr>
+      <dsp:style>
+        <a:lnRef idx="1">
+          <a:scrgbClr r="0" g="0" b="0"/>
+        </a:lnRef>
+        <a:fillRef idx="1">
+          <a:scrgbClr r="0" g="0" b="0"/>
+        </a:fillRef>
+        <a:effectRef idx="0">
+          <a:scrgbClr r="0" g="0" b="0"/>
+        </a:effectRef>
+        <a:fontRef idx="minor"/>
+      </dsp:style>
+    </dsp:sp>
+    <dsp:sp modelId="{5930DEF3-A72A-2D48-BAE3-73FAC9AA5A44}">
+      <dsp:nvSpPr>
+        <dsp:cNvPr id="0" name=""/>
+        <dsp:cNvSpPr/>
+      </dsp:nvSpPr>
+      <dsp:spPr>
+        <a:xfrm>
+          <a:off x="515578" y="1739510"/>
+          <a:ext cx="5717445" cy="348024"/>
+        </a:xfrm>
+        <a:prstGeom prst="rect">
+          <a:avLst/>
+        </a:prstGeom>
+        <a:gradFill rotWithShape="0">
+          <a:gsLst>
+            <a:gs pos="0">
+              <a:schemeClr val="accent1">
+                <a:hueOff val="0"/>
+                <a:satOff val="0"/>
+                <a:lumOff val="0"/>
+                <a:alphaOff val="0"/>
+                <a:tint val="100000"/>
+                <a:shade val="100000"/>
+                <a:satMod val="130000"/>
+              </a:schemeClr>
+            </a:gs>
+            <a:gs pos="100000">
+              <a:schemeClr val="accent1">
+                <a:hueOff val="0"/>
+                <a:satOff val="0"/>
+                <a:lumOff val="0"/>
+                <a:alphaOff val="0"/>
+                <a:tint val="50000"/>
+                <a:shade val="100000"/>
+                <a:satMod val="350000"/>
+              </a:schemeClr>
+            </a:gs>
+          </a:gsLst>
+          <a:lin ang="16200000" scaled="0"/>
+        </a:gradFill>
+        <a:ln>
+          <a:noFill/>
+        </a:ln>
+        <a:effectLst>
+          <a:outerShdw blurRad="40000" dist="23000" dir="5400000" rotWithShape="0">
+            <a:srgbClr val="000000">
+              <a:alpha val="35000"/>
+            </a:srgbClr>
+          </a:outerShdw>
+        </a:effectLst>
+      </dsp:spPr>
+      <dsp:style>
+        <a:lnRef idx="0">
+          <a:scrgbClr r="0" g="0" b="0"/>
+        </a:lnRef>
+        <a:fillRef idx="3">
+          <a:scrgbClr r="0" g="0" b="0"/>
+        </a:fillRef>
+        <a:effectRef idx="2">
+          <a:scrgbClr r="0" g="0" b="0"/>
+        </a:effectRef>
+        <a:fontRef idx="minor">
+          <a:schemeClr val="lt1"/>
+        </a:fontRef>
+      </dsp:style>
+      <dsp:txBody>
+        <a:bodyPr spcFirstLastPara="0" vert="horz" wrap="square" lIns="276245" tIns="45720" rIns="45720" bIns="45720" numCol="1" spcCol="1270" anchor="ctr" anchorCtr="0">
+          <a:noAutofit/>
+        </a:bodyPr>
+        <a:lstStyle/>
+        <a:p>
+          <a:pPr lvl="0" algn="l" defTabSz="800100">
+            <a:lnSpc>
+              <a:spcPct val="90000"/>
+            </a:lnSpc>
+            <a:spcBef>
+              <a:spcPct val="0"/>
+            </a:spcBef>
+            <a:spcAft>
+              <a:spcPct val="35000"/>
+            </a:spcAft>
+          </a:pPr>
+          <a:r>
+            <a:rPr lang="en-US" sz="1800" kern="1200" dirty="0" smtClean="0"/>
+            <a:t>Office Hours</a:t>
+          </a:r>
+          <a:endParaRPr lang="en-US" sz="1800" kern="1200" dirty="0"/>
+        </a:p>
+      </dsp:txBody>
+      <dsp:txXfrm>
+        <a:off x="515578" y="1739510"/>
+        <a:ext cx="5717445" cy="348024"/>
+      </dsp:txXfrm>
+    </dsp:sp>
+    <dsp:sp modelId="{57439A38-0057-B241-AE2E-AC6858025B3B}">
+      <dsp:nvSpPr>
+        <dsp:cNvPr id="0" name=""/>
+        <dsp:cNvSpPr/>
+      </dsp:nvSpPr>
+      <dsp:spPr>
+        <a:xfrm>
+          <a:off x="298063" y="1696007"/>
+          <a:ext cx="435030" cy="435030"/>
+        </a:xfrm>
+        <a:prstGeom prst="ellipse">
+          <a:avLst/>
+        </a:prstGeom>
+        <a:solidFill>
+          <a:schemeClr val="lt1">
+            <a:hueOff val="0"/>
+            <a:satOff val="0"/>
+            <a:lumOff val="0"/>
+            <a:alphaOff val="0"/>
+          </a:schemeClr>
+        </a:solidFill>
+        <a:ln w="9525" cap="flat" cmpd="sng" algn="ctr">
+          <a:solidFill>
+            <a:schemeClr val="accent1">
+              <a:hueOff val="0"/>
+              <a:satOff val="0"/>
+              <a:lumOff val="0"/>
+              <a:alphaOff val="0"/>
+            </a:schemeClr>
+          </a:solidFill>
+          <a:prstDash val="solid"/>
+        </a:ln>
+        <a:effectLst/>
+      </dsp:spPr>
+      <dsp:style>
+        <a:lnRef idx="1">
+          <a:scrgbClr r="0" g="0" b="0"/>
+        </a:lnRef>
+        <a:fillRef idx="1">
+          <a:scrgbClr r="0" g="0" b="0"/>
+        </a:fillRef>
+        <a:effectRef idx="0">
+          <a:scrgbClr r="0" g="0" b="0"/>
+        </a:effectRef>
+        <a:fontRef idx="minor"/>
+      </dsp:style>
+    </dsp:sp>
+    <dsp:sp modelId="{07E11371-BCBC-984A-A2C4-2E2B11327B8E}">
+      <dsp:nvSpPr>
+        <dsp:cNvPr id="0" name=""/>
+        <dsp:cNvSpPr/>
+      </dsp:nvSpPr>
+      <dsp:spPr>
+        <a:xfrm>
+          <a:off x="266194" y="2261380"/>
+          <a:ext cx="5966829" cy="348024"/>
+        </a:xfrm>
+        <a:prstGeom prst="rect">
+          <a:avLst/>
+        </a:prstGeom>
+        <a:gradFill rotWithShape="0">
+          <a:gsLst>
+            <a:gs pos="0">
+              <a:schemeClr val="accent1">
+                <a:hueOff val="0"/>
+                <a:satOff val="0"/>
+                <a:lumOff val="0"/>
+                <a:alphaOff val="0"/>
+                <a:tint val="100000"/>
+                <a:shade val="100000"/>
+                <a:satMod val="130000"/>
+              </a:schemeClr>
+            </a:gs>
+            <a:gs pos="100000">
+              <a:schemeClr val="accent1">
+                <a:hueOff val="0"/>
+                <a:satOff val="0"/>
+                <a:lumOff val="0"/>
+                <a:alphaOff val="0"/>
+                <a:tint val="50000"/>
+                <a:shade val="100000"/>
+                <a:satMod val="350000"/>
+              </a:schemeClr>
+            </a:gs>
+          </a:gsLst>
+          <a:lin ang="16200000" scaled="0"/>
+        </a:gradFill>
+        <a:ln>
+          <a:noFill/>
+        </a:ln>
+        <a:effectLst>
+          <a:outerShdw blurRad="40000" dist="23000" dir="5400000" rotWithShape="0">
+            <a:srgbClr val="000000">
+              <a:alpha val="35000"/>
+            </a:srgbClr>
+          </a:outerShdw>
+        </a:effectLst>
+      </dsp:spPr>
+      <dsp:style>
+        <a:lnRef idx="0">
+          <a:scrgbClr r="0" g="0" b="0"/>
+        </a:lnRef>
+        <a:fillRef idx="3">
+          <a:scrgbClr r="0" g="0" b="0"/>
+        </a:fillRef>
+        <a:effectRef idx="2">
+          <a:scrgbClr r="0" g="0" b="0"/>
+        </a:effectRef>
+        <a:fontRef idx="minor">
+          <a:schemeClr val="lt1"/>
+        </a:fontRef>
+      </dsp:style>
+      <dsp:txBody>
+        <a:bodyPr spcFirstLastPara="0" vert="horz" wrap="square" lIns="276245" tIns="45720" rIns="45720" bIns="45720" numCol="1" spcCol="1270" anchor="ctr" anchorCtr="0">
+          <a:noAutofit/>
+        </a:bodyPr>
+        <a:lstStyle/>
+        <a:p>
+          <a:pPr lvl="0" algn="l" defTabSz="800100">
+            <a:lnSpc>
+              <a:spcPct val="90000"/>
+            </a:lnSpc>
+            <a:spcBef>
+              <a:spcPct val="0"/>
+            </a:spcBef>
+            <a:spcAft>
+              <a:spcPct val="35000"/>
+            </a:spcAft>
+          </a:pPr>
+          <a:r>
+            <a:rPr lang="en-US" sz="1800" kern="1200" dirty="0" smtClean="0"/>
+            <a:t>More…</a:t>
+          </a:r>
+          <a:endParaRPr lang="en-US" sz="1800" kern="1200" dirty="0"/>
+        </a:p>
+      </dsp:txBody>
+      <dsp:txXfrm>
+        <a:off x="266194" y="2261380"/>
+        <a:ext cx="5966829" cy="348024"/>
+      </dsp:txXfrm>
+    </dsp:sp>
+    <dsp:sp modelId="{59610FA4-8CB7-4E49-B211-185A0DC24A03}">
+      <dsp:nvSpPr>
+        <dsp:cNvPr id="0" name=""/>
+        <dsp:cNvSpPr/>
+      </dsp:nvSpPr>
+      <dsp:spPr>
+        <a:xfrm>
+          <a:off x="48678" y="2217877"/>
+          <a:ext cx="435030" cy="435030"/>
+        </a:xfrm>
+        <a:prstGeom prst="ellipse">
+          <a:avLst/>
+        </a:prstGeom>
+        <a:solidFill>
+          <a:schemeClr val="lt1">
+            <a:hueOff val="0"/>
+            <a:satOff val="0"/>
+            <a:lumOff val="0"/>
+            <a:alphaOff val="0"/>
+          </a:schemeClr>
+        </a:solidFill>
+        <a:ln w="9525" cap="flat" cmpd="sng" algn="ctr">
+          <a:solidFill>
+            <a:schemeClr val="accent1">
+              <a:hueOff val="0"/>
+              <a:satOff val="0"/>
+              <a:lumOff val="0"/>
+              <a:alphaOff val="0"/>
+            </a:schemeClr>
+          </a:solidFill>
+          <a:prstDash val="solid"/>
+        </a:ln>
+        <a:effectLst/>
+      </dsp:spPr>
+      <dsp:style>
+        <a:lnRef idx="1">
+          <a:scrgbClr r="0" g="0" b="0"/>
+        </a:lnRef>
+        <a:fillRef idx="1">
+          <a:scrgbClr r="0" g="0" b="0"/>
+        </a:fillRef>
+        <a:effectRef idx="0">
+          <a:scrgbClr r="0" g="0" b="0"/>
+        </a:effectRef>
+        <a:fontRef idx="minor"/>
+      </dsp:style>
+    </dsp:sp>
+  </dsp:spTree>
+</dsp:drawing>
+</file>
+
 <file path=ppt/diagrams/layout1.xml><?xml version="1.0" encoding="utf-8"?>
 <dgm:layoutDef xmlns:dgm="http://schemas.openxmlformats.org/drawingml/2006/diagram" xmlns:a="http://schemas.openxmlformats.org/drawingml/2006/main" uniqueId="urn:microsoft.com/office/officeart/2005/8/layout/equation1">
   <dgm:title val=""/>
@@ -1783,7 +3674,2319 @@
 </dgm:layoutDef>
 </file>
 
+<file path=ppt/diagrams/layout2.xml><?xml version="1.0" encoding="utf-8"?>
+<dgm:layoutDef xmlns:dgm="http://schemas.openxmlformats.org/drawingml/2006/diagram" xmlns:a="http://schemas.openxmlformats.org/drawingml/2006/main" uniqueId="urn:microsoft.com/office/officeart/2008/layout/VerticalCurvedList">
+  <dgm:title val=""/>
+  <dgm:desc val=""/>
+  <dgm:catLst>
+    <dgm:cat type="list" pri="20000"/>
+  </dgm:catLst>
+  <dgm:sampData>
+    <dgm:dataModel>
+      <dgm:ptLst>
+        <dgm:pt modelId="0" type="doc"/>
+        <dgm:pt modelId="1">
+          <dgm:prSet phldr="1"/>
+        </dgm:pt>
+        <dgm:pt modelId="2">
+          <dgm:prSet phldr="1"/>
+        </dgm:pt>
+        <dgm:pt modelId="3">
+          <dgm:prSet phldr="1"/>
+        </dgm:pt>
+      </dgm:ptLst>
+      <dgm:cxnLst>
+        <dgm:cxn modelId="4" srcId="0" destId="1" srcOrd="0" destOrd="0"/>
+        <dgm:cxn modelId="5" srcId="0" destId="2" srcOrd="1" destOrd="0"/>
+        <dgm:cxn modelId="6" srcId="0" destId="3" srcOrd="2" destOrd="0"/>
+      </dgm:cxnLst>
+      <dgm:bg/>
+      <dgm:whole/>
+    </dgm:dataModel>
+  </dgm:sampData>
+  <dgm:styleData>
+    <dgm:dataModel>
+      <dgm:ptLst>
+        <dgm:pt modelId="0" type="doc"/>
+        <dgm:pt modelId="1">
+          <dgm:prSet phldr="1"/>
+        </dgm:pt>
+        <dgm:pt modelId="2">
+          <dgm:prSet phldr="1"/>
+        </dgm:pt>
+      </dgm:ptLst>
+      <dgm:cxnLst>
+        <dgm:cxn modelId="3" srcId="0" destId="1" srcOrd="0" destOrd="0"/>
+        <dgm:cxn modelId="4" srcId="0" destId="2" srcOrd="1" destOrd="0"/>
+      </dgm:cxnLst>
+      <dgm:bg/>
+      <dgm:whole/>
+    </dgm:dataModel>
+  </dgm:styleData>
+  <dgm:clrData>
+    <dgm:dataModel>
+      <dgm:ptLst>
+        <dgm:pt modelId="0" type="doc"/>
+        <dgm:pt modelId="1">
+          <dgm:prSet phldr="1"/>
+        </dgm:pt>
+        <dgm:pt modelId="2">
+          <dgm:prSet phldr="1"/>
+        </dgm:pt>
+        <dgm:pt modelId="3">
+          <dgm:prSet phldr="1"/>
+        </dgm:pt>
+        <dgm:pt modelId="4">
+          <dgm:prSet phldr="1"/>
+        </dgm:pt>
+      </dgm:ptLst>
+      <dgm:cxnLst>
+        <dgm:cxn modelId="5" srcId="0" destId="1" srcOrd="0" destOrd="0"/>
+        <dgm:cxn modelId="6" srcId="0" destId="2" srcOrd="1" destOrd="0"/>
+        <dgm:cxn modelId="7" srcId="0" destId="3" srcOrd="2" destOrd="0"/>
+        <dgm:cxn modelId="8" srcId="0" destId="4" srcOrd="3" destOrd="0"/>
+      </dgm:cxnLst>
+      <dgm:bg/>
+      <dgm:whole/>
+    </dgm:dataModel>
+  </dgm:clrData>
+  <dgm:layoutNode name="Name0">
+    <dgm:varLst>
+      <dgm:chMax val="7"/>
+      <dgm:chPref val="7"/>
+      <dgm:dir/>
+    </dgm:varLst>
+    <dgm:alg type="composite"/>
+    <dgm:shape xmlns:r="http://schemas.openxmlformats.org/officeDocument/2006/relationships" r:blip="">
+      <dgm:adjLst/>
+    </dgm:shape>
+    <dgm:constrLst>
+      <dgm:constr type="w" for="ch" refType="h" refFor="ch" op="gte" fact="0.8"/>
+    </dgm:constrLst>
+    <dgm:layoutNode name="Name1">
+      <dgm:alg type="composite"/>
+      <dgm:shape xmlns:r="http://schemas.openxmlformats.org/officeDocument/2006/relationships" r:blip="">
+        <dgm:adjLst/>
+      </dgm:shape>
+      <dgm:choose name="Name2">
+        <dgm:if name="Name3" func="var" arg="dir" op="equ" val="norm">
+          <dgm:choose name="Name4">
+            <dgm:if name="Name5" axis="ch" ptType="node" func="cnt" op="equ" val="1">
+              <dgm:constrLst>
+                <dgm:constr type="h" for="ch" forName="cycle" refType="h"/>
+                <dgm:constr type="w" for="ch" forName="cycle" refType="h" refFor="ch" refForName="cycle" fact="0.26"/>
+                <dgm:constr type="l" for="ch" forName="cycle"/>
+                <dgm:constr type="ctrY" for="ch" forName="cycle" refType="h" fact="0.5"/>
+                <dgm:constr type="diam" for="ch" forName="cycle" refType="h" fact="1.344"/>
+                <dgm:constr type="h" for="ch" forName="accent_1" refType="h" fact="0.625"/>
+                <dgm:constr type="w" for="ch" forName="accent_1" refType="h" refFor="ch" refForName="accent_1" op="equ"/>
+                <dgm:constr type="ctrY" for="ch" forName="accent_1" refType="h" fact="0.5"/>
+                <dgm:constr type="ctrX" for="ch" forName="accent_1" refType="h" fact="0.2253"/>
+                <dgm:constr type="l" for="ch" forName="text_1" refType="ctrX" refFor="ch" refForName="accent_1"/>
+                <dgm:constr type="r" for="ch" forName="text_1" refType="w"/>
+                <dgm:constr type="w" for="ch" forName="text_1" refType="h" refFor="ch" refForName="text_1" op="gte"/>
+                <dgm:constr type="h" for="ch" forName="text_1" refType="h" refFor="ch" refForName="accent_1" fact="0.8"/>
+                <dgm:constr type="ctrY" for="ch" forName="text_1" refType="ctrY" refFor="ch" refForName="accent_1"/>
+                <dgm:constr type="lMarg" for="ch" forName="text_1" refType="w" refFor="ch" refForName="accent_1" fact="1.8"/>
+                <dgm:constr type="primFontSz" for="ch" ptType="node" op="equ" val="65"/>
+              </dgm:constrLst>
+            </dgm:if>
+            <dgm:if name="Name6" axis="ch" ptType="node" func="cnt" op="equ" val="2">
+              <dgm:constrLst>
+                <dgm:constr type="h" for="ch" forName="cycle" refType="h"/>
+                <dgm:constr type="w" for="ch" forName="cycle" refType="h" refFor="ch" refForName="cycle" fact="0.26"/>
+                <dgm:constr type="l" for="ch" forName="cycle"/>
+                <dgm:constr type="ctrY" for="ch" forName="cycle" refType="h" fact="0.5"/>
+                <dgm:constr type="diam" for="ch" forName="cycle" refType="h" fact="1.344"/>
+                <dgm:constr type="h" for="ch" forName="accent_1" refType="h" fact="0.3571"/>
+                <dgm:constr type="w" for="ch" forName="accent_1" refType="h" refFor="ch" refForName="accent_1" op="equ"/>
+                <dgm:constr type="ctrY" for="ch" forName="accent_1" refType="h" fact="0.2857"/>
+                <dgm:constr type="ctrX" for="ch" forName="accent_1" refType="h" fact="0.1891"/>
+                <dgm:constr type="l" for="ch" forName="text_1" refType="ctrX" refFor="ch" refForName="accent_1"/>
+                <dgm:constr type="r" for="ch" forName="text_1" refType="w"/>
+                <dgm:constr type="w" for="ch" forName="text_1" refType="h" refFor="ch" refForName="text_1" op="gte"/>
+                <dgm:constr type="h" for="ch" forName="text_1" refType="h" refFor="ch" refForName="accent_1" fact="0.8"/>
+                <dgm:constr type="ctrY" for="ch" forName="text_1" refType="ctrY" refFor="ch" refForName="accent_1"/>
+                <dgm:constr type="lMarg" for="ch" forName="text_1" refType="w" refFor="ch" refForName="accent_1" fact="1.8"/>
+                <dgm:constr type="h" for="ch" forName="accent_2" refType="h" fact="0.3571"/>
+                <dgm:constr type="w" for="ch" forName="accent_2" refType="h" refFor="ch" refForName="accent_2" op="equ"/>
+                <dgm:constr type="ctrY" for="ch" forName="accent_2" refType="h" fact="0.7143"/>
+                <dgm:constr type="ctrX" for="ch" forName="accent_2" refType="h" fact="0.1891"/>
+                <dgm:constr type="l" for="ch" forName="text_2" refType="ctrX" refFor="ch" refForName="accent_2"/>
+                <dgm:constr type="r" for="ch" forName="text_2" refType="w"/>
+                <dgm:constr type="w" for="ch" forName="text_2" refType="h" refFor="ch" refForName="text_2" op="gte"/>
+                <dgm:constr type="h" for="ch" forName="text_2" refType="h" refFor="ch" refForName="accent_2" fact="0.8"/>
+                <dgm:constr type="ctrY" for="ch" forName="text_2" refType="ctrY" refFor="ch" refForName="accent_2"/>
+                <dgm:constr type="lMarg" for="ch" forName="text_2" refType="w" refFor="ch" refForName="accent_2" fact="1.8"/>
+                <dgm:constr type="primFontSz" for="ch" ptType="node" op="equ" val="65"/>
+              </dgm:constrLst>
+            </dgm:if>
+            <dgm:if name="Name7" axis="ch" ptType="node" func="cnt" op="equ" val="3">
+              <dgm:constrLst>
+                <dgm:constr type="h" for="ch" forName="cycle" refType="h"/>
+                <dgm:constr type="w" for="ch" forName="cycle" refType="h" refFor="ch" refForName="cycle" fact="0.26"/>
+                <dgm:constr type="l" for="ch" forName="cycle"/>
+                <dgm:constr type="ctrY" for="ch" forName="cycle" refType="h" fact="0.5"/>
+                <dgm:constr type="diam" for="ch" forName="cycle" refType="h" fact="1.344"/>
+                <dgm:constr type="h" for="ch" forName="accent_1" refType="h" fact="0.25"/>
+                <dgm:constr type="w" for="ch" forName="accent_1" refType="h" refFor="ch" refForName="accent_1" op="equ"/>
+                <dgm:constr type="ctrY" for="ch" forName="accent_1" refType="h" fact="0.2"/>
+                <dgm:constr type="ctrX" for="ch" forName="accent_1" refType="h" fact="0.1526"/>
+                <dgm:constr type="l" for="ch" forName="text_1" refType="ctrX" refFor="ch" refForName="accent_1"/>
+                <dgm:constr type="r" for="ch" forName="text_1" refType="w"/>
+                <dgm:constr type="w" for="ch" forName="text_1" refType="h" refFor="ch" refForName="text_1" op="gte"/>
+                <dgm:constr type="h" for="ch" forName="text_1" refType="h" refFor="ch" refForName="accent_1" fact="0.8"/>
+                <dgm:constr type="ctrY" for="ch" forName="text_1" refType="ctrY" refFor="ch" refForName="accent_1"/>
+                <dgm:constr type="lMarg" for="ch" forName="text_1" refType="w" refFor="ch" refForName="accent_1" fact="1.8"/>
+                <dgm:constr type="h" for="ch" forName="accent_2" refType="h" fact="0.25"/>
+                <dgm:constr type="w" for="ch" forName="accent_2" refType="h" refFor="ch" refForName="accent_2" op="equ"/>
+                <dgm:constr type="ctrY" for="ch" forName="accent_2" refType="h" fact="0.5"/>
+                <dgm:constr type="ctrX" for="ch" forName="accent_2" refType="h" fact="0.2253"/>
+                <dgm:constr type="l" for="ch" forName="text_2" refType="ctrX" refFor="ch" refForName="accent_2"/>
+                <dgm:constr type="r" for="ch" forName="text_2" refType="w"/>
+                <dgm:constr type="w" for="ch" forName="text_2" refType="h" refFor="ch" refForName="text_2" op="gte"/>
+                <dgm:constr type="h" for="ch" forName="text_2" refType="h" refFor="ch" refForName="accent_2" fact="0.8"/>
+                <dgm:constr type="ctrY" for="ch" forName="text_2" refType="ctrY" refFor="ch" refForName="accent_2"/>
+                <dgm:constr type="lMarg" for="ch" forName="text_2" refType="w" refFor="ch" refForName="accent_2" fact="1.8"/>
+                <dgm:constr type="h" for="ch" forName="accent_3" refType="h" fact="0.25"/>
+                <dgm:constr type="w" for="ch" forName="accent_3" refType="h" refFor="ch" refForName="accent_3" op="equ"/>
+                <dgm:constr type="ctrY" for="ch" forName="accent_3" refType="h" fact="0.8"/>
+                <dgm:constr type="ctrX" for="ch" forName="accent_3" refType="h" fact="0.1526"/>
+                <dgm:constr type="l" for="ch" forName="text_3" refType="ctrX" refFor="ch" refForName="accent_3"/>
+                <dgm:constr type="r" for="ch" forName="text_3" refType="w"/>
+                <dgm:constr type="w" for="ch" forName="text_3" refType="h" refFor="ch" refForName="text_3" op="gte"/>
+                <dgm:constr type="h" for="ch" forName="text_3" refType="h" refFor="ch" refForName="accent_3" fact="0.8"/>
+                <dgm:constr type="ctrY" for="ch" forName="text_3" refType="ctrY" refFor="ch" refForName="accent_3"/>
+                <dgm:constr type="lMarg" for="ch" forName="text_3" refType="w" refFor="ch" refForName="accent_3" fact="1.8"/>
+                <dgm:constr type="primFontSz" for="ch" ptType="node" op="equ" val="65"/>
+              </dgm:constrLst>
+            </dgm:if>
+            <dgm:if name="Name8" axis="ch" ptType="node" func="cnt" op="equ" val="4">
+              <dgm:constrLst>
+                <dgm:constr type="h" for="ch" forName="cycle" refType="h"/>
+                <dgm:constr type="w" for="ch" forName="cycle" refType="h" refFor="ch" refForName="cycle" fact="0.26"/>
+                <dgm:constr type="l" for="ch" forName="cycle"/>
+                <dgm:constr type="ctrY" for="ch" forName="cycle" refType="h" fact="0.5"/>
+                <dgm:constr type="diam" for="ch" forName="cycle" refType="h" fact="1.344"/>
+                <dgm:constr type="h" for="ch" forName="accent_1" refType="h" fact="0.1923"/>
+                <dgm:constr type="w" for="ch" forName="accent_1" refType="h" refFor="ch" refForName="accent_1" op="equ"/>
+                <dgm:constr type="ctrY" for="ch" forName="accent_1" refType="h" fact="0.1538"/>
+                <dgm:constr type="ctrX" for="ch" forName="accent_1" refType="h" fact="0.1268"/>
+                <dgm:constr type="l" for="ch" forName="text_1" refType="ctrX" refFor="ch" refForName="accent_1"/>
+                <dgm:constr type="r" for="ch" forName="text_1" refType="w"/>
+                <dgm:constr type="w" for="ch" forName="text_1" refType="h" refFor="ch" refForName="text_1" op="gte"/>
+                <dgm:constr type="h" for="ch" forName="text_1" refType="h" refFor="ch" refForName="accent_1" fact="0.8"/>
+                <dgm:constr type="ctrY" for="ch" forName="text_1" refType="ctrY" refFor="ch" refForName="accent_1"/>
+                <dgm:constr type="lMarg" for="ch" forName="text_1" refType="w" refFor="ch" refForName="accent_1" fact="1.8"/>
+                <dgm:constr type="h" for="ch" forName="accent_2" refType="h" fact="0.1923"/>
+                <dgm:constr type="w" for="ch" forName="accent_2" refType="h" refFor="ch" refForName="accent_2" op="equ"/>
+                <dgm:constr type="ctrY" for="ch" forName="accent_2" refType="h" fact="0.3846"/>
+                <dgm:constr type="ctrX" for="ch" forName="accent_2" refType="h" fact="0.215"/>
+                <dgm:constr type="l" for="ch" forName="text_2" refType="ctrX" refFor="ch" refForName="accent_2"/>
+                <dgm:constr type="r" for="ch" forName="text_2" refType="w"/>
+                <dgm:constr type="w" for="ch" forName="text_2" refType="h" refFor="ch" refForName="text_2" op="gte"/>
+                <dgm:constr type="h" for="ch" forName="text_2" refType="h" refFor="ch" refForName="accent_2" fact="0.8"/>
+                <dgm:constr type="ctrY" for="ch" forName="text_2" refType="ctrY" refFor="ch" refForName="accent_2"/>
+                <dgm:constr type="lMarg" for="ch" forName="text_2" refType="w" refFor="ch" refForName="accent_2" fact="1.8"/>
+                <dgm:constr type="h" for="ch" forName="accent_3" refType="h" fact="0.1923"/>
+                <dgm:constr type="w" for="ch" forName="accent_3" refType="h" refFor="ch" refForName="accent_3" op="equ"/>
+                <dgm:constr type="ctrY" for="ch" forName="accent_3" refType="h" fact="0.6154"/>
+                <dgm:constr type="ctrX" for="ch" forName="accent_3" refType="h" fact="0.215"/>
+                <dgm:constr type="l" for="ch" forName="text_3" refType="ctrX" refFor="ch" refForName="accent_3"/>
+                <dgm:constr type="r" for="ch" forName="text_3" refType="w"/>
+                <dgm:constr type="w" for="ch" forName="text_3" refType="h" refFor="ch" refForName="text_3" op="gte"/>
+                <dgm:constr type="h" for="ch" forName="text_3" refType="h" refFor="ch" refForName="accent_3" fact="0.8"/>
+                <dgm:constr type="ctrY" for="ch" forName="text_3" refType="ctrY" refFor="ch" refForName="accent_3"/>
+                <dgm:constr type="lMarg" for="ch" forName="text_3" refType="w" refFor="ch" refForName="accent_3" fact="1.8"/>
+                <dgm:constr type="h" for="ch" forName="accent_4" refType="h" fact="0.1923"/>
+                <dgm:constr type="w" for="ch" forName="accent_4" refType="h" refFor="ch" refForName="accent_4" op="equ"/>
+                <dgm:constr type="ctrY" for="ch" forName="accent_4" refType="h" fact="0.8462"/>
+                <dgm:constr type="ctrX" for="ch" forName="accent_4" refType="h" fact="0.1268"/>
+                <dgm:constr type="l" for="ch" forName="text_4" refType="ctrX" refFor="ch" refForName="accent_4"/>
+                <dgm:constr type="r" for="ch" forName="text_4" refType="w"/>
+                <dgm:constr type="w" for="ch" forName="text_4" refType="h" refFor="ch" refForName="text_4" op="gte"/>
+                <dgm:constr type="h" for="ch" forName="text_4" refType="h" refFor="ch" refForName="accent_4" fact="0.8"/>
+                <dgm:constr type="ctrY" for="ch" forName="text_4" refType="ctrY" refFor="ch" refForName="accent_4"/>
+                <dgm:constr type="lMarg" for="ch" forName="text_4" refType="w" refFor="ch" refForName="accent_4" fact="1.8"/>
+                <dgm:constr type="primFontSz" for="ch" ptType="node" op="equ" val="65"/>
+              </dgm:constrLst>
+            </dgm:if>
+            <dgm:if name="Name9" axis="ch" ptType="node" func="cnt" op="equ" val="5">
+              <dgm:constrLst>
+                <dgm:constr type="h" for="ch" forName="cycle" refType="h"/>
+                <dgm:constr type="w" for="ch" forName="cycle" refType="h" refFor="ch" refForName="cycle" fact="0.26"/>
+                <dgm:constr type="l" for="ch" forName="cycle"/>
+                <dgm:constr type="ctrY" for="ch" forName="cycle" refType="h" fact="0.5"/>
+                <dgm:constr type="diam" for="ch" forName="cycle" refType="h" fact="1.344"/>
+                <dgm:constr type="h" for="ch" forName="accent_1" refType="h" fact="0.1563"/>
+                <dgm:constr type="w" for="ch" forName="accent_1" refType="h" refFor="ch" refForName="accent_1" op="equ"/>
+                <dgm:constr type="ctrY" for="ch" forName="accent_1" refType="h" fact="0.125"/>
+                <dgm:constr type="ctrX" for="ch" forName="accent_1" refType="h" fact="0.1082"/>
+                <dgm:constr type="l" for="ch" forName="text_1" refType="ctrX" refFor="ch" refForName="accent_1"/>
+                <dgm:constr type="r" for="ch" forName="text_1" refType="w"/>
+                <dgm:constr type="w" for="ch" forName="text_1" refType="h" refFor="ch" refForName="text_1" op="gte"/>
+                <dgm:constr type="h" for="ch" forName="text_1" refType="h" refFor="ch" refForName="accent_1" fact="0.8"/>
+                <dgm:constr type="ctrY" for="ch" forName="text_1" refType="ctrY" refFor="ch" refForName="accent_1"/>
+                <dgm:constr type="lMarg" for="ch" forName="text_1" refType="w" refFor="ch" refForName="accent_1" fact="1.8"/>
+                <dgm:constr type="h" for="ch" forName="accent_2" refType="h" fact="0.1563"/>
+                <dgm:constr type="w" for="ch" forName="accent_2" refType="h" refFor="ch" refForName="accent_2" op="equ"/>
+                <dgm:constr type="ctrY" for="ch" forName="accent_2" refType="h" fact="0.3125"/>
+                <dgm:constr type="ctrX" for="ch" forName="accent_2" refType="h" fact="0.1978"/>
+                <dgm:constr type="l" for="ch" forName="text_2" refType="ctrX" refFor="ch" refForName="accent_2"/>
+                <dgm:constr type="r" for="ch" forName="text_2" refType="w"/>
+                <dgm:constr type="w" for="ch" forName="text_2" refType="h" refFor="ch" refForName="text_2" op="gte"/>
+                <dgm:constr type="h" for="ch" forName="text_2" refType="h" refFor="ch" refForName="accent_2" fact="0.8"/>
+                <dgm:constr type="ctrY" for="ch" forName="text_2" refType="ctrY" refFor="ch" refForName="accent_2"/>
+                <dgm:constr type="lMarg" for="ch" forName="text_2" refType="w" refFor="ch" refForName="accent_2" fact="1.8"/>
+                <dgm:constr type="h" for="ch" forName="accent_3" refType="h" fact="0.1563"/>
+                <dgm:constr type="w" for="ch" forName="accent_3" refType="h" refFor="ch" refForName="accent_3" op="equ"/>
+                <dgm:constr type="ctrY" for="ch" forName="accent_3" refType="h" fact="0.5"/>
+                <dgm:constr type="ctrX" for="ch" forName="accent_3" refType="h" fact="0.2253"/>
+                <dgm:constr type="l" for="ch" forName="text_3" refType="ctrX" refFor="ch" refForName="accent_3"/>
+                <dgm:constr type="r" for="ch" forName="text_3" refType="w"/>
+                <dgm:constr type="w" for="ch" forName="text_3" refType="h" refFor="ch" refForName="text_3" op="gte"/>
+                <dgm:constr type="h" for="ch" forName="text_3" refType="h" refFor="ch" refForName="accent_3" fact="0.8"/>
+                <dgm:constr type="ctrY" for="ch" forName="text_3" refType="ctrY" refFor="ch" refForName="accent_3"/>
+                <dgm:constr type="lMarg" for="ch" forName="text_3" refType="w" refFor="ch" refForName="accent_3" fact="1.8"/>
+                <dgm:constr type="h" for="ch" forName="accent_4" refType="h" fact="0.1563"/>
+                <dgm:constr type="w" for="ch" forName="accent_4" refType="h" refFor="ch" refForName="accent_4" op="equ"/>
+                <dgm:constr type="ctrY" for="ch" forName="accent_4" refType="h" fact="0.6875"/>
+                <dgm:constr type="ctrX" for="ch" forName="accent_4" refType="h" fact="0.1978"/>
+                <dgm:constr type="l" for="ch" forName="text_4" refType="ctrX" refFor="ch" refForName="accent_4"/>
+                <dgm:constr type="r" for="ch" forName="text_4" refType="w"/>
+                <dgm:constr type="w" for="ch" forName="text_4" refType="h" refFor="ch" refForName="text_4" op="gte"/>
+                <dgm:constr type="h" for="ch" forName="text_4" refType="h" refFor="ch" refForName="accent_4" fact="0.8"/>
+                <dgm:constr type="ctrY" for="ch" forName="text_4" refType="ctrY" refFor="ch" refForName="accent_4"/>
+                <dgm:constr type="lMarg" for="ch" forName="text_4" refType="w" refFor="ch" refForName="accent_4" fact="1.8"/>
+                <dgm:constr type="h" for="ch" forName="accent_5" refType="h" fact="0.1563"/>
+                <dgm:constr type="w" for="ch" forName="accent_5" refType="h" refFor="ch" refForName="accent_5" op="equ"/>
+                <dgm:constr type="ctrY" for="ch" forName="accent_5" refType="h" fact="0.875"/>
+                <dgm:constr type="ctrX" for="ch" forName="accent_5" refType="h" fact="0.1082"/>
+                <dgm:constr type="l" for="ch" forName="text_5" refType="ctrX" refFor="ch" refForName="accent_5"/>
+                <dgm:constr type="r" for="ch" forName="text_5" refType="w"/>
+                <dgm:constr type="w" for="ch" forName="text_5" refType="h" refFor="ch" refForName="text_5" op="gte"/>
+                <dgm:constr type="h" for="ch" forName="text_5" refType="h" refFor="ch" refForName="accent_5" fact="0.8"/>
+                <dgm:constr type="ctrY" for="ch" forName="text_5" refType="ctrY" refFor="ch" refForName="accent_5"/>
+                <dgm:constr type="lMarg" for="ch" forName="text_5" refType="w" refFor="ch" refForName="accent_5" fact="1.8"/>
+                <dgm:constr type="primFontSz" for="ch" ptType="node" op="equ" val="65"/>
+              </dgm:constrLst>
+            </dgm:if>
+            <dgm:if name="Name10" axis="ch" ptType="node" func="cnt" op="equ" val="6">
+              <dgm:constrLst>
+                <dgm:constr type="h" for="ch" forName="cycle" refType="h"/>
+                <dgm:constr type="w" for="ch" forName="cycle" refType="h" refFor="ch" refForName="cycle" fact="0.26"/>
+                <dgm:constr type="l" for="ch" forName="cycle"/>
+                <dgm:constr type="ctrY" for="ch" forName="cycle" refType="h" fact="0.5"/>
+                <dgm:constr type="diam" for="ch" forName="cycle" refType="h" fact="1.344"/>
+                <dgm:constr type="h" for="ch" forName="accent_1" refType="h" fact="0.1316"/>
+                <dgm:constr type="w" for="ch" forName="accent_1" refType="h" refFor="ch" refForName="accent_1" op="equ"/>
+                <dgm:constr type="ctrY" for="ch" forName="accent_1" refType="h" fact="0.1053"/>
+                <dgm:constr type="ctrX" for="ch" forName="accent_1" refType="h" fact="0.0943"/>
+                <dgm:constr type="l" for="ch" forName="text_1" refType="ctrX" refFor="ch" refForName="accent_1"/>
+                <dgm:constr type="r" for="ch" forName="text_1" refType="w"/>
+                <dgm:constr type="w" for="ch" forName="text_1" refType="h" refFor="ch" refForName="text_1" op="gte"/>
+                <dgm:constr type="h" for="ch" forName="text_1" refType="h" refFor="ch" refForName="accent_1" fact="0.8"/>
+                <dgm:constr type="ctrY" for="ch" forName="text_1" refType="ctrY" refFor="ch" refForName="accent_1"/>
+                <dgm:constr type="lMarg" for="ch" forName="text_1" refType="w" refFor="ch" refForName="accent_1" fact="1.8"/>
+                <dgm:constr type="h" for="ch" forName="accent_2" refType="h" fact="0.1316"/>
+                <dgm:constr type="w" for="ch" forName="accent_2" refType="h" refFor="ch" refForName="accent_2" op="equ"/>
+                <dgm:constr type="ctrY" for="ch" forName="accent_2" refType="h" fact="0.2632"/>
+                <dgm:constr type="ctrX" for="ch" forName="accent_2" refType="h" fact="0.1809"/>
+                <dgm:constr type="l" for="ch" forName="text_2" refType="ctrX" refFor="ch" refForName="accent_2"/>
+                <dgm:constr type="r" for="ch" forName="text_2" refType="w"/>
+                <dgm:constr type="w" for="ch" forName="text_2" refType="h" refFor="ch" refForName="text_2" op="gte"/>
+                <dgm:constr type="h" for="ch" forName="text_2" refType="h" refFor="ch" refForName="accent_2" fact="0.8"/>
+                <dgm:constr type="ctrY" for="ch" forName="text_2" refType="ctrY" refFor="ch" refForName="accent_2"/>
+                <dgm:constr type="lMarg" for="ch" forName="text_2" refType="w" refFor="ch" refForName="accent_2" fact="1.8"/>
+                <dgm:constr type="h" for="ch" forName="accent_3" refType="h" fact="0.1316"/>
+                <dgm:constr type="w" for="ch" forName="accent_3" refType="h" refFor="ch" refForName="accent_3" op="equ"/>
+                <dgm:constr type="ctrY" for="ch" forName="accent_3" refType="h" fact="0.4211"/>
+                <dgm:constr type="ctrX" for="ch" forName="accent_3" refType="h" fact="0.2205"/>
+                <dgm:constr type="l" for="ch" forName="text_3" refType="ctrX" refFor="ch" refForName="accent_3"/>
+                <dgm:constr type="r" for="ch" forName="text_3" refType="w"/>
+                <dgm:constr type="w" for="ch" forName="text_3" refType="h" refFor="ch" refForName="text_3" op="gte"/>
+                <dgm:constr type="h" for="ch" forName="text_3" refType="h" refFor="ch" refForName="accent_3" fact="0.8"/>
+                <dgm:constr type="ctrY" for="ch" forName="text_3" refType="ctrY" refFor="ch" refForName="accent_3"/>
+                <dgm:constr type="lMarg" for="ch" forName="text_3" refType="w" refFor="ch" refForName="accent_3" fact="1.8"/>
+                <dgm:constr type="h" for="ch" forName="accent_4" refType="h" fact="0.1316"/>
+                <dgm:constr type="w" for="ch" forName="accent_4" refType="h" refFor="ch" refForName="accent_4" op="equ"/>
+                <dgm:constr type="ctrY" for="ch" forName="accent_4" refType="h" fact="0.5789"/>
+                <dgm:constr type="ctrX" for="ch" forName="accent_4" refType="h" fact="0.2205"/>
+                <dgm:constr type="l" for="ch" forName="text_4" refType="ctrX" refFor="ch" refForName="accent_4"/>
+                <dgm:constr type="r" for="ch" forName="text_4" refType="w"/>
+                <dgm:constr type="w" for="ch" forName="text_4" refType="h" refFor="ch" refForName="text_4" op="gte"/>
+                <dgm:constr type="h" for="ch" forName="text_4" refType="h" refFor="ch" refForName="accent_4" fact="0.8"/>
+                <dgm:constr type="ctrY" for="ch" forName="text_4" refType="ctrY" refFor="ch" refForName="accent_4"/>
+                <dgm:constr type="lMarg" for="ch" forName="text_4" refType="w" refFor="ch" refForName="accent_4" fact="1.8"/>
+                <dgm:constr type="h" for="ch" forName="accent_5" refType="h" fact="0.1316"/>
+                <dgm:constr type="w" for="ch" forName="accent_5" refType="h" refFor="ch" refForName="accent_5" op="equ"/>
+                <dgm:constr type="ctrY" for="ch" forName="accent_5" refType="h" fact="0.7368"/>
+                <dgm:constr type="ctrX" for="ch" forName="accent_5" refType="h" fact="0.1809"/>
+                <dgm:constr type="l" for="ch" forName="text_5" refType="ctrX" refFor="ch" refForName="accent_5"/>
+                <dgm:constr type="r" for="ch" forName="text_5" refType="w"/>
+                <dgm:constr type="w" for="ch" forName="text_5" refType="h" refFor="ch" refForName="text_5" op="gte"/>
+                <dgm:constr type="h" for="ch" forName="text_5" refType="h" refFor="ch" refForName="accent_5" fact="0.8"/>
+                <dgm:constr type="ctrY" for="ch" forName="text_5" refType="ctrY" refFor="ch" refForName="accent_5"/>
+                <dgm:constr type="lMarg" for="ch" forName="text_5" refType="w" refFor="ch" refForName="accent_5" fact="1.8"/>
+                <dgm:constr type="h" for="ch" forName="accent_6" refType="h" fact="0.1316"/>
+                <dgm:constr type="w" for="ch" forName="accent_6" refType="h" refFor="ch" refForName="accent_6" op="equ"/>
+                <dgm:constr type="ctrY" for="ch" forName="accent_6" refType="h" fact="0.8947"/>
+                <dgm:constr type="ctrX" for="ch" forName="accent_6" refType="h" fact="0.0943"/>
+                <dgm:constr type="l" for="ch" forName="text_6" refType="ctrX" refFor="ch" refForName="accent_6"/>
+                <dgm:constr type="r" for="ch" forName="text_6" refType="w"/>
+                <dgm:constr type="w" for="ch" forName="text_6" refType="h" refFor="ch" refForName="text_6" op="gte"/>
+                <dgm:constr type="h" for="ch" forName="text_6" refType="h" refFor="ch" refForName="accent_6" fact="0.8"/>
+                <dgm:constr type="ctrY" for="ch" forName="text_6" refType="ctrY" refFor="ch" refForName="accent_6"/>
+                <dgm:constr type="lMarg" for="ch" forName="text_6" refType="w" refFor="ch" refForName="accent_6" fact="1.8"/>
+                <dgm:constr type="primFontSz" for="ch" ptType="node" op="equ" val="65"/>
+              </dgm:constrLst>
+            </dgm:if>
+            <dgm:else name="Name11">
+              <dgm:constrLst>
+                <dgm:constr type="h" for="ch" forName="cycle" refType="h"/>
+                <dgm:constr type="w" for="ch" forName="cycle" refType="h" refFor="ch" refForName="cycle" fact="0.26"/>
+                <dgm:constr type="l" for="ch" forName="cycle"/>
+                <dgm:constr type="ctrY" for="ch" forName="cycle" refType="h" fact="0.5"/>
+                <dgm:constr type="diam" for="ch" forName="cycle" refType="h" fact="1.344"/>
+                <dgm:constr type="h" for="ch" forName="accent_1" refType="h" fact="0.1136"/>
+                <dgm:constr type="w" for="ch" forName="accent_1" refType="h" refFor="ch" refForName="accent_1" op="equ"/>
+                <dgm:constr type="ctrY" for="ch" forName="accent_1" refType="h" fact="0.0909"/>
+                <dgm:constr type="ctrX" for="ch" forName="accent_1" refType="h" fact="0.0835"/>
+                <dgm:constr type="l" for="ch" forName="text_1" refType="ctrX" refFor="ch" refForName="accent_1"/>
+                <dgm:constr type="r" for="ch" forName="text_1" refType="w"/>
+                <dgm:constr type="w" for="ch" forName="text_1" refType="h" refFor="ch" refForName="text_1" op="gte"/>
+                <dgm:constr type="h" for="ch" forName="text_1" refType="h" refFor="ch" refForName="accent_1" fact="0.8"/>
+                <dgm:constr type="ctrY" for="ch" forName="text_1" refType="ctrY" refFor="ch" refForName="accent_1"/>
+                <dgm:constr type="lMarg" for="ch" forName="text_1" refType="w" refFor="ch" refForName="accent_1" fact="1.8"/>
+                <dgm:constr type="h" for="ch" forName="accent_2" refType="h" fact="0.1136"/>
+                <dgm:constr type="w" for="ch" forName="accent_2" refType="h" refFor="ch" refForName="accent_2" op="equ"/>
+                <dgm:constr type="ctrY" for="ch" forName="accent_2" refType="h" fact="0.2273"/>
+                <dgm:constr type="ctrX" for="ch" forName="accent_2" refType="h" fact="0.1658"/>
+                <dgm:constr type="l" for="ch" forName="text_2" refType="ctrX" refFor="ch" refForName="accent_2"/>
+                <dgm:constr type="r" for="ch" forName="text_2" refType="w"/>
+                <dgm:constr type="w" for="ch" forName="text_2" refType="h" refFor="ch" refForName="text_2" op="gte"/>
+                <dgm:constr type="h" for="ch" forName="text_2" refType="h" refFor="ch" refForName="accent_2" fact="0.8"/>
+                <dgm:constr type="ctrY" for="ch" forName="text_2" refType="ctrY" refFor="ch" refForName="accent_2"/>
+                <dgm:constr type="lMarg" for="ch" forName="text_2" refType="w" refFor="ch" refForName="accent_2" fact="1.8"/>
+                <dgm:constr type="h" for="ch" forName="accent_3" refType="h" fact="0.1136"/>
+                <dgm:constr type="w" for="ch" forName="accent_3" refType="h" refFor="ch" refForName="accent_3" op="equ"/>
+                <dgm:constr type="ctrY" for="ch" forName="accent_3" refType="h" fact="0.3636"/>
+                <dgm:constr type="ctrX" for="ch" forName="accent_3" refType="h" fact="0.2109"/>
+                <dgm:constr type="l" for="ch" forName="text_3" refType="ctrX" refFor="ch" refForName="accent_3"/>
+                <dgm:constr type="r" for="ch" forName="text_3" refType="w"/>
+                <dgm:constr type="w" for="ch" forName="text_3" refType="h" refFor="ch" refForName="text_3" op="gte"/>
+                <dgm:constr type="h" for="ch" forName="text_3" refType="h" refFor="ch" refForName="accent_3" fact="0.8"/>
+                <dgm:constr type="ctrY" for="ch" forName="text_3" refType="ctrY" refFor="ch" refForName="accent_3"/>
+                <dgm:constr type="lMarg" for="ch" forName="text_3" refType="w" refFor="ch" refForName="accent_3" fact="1.8"/>
+                <dgm:constr type="h" for="ch" forName="accent_4" refType="h" fact="0.1136"/>
+                <dgm:constr type="w" for="ch" forName="accent_4" refType="h" refFor="ch" refForName="accent_4" op="equ"/>
+                <dgm:constr type="ctrY" for="ch" forName="accent_4" refType="h" fact="0.5"/>
+                <dgm:constr type="ctrX" for="ch" forName="accent_4" refType="h" fact="0.2253"/>
+                <dgm:constr type="l" for="ch" forName="text_4" refType="ctrX" refFor="ch" refForName="accent_4"/>
+                <dgm:constr type="r" for="ch" forName="text_4" refType="w"/>
+                <dgm:constr type="w" for="ch" forName="text_4" refType="h" refFor="ch" refForName="text_4" op="gte"/>
+                <dgm:constr type="h" for="ch" forName="text_4" refType="h" refFor="ch" refForName="accent_4" fact="0.8"/>
+                <dgm:constr type="ctrY" for="ch" forName="text_4" refType="ctrY" refFor="ch" refForName="accent_4"/>
+                <dgm:constr type="lMarg" for="ch" forName="text_4" refType="w" refFor="ch" refForName="accent_4" fact="1.8"/>
+                <dgm:constr type="h" for="ch" forName="accent_5" refType="h" fact="0.1136"/>
+                <dgm:constr type="w" for="ch" forName="accent_5" refType="h" refFor="ch" refForName="accent_5" op="equ"/>
+                <dgm:constr type="ctrY" for="ch" forName="accent_5" refType="h" fact="0.6364"/>
+                <dgm:constr type="ctrX" for="ch" forName="accent_5" refType="h" fact="0.2109"/>
+                <dgm:constr type="l" for="ch" forName="text_5" refType="ctrX" refFor="ch" refForName="accent_5"/>
+                <dgm:constr type="r" for="ch" forName="text_5" refType="w"/>
+                <dgm:constr type="w" for="ch" forName="text_5" refType="h" refFor="ch" refForName="text_5" op="gte"/>
+                <dgm:constr type="h" for="ch" forName="text_5" refType="h" refFor="ch" refForName="accent_5" fact="0.8"/>
+                <dgm:constr type="ctrY" for="ch" forName="text_5" refType="ctrY" refFor="ch" refForName="accent_5"/>
+                <dgm:constr type="lMarg" for="ch" forName="text_5" refType="w" refFor="ch" refForName="accent_5" fact="1.8"/>
+                <dgm:constr type="h" for="ch" forName="accent_6" refType="h" fact="0.1136"/>
+                <dgm:constr type="w" for="ch" forName="accent_6" refType="h" refFor="ch" refForName="accent_6" op="equ"/>
+                <dgm:constr type="ctrY" for="ch" forName="accent_6" refType="h" fact="0.7727"/>
+                <dgm:constr type="ctrX" for="ch" forName="accent_6" refType="h" fact="0.1658"/>
+                <dgm:constr type="l" for="ch" forName="text_6" refType="ctrX" refFor="ch" refForName="accent_6"/>
+                <dgm:constr type="r" for="ch" forName="text_6" refType="w"/>
+                <dgm:constr type="w" for="ch" forName="text_6" refType="h" refFor="ch" refForName="text_6" op="gte"/>
+                <dgm:constr type="h" for="ch" forName="text_6" refType="h" refFor="ch" refForName="accent_6" fact="0.8"/>
+                <dgm:constr type="ctrY" for="ch" forName="text_6" refType="ctrY" refFor="ch" refForName="accent_6"/>
+                <dgm:constr type="lMarg" for="ch" forName="text_6" refType="w" refFor="ch" refForName="accent_6" fact="1.8"/>
+                <dgm:constr type="h" for="ch" forName="accent_7" refType="h" fact="0.1136"/>
+                <dgm:constr type="w" for="ch" forName="accent_7" refType="h" refFor="ch" refForName="accent_7" op="equ"/>
+                <dgm:constr type="ctrY" for="ch" forName="accent_7" refType="h" fact="0.9091"/>
+                <dgm:constr type="ctrX" for="ch" forName="accent_7" refType="h" fact="0.0835"/>
+                <dgm:constr type="l" for="ch" forName="text_7" refType="ctrX" refFor="ch" refForName="accent_7"/>
+                <dgm:constr type="r" for="ch" forName="text_7" refType="w"/>
+                <dgm:constr type="w" for="ch" forName="text_7" refType="h" refFor="ch" refForName="text_7" op="gte"/>
+                <dgm:constr type="h" for="ch" forName="text_7" refType="h" refFor="ch" refForName="accent_7" fact="0.8"/>
+                <dgm:constr type="ctrY" for="ch" forName="text_7" refType="ctrY" refFor="ch" refForName="accent_7"/>
+                <dgm:constr type="lMarg" for="ch" forName="text_7" refType="w" refFor="ch" refForName="accent_7" fact="1.8"/>
+                <dgm:constr type="primFontSz" for="ch" ptType="node" op="equ" val="65"/>
+              </dgm:constrLst>
+            </dgm:else>
+          </dgm:choose>
+        </dgm:if>
+        <dgm:else name="Name12">
+          <dgm:choose name="Name13">
+            <dgm:if name="Name14" axis="ch" ptType="node" func="cnt" op="equ" val="1">
+              <dgm:constrLst>
+                <dgm:constr type="h" for="ch" forName="cycle" refType="h"/>
+                <dgm:constr type="w" for="ch" forName="cycle" refType="h" refFor="ch" refForName="cycle" fact="0.26"/>
+                <dgm:constr type="r" for="ch" forName="cycle" refType="w"/>
+                <dgm:constr type="ctrY" for="ch" forName="cycle" refType="h" fact="0.5"/>
+                <dgm:constr type="diam" for="ch" forName="cycle" refType="h" fact="1.344"/>
+                <dgm:constr type="h" for="ch" forName="accent_1" refType="h" fact="0.625"/>
+                <dgm:constr type="w" for="ch" forName="accent_1" refType="h" refFor="ch" refForName="accent_1" op="equ"/>
+                <dgm:constr type="ctrY" for="ch" forName="accent_1" refType="h" fact="0.5"/>
+                <dgm:constr type="ctrX" for="ch" forName="accent_1" refType="w"/>
+                <dgm:constr type="ctrXOff" for="ch" forName="accent_1" refType="h" fact="-0.2253"/>
+                <dgm:constr type="r" for="ch" forName="text_1" refType="ctrX" refFor="ch" refForName="accent_1"/>
+                <dgm:constr type="rOff" for="ch" forName="text_1" refType="ctrXOff" refFor="ch" refForName="accent_1"/>
+                <dgm:constr type="l" for="ch" forName="text_1"/>
+                <dgm:constr type="w" for="ch" forName="text_1" refType="h" refFor="ch" refForName="text_1" op="gte"/>
+                <dgm:constr type="h" for="ch" forName="text_1" refType="h" refFor="ch" refForName="accent_1" fact="0.8"/>
+                <dgm:constr type="ctrY" for="ch" forName="text_1" refType="ctrY" refFor="ch" refForName="accent_1"/>
+                <dgm:constr type="rMarg" for="ch" forName="text_1" refType="w" refFor="ch" refForName="accent_1" fact="1.8"/>
+                <dgm:constr type="primFontSz" for="ch" ptType="node" op="equ" val="65"/>
+              </dgm:constrLst>
+            </dgm:if>
+            <dgm:if name="Name15" axis="ch" ptType="node" func="cnt" op="equ" val="2">
+              <dgm:constrLst>
+                <dgm:constr type="h" for="ch" forName="cycle" refType="h"/>
+                <dgm:constr type="w" for="ch" forName="cycle" refType="h" refFor="ch" refForName="cycle" fact="0.26"/>
+                <dgm:constr type="r" for="ch" forName="cycle" refType="w"/>
+                <dgm:constr type="ctrY" for="ch" forName="cycle" refType="h" fact="0.5"/>
+                <dgm:constr type="diam" for="ch" forName="cycle" refType="h" fact="1.344"/>
+                <dgm:constr type="h" for="ch" forName="accent_1" refType="h" fact="0.3571"/>
+                <dgm:constr type="w" for="ch" forName="accent_1" refType="h" refFor="ch" refForName="accent_1" op="equ"/>
+                <dgm:constr type="ctrY" for="ch" forName="accent_1" refType="h" fact="0.2857"/>
+                <dgm:constr type="ctrX" for="ch" forName="accent_1" refType="w"/>
+                <dgm:constr type="ctrXOff" for="ch" forName="accent_1" refType="h" fact="-0.1891"/>
+                <dgm:constr type="r" for="ch" forName="text_1" refType="ctrX" refFor="ch" refForName="accent_1"/>
+                <dgm:constr type="rOff" for="ch" forName="text_1" refType="ctrXOff" refFor="ch" refForName="accent_1"/>
+                <dgm:constr type="l" for="ch" forName="text_1"/>
+                <dgm:constr type="w" for="ch" forName="text_1" refType="h" refFor="ch" refForName="text_1" op="gte"/>
+                <dgm:constr type="h" for="ch" forName="text_1" refType="h" refFor="ch" refForName="accent_1" fact="0.8"/>
+                <dgm:constr type="ctrY" for="ch" forName="text_1" refType="ctrY" refFor="ch" refForName="accent_1"/>
+                <dgm:constr type="rMarg" for="ch" forName="text_1" refType="w" refFor="ch" refForName="accent_1" fact="1.8"/>
+                <dgm:constr type="h" for="ch" forName="accent_2" refType="h" fact="0.3571"/>
+                <dgm:constr type="w" for="ch" forName="accent_2" refType="h" refFor="ch" refForName="accent_2" op="equ"/>
+                <dgm:constr type="ctrY" for="ch" forName="accent_2" refType="h" fact="0.7143"/>
+                <dgm:constr type="ctrX" for="ch" forName="accent_2" refType="w"/>
+                <dgm:constr type="ctrXOff" for="ch" forName="accent_2" refType="h" fact="-0.1891"/>
+                <dgm:constr type="r" for="ch" forName="text_2" refType="ctrX" refFor="ch" refForName="accent_2"/>
+                <dgm:constr type="rOff" for="ch" forName="text_2" refType="ctrXOff" refFor="ch" refForName="accent_2"/>
+                <dgm:constr type="l" for="ch" forName="text_2"/>
+                <dgm:constr type="w" for="ch" forName="text_2" refType="h" refFor="ch" refForName="text_2" op="gte"/>
+                <dgm:constr type="h" for="ch" forName="text_2" refType="h" refFor="ch" refForName="accent_2" fact="0.8"/>
+                <dgm:constr type="ctrY" for="ch" forName="text_2" refType="ctrY" refFor="ch" refForName="accent_2"/>
+                <dgm:constr type="rMarg" for="ch" forName="text_2" refType="w" refFor="ch" refForName="accent_2" fact="1.8"/>
+                <dgm:constr type="primFontSz" for="ch" ptType="node" op="equ" val="65"/>
+              </dgm:constrLst>
+            </dgm:if>
+            <dgm:if name="Name16" axis="ch" ptType="node" func="cnt" op="equ" val="3">
+              <dgm:constrLst>
+                <dgm:constr type="h" for="ch" forName="cycle" refType="h"/>
+                <dgm:constr type="w" for="ch" forName="cycle" refType="h" refFor="ch" refForName="cycle" fact="0.26"/>
+                <dgm:constr type="r" for="ch" forName="cycle" refType="w"/>
+                <dgm:constr type="ctrY" for="ch" forName="cycle" refType="h" fact="0.5"/>
+                <dgm:constr type="diam" for="ch" forName="cycle" refType="h" fact="1.344"/>
+                <dgm:constr type="h" for="ch" forName="accent_1" refType="h" fact="0.25"/>
+                <dgm:constr type="w" for="ch" forName="accent_1" refType="h" refFor="ch" refForName="accent_1" op="equ"/>
+                <dgm:constr type="ctrY" for="ch" forName="accent_1" refType="h" fact="0.2"/>
+                <dgm:constr type="ctrX" for="ch" forName="accent_1" refType="w"/>
+                <dgm:constr type="ctrXOff" for="ch" forName="accent_1" refType="h" fact="-0.1526"/>
+                <dgm:constr type="r" for="ch" forName="text_1" refType="ctrX" refFor="ch" refForName="accent_1"/>
+                <dgm:constr type="rOff" for="ch" forName="text_1" refType="ctrXOff" refFor="ch" refForName="accent_1"/>
+                <dgm:constr type="l" for="ch" forName="text_1"/>
+                <dgm:constr type="w" for="ch" forName="text_1" refType="h" refFor="ch" refForName="text_1" op="gte"/>
+                <dgm:constr type="h" for="ch" forName="text_1" refType="h" refFor="ch" refForName="accent_1" fact="0.8"/>
+                <dgm:constr type="ctrY" for="ch" forName="text_1" refType="ctrY" refFor="ch" refForName="accent_1"/>
+                <dgm:constr type="rMarg" for="ch" forName="text_1" refType="w" refFor="ch" refForName="accent_1" fact="1.8"/>
+                <dgm:constr type="h" for="ch" forName="accent_2" refType="h" fact="0.25"/>
+                <dgm:constr type="w" for="ch" forName="accent_2" refType="h" refFor="ch" refForName="accent_2" op="equ"/>
+                <dgm:constr type="ctrY" for="ch" forName="accent_2" refType="h" fact="0.5"/>
+                <dgm:constr type="ctrX" for="ch" forName="accent_2" refType="w"/>
+                <dgm:constr type="ctrXOff" for="ch" forName="accent_2" refType="h" fact="-0.2253"/>
+                <dgm:constr type="r" for="ch" forName="text_2" refType="ctrX" refFor="ch" refForName="accent_2"/>
+                <dgm:constr type="rOff" for="ch" forName="text_2" refType="ctrXOff" refFor="ch" refForName="accent_2"/>
+                <dgm:constr type="l" for="ch" forName="text_2"/>
+                <dgm:constr type="w" for="ch" forName="text_2" refType="h" refFor="ch" refForName="text_2" op="gte"/>
+                <dgm:constr type="h" for="ch" forName="text_2" refType="h" refFor="ch" refForName="accent_2" fact="0.8"/>
+                <dgm:constr type="ctrY" for="ch" forName="text_2" refType="ctrY" refFor="ch" refForName="accent_2"/>
+                <dgm:constr type="rMarg" for="ch" forName="text_2" refType="w" refFor="ch" refForName="accent_2" fact="1.8"/>
+                <dgm:constr type="h" for="ch" forName="accent_3" refType="h" fact="0.25"/>
+                <dgm:constr type="w" for="ch" forName="accent_3" refType="h" refFor="ch" refForName="accent_3" op="equ"/>
+                <dgm:constr type="ctrY" for="ch" forName="accent_3" refType="h" fact="0.8"/>
+                <dgm:constr type="ctrX" for="ch" forName="accent_3" refType="w"/>
+                <dgm:constr type="ctrXOff" for="ch" forName="accent_3" refType="h" fact="-0.1526"/>
+                <dgm:constr type="r" for="ch" forName="text_3" refType="ctrX" refFor="ch" refForName="accent_3"/>
+                <dgm:constr type="rOff" for="ch" forName="text_3" refType="ctrXOff" refFor="ch" refForName="accent_3"/>
+                <dgm:constr type="l" for="ch" forName="text_3"/>
+                <dgm:constr type="w" for="ch" forName="text_3" refType="h" refFor="ch" refForName="text_3" op="gte"/>
+                <dgm:constr type="h" for="ch" forName="text_3" refType="h" refFor="ch" refForName="accent_3" fact="0.8"/>
+                <dgm:constr type="ctrY" for="ch" forName="text_3" refType="ctrY" refFor="ch" refForName="accent_3"/>
+                <dgm:constr type="rMarg" for="ch" forName="text_3" refType="w" refFor="ch" refForName="accent_3" fact="1.8"/>
+                <dgm:constr type="primFontSz" for="ch" ptType="node" op="equ" val="65"/>
+              </dgm:constrLst>
+            </dgm:if>
+            <dgm:if name="Name17" axis="ch" ptType="node" func="cnt" op="equ" val="4">
+              <dgm:constrLst>
+                <dgm:constr type="h" for="ch" forName="cycle" refType="h"/>
+                <dgm:constr type="w" for="ch" forName="cycle" refType="h" refFor="ch" refForName="cycle" fact="0.26"/>
+                <dgm:constr type="r" for="ch" forName="cycle" refType="w"/>
+                <dgm:constr type="ctrY" for="ch" forName="cycle" refType="h" fact="0.5"/>
+                <dgm:constr type="diam" for="ch" forName="cycle" refType="h" fact="1.344"/>
+                <dgm:constr type="h" for="ch" forName="accent_1" refType="h" fact="0.1923"/>
+                <dgm:constr type="w" for="ch" forName="accent_1" refType="h" refFor="ch" refForName="accent_1" op="equ"/>
+                <dgm:constr type="ctrY" for="ch" forName="accent_1" refType="h" fact="0.1538"/>
+                <dgm:constr type="ctrX" for="ch" forName="accent_1" refType="w"/>
+                <dgm:constr type="ctrXOff" for="ch" forName="accent_1" refType="h" fact="-0.1268"/>
+                <dgm:constr type="r" for="ch" forName="text_1" refType="ctrX" refFor="ch" refForName="accent_1"/>
+                <dgm:constr type="rOff" for="ch" forName="text_1" refType="ctrXOff" refFor="ch" refForName="accent_1"/>
+                <dgm:constr type="l" for="ch" forName="text_1"/>
+                <dgm:constr type="w" for="ch" forName="text_1" refType="h" refFor="ch" refForName="text_1" op="gte"/>
+                <dgm:constr type="h" for="ch" forName="text_1" refType="h" refFor="ch" refForName="accent_1" fact="0.8"/>
+                <dgm:constr type="ctrY" for="ch" forName="text_1" refType="ctrY" refFor="ch" refForName="accent_1"/>
+                <dgm:constr type="rMarg" for="ch" forName="text_1" refType="w" refFor="ch" refForName="accent_1" fact="1.8"/>
+                <dgm:constr type="h" for="ch" forName="accent_2" refType="h" fact="0.1923"/>
+                <dgm:constr type="w" for="ch" forName="accent_2" refType="h" refFor="ch" refForName="accent_2" op="equ"/>
+                <dgm:constr type="ctrY" for="ch" forName="accent_2" refType="h" fact="0.3846"/>
+                <dgm:constr type="ctrX" for="ch" forName="accent_2" refType="w"/>
+                <dgm:constr type="ctrXOff" for="ch" forName="accent_2" refType="h" fact="-0.215"/>
+                <dgm:constr type="r" for="ch" forName="text_2" refType="ctrX" refFor="ch" refForName="accent_2"/>
+                <dgm:constr type="rOff" for="ch" forName="text_2" refType="ctrXOff" refFor="ch" refForName="accent_2"/>
+                <dgm:constr type="l" for="ch" forName="text_2"/>
+                <dgm:constr type="w" for="ch" forName="text_2" refType="h" refFor="ch" refForName="text_2" op="gte"/>
+                <dgm:constr type="h" for="ch" forName="text_2" refType="h" refFor="ch" refForName="accent_2" fact="0.8"/>
+                <dgm:constr type="ctrY" for="ch" forName="text_2" refType="ctrY" refFor="ch" refForName="accent_2"/>
+                <dgm:constr type="rMarg" for="ch" forName="text_2" refType="w" refFor="ch" refForName="accent_2" fact="1.8"/>
+                <dgm:constr type="h" for="ch" forName="accent_3" refType="h" fact="0.1923"/>
+                <dgm:constr type="w" for="ch" forName="accent_3" refType="h" refFor="ch" refForName="accent_3" op="equ"/>
+                <dgm:constr type="ctrY" for="ch" forName="accent_3" refType="h" fact="0.6154"/>
+                <dgm:constr type="ctrX" for="ch" forName="accent_3" refType="w"/>
+                <dgm:constr type="ctrXOff" for="ch" forName="accent_3" refType="h" fact="-0.215"/>
+                <dgm:constr type="r" for="ch" forName="text_3" refType="ctrX" refFor="ch" refForName="accent_3"/>
+                <dgm:constr type="rOff" for="ch" forName="text_3" refType="ctrXOff" refFor="ch" refForName="accent_3"/>
+                <dgm:constr type="l" for="ch" forName="text_3"/>
+                <dgm:constr type="w" for="ch" forName="text_3" refType="h" refFor="ch" refForName="text_3" op="gte"/>
+                <dgm:constr type="h" for="ch" forName="text_3" refType="h" refFor="ch" refForName="accent_3" fact="0.8"/>
+                <dgm:constr type="ctrY" for="ch" forName="text_3" refType="ctrY" refFor="ch" refForName="accent_3"/>
+                <dgm:constr type="rMarg" for="ch" forName="text_3" refType="w" refFor="ch" refForName="accent_3" fact="1.8"/>
+                <dgm:constr type="h" for="ch" forName="accent_4" refType="h" fact="0.1923"/>
+                <dgm:constr type="w" for="ch" forName="accent_4" refType="h" refFor="ch" refForName="accent_4" op="equ"/>
+                <dgm:constr type="ctrY" for="ch" forName="accent_4" refType="h" fact="0.8462"/>
+                <dgm:constr type="ctrX" for="ch" forName="accent_4" refType="w"/>
+                <dgm:constr type="ctrXOff" for="ch" forName="accent_4" refType="h" fact="-0.1268"/>
+                <dgm:constr type="r" for="ch" forName="text_4" refType="ctrX" refFor="ch" refForName="accent_4"/>
+                <dgm:constr type="rOff" for="ch" forName="text_4" refType="ctrXOff" refFor="ch" refForName="accent_4"/>
+                <dgm:constr type="l" for="ch" forName="text_4"/>
+                <dgm:constr type="w" for="ch" forName="text_4" refType="h" refFor="ch" refForName="text_4" op="gte"/>
+                <dgm:constr type="h" for="ch" forName="text_4" refType="h" refFor="ch" refForName="accent_4" fact="0.8"/>
+                <dgm:constr type="ctrY" for="ch" forName="text_4" refType="ctrY" refFor="ch" refForName="accent_4"/>
+                <dgm:constr type="rMarg" for="ch" forName="text_4" refType="w" refFor="ch" refForName="accent_4" fact="1.8"/>
+                <dgm:constr type="primFontSz" for="ch" ptType="node" op="equ" val="65"/>
+              </dgm:constrLst>
+            </dgm:if>
+            <dgm:if name="Name18" axis="ch" ptType="node" func="cnt" op="equ" val="5">
+              <dgm:constrLst>
+                <dgm:constr type="h" for="ch" forName="cycle" refType="h"/>
+                <dgm:constr type="w" for="ch" forName="cycle" refType="h" refFor="ch" refForName="cycle" fact="0.26"/>
+                <dgm:constr type="r" for="ch" forName="cycle" refType="w"/>
+                <dgm:constr type="ctrY" for="ch" forName="cycle" refType="h" fact="0.5"/>
+                <dgm:constr type="diam" for="ch" forName="cycle" refType="h" fact="1.344"/>
+                <dgm:constr type="h" for="ch" forName="accent_1" refType="h" fact="0.1563"/>
+                <dgm:constr type="w" for="ch" forName="accent_1" refType="h" refFor="ch" refForName="accent_1" op="equ"/>
+                <dgm:constr type="ctrY" for="ch" forName="accent_1" refType="h" fact="0.125"/>
+                <dgm:constr type="ctrX" for="ch" forName="accent_1" refType="w"/>
+                <dgm:constr type="ctrXOff" for="ch" forName="accent_1" refType="h" fact="-0.1082"/>
+                <dgm:constr type="r" for="ch" forName="text_1" refType="ctrX" refFor="ch" refForName="accent_1"/>
+                <dgm:constr type="rOff" for="ch" forName="text_1" refType="ctrXOff" refFor="ch" refForName="accent_1"/>
+                <dgm:constr type="l" for="ch" forName="text_1"/>
+                <dgm:constr type="w" for="ch" forName="text_1" refType="h" refFor="ch" refForName="text_1" op="gte"/>
+                <dgm:constr type="h" for="ch" forName="text_1" refType="h" refFor="ch" refForName="accent_1" fact="0.8"/>
+                <dgm:constr type="ctrY" for="ch" forName="text_1" refType="ctrY" refFor="ch" refForName="accent_1"/>
+                <dgm:constr type="rMarg" for="ch" forName="text_1" refType="w" refFor="ch" refForName="accent_1" fact="1.8"/>
+                <dgm:constr type="h" for="ch" forName="accent_2" refType="h" fact="0.1563"/>
+                <dgm:constr type="w" for="ch" forName="accent_2" refType="h" refFor="ch" refForName="accent_2" op="equ"/>
+                <dgm:constr type="ctrY" for="ch" forName="accent_2" refType="h" fact="0.3125"/>
+                <dgm:constr type="ctrX" for="ch" forName="accent_2" refType="w"/>
+                <dgm:constr type="ctrXOff" for="ch" forName="accent_2" refType="h" fact="-0.1978"/>
+                <dgm:constr type="r" for="ch" forName="text_2" refType="ctrX" refFor="ch" refForName="accent_2"/>
+                <dgm:constr type="rOff" for="ch" forName="text_2" refType="ctrXOff" refFor="ch" refForName="accent_2"/>
+                <dgm:constr type="l" for="ch" forName="text_2"/>
+                <dgm:constr type="w" for="ch" forName="text_2" refType="h" refFor="ch" refForName="text_2" op="gte"/>
+                <dgm:constr type="h" for="ch" forName="text_2" refType="h" refFor="ch" refForName="accent_2" fact="0.8"/>
+                <dgm:constr type="ctrY" for="ch" forName="text_2" refType="ctrY" refFor="ch" refForName="accent_2"/>
+                <dgm:constr type="rMarg" for="ch" forName="text_2" refType="w" refFor="ch" refForName="accent_2" fact="1.8"/>
+                <dgm:constr type="h" for="ch" forName="accent_3" refType="h" fact="0.1563"/>
+                <dgm:constr type="w" for="ch" forName="accent_3" refType="h" refFor="ch" refForName="accent_3" op="equ"/>
+                <dgm:constr type="ctrY" for="ch" forName="accent_3" refType="h" fact="0.5"/>
+                <dgm:constr type="ctrX" for="ch" forName="accent_3" refType="w"/>
+                <dgm:constr type="ctrXOff" for="ch" forName="accent_3" refType="h" fact="-0.2253"/>
+                <dgm:constr type="r" for="ch" forName="text_3" refType="ctrX" refFor="ch" refForName="accent_3"/>
+                <dgm:constr type="rOff" for="ch" forName="text_3" refType="ctrXOff" refFor="ch" refForName="accent_3"/>
+                <dgm:constr type="l" for="ch" forName="text_3"/>
+                <dgm:constr type="w" for="ch" forName="text_3" refType="h" refFor="ch" refForName="text_3" op="gte"/>
+                <dgm:constr type="h" for="ch" forName="text_3" refType="h" refFor="ch" refForName="accent_3" fact="0.8"/>
+                <dgm:constr type="ctrY" for="ch" forName="text_3" refType="ctrY" refFor="ch" refForName="accent_3"/>
+                <dgm:constr type="rMarg" for="ch" forName="text_3" refType="w" refFor="ch" refForName="accent_3" fact="1.8"/>
+                <dgm:constr type="h" for="ch" forName="accent_4" refType="h" fact="0.1563"/>
+                <dgm:constr type="w" for="ch" forName="accent_4" refType="h" refFor="ch" refForName="accent_4" op="equ"/>
+                <dgm:constr type="ctrY" for="ch" forName="accent_4" refType="h" fact="0.6875"/>
+                <dgm:constr type="ctrX" for="ch" forName="accent_4" refType="w"/>
+                <dgm:constr type="ctrXOff" for="ch" forName="accent_4" refType="h" fact="-0.1978"/>
+                <dgm:constr type="r" for="ch" forName="text_4" refType="ctrX" refFor="ch" refForName="accent_4"/>
+                <dgm:constr type="rOff" for="ch" forName="text_4" refType="ctrXOff" refFor="ch" refForName="accent_4"/>
+                <dgm:constr type="l" for="ch" forName="text_4"/>
+                <dgm:constr type="w" for="ch" forName="text_4" refType="h" refFor="ch" refForName="text_4" op="gte"/>
+                <dgm:constr type="h" for="ch" forName="text_4" refType="h" refFor="ch" refForName="accent_4" fact="0.8"/>
+                <dgm:constr type="ctrY" for="ch" forName="text_4" refType="ctrY" refFor="ch" refForName="accent_4"/>
+                <dgm:constr type="rMarg" for="ch" forName="text_4" refType="w" refFor="ch" refForName="accent_4" fact="1.8"/>
+                <dgm:constr type="h" for="ch" forName="accent_5" refType="h" fact="0.1563"/>
+                <dgm:constr type="w" for="ch" forName="accent_5" refType="h" refFor="ch" refForName="accent_5" op="equ"/>
+                <dgm:constr type="ctrY" for="ch" forName="accent_5" refType="h" fact="0.875"/>
+                <dgm:constr type="ctrX" for="ch" forName="accent_5" refType="w"/>
+                <dgm:constr type="ctrXOff" for="ch" forName="accent_5" refType="h" fact="-0.1082"/>
+                <dgm:constr type="r" for="ch" forName="text_5" refType="ctrX" refFor="ch" refForName="accent_5"/>
+                <dgm:constr type="rOff" for="ch" forName="text_5" refType="ctrXOff" refFor="ch" refForName="accent_5"/>
+                <dgm:constr type="l" for="ch" forName="text_5"/>
+                <dgm:constr type="w" for="ch" forName="text_5" refType="h" refFor="ch" refForName="text_5" op="gte"/>
+                <dgm:constr type="h" for="ch" forName="text_5" refType="h" refFor="ch" refForName="accent_5" fact="0.8"/>
+                <dgm:constr type="ctrY" for="ch" forName="text_5" refType="ctrY" refFor="ch" refForName="accent_5"/>
+                <dgm:constr type="rMarg" for="ch" forName="text_5" refType="w" refFor="ch" refForName="accent_5" fact="1.8"/>
+                <dgm:constr type="primFontSz" for="ch" ptType="node" op="equ" val="65"/>
+              </dgm:constrLst>
+            </dgm:if>
+            <dgm:if name="Name19" axis="ch" ptType="node" func="cnt" op="equ" val="6">
+              <dgm:constrLst>
+                <dgm:constr type="h" for="ch" forName="cycle" refType="h"/>
+                <dgm:constr type="w" for="ch" forName="cycle" refType="h" refFor="ch" refForName="cycle" fact="0.26"/>
+                <dgm:constr type="r" for="ch" forName="cycle" refType="w"/>
+                <dgm:constr type="ctrY" for="ch" forName="cycle" refType="h" fact="0.5"/>
+                <dgm:constr type="diam" for="ch" forName="cycle" refType="h" fact="1.344"/>
+                <dgm:constr type="h" for="ch" forName="accent_1" refType="h" fact="0.1316"/>
+                <dgm:constr type="w" for="ch" forName="accent_1" refType="h" refFor="ch" refForName="accent_1" op="equ"/>
+                <dgm:constr type="ctrY" for="ch" forName="accent_1" refType="h" fact="0.1053"/>
+                <dgm:constr type="ctrX" for="ch" forName="accent_1" refType="w"/>
+                <dgm:constr type="ctrXOff" for="ch" forName="accent_1" refType="h" fact="-0.0943"/>
+                <dgm:constr type="r" for="ch" forName="text_1" refType="ctrX" refFor="ch" refForName="accent_1"/>
+                <dgm:constr type="rOff" for="ch" forName="text_1" refType="ctrXOff" refFor="ch" refForName="accent_1"/>
+                <dgm:constr type="l" for="ch" forName="text_1"/>
+                <dgm:constr type="w" for="ch" forName="text_1" refType="h" refFor="ch" refForName="text_1" op="gte"/>
+                <dgm:constr type="h" for="ch" forName="text_1" refType="h" refFor="ch" refForName="accent_1" fact="0.8"/>
+                <dgm:constr type="ctrY" for="ch" forName="text_1" refType="ctrY" refFor="ch" refForName="accent_1"/>
+                <dgm:constr type="rMarg" for="ch" forName="text_1" refType="w" refFor="ch" refForName="accent_1" fact="1.8"/>
+                <dgm:constr type="h" for="ch" forName="accent_2" refType="h" fact="0.1316"/>
+                <dgm:constr type="w" for="ch" forName="accent_2" refType="h" refFor="ch" refForName="accent_2" op="equ"/>
+                <dgm:constr type="ctrY" for="ch" forName="accent_2" refType="h" fact="0.2632"/>
+                <dgm:constr type="ctrX" for="ch" forName="accent_2" refType="w"/>
+                <dgm:constr type="ctrXOff" for="ch" forName="accent_2" refType="h" fact="-0.1809"/>
+                <dgm:constr type="r" for="ch" forName="text_2" refType="ctrX" refFor="ch" refForName="accent_2"/>
+                <dgm:constr type="rOff" for="ch" forName="text_2" refType="ctrXOff" refFor="ch" refForName="accent_2"/>
+                <dgm:constr type="l" for="ch" forName="text_2"/>
+                <dgm:constr type="w" for="ch" forName="text_2" refType="h" refFor="ch" refForName="text_2" op="gte"/>
+                <dgm:constr type="h" for="ch" forName="text_2" refType="h" refFor="ch" refForName="accent_2" fact="0.8"/>
+                <dgm:constr type="ctrY" for="ch" forName="text_2" refType="ctrY" refFor="ch" refForName="accent_2"/>
+                <dgm:constr type="rMarg" for="ch" forName="text_2" refType="w" refFor="ch" refForName="accent_2" fact="1.8"/>
+                <dgm:constr type="h" for="ch" forName="accent_3" refType="h" fact="0.1316"/>
+                <dgm:constr type="w" for="ch" forName="accent_3" refType="h" refFor="ch" refForName="accent_3" op="equ"/>
+                <dgm:constr type="ctrY" for="ch" forName="accent_3" refType="h" fact="0.4211"/>
+                <dgm:constr type="ctrX" for="ch" forName="accent_3" refType="w"/>
+                <dgm:constr type="ctrXOff" for="ch" forName="accent_3" refType="h" fact="-0.2205"/>
+                <dgm:constr type="r" for="ch" forName="text_3" refType="ctrX" refFor="ch" refForName="accent_3"/>
+                <dgm:constr type="rOff" for="ch" forName="text_3" refType="ctrXOff" refFor="ch" refForName="accent_3"/>
+                <dgm:constr type="l" for="ch" forName="text_3"/>
+                <dgm:constr type="w" for="ch" forName="text_3" refType="h" refFor="ch" refForName="text_3" op="gte"/>
+                <dgm:constr type="h" for="ch" forName="text_3" refType="h" refFor="ch" refForName="accent_3" fact="0.8"/>
+                <dgm:constr type="ctrY" for="ch" forName="text_3" refType="ctrY" refFor="ch" refForName="accent_3"/>
+                <dgm:constr type="rMarg" for="ch" forName="text_3" refType="w" refFor="ch" refForName="accent_3" fact="1.8"/>
+                <dgm:constr type="h" for="ch" forName="accent_4" refType="h" fact="0.1316"/>
+                <dgm:constr type="w" for="ch" forName="accent_4" refType="h" refFor="ch" refForName="accent_4" op="equ"/>
+                <dgm:constr type="ctrY" for="ch" forName="accent_4" refType="h" fact="0.5789"/>
+                <dgm:constr type="ctrX" for="ch" forName="accent_4" refType="w"/>
+                <dgm:constr type="ctrXOff" for="ch" forName="accent_4" refType="h" fact="-0.2205"/>
+                <dgm:constr type="r" for="ch" forName="text_4" refType="ctrX" refFor="ch" refForName="accent_4"/>
+                <dgm:constr type="rOff" for="ch" forName="text_4" refType="ctrXOff" refFor="ch" refForName="accent_4"/>
+                <dgm:constr type="l" for="ch" forName="text_4"/>
+                <dgm:constr type="w" for="ch" forName="text_4" refType="h" refFor="ch" refForName="text_4" op="gte"/>
+                <dgm:constr type="h" for="ch" forName="text_4" refType="h" refFor="ch" refForName="accent_4" fact="0.8"/>
+                <dgm:constr type="ctrY" for="ch" forName="text_4" refType="ctrY" refFor="ch" refForName="accent_4"/>
+                <dgm:constr type="rMarg" for="ch" forName="text_4" refType="w" refFor="ch" refForName="accent_4" fact="1.8"/>
+                <dgm:constr type="h" for="ch" forName="accent_5" refType="h" fact="0.1316"/>
+                <dgm:constr type="w" for="ch" forName="accent_5" refType="h" refFor="ch" refForName="accent_5" op="equ"/>
+                <dgm:constr type="ctrY" for="ch" forName="accent_5" refType="h" fact="0.7368"/>
+                <dgm:constr type="ctrX" for="ch" forName="accent_5" refType="w"/>
+                <dgm:constr type="ctrXOff" for="ch" forName="accent_5" refType="h" fact="-0.1809"/>
+                <dgm:constr type="r" for="ch" forName="text_5" refType="ctrX" refFor="ch" refForName="accent_5"/>
+                <dgm:constr type="rOff" for="ch" forName="text_5" refType="ctrXOff" refFor="ch" refForName="accent_5"/>
+                <dgm:constr type="l" for="ch" forName="text_5"/>
+                <dgm:constr type="w" for="ch" forName="text_5" refType="h" refFor="ch" refForName="text_5" op="gte"/>
+                <dgm:constr type="h" for="ch" forName="text_5" refType="h" refFor="ch" refForName="accent_5" fact="0.8"/>
+                <dgm:constr type="ctrY" for="ch" forName="text_5" refType="ctrY" refFor="ch" refForName="accent_5"/>
+                <dgm:constr type="rMarg" for="ch" forName="text_5" refType="w" refFor="ch" refForName="accent_5" fact="1.8"/>
+                <dgm:constr type="h" for="ch" forName="accent_6" refType="h" fact="0.1316"/>
+                <dgm:constr type="w" for="ch" forName="accent_6" refType="h" refFor="ch" refForName="accent_6" op="equ"/>
+                <dgm:constr type="ctrY" for="ch" forName="accent_6" refType="h" fact="0.8947"/>
+                <dgm:constr type="ctrX" for="ch" forName="accent_6" refType="w"/>
+                <dgm:constr type="ctrXOff" for="ch" forName="accent_6" refType="h" fact="-0.0943"/>
+                <dgm:constr type="r" for="ch" forName="text_6" refType="ctrX" refFor="ch" refForName="accent_6"/>
+                <dgm:constr type="rOff" for="ch" forName="text_6" refType="ctrXOff" refFor="ch" refForName="accent_6"/>
+                <dgm:constr type="l" for="ch" forName="text_6"/>
+                <dgm:constr type="w" for="ch" forName="text_6" refType="h" refFor="ch" refForName="text_6" op="gte"/>
+                <dgm:constr type="h" for="ch" forName="text_6" refType="h" refFor="ch" refForName="accent_6" fact="0.8"/>
+                <dgm:constr type="ctrY" for="ch" forName="text_6" refType="ctrY" refFor="ch" refForName="accent_6"/>
+                <dgm:constr type="rMarg" for="ch" forName="text_6" refType="w" refFor="ch" refForName="accent_6" fact="1.8"/>
+                <dgm:constr type="primFontSz" for="ch" ptType="node" op="equ" val="65"/>
+              </dgm:constrLst>
+            </dgm:if>
+            <dgm:else name="Name20">
+              <dgm:constrLst>
+                <dgm:constr type="h" for="ch" forName="cycle" refType="h"/>
+                <dgm:constr type="w" for="ch" forName="cycle" refType="h" refFor="ch" refForName="cycle" fact="0.26"/>
+                <dgm:constr type="r" for="ch" forName="cycle" refType="w"/>
+                <dgm:constr type="ctrY" for="ch" forName="cycle" refType="h" fact="0.5"/>
+                <dgm:constr type="diam" for="ch" forName="cycle" refType="h" fact="1.344"/>
+                <dgm:constr type="h" for="ch" forName="accent_1" refType="h" fact="0.1136"/>
+                <dgm:constr type="w" for="ch" forName="accent_1" refType="h" refFor="ch" refForName="accent_1" op="equ"/>
+                <dgm:constr type="ctrY" for="ch" forName="accent_1" refType="h" fact="0.0909"/>
+                <dgm:constr type="ctrX" for="ch" forName="accent_1" refType="w"/>
+                <dgm:constr type="ctrXOff" for="ch" forName="accent_1" refType="h" fact="-0.0835"/>
+                <dgm:constr type="r" for="ch" forName="text_1" refType="ctrX" refFor="ch" refForName="accent_1"/>
+                <dgm:constr type="rOff" for="ch" forName="text_1" refType="ctrXOff" refFor="ch" refForName="accent_1"/>
+                <dgm:constr type="l" for="ch" forName="text_1"/>
+                <dgm:constr type="w" for="ch" forName="text_1" refType="h" refFor="ch" refForName="text_1" op="gte"/>
+                <dgm:constr type="h" for="ch" forName="text_1" refType="h" refFor="ch" refForName="accent_1" fact="0.8"/>
+                <dgm:constr type="ctrY" for="ch" forName="text_1" refType="ctrY" refFor="ch" refForName="accent_1"/>
+                <dgm:constr type="rMarg" for="ch" forName="text_1" refType="w" refFor="ch" refForName="accent_1" fact="1.8"/>
+                <dgm:constr type="h" for="ch" forName="accent_2" refType="h" fact="0.1136"/>
+                <dgm:constr type="w" for="ch" forName="accent_2" refType="h" refFor="ch" refForName="accent_2" op="equ"/>
+                <dgm:constr type="ctrY" for="ch" forName="accent_2" refType="h" fact="0.2273"/>
+                <dgm:constr type="ctrX" for="ch" forName="accent_2" refType="w"/>
+                <dgm:constr type="ctrXOff" for="ch" forName="accent_2" refType="h" fact="-0.1658"/>
+                <dgm:constr type="r" for="ch" forName="text_2" refType="ctrX" refFor="ch" refForName="accent_2"/>
+                <dgm:constr type="rOff" for="ch" forName="text_2" refType="ctrXOff" refFor="ch" refForName="accent_2"/>
+                <dgm:constr type="l" for="ch" forName="text_2"/>
+                <dgm:constr type="w" for="ch" forName="text_2" refType="h" refFor="ch" refForName="text_2" op="gte"/>
+                <dgm:constr type="h" for="ch" forName="text_2" refType="h" refFor="ch" refForName="accent_2" fact="0.8"/>
+                <dgm:constr type="ctrY" for="ch" forName="text_2" refType="ctrY" refFor="ch" refForName="accent_2"/>
+                <dgm:constr type="rMarg" for="ch" forName="text_2" refType="w" refFor="ch" refForName="accent_2" fact="1.8"/>
+                <dgm:constr type="h" for="ch" forName="accent_3" refType="h" fact="0.1136"/>
+                <dgm:constr type="w" for="ch" forName="accent_3" refType="h" refFor="ch" refForName="accent_3" op="equ"/>
+                <dgm:constr type="ctrY" for="ch" forName="accent_3" refType="h" fact="0.3636"/>
+                <dgm:constr type="ctrX" for="ch" forName="accent_3" refType="w"/>
+                <dgm:constr type="ctrXOff" for="ch" forName="accent_3" refType="h" fact="-0.2109"/>
+                <dgm:constr type="r" for="ch" forName="text_3" refType="ctrX" refFor="ch" refForName="accent_3"/>
+                <dgm:constr type="rOff" for="ch" forName="text_3" refType="ctrXOff" refFor="ch" refForName="accent_3"/>
+                <dgm:constr type="l" for="ch" forName="text_3"/>
+                <dgm:constr type="w" for="ch" forName="text_3" refType="h" refFor="ch" refForName="text_3" op="gte"/>
+                <dgm:constr type="h" for="ch" forName="text_3" refType="h" refFor="ch" refForName="accent_3" fact="0.8"/>
+                <dgm:constr type="ctrY" for="ch" forName="text_3" refType="ctrY" refFor="ch" refForName="accent_3"/>
+                <dgm:constr type="rMarg" for="ch" forName="text_3" refType="w" refFor="ch" refForName="accent_3" fact="1.8"/>
+                <dgm:constr type="h" for="ch" forName="accent_4" refType="h" fact="0.1136"/>
+                <dgm:constr type="w" for="ch" forName="accent_4" refType="h" refFor="ch" refForName="accent_4" op="equ"/>
+                <dgm:constr type="ctrY" for="ch" forName="accent_4" refType="h" fact="0.5"/>
+                <dgm:constr type="ctrX" for="ch" forName="accent_4" refType="w"/>
+                <dgm:constr type="ctrXOff" for="ch" forName="accent_4" refType="h" fact="-0.2253"/>
+                <dgm:constr type="r" for="ch" forName="text_4" refType="ctrX" refFor="ch" refForName="accent_4"/>
+                <dgm:constr type="rOff" for="ch" forName="text_4" refType="ctrXOff" refFor="ch" refForName="accent_4"/>
+                <dgm:constr type="l" for="ch" forName="text_4"/>
+                <dgm:constr type="w" for="ch" forName="text_4" refType="h" refFor="ch" refForName="text_4" op="gte"/>
+                <dgm:constr type="h" for="ch" forName="text_4" refType="h" refFor="ch" refForName="accent_4" fact="0.8"/>
+                <dgm:constr type="ctrY" for="ch" forName="text_4" refType="ctrY" refFor="ch" refForName="accent_4"/>
+                <dgm:constr type="rMarg" for="ch" forName="text_4" refType="w" refFor="ch" refForName="accent_4" fact="1.8"/>
+                <dgm:constr type="h" for="ch" forName="accent_5" refType="h" fact="0.1136"/>
+                <dgm:constr type="w" for="ch" forName="accent_5" refType="h" refFor="ch" refForName="accent_5" op="equ"/>
+                <dgm:constr type="ctrY" for="ch" forName="accent_5" refType="h" fact="0.6364"/>
+                <dgm:constr type="ctrX" for="ch" forName="accent_5" refType="w"/>
+                <dgm:constr type="ctrXOff" for="ch" forName="accent_5" refType="h" fact="-0.2109"/>
+                <dgm:constr type="r" for="ch" forName="text_5" refType="ctrX" refFor="ch" refForName="accent_5"/>
+                <dgm:constr type="rOff" for="ch" forName="text_5" refType="ctrXOff" refFor="ch" refForName="accent_5"/>
+                <dgm:constr type="l" for="ch" forName="text_5"/>
+                <dgm:constr type="w" for="ch" forName="text_5" refType="h" refFor="ch" refForName="text_5" op="gte"/>
+                <dgm:constr type="h" for="ch" forName="text_5" refType="h" refFor="ch" refForName="accent_5" fact="0.8"/>
+                <dgm:constr type="ctrY" for="ch" forName="text_5" refType="ctrY" refFor="ch" refForName="accent_5"/>
+                <dgm:constr type="rMarg" for="ch" forName="text_5" refType="w" refFor="ch" refForName="accent_5" fact="1.8"/>
+                <dgm:constr type="h" for="ch" forName="accent_6" refType="h" fact="0.1136"/>
+                <dgm:constr type="w" for="ch" forName="accent_6" refType="h" refFor="ch" refForName="accent_6" op="equ"/>
+                <dgm:constr type="ctrY" for="ch" forName="accent_6" refType="h" fact="0.7727"/>
+                <dgm:constr type="ctrX" for="ch" forName="accent_6" refType="w"/>
+                <dgm:constr type="ctrXOff" for="ch" forName="accent_6" refType="h" fact="-0.1658"/>
+                <dgm:constr type="r" for="ch" forName="text_6" refType="ctrX" refFor="ch" refForName="accent_6"/>
+                <dgm:constr type="rOff" for="ch" forName="text_6" refType="ctrXOff" refFor="ch" refForName="accent_6"/>
+                <dgm:constr type="l" for="ch" forName="text_6"/>
+                <dgm:constr type="w" for="ch" forName="text_6" refType="h" refFor="ch" refForName="text_6" op="gte"/>
+                <dgm:constr type="h" for="ch" forName="text_6" refType="h" refFor="ch" refForName="accent_6" fact="0.8"/>
+                <dgm:constr type="ctrY" for="ch" forName="text_6" refType="ctrY" refFor="ch" refForName="accent_6"/>
+                <dgm:constr type="rMarg" for="ch" forName="text_6" refType="w" refFor="ch" refForName="accent_6" fact="1.8"/>
+                <dgm:constr type="h" for="ch" forName="accent_7" refType="h" fact="0.1136"/>
+                <dgm:constr type="w" for="ch" forName="accent_7" refType="h" refFor="ch" refForName="accent_7" op="equ"/>
+                <dgm:constr type="ctrY" for="ch" forName="accent_7" refType="h" fact="0.9091"/>
+                <dgm:constr type="ctrX" for="ch" forName="accent_7" refType="w"/>
+                <dgm:constr type="ctrXOff" for="ch" forName="accent_7" refType="h" fact="-0.0835"/>
+                <dgm:constr type="r" for="ch" forName="text_7" refType="ctrX" refFor="ch" refForName="accent_7"/>
+                <dgm:constr type="rOff" for="ch" forName="text_7" refType="ctrXOff" refFor="ch" refForName="accent_7"/>
+                <dgm:constr type="l" for="ch" forName="text_7"/>
+                <dgm:constr type="w" for="ch" forName="text_7" refType="h" refFor="ch" refForName="text_7" op="gte"/>
+                <dgm:constr type="h" for="ch" forName="text_7" refType="h" refFor="ch" refForName="accent_7" fact="0.8"/>
+                <dgm:constr type="ctrY" for="ch" forName="text_7" refType="ctrY" refFor="ch" refForName="accent_7"/>
+                <dgm:constr type="rMarg" for="ch" forName="text_7" refType="w" refFor="ch" refForName="accent_7" fact="1.8"/>
+                <dgm:constr type="primFontSz" for="ch" ptType="node" op="equ" val="65"/>
+              </dgm:constrLst>
+            </dgm:else>
+          </dgm:choose>
+        </dgm:else>
+      </dgm:choose>
+      <dgm:layoutNode name="cycle">
+        <dgm:choose name="Name21">
+          <dgm:if name="Name22" func="var" arg="dir" op="equ" val="norm">
+            <dgm:alg type="cycle">
+              <dgm:param type="stAng" val="45"/>
+              <dgm:param type="spanAng" val="90"/>
+            </dgm:alg>
+          </dgm:if>
+          <dgm:else name="Name23">
+            <dgm:alg type="cycle">
+              <dgm:param type="stAng" val="225"/>
+              <dgm:param type="spanAng" val="90"/>
+            </dgm:alg>
+          </dgm:else>
+        </dgm:choose>
+        <dgm:shape xmlns:r="http://schemas.openxmlformats.org/officeDocument/2006/relationships" r:blip="">
+          <dgm:adjLst/>
+        </dgm:shape>
+        <dgm:presOf/>
+        <dgm:constrLst>
+          <dgm:constr type="w" for="ch" val="1"/>
+          <dgm:constr type="h" for="ch" val="1"/>
+          <dgm:constr type="diam" for="ch" forName="conn" refType="diam"/>
+        </dgm:constrLst>
+        <dgm:layoutNode name="srcNode">
+          <dgm:alg type="sp"/>
+          <dgm:shape xmlns:r="http://schemas.openxmlformats.org/officeDocument/2006/relationships" type="rect" r:blip="" hideGeom="1">
+            <dgm:adjLst/>
+          </dgm:shape>
+          <dgm:presOf/>
+        </dgm:layoutNode>
+        <dgm:layoutNode name="conn" styleLbl="parChTrans1D2">
+          <dgm:alg type="conn">
+            <dgm:param type="connRout" val="curve"/>
+            <dgm:param type="srcNode" val="srcNode"/>
+            <dgm:param type="dstNode" val="dstNode"/>
+            <dgm:param type="begPts" val="ctr"/>
+            <dgm:param type="endPts" val="ctr"/>
+            <dgm:param type="endSty" val="noArr"/>
+          </dgm:alg>
+          <dgm:shape xmlns:r="http://schemas.openxmlformats.org/officeDocument/2006/relationships" type="conn" r:blip="">
+            <dgm:adjLst/>
+          </dgm:shape>
+          <dgm:presOf axis="desOrSelf" ptType="sibTrans" hideLastTrans="0" st="0" cnt="1"/>
+          <dgm:constrLst>
+            <dgm:constr type="begPad"/>
+            <dgm:constr type="endPad"/>
+          </dgm:constrLst>
+        </dgm:layoutNode>
+        <dgm:layoutNode name="extraNode">
+          <dgm:alg type="sp"/>
+          <dgm:shape xmlns:r="http://schemas.openxmlformats.org/officeDocument/2006/relationships" type="rect" r:blip="" hideGeom="1">
+            <dgm:adjLst/>
+          </dgm:shape>
+          <dgm:presOf/>
+        </dgm:layoutNode>
+        <dgm:layoutNode name="dstNode">
+          <dgm:alg type="sp"/>
+          <dgm:shape xmlns:r="http://schemas.openxmlformats.org/officeDocument/2006/relationships" type="rect" r:blip="" hideGeom="1">
+            <dgm:adjLst/>
+          </dgm:shape>
+          <dgm:presOf/>
+        </dgm:layoutNode>
+      </dgm:layoutNode>
+      <dgm:forEach name="wrapper" axis="self" ptType="parTrans">
+        <dgm:forEach name="wrapper2" axis="self" ptType="sibTrans" st="2">
+          <dgm:forEach name="accentRepeat" axis="self">
+            <dgm:layoutNode name="accentRepeatNode" styleLbl="solidFgAcc1">
+              <dgm:alg type="sp"/>
+              <dgm:shape xmlns:r="http://schemas.openxmlformats.org/officeDocument/2006/relationships" type="ellipse" r:blip="">
+                <dgm:adjLst/>
+              </dgm:shape>
+              <dgm:presOf/>
+            </dgm:layoutNode>
+          </dgm:forEach>
+        </dgm:forEach>
+      </dgm:forEach>
+      <dgm:forEach name="Name24" axis="ch" ptType="node" cnt="1">
+        <dgm:layoutNode name="text_1" styleLbl="node1">
+          <dgm:varLst>
+            <dgm:bulletEnabled val="1"/>
+          </dgm:varLst>
+          <dgm:choose name="Name25">
+            <dgm:if name="Name26" func="var" arg="dir" op="equ" val="norm">
+              <dgm:alg type="tx">
+                <dgm:param type="parTxLTRAlign" val="l"/>
+                <dgm:param type="shpTxLTRAlignCh" val="l"/>
+                <dgm:param type="parTxRTLAlign" val="l"/>
+                <dgm:param type="shpTxRTLAlignCh" val="l"/>
+              </dgm:alg>
+            </dgm:if>
+            <dgm:else name="Name27">
+              <dgm:alg type="tx">
+                <dgm:param type="parTxLTRAlign" val="r"/>
+                <dgm:param type="shpTxLTRAlignCh" val="r"/>
+                <dgm:param type="parTxRTLAlign" val="r"/>
+                <dgm:param type="shpTxRTLAlignCh" val="r"/>
+              </dgm:alg>
+            </dgm:else>
+          </dgm:choose>
+          <dgm:shape xmlns:r="http://schemas.openxmlformats.org/officeDocument/2006/relationships" type="rect" r:blip="">
+            <dgm:adjLst/>
+          </dgm:shape>
+          <dgm:presOf axis="desOrSelf" ptType="node"/>
+          <dgm:constrLst>
+            <dgm:constr type="primFontSz" val="65"/>
+            <dgm:constr type="lMarg" refType="primFontSz" fact="0.2"/>
+            <dgm:constr type="rMarg" refType="primFontSz" fact="0.2"/>
+            <dgm:constr type="tMarg" refType="primFontSz" fact="0.2"/>
+            <dgm:constr type="bMarg" refType="primFontSz" fact="0.2"/>
+          </dgm:constrLst>
+          <dgm:ruleLst>
+            <dgm:rule type="primFontSz" val="5" fact="NaN" max="NaN"/>
+          </dgm:ruleLst>
+        </dgm:layoutNode>
+        <dgm:layoutNode name="accent_1">
+          <dgm:alg type="sp"/>
+          <dgm:shape xmlns:r="http://schemas.openxmlformats.org/officeDocument/2006/relationships" r:blip="">
+            <dgm:adjLst/>
+          </dgm:shape>
+          <dgm:presOf/>
+          <dgm:constrLst/>
+          <dgm:forEach name="Name28" ref="accentRepeat"/>
+        </dgm:layoutNode>
+      </dgm:forEach>
+      <dgm:forEach name="Name29" axis="ch" ptType="node" st="2" cnt="1">
+        <dgm:layoutNode name="text_2" styleLbl="node1">
+          <dgm:varLst>
+            <dgm:bulletEnabled val="1"/>
+          </dgm:varLst>
+          <dgm:choose name="Name30">
+            <dgm:if name="Name31" func="var" arg="dir" op="equ" val="norm">
+              <dgm:alg type="tx">
+                <dgm:param type="parTxLTRAlign" val="l"/>
+                <dgm:param type="shpTxLTRAlignCh" val="l"/>
+                <dgm:param type="parTxRTLAlign" val="l"/>
+                <dgm:param type="shpTxRTLAlignCh" val="l"/>
+              </dgm:alg>
+            </dgm:if>
+            <dgm:else name="Name32">
+              <dgm:alg type="tx">
+                <dgm:param type="parTxLTRAlign" val="r"/>
+                <dgm:param type="shpTxLTRAlignCh" val="r"/>
+                <dgm:param type="parTxRTLAlign" val="r"/>
+                <dgm:param type="shpTxRTLAlignCh" val="r"/>
+              </dgm:alg>
+            </dgm:else>
+          </dgm:choose>
+          <dgm:shape xmlns:r="http://schemas.openxmlformats.org/officeDocument/2006/relationships" type="rect" r:blip="">
+            <dgm:adjLst/>
+          </dgm:shape>
+          <dgm:presOf axis="desOrSelf" ptType="node"/>
+          <dgm:constrLst>
+            <dgm:constr type="primFontSz" val="65"/>
+            <dgm:constr type="lMarg" refType="primFontSz" fact="0.2"/>
+            <dgm:constr type="rMarg" refType="primFontSz" fact="0.2"/>
+            <dgm:constr type="tMarg" refType="primFontSz" fact="0.2"/>
+            <dgm:constr type="bMarg" refType="primFontSz" fact="0.2"/>
+          </dgm:constrLst>
+          <dgm:ruleLst>
+            <dgm:rule type="primFontSz" val="5" fact="NaN" max="NaN"/>
+          </dgm:ruleLst>
+        </dgm:layoutNode>
+        <dgm:layoutNode name="accent_2">
+          <dgm:alg type="sp"/>
+          <dgm:shape xmlns:r="http://schemas.openxmlformats.org/officeDocument/2006/relationships" r:blip="">
+            <dgm:adjLst/>
+          </dgm:shape>
+          <dgm:presOf/>
+          <dgm:constrLst/>
+          <dgm:forEach name="Name33" ref="accentRepeat"/>
+        </dgm:layoutNode>
+      </dgm:forEach>
+      <dgm:forEach name="Name34" axis="ch" ptType="node" st="3" cnt="1">
+        <dgm:layoutNode name="text_3" styleLbl="node1">
+          <dgm:varLst>
+            <dgm:bulletEnabled val="1"/>
+          </dgm:varLst>
+          <dgm:choose name="Name35">
+            <dgm:if name="Name36" func="var" arg="dir" op="equ" val="norm">
+              <dgm:alg type="tx">
+                <dgm:param type="parTxLTRAlign" val="l"/>
+                <dgm:param type="shpTxLTRAlignCh" val="l"/>
+                <dgm:param type="parTxRTLAlign" val="l"/>
+                <dgm:param type="shpTxRTLAlignCh" val="l"/>
+              </dgm:alg>
+            </dgm:if>
+            <dgm:else name="Name37">
+              <dgm:alg type="tx">
+                <dgm:param type="parTxLTRAlign" val="r"/>
+                <dgm:param type="shpTxLTRAlignCh" val="r"/>
+                <dgm:param type="parTxRTLAlign" val="r"/>
+                <dgm:param type="shpTxRTLAlignCh" val="r"/>
+              </dgm:alg>
+            </dgm:else>
+          </dgm:choose>
+          <dgm:shape xmlns:r="http://schemas.openxmlformats.org/officeDocument/2006/relationships" type="rect" r:blip="">
+            <dgm:adjLst/>
+          </dgm:shape>
+          <dgm:presOf axis="desOrSelf" ptType="node"/>
+          <dgm:constrLst>
+            <dgm:constr type="primFontSz" val="65"/>
+            <dgm:constr type="lMarg" refType="primFontSz" fact="0.2"/>
+            <dgm:constr type="rMarg" refType="primFontSz" fact="0.2"/>
+            <dgm:constr type="tMarg" refType="primFontSz" fact="0.2"/>
+            <dgm:constr type="bMarg" refType="primFontSz" fact="0.2"/>
+          </dgm:constrLst>
+          <dgm:ruleLst>
+            <dgm:rule type="primFontSz" val="5" fact="NaN" max="NaN"/>
+          </dgm:ruleLst>
+        </dgm:layoutNode>
+        <dgm:layoutNode name="accent_3">
+          <dgm:alg type="sp"/>
+          <dgm:shape xmlns:r="http://schemas.openxmlformats.org/officeDocument/2006/relationships" r:blip="">
+            <dgm:adjLst/>
+          </dgm:shape>
+          <dgm:presOf/>
+          <dgm:constrLst/>
+          <dgm:forEach name="Name38" ref="accentRepeat"/>
+        </dgm:layoutNode>
+      </dgm:forEach>
+      <dgm:forEach name="Name39" axis="ch" ptType="node" st="4" cnt="1">
+        <dgm:layoutNode name="text_4" styleLbl="node1">
+          <dgm:varLst>
+            <dgm:bulletEnabled val="1"/>
+          </dgm:varLst>
+          <dgm:choose name="Name40">
+            <dgm:if name="Name41" func="var" arg="dir" op="equ" val="norm">
+              <dgm:alg type="tx">
+                <dgm:param type="parTxLTRAlign" val="l"/>
+                <dgm:param type="shpTxLTRAlignCh" val="l"/>
+                <dgm:param type="parTxRTLAlign" val="l"/>
+                <dgm:param type="shpTxRTLAlignCh" val="l"/>
+              </dgm:alg>
+            </dgm:if>
+            <dgm:else name="Name42">
+              <dgm:alg type="tx">
+                <dgm:param type="parTxLTRAlign" val="r"/>
+                <dgm:param type="shpTxLTRAlignCh" val="r"/>
+                <dgm:param type="parTxRTLAlign" val="r"/>
+                <dgm:param type="shpTxRTLAlignCh" val="r"/>
+              </dgm:alg>
+            </dgm:else>
+          </dgm:choose>
+          <dgm:shape xmlns:r="http://schemas.openxmlformats.org/officeDocument/2006/relationships" type="rect" r:blip="">
+            <dgm:adjLst/>
+          </dgm:shape>
+          <dgm:presOf axis="desOrSelf" ptType="node"/>
+          <dgm:constrLst>
+            <dgm:constr type="primFontSz" val="65"/>
+            <dgm:constr type="lMarg" refType="primFontSz" fact="0.2"/>
+            <dgm:constr type="rMarg" refType="primFontSz" fact="0.2"/>
+            <dgm:constr type="tMarg" refType="primFontSz" fact="0.2"/>
+            <dgm:constr type="bMarg" refType="primFontSz" fact="0.2"/>
+          </dgm:constrLst>
+          <dgm:ruleLst>
+            <dgm:rule type="primFontSz" val="5" fact="NaN" max="NaN"/>
+          </dgm:ruleLst>
+        </dgm:layoutNode>
+        <dgm:layoutNode name="accent_4">
+          <dgm:alg type="sp"/>
+          <dgm:shape xmlns:r="http://schemas.openxmlformats.org/officeDocument/2006/relationships" r:blip="">
+            <dgm:adjLst/>
+          </dgm:shape>
+          <dgm:presOf/>
+          <dgm:constrLst/>
+          <dgm:forEach name="Name43" ref="accentRepeat"/>
+        </dgm:layoutNode>
+      </dgm:forEach>
+      <dgm:forEach name="Name44" axis="ch" ptType="node" st="5" cnt="1">
+        <dgm:layoutNode name="text_5" styleLbl="node1">
+          <dgm:varLst>
+            <dgm:bulletEnabled val="1"/>
+          </dgm:varLst>
+          <dgm:choose name="Name45">
+            <dgm:if name="Name46" func="var" arg="dir" op="equ" val="norm">
+              <dgm:alg type="tx">
+                <dgm:param type="parTxLTRAlign" val="l"/>
+                <dgm:param type="shpTxLTRAlignCh" val="l"/>
+                <dgm:param type="parTxRTLAlign" val="l"/>
+                <dgm:param type="shpTxRTLAlignCh" val="l"/>
+              </dgm:alg>
+            </dgm:if>
+            <dgm:else name="Name47">
+              <dgm:alg type="tx">
+                <dgm:param type="parTxLTRAlign" val="r"/>
+                <dgm:param type="shpTxLTRAlignCh" val="r"/>
+                <dgm:param type="parTxRTLAlign" val="r"/>
+                <dgm:param type="shpTxRTLAlignCh" val="r"/>
+              </dgm:alg>
+            </dgm:else>
+          </dgm:choose>
+          <dgm:shape xmlns:r="http://schemas.openxmlformats.org/officeDocument/2006/relationships" type="rect" r:blip="">
+            <dgm:adjLst/>
+          </dgm:shape>
+          <dgm:presOf axis="desOrSelf" ptType="node"/>
+          <dgm:constrLst>
+            <dgm:constr type="primFontSz" val="65"/>
+            <dgm:constr type="lMarg" refType="primFontSz" fact="0.2"/>
+            <dgm:constr type="rMarg" refType="primFontSz" fact="0.2"/>
+            <dgm:constr type="tMarg" refType="primFontSz" fact="0.2"/>
+            <dgm:constr type="bMarg" refType="primFontSz" fact="0.2"/>
+          </dgm:constrLst>
+          <dgm:ruleLst>
+            <dgm:rule type="primFontSz" val="5" fact="NaN" max="NaN"/>
+          </dgm:ruleLst>
+        </dgm:layoutNode>
+        <dgm:layoutNode name="accent_5">
+          <dgm:alg type="sp"/>
+          <dgm:shape xmlns:r="http://schemas.openxmlformats.org/officeDocument/2006/relationships" r:blip="">
+            <dgm:adjLst/>
+          </dgm:shape>
+          <dgm:presOf/>
+          <dgm:constrLst/>
+          <dgm:forEach name="Name48" ref="accentRepeat"/>
+        </dgm:layoutNode>
+      </dgm:forEach>
+      <dgm:forEach name="Name49" axis="ch" ptType="node" st="6" cnt="1">
+        <dgm:layoutNode name="text_6" styleLbl="node1">
+          <dgm:varLst>
+            <dgm:bulletEnabled val="1"/>
+          </dgm:varLst>
+          <dgm:choose name="Name50">
+            <dgm:if name="Name51" func="var" arg="dir" op="equ" val="norm">
+              <dgm:alg type="tx">
+                <dgm:param type="parTxLTRAlign" val="l"/>
+                <dgm:param type="shpTxLTRAlignCh" val="l"/>
+                <dgm:param type="parTxRTLAlign" val="l"/>
+                <dgm:param type="shpTxRTLAlignCh" val="l"/>
+              </dgm:alg>
+            </dgm:if>
+            <dgm:else name="Name52">
+              <dgm:alg type="tx">
+                <dgm:param type="parTxLTRAlign" val="r"/>
+                <dgm:param type="shpTxLTRAlignCh" val="r"/>
+                <dgm:param type="parTxRTLAlign" val="r"/>
+                <dgm:param type="shpTxRTLAlignCh" val="r"/>
+              </dgm:alg>
+            </dgm:else>
+          </dgm:choose>
+          <dgm:shape xmlns:r="http://schemas.openxmlformats.org/officeDocument/2006/relationships" type="rect" r:blip="">
+            <dgm:adjLst/>
+          </dgm:shape>
+          <dgm:presOf axis="desOrSelf" ptType="node"/>
+          <dgm:constrLst>
+            <dgm:constr type="primFontSz" val="65"/>
+            <dgm:constr type="lMarg" refType="primFontSz" fact="0.2"/>
+            <dgm:constr type="rMarg" refType="primFontSz" fact="0.2"/>
+            <dgm:constr type="tMarg" refType="primFontSz" fact="0.2"/>
+            <dgm:constr type="bMarg" refType="primFontSz" fact="0.2"/>
+          </dgm:constrLst>
+          <dgm:ruleLst>
+            <dgm:rule type="primFontSz" val="5" fact="NaN" max="NaN"/>
+          </dgm:ruleLst>
+        </dgm:layoutNode>
+        <dgm:layoutNode name="accent_6">
+          <dgm:alg type="sp"/>
+          <dgm:shape xmlns:r="http://schemas.openxmlformats.org/officeDocument/2006/relationships" r:blip="">
+            <dgm:adjLst/>
+          </dgm:shape>
+          <dgm:presOf/>
+          <dgm:constrLst/>
+          <dgm:forEach name="Name53" ref="accentRepeat"/>
+        </dgm:layoutNode>
+      </dgm:forEach>
+      <dgm:forEach name="Name54" axis="ch" ptType="node" st="7" cnt="1">
+        <dgm:layoutNode name="text_7" styleLbl="node1">
+          <dgm:varLst>
+            <dgm:bulletEnabled val="1"/>
+          </dgm:varLst>
+          <dgm:choose name="Name55">
+            <dgm:if name="Name56" func="var" arg="dir" op="equ" val="norm">
+              <dgm:alg type="tx">
+                <dgm:param type="parTxLTRAlign" val="l"/>
+                <dgm:param type="shpTxLTRAlignCh" val="l"/>
+                <dgm:param type="parTxRTLAlign" val="l"/>
+                <dgm:param type="shpTxRTLAlignCh" val="l"/>
+              </dgm:alg>
+            </dgm:if>
+            <dgm:else name="Name57">
+              <dgm:alg type="tx">
+                <dgm:param type="parTxLTRAlign" val="r"/>
+                <dgm:param type="shpTxLTRAlignCh" val="r"/>
+                <dgm:param type="parTxRTLAlign" val="r"/>
+                <dgm:param type="shpTxRTLAlignCh" val="r"/>
+              </dgm:alg>
+            </dgm:else>
+          </dgm:choose>
+          <dgm:shape xmlns:r="http://schemas.openxmlformats.org/officeDocument/2006/relationships" type="rect" r:blip="">
+            <dgm:adjLst/>
+          </dgm:shape>
+          <dgm:presOf axis="desOrSelf" ptType="node"/>
+          <dgm:constrLst>
+            <dgm:constr type="primFontSz" val="65"/>
+            <dgm:constr type="lMarg" refType="primFontSz" fact="0.2"/>
+            <dgm:constr type="rMarg" refType="primFontSz" fact="0.2"/>
+            <dgm:constr type="tMarg" refType="primFontSz" fact="0.2"/>
+            <dgm:constr type="bMarg" refType="primFontSz" fact="0.2"/>
+          </dgm:constrLst>
+          <dgm:ruleLst>
+            <dgm:rule type="primFontSz" val="5" fact="NaN" max="NaN"/>
+          </dgm:ruleLst>
+        </dgm:layoutNode>
+        <dgm:layoutNode name="accent_7">
+          <dgm:alg type="sp"/>
+          <dgm:shape xmlns:r="http://schemas.openxmlformats.org/officeDocument/2006/relationships" r:blip="">
+            <dgm:adjLst/>
+          </dgm:shape>
+          <dgm:presOf/>
+          <dgm:constrLst/>
+          <dgm:forEach name="Name58" ref="accentRepeat"/>
+        </dgm:layoutNode>
+      </dgm:forEach>
+    </dgm:layoutNode>
+  </dgm:layoutNode>
+</dgm:layoutDef>
+</file>
+
 <file path=ppt/diagrams/quickStyle1.xml><?xml version="1.0" encoding="utf-8"?>
+<dgm:styleDef xmlns:dgm="http://schemas.openxmlformats.org/drawingml/2006/diagram" xmlns:a="http://schemas.openxmlformats.org/drawingml/2006/main" uniqueId="urn:microsoft.com/office/officeart/2005/8/quickstyle/simple4">
+  <dgm:title val=""/>
+  <dgm:desc val=""/>
+  <dgm:catLst>
+    <dgm:cat type="simple" pri="10400"/>
+  </dgm:catLst>
+  <dgm:scene3d>
+    <a:camera prst="orthographicFront"/>
+    <a:lightRig rig="threePt" dir="t"/>
+  </dgm:scene3d>
+  <dgm:styleLbl name="node0">
+    <dgm:scene3d>
+      <a:camera prst="orthographicFront"/>
+      <a:lightRig rig="threePt" dir="t"/>
+    </dgm:scene3d>
+    <dgm:sp3d/>
+    <dgm:txPr/>
+    <dgm:style>
+      <a:lnRef idx="0">
+        <a:scrgbClr r="0" g="0" b="0"/>
+      </a:lnRef>
+      <a:fillRef idx="3">
+        <a:scrgbClr r="0" g="0" b="0"/>
+      </a:fillRef>
+      <a:effectRef idx="2">
+        <a:scrgbClr r="0" g="0" b="0"/>
+      </a:effectRef>
+      <a:fontRef idx="minor">
+        <a:schemeClr val="lt1"/>
+      </a:fontRef>
+    </dgm:style>
+  </dgm:styleLbl>
+  <dgm:styleLbl name="lnNode1">
+    <dgm:scene3d>
+      <a:camera prst="orthographicFront"/>
+      <a:lightRig rig="threePt" dir="t"/>
+    </dgm:scene3d>
+    <dgm:sp3d/>
+    <dgm:txPr/>
+    <dgm:style>
+      <a:lnRef idx="1">
+        <a:scrgbClr r="0" g="0" b="0"/>
+      </a:lnRef>
+      <a:fillRef idx="3">
+        <a:scrgbClr r="0" g="0" b="0"/>
+      </a:fillRef>
+      <a:effectRef idx="2">
+        <a:scrgbClr r="0" g="0" b="0"/>
+      </a:effectRef>
+      <a:fontRef idx="minor">
+        <a:schemeClr val="lt1"/>
+      </a:fontRef>
+    </dgm:style>
+  </dgm:styleLbl>
+  <dgm:styleLbl name="vennNode1">
+    <dgm:scene3d>
+      <a:camera prst="orthographicFront"/>
+      <a:lightRig rig="threePt" dir="t"/>
+    </dgm:scene3d>
+    <dgm:sp3d/>
+    <dgm:txPr/>
+    <dgm:style>
+      <a:lnRef idx="0">
+        <a:scrgbClr r="0" g="0" b="0"/>
+      </a:lnRef>
+      <a:fillRef idx="3">
+        <a:scrgbClr r="0" g="0" b="0"/>
+      </a:fillRef>
+      <a:effectRef idx="0">
+        <a:scrgbClr r="0" g="0" b="0"/>
+      </a:effectRef>
+      <a:fontRef idx="minor">
+        <a:schemeClr val="tx1"/>
+      </a:fontRef>
+    </dgm:style>
+  </dgm:styleLbl>
+  <dgm:styleLbl name="alignNode1">
+    <dgm:scene3d>
+      <a:camera prst="orthographicFront"/>
+      <a:lightRig rig="threePt" dir="t"/>
+    </dgm:scene3d>
+    <dgm:sp3d/>
+    <dgm:txPr/>
+    <dgm:style>
+      <a:lnRef idx="1">
+        <a:scrgbClr r="0" g="0" b="0"/>
+      </a:lnRef>
+      <a:fillRef idx="3">
+        <a:scrgbClr r="0" g="0" b="0"/>
+      </a:fillRef>
+      <a:effectRef idx="2">
+        <a:scrgbClr r="0" g="0" b="0"/>
+      </a:effectRef>
+      <a:fontRef idx="minor">
+        <a:schemeClr val="lt1"/>
+      </a:fontRef>
+    </dgm:style>
+  </dgm:styleLbl>
+  <dgm:styleLbl name="node1">
+    <dgm:scene3d>
+      <a:camera prst="orthographicFront"/>
+      <a:lightRig rig="threePt" dir="t"/>
+    </dgm:scene3d>
+    <dgm:sp3d/>
+    <dgm:txPr/>
+    <dgm:style>
+      <a:lnRef idx="0">
+        <a:scrgbClr r="0" g="0" b="0"/>
+      </a:lnRef>
+      <a:fillRef idx="3">
+        <a:scrgbClr r="0" g="0" b="0"/>
+      </a:fillRef>
+      <a:effectRef idx="2">
+        <a:scrgbClr r="0" g="0" b="0"/>
+      </a:effectRef>
+      <a:fontRef idx="minor">
+        <a:schemeClr val="lt1"/>
+      </a:fontRef>
+    </dgm:style>
+  </dgm:styleLbl>
+  <dgm:styleLbl name="node2">
+    <dgm:scene3d>
+      <a:camera prst="orthographicFront"/>
+      <a:lightRig rig="threePt" dir="t"/>
+    </dgm:scene3d>
+    <dgm:sp3d/>
+    <dgm:txPr/>
+    <dgm:style>
+      <a:lnRef idx="0">
+        <a:scrgbClr r="0" g="0" b="0"/>
+      </a:lnRef>
+      <a:fillRef idx="3">
+        <a:scrgbClr r="0" g="0" b="0"/>
+      </a:fillRef>
+      <a:effectRef idx="2">
+        <a:scrgbClr r="0" g="0" b="0"/>
+      </a:effectRef>
+      <a:fontRef idx="minor">
+        <a:schemeClr val="lt1"/>
+      </a:fontRef>
+    </dgm:style>
+  </dgm:styleLbl>
+  <dgm:styleLbl name="node3">
+    <dgm:scene3d>
+      <a:camera prst="orthographicFront"/>
+      <a:lightRig rig="threePt" dir="t"/>
+    </dgm:scene3d>
+    <dgm:sp3d/>
+    <dgm:txPr/>
+    <dgm:style>
+      <a:lnRef idx="0">
+        <a:scrgbClr r="0" g="0" b="0"/>
+      </a:lnRef>
+      <a:fillRef idx="3">
+        <a:scrgbClr r="0" g="0" b="0"/>
+      </a:fillRef>
+      <a:effectRef idx="2">
+        <a:scrgbClr r="0" g="0" b="0"/>
+      </a:effectRef>
+      <a:fontRef idx="minor">
+        <a:schemeClr val="lt1"/>
+      </a:fontRef>
+    </dgm:style>
+  </dgm:styleLbl>
+  <dgm:styleLbl name="node4">
+    <dgm:scene3d>
+      <a:camera prst="orthographicFront"/>
+      <a:lightRig rig="threePt" dir="t"/>
+    </dgm:scene3d>
+    <dgm:sp3d/>
+    <dgm:txPr/>
+    <dgm:style>
+      <a:lnRef idx="0">
+        <a:scrgbClr r="0" g="0" b="0"/>
+      </a:lnRef>
+      <a:fillRef idx="3">
+        <a:scrgbClr r="0" g="0" b="0"/>
+      </a:fillRef>
+      <a:effectRef idx="2">
+        <a:scrgbClr r="0" g="0" b="0"/>
+      </a:effectRef>
+      <a:fontRef idx="minor">
+        <a:schemeClr val="lt1"/>
+      </a:fontRef>
+    </dgm:style>
+  </dgm:styleLbl>
+  <dgm:styleLbl name="fgImgPlace1">
+    <dgm:scene3d>
+      <a:camera prst="orthographicFront"/>
+      <a:lightRig rig="threePt" dir="t"/>
+    </dgm:scene3d>
+    <dgm:sp3d/>
+    <dgm:txPr/>
+    <dgm:style>
+      <a:lnRef idx="0">
+        <a:scrgbClr r="0" g="0" b="0"/>
+      </a:lnRef>
+      <a:fillRef idx="1">
+        <a:scrgbClr r="0" g="0" b="0"/>
+      </a:fillRef>
+      <a:effectRef idx="2">
+        <a:scrgbClr r="0" g="0" b="0"/>
+      </a:effectRef>
+      <a:fontRef idx="minor"/>
+    </dgm:style>
+  </dgm:styleLbl>
+  <dgm:styleLbl name="alignImgPlace1">
+    <dgm:scene3d>
+      <a:camera prst="orthographicFront"/>
+      <a:lightRig rig="threePt" dir="t"/>
+    </dgm:scene3d>
+    <dgm:sp3d/>
+    <dgm:txPr/>
+    <dgm:style>
+      <a:lnRef idx="0">
+        <a:scrgbClr r="0" g="0" b="0"/>
+      </a:lnRef>
+      <a:fillRef idx="1">
+        <a:scrgbClr r="0" g="0" b="0"/>
+      </a:fillRef>
+      <a:effectRef idx="2">
+        <a:scrgbClr r="0" g="0" b="0"/>
+      </a:effectRef>
+      <a:fontRef idx="minor"/>
+    </dgm:style>
+  </dgm:styleLbl>
+  <dgm:styleLbl name="bgImgPlace1">
+    <dgm:scene3d>
+      <a:camera prst="orthographicFront"/>
+      <a:lightRig rig="threePt" dir="t"/>
+    </dgm:scene3d>
+    <dgm:sp3d/>
+    <dgm:txPr/>
+    <dgm:style>
+      <a:lnRef idx="0">
+        <a:scrgbClr r="0" g="0" b="0"/>
+      </a:lnRef>
+      <a:fillRef idx="1">
+        <a:scrgbClr r="0" g="0" b="0"/>
+      </a:fillRef>
+      <a:effectRef idx="2">
+        <a:scrgbClr r="0" g="0" b="0"/>
+      </a:effectRef>
+      <a:fontRef idx="minor"/>
+    </dgm:style>
+  </dgm:styleLbl>
+  <dgm:styleLbl name="sibTrans2D1">
+    <dgm:scene3d>
+      <a:camera prst="orthographicFront"/>
+      <a:lightRig rig="threePt" dir="t"/>
+    </dgm:scene3d>
+    <dgm:sp3d/>
+    <dgm:txPr/>
+    <dgm:style>
+      <a:lnRef idx="0">
+        <a:scrgbClr r="0" g="0" b="0"/>
+      </a:lnRef>
+      <a:fillRef idx="3">
+        <a:scrgbClr r="0" g="0" b="0"/>
+      </a:fillRef>
+      <a:effectRef idx="2">
+        <a:scrgbClr r="0" g="0" b="0"/>
+      </a:effectRef>
+      <a:fontRef idx="minor">
+        <a:schemeClr val="lt1"/>
+      </a:fontRef>
+    </dgm:style>
+  </dgm:styleLbl>
+  <dgm:styleLbl name="fgSibTrans2D1">
+    <dgm:scene3d>
+      <a:camera prst="orthographicFront"/>
+      <a:lightRig rig="threePt" dir="t"/>
+    </dgm:scene3d>
+    <dgm:sp3d/>
+    <dgm:txPr/>
+    <dgm:style>
+      <a:lnRef idx="0">
+        <a:scrgbClr r="0" g="0" b="0"/>
+      </a:lnRef>
+      <a:fillRef idx="3">
+        <a:scrgbClr r="0" g="0" b="0"/>
+      </a:fillRef>
+      <a:effectRef idx="2">
+        <a:scrgbClr r="0" g="0" b="0"/>
+      </a:effectRef>
+      <a:fontRef idx="minor">
+        <a:schemeClr val="lt1"/>
+      </a:fontRef>
+    </dgm:style>
+  </dgm:styleLbl>
+  <dgm:styleLbl name="bgSibTrans2D1">
+    <dgm:scene3d>
+      <a:camera prst="orthographicFront"/>
+      <a:lightRig rig="threePt" dir="t"/>
+    </dgm:scene3d>
+    <dgm:sp3d/>
+    <dgm:txPr/>
+    <dgm:style>
+      <a:lnRef idx="0">
+        <a:scrgbClr r="0" g="0" b="0"/>
+      </a:lnRef>
+      <a:fillRef idx="3">
+        <a:scrgbClr r="0" g="0" b="0"/>
+      </a:fillRef>
+      <a:effectRef idx="2">
+        <a:scrgbClr r="0" g="0" b="0"/>
+      </a:effectRef>
+      <a:fontRef idx="minor">
+        <a:schemeClr val="lt1"/>
+      </a:fontRef>
+    </dgm:style>
+  </dgm:styleLbl>
+  <dgm:styleLbl name="sibTrans1D1">
+    <dgm:scene3d>
+      <a:camera prst="orthographicFront"/>
+      <a:lightRig rig="threePt" dir="t"/>
+    </dgm:scene3d>
+    <dgm:sp3d/>
+    <dgm:txPr/>
+    <dgm:style>
+      <a:lnRef idx="1">
+        <a:scrgbClr r="0" g="0" b="0"/>
+      </a:lnRef>
+      <a:fillRef idx="0">
+        <a:scrgbClr r="0" g="0" b="0"/>
+      </a:fillRef>
+      <a:effectRef idx="0">
+        <a:scrgbClr r="0" g="0" b="0"/>
+      </a:effectRef>
+      <a:fontRef idx="minor"/>
+    </dgm:style>
+  </dgm:styleLbl>
+  <dgm:styleLbl name="callout">
+    <dgm:scene3d>
+      <a:camera prst="orthographicFront"/>
+      <a:lightRig rig="threePt" dir="t"/>
+    </dgm:scene3d>
+    <dgm:sp3d/>
+    <dgm:txPr/>
+    <dgm:style>
+      <a:lnRef idx="2">
+        <a:scrgbClr r="0" g="0" b="0"/>
+      </a:lnRef>
+      <a:fillRef idx="1">
+        <a:scrgbClr r="0" g="0" b="0"/>
+      </a:fillRef>
+      <a:effectRef idx="1">
+        <a:scrgbClr r="0" g="0" b="0"/>
+      </a:effectRef>
+      <a:fontRef idx="minor"/>
+    </dgm:style>
+  </dgm:styleLbl>
+  <dgm:styleLbl name="asst0">
+    <dgm:scene3d>
+      <a:camera prst="orthographicFront"/>
+      <a:lightRig rig="threePt" dir="t"/>
+    </dgm:scene3d>
+    <dgm:sp3d/>
+    <dgm:txPr/>
+    <dgm:style>
+      <a:lnRef idx="0">
+        <a:scrgbClr r="0" g="0" b="0"/>
+      </a:lnRef>
+      <a:fillRef idx="3">
+        <a:scrgbClr r="0" g="0" b="0"/>
+      </a:fillRef>
+      <a:effectRef idx="2">
+        <a:scrgbClr r="0" g="0" b="0"/>
+      </a:effectRef>
+      <a:fontRef idx="minor">
+        <a:schemeClr val="lt1"/>
+      </a:fontRef>
+    </dgm:style>
+  </dgm:styleLbl>
+  <dgm:styleLbl name="asst1">
+    <dgm:scene3d>
+      <a:camera prst="orthographicFront"/>
+      <a:lightRig rig="threePt" dir="t"/>
+    </dgm:scene3d>
+    <dgm:sp3d/>
+    <dgm:txPr/>
+    <dgm:style>
+      <a:lnRef idx="0">
+        <a:scrgbClr r="0" g="0" b="0"/>
+      </a:lnRef>
+      <a:fillRef idx="3">
+        <a:scrgbClr r="0" g="0" b="0"/>
+      </a:fillRef>
+      <a:effectRef idx="2">
+        <a:scrgbClr r="0" g="0" b="0"/>
+      </a:effectRef>
+      <a:fontRef idx="minor">
+        <a:schemeClr val="lt1"/>
+      </a:fontRef>
+    </dgm:style>
+  </dgm:styleLbl>
+  <dgm:styleLbl name="asst2">
+    <dgm:scene3d>
+      <a:camera prst="orthographicFront"/>
+      <a:lightRig rig="threePt" dir="t"/>
+    </dgm:scene3d>
+    <dgm:sp3d/>
+    <dgm:txPr/>
+    <dgm:style>
+      <a:lnRef idx="0">
+        <a:scrgbClr r="0" g="0" b="0"/>
+      </a:lnRef>
+      <a:fillRef idx="3">
+        <a:scrgbClr r="0" g="0" b="0"/>
+      </a:fillRef>
+      <a:effectRef idx="2">
+        <a:scrgbClr r="0" g="0" b="0"/>
+      </a:effectRef>
+      <a:fontRef idx="minor">
+        <a:schemeClr val="lt1"/>
+      </a:fontRef>
+    </dgm:style>
+  </dgm:styleLbl>
+  <dgm:styleLbl name="asst3">
+    <dgm:scene3d>
+      <a:camera prst="orthographicFront"/>
+      <a:lightRig rig="threePt" dir="t"/>
+    </dgm:scene3d>
+    <dgm:sp3d/>
+    <dgm:txPr/>
+    <dgm:style>
+      <a:lnRef idx="0">
+        <a:scrgbClr r="0" g="0" b="0"/>
+      </a:lnRef>
+      <a:fillRef idx="3">
+        <a:scrgbClr r="0" g="0" b="0"/>
+      </a:fillRef>
+      <a:effectRef idx="2">
+        <a:scrgbClr r="0" g="0" b="0"/>
+      </a:effectRef>
+      <a:fontRef idx="minor">
+        <a:schemeClr val="lt1"/>
+      </a:fontRef>
+    </dgm:style>
+  </dgm:styleLbl>
+  <dgm:styleLbl name="asst4">
+    <dgm:scene3d>
+      <a:camera prst="orthographicFront"/>
+      <a:lightRig rig="threePt" dir="t"/>
+    </dgm:scene3d>
+    <dgm:sp3d/>
+    <dgm:txPr/>
+    <dgm:style>
+      <a:lnRef idx="0">
+        <a:scrgbClr r="0" g="0" b="0"/>
+      </a:lnRef>
+      <a:fillRef idx="3">
+        <a:scrgbClr r="0" g="0" b="0"/>
+      </a:fillRef>
+      <a:effectRef idx="2">
+        <a:scrgbClr r="0" g="0" b="0"/>
+      </a:effectRef>
+      <a:fontRef idx="minor">
+        <a:schemeClr val="lt1"/>
+      </a:fontRef>
+    </dgm:style>
+  </dgm:styleLbl>
+  <dgm:styleLbl name="parChTrans2D1">
+    <dgm:scene3d>
+      <a:camera prst="orthographicFront"/>
+      <a:lightRig rig="threePt" dir="t"/>
+    </dgm:scene3d>
+    <dgm:sp3d/>
+    <dgm:txPr/>
+    <dgm:style>
+      <a:lnRef idx="0">
+        <a:scrgbClr r="0" g="0" b="0"/>
+      </a:lnRef>
+      <a:fillRef idx="3">
+        <a:scrgbClr r="0" g="0" b="0"/>
+      </a:fillRef>
+      <a:effectRef idx="2">
+        <a:scrgbClr r="0" g="0" b="0"/>
+      </a:effectRef>
+      <a:fontRef idx="minor">
+        <a:schemeClr val="lt1"/>
+      </a:fontRef>
+    </dgm:style>
+  </dgm:styleLbl>
+  <dgm:styleLbl name="parChTrans2D2">
+    <dgm:scene3d>
+      <a:camera prst="orthographicFront"/>
+      <a:lightRig rig="threePt" dir="t"/>
+    </dgm:scene3d>
+    <dgm:sp3d/>
+    <dgm:txPr/>
+    <dgm:style>
+      <a:lnRef idx="0">
+        <a:scrgbClr r="0" g="0" b="0"/>
+      </a:lnRef>
+      <a:fillRef idx="3">
+        <a:scrgbClr r="0" g="0" b="0"/>
+      </a:fillRef>
+      <a:effectRef idx="2">
+        <a:scrgbClr r="0" g="0" b="0"/>
+      </a:effectRef>
+      <a:fontRef idx="minor">
+        <a:schemeClr val="lt1"/>
+      </a:fontRef>
+    </dgm:style>
+  </dgm:styleLbl>
+  <dgm:styleLbl name="parChTrans2D3">
+    <dgm:scene3d>
+      <a:camera prst="orthographicFront"/>
+      <a:lightRig rig="threePt" dir="t"/>
+    </dgm:scene3d>
+    <dgm:sp3d/>
+    <dgm:txPr/>
+    <dgm:style>
+      <a:lnRef idx="1">
+        <a:scrgbClr r="0" g="0" b="0"/>
+      </a:lnRef>
+      <a:fillRef idx="3">
+        <a:scrgbClr r="0" g="0" b="0"/>
+      </a:fillRef>
+      <a:effectRef idx="2">
+        <a:scrgbClr r="0" g="0" b="0"/>
+      </a:effectRef>
+      <a:fontRef idx="minor">
+        <a:schemeClr val="lt1"/>
+      </a:fontRef>
+    </dgm:style>
+  </dgm:styleLbl>
+  <dgm:styleLbl name="parChTrans2D4">
+    <dgm:scene3d>
+      <a:camera prst="orthographicFront"/>
+      <a:lightRig rig="threePt" dir="t"/>
+    </dgm:scene3d>
+    <dgm:sp3d/>
+    <dgm:txPr/>
+    <dgm:style>
+      <a:lnRef idx="1">
+        <a:scrgbClr r="0" g="0" b="0"/>
+      </a:lnRef>
+      <a:fillRef idx="3">
+        <a:scrgbClr r="0" g="0" b="0"/>
+      </a:fillRef>
+      <a:effectRef idx="2">
+        <a:scrgbClr r="0" g="0" b="0"/>
+      </a:effectRef>
+      <a:fontRef idx="minor">
+        <a:schemeClr val="lt1"/>
+      </a:fontRef>
+    </dgm:style>
+  </dgm:styleLbl>
+  <dgm:styleLbl name="parChTrans1D1">
+    <dgm:scene3d>
+      <a:camera prst="orthographicFront"/>
+      <a:lightRig rig="threePt" dir="t"/>
+    </dgm:scene3d>
+    <dgm:sp3d/>
+    <dgm:txPr/>
+    <dgm:style>
+      <a:lnRef idx="1">
+        <a:scrgbClr r="0" g="0" b="0"/>
+      </a:lnRef>
+      <a:fillRef idx="0">
+        <a:scrgbClr r="0" g="0" b="0"/>
+      </a:fillRef>
+      <a:effectRef idx="0">
+        <a:scrgbClr r="0" g="0" b="0"/>
+      </a:effectRef>
+      <a:fontRef idx="minor"/>
+    </dgm:style>
+  </dgm:styleLbl>
+  <dgm:styleLbl name="parChTrans1D2">
+    <dgm:scene3d>
+      <a:camera prst="orthographicFront"/>
+      <a:lightRig rig="threePt" dir="t"/>
+    </dgm:scene3d>
+    <dgm:sp3d/>
+    <dgm:txPr/>
+    <dgm:style>
+      <a:lnRef idx="1">
+        <a:scrgbClr r="0" g="0" b="0"/>
+      </a:lnRef>
+      <a:fillRef idx="0">
+        <a:scrgbClr r="0" g="0" b="0"/>
+      </a:fillRef>
+      <a:effectRef idx="0">
+        <a:scrgbClr r="0" g="0" b="0"/>
+      </a:effectRef>
+      <a:fontRef idx="minor"/>
+    </dgm:style>
+  </dgm:styleLbl>
+  <dgm:styleLbl name="parChTrans1D3">
+    <dgm:scene3d>
+      <a:camera prst="orthographicFront"/>
+      <a:lightRig rig="threePt" dir="t"/>
+    </dgm:scene3d>
+    <dgm:sp3d/>
+    <dgm:txPr/>
+    <dgm:style>
+      <a:lnRef idx="1">
+        <a:scrgbClr r="0" g="0" b="0"/>
+      </a:lnRef>
+      <a:fillRef idx="0">
+        <a:scrgbClr r="0" g="0" b="0"/>
+      </a:fillRef>
+      <a:effectRef idx="0">
+        <a:scrgbClr r="0" g="0" b="0"/>
+      </a:effectRef>
+      <a:fontRef idx="minor"/>
+    </dgm:style>
+  </dgm:styleLbl>
+  <dgm:styleLbl name="parChTrans1D4">
+    <dgm:scene3d>
+      <a:camera prst="orthographicFront"/>
+      <a:lightRig rig="threePt" dir="t"/>
+    </dgm:scene3d>
+    <dgm:sp3d/>
+    <dgm:txPr/>
+    <dgm:style>
+      <a:lnRef idx="1">
+        <a:scrgbClr r="0" g="0" b="0"/>
+      </a:lnRef>
+      <a:fillRef idx="0">
+        <a:scrgbClr r="0" g="0" b="0"/>
+      </a:fillRef>
+      <a:effectRef idx="0">
+        <a:scrgbClr r="0" g="0" b="0"/>
+      </a:effectRef>
+      <a:fontRef idx="minor"/>
+    </dgm:style>
+  </dgm:styleLbl>
+  <dgm:styleLbl name="fgAcc1">
+    <dgm:scene3d>
+      <a:camera prst="orthographicFront"/>
+      <a:lightRig rig="threePt" dir="t"/>
+    </dgm:scene3d>
+    <dgm:sp3d/>
+    <dgm:txPr/>
+    <dgm:style>
+      <a:lnRef idx="1">
+        <a:scrgbClr r="0" g="0" b="0"/>
+      </a:lnRef>
+      <a:fillRef idx="1">
+        <a:scrgbClr r="0" g="0" b="0"/>
+      </a:fillRef>
+      <a:effectRef idx="0">
+        <a:scrgbClr r="0" g="0" b="0"/>
+      </a:effectRef>
+      <a:fontRef idx="minor"/>
+    </dgm:style>
+  </dgm:styleLbl>
+  <dgm:styleLbl name="conFgAcc1">
+    <dgm:scene3d>
+      <a:camera prst="orthographicFront"/>
+      <a:lightRig rig="threePt" dir="t"/>
+    </dgm:scene3d>
+    <dgm:sp3d/>
+    <dgm:txPr/>
+    <dgm:style>
+      <a:lnRef idx="1">
+        <a:scrgbClr r="0" g="0" b="0"/>
+      </a:lnRef>
+      <a:fillRef idx="1">
+        <a:scrgbClr r="0" g="0" b="0"/>
+      </a:fillRef>
+      <a:effectRef idx="0">
+        <a:scrgbClr r="0" g="0" b="0"/>
+      </a:effectRef>
+      <a:fontRef idx="minor"/>
+    </dgm:style>
+  </dgm:styleLbl>
+  <dgm:styleLbl name="alignAcc1">
+    <dgm:scene3d>
+      <a:camera prst="orthographicFront"/>
+      <a:lightRig rig="threePt" dir="t"/>
+    </dgm:scene3d>
+    <dgm:sp3d/>
+    <dgm:txPr/>
+    <dgm:style>
+      <a:lnRef idx="1">
+        <a:scrgbClr r="0" g="0" b="0"/>
+      </a:lnRef>
+      <a:fillRef idx="1">
+        <a:scrgbClr r="0" g="0" b="0"/>
+      </a:fillRef>
+      <a:effectRef idx="0">
+        <a:scrgbClr r="0" g="0" b="0"/>
+      </a:effectRef>
+      <a:fontRef idx="minor"/>
+    </dgm:style>
+  </dgm:styleLbl>
+  <dgm:styleLbl name="trAlignAcc1">
+    <dgm:scene3d>
+      <a:camera prst="orthographicFront"/>
+      <a:lightRig rig="threePt" dir="t"/>
+    </dgm:scene3d>
+    <dgm:sp3d/>
+    <dgm:txPr/>
+    <dgm:style>
+      <a:lnRef idx="1">
+        <a:scrgbClr r="0" g="0" b="0"/>
+      </a:lnRef>
+      <a:fillRef idx="1">
+        <a:scrgbClr r="0" g="0" b="0"/>
+      </a:fillRef>
+      <a:effectRef idx="0">
+        <a:scrgbClr r="0" g="0" b="0"/>
+      </a:effectRef>
+      <a:fontRef idx="minor"/>
+    </dgm:style>
+  </dgm:styleLbl>
+  <dgm:styleLbl name="bgAcc1">
+    <dgm:scene3d>
+      <a:camera prst="orthographicFront"/>
+      <a:lightRig rig="threePt" dir="t"/>
+    </dgm:scene3d>
+    <dgm:sp3d/>
+    <dgm:txPr/>
+    <dgm:style>
+      <a:lnRef idx="1">
+        <a:scrgbClr r="0" g="0" b="0"/>
+      </a:lnRef>
+      <a:fillRef idx="1">
+        <a:scrgbClr r="0" g="0" b="0"/>
+      </a:fillRef>
+      <a:effectRef idx="0">
+        <a:scrgbClr r="0" g="0" b="0"/>
+      </a:effectRef>
+      <a:fontRef idx="minor"/>
+    </dgm:style>
+  </dgm:styleLbl>
+  <dgm:styleLbl name="solidFgAcc1">
+    <dgm:scene3d>
+      <a:camera prst="orthographicFront"/>
+      <a:lightRig rig="threePt" dir="t"/>
+    </dgm:scene3d>
+    <dgm:sp3d/>
+    <dgm:txPr/>
+    <dgm:style>
+      <a:lnRef idx="1">
+        <a:scrgbClr r="0" g="0" b="0"/>
+      </a:lnRef>
+      <a:fillRef idx="1">
+        <a:scrgbClr r="0" g="0" b="0"/>
+      </a:fillRef>
+      <a:effectRef idx="0">
+        <a:scrgbClr r="0" g="0" b="0"/>
+      </a:effectRef>
+      <a:fontRef idx="minor"/>
+    </dgm:style>
+  </dgm:styleLbl>
+  <dgm:styleLbl name="solidAlignAcc1">
+    <dgm:scene3d>
+      <a:camera prst="orthographicFront"/>
+      <a:lightRig rig="threePt" dir="t"/>
+    </dgm:scene3d>
+    <dgm:sp3d/>
+    <dgm:txPr/>
+    <dgm:style>
+      <a:lnRef idx="1">
+        <a:scrgbClr r="0" g="0" b="0"/>
+      </a:lnRef>
+      <a:fillRef idx="1">
+        <a:scrgbClr r="0" g="0" b="0"/>
+      </a:fillRef>
+      <a:effectRef idx="0">
+        <a:scrgbClr r="0" g="0" b="0"/>
+      </a:effectRef>
+      <a:fontRef idx="minor"/>
+    </dgm:style>
+  </dgm:styleLbl>
+  <dgm:styleLbl name="solidBgAcc1">
+    <dgm:scene3d>
+      <a:camera prst="orthographicFront"/>
+      <a:lightRig rig="threePt" dir="t"/>
+    </dgm:scene3d>
+    <dgm:sp3d/>
+    <dgm:txPr/>
+    <dgm:style>
+      <a:lnRef idx="1">
+        <a:scrgbClr r="0" g="0" b="0"/>
+      </a:lnRef>
+      <a:fillRef idx="1">
+        <a:scrgbClr r="0" g="0" b="0"/>
+      </a:fillRef>
+      <a:effectRef idx="0">
+        <a:scrgbClr r="0" g="0" b="0"/>
+      </a:effectRef>
+      <a:fontRef idx="minor"/>
+    </dgm:style>
+  </dgm:styleLbl>
+  <dgm:styleLbl name="fgAccFollowNode1">
+    <dgm:scene3d>
+      <a:camera prst="orthographicFront"/>
+      <a:lightRig rig="threePt" dir="t"/>
+    </dgm:scene3d>
+    <dgm:sp3d/>
+    <dgm:txPr/>
+    <dgm:style>
+      <a:lnRef idx="1">
+        <a:scrgbClr r="0" g="0" b="0"/>
+      </a:lnRef>
+      <a:fillRef idx="1">
+        <a:scrgbClr r="0" g="0" b="0"/>
+      </a:fillRef>
+      <a:effectRef idx="0">
+        <a:scrgbClr r="0" g="0" b="0"/>
+      </a:effectRef>
+      <a:fontRef idx="minor"/>
+    </dgm:style>
+  </dgm:styleLbl>
+  <dgm:styleLbl name="alignAccFollowNode1">
+    <dgm:scene3d>
+      <a:camera prst="orthographicFront"/>
+      <a:lightRig rig="threePt" dir="t"/>
+    </dgm:scene3d>
+    <dgm:sp3d/>
+    <dgm:txPr/>
+    <dgm:style>
+      <a:lnRef idx="1">
+        <a:scrgbClr r="0" g="0" b="0"/>
+      </a:lnRef>
+      <a:fillRef idx="1">
+        <a:scrgbClr r="0" g="0" b="0"/>
+      </a:fillRef>
+      <a:effectRef idx="0">
+        <a:scrgbClr r="0" g="0" b="0"/>
+      </a:effectRef>
+      <a:fontRef idx="minor"/>
+    </dgm:style>
+  </dgm:styleLbl>
+  <dgm:styleLbl name="bgAccFollowNode1">
+    <dgm:scene3d>
+      <a:camera prst="orthographicFront"/>
+      <a:lightRig rig="threePt" dir="t"/>
+    </dgm:scene3d>
+    <dgm:sp3d/>
+    <dgm:txPr/>
+    <dgm:style>
+      <a:lnRef idx="1">
+        <a:scrgbClr r="0" g="0" b="0"/>
+      </a:lnRef>
+      <a:fillRef idx="1">
+        <a:scrgbClr r="0" g="0" b="0"/>
+      </a:fillRef>
+      <a:effectRef idx="0">
+        <a:scrgbClr r="0" g="0" b="0"/>
+      </a:effectRef>
+      <a:fontRef idx="minor"/>
+    </dgm:style>
+  </dgm:styleLbl>
+  <dgm:styleLbl name="fgAcc0">
+    <dgm:scene3d>
+      <a:camera prst="orthographicFront"/>
+      <a:lightRig rig="threePt" dir="t"/>
+    </dgm:scene3d>
+    <dgm:sp3d/>
+    <dgm:txPr/>
+    <dgm:style>
+      <a:lnRef idx="1">
+        <a:scrgbClr r="0" g="0" b="0"/>
+      </a:lnRef>
+      <a:fillRef idx="1">
+        <a:scrgbClr r="0" g="0" b="0"/>
+      </a:fillRef>
+      <a:effectRef idx="0">
+        <a:scrgbClr r="0" g="0" b="0"/>
+      </a:effectRef>
+      <a:fontRef idx="minor"/>
+    </dgm:style>
+  </dgm:styleLbl>
+  <dgm:styleLbl name="fgAcc2">
+    <dgm:scene3d>
+      <a:camera prst="orthographicFront"/>
+      <a:lightRig rig="threePt" dir="t"/>
+    </dgm:scene3d>
+    <dgm:sp3d/>
+    <dgm:txPr/>
+    <dgm:style>
+      <a:lnRef idx="1">
+        <a:scrgbClr r="0" g="0" b="0"/>
+      </a:lnRef>
+      <a:fillRef idx="1">
+        <a:scrgbClr r="0" g="0" b="0"/>
+      </a:fillRef>
+      <a:effectRef idx="0">
+        <a:scrgbClr r="0" g="0" b="0"/>
+      </a:effectRef>
+      <a:fontRef idx="minor"/>
+    </dgm:style>
+  </dgm:styleLbl>
+  <dgm:styleLbl name="fgAcc3">
+    <dgm:scene3d>
+      <a:camera prst="orthographicFront"/>
+      <a:lightRig rig="threePt" dir="t"/>
+    </dgm:scene3d>
+    <dgm:sp3d/>
+    <dgm:txPr/>
+    <dgm:style>
+      <a:lnRef idx="1">
+        <a:scrgbClr r="0" g="0" b="0"/>
+      </a:lnRef>
+      <a:fillRef idx="1">
+        <a:scrgbClr r="0" g="0" b="0"/>
+      </a:fillRef>
+      <a:effectRef idx="0">
+        <a:scrgbClr r="0" g="0" b="0"/>
+      </a:effectRef>
+      <a:fontRef idx="minor"/>
+    </dgm:style>
+  </dgm:styleLbl>
+  <dgm:styleLbl name="fgAcc4">
+    <dgm:scene3d>
+      <a:camera prst="orthographicFront"/>
+      <a:lightRig rig="threePt" dir="t"/>
+    </dgm:scene3d>
+    <dgm:sp3d/>
+    <dgm:txPr/>
+    <dgm:style>
+      <a:lnRef idx="1">
+        <a:scrgbClr r="0" g="0" b="0"/>
+      </a:lnRef>
+      <a:fillRef idx="1">
+        <a:scrgbClr r="0" g="0" b="0"/>
+      </a:fillRef>
+      <a:effectRef idx="0">
+        <a:scrgbClr r="0" g="0" b="0"/>
+      </a:effectRef>
+      <a:fontRef idx="minor"/>
+    </dgm:style>
+  </dgm:styleLbl>
+  <dgm:styleLbl name="bgShp">
+    <dgm:scene3d>
+      <a:camera prst="orthographicFront"/>
+      <a:lightRig rig="threePt" dir="t"/>
+    </dgm:scene3d>
+    <dgm:sp3d/>
+    <dgm:txPr/>
+    <dgm:style>
+      <a:lnRef idx="0">
+        <a:scrgbClr r="0" g="0" b="0"/>
+      </a:lnRef>
+      <a:fillRef idx="1">
+        <a:scrgbClr r="0" g="0" b="0"/>
+      </a:fillRef>
+      <a:effectRef idx="2">
+        <a:scrgbClr r="0" g="0" b="0"/>
+      </a:effectRef>
+      <a:fontRef idx="minor"/>
+    </dgm:style>
+  </dgm:styleLbl>
+  <dgm:styleLbl name="dkBgShp">
+    <dgm:scene3d>
+      <a:camera prst="orthographicFront"/>
+      <a:lightRig rig="threePt" dir="t"/>
+    </dgm:scene3d>
+    <dgm:sp3d/>
+    <dgm:txPr/>
+    <dgm:style>
+      <a:lnRef idx="0">
+        <a:scrgbClr r="0" g="0" b="0"/>
+      </a:lnRef>
+      <a:fillRef idx="1">
+        <a:scrgbClr r="0" g="0" b="0"/>
+      </a:fillRef>
+      <a:effectRef idx="2">
+        <a:scrgbClr r="0" g="0" b="0"/>
+      </a:effectRef>
+      <a:fontRef idx="minor"/>
+    </dgm:style>
+  </dgm:styleLbl>
+  <dgm:styleLbl name="trBgShp">
+    <dgm:scene3d>
+      <a:camera prst="orthographicFront"/>
+      <a:lightRig rig="threePt" dir="t"/>
+    </dgm:scene3d>
+    <dgm:sp3d/>
+    <dgm:txPr/>
+    <dgm:style>
+      <a:lnRef idx="0">
+        <a:scrgbClr r="0" g="0" b="0"/>
+      </a:lnRef>
+      <a:fillRef idx="1">
+        <a:scrgbClr r="0" g="0" b="0"/>
+      </a:fillRef>
+      <a:effectRef idx="0">
+        <a:scrgbClr r="0" g="0" b="0"/>
+      </a:effectRef>
+      <a:fontRef idx="minor"/>
+    </dgm:style>
+  </dgm:styleLbl>
+  <dgm:styleLbl name="fgShp">
+    <dgm:scene3d>
+      <a:camera prst="orthographicFront"/>
+      <a:lightRig rig="threePt" dir="t"/>
+    </dgm:scene3d>
+    <dgm:sp3d/>
+    <dgm:txPr/>
+    <dgm:style>
+      <a:lnRef idx="0">
+        <a:scrgbClr r="0" g="0" b="0"/>
+      </a:lnRef>
+      <a:fillRef idx="3">
+        <a:scrgbClr r="0" g="0" b="0"/>
+      </a:fillRef>
+      <a:effectRef idx="2">
+        <a:scrgbClr r="0" g="0" b="0"/>
+      </a:effectRef>
+      <a:fontRef idx="minor"/>
+    </dgm:style>
+  </dgm:styleLbl>
+  <dgm:styleLbl name="revTx">
+    <dgm:scene3d>
+      <a:camera prst="orthographicFront"/>
+      <a:lightRig rig="threePt" dir="t"/>
+    </dgm:scene3d>
+    <dgm:sp3d/>
+    <dgm:txPr/>
+    <dgm:style>
+      <a:lnRef idx="0">
+        <a:scrgbClr r="0" g="0" b="0"/>
+      </a:lnRef>
+      <a:fillRef idx="0">
+        <a:scrgbClr r="0" g="0" b="0"/>
+      </a:fillRef>
+      <a:effectRef idx="0">
+        <a:scrgbClr r="0" g="0" b="0"/>
+      </a:effectRef>
+      <a:fontRef idx="minor"/>
+    </dgm:style>
+  </dgm:styleLbl>
+</dgm:styleDef>
+</file>
+
+<file path=ppt/diagrams/quickStyle2.xml><?xml version="1.0" encoding="utf-8"?>
 <dgm:styleDef xmlns:dgm="http://schemas.openxmlformats.org/drawingml/2006/diagram" xmlns:a="http://schemas.openxmlformats.org/drawingml/2006/main" uniqueId="urn:microsoft.com/office/officeart/2005/8/quickstyle/simple4">
   <dgm:title val=""/>
   <dgm:desc val=""/>
@@ -6697,11 +10900,11 @@
   <p:clrMapOvr>
     <a:masterClrMapping/>
   </p:clrMapOvr>
-  <mc:AlternateContent xmlns:mc="http://schemas.openxmlformats.org/markup-compatibility/2006">
-    <mc:Choice xmlns:p14="http://schemas.microsoft.com/office/powerpoint/2010/main" Requires="p14">
+  <mc:AlternateContent xmlns:mc="http://schemas.openxmlformats.org/markup-compatibility/2006" xmlns:p14="http://schemas.microsoft.com/office/powerpoint/2010/main">
+    <mc:Choice Requires="p14">
       <p:transition p14:dur="0"/>
     </mc:Choice>
-    <mc:Fallback>
+    <mc:Fallback xmlns="">
       <p:transition xmlns:p14="http://schemas.microsoft.com/office/powerpoint/2010/main"/>
     </mc:Fallback>
   </mc:AlternateContent>
@@ -6791,14 +10994,21 @@
   <p:clrMapOvr>
     <a:masterClrMapping/>
   </p:clrMapOvr>
-  <mc:AlternateContent xmlns:mc="http://schemas.openxmlformats.org/markup-compatibility/2006">
-    <mc:Choice xmlns:p14="http://schemas.microsoft.com/office/powerpoint/2010/main" Requires="p14">
+  <mc:AlternateContent xmlns:mc="http://schemas.openxmlformats.org/markup-compatibility/2006" xmlns:p14="http://schemas.microsoft.com/office/powerpoint/2010/main">
+    <mc:Choice Requires="p14">
       <p:transition p14:dur="0"/>
     </mc:Choice>
-    <mc:Fallback>
+    <mc:Fallback xmlns="">
       <p:transition xmlns:p14="http://schemas.microsoft.com/office/powerpoint/2010/main"/>
     </mc:Fallback>
   </mc:AlternateContent>
+  <p:timing>
+    <p:tnLst>
+      <p:par>
+        <p:cTn xmlns:p14="http://schemas.microsoft.com/office/powerpoint/2010/main" id="1" dur="indefinite" restart="never" nodeType="tmRoot"/>
+      </p:par>
+    </p:tnLst>
+  </p:timing>
 </p:sld>
 </file>
 
@@ -6920,14 +11130,21 @@
   <p:clrMapOvr>
     <a:masterClrMapping/>
   </p:clrMapOvr>
-  <mc:AlternateContent xmlns:mc="http://schemas.openxmlformats.org/markup-compatibility/2006">
-    <mc:Choice xmlns:p14="http://schemas.microsoft.com/office/powerpoint/2010/main" Requires="p14">
+  <mc:AlternateContent xmlns:mc="http://schemas.openxmlformats.org/markup-compatibility/2006" xmlns:p14="http://schemas.microsoft.com/office/powerpoint/2010/main">
+    <mc:Choice Requires="p14">
       <p:transition p14:dur="0"/>
     </mc:Choice>
-    <mc:Fallback>
+    <mc:Fallback xmlns="">
       <p:transition xmlns:p14="http://schemas.microsoft.com/office/powerpoint/2010/main"/>
     </mc:Fallback>
   </mc:AlternateContent>
+  <p:timing>
+    <p:tnLst>
+      <p:par>
+        <p:cTn xmlns:p14="http://schemas.microsoft.com/office/powerpoint/2010/main" id="1" dur="indefinite" restart="never" nodeType="tmRoot"/>
+      </p:par>
+    </p:tnLst>
+  </p:timing>
 </p:sld>
 </file>
 
@@ -7049,14 +11266,21 @@
   <p:clrMapOvr>
     <a:masterClrMapping/>
   </p:clrMapOvr>
-  <mc:AlternateContent xmlns:mc="http://schemas.openxmlformats.org/markup-compatibility/2006">
-    <mc:Choice xmlns:p14="http://schemas.microsoft.com/office/powerpoint/2010/main" Requires="p14">
+  <mc:AlternateContent xmlns:mc="http://schemas.openxmlformats.org/markup-compatibility/2006" xmlns:p14="http://schemas.microsoft.com/office/powerpoint/2010/main">
+    <mc:Choice Requires="p14">
       <p:transition p14:dur="0"/>
     </mc:Choice>
-    <mc:Fallback>
+    <mc:Fallback xmlns="">
       <p:transition xmlns:p14="http://schemas.microsoft.com/office/powerpoint/2010/main"/>
     </mc:Fallback>
   </mc:AlternateContent>
+  <p:timing>
+    <p:tnLst>
+      <p:par>
+        <p:cTn xmlns:p14="http://schemas.microsoft.com/office/powerpoint/2010/main" id="1" dur="indefinite" restart="never" nodeType="tmRoot"/>
+      </p:par>
+    </p:tnLst>
+  </p:timing>
 </p:sld>
 </file>
 
@@ -7156,14 +11380,21 @@
   <p:clrMapOvr>
     <a:masterClrMapping/>
   </p:clrMapOvr>
-  <mc:AlternateContent xmlns:mc="http://schemas.openxmlformats.org/markup-compatibility/2006">
-    <mc:Choice xmlns:p14="http://schemas.microsoft.com/office/powerpoint/2010/main" Requires="p14">
+  <mc:AlternateContent xmlns:mc="http://schemas.openxmlformats.org/markup-compatibility/2006" xmlns:p14="http://schemas.microsoft.com/office/powerpoint/2010/main">
+    <mc:Choice Requires="p14">
       <p:transition p14:dur="0"/>
     </mc:Choice>
-    <mc:Fallback>
+    <mc:Fallback xmlns="">
       <p:transition xmlns:p14="http://schemas.microsoft.com/office/powerpoint/2010/main"/>
     </mc:Fallback>
   </mc:AlternateContent>
+  <p:timing>
+    <p:tnLst>
+      <p:par>
+        <p:cTn xmlns:p14="http://schemas.microsoft.com/office/powerpoint/2010/main" id="1" dur="indefinite" restart="never" nodeType="tmRoot"/>
+      </p:par>
+    </p:tnLst>
+  </p:timing>
 </p:sld>
 </file>
 
@@ -7276,14 +11507,21 @@
   <p:clrMapOvr>
     <a:masterClrMapping/>
   </p:clrMapOvr>
-  <mc:AlternateContent xmlns:mc="http://schemas.openxmlformats.org/markup-compatibility/2006">
-    <mc:Choice xmlns:p14="http://schemas.microsoft.com/office/powerpoint/2010/main" Requires="p14">
+  <mc:AlternateContent xmlns:mc="http://schemas.openxmlformats.org/markup-compatibility/2006" xmlns:p14="http://schemas.microsoft.com/office/powerpoint/2010/main">
+    <mc:Choice Requires="p14">
       <p:transition p14:dur="0"/>
     </mc:Choice>
-    <mc:Fallback>
+    <mc:Fallback xmlns="">
       <p:transition xmlns:p14="http://schemas.microsoft.com/office/powerpoint/2010/main"/>
     </mc:Fallback>
   </mc:AlternateContent>
+  <p:timing>
+    <p:tnLst>
+      <p:par>
+        <p:cTn xmlns:p14="http://schemas.microsoft.com/office/powerpoint/2010/main" id="1" dur="indefinite" restart="never" nodeType="tmRoot"/>
+      </p:par>
+    </p:tnLst>
+  </p:timing>
 </p:sld>
 </file>
 
@@ -7321,7 +11559,7 @@
           <a:p>
             <a:r>
               <a:rPr lang="en-US" dirty="0" smtClean="0"/>
-              <a:t>How?</a:t>
+              <a:t>Why?</a:t>
             </a:r>
             <a:endParaRPr lang="en-US" dirty="0"/>
           </a:p>
@@ -7348,29 +11586,76 @@
                   <a:srgbClr val="7F7F7F"/>
                 </a:solidFill>
               </a:rPr>
-              <a:t>Consistency!</a:t>
-            </a:r>
+              <a:t>To get together ( o/ \o )</a:t>
+            </a:r>
+          </a:p>
+          <a:p>
+            <a:r>
+              <a:rPr lang="en-US" dirty="0" smtClean="0">
+                <a:solidFill>
+                  <a:srgbClr val="7F7F7F"/>
+                </a:solidFill>
+              </a:rPr>
+              <a:t>To learn Python ( &gt;&gt;&gt; )</a:t>
+            </a:r>
+          </a:p>
+          <a:p>
+            <a:r>
+              <a:rPr lang="en-US" dirty="0" smtClean="0">
+                <a:solidFill>
+                  <a:srgbClr val="7F7F7F"/>
+                </a:solidFill>
+              </a:rPr>
+              <a:t>To have fun ( \o/ </a:t>
+            </a:r>
+            <a:r>
+              <a:rPr lang="en-US" dirty="0" smtClean="0">
+                <a:solidFill>
+                  <a:srgbClr val="7F7F7F"/>
+                </a:solidFill>
+              </a:rPr>
+              <a:t>)</a:t>
+            </a:r>
+            <a:endParaRPr lang="en-US" dirty="0">
+              <a:solidFill>
+                <a:srgbClr val="7F7F7F"/>
+              </a:solidFill>
+            </a:endParaRPr>
+          </a:p>
+          <a:p>
+            <a:r>
+              <a:rPr lang="en-US" dirty="0" smtClean="0"/>
+              <a:t>How?</a:t>
+            </a:r>
+            <a:endParaRPr lang="en-US" dirty="0"/>
           </a:p>
         </p:txBody>
       </p:sp>
     </p:spTree>
     <p:extLst>
       <p:ext uri="{BB962C8B-B14F-4D97-AF65-F5344CB8AC3E}">
-        <p14:creationId xmlns:p14="http://schemas.microsoft.com/office/powerpoint/2010/main" val="336716893"/>
+        <p14:creationId xmlns:p14="http://schemas.microsoft.com/office/powerpoint/2010/main" val="3320394110"/>
       </p:ext>
     </p:extLst>
   </p:cSld>
   <p:clrMapOvr>
     <a:masterClrMapping/>
   </p:clrMapOvr>
-  <mc:AlternateContent xmlns:mc="http://schemas.openxmlformats.org/markup-compatibility/2006">
-    <mc:Choice xmlns:p14="http://schemas.microsoft.com/office/powerpoint/2010/main" Requires="p14">
+  <mc:AlternateContent xmlns:mc="http://schemas.openxmlformats.org/markup-compatibility/2006" xmlns:p14="http://schemas.microsoft.com/office/powerpoint/2010/main">
+    <mc:Choice Requires="p14">
       <p:transition p14:dur="0"/>
     </mc:Choice>
-    <mc:Fallback>
+    <mc:Fallback xmlns="">
       <p:transition xmlns:p14="http://schemas.microsoft.com/office/powerpoint/2010/main"/>
     </mc:Fallback>
   </mc:AlternateContent>
+  <p:timing>
+    <p:tnLst>
+      <p:par>
+        <p:cTn xmlns:p14="http://schemas.microsoft.com/office/powerpoint/2010/main" id="1" dur="indefinite" restart="never" nodeType="tmRoot"/>
+      </p:par>
+    </p:tnLst>
+  </p:timing>
 </p:sld>
 </file>
 
@@ -7408,7 +11693,7 @@
           <a:p>
             <a:r>
               <a:rPr lang="en-US" dirty="0" smtClean="0"/>
-              <a:t>How?</a:t>
+              <a:t>Why?</a:t>
             </a:r>
             <a:endParaRPr lang="en-US" dirty="0"/>
           </a:p>
@@ -7435,7 +11720,7 @@
                   <a:srgbClr val="7F7F7F"/>
                 </a:solidFill>
               </a:rPr>
-              <a:t>Consistency!</a:t>
+              <a:t>To get together ( o/ \o )</a:t>
             </a:r>
           </a:p>
           <a:p>
@@ -7445,29 +11730,96 @@
                   <a:srgbClr val="7F7F7F"/>
                 </a:solidFill>
               </a:rPr>
-              <a:t>Sponsors</a:t>
-            </a:r>
+              <a:t>To learn Python ( &gt;&gt;&gt; )</a:t>
+            </a:r>
+          </a:p>
+          <a:p>
+            <a:r>
+              <a:rPr lang="en-US" dirty="0" smtClean="0">
+                <a:solidFill>
+                  <a:srgbClr val="7F7F7F"/>
+                </a:solidFill>
+              </a:rPr>
+              <a:t>To have fun ( \o/ </a:t>
+            </a:r>
+            <a:r>
+              <a:rPr lang="en-US" dirty="0" smtClean="0">
+                <a:solidFill>
+                  <a:srgbClr val="7F7F7F"/>
+                </a:solidFill>
+              </a:rPr>
+              <a:t>)</a:t>
+            </a:r>
+            <a:endParaRPr lang="en-US" dirty="0">
+              <a:solidFill>
+                <a:srgbClr val="7F7F7F"/>
+              </a:solidFill>
+            </a:endParaRPr>
+          </a:p>
+          <a:p>
+            <a:r>
+              <a:rPr lang="en-US" dirty="0" smtClean="0">
+                <a:solidFill>
+                  <a:srgbClr val="000000"/>
+                </a:solidFill>
+              </a:rPr>
+              <a:t>How?</a:t>
+            </a:r>
+            <a:endParaRPr lang="en-US" dirty="0">
+              <a:solidFill>
+                <a:srgbClr val="000000"/>
+              </a:solidFill>
+            </a:endParaRPr>
           </a:p>
         </p:txBody>
       </p:sp>
+      <p:graphicFrame>
+        <p:nvGraphicFramePr>
+          <p:cNvPr id="8" name="Diagram 7"/>
+          <p:cNvGraphicFramePr/>
+          <p:nvPr>
+            <p:extLst>
+              <p:ext uri="{D42A27DB-BD31-4B8C-83A1-F6EECF244321}">
+                <p14:modId xmlns:p14="http://schemas.microsoft.com/office/powerpoint/2010/main" val="1902004002"/>
+              </p:ext>
+            </p:extLst>
+          </p:nvPr>
+        </p:nvGraphicFramePr>
+        <p:xfrm>
+          <a:off x="2294498" y="3642433"/>
+          <a:ext cx="6267983" cy="2783306"/>
+        </p:xfrm>
+        <a:graphic>
+          <a:graphicData uri="http://schemas.openxmlformats.org/drawingml/2006/diagram">
+            <dgm:relIds xmlns:dgm="http://schemas.openxmlformats.org/drawingml/2006/diagram" xmlns:r="http://schemas.openxmlformats.org/officeDocument/2006/relationships" r:dm="rId2" r:lo="rId3" r:qs="rId4" r:cs="rId5"/>
+          </a:graphicData>
+        </a:graphic>
+      </p:graphicFrame>
     </p:spTree>
     <p:extLst>
       <p:ext uri="{BB962C8B-B14F-4D97-AF65-F5344CB8AC3E}">
-        <p14:creationId xmlns:p14="http://schemas.microsoft.com/office/powerpoint/2010/main" val="2226488215"/>
+        <p14:creationId xmlns:p14="http://schemas.microsoft.com/office/powerpoint/2010/main" val="3186731297"/>
       </p:ext>
     </p:extLst>
   </p:cSld>
   <p:clrMapOvr>
     <a:masterClrMapping/>
   </p:clrMapOvr>
-  <mc:AlternateContent xmlns:mc="http://schemas.openxmlformats.org/markup-compatibility/2006">
-    <mc:Choice xmlns:p14="http://schemas.microsoft.com/office/powerpoint/2010/main" Requires="p14">
+  <mc:AlternateContent xmlns:mc="http://schemas.openxmlformats.org/markup-compatibility/2006" xmlns:p14="http://schemas.microsoft.com/office/powerpoint/2010/main">
+    <mc:Choice Requires="p14">
       <p:transition p14:dur="0"/>
     </mc:Choice>
-    <mc:Fallback>
+    <mc:Fallback xmlns="">
       <p:transition xmlns:p14="http://schemas.microsoft.com/office/powerpoint/2010/main"/>
     </mc:Fallback>
   </mc:AlternateContent>
+  <p:timing>
+    <p:tnLst>
+      <p:par>
+        <p:cTn xmlns:p14="http://schemas.microsoft.com/office/powerpoint/2010/main" id="1" dur="indefinite" restart="never" nodeType="tmRoot"/>
+      </p:par>
+    </p:tnLst>
+  </p:timing>
 </p:sld>
 </file>
 
@@ -7505,7 +11857,7 @@
           <a:p>
             <a:r>
               <a:rPr lang="en-US" dirty="0" smtClean="0"/>
-              <a:t>How?</a:t>
+              <a:t>When?</a:t>
             </a:r>
             <a:endParaRPr lang="en-US" dirty="0"/>
           </a:p>
@@ -7529,57 +11881,61 @@
             <a:r>
               <a:rPr lang="en-US" dirty="0" smtClean="0">
                 <a:solidFill>
-                  <a:srgbClr val="7F7F7F"/>
+                  <a:schemeClr val="bg1">
+                    <a:lumMod val="50000"/>
+                  </a:schemeClr>
                 </a:solidFill>
               </a:rPr>
-              <a:t>Consistency!</a:t>
-            </a:r>
-          </a:p>
-          <a:p>
+              <a:t>First Tuesday of the Month (</a:t>
+            </a:r>
+            <a:r>
+              <a:rPr lang="en-US" dirty="0" err="1" smtClean="0">
+                <a:solidFill>
+                  <a:schemeClr val="bg1">
+                    <a:lumMod val="50000"/>
+                  </a:schemeClr>
+                </a:solidFill>
+              </a:rPr>
+              <a:t>Meetup</a:t>
+            </a:r>
             <a:r>
               <a:rPr lang="en-US" dirty="0" smtClean="0">
                 <a:solidFill>
-                  <a:srgbClr val="7F7F7F"/>
+                  <a:schemeClr val="bg1">
+                    <a:lumMod val="50000"/>
+                  </a:schemeClr>
                 </a:solidFill>
               </a:rPr>
-              <a:t>Sponsors</a:t>
-            </a:r>
-          </a:p>
-          <a:p>
-            <a:r>
-              <a:rPr lang="en-US" dirty="0" smtClean="0">
-                <a:solidFill>
-                  <a:srgbClr val="7F7F7F"/>
-                </a:solidFill>
-              </a:rPr>
-              <a:t>You</a:t>
-            </a:r>
-            <a:endParaRPr lang="en-US" dirty="0">
-              <a:solidFill>
-                <a:srgbClr val="7F7F7F"/>
-              </a:solidFill>
-            </a:endParaRPr>
+              <a:t>)</a:t>
+            </a:r>
           </a:p>
         </p:txBody>
       </p:sp>
     </p:spTree>
     <p:extLst>
       <p:ext uri="{BB962C8B-B14F-4D97-AF65-F5344CB8AC3E}">
-        <p14:creationId xmlns:p14="http://schemas.microsoft.com/office/powerpoint/2010/main" val="1726871669"/>
+        <p14:creationId xmlns:p14="http://schemas.microsoft.com/office/powerpoint/2010/main" val="2783754650"/>
       </p:ext>
     </p:extLst>
   </p:cSld>
   <p:clrMapOvr>
     <a:masterClrMapping/>
   </p:clrMapOvr>
-  <mc:AlternateContent xmlns:mc="http://schemas.openxmlformats.org/markup-compatibility/2006">
-    <mc:Choice xmlns:p14="http://schemas.microsoft.com/office/powerpoint/2010/main" Requires="p14">
+  <mc:AlternateContent xmlns:mc="http://schemas.openxmlformats.org/markup-compatibility/2006" xmlns:p14="http://schemas.microsoft.com/office/powerpoint/2010/main">
+    <mc:Choice Requires="p14">
       <p:transition p14:dur="0"/>
     </mc:Choice>
-    <mc:Fallback>
+    <mc:Fallback xmlns="">
       <p:transition xmlns:p14="http://schemas.microsoft.com/office/powerpoint/2010/main"/>
     </mc:Fallback>
   </mc:AlternateContent>
+  <p:timing>
+    <p:tnLst>
+      <p:par>
+        <p:cTn xmlns:p14="http://schemas.microsoft.com/office/powerpoint/2010/main" id="1" dur="indefinite" restart="never" nodeType="tmRoot"/>
+      </p:par>
+    </p:tnLst>
+  </p:timing>
 </p:sld>
 </file>
 
@@ -7615,7 +11971,11 @@
           <a:bodyPr/>
           <a:lstStyle/>
           <a:p>
-            <a:endParaRPr lang="en-US"/>
+            <a:r>
+              <a:rPr lang="en-US" dirty="0" smtClean="0"/>
+              <a:t>When?</a:t>
+            </a:r>
+            <a:endParaRPr lang="en-US" dirty="0"/>
           </a:p>
         </p:txBody>
       </p:sp>
@@ -7634,28 +11994,243 @@
           <a:bodyPr/>
           <a:lstStyle/>
           <a:p>
-            <a:endParaRPr lang="en-US"/>
+            <a:r>
+              <a:rPr lang="en-US" dirty="0" smtClean="0">
+                <a:solidFill>
+                  <a:schemeClr val="bg1">
+                    <a:lumMod val="50000"/>
+                  </a:schemeClr>
+                </a:solidFill>
+              </a:rPr>
+              <a:t>First Tuesday of the Month (</a:t>
+            </a:r>
+            <a:r>
+              <a:rPr lang="en-US" dirty="0" err="1" smtClean="0">
+                <a:solidFill>
+                  <a:schemeClr val="bg1">
+                    <a:lumMod val="50000"/>
+                  </a:schemeClr>
+                </a:solidFill>
+              </a:rPr>
+              <a:t>Meetup</a:t>
+            </a:r>
+            <a:r>
+              <a:rPr lang="en-US" dirty="0" smtClean="0">
+                <a:solidFill>
+                  <a:schemeClr val="bg1">
+                    <a:lumMod val="50000"/>
+                  </a:schemeClr>
+                </a:solidFill>
+              </a:rPr>
+              <a:t>)</a:t>
+            </a:r>
+          </a:p>
+          <a:p>
+            <a:r>
+              <a:rPr lang="en-US" dirty="0" smtClean="0">
+                <a:solidFill>
+                  <a:schemeClr val="bg1">
+                    <a:lumMod val="50000"/>
+                  </a:schemeClr>
+                </a:solidFill>
+              </a:rPr>
+              <a:t>Last Tuesday of the Month (Office Hours)</a:t>
+            </a:r>
           </a:p>
         </p:txBody>
       </p:sp>
     </p:spTree>
     <p:extLst>
       <p:ext uri="{BB962C8B-B14F-4D97-AF65-F5344CB8AC3E}">
-        <p14:creationId xmlns:p14="http://schemas.microsoft.com/office/powerpoint/2010/main" val="2783754650"/>
+        <p14:creationId xmlns:p14="http://schemas.microsoft.com/office/powerpoint/2010/main" val="604400284"/>
       </p:ext>
     </p:extLst>
   </p:cSld>
   <p:clrMapOvr>
     <a:masterClrMapping/>
   </p:clrMapOvr>
-  <mc:AlternateContent xmlns:mc="http://schemas.openxmlformats.org/markup-compatibility/2006">
-    <mc:Choice xmlns:p14="http://schemas.microsoft.com/office/powerpoint/2010/main" Requires="p14">
+  <mc:AlternateContent xmlns:mc="http://schemas.openxmlformats.org/markup-compatibility/2006" xmlns:p14="http://schemas.microsoft.com/office/powerpoint/2010/main">
+    <mc:Choice Requires="p14">
       <p:transition p14:dur="0"/>
     </mc:Choice>
-    <mc:Fallback>
+    <mc:Fallback xmlns="">
       <p:transition xmlns:p14="http://schemas.microsoft.com/office/powerpoint/2010/main"/>
     </mc:Fallback>
   </mc:AlternateContent>
+  <p:timing>
+    <p:tnLst>
+      <p:par>
+        <p:cTn xmlns:p14="http://schemas.microsoft.com/office/powerpoint/2010/main" id="1" dur="indefinite" restart="never" nodeType="tmRoot"/>
+      </p:par>
+    </p:tnLst>
+  </p:timing>
+</p:sld>
+</file>
+
+<file path=ppt/slides/slide19.xml><?xml version="1.0" encoding="utf-8"?>
+<p:sld xmlns:a="http://schemas.openxmlformats.org/drawingml/2006/main" xmlns:r="http://schemas.openxmlformats.org/officeDocument/2006/relationships" xmlns:p="http://schemas.openxmlformats.org/presentationml/2006/main">
+  <p:cSld>
+    <p:spTree>
+      <p:nvGrpSpPr>
+        <p:cNvPr id="1" name=""/>
+        <p:cNvGrpSpPr/>
+        <p:nvPr/>
+      </p:nvGrpSpPr>
+      <p:grpSpPr>
+        <a:xfrm>
+          <a:off x="0" y="0"/>
+          <a:ext cx="0" cy="0"/>
+          <a:chOff x="0" y="0"/>
+          <a:chExt cx="0" cy="0"/>
+        </a:xfrm>
+      </p:grpSpPr>
+      <p:sp>
+        <p:nvSpPr>
+          <p:cNvPr id="2" name="Title 1"/>
+          <p:cNvSpPr>
+            <a:spLocks noGrp="1"/>
+          </p:cNvSpPr>
+          <p:nvPr>
+            <p:ph type="title"/>
+          </p:nvPr>
+        </p:nvSpPr>
+        <p:spPr/>
+        <p:txBody>
+          <a:bodyPr/>
+          <a:lstStyle/>
+          <a:p>
+            <a:r>
+              <a:rPr lang="en-US" dirty="0" smtClean="0"/>
+              <a:t>When?</a:t>
+            </a:r>
+            <a:endParaRPr lang="en-US" dirty="0"/>
+          </a:p>
+        </p:txBody>
+      </p:sp>
+      <p:sp>
+        <p:nvSpPr>
+          <p:cNvPr id="3" name="Content Placeholder 2"/>
+          <p:cNvSpPr>
+            <a:spLocks noGrp="1"/>
+          </p:cNvSpPr>
+          <p:nvPr>
+            <p:ph idx="1"/>
+          </p:nvPr>
+        </p:nvSpPr>
+        <p:spPr/>
+        <p:txBody>
+          <a:bodyPr/>
+          <a:lstStyle/>
+          <a:p>
+            <a:r>
+              <a:rPr lang="en-US" dirty="0" smtClean="0">
+                <a:solidFill>
+                  <a:schemeClr val="bg1">
+                    <a:lumMod val="50000"/>
+                  </a:schemeClr>
+                </a:solidFill>
+              </a:rPr>
+              <a:t>First Tuesday of the Month (</a:t>
+            </a:r>
+            <a:r>
+              <a:rPr lang="en-US" dirty="0" err="1" smtClean="0">
+                <a:solidFill>
+                  <a:schemeClr val="bg1">
+                    <a:lumMod val="50000"/>
+                  </a:schemeClr>
+                </a:solidFill>
+              </a:rPr>
+              <a:t>Meetup</a:t>
+            </a:r>
+            <a:r>
+              <a:rPr lang="en-US" dirty="0" smtClean="0">
+                <a:solidFill>
+                  <a:schemeClr val="bg1">
+                    <a:lumMod val="50000"/>
+                  </a:schemeClr>
+                </a:solidFill>
+              </a:rPr>
+              <a:t>)</a:t>
+            </a:r>
+          </a:p>
+          <a:p>
+            <a:r>
+              <a:rPr lang="en-US" dirty="0" smtClean="0">
+                <a:solidFill>
+                  <a:schemeClr val="bg1">
+                    <a:lumMod val="50000"/>
+                  </a:schemeClr>
+                </a:solidFill>
+              </a:rPr>
+              <a:t>Last Tuesday of the Month (Office Hours)</a:t>
+            </a:r>
+          </a:p>
+          <a:p>
+            <a:r>
+              <a:rPr lang="en-US" dirty="0" smtClean="0">
+                <a:solidFill>
+                  <a:schemeClr val="bg1">
+                    <a:lumMod val="50000"/>
+                  </a:schemeClr>
+                </a:solidFill>
+              </a:rPr>
+              <a:t>Summer 2014 (</a:t>
+            </a:r>
+            <a:r>
+              <a:rPr lang="en-US" dirty="0" err="1" smtClean="0">
+                <a:solidFill>
+                  <a:schemeClr val="bg1">
+                    <a:lumMod val="50000"/>
+                  </a:schemeClr>
+                </a:solidFill>
+              </a:rPr>
+              <a:t>PyDC</a:t>
+            </a:r>
+            <a:r>
+              <a:rPr lang="en-US" dirty="0" smtClean="0">
+                <a:solidFill>
+                  <a:schemeClr val="bg1">
+                    <a:lumMod val="50000"/>
+                  </a:schemeClr>
+                </a:solidFill>
+              </a:rPr>
+              <a:t> 2014)</a:t>
+            </a:r>
+            <a:endParaRPr lang="en-US" dirty="0">
+              <a:solidFill>
+                <a:schemeClr val="bg1">
+                  <a:lumMod val="50000"/>
+                </a:schemeClr>
+              </a:solidFill>
+            </a:endParaRPr>
+          </a:p>
+        </p:txBody>
+      </p:sp>
+    </p:spTree>
+    <p:extLst>
+      <p:ext uri="{BB962C8B-B14F-4D97-AF65-F5344CB8AC3E}">
+        <p14:creationId xmlns:p14="http://schemas.microsoft.com/office/powerpoint/2010/main" val="319183449"/>
+      </p:ext>
+    </p:extLst>
+  </p:cSld>
+  <p:clrMapOvr>
+    <a:masterClrMapping/>
+  </p:clrMapOvr>
+  <mc:AlternateContent xmlns:mc="http://schemas.openxmlformats.org/markup-compatibility/2006" xmlns:p14="http://schemas.microsoft.com/office/powerpoint/2010/main">
+    <mc:Choice Requires="p14">
+      <p:transition p14:dur="0"/>
+    </mc:Choice>
+    <mc:Fallback xmlns="">
+      <p:transition xmlns:p14="http://schemas.microsoft.com/office/powerpoint/2010/main"/>
+    </mc:Fallback>
+  </mc:AlternateContent>
+  <p:timing>
+    <p:tnLst>
+      <p:par>
+        <p:cTn xmlns:p14="http://schemas.microsoft.com/office/powerpoint/2010/main" id="1" dur="indefinite" restart="never" nodeType="tmRoot"/>
+      </p:par>
+    </p:tnLst>
+  </p:timing>
 </p:sld>
 </file>
 
@@ -7737,11 +12312,178 @@
   <p:clrMapOvr>
     <a:masterClrMapping/>
   </p:clrMapOvr>
-  <mc:AlternateContent xmlns:mc="http://schemas.openxmlformats.org/markup-compatibility/2006">
-    <mc:Choice xmlns:p14="http://schemas.microsoft.com/office/powerpoint/2010/main" Requires="p14">
+  <mc:AlternateContent xmlns:mc="http://schemas.openxmlformats.org/markup-compatibility/2006" xmlns:p14="http://schemas.microsoft.com/office/powerpoint/2010/main">
+    <mc:Choice Requires="p14">
       <p:transition p14:dur="0"/>
     </mc:Choice>
-    <mc:Fallback>
+    <mc:Fallback xmlns="">
+      <p:transition xmlns:p14="http://schemas.microsoft.com/office/powerpoint/2010/main"/>
+    </mc:Fallback>
+  </mc:AlternateContent>
+  <p:timing>
+    <p:tnLst>
+      <p:par>
+        <p:cTn xmlns:p14="http://schemas.microsoft.com/office/powerpoint/2010/main" id="1" dur="indefinite" restart="never" nodeType="tmRoot"/>
+      </p:par>
+    </p:tnLst>
+  </p:timing>
+</p:sld>
+</file>
+
+<file path=ppt/slides/slide20.xml><?xml version="1.0" encoding="utf-8"?>
+<p:sld xmlns:a="http://schemas.openxmlformats.org/drawingml/2006/main" xmlns:r="http://schemas.openxmlformats.org/officeDocument/2006/relationships" xmlns:p="http://schemas.openxmlformats.org/presentationml/2006/main">
+  <p:cSld>
+    <p:spTree>
+      <p:nvGrpSpPr>
+        <p:cNvPr id="1" name=""/>
+        <p:cNvGrpSpPr/>
+        <p:nvPr/>
+      </p:nvGrpSpPr>
+      <p:grpSpPr>
+        <a:xfrm>
+          <a:off x="0" y="0"/>
+          <a:ext cx="0" cy="0"/>
+          <a:chOff x="0" y="0"/>
+          <a:chExt cx="0" cy="0"/>
+        </a:xfrm>
+      </p:grpSpPr>
+      <p:sp>
+        <p:nvSpPr>
+          <p:cNvPr id="2" name="Title 1"/>
+          <p:cNvSpPr>
+            <a:spLocks noGrp="1"/>
+          </p:cNvSpPr>
+          <p:nvPr>
+            <p:ph type="title"/>
+          </p:nvPr>
+        </p:nvSpPr>
+        <p:spPr/>
+        <p:txBody>
+          <a:bodyPr/>
+          <a:lstStyle/>
+          <a:p>
+            <a:r>
+              <a:rPr lang="en-US" dirty="0" smtClean="0"/>
+              <a:t>When?</a:t>
+            </a:r>
+            <a:endParaRPr lang="en-US" dirty="0"/>
+          </a:p>
+        </p:txBody>
+      </p:sp>
+      <p:sp>
+        <p:nvSpPr>
+          <p:cNvPr id="3" name="Content Placeholder 2"/>
+          <p:cNvSpPr>
+            <a:spLocks noGrp="1"/>
+          </p:cNvSpPr>
+          <p:nvPr>
+            <p:ph idx="1"/>
+          </p:nvPr>
+        </p:nvSpPr>
+        <p:spPr/>
+        <p:txBody>
+          <a:bodyPr/>
+          <a:lstStyle/>
+          <a:p>
+            <a:r>
+              <a:rPr lang="en-US" dirty="0" smtClean="0">
+                <a:solidFill>
+                  <a:schemeClr val="bg1">
+                    <a:lumMod val="50000"/>
+                  </a:schemeClr>
+                </a:solidFill>
+              </a:rPr>
+              <a:t>First Tuesday of the Month (</a:t>
+            </a:r>
+            <a:r>
+              <a:rPr lang="en-US" dirty="0" err="1" smtClean="0">
+                <a:solidFill>
+                  <a:schemeClr val="bg1">
+                    <a:lumMod val="50000"/>
+                  </a:schemeClr>
+                </a:solidFill>
+              </a:rPr>
+              <a:t>Meetup</a:t>
+            </a:r>
+            <a:r>
+              <a:rPr lang="en-US" dirty="0" smtClean="0">
+                <a:solidFill>
+                  <a:schemeClr val="bg1">
+                    <a:lumMod val="50000"/>
+                  </a:schemeClr>
+                </a:solidFill>
+              </a:rPr>
+              <a:t>)</a:t>
+            </a:r>
+          </a:p>
+          <a:p>
+            <a:r>
+              <a:rPr lang="en-US" dirty="0" smtClean="0">
+                <a:solidFill>
+                  <a:schemeClr val="bg1">
+                    <a:lumMod val="50000"/>
+                  </a:schemeClr>
+                </a:solidFill>
+              </a:rPr>
+              <a:t>Last Tuesday of the Month (Office Hours)</a:t>
+            </a:r>
+          </a:p>
+          <a:p>
+            <a:r>
+              <a:rPr lang="en-US" dirty="0" smtClean="0">
+                <a:solidFill>
+                  <a:schemeClr val="bg1">
+                    <a:lumMod val="50000"/>
+                  </a:schemeClr>
+                </a:solidFill>
+              </a:rPr>
+              <a:t>Summer 2014 (</a:t>
+            </a:r>
+            <a:r>
+              <a:rPr lang="en-US" dirty="0" err="1" smtClean="0">
+                <a:solidFill>
+                  <a:schemeClr val="bg1">
+                    <a:lumMod val="50000"/>
+                  </a:schemeClr>
+                </a:solidFill>
+              </a:rPr>
+              <a:t>PyDC</a:t>
+            </a:r>
+            <a:r>
+              <a:rPr lang="en-US" dirty="0" smtClean="0">
+                <a:solidFill>
+                  <a:schemeClr val="bg1">
+                    <a:lumMod val="50000"/>
+                  </a:schemeClr>
+                </a:solidFill>
+              </a:rPr>
+              <a:t> 2014)</a:t>
+            </a:r>
+            <a:endParaRPr lang="en-US" dirty="0">
+              <a:solidFill>
+                <a:schemeClr val="bg1">
+                  <a:lumMod val="50000"/>
+                </a:schemeClr>
+              </a:solidFill>
+            </a:endParaRPr>
+          </a:p>
+        </p:txBody>
+      </p:sp>
+    </p:spTree>
+    <p:extLst>
+      <p:ext uri="{BB962C8B-B14F-4D97-AF65-F5344CB8AC3E}">
+        <p14:creationId xmlns:p14="http://schemas.microsoft.com/office/powerpoint/2010/main" val="959773447"/>
+      </p:ext>
+    </p:extLst>
+  </p:cSld>
+  <p:clrMapOvr>
+    <a:masterClrMapping/>
+  </p:clrMapOvr>
+  <mc:AlternateContent xmlns:mc="http://schemas.openxmlformats.org/markup-compatibility/2006" xmlns:p14="http://schemas.microsoft.com/office/powerpoint/2010/main">
+    <mc:Choice Requires="p14">
+      <p:transition p14:dur="0"/>
+    </mc:Choice>
+    <mc:Fallback xmlns="">
       <p:transition xmlns:p14="http://schemas.microsoft.com/office/powerpoint/2010/main"/>
     </mc:Fallback>
   </mc:AlternateContent>
@@ -7853,11 +12595,11 @@
   <p:clrMapOvr>
     <a:masterClrMapping/>
   </p:clrMapOvr>
-  <mc:AlternateContent xmlns:mc="http://schemas.openxmlformats.org/markup-compatibility/2006">
-    <mc:Choice xmlns:p14="http://schemas.microsoft.com/office/powerpoint/2010/main" Requires="p14">
+  <mc:AlternateContent xmlns:mc="http://schemas.openxmlformats.org/markup-compatibility/2006" xmlns:p14="http://schemas.microsoft.com/office/powerpoint/2010/main">
+    <mc:Choice Requires="p14">
       <p:transition p14:dur="0"/>
     </mc:Choice>
-    <mc:Fallback>
+    <mc:Fallback xmlns="">
       <p:transition xmlns:p14="http://schemas.microsoft.com/office/powerpoint/2010/main"/>
     </mc:Fallback>
   </mc:AlternateContent>
@@ -7981,11 +12723,11 @@
   <p:clrMapOvr>
     <a:masterClrMapping/>
   </p:clrMapOvr>
-  <mc:AlternateContent xmlns:mc="http://schemas.openxmlformats.org/markup-compatibility/2006">
-    <mc:Choice xmlns:p14="http://schemas.microsoft.com/office/powerpoint/2010/main" Requires="p14">
+  <mc:AlternateContent xmlns:mc="http://schemas.openxmlformats.org/markup-compatibility/2006" xmlns:p14="http://schemas.microsoft.com/office/powerpoint/2010/main">
+    <mc:Choice Requires="p14">
       <p:transition p14:dur="0"/>
     </mc:Choice>
-    <mc:Fallback>
+    <mc:Fallback xmlns="">
       <p:transition xmlns:p14="http://schemas.microsoft.com/office/powerpoint/2010/main"/>
     </mc:Fallback>
   </mc:AlternateContent>
@@ -8109,11 +12851,11 @@
   <p:clrMapOvr>
     <a:masterClrMapping/>
   </p:clrMapOvr>
-  <mc:AlternateContent xmlns:mc="http://schemas.openxmlformats.org/markup-compatibility/2006">
-    <mc:Choice xmlns:p14="http://schemas.microsoft.com/office/powerpoint/2010/main" Requires="p14">
+  <mc:AlternateContent xmlns:mc="http://schemas.openxmlformats.org/markup-compatibility/2006" xmlns:p14="http://schemas.microsoft.com/office/powerpoint/2010/main">
+    <mc:Choice Requires="p14">
       <p:transition p14:dur="0"/>
     </mc:Choice>
-    <mc:Fallback>
+    <mc:Fallback xmlns="">
       <p:transition xmlns:p14="http://schemas.microsoft.com/office/powerpoint/2010/main"/>
     </mc:Fallback>
   </mc:AlternateContent>
@@ -8249,11 +12991,11 @@
   <p:clrMapOvr>
     <a:masterClrMapping/>
   </p:clrMapOvr>
-  <mc:AlternateContent xmlns:mc="http://schemas.openxmlformats.org/markup-compatibility/2006">
-    <mc:Choice xmlns:p14="http://schemas.microsoft.com/office/powerpoint/2010/main" Requires="p14">
+  <mc:AlternateContent xmlns:mc="http://schemas.openxmlformats.org/markup-compatibility/2006" xmlns:p14="http://schemas.microsoft.com/office/powerpoint/2010/main">
+    <mc:Choice Requires="p14">
       <p:transition p14:dur="0"/>
     </mc:Choice>
-    <mc:Fallback>
+    <mc:Fallback xmlns="">
       <p:transition xmlns:p14="http://schemas.microsoft.com/office/powerpoint/2010/main"/>
     </mc:Fallback>
   </mc:AlternateContent>
@@ -8389,11 +13131,11 @@
   <p:clrMapOvr>
     <a:masterClrMapping/>
   </p:clrMapOvr>
-  <mc:AlternateContent xmlns:mc="http://schemas.openxmlformats.org/markup-compatibility/2006">
-    <mc:Choice xmlns:p14="http://schemas.microsoft.com/office/powerpoint/2010/main" Requires="p14">
+  <mc:AlternateContent xmlns:mc="http://schemas.openxmlformats.org/markup-compatibility/2006" xmlns:p14="http://schemas.microsoft.com/office/powerpoint/2010/main">
+    <mc:Choice Requires="p14">
       <p:transition p14:dur="0"/>
     </mc:Choice>
-    <mc:Fallback>
+    <mc:Fallback xmlns="">
       <p:transition xmlns:p14="http://schemas.microsoft.com/office/powerpoint/2010/main"/>
     </mc:Fallback>
   </mc:AlternateContent>
@@ -8551,11 +13293,11 @@
   <p:clrMapOvr>
     <a:masterClrMapping/>
   </p:clrMapOvr>
-  <mc:AlternateContent xmlns:mc="http://schemas.openxmlformats.org/markup-compatibility/2006">
-    <mc:Choice xmlns:p14="http://schemas.microsoft.com/office/powerpoint/2010/main" Requires="p14">
+  <mc:AlternateContent xmlns:mc="http://schemas.openxmlformats.org/markup-compatibility/2006" xmlns:p14="http://schemas.microsoft.com/office/powerpoint/2010/main">
+    <mc:Choice Requires="p14">
       <p:transition p14:dur="0"/>
     </mc:Choice>
-    <mc:Fallback>
+    <mc:Fallback xmlns="">
       <p:transition xmlns:p14="http://schemas.microsoft.com/office/powerpoint/2010/main"/>
     </mc:Fallback>
   </mc:AlternateContent>
@@ -8645,14 +13387,21 @@
   <p:clrMapOvr>
     <a:masterClrMapping/>
   </p:clrMapOvr>
-  <mc:AlternateContent xmlns:mc="http://schemas.openxmlformats.org/markup-compatibility/2006">
-    <mc:Choice xmlns:p14="http://schemas.microsoft.com/office/powerpoint/2010/main" Requires="p14">
+  <mc:AlternateContent xmlns:mc="http://schemas.openxmlformats.org/markup-compatibility/2006" xmlns:p14="http://schemas.microsoft.com/office/powerpoint/2010/main">
+    <mc:Choice Requires="p14">
       <p:transition p14:dur="0"/>
     </mc:Choice>
-    <mc:Fallback>
+    <mc:Fallback xmlns="">
       <p:transition xmlns:p14="http://schemas.microsoft.com/office/powerpoint/2010/main"/>
     </mc:Fallback>
   </mc:AlternateContent>
+  <p:timing>
+    <p:tnLst>
+      <p:par>
+        <p:cTn xmlns:p14="http://schemas.microsoft.com/office/powerpoint/2010/main" id="1" dur="indefinite" restart="never" nodeType="tmRoot"/>
+      </p:par>
+    </p:tnLst>
+  </p:timing>
 </p:sld>
 </file>
 

--- a/DC Python Generic Meetup Slides.pptx
+++ b/DC Python Generic Meetup Slides.pptx
@@ -5,10 +5,10 @@
     <p:sldMasterId id="2147483648" r:id="rId1"/>
   </p:sldMasterIdLst>
   <p:notesMasterIdLst>
-    <p:notesMasterId r:id="rId22"/>
+    <p:notesMasterId r:id="rId26"/>
   </p:notesMasterIdLst>
   <p:handoutMasterIdLst>
-    <p:handoutMasterId r:id="rId23"/>
+    <p:handoutMasterId r:id="rId27"/>
   </p:handoutMasterIdLst>
   <p:sldIdLst>
     <p:sldId id="256" r:id="rId2"/>
@@ -28,9 +28,13 @@
     <p:sldId id="274" r:id="rId16"/>
     <p:sldId id="275" r:id="rId17"/>
     <p:sldId id="260" r:id="rId18"/>
-    <p:sldId id="276" r:id="rId19"/>
-    <p:sldId id="277" r:id="rId20"/>
-    <p:sldId id="278" r:id="rId21"/>
+    <p:sldId id="280" r:id="rId19"/>
+    <p:sldId id="276" r:id="rId20"/>
+    <p:sldId id="281" r:id="rId21"/>
+    <p:sldId id="277" r:id="rId22"/>
+    <p:sldId id="282" r:id="rId23"/>
+    <p:sldId id="278" r:id="rId24"/>
+    <p:sldId id="279" r:id="rId25"/>
   </p:sldIdLst>
   <p:sldSz cx="9144000" cy="6858000" type="screen4x3"/>
   <p:notesSz cx="6858000" cy="9144000"/>
@@ -11886,27 +11890,7 @@
                   </a:schemeClr>
                 </a:solidFill>
               </a:rPr>
-              <a:t>First Tuesday of the Month (</a:t>
-            </a:r>
-            <a:r>
-              <a:rPr lang="en-US" dirty="0" err="1" smtClean="0">
-                <a:solidFill>
-                  <a:schemeClr val="bg1">
-                    <a:lumMod val="50000"/>
-                  </a:schemeClr>
-                </a:solidFill>
-              </a:rPr>
-              <a:t>Meetup</a:t>
-            </a:r>
-            <a:r>
-              <a:rPr lang="en-US" dirty="0" smtClean="0">
-                <a:solidFill>
-                  <a:schemeClr val="bg1">
-                    <a:lumMod val="50000"/>
-                  </a:schemeClr>
-                </a:solidFill>
-              </a:rPr>
-              <a:t>)</a:t>
+              <a:t>First Tuesday of the Month</a:t>
             </a:r>
           </a:p>
         </p:txBody>
@@ -12025,24 +12009,12 @@
               <a:t>)</a:t>
             </a:r>
           </a:p>
-          <a:p>
-            <a:r>
-              <a:rPr lang="en-US" dirty="0" smtClean="0">
-                <a:solidFill>
-                  <a:schemeClr val="bg1">
-                    <a:lumMod val="50000"/>
-                  </a:schemeClr>
-                </a:solidFill>
-              </a:rPr>
-              <a:t>Last Tuesday of the Month (Office Hours)</a:t>
-            </a:r>
-          </a:p>
         </p:txBody>
       </p:sp>
     </p:spTree>
     <p:extLst>
       <p:ext uri="{BB962C8B-B14F-4D97-AF65-F5344CB8AC3E}">
-        <p14:creationId xmlns:p14="http://schemas.microsoft.com/office/powerpoint/2010/main" val="604400284"/>
+        <p14:creationId xmlns:p14="http://schemas.microsoft.com/office/powerpoint/2010/main" val="3305364878"/>
       </p:ext>
     </p:extLst>
   </p:cSld>
@@ -12162,54 +12134,15 @@
                   </a:schemeClr>
                 </a:solidFill>
               </a:rPr>
-              <a:t>Last Tuesday of the Month (Office Hours)</a:t>
-            </a:r>
-          </a:p>
-          <a:p>
-            <a:r>
-              <a:rPr lang="en-US" dirty="0" smtClean="0">
-                <a:solidFill>
-                  <a:schemeClr val="bg1">
-                    <a:lumMod val="50000"/>
-                  </a:schemeClr>
-                </a:solidFill>
-              </a:rPr>
-              <a:t>Summer 2014 (</a:t>
-            </a:r>
-            <a:r>
-              <a:rPr lang="en-US" dirty="0" err="1" smtClean="0">
-                <a:solidFill>
-                  <a:schemeClr val="bg1">
-                    <a:lumMod val="50000"/>
-                  </a:schemeClr>
-                </a:solidFill>
-              </a:rPr>
-              <a:t>PyDC</a:t>
-            </a:r>
-            <a:r>
-              <a:rPr lang="en-US" dirty="0" smtClean="0">
-                <a:solidFill>
-                  <a:schemeClr val="bg1">
-                    <a:lumMod val="50000"/>
-                  </a:schemeClr>
-                </a:solidFill>
-              </a:rPr>
-              <a:t> 2014)</a:t>
-            </a:r>
-            <a:endParaRPr lang="en-US" dirty="0">
-              <a:solidFill>
-                <a:schemeClr val="bg1">
-                  <a:lumMod val="50000"/>
-                </a:schemeClr>
-              </a:solidFill>
-            </a:endParaRPr>
+              <a:t>Last Tuesday of the Month</a:t>
+            </a:r>
           </a:p>
         </p:txBody>
       </p:sp>
     </p:spTree>
     <p:extLst>
       <p:ext uri="{BB962C8B-B14F-4D97-AF65-F5344CB8AC3E}">
-        <p14:creationId xmlns:p14="http://schemas.microsoft.com/office/powerpoint/2010/main" val="319183449"/>
+        <p14:creationId xmlns:p14="http://schemas.microsoft.com/office/powerpoint/2010/main" val="604400284"/>
       </p:ext>
     </p:extLst>
   </p:cSld>
@@ -12428,6 +12361,281 @@
               <a:t>Last Tuesday of the Month (Office Hours)</a:t>
             </a:r>
           </a:p>
+        </p:txBody>
+      </p:sp>
+    </p:spTree>
+    <p:extLst>
+      <p:ext uri="{BB962C8B-B14F-4D97-AF65-F5344CB8AC3E}">
+        <p14:creationId xmlns:p14="http://schemas.microsoft.com/office/powerpoint/2010/main" val="343482578"/>
+      </p:ext>
+    </p:extLst>
+  </p:cSld>
+  <p:clrMapOvr>
+    <a:masterClrMapping/>
+  </p:clrMapOvr>
+  <mc:AlternateContent xmlns:mc="http://schemas.openxmlformats.org/markup-compatibility/2006" xmlns:p14="http://schemas.microsoft.com/office/powerpoint/2010/main">
+    <mc:Choice Requires="p14">
+      <p:transition p14:dur="0"/>
+    </mc:Choice>
+    <mc:Fallback xmlns="">
+      <p:transition xmlns:p14="http://schemas.microsoft.com/office/powerpoint/2010/main"/>
+    </mc:Fallback>
+  </mc:AlternateContent>
+  <p:timing>
+    <p:tnLst>
+      <p:par>
+        <p:cTn xmlns:p14="http://schemas.microsoft.com/office/powerpoint/2010/main" id="1" dur="indefinite" restart="never" nodeType="tmRoot"/>
+      </p:par>
+    </p:tnLst>
+  </p:timing>
+</p:sld>
+</file>
+
+<file path=ppt/slides/slide21.xml><?xml version="1.0" encoding="utf-8"?>
+<p:sld xmlns:a="http://schemas.openxmlformats.org/drawingml/2006/main" xmlns:r="http://schemas.openxmlformats.org/officeDocument/2006/relationships" xmlns:p="http://schemas.openxmlformats.org/presentationml/2006/main">
+  <p:cSld>
+    <p:spTree>
+      <p:nvGrpSpPr>
+        <p:cNvPr id="1" name=""/>
+        <p:cNvGrpSpPr/>
+        <p:nvPr/>
+      </p:nvGrpSpPr>
+      <p:grpSpPr>
+        <a:xfrm>
+          <a:off x="0" y="0"/>
+          <a:ext cx="0" cy="0"/>
+          <a:chOff x="0" y="0"/>
+          <a:chExt cx="0" cy="0"/>
+        </a:xfrm>
+      </p:grpSpPr>
+      <p:sp>
+        <p:nvSpPr>
+          <p:cNvPr id="2" name="Title 1"/>
+          <p:cNvSpPr>
+            <a:spLocks noGrp="1"/>
+          </p:cNvSpPr>
+          <p:nvPr>
+            <p:ph type="title"/>
+          </p:nvPr>
+        </p:nvSpPr>
+        <p:spPr/>
+        <p:txBody>
+          <a:bodyPr/>
+          <a:lstStyle/>
+          <a:p>
+            <a:r>
+              <a:rPr lang="en-US" dirty="0" smtClean="0"/>
+              <a:t>When?</a:t>
+            </a:r>
+            <a:endParaRPr lang="en-US" dirty="0"/>
+          </a:p>
+        </p:txBody>
+      </p:sp>
+      <p:sp>
+        <p:nvSpPr>
+          <p:cNvPr id="3" name="Content Placeholder 2"/>
+          <p:cNvSpPr>
+            <a:spLocks noGrp="1"/>
+          </p:cNvSpPr>
+          <p:nvPr>
+            <p:ph idx="1"/>
+          </p:nvPr>
+        </p:nvSpPr>
+        <p:spPr/>
+        <p:txBody>
+          <a:bodyPr/>
+          <a:lstStyle/>
+          <a:p>
+            <a:r>
+              <a:rPr lang="en-US" dirty="0" smtClean="0">
+                <a:solidFill>
+                  <a:schemeClr val="bg1">
+                    <a:lumMod val="50000"/>
+                  </a:schemeClr>
+                </a:solidFill>
+              </a:rPr>
+              <a:t>First Tuesday of the Month (</a:t>
+            </a:r>
+            <a:r>
+              <a:rPr lang="en-US" dirty="0" err="1" smtClean="0">
+                <a:solidFill>
+                  <a:schemeClr val="bg1">
+                    <a:lumMod val="50000"/>
+                  </a:schemeClr>
+                </a:solidFill>
+              </a:rPr>
+              <a:t>Meetup</a:t>
+            </a:r>
+            <a:r>
+              <a:rPr lang="en-US" dirty="0" smtClean="0">
+                <a:solidFill>
+                  <a:schemeClr val="bg1">
+                    <a:lumMod val="50000"/>
+                  </a:schemeClr>
+                </a:solidFill>
+              </a:rPr>
+              <a:t>)</a:t>
+            </a:r>
+          </a:p>
+          <a:p>
+            <a:r>
+              <a:rPr lang="en-US" dirty="0" smtClean="0">
+                <a:solidFill>
+                  <a:schemeClr val="bg1">
+                    <a:lumMod val="50000"/>
+                  </a:schemeClr>
+                </a:solidFill>
+              </a:rPr>
+              <a:t>Last Tuesday of the Month (Office Hours)</a:t>
+            </a:r>
+          </a:p>
+          <a:p>
+            <a:r>
+              <a:rPr lang="en-US" dirty="0" smtClean="0">
+                <a:solidFill>
+                  <a:schemeClr val="bg1">
+                    <a:lumMod val="50000"/>
+                  </a:schemeClr>
+                </a:solidFill>
+              </a:rPr>
+              <a:t>Summer 2014</a:t>
+            </a:r>
+            <a:endParaRPr lang="en-US" dirty="0">
+              <a:solidFill>
+                <a:schemeClr val="bg1">
+                  <a:lumMod val="50000"/>
+                </a:schemeClr>
+              </a:solidFill>
+            </a:endParaRPr>
+          </a:p>
+        </p:txBody>
+      </p:sp>
+    </p:spTree>
+    <p:extLst>
+      <p:ext uri="{BB962C8B-B14F-4D97-AF65-F5344CB8AC3E}">
+        <p14:creationId xmlns:p14="http://schemas.microsoft.com/office/powerpoint/2010/main" val="319183449"/>
+      </p:ext>
+    </p:extLst>
+  </p:cSld>
+  <p:clrMapOvr>
+    <a:masterClrMapping/>
+  </p:clrMapOvr>
+  <mc:AlternateContent xmlns:mc="http://schemas.openxmlformats.org/markup-compatibility/2006" xmlns:p14="http://schemas.microsoft.com/office/powerpoint/2010/main">
+    <mc:Choice Requires="p14">
+      <p:transition p14:dur="0"/>
+    </mc:Choice>
+    <mc:Fallback xmlns="">
+      <p:transition xmlns:p14="http://schemas.microsoft.com/office/powerpoint/2010/main"/>
+    </mc:Fallback>
+  </mc:AlternateContent>
+  <p:timing>
+    <p:tnLst>
+      <p:par>
+        <p:cTn xmlns:p14="http://schemas.microsoft.com/office/powerpoint/2010/main" id="1" dur="indefinite" restart="never" nodeType="tmRoot"/>
+      </p:par>
+    </p:tnLst>
+  </p:timing>
+</p:sld>
+</file>
+
+<file path=ppt/slides/slide22.xml><?xml version="1.0" encoding="utf-8"?>
+<p:sld xmlns:a="http://schemas.openxmlformats.org/drawingml/2006/main" xmlns:r="http://schemas.openxmlformats.org/officeDocument/2006/relationships" xmlns:p="http://schemas.openxmlformats.org/presentationml/2006/main">
+  <p:cSld>
+    <p:spTree>
+      <p:nvGrpSpPr>
+        <p:cNvPr id="1" name=""/>
+        <p:cNvGrpSpPr/>
+        <p:nvPr/>
+      </p:nvGrpSpPr>
+      <p:grpSpPr>
+        <a:xfrm>
+          <a:off x="0" y="0"/>
+          <a:ext cx="0" cy="0"/>
+          <a:chOff x="0" y="0"/>
+          <a:chExt cx="0" cy="0"/>
+        </a:xfrm>
+      </p:grpSpPr>
+      <p:sp>
+        <p:nvSpPr>
+          <p:cNvPr id="2" name="Title 1"/>
+          <p:cNvSpPr>
+            <a:spLocks noGrp="1"/>
+          </p:cNvSpPr>
+          <p:nvPr>
+            <p:ph type="title"/>
+          </p:nvPr>
+        </p:nvSpPr>
+        <p:spPr/>
+        <p:txBody>
+          <a:bodyPr/>
+          <a:lstStyle/>
+          <a:p>
+            <a:r>
+              <a:rPr lang="en-US" dirty="0" smtClean="0"/>
+              <a:t>When?</a:t>
+            </a:r>
+            <a:endParaRPr lang="en-US" dirty="0"/>
+          </a:p>
+        </p:txBody>
+      </p:sp>
+      <p:sp>
+        <p:nvSpPr>
+          <p:cNvPr id="3" name="Content Placeholder 2"/>
+          <p:cNvSpPr>
+            <a:spLocks noGrp="1"/>
+          </p:cNvSpPr>
+          <p:nvPr>
+            <p:ph idx="1"/>
+          </p:nvPr>
+        </p:nvSpPr>
+        <p:spPr/>
+        <p:txBody>
+          <a:bodyPr/>
+          <a:lstStyle/>
+          <a:p>
+            <a:r>
+              <a:rPr lang="en-US" dirty="0" smtClean="0">
+                <a:solidFill>
+                  <a:schemeClr val="bg1">
+                    <a:lumMod val="50000"/>
+                  </a:schemeClr>
+                </a:solidFill>
+              </a:rPr>
+              <a:t>First Tuesday of the Month (</a:t>
+            </a:r>
+            <a:r>
+              <a:rPr lang="en-US" dirty="0" err="1" smtClean="0">
+                <a:solidFill>
+                  <a:schemeClr val="bg1">
+                    <a:lumMod val="50000"/>
+                  </a:schemeClr>
+                </a:solidFill>
+              </a:rPr>
+              <a:t>Meetup</a:t>
+            </a:r>
+            <a:r>
+              <a:rPr lang="en-US" dirty="0" smtClean="0">
+                <a:solidFill>
+                  <a:schemeClr val="bg1">
+                    <a:lumMod val="50000"/>
+                  </a:schemeClr>
+                </a:solidFill>
+              </a:rPr>
+              <a:t>)</a:t>
+            </a:r>
+          </a:p>
+          <a:p>
+            <a:r>
+              <a:rPr lang="en-US" dirty="0" smtClean="0">
+                <a:solidFill>
+                  <a:schemeClr val="bg1">
+                    <a:lumMod val="50000"/>
+                  </a:schemeClr>
+                </a:solidFill>
+              </a:rPr>
+              <a:t>Last Tuesday of the Month (Office Hours)</a:t>
+            </a:r>
+          </a:p>
           <a:p>
             <a:r>
               <a:rPr lang="en-US" dirty="0" smtClean="0">
@@ -12472,7 +12680,344 @@
     </p:spTree>
     <p:extLst>
       <p:ext uri="{BB962C8B-B14F-4D97-AF65-F5344CB8AC3E}">
+        <p14:creationId xmlns:p14="http://schemas.microsoft.com/office/powerpoint/2010/main" val="2145874966"/>
+      </p:ext>
+    </p:extLst>
+  </p:cSld>
+  <p:clrMapOvr>
+    <a:masterClrMapping/>
+  </p:clrMapOvr>
+  <mc:AlternateContent xmlns:mc="http://schemas.openxmlformats.org/markup-compatibility/2006" xmlns:p14="http://schemas.microsoft.com/office/powerpoint/2010/main">
+    <mc:Choice Requires="p14">
+      <p:transition p14:dur="0"/>
+    </mc:Choice>
+    <mc:Fallback xmlns="">
+      <p:transition xmlns:p14="http://schemas.microsoft.com/office/powerpoint/2010/main"/>
+    </mc:Fallback>
+  </mc:AlternateContent>
+  <p:timing>
+    <p:tnLst>
+      <p:par>
+        <p:cTn xmlns:p14="http://schemas.microsoft.com/office/powerpoint/2010/main" id="1" dur="indefinite" restart="never" nodeType="tmRoot"/>
+      </p:par>
+    </p:tnLst>
+  </p:timing>
+</p:sld>
+</file>
+
+<file path=ppt/slides/slide23.xml><?xml version="1.0" encoding="utf-8"?>
+<p:sld xmlns:a="http://schemas.openxmlformats.org/drawingml/2006/main" xmlns:r="http://schemas.openxmlformats.org/officeDocument/2006/relationships" xmlns:p="http://schemas.openxmlformats.org/presentationml/2006/main">
+  <p:cSld>
+    <p:spTree>
+      <p:nvGrpSpPr>
+        <p:cNvPr id="1" name=""/>
+        <p:cNvGrpSpPr/>
+        <p:nvPr/>
+      </p:nvGrpSpPr>
+      <p:grpSpPr>
+        <a:xfrm>
+          <a:off x="0" y="0"/>
+          <a:ext cx="0" cy="0"/>
+          <a:chOff x="0" y="0"/>
+          <a:chExt cx="0" cy="0"/>
+        </a:xfrm>
+      </p:grpSpPr>
+      <p:sp>
+        <p:nvSpPr>
+          <p:cNvPr id="2" name="Title 1"/>
+          <p:cNvSpPr>
+            <a:spLocks noGrp="1"/>
+          </p:cNvSpPr>
+          <p:nvPr>
+            <p:ph type="title"/>
+          </p:nvPr>
+        </p:nvSpPr>
+        <p:spPr/>
+        <p:txBody>
+          <a:bodyPr/>
+          <a:lstStyle/>
+          <a:p>
+            <a:r>
+              <a:rPr lang="en-US" dirty="0" smtClean="0"/>
+              <a:t>When?</a:t>
+            </a:r>
+            <a:endParaRPr lang="en-US" dirty="0"/>
+          </a:p>
+        </p:txBody>
+      </p:sp>
+      <p:sp>
+        <p:nvSpPr>
+          <p:cNvPr id="3" name="Content Placeholder 2"/>
+          <p:cNvSpPr>
+            <a:spLocks noGrp="1"/>
+          </p:cNvSpPr>
+          <p:nvPr>
+            <p:ph idx="1"/>
+          </p:nvPr>
+        </p:nvSpPr>
+        <p:spPr/>
+        <p:txBody>
+          <a:bodyPr/>
+          <a:lstStyle/>
+          <a:p>
+            <a:r>
+              <a:rPr lang="en-US" dirty="0" smtClean="0">
+                <a:solidFill>
+                  <a:schemeClr val="bg1">
+                    <a:lumMod val="50000"/>
+                  </a:schemeClr>
+                </a:solidFill>
+              </a:rPr>
+              <a:t>First Tuesday of the Month (</a:t>
+            </a:r>
+            <a:r>
+              <a:rPr lang="en-US" dirty="0" err="1" smtClean="0">
+                <a:solidFill>
+                  <a:schemeClr val="bg1">
+                    <a:lumMod val="50000"/>
+                  </a:schemeClr>
+                </a:solidFill>
+              </a:rPr>
+              <a:t>Meetup</a:t>
+            </a:r>
+            <a:r>
+              <a:rPr lang="en-US" dirty="0" smtClean="0">
+                <a:solidFill>
+                  <a:schemeClr val="bg1">
+                    <a:lumMod val="50000"/>
+                  </a:schemeClr>
+                </a:solidFill>
+              </a:rPr>
+              <a:t>)</a:t>
+            </a:r>
+          </a:p>
+          <a:p>
+            <a:r>
+              <a:rPr lang="en-US" dirty="0" smtClean="0">
+                <a:solidFill>
+                  <a:schemeClr val="bg1">
+                    <a:lumMod val="50000"/>
+                  </a:schemeClr>
+                </a:solidFill>
+              </a:rPr>
+              <a:t>Last Tuesday of the Month (Office Hours)</a:t>
+            </a:r>
+          </a:p>
+          <a:p>
+            <a:r>
+              <a:rPr lang="en-US" dirty="0" smtClean="0">
+                <a:solidFill>
+                  <a:schemeClr val="bg1">
+                    <a:lumMod val="50000"/>
+                  </a:schemeClr>
+                </a:solidFill>
+              </a:rPr>
+              <a:t>Summer 2014 (</a:t>
+            </a:r>
+            <a:r>
+              <a:rPr lang="en-US" dirty="0" err="1" smtClean="0">
+                <a:solidFill>
+                  <a:schemeClr val="bg1">
+                    <a:lumMod val="50000"/>
+                  </a:schemeClr>
+                </a:solidFill>
+              </a:rPr>
+              <a:t>PyDC</a:t>
+            </a:r>
+            <a:r>
+              <a:rPr lang="en-US" dirty="0" smtClean="0">
+                <a:solidFill>
+                  <a:schemeClr val="bg1">
+                    <a:lumMod val="50000"/>
+                  </a:schemeClr>
+                </a:solidFill>
+              </a:rPr>
+              <a:t> 2014)</a:t>
+            </a:r>
+          </a:p>
+          <a:p>
+            <a:r>
+              <a:rPr lang="en-US" dirty="0" smtClean="0"/>
+              <a:t>Where?</a:t>
+            </a:r>
+            <a:endParaRPr lang="en-US" dirty="0"/>
+          </a:p>
+        </p:txBody>
+      </p:sp>
+    </p:spTree>
+    <p:extLst>
+      <p:ext uri="{BB962C8B-B14F-4D97-AF65-F5344CB8AC3E}">
         <p14:creationId xmlns:p14="http://schemas.microsoft.com/office/powerpoint/2010/main" val="959773447"/>
+      </p:ext>
+    </p:extLst>
+  </p:cSld>
+  <p:clrMapOvr>
+    <a:masterClrMapping/>
+  </p:clrMapOvr>
+  <mc:AlternateContent xmlns:mc="http://schemas.openxmlformats.org/markup-compatibility/2006" xmlns:p14="http://schemas.microsoft.com/office/powerpoint/2010/main">
+    <mc:Choice Requires="p14">
+      <p:transition p14:dur="0"/>
+    </mc:Choice>
+    <mc:Fallback xmlns="">
+      <p:transition xmlns:p14="http://schemas.microsoft.com/office/powerpoint/2010/main"/>
+    </mc:Fallback>
+  </mc:AlternateContent>
+  <p:timing>
+    <p:tnLst>
+      <p:par>
+        <p:cTn xmlns:p14="http://schemas.microsoft.com/office/powerpoint/2010/main" id="1" dur="indefinite" restart="never" nodeType="tmRoot"/>
+      </p:par>
+    </p:tnLst>
+  </p:timing>
+</p:sld>
+</file>
+
+<file path=ppt/slides/slide24.xml><?xml version="1.0" encoding="utf-8"?>
+<p:sld xmlns:a="http://schemas.openxmlformats.org/drawingml/2006/main" xmlns:r="http://schemas.openxmlformats.org/officeDocument/2006/relationships" xmlns:p="http://schemas.openxmlformats.org/presentationml/2006/main">
+  <p:cSld>
+    <p:spTree>
+      <p:nvGrpSpPr>
+        <p:cNvPr id="1" name=""/>
+        <p:cNvGrpSpPr/>
+        <p:nvPr/>
+      </p:nvGrpSpPr>
+      <p:grpSpPr>
+        <a:xfrm>
+          <a:off x="0" y="0"/>
+          <a:ext cx="0" cy="0"/>
+          <a:chOff x="0" y="0"/>
+          <a:chExt cx="0" cy="0"/>
+        </a:xfrm>
+      </p:grpSpPr>
+      <p:sp>
+        <p:nvSpPr>
+          <p:cNvPr id="2" name="Title 1"/>
+          <p:cNvSpPr>
+            <a:spLocks noGrp="1"/>
+          </p:cNvSpPr>
+          <p:nvPr>
+            <p:ph type="title"/>
+          </p:nvPr>
+        </p:nvSpPr>
+        <p:spPr/>
+        <p:txBody>
+          <a:bodyPr/>
+          <a:lstStyle/>
+          <a:p>
+            <a:r>
+              <a:rPr lang="en-US" dirty="0" smtClean="0"/>
+              <a:t>When?</a:t>
+            </a:r>
+            <a:endParaRPr lang="en-US" dirty="0"/>
+          </a:p>
+        </p:txBody>
+      </p:sp>
+      <p:sp>
+        <p:nvSpPr>
+          <p:cNvPr id="3" name="Content Placeholder 2"/>
+          <p:cNvSpPr>
+            <a:spLocks noGrp="1"/>
+          </p:cNvSpPr>
+          <p:nvPr>
+            <p:ph idx="1"/>
+          </p:nvPr>
+        </p:nvSpPr>
+        <p:spPr>
+          <a:prstGeom prst="rect">
+            <a:avLst/>
+          </a:prstGeom>
+        </p:spPr>
+        <p:txBody>
+          <a:bodyPr/>
+          <a:lstStyle/>
+          <a:p>
+            <a:r>
+              <a:rPr lang="en-US" dirty="0" smtClean="0">
+                <a:solidFill>
+                  <a:schemeClr val="bg1">
+                    <a:lumMod val="50000"/>
+                  </a:schemeClr>
+                </a:solidFill>
+              </a:rPr>
+              <a:t>First Tuesday of the Month (</a:t>
+            </a:r>
+            <a:r>
+              <a:rPr lang="en-US" dirty="0" err="1" smtClean="0">
+                <a:solidFill>
+                  <a:schemeClr val="bg1">
+                    <a:lumMod val="50000"/>
+                  </a:schemeClr>
+                </a:solidFill>
+              </a:rPr>
+              <a:t>Meetup</a:t>
+            </a:r>
+            <a:r>
+              <a:rPr lang="en-US" dirty="0" smtClean="0">
+                <a:solidFill>
+                  <a:schemeClr val="bg1">
+                    <a:lumMod val="50000"/>
+                  </a:schemeClr>
+                </a:solidFill>
+              </a:rPr>
+              <a:t>)</a:t>
+            </a:r>
+          </a:p>
+          <a:p>
+            <a:r>
+              <a:rPr lang="en-US" dirty="0" smtClean="0">
+                <a:solidFill>
+                  <a:schemeClr val="bg1">
+                    <a:lumMod val="50000"/>
+                  </a:schemeClr>
+                </a:solidFill>
+              </a:rPr>
+              <a:t>Last Tuesday of the Month (Office Hours)</a:t>
+            </a:r>
+          </a:p>
+          <a:p>
+            <a:r>
+              <a:rPr lang="en-US" dirty="0" smtClean="0">
+                <a:solidFill>
+                  <a:schemeClr val="bg1">
+                    <a:lumMod val="50000"/>
+                  </a:schemeClr>
+                </a:solidFill>
+              </a:rPr>
+              <a:t>Summer 2014 (</a:t>
+            </a:r>
+            <a:r>
+              <a:rPr lang="en-US" dirty="0" err="1" smtClean="0">
+                <a:solidFill>
+                  <a:schemeClr val="bg1">
+                    <a:lumMod val="50000"/>
+                  </a:schemeClr>
+                </a:solidFill>
+              </a:rPr>
+              <a:t>PyDC</a:t>
+            </a:r>
+            <a:r>
+              <a:rPr lang="en-US" dirty="0" smtClean="0">
+                <a:solidFill>
+                  <a:schemeClr val="bg1">
+                    <a:lumMod val="50000"/>
+                  </a:schemeClr>
+                </a:solidFill>
+              </a:rPr>
+              <a:t> 2014)</a:t>
+            </a:r>
+          </a:p>
+          <a:p>
+            <a:r>
+              <a:rPr lang="en-US" dirty="0" smtClean="0"/>
+              <a:t>Where?</a:t>
+            </a:r>
+          </a:p>
+        </p:txBody>
+      </p:sp>
+    </p:spTree>
+    <p:extLst>
+      <p:ext uri="{BB962C8B-B14F-4D97-AF65-F5344CB8AC3E}">
+        <p14:creationId xmlns:p14="http://schemas.microsoft.com/office/powerpoint/2010/main" val="1822998542"/>
       </p:ext>
     </p:extLst>
   </p:cSld>

--- a/DC Python Generic Meetup Slides.pptx
+++ b/DC Python Generic Meetup Slides.pptx
@@ -1646,7 +1646,7 @@
         <a:p>
           <a:r>
             <a:rPr lang="en-US" dirty="0" smtClean="0"/>
-            <a:t>Sponsors</a:t>
+            <a:t>DC Python</a:t>
           </a:r>
           <a:endParaRPr lang="en-US" dirty="0"/>
         </a:p>
@@ -1689,10 +1689,6 @@
             <a:rPr lang="en-US" dirty="0" err="1" smtClean="0"/>
             <a:t>Meetup</a:t>
           </a:r>
-          <a:r>
-            <a:rPr lang="en-US" dirty="0" smtClean="0"/>
-            <a:t> (You)</a:t>
-          </a:r>
           <a:endParaRPr lang="en-US" dirty="0"/>
         </a:p>
       </dgm:t>
@@ -1728,15 +1724,7 @@
         <a:p>
           <a:r>
             <a:rPr lang="en-US" dirty="0" smtClean="0"/>
-            <a:t>DC Python (ZPUGDC, </a:t>
-          </a:r>
-          <a:r>
-            <a:rPr lang="en-US" dirty="0" err="1" smtClean="0"/>
-            <a:t>Inc</a:t>
-          </a:r>
-          <a:r>
-            <a:rPr lang="en-US" dirty="0" smtClean="0"/>
-            <a:t>)</a:t>
+            <a:t>Sponsors</a:t>
           </a:r>
           <a:endParaRPr lang="en-US" dirty="0"/>
         </a:p>
@@ -2095,6 +2083,13 @@
         </dgm:presLayoutVars>
       </dgm:prSet>
       <dgm:spPr/>
+      <dgm:t>
+        <a:bodyPr/>
+        <a:lstStyle/>
+        <a:p>
+          <a:endParaRPr lang="en-US"/>
+        </a:p>
+      </dgm:t>
     </dgm:pt>
     <dgm:pt modelId="{87BAF7A7-9B52-E640-85CA-1125ABFBD29E}" type="pres">
       <dgm:prSet presAssocID="{0FAA3DEC-8AA4-8B46-981B-0185EDF5FB58}" presName="Name1" presStyleCnt="0"/>
@@ -2111,6 +2106,13 @@
     <dgm:pt modelId="{0093644C-91BC-DD4F-9C06-F2C626D92F0F}" type="pres">
       <dgm:prSet presAssocID="{0FAA3DEC-8AA4-8B46-981B-0185EDF5FB58}" presName="conn" presStyleLbl="parChTrans1D2" presStyleIdx="0" presStyleCnt="1"/>
       <dgm:spPr/>
+      <dgm:t>
+        <a:bodyPr/>
+        <a:lstStyle/>
+        <a:p>
+          <a:endParaRPr lang="en-US"/>
+        </a:p>
+      </dgm:t>
     </dgm:pt>
     <dgm:pt modelId="{25535335-E22D-5843-97BB-D5A9C2D5C3E3}" type="pres">
       <dgm:prSet presAssocID="{0FAA3DEC-8AA4-8B46-981B-0185EDF5FB58}" presName="extraNode" presStyleLbl="node1" presStyleIdx="0" presStyleCnt="5"/>
@@ -2173,6 +2175,13 @@
         </dgm:presLayoutVars>
       </dgm:prSet>
       <dgm:spPr/>
+      <dgm:t>
+        <a:bodyPr/>
+        <a:lstStyle/>
+        <a:p>
+          <a:endParaRPr lang="en-US"/>
+        </a:p>
+      </dgm:t>
     </dgm:pt>
     <dgm:pt modelId="{17719A7F-B382-CE44-AE71-504B7FC0E9F1}" type="pres">
       <dgm:prSet presAssocID="{76F3C2B2-9E55-644E-9959-9F2AB813E931}" presName="accent_3" presStyleCnt="0"/>
@@ -2212,6 +2221,13 @@
         </dgm:presLayoutVars>
       </dgm:prSet>
       <dgm:spPr/>
+      <dgm:t>
+        <a:bodyPr/>
+        <a:lstStyle/>
+        <a:p>
+          <a:endParaRPr lang="en-US"/>
+        </a:p>
+      </dgm:t>
     </dgm:pt>
     <dgm:pt modelId="{4E6949CF-CB53-FB4C-BE1D-C96249106578}" type="pres">
       <dgm:prSet presAssocID="{FE618610-ACA1-6C4A-B71E-267327068068}" presName="accent_5" presStyleCnt="0"/>
@@ -2224,17 +2240,17 @@
   </dgm:ptLst>
   <dgm:cxnLst>
     <dgm:cxn modelId="{F7575EB9-C61F-3640-9403-623D8F9009E0}" srcId="{0FAA3DEC-8AA4-8B46-981B-0185EDF5FB58}" destId="{76F3C2B2-9E55-644E-9959-9F2AB813E931}" srcOrd="2" destOrd="0" parTransId="{342AEC4D-921F-B041-B950-6A240028CAF1}" sibTransId="{7E2C12DD-4074-C14A-979B-D209F091B1C7}"/>
+    <dgm:cxn modelId="{B7FC9215-4FE0-CA49-845B-EDA4EC0D0BD7}" srcId="{0FAA3DEC-8AA4-8B46-981B-0185EDF5FB58}" destId="{81D68C4D-6A72-4A43-AB7E-D9AE84DAD4A8}" srcOrd="0" destOrd="0" parTransId="{1E1E8848-726A-BC49-B063-94BC924A9E12}" sibTransId="{71EFBF55-6BE2-8746-BEAE-6A1B04015D89}"/>
+    <dgm:cxn modelId="{9D161696-D96F-C648-B3F6-85CF9D97C5CB}" type="presOf" srcId="{0FAA3DEC-8AA4-8B46-981B-0185EDF5FB58}" destId="{C0F67986-4C0E-FC4E-9D0A-2AE31F2F323E}" srcOrd="0" destOrd="0" presId="urn:microsoft.com/office/officeart/2008/layout/VerticalCurvedList"/>
+    <dgm:cxn modelId="{7DB60B61-504F-AE47-8D9D-DC43A196BA75}" type="presOf" srcId="{76F3C2B2-9E55-644E-9959-9F2AB813E931}" destId="{64DC3264-7068-7B44-8639-A753FB7FAEE0}" srcOrd="0" destOrd="0" presId="urn:microsoft.com/office/officeart/2008/layout/VerticalCurvedList"/>
     <dgm:cxn modelId="{99261463-6AFA-A64B-B8CB-A9FA582FA91B}" type="presOf" srcId="{FE618610-ACA1-6C4A-B71E-267327068068}" destId="{07E11371-BCBC-984A-A2C4-2E2B11327B8E}" srcOrd="0" destOrd="0" presId="urn:microsoft.com/office/officeart/2008/layout/VerticalCurvedList"/>
     <dgm:cxn modelId="{04F026C8-D9D4-D641-BA72-F7C540BBDB82}" type="presOf" srcId="{E7289C5A-2773-D14E-A191-BB8437D1E73F}" destId="{24C05408-4147-0846-A71E-29A22ACBFF80}" srcOrd="0" destOrd="0" presId="urn:microsoft.com/office/officeart/2008/layout/VerticalCurvedList"/>
     <dgm:cxn modelId="{6E612AD7-5513-054B-AF16-B60660476FC2}" srcId="{0FAA3DEC-8AA4-8B46-981B-0185EDF5FB58}" destId="{E7289C5A-2773-D14E-A191-BB8437D1E73F}" srcOrd="1" destOrd="0" parTransId="{0B4DE401-B2C7-2748-8252-E1F9FFB62433}" sibTransId="{EA6A8B01-6092-7441-9371-24D987D36EF8}"/>
+    <dgm:cxn modelId="{1DB70912-253E-664F-9049-AC4EFBC526EA}" type="presOf" srcId="{81D68C4D-6A72-4A43-AB7E-D9AE84DAD4A8}" destId="{845DCAB6-7CAA-D343-B203-DE7426EB42BA}" srcOrd="0" destOrd="0" presId="urn:microsoft.com/office/officeart/2008/layout/VerticalCurvedList"/>
     <dgm:cxn modelId="{2D30D03B-E470-494A-AEEB-EDBDB90CB5A7}" type="presOf" srcId="{7EDB6F38-C6C7-3E48-870C-4BB1A458A2FB}" destId="{5930DEF3-A72A-2D48-BAE3-73FAC9AA5A44}" srcOrd="0" destOrd="0" presId="urn:microsoft.com/office/officeart/2008/layout/VerticalCurvedList"/>
-    <dgm:cxn modelId="{9D161696-D96F-C648-B3F6-85CF9D97C5CB}" type="presOf" srcId="{0FAA3DEC-8AA4-8B46-981B-0185EDF5FB58}" destId="{C0F67986-4C0E-FC4E-9D0A-2AE31F2F323E}" srcOrd="0" destOrd="0" presId="urn:microsoft.com/office/officeart/2008/layout/VerticalCurvedList"/>
+    <dgm:cxn modelId="{6D7268BD-0C6C-9145-9D5A-5913611D86C5}" srcId="{0FAA3DEC-8AA4-8B46-981B-0185EDF5FB58}" destId="{FE618610-ACA1-6C4A-B71E-267327068068}" srcOrd="4" destOrd="0" parTransId="{F2011E6A-39D8-9445-9C7C-5B45713C8A29}" sibTransId="{6B6E6056-5227-1D4D-B67B-F5EEDB7F6FBD}"/>
     <dgm:cxn modelId="{44AC4E07-F769-6C47-AE5F-663248C83019}" type="presOf" srcId="{71EFBF55-6BE2-8746-BEAE-6A1B04015D89}" destId="{0093644C-91BC-DD4F-9C06-F2C626D92F0F}" srcOrd="0" destOrd="0" presId="urn:microsoft.com/office/officeart/2008/layout/VerticalCurvedList"/>
     <dgm:cxn modelId="{2A1EDD33-10D8-5D44-A246-0B842B9595F7}" srcId="{0FAA3DEC-8AA4-8B46-981B-0185EDF5FB58}" destId="{7EDB6F38-C6C7-3E48-870C-4BB1A458A2FB}" srcOrd="3" destOrd="0" parTransId="{F8ADFC12-02C0-E745-B053-76856336DAB8}" sibTransId="{F6E01CBF-E0AE-1C44-B3F7-5F0BBDB1AB9C}"/>
-    <dgm:cxn modelId="{1DB70912-253E-664F-9049-AC4EFBC526EA}" type="presOf" srcId="{81D68C4D-6A72-4A43-AB7E-D9AE84DAD4A8}" destId="{845DCAB6-7CAA-D343-B203-DE7426EB42BA}" srcOrd="0" destOrd="0" presId="urn:microsoft.com/office/officeart/2008/layout/VerticalCurvedList"/>
-    <dgm:cxn modelId="{B7FC9215-4FE0-CA49-845B-EDA4EC0D0BD7}" srcId="{0FAA3DEC-8AA4-8B46-981B-0185EDF5FB58}" destId="{81D68C4D-6A72-4A43-AB7E-D9AE84DAD4A8}" srcOrd="0" destOrd="0" parTransId="{1E1E8848-726A-BC49-B063-94BC924A9E12}" sibTransId="{71EFBF55-6BE2-8746-BEAE-6A1B04015D89}"/>
-    <dgm:cxn modelId="{7DB60B61-504F-AE47-8D9D-DC43A196BA75}" type="presOf" srcId="{76F3C2B2-9E55-644E-9959-9F2AB813E931}" destId="{64DC3264-7068-7B44-8639-A753FB7FAEE0}" srcOrd="0" destOrd="0" presId="urn:microsoft.com/office/officeart/2008/layout/VerticalCurvedList"/>
-    <dgm:cxn modelId="{6D7268BD-0C6C-9145-9D5A-5913611D86C5}" srcId="{0FAA3DEC-8AA4-8B46-981B-0185EDF5FB58}" destId="{FE618610-ACA1-6C4A-B71E-267327068068}" srcOrd="4" destOrd="0" parTransId="{F2011E6A-39D8-9445-9C7C-5B45713C8A29}" sibTransId="{6B6E6056-5227-1D4D-B67B-F5EEDB7F6FBD}"/>
     <dgm:cxn modelId="{6708DB48-6B5E-0F40-9647-ACBEA35CACD2}" type="presParOf" srcId="{C0F67986-4C0E-FC4E-9D0A-2AE31F2F323E}" destId="{87BAF7A7-9B52-E640-85CA-1125ABFBD29E}" srcOrd="0" destOrd="0" presId="urn:microsoft.com/office/officeart/2008/layout/VerticalCurvedList"/>
     <dgm:cxn modelId="{D67D9FB2-B734-D841-9A4C-5ED22C9505AB}" type="presParOf" srcId="{87BAF7A7-9B52-E640-85CA-1125ABFBD29E}" destId="{3314FE8F-B213-7141-96F3-EE1020F19054}" srcOrd="0" destOrd="0" presId="urn:microsoft.com/office/officeart/2008/layout/VerticalCurvedList"/>
     <dgm:cxn modelId="{86AF083E-E099-924C-B8E6-9FA469C55A85}" type="presParOf" srcId="{3314FE8F-B213-7141-96F3-EE1020F19054}" destId="{89745737-D2A2-2948-B2ED-93E912B57B67}" srcOrd="0" destOrd="0" presId="urn:microsoft.com/office/officeart/2008/layout/VerticalCurvedList"/>
@@ -2341,12 +2357,12 @@
         </a:fontRef>
       </dsp:style>
       <dsp:txBody>
-        <a:bodyPr spcFirstLastPara="0" vert="horz" wrap="square" lIns="21590" tIns="21590" rIns="21590" bIns="21590" numCol="1" spcCol="1270" anchor="ctr" anchorCtr="0">
+        <a:bodyPr spcFirstLastPara="0" vert="horz" wrap="square" lIns="24130" tIns="24130" rIns="24130" bIns="24130" numCol="1" spcCol="1270" anchor="ctr" anchorCtr="0">
           <a:noAutofit/>
         </a:bodyPr>
         <a:lstStyle/>
         <a:p>
-          <a:pPr lvl="0" algn="ctr" defTabSz="755650">
+          <a:pPr lvl="0" algn="ctr" defTabSz="844550">
             <a:lnSpc>
               <a:spcPct val="90000"/>
             </a:lnSpc>
@@ -2358,18 +2374,10 @@
             </a:spcAft>
           </a:pPr>
           <a:r>
-            <a:rPr lang="en-US" sz="1700" kern="1200" dirty="0" smtClean="0"/>
-            <a:t>DC Python (ZPUGDC, </a:t>
+            <a:rPr lang="en-US" sz="1900" kern="1200" dirty="0" smtClean="0"/>
+            <a:t>Sponsors</a:t>
           </a:r>
-          <a:r>
-            <a:rPr lang="en-US" sz="1700" kern="1200" dirty="0" err="1" smtClean="0"/>
-            <a:t>Inc</a:t>
-          </a:r>
-          <a:r>
-            <a:rPr lang="en-US" sz="1700" kern="1200" dirty="0" smtClean="0"/>
-            <a:t>)</a:t>
-          </a:r>
-          <a:endParaRPr lang="en-US" sz="1700" kern="1200" dirty="0"/>
+          <a:endParaRPr lang="en-US" sz="1900" kern="1200" dirty="0"/>
         </a:p>
       </dsp:txBody>
       <dsp:txXfrm>
@@ -2535,12 +2543,12 @@
         </a:fontRef>
       </dsp:style>
       <dsp:txBody>
-        <a:bodyPr spcFirstLastPara="0" vert="horz" wrap="square" lIns="21590" tIns="21590" rIns="21590" bIns="21590" numCol="1" spcCol="1270" anchor="ctr" anchorCtr="0">
+        <a:bodyPr spcFirstLastPara="0" vert="horz" wrap="square" lIns="24130" tIns="24130" rIns="24130" bIns="24130" numCol="1" spcCol="1270" anchor="ctr" anchorCtr="0">
           <a:noAutofit/>
         </a:bodyPr>
         <a:lstStyle/>
         <a:p>
-          <a:pPr lvl="0" algn="ctr" defTabSz="755650">
+          <a:pPr lvl="0" algn="ctr" defTabSz="844550">
             <a:lnSpc>
               <a:spcPct val="90000"/>
             </a:lnSpc>
@@ -2552,10 +2560,10 @@
             </a:spcAft>
           </a:pPr>
           <a:r>
-            <a:rPr lang="en-US" sz="1700" kern="1200" dirty="0" smtClean="0"/>
-            <a:t>Sponsors</a:t>
+            <a:rPr lang="en-US" sz="1900" kern="1200" dirty="0" smtClean="0"/>
+            <a:t>DC Python</a:t>
           </a:r>
-          <a:endParaRPr lang="en-US" sz="1700" kern="1200" dirty="0"/>
+          <a:endParaRPr lang="en-US" sz="1900" kern="1200" dirty="0"/>
         </a:p>
       </dsp:txBody>
       <dsp:txXfrm>
@@ -2636,7 +2644,7 @@
         </a:bodyPr>
         <a:lstStyle/>
         <a:p>
-          <a:pPr lvl="0" algn="ctr" defTabSz="622300">
+          <a:pPr lvl="0" algn="ctr" defTabSz="666750">
             <a:lnSpc>
               <a:spcPct val="90000"/>
             </a:lnSpc>
@@ -2647,7 +2655,7 @@
               <a:spcPct val="35000"/>
             </a:spcAft>
           </a:pPr>
-          <a:endParaRPr lang="en-US" sz="1400" kern="1200"/>
+          <a:endParaRPr lang="en-US" sz="1500" kern="1200"/>
         </a:p>
       </dsp:txBody>
       <dsp:txXfrm>
@@ -2721,12 +2729,12 @@
         </a:fontRef>
       </dsp:style>
       <dsp:txBody>
-        <a:bodyPr spcFirstLastPara="0" vert="horz" wrap="square" lIns="21590" tIns="21590" rIns="21590" bIns="21590" numCol="1" spcCol="1270" anchor="ctr" anchorCtr="0">
+        <a:bodyPr spcFirstLastPara="0" vert="horz" wrap="square" lIns="24130" tIns="24130" rIns="24130" bIns="24130" numCol="1" spcCol="1270" anchor="ctr" anchorCtr="0">
           <a:noAutofit/>
         </a:bodyPr>
         <a:lstStyle/>
         <a:p>
-          <a:pPr lvl="0" algn="ctr" defTabSz="755650">
+          <a:pPr lvl="0" algn="ctr" defTabSz="844550">
             <a:lnSpc>
               <a:spcPct val="90000"/>
             </a:lnSpc>
@@ -2738,18 +2746,14 @@
             </a:spcAft>
           </a:pPr>
           <a:r>
-            <a:rPr lang="en-US" sz="1700" kern="1200" dirty="0" smtClean="0"/>
+            <a:rPr lang="en-US" sz="1900" kern="1200" dirty="0" smtClean="0"/>
             <a:t>DC Python </a:t>
           </a:r>
           <a:r>
-            <a:rPr lang="en-US" sz="1700" kern="1200" dirty="0" err="1" smtClean="0"/>
+            <a:rPr lang="en-US" sz="1900" kern="1200" dirty="0" err="1" smtClean="0"/>
             <a:t>Meetup</a:t>
           </a:r>
-          <a:r>
-            <a:rPr lang="en-US" sz="1700" kern="1200" dirty="0" smtClean="0"/>
-            <a:t> (You)</a:t>
-          </a:r>
-          <a:endParaRPr lang="en-US" sz="1700" kern="1200" dirty="0"/>
+          <a:endParaRPr lang="en-US" sz="1900" kern="1200" dirty="0"/>
         </a:p>
       </dsp:txBody>
       <dsp:txXfrm>
@@ -7106,7 +7110,7 @@
           <a:p>
             <a:fld id="{3DA2F995-0FF6-6E44-92B9-F44FA798D6C9}" type="datetime1">
               <a:rPr lang="en-US" smtClean="0"/>
-              <a:t>9/30/13</a:t>
+              <a:t>10/1/13</a:t>
             </a:fld>
             <a:endParaRPr lang="en-US"/>
           </a:p>
@@ -7272,7 +7276,7 @@
           <a:p>
             <a:fld id="{4F924AB4-F5D2-6247-A6D0-391E23B3E7F0}" type="datetime1">
               <a:rPr lang="en-US" smtClean="0"/>
-              <a:t>9/30/13</a:t>
+              <a:t>10/1/13</a:t>
             </a:fld>
             <a:endParaRPr lang="en-US"/>
           </a:p>
@@ -7757,10 +7761,6 @@
           <a:bodyPr/>
           <a:lstStyle/>
           <a:p>
-            <a:r>
-              <a:rPr lang="en-US" dirty="0" smtClean="0"/>
-              <a:t>This is our non-profit organization.</a:t>
-            </a:r>
             <a:endParaRPr lang="en-US" dirty="0"/>
           </a:p>
         </p:txBody>
@@ -7792,6 +7792,186 @@
     <p:extLst>
       <p:ext uri="{BB962C8B-B14F-4D97-AF65-F5344CB8AC3E}">
         <p14:creationId xmlns:p14="http://schemas.microsoft.com/office/powerpoint/2010/main" val="1595204004"/>
+      </p:ext>
+    </p:extLst>
+  </p:cSld>
+  <p:clrMapOvr>
+    <a:masterClrMapping/>
+  </p:clrMapOvr>
+</p:notes>
+</file>
+
+<file path=ppt/notesSlides/notesSlide4.xml><?xml version="1.0" encoding="utf-8"?>
+<p:notes xmlns:a="http://schemas.openxmlformats.org/drawingml/2006/main" xmlns:r="http://schemas.openxmlformats.org/officeDocument/2006/relationships" xmlns:p="http://schemas.openxmlformats.org/presentationml/2006/main">
+  <p:cSld>
+    <p:spTree>
+      <p:nvGrpSpPr>
+        <p:cNvPr id="1" name=""/>
+        <p:cNvGrpSpPr/>
+        <p:nvPr/>
+      </p:nvGrpSpPr>
+      <p:grpSpPr>
+        <a:xfrm>
+          <a:off x="0" y="0"/>
+          <a:ext cx="0" cy="0"/>
+          <a:chOff x="0" y="0"/>
+          <a:chExt cx="0" cy="0"/>
+        </a:xfrm>
+      </p:grpSpPr>
+      <p:sp>
+        <p:nvSpPr>
+          <p:cNvPr id="2" name="Slide Image Placeholder 1"/>
+          <p:cNvSpPr>
+            <a:spLocks noGrp="1" noRot="1" noChangeAspect="1"/>
+          </p:cNvSpPr>
+          <p:nvPr>
+            <p:ph type="sldImg"/>
+          </p:nvPr>
+        </p:nvSpPr>
+        <p:spPr/>
+      </p:sp>
+      <p:sp>
+        <p:nvSpPr>
+          <p:cNvPr id="3" name="Notes Placeholder 2"/>
+          <p:cNvSpPr>
+            <a:spLocks noGrp="1"/>
+          </p:cNvSpPr>
+          <p:nvPr>
+            <p:ph type="body" idx="1"/>
+          </p:nvPr>
+        </p:nvSpPr>
+        <p:spPr/>
+        <p:txBody>
+          <a:bodyPr/>
+          <a:lstStyle/>
+          <a:p>
+            <a:r>
+              <a:rPr lang="en-US" dirty="0" smtClean="0"/>
+              <a:t>We have many generous</a:t>
+            </a:r>
+            <a:r>
+              <a:rPr lang="en-US" baseline="0" dirty="0" smtClean="0"/>
+              <a:t> sponsors.</a:t>
+            </a:r>
+            <a:endParaRPr lang="en-US" dirty="0"/>
+          </a:p>
+        </p:txBody>
+      </p:sp>
+      <p:sp>
+        <p:nvSpPr>
+          <p:cNvPr id="4" name="Slide Number Placeholder 3"/>
+          <p:cNvSpPr>
+            <a:spLocks noGrp="1"/>
+          </p:cNvSpPr>
+          <p:nvPr>
+            <p:ph type="sldNum" sz="quarter" idx="10"/>
+          </p:nvPr>
+        </p:nvSpPr>
+        <p:spPr/>
+        <p:txBody>
+          <a:bodyPr/>
+          <a:lstStyle/>
+          <a:p>
+            <a:fld id="{C67D605A-642E-A34F-B894-6BF6E4E70EAB}" type="slidenum">
+              <a:rPr lang="en-US" smtClean="0"/>
+              <a:t>4</a:t>
+            </a:fld>
+            <a:endParaRPr lang="en-US"/>
+          </a:p>
+        </p:txBody>
+      </p:sp>
+    </p:spTree>
+    <p:extLst>
+      <p:ext uri="{BB962C8B-B14F-4D97-AF65-F5344CB8AC3E}">
+        <p14:creationId xmlns:p14="http://schemas.microsoft.com/office/powerpoint/2010/main" val="268176591"/>
+      </p:ext>
+    </p:extLst>
+  </p:cSld>
+  <p:clrMapOvr>
+    <a:masterClrMapping/>
+  </p:clrMapOvr>
+</p:notes>
+</file>
+
+<file path=ppt/notesSlides/notesSlide5.xml><?xml version="1.0" encoding="utf-8"?>
+<p:notes xmlns:a="http://schemas.openxmlformats.org/drawingml/2006/main" xmlns:r="http://schemas.openxmlformats.org/officeDocument/2006/relationships" xmlns:p="http://schemas.openxmlformats.org/presentationml/2006/main">
+  <p:cSld>
+    <p:spTree>
+      <p:nvGrpSpPr>
+        <p:cNvPr id="1" name=""/>
+        <p:cNvGrpSpPr/>
+        <p:nvPr/>
+      </p:nvGrpSpPr>
+      <p:grpSpPr>
+        <a:xfrm>
+          <a:off x="0" y="0"/>
+          <a:ext cx="0" cy="0"/>
+          <a:chOff x="0" y="0"/>
+          <a:chExt cx="0" cy="0"/>
+        </a:xfrm>
+      </p:grpSpPr>
+      <p:sp>
+        <p:nvSpPr>
+          <p:cNvPr id="2" name="Slide Image Placeholder 1"/>
+          <p:cNvSpPr>
+            <a:spLocks noGrp="1" noRot="1" noChangeAspect="1"/>
+          </p:cNvSpPr>
+          <p:nvPr>
+            <p:ph type="sldImg"/>
+          </p:nvPr>
+        </p:nvSpPr>
+        <p:spPr/>
+      </p:sp>
+      <p:sp>
+        <p:nvSpPr>
+          <p:cNvPr id="3" name="Notes Placeholder 2"/>
+          <p:cNvSpPr>
+            <a:spLocks noGrp="1"/>
+          </p:cNvSpPr>
+          <p:nvPr>
+            <p:ph type="body" idx="1"/>
+          </p:nvPr>
+        </p:nvSpPr>
+        <p:spPr/>
+        <p:txBody>
+          <a:bodyPr/>
+          <a:lstStyle/>
+          <a:p>
+            <a:r>
+              <a:rPr lang="en-US" dirty="0" smtClean="0"/>
+              <a:t>We appreciate you attending every month.</a:t>
+            </a:r>
+            <a:endParaRPr lang="en-US" dirty="0"/>
+          </a:p>
+        </p:txBody>
+      </p:sp>
+      <p:sp>
+        <p:nvSpPr>
+          <p:cNvPr id="4" name="Slide Number Placeholder 3"/>
+          <p:cNvSpPr>
+            <a:spLocks noGrp="1"/>
+          </p:cNvSpPr>
+          <p:nvPr>
+            <p:ph type="sldNum" sz="quarter" idx="10"/>
+          </p:nvPr>
+        </p:nvSpPr>
+        <p:spPr/>
+        <p:txBody>
+          <a:bodyPr/>
+          <a:lstStyle/>
+          <a:p>
+            <a:fld id="{C67D605A-642E-A34F-B894-6BF6E4E70EAB}" type="slidenum">
+              <a:rPr lang="en-US" smtClean="0"/>
+              <a:t>6</a:t>
+            </a:fld>
+            <a:endParaRPr lang="en-US"/>
+          </a:p>
+        </p:txBody>
+      </p:sp>
+    </p:spTree>
+    <p:extLst>
+      <p:ext uri="{BB962C8B-B14F-4D97-AF65-F5344CB8AC3E}">
+        <p14:creationId xmlns:p14="http://schemas.microsoft.com/office/powerpoint/2010/main" val="3983222427"/>
       </p:ext>
     </p:extLst>
   </p:cSld>
@@ -7982,7 +8162,7 @@
           <a:p>
             <a:fld id="{D58B479C-A613-E540-A18A-4ED6368CC8D5}" type="datetime1">
               <a:rPr lang="en-US" smtClean="0"/>
-              <a:t>9/30/13</a:t>
+              <a:t>10/1/13</a:t>
             </a:fld>
             <a:endParaRPr lang="en-US"/>
           </a:p>
@@ -8152,7 +8332,7 @@
           <a:p>
             <a:fld id="{528CD4CF-2841-3F43-AB9C-AAFED58B40BF}" type="datetime1">
               <a:rPr lang="en-US" smtClean="0"/>
-              <a:t>9/30/13</a:t>
+              <a:t>10/1/13</a:t>
             </a:fld>
             <a:endParaRPr lang="en-US"/>
           </a:p>
@@ -8332,7 +8512,7 @@
           <a:p>
             <a:fld id="{084B7766-69EC-5640-B993-DF5D4B41D767}" type="datetime1">
               <a:rPr lang="en-US" smtClean="0"/>
-              <a:t>9/30/13</a:t>
+              <a:t>10/1/13</a:t>
             </a:fld>
             <a:endParaRPr lang="en-US"/>
           </a:p>
@@ -8502,7 +8682,7 @@
           <a:p>
             <a:fld id="{578EE160-6EFB-B945-A98C-09E9962FBCA7}" type="datetime1">
               <a:rPr lang="en-US" smtClean="0"/>
-              <a:t>9/30/13</a:t>
+              <a:t>10/1/13</a:t>
             </a:fld>
             <a:endParaRPr lang="en-US"/>
           </a:p>
@@ -8748,7 +8928,7 @@
           <a:p>
             <a:fld id="{9334A506-0F4D-E14C-8692-989A61B8DA7B}" type="datetime1">
               <a:rPr lang="en-US" smtClean="0"/>
-              <a:t>9/30/13</a:t>
+              <a:t>10/1/13</a:t>
             </a:fld>
             <a:endParaRPr lang="en-US"/>
           </a:p>
@@ -9036,7 +9216,7 @@
           <a:p>
             <a:fld id="{AB18862A-80CE-AD46-9128-E579FAFBB762}" type="datetime1">
               <a:rPr lang="en-US" smtClean="0"/>
-              <a:t>9/30/13</a:t>
+              <a:t>10/1/13</a:t>
             </a:fld>
             <a:endParaRPr lang="en-US"/>
           </a:p>
@@ -9458,7 +9638,7 @@
           <a:p>
             <a:fld id="{796A0FAF-2876-C346-AE02-A9ECACDBA40A}" type="datetime1">
               <a:rPr lang="en-US" smtClean="0"/>
-              <a:t>9/30/13</a:t>
+              <a:t>10/1/13</a:t>
             </a:fld>
             <a:endParaRPr lang="en-US"/>
           </a:p>
@@ -9576,7 +9756,7 @@
           <a:p>
             <a:fld id="{8400723B-7CD2-7646-8E86-692C7DAEB432}" type="datetime1">
               <a:rPr lang="en-US" smtClean="0"/>
-              <a:t>9/30/13</a:t>
+              <a:t>10/1/13</a:t>
             </a:fld>
             <a:endParaRPr lang="en-US"/>
           </a:p>
@@ -9671,7 +9851,7 @@
           <a:p>
             <a:fld id="{6DC01575-03D7-594F-9953-92812EC16204}" type="datetime1">
               <a:rPr lang="en-US" smtClean="0"/>
-              <a:t>9/30/13</a:t>
+              <a:t>10/1/13</a:t>
             </a:fld>
             <a:endParaRPr lang="en-US"/>
           </a:p>
@@ -9948,7 +10128,7 @@
           <a:p>
             <a:fld id="{7D2C1B22-0F08-4041-BC94-076A056871D0}" type="datetime1">
               <a:rPr lang="en-US" smtClean="0"/>
-              <a:t>9/30/13</a:t>
+              <a:t>10/1/13</a:t>
             </a:fld>
             <a:endParaRPr lang="en-US"/>
           </a:p>
@@ -10201,7 +10381,7 @@
           <a:p>
             <a:fld id="{8D7CA9A7-6D4E-924C-80EF-5A7A58EBC5CB}" type="datetime1">
               <a:rPr lang="en-US" smtClean="0"/>
-              <a:t>9/30/13</a:t>
+              <a:t>10/1/13</a:t>
             </a:fld>
             <a:endParaRPr lang="en-US"/>
           </a:p>
@@ -10414,7 +10594,7 @@
           <a:p>
             <a:fld id="{BF7B0B65-097E-1846-A364-0628A11BD9CA}" type="datetime1">
               <a:rPr lang="en-US" smtClean="0"/>
-              <a:t>9/30/13</a:t>
+              <a:t>10/1/13</a:t>
             </a:fld>
             <a:endParaRPr lang="en-US"/>
           </a:p>
@@ -11610,15 +11790,7 @@
                   <a:srgbClr val="7F7F7F"/>
                 </a:solidFill>
               </a:rPr>
-              <a:t>To have fun ( \o/ </a:t>
-            </a:r>
-            <a:r>
-              <a:rPr lang="en-US" dirty="0" smtClean="0">
-                <a:solidFill>
-                  <a:srgbClr val="7F7F7F"/>
-                </a:solidFill>
-              </a:rPr>
-              <a:t>)</a:t>
+              <a:t>To have fun ( \o/ )</a:t>
             </a:r>
             <a:endParaRPr lang="en-US" dirty="0">
               <a:solidFill>
@@ -11744,15 +11916,7 @@
                   <a:srgbClr val="7F7F7F"/>
                 </a:solidFill>
               </a:rPr>
-              <a:t>To have fun ( \o/ </a:t>
-            </a:r>
-            <a:r>
-              <a:rPr lang="en-US" dirty="0" smtClean="0">
-                <a:solidFill>
-                  <a:srgbClr val="7F7F7F"/>
-                </a:solidFill>
-              </a:rPr>
-              <a:t>)</a:t>
+              <a:t>To have fun ( \o/ )</a:t>
             </a:r>
             <a:endParaRPr lang="en-US" dirty="0">
               <a:solidFill>
@@ -12971,7 +13135,17 @@
                   </a:schemeClr>
                 </a:solidFill>
               </a:rPr>
-              <a:t>Last Tuesday of the Month (Office Hours)</a:t>
+              <a:t>Fourth Tuesday </a:t>
+            </a:r>
+            <a:r>
+              <a:rPr lang="en-US" dirty="0" smtClean="0">
+                <a:solidFill>
+                  <a:schemeClr val="bg1">
+                    <a:lumMod val="50000"/>
+                  </a:schemeClr>
+                </a:solidFill>
+              </a:rPr>
+              <a:t>of the Month (Office Hours)</a:t>
             </a:r>
           </a:p>
           <a:p>
@@ -13009,8 +13183,22 @@
           <a:p>
             <a:r>
               <a:rPr lang="en-US" dirty="0" smtClean="0"/>
-              <a:t>Where?</a:t>
-            </a:r>
+              <a:t>Where</a:t>
+            </a:r>
+            <a:r>
+              <a:rPr lang="en-US" dirty="0" smtClean="0"/>
+              <a:t>?</a:t>
+            </a:r>
+          </a:p>
+          <a:p>
+            <a:pPr marL="0" indent="0" algn="ctr">
+              <a:buNone/>
+            </a:pPr>
+            <a:r>
+              <a:rPr lang="en-US" sz="9600" dirty="0" smtClean="0"/>
+              <a:t>???</a:t>
+            </a:r>
+            <a:endParaRPr lang="en-US" sz="9600" dirty="0" smtClean="0"/>
           </a:p>
         </p:txBody>
       </p:sp>
@@ -13813,7 +14001,7 @@
           <p:nvPr>
             <p:extLst>
               <p:ext uri="{D42A27DB-BD31-4B8C-83A1-F6EECF244321}">
-                <p14:modId xmlns:p14="http://schemas.microsoft.com/office/powerpoint/2010/main" val="3221334281"/>
+                <p14:modId xmlns:p14="http://schemas.microsoft.com/office/powerpoint/2010/main" val="711580938"/>
               </p:ext>
             </p:extLst>
           </p:nvPr>

--- a/DC Python Generic Meetup Slides.pptx
+++ b/DC Python Generic Meetup Slides.pptx
@@ -12298,7 +12298,17 @@
                   </a:schemeClr>
                 </a:solidFill>
               </a:rPr>
-              <a:t>Last Tuesday of the Month</a:t>
+              <a:t>Fourth Tuesday </a:t>
+            </a:r>
+            <a:r>
+              <a:rPr lang="en-US" dirty="0" smtClean="0">
+                <a:solidFill>
+                  <a:schemeClr val="bg1">
+                    <a:lumMod val="50000"/>
+                  </a:schemeClr>
+                </a:solidFill>
+              </a:rPr>
+              <a:t>of the Month</a:t>
             </a:r>
           </a:p>
         </p:txBody>
@@ -12522,7 +12532,17 @@
                   </a:schemeClr>
                 </a:solidFill>
               </a:rPr>
-              <a:t>Last Tuesday of the Month (Office Hours)</a:t>
+              <a:t>Fourth Tuesday </a:t>
+            </a:r>
+            <a:r>
+              <a:rPr lang="en-US" dirty="0" smtClean="0">
+                <a:solidFill>
+                  <a:schemeClr val="bg1">
+                    <a:lumMod val="50000"/>
+                  </a:schemeClr>
+                </a:solidFill>
+              </a:rPr>
+              <a:t>of the Month (Office Hours)</a:t>
             </a:r>
           </a:p>
         </p:txBody>
@@ -12650,7 +12670,17 @@
                   </a:schemeClr>
                 </a:solidFill>
               </a:rPr>
-              <a:t>Last Tuesday of the Month (Office Hours)</a:t>
+              <a:t>Fourth Tuesday </a:t>
+            </a:r>
+            <a:r>
+              <a:rPr lang="en-US" dirty="0" smtClean="0">
+                <a:solidFill>
+                  <a:schemeClr val="bg1">
+                    <a:lumMod val="50000"/>
+                  </a:schemeClr>
+                </a:solidFill>
+              </a:rPr>
+              <a:t>of the Month (Office Hours)</a:t>
             </a:r>
           </a:p>
           <a:p>
@@ -12797,7 +12827,17 @@
                   </a:schemeClr>
                 </a:solidFill>
               </a:rPr>
-              <a:t>Last Tuesday of the Month (Office Hours)</a:t>
+              <a:t>Fourth Tuesday </a:t>
+            </a:r>
+            <a:r>
+              <a:rPr lang="en-US" dirty="0" smtClean="0">
+                <a:solidFill>
+                  <a:schemeClr val="bg1">
+                    <a:lumMod val="50000"/>
+                  </a:schemeClr>
+                </a:solidFill>
+              </a:rPr>
+              <a:t>of the Month (Office Hours)</a:t>
             </a:r>
           </a:p>
           <a:p>
@@ -12957,6 +12997,16 @@
           </a:p>
           <a:p>
             <a:r>
+              <a:rPr lang="en-US" smtClean="0">
+                <a:solidFill>
+                  <a:schemeClr val="bg1">
+                    <a:lumMod val="50000"/>
+                  </a:schemeClr>
+                </a:solidFill>
+              </a:rPr>
+              <a:t>Fourth Tuesday </a:t>
+            </a:r>
+            <a:r>
               <a:rPr lang="en-US" dirty="0" smtClean="0">
                 <a:solidFill>
                   <a:schemeClr val="bg1">
@@ -12964,7 +13014,7 @@
                   </a:schemeClr>
                 </a:solidFill>
               </a:rPr>
-              <a:t>Last Tuesday of the Month (Office Hours)</a:t>
+              <a:t>of the Month (Office Hours)</a:t>
             </a:r>
           </a:p>
           <a:p>

--- a/DC Python Generic Meetup Slides.pptx
+++ b/DC Python Generic Meetup Slides.pptx
@@ -1878,8 +1878,27 @@
 <file path=ppt/diagrams/data2.xml><?xml version="1.0" encoding="utf-8"?>
 <dgm:dataModel xmlns:dgm="http://schemas.openxmlformats.org/drawingml/2006/diagram" xmlns:a="http://schemas.openxmlformats.org/drawingml/2006/main">
   <dgm:ptLst>
-    <dgm:pt modelId="{0FAA3DEC-8AA4-8B46-981B-0185EDF5FB58}" type="doc">
-      <dgm:prSet loTypeId="urn:microsoft.com/office/officeart/2008/layout/VerticalCurvedList" loCatId="" qsTypeId="urn:microsoft.com/office/officeart/2005/8/quickstyle/simple4" qsCatId="simple" csTypeId="urn:microsoft.com/office/officeart/2005/8/colors/accent1_2" csCatId="accent1" phldr="1"/>
+    <dgm:pt modelId="{FCDF74A7-55BE-8C4A-9A44-9E6F71B83BB5}" type="doc">
+      <dgm:prSet loTypeId="urn:microsoft.com/office/officeart/2005/8/layout/gear1" loCatId="" qsTypeId="urn:microsoft.com/office/officeart/2005/8/quickstyle/simple4" qsCatId="simple" csTypeId="urn:microsoft.com/office/officeart/2005/8/colors/accent1_2" csCatId="accent1" phldr="1"/>
+      <dgm:spPr/>
+    </dgm:pt>
+    <dgm:pt modelId="{DAAA23F8-8BB7-5740-AD18-CD44CB53A764}">
+      <dgm:prSet phldrT="[Text]"/>
+      <dgm:spPr/>
+      <dgm:t>
+        <a:bodyPr/>
+        <a:lstStyle/>
+        <a:p>
+          <a:r>
+            <a:rPr lang="en-US" dirty="0" smtClean="0"/>
+            <a:t>Conferences</a:t>
+          </a:r>
+          <a:endParaRPr lang="en-US" dirty="0"/>
+        </a:p>
+      </dgm:t>
+    </dgm:pt>
+    <dgm:pt modelId="{64F7653D-899E-664D-91DB-A787FEC063D3}" type="parTrans" cxnId="{4EC40FB4-B121-2A49-81C2-08AA1E915B58}">
+      <dgm:prSet/>
       <dgm:spPr/>
       <dgm:t>
         <a:bodyPr/>
@@ -1889,7 +1908,55 @@
         </a:p>
       </dgm:t>
     </dgm:pt>
-    <dgm:pt modelId="{81D68C4D-6A72-4A43-AB7E-D9AE84DAD4A8}">
+    <dgm:pt modelId="{FD48E00A-4E5D-A24C-BEA4-7205F370131B}" type="sibTrans" cxnId="{4EC40FB4-B121-2A49-81C2-08AA1E915B58}">
+      <dgm:prSet/>
+      <dgm:spPr/>
+      <dgm:t>
+        <a:bodyPr/>
+        <a:lstStyle/>
+        <a:p>
+          <a:endParaRPr lang="en-US"/>
+        </a:p>
+      </dgm:t>
+    </dgm:pt>
+    <dgm:pt modelId="{332460BC-61CC-8646-81F5-6768092DF9F3}">
+      <dgm:prSet phldrT="[Text]"/>
+      <dgm:spPr/>
+      <dgm:t>
+        <a:bodyPr/>
+        <a:lstStyle/>
+        <a:p>
+          <a:r>
+            <a:rPr lang="en-US" dirty="0" smtClean="0"/>
+            <a:t>Office Hours</a:t>
+          </a:r>
+          <a:endParaRPr lang="en-US" dirty="0"/>
+        </a:p>
+      </dgm:t>
+    </dgm:pt>
+    <dgm:pt modelId="{6AA06CDF-1D0C-8C4A-90CA-0DB1AB117BA9}" type="parTrans" cxnId="{8BCF0DCA-151A-2C4F-AE24-1C44EAF5DE5C}">
+      <dgm:prSet/>
+      <dgm:spPr/>
+      <dgm:t>
+        <a:bodyPr/>
+        <a:lstStyle/>
+        <a:p>
+          <a:endParaRPr lang="en-US"/>
+        </a:p>
+      </dgm:t>
+    </dgm:pt>
+    <dgm:pt modelId="{11DBF7EE-B165-0546-9CBE-032FDC98DE10}" type="sibTrans" cxnId="{8BCF0DCA-151A-2C4F-AE24-1C44EAF5DE5C}">
+      <dgm:prSet/>
+      <dgm:spPr/>
+      <dgm:t>
+        <a:bodyPr/>
+        <a:lstStyle/>
+        <a:p>
+          <a:endParaRPr lang="en-US"/>
+        </a:p>
+      </dgm:t>
+    </dgm:pt>
+    <dgm:pt modelId="{B145BBAC-A802-264C-BA7D-81C6144CDA5B}">
       <dgm:prSet phldrT="[Text]"/>
       <dgm:spPr/>
       <dgm:t>
@@ -1904,7 +1971,7 @@
         </a:p>
       </dgm:t>
     </dgm:pt>
-    <dgm:pt modelId="{1E1E8848-726A-BC49-B063-94BC924A9E12}" type="parTrans" cxnId="{B7FC9215-4FE0-CA49-845B-EDA4EC0D0BD7}">
+    <dgm:pt modelId="{F6E7A695-8069-654D-A9BE-4DB517ADEC9F}" type="parTrans" cxnId="{3AF33706-C195-2141-8A76-D851537F2687}">
       <dgm:prSet/>
       <dgm:spPr/>
       <dgm:t>
@@ -1915,7 +1982,7 @@
         </a:p>
       </dgm:t>
     </dgm:pt>
-    <dgm:pt modelId="{71EFBF55-6BE2-8746-BEAE-6A1B04015D89}" type="sibTrans" cxnId="{B7FC9215-4FE0-CA49-845B-EDA4EC0D0BD7}">
+    <dgm:pt modelId="{A2296D9A-9076-A44C-88E0-455FBF1AE013}" type="sibTrans" cxnId="{3AF33706-C195-2141-8A76-D851537F2687}">
       <dgm:prSet/>
       <dgm:spPr/>
       <dgm:t>
@@ -1926,205 +1993,37 @@
         </a:p>
       </dgm:t>
     </dgm:pt>
-    <dgm:pt modelId="{E7289C5A-2773-D14E-A191-BB8437D1E73F}">
-      <dgm:prSet phldrT="[Text]"/>
-      <dgm:spPr/>
-      <dgm:t>
-        <a:bodyPr/>
-        <a:lstStyle/>
-        <a:p>
-          <a:r>
-            <a:rPr lang="en-US" dirty="0" smtClean="0"/>
-            <a:t>Trainings</a:t>
-          </a:r>
-          <a:endParaRPr lang="en-US" dirty="0"/>
-        </a:p>
-      </dgm:t>
-    </dgm:pt>
-    <dgm:pt modelId="{0B4DE401-B2C7-2748-8252-E1F9FFB62433}" type="parTrans" cxnId="{6E612AD7-5513-054B-AF16-B60660476FC2}">
-      <dgm:prSet/>
-      <dgm:spPr/>
-      <dgm:t>
-        <a:bodyPr/>
-        <a:lstStyle/>
-        <a:p>
-          <a:endParaRPr lang="en-US"/>
-        </a:p>
-      </dgm:t>
-    </dgm:pt>
-    <dgm:pt modelId="{EA6A8B01-6092-7441-9371-24D987D36EF8}" type="sibTrans" cxnId="{6E612AD7-5513-054B-AF16-B60660476FC2}">
-      <dgm:prSet/>
-      <dgm:spPr/>
-      <dgm:t>
-        <a:bodyPr/>
-        <a:lstStyle/>
-        <a:p>
-          <a:endParaRPr lang="en-US"/>
-        </a:p>
-      </dgm:t>
-    </dgm:pt>
-    <dgm:pt modelId="{76F3C2B2-9E55-644E-9959-9F2AB813E931}">
-      <dgm:prSet phldrT="[Text]"/>
-      <dgm:spPr/>
-      <dgm:t>
-        <a:bodyPr/>
-        <a:lstStyle/>
-        <a:p>
-          <a:r>
-            <a:rPr lang="en-US" dirty="0" smtClean="0"/>
-            <a:t>Conferences</a:t>
-          </a:r>
-          <a:endParaRPr lang="en-US" dirty="0"/>
-        </a:p>
-      </dgm:t>
-    </dgm:pt>
-    <dgm:pt modelId="{342AEC4D-921F-B041-B950-6A240028CAF1}" type="parTrans" cxnId="{F7575EB9-C61F-3640-9403-623D8F9009E0}">
-      <dgm:prSet/>
-      <dgm:spPr/>
-      <dgm:t>
-        <a:bodyPr/>
-        <a:lstStyle/>
-        <a:p>
-          <a:endParaRPr lang="en-US"/>
-        </a:p>
-      </dgm:t>
-    </dgm:pt>
-    <dgm:pt modelId="{7E2C12DD-4074-C14A-979B-D209F091B1C7}" type="sibTrans" cxnId="{F7575EB9-C61F-3640-9403-623D8F9009E0}">
-      <dgm:prSet/>
-      <dgm:spPr/>
-      <dgm:t>
-        <a:bodyPr/>
-        <a:lstStyle/>
-        <a:p>
-          <a:endParaRPr lang="en-US"/>
-        </a:p>
-      </dgm:t>
-    </dgm:pt>
-    <dgm:pt modelId="{7EDB6F38-C6C7-3E48-870C-4BB1A458A2FB}">
-      <dgm:prSet phldrT="[Text]"/>
-      <dgm:spPr/>
-      <dgm:t>
-        <a:bodyPr/>
-        <a:lstStyle/>
-        <a:p>
-          <a:r>
-            <a:rPr lang="en-US" dirty="0" smtClean="0"/>
-            <a:t>Office Hours</a:t>
-          </a:r>
-          <a:endParaRPr lang="en-US" dirty="0"/>
-        </a:p>
-      </dgm:t>
-    </dgm:pt>
-    <dgm:pt modelId="{F8ADFC12-02C0-E745-B053-76856336DAB8}" type="parTrans" cxnId="{2A1EDD33-10D8-5D44-A246-0B842B9595F7}">
-      <dgm:prSet/>
-      <dgm:spPr/>
-      <dgm:t>
-        <a:bodyPr/>
-        <a:lstStyle/>
-        <a:p>
-          <a:endParaRPr lang="en-US"/>
-        </a:p>
-      </dgm:t>
-    </dgm:pt>
-    <dgm:pt modelId="{F6E01CBF-E0AE-1C44-B3F7-5F0BBDB1AB9C}" type="sibTrans" cxnId="{2A1EDD33-10D8-5D44-A246-0B842B9595F7}">
-      <dgm:prSet/>
-      <dgm:spPr/>
-      <dgm:t>
-        <a:bodyPr/>
-        <a:lstStyle/>
-        <a:p>
-          <a:endParaRPr lang="en-US"/>
-        </a:p>
-      </dgm:t>
-    </dgm:pt>
-    <dgm:pt modelId="{FE618610-ACA1-6C4A-B71E-267327068068}">
-      <dgm:prSet phldrT="[Text]"/>
-      <dgm:spPr/>
-      <dgm:t>
-        <a:bodyPr/>
-        <a:lstStyle/>
-        <a:p>
-          <a:r>
-            <a:rPr lang="en-US" dirty="0" smtClean="0"/>
-            <a:t>More…</a:t>
-          </a:r>
-          <a:endParaRPr lang="en-US" dirty="0"/>
-        </a:p>
-      </dgm:t>
-    </dgm:pt>
-    <dgm:pt modelId="{F2011E6A-39D8-9445-9C7C-5B45713C8A29}" type="parTrans" cxnId="{6D7268BD-0C6C-9145-9D5A-5913611D86C5}">
-      <dgm:prSet/>
-      <dgm:spPr/>
-      <dgm:t>
-        <a:bodyPr/>
-        <a:lstStyle/>
-        <a:p>
-          <a:endParaRPr lang="en-US"/>
-        </a:p>
-      </dgm:t>
-    </dgm:pt>
-    <dgm:pt modelId="{6B6E6056-5227-1D4D-B67B-F5EEDB7F6FBD}" type="sibTrans" cxnId="{6D7268BD-0C6C-9145-9D5A-5913611D86C5}">
-      <dgm:prSet/>
-      <dgm:spPr/>
-      <dgm:t>
-        <a:bodyPr/>
-        <a:lstStyle/>
-        <a:p>
-          <a:endParaRPr lang="en-US"/>
-        </a:p>
-      </dgm:t>
-    </dgm:pt>
-    <dgm:pt modelId="{C0F67986-4C0E-FC4E-9D0A-2AE31F2F323E}" type="pres">
-      <dgm:prSet presAssocID="{0FAA3DEC-8AA4-8B46-981B-0185EDF5FB58}" presName="Name0" presStyleCnt="0">
+    <dgm:pt modelId="{FB3CE05D-DF13-0A4A-98C9-9994C92C6D84}" type="pres">
+      <dgm:prSet presAssocID="{FCDF74A7-55BE-8C4A-9A44-9E6F71B83BB5}" presName="composite" presStyleCnt="0">
         <dgm:presLayoutVars>
-          <dgm:chMax val="7"/>
-          <dgm:chPref val="7"/>
-          <dgm:dir/>
+          <dgm:chMax val="3"/>
+          <dgm:animLvl val="lvl"/>
+          <dgm:resizeHandles val="exact"/>
         </dgm:presLayoutVars>
       </dgm:prSet>
       <dgm:spPr/>
-      <dgm:t>
-        <a:bodyPr/>
-        <a:lstStyle/>
-        <a:p>
-          <a:endParaRPr lang="en-US"/>
-        </a:p>
-      </dgm:t>
     </dgm:pt>
-    <dgm:pt modelId="{87BAF7A7-9B52-E640-85CA-1125ABFBD29E}" type="pres">
-      <dgm:prSet presAssocID="{0FAA3DEC-8AA4-8B46-981B-0185EDF5FB58}" presName="Name1" presStyleCnt="0"/>
+    <dgm:pt modelId="{5851FEF1-D36D-E444-AEED-67921805A932}" type="pres">
+      <dgm:prSet presAssocID="{DAAA23F8-8BB7-5740-AD18-CD44CB53A764}" presName="gear1" presStyleLbl="node1" presStyleIdx="0" presStyleCnt="3">
+        <dgm:presLayoutVars>
+          <dgm:chMax val="1"/>
+          <dgm:bulletEnabled val="1"/>
+        </dgm:presLayoutVars>
+      </dgm:prSet>
       <dgm:spPr/>
     </dgm:pt>
-    <dgm:pt modelId="{3314FE8F-B213-7141-96F3-EE1020F19054}" type="pres">
-      <dgm:prSet presAssocID="{0FAA3DEC-8AA4-8B46-981B-0185EDF5FB58}" presName="cycle" presStyleCnt="0"/>
+    <dgm:pt modelId="{BE2EB545-6FA3-CD40-BC2A-B2361CFE9225}" type="pres">
+      <dgm:prSet presAssocID="{DAAA23F8-8BB7-5740-AD18-CD44CB53A764}" presName="gear1srcNode" presStyleLbl="node1" presStyleIdx="0" presStyleCnt="3"/>
       <dgm:spPr/>
     </dgm:pt>
-    <dgm:pt modelId="{89745737-D2A2-2948-B2ED-93E912B57B67}" type="pres">
-      <dgm:prSet presAssocID="{0FAA3DEC-8AA4-8B46-981B-0185EDF5FB58}" presName="srcNode" presStyleLbl="node1" presStyleIdx="0" presStyleCnt="5"/>
+    <dgm:pt modelId="{2DAF9D70-16AC-0B41-B43B-D47B3C49AA1A}" type="pres">
+      <dgm:prSet presAssocID="{DAAA23F8-8BB7-5740-AD18-CD44CB53A764}" presName="gear1dstNode" presStyleLbl="node1" presStyleIdx="0" presStyleCnt="3"/>
       <dgm:spPr/>
     </dgm:pt>
-    <dgm:pt modelId="{0093644C-91BC-DD4F-9C06-F2C626D92F0F}" type="pres">
-      <dgm:prSet presAssocID="{0FAA3DEC-8AA4-8B46-981B-0185EDF5FB58}" presName="conn" presStyleLbl="parChTrans1D2" presStyleIdx="0" presStyleCnt="1"/>
-      <dgm:spPr/>
-      <dgm:t>
-        <a:bodyPr/>
-        <a:lstStyle/>
-        <a:p>
-          <a:endParaRPr lang="en-US"/>
-        </a:p>
-      </dgm:t>
-    </dgm:pt>
-    <dgm:pt modelId="{25535335-E22D-5843-97BB-D5A9C2D5C3E3}" type="pres">
-      <dgm:prSet presAssocID="{0FAA3DEC-8AA4-8B46-981B-0185EDF5FB58}" presName="extraNode" presStyleLbl="node1" presStyleIdx="0" presStyleCnt="5"/>
-      <dgm:spPr/>
-    </dgm:pt>
-    <dgm:pt modelId="{211E576F-BC97-9843-BD8D-E50E4F43E068}" type="pres">
-      <dgm:prSet presAssocID="{0FAA3DEC-8AA4-8B46-981B-0185EDF5FB58}" presName="dstNode" presStyleLbl="node1" presStyleIdx="0" presStyleCnt="5"/>
-      <dgm:spPr/>
-    </dgm:pt>
-    <dgm:pt modelId="{845DCAB6-7CAA-D343-B203-DE7426EB42BA}" type="pres">
-      <dgm:prSet presAssocID="{81D68C4D-6A72-4A43-AB7E-D9AE84DAD4A8}" presName="text_1" presStyleLbl="node1" presStyleIdx="0" presStyleCnt="5">
+    <dgm:pt modelId="{E113A2B0-800B-8946-9E04-1F1FFE35BB64}" type="pres">
+      <dgm:prSet presAssocID="{332460BC-61CC-8646-81F5-6768092DF9F3}" presName="gear2" presStyleLbl="node1" presStyleIdx="1" presStyleCnt="3">
         <dgm:presLayoutVars>
+          <dgm:chMax val="1"/>
           <dgm:bulletEnabled val="1"/>
         </dgm:presLayoutVars>
       </dgm:prSet>
@@ -2137,141 +2036,79 @@
         </a:p>
       </dgm:t>
     </dgm:pt>
-    <dgm:pt modelId="{64EE9807-4444-8549-BB62-65AD396BFC27}" type="pres">
-      <dgm:prSet presAssocID="{81D68C4D-6A72-4A43-AB7E-D9AE84DAD4A8}" presName="accent_1" presStyleCnt="0"/>
+    <dgm:pt modelId="{6B0D9A16-003F-7F4D-B346-1B27C07D3D89}" type="pres">
+      <dgm:prSet presAssocID="{332460BC-61CC-8646-81F5-6768092DF9F3}" presName="gear2srcNode" presStyleLbl="node1" presStyleIdx="1" presStyleCnt="3"/>
       <dgm:spPr/>
     </dgm:pt>
-    <dgm:pt modelId="{3B898D6A-5A70-D345-B71C-3929A8213426}" type="pres">
-      <dgm:prSet presAssocID="{81D68C4D-6A72-4A43-AB7E-D9AE84DAD4A8}" presName="accentRepeatNode" presStyleLbl="solidFgAcc1" presStyleIdx="0" presStyleCnt="5"/>
+    <dgm:pt modelId="{E87A2261-927D-E942-A6A6-DA51FE3CF3F4}" type="pres">
+      <dgm:prSet presAssocID="{332460BC-61CC-8646-81F5-6768092DF9F3}" presName="gear2dstNode" presStyleLbl="node1" presStyleIdx="1" presStyleCnt="3"/>
       <dgm:spPr/>
     </dgm:pt>
-    <dgm:pt modelId="{24C05408-4147-0846-A71E-29A22ACBFF80}" type="pres">
-      <dgm:prSet presAssocID="{E7289C5A-2773-D14E-A191-BB8437D1E73F}" presName="text_2" presStyleLbl="node1" presStyleIdx="1" presStyleCnt="5">
+    <dgm:pt modelId="{618A21FE-0F2A-EC41-BE22-539C7CBFA060}" type="pres">
+      <dgm:prSet presAssocID="{B145BBAC-A802-264C-BA7D-81C6144CDA5B}" presName="gear3" presStyleLbl="node1" presStyleIdx="2" presStyleCnt="3"/>
+      <dgm:spPr/>
+    </dgm:pt>
+    <dgm:pt modelId="{46376F2C-E844-424B-B5FF-CA7F7AB1BA33}" type="pres">
+      <dgm:prSet presAssocID="{B145BBAC-A802-264C-BA7D-81C6144CDA5B}" presName="gear3tx" presStyleLbl="node1" presStyleIdx="2" presStyleCnt="3">
         <dgm:presLayoutVars>
+          <dgm:chMax val="1"/>
           <dgm:bulletEnabled val="1"/>
         </dgm:presLayoutVars>
       </dgm:prSet>
       <dgm:spPr/>
-      <dgm:t>
-        <a:bodyPr/>
-        <a:lstStyle/>
-        <a:p>
-          <a:endParaRPr lang="en-US"/>
-        </a:p>
-      </dgm:t>
     </dgm:pt>
-    <dgm:pt modelId="{7F7BD1F0-050C-2342-B8B3-8129F0404596}" type="pres">
-      <dgm:prSet presAssocID="{E7289C5A-2773-D14E-A191-BB8437D1E73F}" presName="accent_2" presStyleCnt="0"/>
+    <dgm:pt modelId="{986A70DD-7A31-FC46-93FD-89CCEE380B70}" type="pres">
+      <dgm:prSet presAssocID="{B145BBAC-A802-264C-BA7D-81C6144CDA5B}" presName="gear3srcNode" presStyleLbl="node1" presStyleIdx="2" presStyleCnt="3"/>
       <dgm:spPr/>
     </dgm:pt>
-    <dgm:pt modelId="{2BA16188-6960-4541-B9F4-5256C1F191BF}" type="pres">
-      <dgm:prSet presAssocID="{E7289C5A-2773-D14E-A191-BB8437D1E73F}" presName="accentRepeatNode" presStyleLbl="solidFgAcc1" presStyleIdx="1" presStyleCnt="5"/>
+    <dgm:pt modelId="{71756CBB-821C-554B-B6DF-6B7F8612EB75}" type="pres">
+      <dgm:prSet presAssocID="{B145BBAC-A802-264C-BA7D-81C6144CDA5B}" presName="gear3dstNode" presStyleLbl="node1" presStyleIdx="2" presStyleCnt="3"/>
       <dgm:spPr/>
     </dgm:pt>
-    <dgm:pt modelId="{64DC3264-7068-7B44-8639-A753FB7FAEE0}" type="pres">
-      <dgm:prSet presAssocID="{76F3C2B2-9E55-644E-9959-9F2AB813E931}" presName="text_3" presStyleLbl="node1" presStyleIdx="2" presStyleCnt="5">
-        <dgm:presLayoutVars>
-          <dgm:bulletEnabled val="1"/>
-        </dgm:presLayoutVars>
-      </dgm:prSet>
-      <dgm:spPr/>
-      <dgm:t>
-        <a:bodyPr/>
-        <a:lstStyle/>
-        <a:p>
-          <a:endParaRPr lang="en-US"/>
-        </a:p>
-      </dgm:t>
-    </dgm:pt>
-    <dgm:pt modelId="{17719A7F-B382-CE44-AE71-504B7FC0E9F1}" type="pres">
-      <dgm:prSet presAssocID="{76F3C2B2-9E55-644E-9959-9F2AB813E931}" presName="accent_3" presStyleCnt="0"/>
+    <dgm:pt modelId="{7C43D32C-41B4-8F4D-9CCB-6E34A8353E0D}" type="pres">
+      <dgm:prSet presAssocID="{FD48E00A-4E5D-A24C-BEA4-7205F370131B}" presName="connector1" presStyleLbl="sibTrans2D1" presStyleIdx="0" presStyleCnt="3"/>
       <dgm:spPr/>
     </dgm:pt>
-    <dgm:pt modelId="{4F9B5905-7072-BD45-9451-4E98BA3112A1}" type="pres">
-      <dgm:prSet presAssocID="{76F3C2B2-9E55-644E-9959-9F2AB813E931}" presName="accentRepeatNode" presStyleLbl="solidFgAcc1" presStyleIdx="2" presStyleCnt="5"/>
+    <dgm:pt modelId="{04C33541-52C2-944F-997B-6BC8AECE8323}" type="pres">
+      <dgm:prSet presAssocID="{11DBF7EE-B165-0546-9CBE-032FDC98DE10}" presName="connector2" presStyleLbl="sibTrans2D1" presStyleIdx="1" presStyleCnt="3"/>
       <dgm:spPr/>
     </dgm:pt>
-    <dgm:pt modelId="{5930DEF3-A72A-2D48-BAE3-73FAC9AA5A44}" type="pres">
-      <dgm:prSet presAssocID="{7EDB6F38-C6C7-3E48-870C-4BB1A458A2FB}" presName="text_4" presStyleLbl="node1" presStyleIdx="3" presStyleCnt="5">
-        <dgm:presLayoutVars>
-          <dgm:bulletEnabled val="1"/>
-        </dgm:presLayoutVars>
-      </dgm:prSet>
-      <dgm:spPr/>
-      <dgm:t>
-        <a:bodyPr/>
-        <a:lstStyle/>
-        <a:p>
-          <a:endParaRPr lang="en-US"/>
-        </a:p>
-      </dgm:t>
-    </dgm:pt>
-    <dgm:pt modelId="{968154BF-1378-DC4C-82C2-5B29292A7D3A}" type="pres">
-      <dgm:prSet presAssocID="{7EDB6F38-C6C7-3E48-870C-4BB1A458A2FB}" presName="accent_4" presStyleCnt="0"/>
-      <dgm:spPr/>
-    </dgm:pt>
-    <dgm:pt modelId="{57439A38-0057-B241-AE2E-AC6858025B3B}" type="pres">
-      <dgm:prSet presAssocID="{7EDB6F38-C6C7-3E48-870C-4BB1A458A2FB}" presName="accentRepeatNode" presStyleLbl="solidFgAcc1" presStyleIdx="3" presStyleCnt="5"/>
-      <dgm:spPr/>
-    </dgm:pt>
-    <dgm:pt modelId="{07E11371-BCBC-984A-A2C4-2E2B11327B8E}" type="pres">
-      <dgm:prSet presAssocID="{FE618610-ACA1-6C4A-B71E-267327068068}" presName="text_5" presStyleLbl="node1" presStyleIdx="4" presStyleCnt="5">
-        <dgm:presLayoutVars>
-          <dgm:bulletEnabled val="1"/>
-        </dgm:presLayoutVars>
-      </dgm:prSet>
-      <dgm:spPr/>
-      <dgm:t>
-        <a:bodyPr/>
-        <a:lstStyle/>
-        <a:p>
-          <a:endParaRPr lang="en-US"/>
-        </a:p>
-      </dgm:t>
-    </dgm:pt>
-    <dgm:pt modelId="{4E6949CF-CB53-FB4C-BE1D-C96249106578}" type="pres">
-      <dgm:prSet presAssocID="{FE618610-ACA1-6C4A-B71E-267327068068}" presName="accent_5" presStyleCnt="0"/>
-      <dgm:spPr/>
-    </dgm:pt>
-    <dgm:pt modelId="{59610FA4-8CB7-4E49-B211-185A0DC24A03}" type="pres">
-      <dgm:prSet presAssocID="{FE618610-ACA1-6C4A-B71E-267327068068}" presName="accentRepeatNode" presStyleLbl="solidFgAcc1" presStyleIdx="4" presStyleCnt="5"/>
+    <dgm:pt modelId="{3C948D63-6A23-514D-B7CB-258484D3FD58}" type="pres">
+      <dgm:prSet presAssocID="{A2296D9A-9076-A44C-88E0-455FBF1AE013}" presName="connector3" presStyleLbl="sibTrans2D1" presStyleIdx="2" presStyleCnt="3"/>
       <dgm:spPr/>
     </dgm:pt>
   </dgm:ptLst>
   <dgm:cxnLst>
-    <dgm:cxn modelId="{F7575EB9-C61F-3640-9403-623D8F9009E0}" srcId="{0FAA3DEC-8AA4-8B46-981B-0185EDF5FB58}" destId="{76F3C2B2-9E55-644E-9959-9F2AB813E931}" srcOrd="2" destOrd="0" parTransId="{342AEC4D-921F-B041-B950-6A240028CAF1}" sibTransId="{7E2C12DD-4074-C14A-979B-D209F091B1C7}"/>
-    <dgm:cxn modelId="{B7FC9215-4FE0-CA49-845B-EDA4EC0D0BD7}" srcId="{0FAA3DEC-8AA4-8B46-981B-0185EDF5FB58}" destId="{81D68C4D-6A72-4A43-AB7E-D9AE84DAD4A8}" srcOrd="0" destOrd="0" parTransId="{1E1E8848-726A-BC49-B063-94BC924A9E12}" sibTransId="{71EFBF55-6BE2-8746-BEAE-6A1B04015D89}"/>
-    <dgm:cxn modelId="{9D161696-D96F-C648-B3F6-85CF9D97C5CB}" type="presOf" srcId="{0FAA3DEC-8AA4-8B46-981B-0185EDF5FB58}" destId="{C0F67986-4C0E-FC4E-9D0A-2AE31F2F323E}" srcOrd="0" destOrd="0" presId="urn:microsoft.com/office/officeart/2008/layout/VerticalCurvedList"/>
-    <dgm:cxn modelId="{7DB60B61-504F-AE47-8D9D-DC43A196BA75}" type="presOf" srcId="{76F3C2B2-9E55-644E-9959-9F2AB813E931}" destId="{64DC3264-7068-7B44-8639-A753FB7FAEE0}" srcOrd="0" destOrd="0" presId="urn:microsoft.com/office/officeart/2008/layout/VerticalCurvedList"/>
-    <dgm:cxn modelId="{99261463-6AFA-A64B-B8CB-A9FA582FA91B}" type="presOf" srcId="{FE618610-ACA1-6C4A-B71E-267327068068}" destId="{07E11371-BCBC-984A-A2C4-2E2B11327B8E}" srcOrd="0" destOrd="0" presId="urn:microsoft.com/office/officeart/2008/layout/VerticalCurvedList"/>
-    <dgm:cxn modelId="{04F026C8-D9D4-D641-BA72-F7C540BBDB82}" type="presOf" srcId="{E7289C5A-2773-D14E-A191-BB8437D1E73F}" destId="{24C05408-4147-0846-A71E-29A22ACBFF80}" srcOrd="0" destOrd="0" presId="urn:microsoft.com/office/officeart/2008/layout/VerticalCurvedList"/>
-    <dgm:cxn modelId="{6E612AD7-5513-054B-AF16-B60660476FC2}" srcId="{0FAA3DEC-8AA4-8B46-981B-0185EDF5FB58}" destId="{E7289C5A-2773-D14E-A191-BB8437D1E73F}" srcOrd="1" destOrd="0" parTransId="{0B4DE401-B2C7-2748-8252-E1F9FFB62433}" sibTransId="{EA6A8B01-6092-7441-9371-24D987D36EF8}"/>
-    <dgm:cxn modelId="{1DB70912-253E-664F-9049-AC4EFBC526EA}" type="presOf" srcId="{81D68C4D-6A72-4A43-AB7E-D9AE84DAD4A8}" destId="{845DCAB6-7CAA-D343-B203-DE7426EB42BA}" srcOrd="0" destOrd="0" presId="urn:microsoft.com/office/officeart/2008/layout/VerticalCurvedList"/>
-    <dgm:cxn modelId="{2D30D03B-E470-494A-AEEB-EDBDB90CB5A7}" type="presOf" srcId="{7EDB6F38-C6C7-3E48-870C-4BB1A458A2FB}" destId="{5930DEF3-A72A-2D48-BAE3-73FAC9AA5A44}" srcOrd="0" destOrd="0" presId="urn:microsoft.com/office/officeart/2008/layout/VerticalCurvedList"/>
-    <dgm:cxn modelId="{6D7268BD-0C6C-9145-9D5A-5913611D86C5}" srcId="{0FAA3DEC-8AA4-8B46-981B-0185EDF5FB58}" destId="{FE618610-ACA1-6C4A-B71E-267327068068}" srcOrd="4" destOrd="0" parTransId="{F2011E6A-39D8-9445-9C7C-5B45713C8A29}" sibTransId="{6B6E6056-5227-1D4D-B67B-F5EEDB7F6FBD}"/>
-    <dgm:cxn modelId="{44AC4E07-F769-6C47-AE5F-663248C83019}" type="presOf" srcId="{71EFBF55-6BE2-8746-BEAE-6A1B04015D89}" destId="{0093644C-91BC-DD4F-9C06-F2C626D92F0F}" srcOrd="0" destOrd="0" presId="urn:microsoft.com/office/officeart/2008/layout/VerticalCurvedList"/>
-    <dgm:cxn modelId="{2A1EDD33-10D8-5D44-A246-0B842B9595F7}" srcId="{0FAA3DEC-8AA4-8B46-981B-0185EDF5FB58}" destId="{7EDB6F38-C6C7-3E48-870C-4BB1A458A2FB}" srcOrd="3" destOrd="0" parTransId="{F8ADFC12-02C0-E745-B053-76856336DAB8}" sibTransId="{F6E01CBF-E0AE-1C44-B3F7-5F0BBDB1AB9C}"/>
-    <dgm:cxn modelId="{6708DB48-6B5E-0F40-9647-ACBEA35CACD2}" type="presParOf" srcId="{C0F67986-4C0E-FC4E-9D0A-2AE31F2F323E}" destId="{87BAF7A7-9B52-E640-85CA-1125ABFBD29E}" srcOrd="0" destOrd="0" presId="urn:microsoft.com/office/officeart/2008/layout/VerticalCurvedList"/>
-    <dgm:cxn modelId="{D67D9FB2-B734-D841-9A4C-5ED22C9505AB}" type="presParOf" srcId="{87BAF7A7-9B52-E640-85CA-1125ABFBD29E}" destId="{3314FE8F-B213-7141-96F3-EE1020F19054}" srcOrd="0" destOrd="0" presId="urn:microsoft.com/office/officeart/2008/layout/VerticalCurvedList"/>
-    <dgm:cxn modelId="{86AF083E-E099-924C-B8E6-9FA469C55A85}" type="presParOf" srcId="{3314FE8F-B213-7141-96F3-EE1020F19054}" destId="{89745737-D2A2-2948-B2ED-93E912B57B67}" srcOrd="0" destOrd="0" presId="urn:microsoft.com/office/officeart/2008/layout/VerticalCurvedList"/>
-    <dgm:cxn modelId="{8A9B4EE0-BD41-0646-8024-1F5AF26EA801}" type="presParOf" srcId="{3314FE8F-B213-7141-96F3-EE1020F19054}" destId="{0093644C-91BC-DD4F-9C06-F2C626D92F0F}" srcOrd="1" destOrd="0" presId="urn:microsoft.com/office/officeart/2008/layout/VerticalCurvedList"/>
-    <dgm:cxn modelId="{755E7D09-A58A-A445-AEE0-2A50F58142AA}" type="presParOf" srcId="{3314FE8F-B213-7141-96F3-EE1020F19054}" destId="{25535335-E22D-5843-97BB-D5A9C2D5C3E3}" srcOrd="2" destOrd="0" presId="urn:microsoft.com/office/officeart/2008/layout/VerticalCurvedList"/>
-    <dgm:cxn modelId="{25E47EBF-3B60-8647-9538-4CFFBAA99F11}" type="presParOf" srcId="{3314FE8F-B213-7141-96F3-EE1020F19054}" destId="{211E576F-BC97-9843-BD8D-E50E4F43E068}" srcOrd="3" destOrd="0" presId="urn:microsoft.com/office/officeart/2008/layout/VerticalCurvedList"/>
-    <dgm:cxn modelId="{A001EB2E-0F16-9342-B445-634B088C72A7}" type="presParOf" srcId="{87BAF7A7-9B52-E640-85CA-1125ABFBD29E}" destId="{845DCAB6-7CAA-D343-B203-DE7426EB42BA}" srcOrd="1" destOrd="0" presId="urn:microsoft.com/office/officeart/2008/layout/VerticalCurvedList"/>
-    <dgm:cxn modelId="{1C22828E-8543-E549-9880-B028C55BBE4A}" type="presParOf" srcId="{87BAF7A7-9B52-E640-85CA-1125ABFBD29E}" destId="{64EE9807-4444-8549-BB62-65AD396BFC27}" srcOrd="2" destOrd="0" presId="urn:microsoft.com/office/officeart/2008/layout/VerticalCurvedList"/>
-    <dgm:cxn modelId="{15851238-AE42-A849-937E-E989B64CC649}" type="presParOf" srcId="{64EE9807-4444-8549-BB62-65AD396BFC27}" destId="{3B898D6A-5A70-D345-B71C-3929A8213426}" srcOrd="0" destOrd="0" presId="urn:microsoft.com/office/officeart/2008/layout/VerticalCurvedList"/>
-    <dgm:cxn modelId="{F0AC2F4F-F506-E24D-88DA-FCE8EE2B6522}" type="presParOf" srcId="{87BAF7A7-9B52-E640-85CA-1125ABFBD29E}" destId="{24C05408-4147-0846-A71E-29A22ACBFF80}" srcOrd="3" destOrd="0" presId="urn:microsoft.com/office/officeart/2008/layout/VerticalCurvedList"/>
-    <dgm:cxn modelId="{7E72FB48-9EF9-874F-8AAD-E8DFBE579C68}" type="presParOf" srcId="{87BAF7A7-9B52-E640-85CA-1125ABFBD29E}" destId="{7F7BD1F0-050C-2342-B8B3-8129F0404596}" srcOrd="4" destOrd="0" presId="urn:microsoft.com/office/officeart/2008/layout/VerticalCurvedList"/>
-    <dgm:cxn modelId="{0BD7B0EE-0E3E-8E47-93F9-AFCF0CBCE03D}" type="presParOf" srcId="{7F7BD1F0-050C-2342-B8B3-8129F0404596}" destId="{2BA16188-6960-4541-B9F4-5256C1F191BF}" srcOrd="0" destOrd="0" presId="urn:microsoft.com/office/officeart/2008/layout/VerticalCurvedList"/>
-    <dgm:cxn modelId="{60532F6E-7FFA-6542-B2C6-D7C34089C754}" type="presParOf" srcId="{87BAF7A7-9B52-E640-85CA-1125ABFBD29E}" destId="{64DC3264-7068-7B44-8639-A753FB7FAEE0}" srcOrd="5" destOrd="0" presId="urn:microsoft.com/office/officeart/2008/layout/VerticalCurvedList"/>
-    <dgm:cxn modelId="{8A6C50AC-04BC-884B-9A24-42474611E47C}" type="presParOf" srcId="{87BAF7A7-9B52-E640-85CA-1125ABFBD29E}" destId="{17719A7F-B382-CE44-AE71-504B7FC0E9F1}" srcOrd="6" destOrd="0" presId="urn:microsoft.com/office/officeart/2008/layout/VerticalCurvedList"/>
-    <dgm:cxn modelId="{9E8298E5-EE74-FA45-A5D2-7F4871977D8D}" type="presParOf" srcId="{17719A7F-B382-CE44-AE71-504B7FC0E9F1}" destId="{4F9B5905-7072-BD45-9451-4E98BA3112A1}" srcOrd="0" destOrd="0" presId="urn:microsoft.com/office/officeart/2008/layout/VerticalCurvedList"/>
-    <dgm:cxn modelId="{262845FC-2828-5546-9AF5-41A58B166EDD}" type="presParOf" srcId="{87BAF7A7-9B52-E640-85CA-1125ABFBD29E}" destId="{5930DEF3-A72A-2D48-BAE3-73FAC9AA5A44}" srcOrd="7" destOrd="0" presId="urn:microsoft.com/office/officeart/2008/layout/VerticalCurvedList"/>
-    <dgm:cxn modelId="{4EA1D2D6-557E-CD4D-B04B-BDB203D68CAA}" type="presParOf" srcId="{87BAF7A7-9B52-E640-85CA-1125ABFBD29E}" destId="{968154BF-1378-DC4C-82C2-5B29292A7D3A}" srcOrd="8" destOrd="0" presId="urn:microsoft.com/office/officeart/2008/layout/VerticalCurvedList"/>
-    <dgm:cxn modelId="{E03950BC-1645-0F44-ACCB-A36952BF1C4B}" type="presParOf" srcId="{968154BF-1378-DC4C-82C2-5B29292A7D3A}" destId="{57439A38-0057-B241-AE2E-AC6858025B3B}" srcOrd="0" destOrd="0" presId="urn:microsoft.com/office/officeart/2008/layout/VerticalCurvedList"/>
-    <dgm:cxn modelId="{1962B728-3580-CF46-9A32-2BA02C698E08}" type="presParOf" srcId="{87BAF7A7-9B52-E640-85CA-1125ABFBD29E}" destId="{07E11371-BCBC-984A-A2C4-2E2B11327B8E}" srcOrd="9" destOrd="0" presId="urn:microsoft.com/office/officeart/2008/layout/VerticalCurvedList"/>
-    <dgm:cxn modelId="{912195F3-79C9-8447-B63E-3A8554130DC0}" type="presParOf" srcId="{87BAF7A7-9B52-E640-85CA-1125ABFBD29E}" destId="{4E6949CF-CB53-FB4C-BE1D-C96249106578}" srcOrd="10" destOrd="0" presId="urn:microsoft.com/office/officeart/2008/layout/VerticalCurvedList"/>
-    <dgm:cxn modelId="{AB335028-893B-D643-85FB-E83DA0AF82E0}" type="presParOf" srcId="{4E6949CF-CB53-FB4C-BE1D-C96249106578}" destId="{59610FA4-8CB7-4E49-B211-185A0DC24A03}" srcOrd="0" destOrd="0" presId="urn:microsoft.com/office/officeart/2008/layout/VerticalCurvedList"/>
+    <dgm:cxn modelId="{B220F9F7-49C9-C84F-A646-E9026E4BEE4E}" type="presOf" srcId="{FD48E00A-4E5D-A24C-BEA4-7205F370131B}" destId="{7C43D32C-41B4-8F4D-9CCB-6E34A8353E0D}" srcOrd="0" destOrd="0" presId="urn:microsoft.com/office/officeart/2005/8/layout/gear1"/>
+    <dgm:cxn modelId="{11213341-F94A-A04E-A40C-EC9E224FB5FD}" type="presOf" srcId="{332460BC-61CC-8646-81F5-6768092DF9F3}" destId="{E87A2261-927D-E942-A6A6-DA51FE3CF3F4}" srcOrd="2" destOrd="0" presId="urn:microsoft.com/office/officeart/2005/8/layout/gear1"/>
+    <dgm:cxn modelId="{560F8048-308B-814C-85BB-30CD79E45B3A}" type="presOf" srcId="{FCDF74A7-55BE-8C4A-9A44-9E6F71B83BB5}" destId="{FB3CE05D-DF13-0A4A-98C9-9994C92C6D84}" srcOrd="0" destOrd="0" presId="urn:microsoft.com/office/officeart/2005/8/layout/gear1"/>
+    <dgm:cxn modelId="{2534634C-F212-D440-96EC-700DA6B2FDC9}" type="presOf" srcId="{11DBF7EE-B165-0546-9CBE-032FDC98DE10}" destId="{04C33541-52C2-944F-997B-6BC8AECE8323}" srcOrd="0" destOrd="0" presId="urn:microsoft.com/office/officeart/2005/8/layout/gear1"/>
+    <dgm:cxn modelId="{9C406F92-DFD8-644D-BF57-F8D8CB08F0ED}" type="presOf" srcId="{A2296D9A-9076-A44C-88E0-455FBF1AE013}" destId="{3C948D63-6A23-514D-B7CB-258484D3FD58}" srcOrd="0" destOrd="0" presId="urn:microsoft.com/office/officeart/2005/8/layout/gear1"/>
+    <dgm:cxn modelId="{4EC40FB4-B121-2A49-81C2-08AA1E915B58}" srcId="{FCDF74A7-55BE-8C4A-9A44-9E6F71B83BB5}" destId="{DAAA23F8-8BB7-5740-AD18-CD44CB53A764}" srcOrd="0" destOrd="0" parTransId="{64F7653D-899E-664D-91DB-A787FEC063D3}" sibTransId="{FD48E00A-4E5D-A24C-BEA4-7205F370131B}"/>
+    <dgm:cxn modelId="{6A16F25D-4E78-8848-8855-E6EBD2AA1654}" type="presOf" srcId="{DAAA23F8-8BB7-5740-AD18-CD44CB53A764}" destId="{BE2EB545-6FA3-CD40-BC2A-B2361CFE9225}" srcOrd="1" destOrd="0" presId="urn:microsoft.com/office/officeart/2005/8/layout/gear1"/>
+    <dgm:cxn modelId="{E811D372-815F-3B41-8A7F-AF70B8F05719}" type="presOf" srcId="{B145BBAC-A802-264C-BA7D-81C6144CDA5B}" destId="{618A21FE-0F2A-EC41-BE22-539C7CBFA060}" srcOrd="0" destOrd="0" presId="urn:microsoft.com/office/officeart/2005/8/layout/gear1"/>
+    <dgm:cxn modelId="{C3C536A5-463F-024E-91BD-6FC4BD4CF80B}" type="presOf" srcId="{332460BC-61CC-8646-81F5-6768092DF9F3}" destId="{6B0D9A16-003F-7F4D-B346-1B27C07D3D89}" srcOrd="1" destOrd="0" presId="urn:microsoft.com/office/officeart/2005/8/layout/gear1"/>
+    <dgm:cxn modelId="{3AF33706-C195-2141-8A76-D851537F2687}" srcId="{FCDF74A7-55BE-8C4A-9A44-9E6F71B83BB5}" destId="{B145BBAC-A802-264C-BA7D-81C6144CDA5B}" srcOrd="2" destOrd="0" parTransId="{F6E7A695-8069-654D-A9BE-4DB517ADEC9F}" sibTransId="{A2296D9A-9076-A44C-88E0-455FBF1AE013}"/>
+    <dgm:cxn modelId="{3748BAF0-264F-1E43-8F24-731F4D4D8FBB}" type="presOf" srcId="{B145BBAC-A802-264C-BA7D-81C6144CDA5B}" destId="{986A70DD-7A31-FC46-93FD-89CCEE380B70}" srcOrd="2" destOrd="0" presId="urn:microsoft.com/office/officeart/2005/8/layout/gear1"/>
+    <dgm:cxn modelId="{8A899E9F-5CC8-0043-942D-9D085200F076}" type="presOf" srcId="{DAAA23F8-8BB7-5740-AD18-CD44CB53A764}" destId="{5851FEF1-D36D-E444-AEED-67921805A932}" srcOrd="0" destOrd="0" presId="urn:microsoft.com/office/officeart/2005/8/layout/gear1"/>
+    <dgm:cxn modelId="{9CBA629F-B981-F044-BF1E-6770B8EBC8D3}" type="presOf" srcId="{B145BBAC-A802-264C-BA7D-81C6144CDA5B}" destId="{46376F2C-E844-424B-B5FF-CA7F7AB1BA33}" srcOrd="1" destOrd="0" presId="urn:microsoft.com/office/officeart/2005/8/layout/gear1"/>
+    <dgm:cxn modelId="{962BB578-CECE-BE42-9672-55A1697FBAD7}" type="presOf" srcId="{B145BBAC-A802-264C-BA7D-81C6144CDA5B}" destId="{71756CBB-821C-554B-B6DF-6B7F8612EB75}" srcOrd="3" destOrd="0" presId="urn:microsoft.com/office/officeart/2005/8/layout/gear1"/>
+    <dgm:cxn modelId="{8BCF0DCA-151A-2C4F-AE24-1C44EAF5DE5C}" srcId="{FCDF74A7-55BE-8C4A-9A44-9E6F71B83BB5}" destId="{332460BC-61CC-8646-81F5-6768092DF9F3}" srcOrd="1" destOrd="0" parTransId="{6AA06CDF-1D0C-8C4A-90CA-0DB1AB117BA9}" sibTransId="{11DBF7EE-B165-0546-9CBE-032FDC98DE10}"/>
+    <dgm:cxn modelId="{63BBCA53-F31F-8A45-806B-92625BAC5512}" type="presOf" srcId="{DAAA23F8-8BB7-5740-AD18-CD44CB53A764}" destId="{2DAF9D70-16AC-0B41-B43B-D47B3C49AA1A}" srcOrd="2" destOrd="0" presId="urn:microsoft.com/office/officeart/2005/8/layout/gear1"/>
+    <dgm:cxn modelId="{FB6685A8-D929-9E4C-80CD-04EA73ADDE98}" type="presOf" srcId="{332460BC-61CC-8646-81F5-6768092DF9F3}" destId="{E113A2B0-800B-8946-9E04-1F1FFE35BB64}" srcOrd="0" destOrd="0" presId="urn:microsoft.com/office/officeart/2005/8/layout/gear1"/>
+    <dgm:cxn modelId="{EDEECF63-9A34-864E-8F43-9B6836E8B238}" type="presParOf" srcId="{FB3CE05D-DF13-0A4A-98C9-9994C92C6D84}" destId="{5851FEF1-D36D-E444-AEED-67921805A932}" srcOrd="0" destOrd="0" presId="urn:microsoft.com/office/officeart/2005/8/layout/gear1"/>
+    <dgm:cxn modelId="{B11D5014-4C53-D44E-A791-9050D3AE338E}" type="presParOf" srcId="{FB3CE05D-DF13-0A4A-98C9-9994C92C6D84}" destId="{BE2EB545-6FA3-CD40-BC2A-B2361CFE9225}" srcOrd="1" destOrd="0" presId="urn:microsoft.com/office/officeart/2005/8/layout/gear1"/>
+    <dgm:cxn modelId="{33317AAF-6B41-F846-83CA-8E899DB1CFC6}" type="presParOf" srcId="{FB3CE05D-DF13-0A4A-98C9-9994C92C6D84}" destId="{2DAF9D70-16AC-0B41-B43B-D47B3C49AA1A}" srcOrd="2" destOrd="0" presId="urn:microsoft.com/office/officeart/2005/8/layout/gear1"/>
+    <dgm:cxn modelId="{E07248E2-6216-2641-9CD2-7901AA53242F}" type="presParOf" srcId="{FB3CE05D-DF13-0A4A-98C9-9994C92C6D84}" destId="{E113A2B0-800B-8946-9E04-1F1FFE35BB64}" srcOrd="3" destOrd="0" presId="urn:microsoft.com/office/officeart/2005/8/layout/gear1"/>
+    <dgm:cxn modelId="{CA699046-543F-E646-A6FE-B184454A5E49}" type="presParOf" srcId="{FB3CE05D-DF13-0A4A-98C9-9994C92C6D84}" destId="{6B0D9A16-003F-7F4D-B346-1B27C07D3D89}" srcOrd="4" destOrd="0" presId="urn:microsoft.com/office/officeart/2005/8/layout/gear1"/>
+    <dgm:cxn modelId="{073C3C13-BBB2-274F-8F19-B71F12FB032F}" type="presParOf" srcId="{FB3CE05D-DF13-0A4A-98C9-9994C92C6D84}" destId="{E87A2261-927D-E942-A6A6-DA51FE3CF3F4}" srcOrd="5" destOrd="0" presId="urn:microsoft.com/office/officeart/2005/8/layout/gear1"/>
+    <dgm:cxn modelId="{1AE65F57-9B44-1945-B70B-E8C532628DA3}" type="presParOf" srcId="{FB3CE05D-DF13-0A4A-98C9-9994C92C6D84}" destId="{618A21FE-0F2A-EC41-BE22-539C7CBFA060}" srcOrd="6" destOrd="0" presId="urn:microsoft.com/office/officeart/2005/8/layout/gear1"/>
+    <dgm:cxn modelId="{D41344C2-F5BB-3740-AB8F-1D9A8C359E65}" type="presParOf" srcId="{FB3CE05D-DF13-0A4A-98C9-9994C92C6D84}" destId="{46376F2C-E844-424B-B5FF-CA7F7AB1BA33}" srcOrd="7" destOrd="0" presId="urn:microsoft.com/office/officeart/2005/8/layout/gear1"/>
+    <dgm:cxn modelId="{BE606818-5531-AC49-AC12-FBCE987219F0}" type="presParOf" srcId="{FB3CE05D-DF13-0A4A-98C9-9994C92C6D84}" destId="{986A70DD-7A31-FC46-93FD-89CCEE380B70}" srcOrd="8" destOrd="0" presId="urn:microsoft.com/office/officeart/2005/8/layout/gear1"/>
+    <dgm:cxn modelId="{E10EE99F-7B86-8542-B55E-97A56B84D606}" type="presParOf" srcId="{FB3CE05D-DF13-0A4A-98C9-9994C92C6D84}" destId="{71756CBB-821C-554B-B6DF-6B7F8612EB75}" srcOrd="9" destOrd="0" presId="urn:microsoft.com/office/officeart/2005/8/layout/gear1"/>
+    <dgm:cxn modelId="{EA4B8928-DB8C-9D48-ABB9-8B9C3A4F67A1}" type="presParOf" srcId="{FB3CE05D-DF13-0A4A-98C9-9994C92C6D84}" destId="{7C43D32C-41B4-8F4D-9CCB-6E34A8353E0D}" srcOrd="10" destOrd="0" presId="urn:microsoft.com/office/officeart/2005/8/layout/gear1"/>
+    <dgm:cxn modelId="{F04DD190-588C-384D-AD20-45EC0A72F746}" type="presParOf" srcId="{FB3CE05D-DF13-0A4A-98C9-9994C92C6D84}" destId="{04C33541-52C2-944F-997B-6BC8AECE8323}" srcOrd="11" destOrd="0" presId="urn:microsoft.com/office/officeart/2005/8/layout/gear1"/>
+    <dgm:cxn modelId="{5D5AF1F8-F287-1B47-883E-DE442F439665}" type="presParOf" srcId="{FB3CE05D-DF13-0A4A-98C9-9994C92C6D84}" destId="{3C948D63-6A23-514D-B7CB-258484D3FD58}" srcOrd="12" destOrd="0" presId="urn:microsoft.com/office/officeart/2005/8/layout/gear1"/>
   </dgm:cxnLst>
   <dgm:bg/>
   <dgm:whole/>
@@ -2773,62 +2610,17 @@
       <dsp:cNvGrpSpPr/>
     </dsp:nvGrpSpPr>
     <dsp:grpSpPr/>
-    <dsp:sp modelId="{0093644C-91BC-DD4F-9C06-F2C626D92F0F}">
+    <dsp:sp modelId="{5851FEF1-D36D-E444-AEED-67921805A932}">
       <dsp:nvSpPr>
         <dsp:cNvPr id="0" name=""/>
         <dsp:cNvSpPr/>
       </dsp:nvSpPr>
       <dsp:spPr>
         <a:xfrm>
-          <a:off x="-3145381" y="-484128"/>
-          <a:ext cx="3751563" cy="3751563"/>
+          <a:off x="2590628" y="1644992"/>
+          <a:ext cx="2010547" cy="2010547"/>
         </a:xfrm>
-        <a:prstGeom prst="blockArc">
-          <a:avLst>
-            <a:gd name="adj1" fmla="val 18900000"/>
-            <a:gd name="adj2" fmla="val 2700000"/>
-            <a:gd name="adj3" fmla="val 576"/>
-          </a:avLst>
-        </a:prstGeom>
-        <a:noFill/>
-        <a:ln w="9525" cap="flat" cmpd="sng" algn="ctr">
-          <a:solidFill>
-            <a:schemeClr val="accent1">
-              <a:shade val="60000"/>
-              <a:hueOff val="0"/>
-              <a:satOff val="0"/>
-              <a:lumOff val="0"/>
-              <a:alphaOff val="0"/>
-            </a:schemeClr>
-          </a:solidFill>
-          <a:prstDash val="solid"/>
-        </a:ln>
-        <a:effectLst/>
-      </dsp:spPr>
-      <dsp:style>
-        <a:lnRef idx="1">
-          <a:scrgbClr r="0" g="0" b="0"/>
-        </a:lnRef>
-        <a:fillRef idx="0">
-          <a:scrgbClr r="0" g="0" b="0"/>
-        </a:fillRef>
-        <a:effectRef idx="0">
-          <a:scrgbClr r="0" g="0" b="0"/>
-        </a:effectRef>
-        <a:fontRef idx="minor"/>
-      </dsp:style>
-    </dsp:sp>
-    <dsp:sp modelId="{845DCAB6-7CAA-D343-B203-DE7426EB42BA}">
-      <dsp:nvSpPr>
-        <dsp:cNvPr id="0" name=""/>
-        <dsp:cNvSpPr/>
-      </dsp:nvSpPr>
-      <dsp:spPr>
-        <a:xfrm>
-          <a:off x="266194" y="173900"/>
-          <a:ext cx="5966829" cy="348024"/>
-        </a:xfrm>
-        <a:prstGeom prst="rect">
+        <a:prstGeom prst="gear9">
           <a:avLst/>
         </a:prstGeom>
         <a:gradFill rotWithShape="0">
@@ -2884,12 +2676,12 @@
         </a:fontRef>
       </dsp:style>
       <dsp:txBody>
-        <a:bodyPr spcFirstLastPara="0" vert="horz" wrap="square" lIns="276245" tIns="45720" rIns="45720" bIns="45720" numCol="1" spcCol="1270" anchor="ctr" anchorCtr="0">
+        <a:bodyPr spcFirstLastPara="0" vert="horz" wrap="square" lIns="20320" tIns="20320" rIns="20320" bIns="20320" numCol="1" spcCol="1270" anchor="ctr" anchorCtr="0">
           <a:noAutofit/>
         </a:bodyPr>
         <a:lstStyle/>
         <a:p>
-          <a:pPr lvl="0" algn="l" defTabSz="800100">
+          <a:pPr lvl="0" algn="ctr" defTabSz="711200">
             <a:lnSpc>
               <a:spcPct val="90000"/>
             </a:lnSpc>
@@ -2901,75 +2693,28 @@
             </a:spcAft>
           </a:pPr>
           <a:r>
-            <a:rPr lang="en-US" sz="1800" kern="1200" dirty="0" err="1" smtClean="0"/>
-            <a:t>Meetups</a:t>
+            <a:rPr lang="en-US" sz="1600" kern="1200" dirty="0" smtClean="0"/>
+            <a:t>Conferences</a:t>
           </a:r>
-          <a:endParaRPr lang="en-US" sz="1800" kern="1200" dirty="0"/>
+          <a:endParaRPr lang="en-US" sz="1600" kern="1200" dirty="0"/>
         </a:p>
       </dsp:txBody>
       <dsp:txXfrm>
-        <a:off x="266194" y="173900"/>
-        <a:ext cx="5966829" cy="348024"/>
+        <a:off x="2994837" y="2115953"/>
+        <a:ext cx="1202129" cy="1033463"/>
       </dsp:txXfrm>
     </dsp:sp>
-    <dsp:sp modelId="{3B898D6A-5A70-D345-B71C-3929A8213426}">
+    <dsp:sp modelId="{E113A2B0-800B-8946-9E04-1F1FFE35BB64}">
       <dsp:nvSpPr>
         <dsp:cNvPr id="0" name=""/>
         <dsp:cNvSpPr/>
       </dsp:nvSpPr>
       <dsp:spPr>
         <a:xfrm>
-          <a:off x="48678" y="130397"/>
-          <a:ext cx="435030" cy="435030"/>
+          <a:off x="1420855" y="1169772"/>
+          <a:ext cx="1462216" cy="1462216"/>
         </a:xfrm>
-        <a:prstGeom prst="ellipse">
-          <a:avLst/>
-        </a:prstGeom>
-        <a:solidFill>
-          <a:schemeClr val="lt1">
-            <a:hueOff val="0"/>
-            <a:satOff val="0"/>
-            <a:lumOff val="0"/>
-            <a:alphaOff val="0"/>
-          </a:schemeClr>
-        </a:solidFill>
-        <a:ln w="9525" cap="flat" cmpd="sng" algn="ctr">
-          <a:solidFill>
-            <a:schemeClr val="accent1">
-              <a:hueOff val="0"/>
-              <a:satOff val="0"/>
-              <a:lumOff val="0"/>
-              <a:alphaOff val="0"/>
-            </a:schemeClr>
-          </a:solidFill>
-          <a:prstDash val="solid"/>
-        </a:ln>
-        <a:effectLst/>
-      </dsp:spPr>
-      <dsp:style>
-        <a:lnRef idx="1">
-          <a:scrgbClr r="0" g="0" b="0"/>
-        </a:lnRef>
-        <a:fillRef idx="1">
-          <a:scrgbClr r="0" g="0" b="0"/>
-        </a:fillRef>
-        <a:effectRef idx="0">
-          <a:scrgbClr r="0" g="0" b="0"/>
-        </a:effectRef>
-        <a:fontRef idx="minor"/>
-      </dsp:style>
-    </dsp:sp>
-    <dsp:sp modelId="{24C05408-4147-0846-A71E-29A22ACBFF80}">
-      <dsp:nvSpPr>
-        <dsp:cNvPr id="0" name=""/>
-        <dsp:cNvSpPr/>
-      </dsp:nvSpPr>
-      <dsp:spPr>
-        <a:xfrm>
-          <a:off x="515578" y="695770"/>
-          <a:ext cx="5717445" cy="348024"/>
-        </a:xfrm>
-        <a:prstGeom prst="rect">
+        <a:prstGeom prst="gear6">
           <a:avLst/>
         </a:prstGeom>
         <a:gradFill rotWithShape="0">
@@ -3025,12 +2770,12 @@
         </a:fontRef>
       </dsp:style>
       <dsp:txBody>
-        <a:bodyPr spcFirstLastPara="0" vert="horz" wrap="square" lIns="276245" tIns="45720" rIns="45720" bIns="45720" numCol="1" spcCol="1270" anchor="ctr" anchorCtr="0">
+        <a:bodyPr spcFirstLastPara="0" vert="horz" wrap="square" lIns="20320" tIns="20320" rIns="20320" bIns="20320" numCol="1" spcCol="1270" anchor="ctr" anchorCtr="0">
           <a:noAutofit/>
         </a:bodyPr>
         <a:lstStyle/>
         <a:p>
-          <a:pPr lvl="0" algn="l" defTabSz="800100">
+          <a:pPr lvl="0" algn="ctr" defTabSz="711200">
             <a:lnSpc>
               <a:spcPct val="90000"/>
             </a:lnSpc>
@@ -3042,75 +2787,28 @@
             </a:spcAft>
           </a:pPr>
           <a:r>
-            <a:rPr lang="en-US" sz="1800" kern="1200" dirty="0" smtClean="0"/>
-            <a:t>Trainings</a:t>
+            <a:rPr lang="en-US" sz="1600" kern="1200" dirty="0" smtClean="0"/>
+            <a:t>Office Hours</a:t>
           </a:r>
-          <a:endParaRPr lang="en-US" sz="1800" kern="1200" dirty="0"/>
+          <a:endParaRPr lang="en-US" sz="1600" kern="1200" dirty="0"/>
         </a:p>
       </dsp:txBody>
       <dsp:txXfrm>
-        <a:off x="515578" y="695770"/>
-        <a:ext cx="5717445" cy="348024"/>
+        <a:off x="1788972" y="1540114"/>
+        <a:ext cx="725982" cy="721532"/>
       </dsp:txXfrm>
     </dsp:sp>
-    <dsp:sp modelId="{2BA16188-6960-4541-B9F4-5256C1F191BF}">
+    <dsp:sp modelId="{618A21FE-0F2A-EC41-BE22-539C7CBFA060}">
       <dsp:nvSpPr>
         <dsp:cNvPr id="0" name=""/>
         <dsp:cNvSpPr/>
       </dsp:nvSpPr>
       <dsp:spPr>
-        <a:xfrm>
-          <a:off x="298063" y="652267"/>
-          <a:ext cx="435030" cy="435030"/>
+        <a:xfrm rot="20700000">
+          <a:off x="2239845" y="160992"/>
+          <a:ext cx="1432673" cy="1432673"/>
         </a:xfrm>
-        <a:prstGeom prst="ellipse">
-          <a:avLst/>
-        </a:prstGeom>
-        <a:solidFill>
-          <a:schemeClr val="lt1">
-            <a:hueOff val="0"/>
-            <a:satOff val="0"/>
-            <a:lumOff val="0"/>
-            <a:alphaOff val="0"/>
-          </a:schemeClr>
-        </a:solidFill>
-        <a:ln w="9525" cap="flat" cmpd="sng" algn="ctr">
-          <a:solidFill>
-            <a:schemeClr val="accent1">
-              <a:hueOff val="0"/>
-              <a:satOff val="0"/>
-              <a:lumOff val="0"/>
-              <a:alphaOff val="0"/>
-            </a:schemeClr>
-          </a:solidFill>
-          <a:prstDash val="solid"/>
-        </a:ln>
-        <a:effectLst/>
-      </dsp:spPr>
-      <dsp:style>
-        <a:lnRef idx="1">
-          <a:scrgbClr r="0" g="0" b="0"/>
-        </a:lnRef>
-        <a:fillRef idx="1">
-          <a:scrgbClr r="0" g="0" b="0"/>
-        </a:fillRef>
-        <a:effectRef idx="0">
-          <a:scrgbClr r="0" g="0" b="0"/>
-        </a:effectRef>
-        <a:fontRef idx="minor"/>
-      </dsp:style>
-    </dsp:sp>
-    <dsp:sp modelId="{64DC3264-7068-7B44-8639-A753FB7FAEE0}">
-      <dsp:nvSpPr>
-        <dsp:cNvPr id="0" name=""/>
-        <dsp:cNvSpPr/>
-      </dsp:nvSpPr>
-      <dsp:spPr>
-        <a:xfrm>
-          <a:off x="592119" y="1217640"/>
-          <a:ext cx="5640904" cy="348024"/>
-        </a:xfrm>
-        <a:prstGeom prst="rect">
+        <a:prstGeom prst="gear6">
           <a:avLst/>
         </a:prstGeom>
         <a:gradFill rotWithShape="0">
@@ -3166,12 +2864,12 @@
         </a:fontRef>
       </dsp:style>
       <dsp:txBody>
-        <a:bodyPr spcFirstLastPara="0" vert="horz" wrap="square" lIns="276245" tIns="45720" rIns="45720" bIns="45720" numCol="1" spcCol="1270" anchor="ctr" anchorCtr="0">
+        <a:bodyPr spcFirstLastPara="0" vert="horz" wrap="square" lIns="20320" tIns="20320" rIns="20320" bIns="20320" numCol="1" spcCol="1270" anchor="ctr" anchorCtr="0">
           <a:noAutofit/>
         </a:bodyPr>
         <a:lstStyle/>
         <a:p>
-          <a:pPr lvl="0" algn="l" defTabSz="800100">
+          <a:pPr lvl="0" algn="ctr" defTabSz="711200">
             <a:lnSpc>
               <a:spcPct val="90000"/>
             </a:lnSpc>
@@ -3183,81 +2881,41 @@
             </a:spcAft>
           </a:pPr>
           <a:r>
-            <a:rPr lang="en-US" sz="1800" kern="1200" dirty="0" smtClean="0"/>
-            <a:t>Conferences</a:t>
+            <a:rPr lang="en-US" sz="1600" kern="1200" dirty="0" err="1" smtClean="0"/>
+            <a:t>Meetups</a:t>
           </a:r>
-          <a:endParaRPr lang="en-US" sz="1800" kern="1200" dirty="0"/>
+          <a:endParaRPr lang="en-US" sz="1600" kern="1200" dirty="0"/>
         </a:p>
       </dsp:txBody>
-      <dsp:txXfrm>
-        <a:off x="592119" y="1217640"/>
-        <a:ext cx="5640904" cy="348024"/>
+      <dsp:txXfrm rot="-20700000">
+        <a:off x="2554073" y="475220"/>
+        <a:ext cx="804218" cy="804218"/>
       </dsp:txXfrm>
     </dsp:sp>
-    <dsp:sp modelId="{4F9B5905-7072-BD45-9451-4E98BA3112A1}">
+    <dsp:sp modelId="{7C43D32C-41B4-8F4D-9CCB-6E34A8353E0D}">
       <dsp:nvSpPr>
         <dsp:cNvPr id="0" name=""/>
         <dsp:cNvSpPr/>
       </dsp:nvSpPr>
       <dsp:spPr>
         <a:xfrm>
-          <a:off x="374604" y="1174137"/>
-          <a:ext cx="435030" cy="435030"/>
+          <a:off x="2430207" y="1344903"/>
+          <a:ext cx="2573500" cy="2573500"/>
         </a:xfrm>
-        <a:prstGeom prst="ellipse">
-          <a:avLst/>
-        </a:prstGeom>
-        <a:solidFill>
-          <a:schemeClr val="lt1">
-            <a:hueOff val="0"/>
-            <a:satOff val="0"/>
-            <a:lumOff val="0"/>
-            <a:alphaOff val="0"/>
-          </a:schemeClr>
-        </a:solidFill>
-        <a:ln w="9525" cap="flat" cmpd="sng" algn="ctr">
-          <a:solidFill>
-            <a:schemeClr val="accent1">
-              <a:hueOff val="0"/>
-              <a:satOff val="0"/>
-              <a:lumOff val="0"/>
-              <a:alphaOff val="0"/>
-            </a:schemeClr>
-          </a:solidFill>
-          <a:prstDash val="solid"/>
-        </a:ln>
-        <a:effectLst/>
-      </dsp:spPr>
-      <dsp:style>
-        <a:lnRef idx="1">
-          <a:scrgbClr r="0" g="0" b="0"/>
-        </a:lnRef>
-        <a:fillRef idx="1">
-          <a:scrgbClr r="0" g="0" b="0"/>
-        </a:fillRef>
-        <a:effectRef idx="0">
-          <a:scrgbClr r="0" g="0" b="0"/>
-        </a:effectRef>
-        <a:fontRef idx="minor"/>
-      </dsp:style>
-    </dsp:sp>
-    <dsp:sp modelId="{5930DEF3-A72A-2D48-BAE3-73FAC9AA5A44}">
-      <dsp:nvSpPr>
-        <dsp:cNvPr id="0" name=""/>
-        <dsp:cNvSpPr/>
-      </dsp:nvSpPr>
-      <dsp:spPr>
-        <a:xfrm>
-          <a:off x="515578" y="1739510"/>
-          <a:ext cx="5717445" cy="348024"/>
-        </a:xfrm>
-        <a:prstGeom prst="rect">
-          <a:avLst/>
+        <a:prstGeom prst="circularArrow">
+          <a:avLst>
+            <a:gd name="adj1" fmla="val 4688"/>
+            <a:gd name="adj2" fmla="val 299029"/>
+            <a:gd name="adj3" fmla="val 2501920"/>
+            <a:gd name="adj4" fmla="val 15892312"/>
+            <a:gd name="adj5" fmla="val 5469"/>
+          </a:avLst>
         </a:prstGeom>
         <a:gradFill rotWithShape="0">
           <a:gsLst>
             <a:gs pos="0">
               <a:schemeClr val="accent1">
+                <a:tint val="60000"/>
                 <a:hueOff val="0"/>
                 <a:satOff val="0"/>
                 <a:lumOff val="0"/>
@@ -3269,6 +2927,7 @@
             </a:gs>
             <a:gs pos="100000">
               <a:schemeClr val="accent1">
+                <a:tint val="60000"/>
                 <a:hueOff val="0"/>
                 <a:satOff val="0"/>
                 <a:lumOff val="0"/>
@@ -3306,99 +2965,31 @@
           <a:schemeClr val="lt1"/>
         </a:fontRef>
       </dsp:style>
-      <dsp:txBody>
-        <a:bodyPr spcFirstLastPara="0" vert="horz" wrap="square" lIns="276245" tIns="45720" rIns="45720" bIns="45720" numCol="1" spcCol="1270" anchor="ctr" anchorCtr="0">
-          <a:noAutofit/>
-        </a:bodyPr>
-        <a:lstStyle/>
-        <a:p>
-          <a:pPr lvl="0" algn="l" defTabSz="800100">
-            <a:lnSpc>
-              <a:spcPct val="90000"/>
-            </a:lnSpc>
-            <a:spcBef>
-              <a:spcPct val="0"/>
-            </a:spcBef>
-            <a:spcAft>
-              <a:spcPct val="35000"/>
-            </a:spcAft>
-          </a:pPr>
-          <a:r>
-            <a:rPr lang="en-US" sz="1800" kern="1200" dirty="0" smtClean="0"/>
-            <a:t>Office Hours</a:t>
-          </a:r>
-          <a:endParaRPr lang="en-US" sz="1800" kern="1200" dirty="0"/>
-        </a:p>
-      </dsp:txBody>
-      <dsp:txXfrm>
-        <a:off x="515578" y="1739510"/>
-        <a:ext cx="5717445" cy="348024"/>
-      </dsp:txXfrm>
     </dsp:sp>
-    <dsp:sp modelId="{57439A38-0057-B241-AE2E-AC6858025B3B}">
+    <dsp:sp modelId="{04C33541-52C2-944F-997B-6BC8AECE8323}">
       <dsp:nvSpPr>
         <dsp:cNvPr id="0" name=""/>
         <dsp:cNvSpPr/>
       </dsp:nvSpPr>
       <dsp:spPr>
         <a:xfrm>
-          <a:off x="298063" y="1696007"/>
-          <a:ext cx="435030" cy="435030"/>
+          <a:off x="1161900" y="848551"/>
+          <a:ext cx="1869808" cy="1869808"/>
         </a:xfrm>
-        <a:prstGeom prst="ellipse">
-          <a:avLst/>
-        </a:prstGeom>
-        <a:solidFill>
-          <a:schemeClr val="lt1">
-            <a:hueOff val="0"/>
-            <a:satOff val="0"/>
-            <a:lumOff val="0"/>
-            <a:alphaOff val="0"/>
-          </a:schemeClr>
-        </a:solidFill>
-        <a:ln w="9525" cap="flat" cmpd="sng" algn="ctr">
-          <a:solidFill>
-            <a:schemeClr val="accent1">
-              <a:hueOff val="0"/>
-              <a:satOff val="0"/>
-              <a:lumOff val="0"/>
-              <a:alphaOff val="0"/>
-            </a:schemeClr>
-          </a:solidFill>
-          <a:prstDash val="solid"/>
-        </a:ln>
-        <a:effectLst/>
-      </dsp:spPr>
-      <dsp:style>
-        <a:lnRef idx="1">
-          <a:scrgbClr r="0" g="0" b="0"/>
-        </a:lnRef>
-        <a:fillRef idx="1">
-          <a:scrgbClr r="0" g="0" b="0"/>
-        </a:fillRef>
-        <a:effectRef idx="0">
-          <a:scrgbClr r="0" g="0" b="0"/>
-        </a:effectRef>
-        <a:fontRef idx="minor"/>
-      </dsp:style>
-    </dsp:sp>
-    <dsp:sp modelId="{07E11371-BCBC-984A-A2C4-2E2B11327B8E}">
-      <dsp:nvSpPr>
-        <dsp:cNvPr id="0" name=""/>
-        <dsp:cNvSpPr/>
-      </dsp:nvSpPr>
-      <dsp:spPr>
-        <a:xfrm>
-          <a:off x="266194" y="2261380"/>
-          <a:ext cx="5966829" cy="348024"/>
-        </a:xfrm>
-        <a:prstGeom prst="rect">
-          <a:avLst/>
+        <a:prstGeom prst="leftCircularArrow">
+          <a:avLst>
+            <a:gd name="adj1" fmla="val 6452"/>
+            <a:gd name="adj2" fmla="val 429999"/>
+            <a:gd name="adj3" fmla="val 10489124"/>
+            <a:gd name="adj4" fmla="val 14837806"/>
+            <a:gd name="adj5" fmla="val 7527"/>
+          </a:avLst>
         </a:prstGeom>
         <a:gradFill rotWithShape="0">
           <a:gsLst>
             <a:gs pos="0">
               <a:schemeClr val="accent1">
+                <a:tint val="60000"/>
                 <a:hueOff val="0"/>
                 <a:satOff val="0"/>
                 <a:lumOff val="0"/>
@@ -3410,6 +3001,7 @@
             </a:gs>
             <a:gs pos="100000">
               <a:schemeClr val="accent1">
+                <a:tint val="60000"/>
                 <a:hueOff val="0"/>
                 <a:satOff val="0"/>
                 <a:lumOff val="0"/>
@@ -3447,80 +3039,79 @@
           <a:schemeClr val="lt1"/>
         </a:fontRef>
       </dsp:style>
-      <dsp:txBody>
-        <a:bodyPr spcFirstLastPara="0" vert="horz" wrap="square" lIns="276245" tIns="45720" rIns="45720" bIns="45720" numCol="1" spcCol="1270" anchor="ctr" anchorCtr="0">
-          <a:noAutofit/>
-        </a:bodyPr>
-        <a:lstStyle/>
-        <a:p>
-          <a:pPr lvl="0" algn="l" defTabSz="800100">
-            <a:lnSpc>
-              <a:spcPct val="90000"/>
-            </a:lnSpc>
-            <a:spcBef>
-              <a:spcPct val="0"/>
-            </a:spcBef>
-            <a:spcAft>
-              <a:spcPct val="35000"/>
-            </a:spcAft>
-          </a:pPr>
-          <a:r>
-            <a:rPr lang="en-US" sz="1800" kern="1200" dirty="0" smtClean="0"/>
-            <a:t>More…</a:t>
-          </a:r>
-          <a:endParaRPr lang="en-US" sz="1800" kern="1200" dirty="0"/>
-        </a:p>
-      </dsp:txBody>
-      <dsp:txXfrm>
-        <a:off x="266194" y="2261380"/>
-        <a:ext cx="5966829" cy="348024"/>
-      </dsp:txXfrm>
     </dsp:sp>
-    <dsp:sp modelId="{59610FA4-8CB7-4E49-B211-185A0DC24A03}">
+    <dsp:sp modelId="{3C948D63-6A23-514D-B7CB-258484D3FD58}">
       <dsp:nvSpPr>
         <dsp:cNvPr id="0" name=""/>
         <dsp:cNvSpPr/>
       </dsp:nvSpPr>
       <dsp:spPr>
         <a:xfrm>
-          <a:off x="48678" y="2217877"/>
-          <a:ext cx="435030" cy="435030"/>
+          <a:off x="1908453" y="-150504"/>
+          <a:ext cx="2016030" cy="2016030"/>
         </a:xfrm>
-        <a:prstGeom prst="ellipse">
-          <a:avLst/>
+        <a:prstGeom prst="circularArrow">
+          <a:avLst>
+            <a:gd name="adj1" fmla="val 5984"/>
+            <a:gd name="adj2" fmla="val 394124"/>
+            <a:gd name="adj3" fmla="val 13313824"/>
+            <a:gd name="adj4" fmla="val 10508221"/>
+            <a:gd name="adj5" fmla="val 6981"/>
+          </a:avLst>
         </a:prstGeom>
-        <a:solidFill>
-          <a:schemeClr val="lt1">
-            <a:hueOff val="0"/>
-            <a:satOff val="0"/>
-            <a:lumOff val="0"/>
-            <a:alphaOff val="0"/>
-          </a:schemeClr>
-        </a:solidFill>
-        <a:ln w="9525" cap="flat" cmpd="sng" algn="ctr">
-          <a:solidFill>
-            <a:schemeClr val="accent1">
-              <a:hueOff val="0"/>
-              <a:satOff val="0"/>
-              <a:lumOff val="0"/>
-              <a:alphaOff val="0"/>
-            </a:schemeClr>
-          </a:solidFill>
-          <a:prstDash val="solid"/>
+        <a:gradFill rotWithShape="0">
+          <a:gsLst>
+            <a:gs pos="0">
+              <a:schemeClr val="accent1">
+                <a:tint val="60000"/>
+                <a:hueOff val="0"/>
+                <a:satOff val="0"/>
+                <a:lumOff val="0"/>
+                <a:alphaOff val="0"/>
+                <a:tint val="100000"/>
+                <a:shade val="100000"/>
+                <a:satMod val="130000"/>
+              </a:schemeClr>
+            </a:gs>
+            <a:gs pos="100000">
+              <a:schemeClr val="accent1">
+                <a:tint val="60000"/>
+                <a:hueOff val="0"/>
+                <a:satOff val="0"/>
+                <a:lumOff val="0"/>
+                <a:alphaOff val="0"/>
+                <a:tint val="50000"/>
+                <a:shade val="100000"/>
+                <a:satMod val="350000"/>
+              </a:schemeClr>
+            </a:gs>
+          </a:gsLst>
+          <a:lin ang="16200000" scaled="0"/>
+        </a:gradFill>
+        <a:ln>
+          <a:noFill/>
         </a:ln>
-        <a:effectLst/>
+        <a:effectLst>
+          <a:outerShdw blurRad="40000" dist="23000" dir="5400000" rotWithShape="0">
+            <a:srgbClr val="000000">
+              <a:alpha val="35000"/>
+            </a:srgbClr>
+          </a:outerShdw>
+        </a:effectLst>
       </dsp:spPr>
       <dsp:style>
-        <a:lnRef idx="1">
+        <a:lnRef idx="0">
           <a:scrgbClr r="0" g="0" b="0"/>
         </a:lnRef>
-        <a:fillRef idx="1">
+        <a:fillRef idx="3">
           <a:scrgbClr r="0" g="0" b="0"/>
         </a:fillRef>
-        <a:effectRef idx="0">
+        <a:effectRef idx="2">
           <a:scrgbClr r="0" g="0" b="0"/>
         </a:effectRef>
-        <a:fontRef idx="minor"/>
+        <a:fontRef idx="minor">
+          <a:schemeClr val="lt1"/>
+        </a:fontRef>
       </dsp:style>
     </dsp:sp>
   </dsp:spTree>
@@ -3683,31 +3274,17 @@
 </file>
 
 <file path=ppt/diagrams/layout2.xml><?xml version="1.0" encoding="utf-8"?>
-<dgm:layoutDef xmlns:dgm="http://schemas.openxmlformats.org/drawingml/2006/diagram" xmlns:a="http://schemas.openxmlformats.org/drawingml/2006/main" uniqueId="urn:microsoft.com/office/officeart/2008/layout/VerticalCurvedList">
+<dgm:layoutDef xmlns:dgm="http://schemas.openxmlformats.org/drawingml/2006/diagram" xmlns:a="http://schemas.openxmlformats.org/drawingml/2006/main" uniqueId="urn:microsoft.com/office/officeart/2005/8/layout/gear1">
   <dgm:title val=""/>
   <dgm:desc val=""/>
   <dgm:catLst>
-    <dgm:cat type="list" pri="20000"/>
+    <dgm:cat type="relationship" pri="3000"/>
+    <dgm:cat type="process" pri="28000"/>
+    <dgm:cat type="cycle" pri="14000"/>
   </dgm:catLst>
-  <dgm:sampData>
+  <dgm:sampData useDef="1">
     <dgm:dataModel>
-      <dgm:ptLst>
-        <dgm:pt modelId="0" type="doc"/>
-        <dgm:pt modelId="1">
-          <dgm:prSet phldr="1"/>
-        </dgm:pt>
-        <dgm:pt modelId="2">
-          <dgm:prSet phldr="1"/>
-        </dgm:pt>
-        <dgm:pt modelId="3">
-          <dgm:prSet phldr="1"/>
-        </dgm:pt>
-      </dgm:ptLst>
-      <dgm:cxnLst>
-        <dgm:cxn modelId="4" srcId="0" destId="1" srcOrd="0" destOrd="0"/>
-        <dgm:cxn modelId="5" srcId="0" destId="2" srcOrd="1" destOrd="0"/>
-        <dgm:cxn modelId="6" srcId="0" destId="3" srcOrd="2" destOrd="0"/>
-      </dgm:cxnLst>
+      <dgm:ptLst/>
       <dgm:bg/>
       <dgm:whole/>
     </dgm:dataModel>
@@ -3716,12 +3293,8 @@
     <dgm:dataModel>
       <dgm:ptLst>
         <dgm:pt modelId="0" type="doc"/>
-        <dgm:pt modelId="1">
-          <dgm:prSet phldr="1"/>
-        </dgm:pt>
-        <dgm:pt modelId="2">
-          <dgm:prSet phldr="1"/>
-        </dgm:pt>
+        <dgm:pt modelId="1"/>
+        <dgm:pt modelId="2"/>
       </dgm:ptLst>
       <dgm:cxnLst>
         <dgm:cxn modelId="3" srcId="0" destId="1" srcOrd="0" destOrd="0"/>
@@ -3731,1231 +3304,444 @@
       <dgm:whole/>
     </dgm:dataModel>
   </dgm:styleData>
-  <dgm:clrData>
+  <dgm:clrData useDef="1">
     <dgm:dataModel>
-      <dgm:ptLst>
-        <dgm:pt modelId="0" type="doc"/>
-        <dgm:pt modelId="1">
-          <dgm:prSet phldr="1"/>
-        </dgm:pt>
-        <dgm:pt modelId="2">
-          <dgm:prSet phldr="1"/>
-        </dgm:pt>
-        <dgm:pt modelId="3">
-          <dgm:prSet phldr="1"/>
-        </dgm:pt>
-        <dgm:pt modelId="4">
-          <dgm:prSet phldr="1"/>
-        </dgm:pt>
-      </dgm:ptLst>
-      <dgm:cxnLst>
-        <dgm:cxn modelId="5" srcId="0" destId="1" srcOrd="0" destOrd="0"/>
-        <dgm:cxn modelId="6" srcId="0" destId="2" srcOrd="1" destOrd="0"/>
-        <dgm:cxn modelId="7" srcId="0" destId="3" srcOrd="2" destOrd="0"/>
-        <dgm:cxn modelId="8" srcId="0" destId="4" srcOrd="3" destOrd="0"/>
-      </dgm:cxnLst>
+      <dgm:ptLst/>
       <dgm:bg/>
       <dgm:whole/>
     </dgm:dataModel>
   </dgm:clrData>
-  <dgm:layoutNode name="Name0">
+  <dgm:layoutNode name="composite">
     <dgm:varLst>
-      <dgm:chMax val="7"/>
-      <dgm:chPref val="7"/>
-      <dgm:dir/>
+      <dgm:chMax val="3"/>
+      <dgm:animLvl val="lvl"/>
+      <dgm:resizeHandles val="exact"/>
     </dgm:varLst>
-    <dgm:alg type="composite"/>
+    <dgm:alg type="composite">
+      <dgm:param type="ar" val="1"/>
+    </dgm:alg>
     <dgm:shape xmlns:r="http://schemas.openxmlformats.org/officeDocument/2006/relationships" r:blip="">
       <dgm:adjLst/>
     </dgm:shape>
-    <dgm:constrLst>
-      <dgm:constr type="w" for="ch" refType="h" refFor="ch" op="gte" fact="0.8"/>
-    </dgm:constrLst>
-    <dgm:layoutNode name="Name1">
-      <dgm:alg type="composite"/>
-      <dgm:shape xmlns:r="http://schemas.openxmlformats.org/officeDocument/2006/relationships" r:blip="">
-        <dgm:adjLst/>
-      </dgm:shape>
-      <dgm:choose name="Name2">
-        <dgm:if name="Name3" func="var" arg="dir" op="equ" val="norm">
-          <dgm:choose name="Name4">
-            <dgm:if name="Name5" axis="ch" ptType="node" func="cnt" op="equ" val="1">
-              <dgm:constrLst>
-                <dgm:constr type="h" for="ch" forName="cycle" refType="h"/>
-                <dgm:constr type="w" for="ch" forName="cycle" refType="h" refFor="ch" refForName="cycle" fact="0.26"/>
-                <dgm:constr type="l" for="ch" forName="cycle"/>
-                <dgm:constr type="ctrY" for="ch" forName="cycle" refType="h" fact="0.5"/>
-                <dgm:constr type="diam" for="ch" forName="cycle" refType="h" fact="1.344"/>
-                <dgm:constr type="h" for="ch" forName="accent_1" refType="h" fact="0.625"/>
-                <dgm:constr type="w" for="ch" forName="accent_1" refType="h" refFor="ch" refForName="accent_1" op="equ"/>
-                <dgm:constr type="ctrY" for="ch" forName="accent_1" refType="h" fact="0.5"/>
-                <dgm:constr type="ctrX" for="ch" forName="accent_1" refType="h" fact="0.2253"/>
-                <dgm:constr type="l" for="ch" forName="text_1" refType="ctrX" refFor="ch" refForName="accent_1"/>
-                <dgm:constr type="r" for="ch" forName="text_1" refType="w"/>
-                <dgm:constr type="w" for="ch" forName="text_1" refType="h" refFor="ch" refForName="text_1" op="gte"/>
-                <dgm:constr type="h" for="ch" forName="text_1" refType="h" refFor="ch" refForName="accent_1" fact="0.8"/>
-                <dgm:constr type="ctrY" for="ch" forName="text_1" refType="ctrY" refFor="ch" refForName="accent_1"/>
-                <dgm:constr type="lMarg" for="ch" forName="text_1" refType="w" refFor="ch" refForName="accent_1" fact="1.8"/>
-                <dgm:constr type="primFontSz" for="ch" ptType="node" op="equ" val="65"/>
-              </dgm:constrLst>
-            </dgm:if>
-            <dgm:if name="Name6" axis="ch" ptType="node" func="cnt" op="equ" val="2">
-              <dgm:constrLst>
-                <dgm:constr type="h" for="ch" forName="cycle" refType="h"/>
-                <dgm:constr type="w" for="ch" forName="cycle" refType="h" refFor="ch" refForName="cycle" fact="0.26"/>
-                <dgm:constr type="l" for="ch" forName="cycle"/>
-                <dgm:constr type="ctrY" for="ch" forName="cycle" refType="h" fact="0.5"/>
-                <dgm:constr type="diam" for="ch" forName="cycle" refType="h" fact="1.344"/>
-                <dgm:constr type="h" for="ch" forName="accent_1" refType="h" fact="0.3571"/>
-                <dgm:constr type="w" for="ch" forName="accent_1" refType="h" refFor="ch" refForName="accent_1" op="equ"/>
-                <dgm:constr type="ctrY" for="ch" forName="accent_1" refType="h" fact="0.2857"/>
-                <dgm:constr type="ctrX" for="ch" forName="accent_1" refType="h" fact="0.1891"/>
-                <dgm:constr type="l" for="ch" forName="text_1" refType="ctrX" refFor="ch" refForName="accent_1"/>
-                <dgm:constr type="r" for="ch" forName="text_1" refType="w"/>
-                <dgm:constr type="w" for="ch" forName="text_1" refType="h" refFor="ch" refForName="text_1" op="gte"/>
-                <dgm:constr type="h" for="ch" forName="text_1" refType="h" refFor="ch" refForName="accent_1" fact="0.8"/>
-                <dgm:constr type="ctrY" for="ch" forName="text_1" refType="ctrY" refFor="ch" refForName="accent_1"/>
-                <dgm:constr type="lMarg" for="ch" forName="text_1" refType="w" refFor="ch" refForName="accent_1" fact="1.8"/>
-                <dgm:constr type="h" for="ch" forName="accent_2" refType="h" fact="0.3571"/>
-                <dgm:constr type="w" for="ch" forName="accent_2" refType="h" refFor="ch" refForName="accent_2" op="equ"/>
-                <dgm:constr type="ctrY" for="ch" forName="accent_2" refType="h" fact="0.7143"/>
-                <dgm:constr type="ctrX" for="ch" forName="accent_2" refType="h" fact="0.1891"/>
-                <dgm:constr type="l" for="ch" forName="text_2" refType="ctrX" refFor="ch" refForName="accent_2"/>
-                <dgm:constr type="r" for="ch" forName="text_2" refType="w"/>
-                <dgm:constr type="w" for="ch" forName="text_2" refType="h" refFor="ch" refForName="text_2" op="gte"/>
-                <dgm:constr type="h" for="ch" forName="text_2" refType="h" refFor="ch" refForName="accent_2" fact="0.8"/>
-                <dgm:constr type="ctrY" for="ch" forName="text_2" refType="ctrY" refFor="ch" refForName="accent_2"/>
-                <dgm:constr type="lMarg" for="ch" forName="text_2" refType="w" refFor="ch" refForName="accent_2" fact="1.8"/>
-                <dgm:constr type="primFontSz" for="ch" ptType="node" op="equ" val="65"/>
-              </dgm:constrLst>
-            </dgm:if>
-            <dgm:if name="Name7" axis="ch" ptType="node" func="cnt" op="equ" val="3">
-              <dgm:constrLst>
-                <dgm:constr type="h" for="ch" forName="cycle" refType="h"/>
-                <dgm:constr type="w" for="ch" forName="cycle" refType="h" refFor="ch" refForName="cycle" fact="0.26"/>
-                <dgm:constr type="l" for="ch" forName="cycle"/>
-                <dgm:constr type="ctrY" for="ch" forName="cycle" refType="h" fact="0.5"/>
-                <dgm:constr type="diam" for="ch" forName="cycle" refType="h" fact="1.344"/>
-                <dgm:constr type="h" for="ch" forName="accent_1" refType="h" fact="0.25"/>
-                <dgm:constr type="w" for="ch" forName="accent_1" refType="h" refFor="ch" refForName="accent_1" op="equ"/>
-                <dgm:constr type="ctrY" for="ch" forName="accent_1" refType="h" fact="0.2"/>
-                <dgm:constr type="ctrX" for="ch" forName="accent_1" refType="h" fact="0.1526"/>
-                <dgm:constr type="l" for="ch" forName="text_1" refType="ctrX" refFor="ch" refForName="accent_1"/>
-                <dgm:constr type="r" for="ch" forName="text_1" refType="w"/>
-                <dgm:constr type="w" for="ch" forName="text_1" refType="h" refFor="ch" refForName="text_1" op="gte"/>
-                <dgm:constr type="h" for="ch" forName="text_1" refType="h" refFor="ch" refForName="accent_1" fact="0.8"/>
-                <dgm:constr type="ctrY" for="ch" forName="text_1" refType="ctrY" refFor="ch" refForName="accent_1"/>
-                <dgm:constr type="lMarg" for="ch" forName="text_1" refType="w" refFor="ch" refForName="accent_1" fact="1.8"/>
-                <dgm:constr type="h" for="ch" forName="accent_2" refType="h" fact="0.25"/>
-                <dgm:constr type="w" for="ch" forName="accent_2" refType="h" refFor="ch" refForName="accent_2" op="equ"/>
-                <dgm:constr type="ctrY" for="ch" forName="accent_2" refType="h" fact="0.5"/>
-                <dgm:constr type="ctrX" for="ch" forName="accent_2" refType="h" fact="0.2253"/>
-                <dgm:constr type="l" for="ch" forName="text_2" refType="ctrX" refFor="ch" refForName="accent_2"/>
-                <dgm:constr type="r" for="ch" forName="text_2" refType="w"/>
-                <dgm:constr type="w" for="ch" forName="text_2" refType="h" refFor="ch" refForName="text_2" op="gte"/>
-                <dgm:constr type="h" for="ch" forName="text_2" refType="h" refFor="ch" refForName="accent_2" fact="0.8"/>
-                <dgm:constr type="ctrY" for="ch" forName="text_2" refType="ctrY" refFor="ch" refForName="accent_2"/>
-                <dgm:constr type="lMarg" for="ch" forName="text_2" refType="w" refFor="ch" refForName="accent_2" fact="1.8"/>
-                <dgm:constr type="h" for="ch" forName="accent_3" refType="h" fact="0.25"/>
-                <dgm:constr type="w" for="ch" forName="accent_3" refType="h" refFor="ch" refForName="accent_3" op="equ"/>
-                <dgm:constr type="ctrY" for="ch" forName="accent_3" refType="h" fact="0.8"/>
-                <dgm:constr type="ctrX" for="ch" forName="accent_3" refType="h" fact="0.1526"/>
-                <dgm:constr type="l" for="ch" forName="text_3" refType="ctrX" refFor="ch" refForName="accent_3"/>
-                <dgm:constr type="r" for="ch" forName="text_3" refType="w"/>
-                <dgm:constr type="w" for="ch" forName="text_3" refType="h" refFor="ch" refForName="text_3" op="gte"/>
-                <dgm:constr type="h" for="ch" forName="text_3" refType="h" refFor="ch" refForName="accent_3" fact="0.8"/>
-                <dgm:constr type="ctrY" for="ch" forName="text_3" refType="ctrY" refFor="ch" refForName="accent_3"/>
-                <dgm:constr type="lMarg" for="ch" forName="text_3" refType="w" refFor="ch" refForName="accent_3" fact="1.8"/>
-                <dgm:constr type="primFontSz" for="ch" ptType="node" op="equ" val="65"/>
-              </dgm:constrLst>
-            </dgm:if>
-            <dgm:if name="Name8" axis="ch" ptType="node" func="cnt" op="equ" val="4">
-              <dgm:constrLst>
-                <dgm:constr type="h" for="ch" forName="cycle" refType="h"/>
-                <dgm:constr type="w" for="ch" forName="cycle" refType="h" refFor="ch" refForName="cycle" fact="0.26"/>
-                <dgm:constr type="l" for="ch" forName="cycle"/>
-                <dgm:constr type="ctrY" for="ch" forName="cycle" refType="h" fact="0.5"/>
-                <dgm:constr type="diam" for="ch" forName="cycle" refType="h" fact="1.344"/>
-                <dgm:constr type="h" for="ch" forName="accent_1" refType="h" fact="0.1923"/>
-                <dgm:constr type="w" for="ch" forName="accent_1" refType="h" refFor="ch" refForName="accent_1" op="equ"/>
-                <dgm:constr type="ctrY" for="ch" forName="accent_1" refType="h" fact="0.1538"/>
-                <dgm:constr type="ctrX" for="ch" forName="accent_1" refType="h" fact="0.1268"/>
-                <dgm:constr type="l" for="ch" forName="text_1" refType="ctrX" refFor="ch" refForName="accent_1"/>
-                <dgm:constr type="r" for="ch" forName="text_1" refType="w"/>
-                <dgm:constr type="w" for="ch" forName="text_1" refType="h" refFor="ch" refForName="text_1" op="gte"/>
-                <dgm:constr type="h" for="ch" forName="text_1" refType="h" refFor="ch" refForName="accent_1" fact="0.8"/>
-                <dgm:constr type="ctrY" for="ch" forName="text_1" refType="ctrY" refFor="ch" refForName="accent_1"/>
-                <dgm:constr type="lMarg" for="ch" forName="text_1" refType="w" refFor="ch" refForName="accent_1" fact="1.8"/>
-                <dgm:constr type="h" for="ch" forName="accent_2" refType="h" fact="0.1923"/>
-                <dgm:constr type="w" for="ch" forName="accent_2" refType="h" refFor="ch" refForName="accent_2" op="equ"/>
-                <dgm:constr type="ctrY" for="ch" forName="accent_2" refType="h" fact="0.3846"/>
-                <dgm:constr type="ctrX" for="ch" forName="accent_2" refType="h" fact="0.215"/>
-                <dgm:constr type="l" for="ch" forName="text_2" refType="ctrX" refFor="ch" refForName="accent_2"/>
-                <dgm:constr type="r" for="ch" forName="text_2" refType="w"/>
-                <dgm:constr type="w" for="ch" forName="text_2" refType="h" refFor="ch" refForName="text_2" op="gte"/>
-                <dgm:constr type="h" for="ch" forName="text_2" refType="h" refFor="ch" refForName="accent_2" fact="0.8"/>
-                <dgm:constr type="ctrY" for="ch" forName="text_2" refType="ctrY" refFor="ch" refForName="accent_2"/>
-                <dgm:constr type="lMarg" for="ch" forName="text_2" refType="w" refFor="ch" refForName="accent_2" fact="1.8"/>
-                <dgm:constr type="h" for="ch" forName="accent_3" refType="h" fact="0.1923"/>
-                <dgm:constr type="w" for="ch" forName="accent_3" refType="h" refFor="ch" refForName="accent_3" op="equ"/>
-                <dgm:constr type="ctrY" for="ch" forName="accent_3" refType="h" fact="0.6154"/>
-                <dgm:constr type="ctrX" for="ch" forName="accent_3" refType="h" fact="0.215"/>
-                <dgm:constr type="l" for="ch" forName="text_3" refType="ctrX" refFor="ch" refForName="accent_3"/>
-                <dgm:constr type="r" for="ch" forName="text_3" refType="w"/>
-                <dgm:constr type="w" for="ch" forName="text_3" refType="h" refFor="ch" refForName="text_3" op="gte"/>
-                <dgm:constr type="h" for="ch" forName="text_3" refType="h" refFor="ch" refForName="accent_3" fact="0.8"/>
-                <dgm:constr type="ctrY" for="ch" forName="text_3" refType="ctrY" refFor="ch" refForName="accent_3"/>
-                <dgm:constr type="lMarg" for="ch" forName="text_3" refType="w" refFor="ch" refForName="accent_3" fact="1.8"/>
-                <dgm:constr type="h" for="ch" forName="accent_4" refType="h" fact="0.1923"/>
-                <dgm:constr type="w" for="ch" forName="accent_4" refType="h" refFor="ch" refForName="accent_4" op="equ"/>
-                <dgm:constr type="ctrY" for="ch" forName="accent_4" refType="h" fact="0.8462"/>
-                <dgm:constr type="ctrX" for="ch" forName="accent_4" refType="h" fact="0.1268"/>
-                <dgm:constr type="l" for="ch" forName="text_4" refType="ctrX" refFor="ch" refForName="accent_4"/>
-                <dgm:constr type="r" for="ch" forName="text_4" refType="w"/>
-                <dgm:constr type="w" for="ch" forName="text_4" refType="h" refFor="ch" refForName="text_4" op="gte"/>
-                <dgm:constr type="h" for="ch" forName="text_4" refType="h" refFor="ch" refForName="accent_4" fact="0.8"/>
-                <dgm:constr type="ctrY" for="ch" forName="text_4" refType="ctrY" refFor="ch" refForName="accent_4"/>
-                <dgm:constr type="lMarg" for="ch" forName="text_4" refType="w" refFor="ch" refForName="accent_4" fact="1.8"/>
-                <dgm:constr type="primFontSz" for="ch" ptType="node" op="equ" val="65"/>
-              </dgm:constrLst>
-            </dgm:if>
-            <dgm:if name="Name9" axis="ch" ptType="node" func="cnt" op="equ" val="5">
-              <dgm:constrLst>
-                <dgm:constr type="h" for="ch" forName="cycle" refType="h"/>
-                <dgm:constr type="w" for="ch" forName="cycle" refType="h" refFor="ch" refForName="cycle" fact="0.26"/>
-                <dgm:constr type="l" for="ch" forName="cycle"/>
-                <dgm:constr type="ctrY" for="ch" forName="cycle" refType="h" fact="0.5"/>
-                <dgm:constr type="diam" for="ch" forName="cycle" refType="h" fact="1.344"/>
-                <dgm:constr type="h" for="ch" forName="accent_1" refType="h" fact="0.1563"/>
-                <dgm:constr type="w" for="ch" forName="accent_1" refType="h" refFor="ch" refForName="accent_1" op="equ"/>
-                <dgm:constr type="ctrY" for="ch" forName="accent_1" refType="h" fact="0.125"/>
-                <dgm:constr type="ctrX" for="ch" forName="accent_1" refType="h" fact="0.1082"/>
-                <dgm:constr type="l" for="ch" forName="text_1" refType="ctrX" refFor="ch" refForName="accent_1"/>
-                <dgm:constr type="r" for="ch" forName="text_1" refType="w"/>
-                <dgm:constr type="w" for="ch" forName="text_1" refType="h" refFor="ch" refForName="text_1" op="gte"/>
-                <dgm:constr type="h" for="ch" forName="text_1" refType="h" refFor="ch" refForName="accent_1" fact="0.8"/>
-                <dgm:constr type="ctrY" for="ch" forName="text_1" refType="ctrY" refFor="ch" refForName="accent_1"/>
-                <dgm:constr type="lMarg" for="ch" forName="text_1" refType="w" refFor="ch" refForName="accent_1" fact="1.8"/>
-                <dgm:constr type="h" for="ch" forName="accent_2" refType="h" fact="0.1563"/>
-                <dgm:constr type="w" for="ch" forName="accent_2" refType="h" refFor="ch" refForName="accent_2" op="equ"/>
-                <dgm:constr type="ctrY" for="ch" forName="accent_2" refType="h" fact="0.3125"/>
-                <dgm:constr type="ctrX" for="ch" forName="accent_2" refType="h" fact="0.1978"/>
-                <dgm:constr type="l" for="ch" forName="text_2" refType="ctrX" refFor="ch" refForName="accent_2"/>
-                <dgm:constr type="r" for="ch" forName="text_2" refType="w"/>
-                <dgm:constr type="w" for="ch" forName="text_2" refType="h" refFor="ch" refForName="text_2" op="gte"/>
-                <dgm:constr type="h" for="ch" forName="text_2" refType="h" refFor="ch" refForName="accent_2" fact="0.8"/>
-                <dgm:constr type="ctrY" for="ch" forName="text_2" refType="ctrY" refFor="ch" refForName="accent_2"/>
-                <dgm:constr type="lMarg" for="ch" forName="text_2" refType="w" refFor="ch" refForName="accent_2" fact="1.8"/>
-                <dgm:constr type="h" for="ch" forName="accent_3" refType="h" fact="0.1563"/>
-                <dgm:constr type="w" for="ch" forName="accent_3" refType="h" refFor="ch" refForName="accent_3" op="equ"/>
-                <dgm:constr type="ctrY" for="ch" forName="accent_3" refType="h" fact="0.5"/>
-                <dgm:constr type="ctrX" for="ch" forName="accent_3" refType="h" fact="0.2253"/>
-                <dgm:constr type="l" for="ch" forName="text_3" refType="ctrX" refFor="ch" refForName="accent_3"/>
-                <dgm:constr type="r" for="ch" forName="text_3" refType="w"/>
-                <dgm:constr type="w" for="ch" forName="text_3" refType="h" refFor="ch" refForName="text_3" op="gte"/>
-                <dgm:constr type="h" for="ch" forName="text_3" refType="h" refFor="ch" refForName="accent_3" fact="0.8"/>
-                <dgm:constr type="ctrY" for="ch" forName="text_3" refType="ctrY" refFor="ch" refForName="accent_3"/>
-                <dgm:constr type="lMarg" for="ch" forName="text_3" refType="w" refFor="ch" refForName="accent_3" fact="1.8"/>
-                <dgm:constr type="h" for="ch" forName="accent_4" refType="h" fact="0.1563"/>
-                <dgm:constr type="w" for="ch" forName="accent_4" refType="h" refFor="ch" refForName="accent_4" op="equ"/>
-                <dgm:constr type="ctrY" for="ch" forName="accent_4" refType="h" fact="0.6875"/>
-                <dgm:constr type="ctrX" for="ch" forName="accent_4" refType="h" fact="0.1978"/>
-                <dgm:constr type="l" for="ch" forName="text_4" refType="ctrX" refFor="ch" refForName="accent_4"/>
-                <dgm:constr type="r" for="ch" forName="text_4" refType="w"/>
-                <dgm:constr type="w" for="ch" forName="text_4" refType="h" refFor="ch" refForName="text_4" op="gte"/>
-                <dgm:constr type="h" for="ch" forName="text_4" refType="h" refFor="ch" refForName="accent_4" fact="0.8"/>
-                <dgm:constr type="ctrY" for="ch" forName="text_4" refType="ctrY" refFor="ch" refForName="accent_4"/>
-                <dgm:constr type="lMarg" for="ch" forName="text_4" refType="w" refFor="ch" refForName="accent_4" fact="1.8"/>
-                <dgm:constr type="h" for="ch" forName="accent_5" refType="h" fact="0.1563"/>
-                <dgm:constr type="w" for="ch" forName="accent_5" refType="h" refFor="ch" refForName="accent_5" op="equ"/>
-                <dgm:constr type="ctrY" for="ch" forName="accent_5" refType="h" fact="0.875"/>
-                <dgm:constr type="ctrX" for="ch" forName="accent_5" refType="h" fact="0.1082"/>
-                <dgm:constr type="l" for="ch" forName="text_5" refType="ctrX" refFor="ch" refForName="accent_5"/>
-                <dgm:constr type="r" for="ch" forName="text_5" refType="w"/>
-                <dgm:constr type="w" for="ch" forName="text_5" refType="h" refFor="ch" refForName="text_5" op="gte"/>
-                <dgm:constr type="h" for="ch" forName="text_5" refType="h" refFor="ch" refForName="accent_5" fact="0.8"/>
-                <dgm:constr type="ctrY" for="ch" forName="text_5" refType="ctrY" refFor="ch" refForName="accent_5"/>
-                <dgm:constr type="lMarg" for="ch" forName="text_5" refType="w" refFor="ch" refForName="accent_5" fact="1.8"/>
-                <dgm:constr type="primFontSz" for="ch" ptType="node" op="equ" val="65"/>
-              </dgm:constrLst>
-            </dgm:if>
-            <dgm:if name="Name10" axis="ch" ptType="node" func="cnt" op="equ" val="6">
-              <dgm:constrLst>
-                <dgm:constr type="h" for="ch" forName="cycle" refType="h"/>
-                <dgm:constr type="w" for="ch" forName="cycle" refType="h" refFor="ch" refForName="cycle" fact="0.26"/>
-                <dgm:constr type="l" for="ch" forName="cycle"/>
-                <dgm:constr type="ctrY" for="ch" forName="cycle" refType="h" fact="0.5"/>
-                <dgm:constr type="diam" for="ch" forName="cycle" refType="h" fact="1.344"/>
-                <dgm:constr type="h" for="ch" forName="accent_1" refType="h" fact="0.1316"/>
-                <dgm:constr type="w" for="ch" forName="accent_1" refType="h" refFor="ch" refForName="accent_1" op="equ"/>
-                <dgm:constr type="ctrY" for="ch" forName="accent_1" refType="h" fact="0.1053"/>
-                <dgm:constr type="ctrX" for="ch" forName="accent_1" refType="h" fact="0.0943"/>
-                <dgm:constr type="l" for="ch" forName="text_1" refType="ctrX" refFor="ch" refForName="accent_1"/>
-                <dgm:constr type="r" for="ch" forName="text_1" refType="w"/>
-                <dgm:constr type="w" for="ch" forName="text_1" refType="h" refFor="ch" refForName="text_1" op="gte"/>
-                <dgm:constr type="h" for="ch" forName="text_1" refType="h" refFor="ch" refForName="accent_1" fact="0.8"/>
-                <dgm:constr type="ctrY" for="ch" forName="text_1" refType="ctrY" refFor="ch" refForName="accent_1"/>
-                <dgm:constr type="lMarg" for="ch" forName="text_1" refType="w" refFor="ch" refForName="accent_1" fact="1.8"/>
-                <dgm:constr type="h" for="ch" forName="accent_2" refType="h" fact="0.1316"/>
-                <dgm:constr type="w" for="ch" forName="accent_2" refType="h" refFor="ch" refForName="accent_2" op="equ"/>
-                <dgm:constr type="ctrY" for="ch" forName="accent_2" refType="h" fact="0.2632"/>
-                <dgm:constr type="ctrX" for="ch" forName="accent_2" refType="h" fact="0.1809"/>
-                <dgm:constr type="l" for="ch" forName="text_2" refType="ctrX" refFor="ch" refForName="accent_2"/>
-                <dgm:constr type="r" for="ch" forName="text_2" refType="w"/>
-                <dgm:constr type="w" for="ch" forName="text_2" refType="h" refFor="ch" refForName="text_2" op="gte"/>
-                <dgm:constr type="h" for="ch" forName="text_2" refType="h" refFor="ch" refForName="accent_2" fact="0.8"/>
-                <dgm:constr type="ctrY" for="ch" forName="text_2" refType="ctrY" refFor="ch" refForName="accent_2"/>
-                <dgm:constr type="lMarg" for="ch" forName="text_2" refType="w" refFor="ch" refForName="accent_2" fact="1.8"/>
-                <dgm:constr type="h" for="ch" forName="accent_3" refType="h" fact="0.1316"/>
-                <dgm:constr type="w" for="ch" forName="accent_3" refType="h" refFor="ch" refForName="accent_3" op="equ"/>
-                <dgm:constr type="ctrY" for="ch" forName="accent_3" refType="h" fact="0.4211"/>
-                <dgm:constr type="ctrX" for="ch" forName="accent_3" refType="h" fact="0.2205"/>
-                <dgm:constr type="l" for="ch" forName="text_3" refType="ctrX" refFor="ch" refForName="accent_3"/>
-                <dgm:constr type="r" for="ch" forName="text_3" refType="w"/>
-                <dgm:constr type="w" for="ch" forName="text_3" refType="h" refFor="ch" refForName="text_3" op="gte"/>
-                <dgm:constr type="h" for="ch" forName="text_3" refType="h" refFor="ch" refForName="accent_3" fact="0.8"/>
-                <dgm:constr type="ctrY" for="ch" forName="text_3" refType="ctrY" refFor="ch" refForName="accent_3"/>
-                <dgm:constr type="lMarg" for="ch" forName="text_3" refType="w" refFor="ch" refForName="accent_3" fact="1.8"/>
-                <dgm:constr type="h" for="ch" forName="accent_4" refType="h" fact="0.1316"/>
-                <dgm:constr type="w" for="ch" forName="accent_4" refType="h" refFor="ch" refForName="accent_4" op="equ"/>
-                <dgm:constr type="ctrY" for="ch" forName="accent_4" refType="h" fact="0.5789"/>
-                <dgm:constr type="ctrX" for="ch" forName="accent_4" refType="h" fact="0.2205"/>
-                <dgm:constr type="l" for="ch" forName="text_4" refType="ctrX" refFor="ch" refForName="accent_4"/>
-                <dgm:constr type="r" for="ch" forName="text_4" refType="w"/>
-                <dgm:constr type="w" for="ch" forName="text_4" refType="h" refFor="ch" refForName="text_4" op="gte"/>
-                <dgm:constr type="h" for="ch" forName="text_4" refType="h" refFor="ch" refForName="accent_4" fact="0.8"/>
-                <dgm:constr type="ctrY" for="ch" forName="text_4" refType="ctrY" refFor="ch" refForName="accent_4"/>
-                <dgm:constr type="lMarg" for="ch" forName="text_4" refType="w" refFor="ch" refForName="accent_4" fact="1.8"/>
-                <dgm:constr type="h" for="ch" forName="accent_5" refType="h" fact="0.1316"/>
-                <dgm:constr type="w" for="ch" forName="accent_5" refType="h" refFor="ch" refForName="accent_5" op="equ"/>
-                <dgm:constr type="ctrY" for="ch" forName="accent_5" refType="h" fact="0.7368"/>
-                <dgm:constr type="ctrX" for="ch" forName="accent_5" refType="h" fact="0.1809"/>
-                <dgm:constr type="l" for="ch" forName="text_5" refType="ctrX" refFor="ch" refForName="accent_5"/>
-                <dgm:constr type="r" for="ch" forName="text_5" refType="w"/>
-                <dgm:constr type="w" for="ch" forName="text_5" refType="h" refFor="ch" refForName="text_5" op="gte"/>
-                <dgm:constr type="h" for="ch" forName="text_5" refType="h" refFor="ch" refForName="accent_5" fact="0.8"/>
-                <dgm:constr type="ctrY" for="ch" forName="text_5" refType="ctrY" refFor="ch" refForName="accent_5"/>
-                <dgm:constr type="lMarg" for="ch" forName="text_5" refType="w" refFor="ch" refForName="accent_5" fact="1.8"/>
-                <dgm:constr type="h" for="ch" forName="accent_6" refType="h" fact="0.1316"/>
-                <dgm:constr type="w" for="ch" forName="accent_6" refType="h" refFor="ch" refForName="accent_6" op="equ"/>
-                <dgm:constr type="ctrY" for="ch" forName="accent_6" refType="h" fact="0.8947"/>
-                <dgm:constr type="ctrX" for="ch" forName="accent_6" refType="h" fact="0.0943"/>
-                <dgm:constr type="l" for="ch" forName="text_6" refType="ctrX" refFor="ch" refForName="accent_6"/>
-                <dgm:constr type="r" for="ch" forName="text_6" refType="w"/>
-                <dgm:constr type="w" for="ch" forName="text_6" refType="h" refFor="ch" refForName="text_6" op="gte"/>
-                <dgm:constr type="h" for="ch" forName="text_6" refType="h" refFor="ch" refForName="accent_6" fact="0.8"/>
-                <dgm:constr type="ctrY" for="ch" forName="text_6" refType="ctrY" refFor="ch" refForName="accent_6"/>
-                <dgm:constr type="lMarg" for="ch" forName="text_6" refType="w" refFor="ch" refForName="accent_6" fact="1.8"/>
-                <dgm:constr type="primFontSz" for="ch" ptType="node" op="equ" val="65"/>
-              </dgm:constrLst>
-            </dgm:if>
-            <dgm:else name="Name11">
-              <dgm:constrLst>
-                <dgm:constr type="h" for="ch" forName="cycle" refType="h"/>
-                <dgm:constr type="w" for="ch" forName="cycle" refType="h" refFor="ch" refForName="cycle" fact="0.26"/>
-                <dgm:constr type="l" for="ch" forName="cycle"/>
-                <dgm:constr type="ctrY" for="ch" forName="cycle" refType="h" fact="0.5"/>
-                <dgm:constr type="diam" for="ch" forName="cycle" refType="h" fact="1.344"/>
-                <dgm:constr type="h" for="ch" forName="accent_1" refType="h" fact="0.1136"/>
-                <dgm:constr type="w" for="ch" forName="accent_1" refType="h" refFor="ch" refForName="accent_1" op="equ"/>
-                <dgm:constr type="ctrY" for="ch" forName="accent_1" refType="h" fact="0.0909"/>
-                <dgm:constr type="ctrX" for="ch" forName="accent_1" refType="h" fact="0.0835"/>
-                <dgm:constr type="l" for="ch" forName="text_1" refType="ctrX" refFor="ch" refForName="accent_1"/>
-                <dgm:constr type="r" for="ch" forName="text_1" refType="w"/>
-                <dgm:constr type="w" for="ch" forName="text_1" refType="h" refFor="ch" refForName="text_1" op="gte"/>
-                <dgm:constr type="h" for="ch" forName="text_1" refType="h" refFor="ch" refForName="accent_1" fact="0.8"/>
-                <dgm:constr type="ctrY" for="ch" forName="text_1" refType="ctrY" refFor="ch" refForName="accent_1"/>
-                <dgm:constr type="lMarg" for="ch" forName="text_1" refType="w" refFor="ch" refForName="accent_1" fact="1.8"/>
-                <dgm:constr type="h" for="ch" forName="accent_2" refType="h" fact="0.1136"/>
-                <dgm:constr type="w" for="ch" forName="accent_2" refType="h" refFor="ch" refForName="accent_2" op="equ"/>
-                <dgm:constr type="ctrY" for="ch" forName="accent_2" refType="h" fact="0.2273"/>
-                <dgm:constr type="ctrX" for="ch" forName="accent_2" refType="h" fact="0.1658"/>
-                <dgm:constr type="l" for="ch" forName="text_2" refType="ctrX" refFor="ch" refForName="accent_2"/>
-                <dgm:constr type="r" for="ch" forName="text_2" refType="w"/>
-                <dgm:constr type="w" for="ch" forName="text_2" refType="h" refFor="ch" refForName="text_2" op="gte"/>
-                <dgm:constr type="h" for="ch" forName="text_2" refType="h" refFor="ch" refForName="accent_2" fact="0.8"/>
-                <dgm:constr type="ctrY" for="ch" forName="text_2" refType="ctrY" refFor="ch" refForName="accent_2"/>
-                <dgm:constr type="lMarg" for="ch" forName="text_2" refType="w" refFor="ch" refForName="accent_2" fact="1.8"/>
-                <dgm:constr type="h" for="ch" forName="accent_3" refType="h" fact="0.1136"/>
-                <dgm:constr type="w" for="ch" forName="accent_3" refType="h" refFor="ch" refForName="accent_3" op="equ"/>
-                <dgm:constr type="ctrY" for="ch" forName="accent_3" refType="h" fact="0.3636"/>
-                <dgm:constr type="ctrX" for="ch" forName="accent_3" refType="h" fact="0.2109"/>
-                <dgm:constr type="l" for="ch" forName="text_3" refType="ctrX" refFor="ch" refForName="accent_3"/>
-                <dgm:constr type="r" for="ch" forName="text_3" refType="w"/>
-                <dgm:constr type="w" for="ch" forName="text_3" refType="h" refFor="ch" refForName="text_3" op="gte"/>
-                <dgm:constr type="h" for="ch" forName="text_3" refType="h" refFor="ch" refForName="accent_3" fact="0.8"/>
-                <dgm:constr type="ctrY" for="ch" forName="text_3" refType="ctrY" refFor="ch" refForName="accent_3"/>
-                <dgm:constr type="lMarg" for="ch" forName="text_3" refType="w" refFor="ch" refForName="accent_3" fact="1.8"/>
-                <dgm:constr type="h" for="ch" forName="accent_4" refType="h" fact="0.1136"/>
-                <dgm:constr type="w" for="ch" forName="accent_4" refType="h" refFor="ch" refForName="accent_4" op="equ"/>
-                <dgm:constr type="ctrY" for="ch" forName="accent_4" refType="h" fact="0.5"/>
-                <dgm:constr type="ctrX" for="ch" forName="accent_4" refType="h" fact="0.2253"/>
-                <dgm:constr type="l" for="ch" forName="text_4" refType="ctrX" refFor="ch" refForName="accent_4"/>
-                <dgm:constr type="r" for="ch" forName="text_4" refType="w"/>
-                <dgm:constr type="w" for="ch" forName="text_4" refType="h" refFor="ch" refForName="text_4" op="gte"/>
-                <dgm:constr type="h" for="ch" forName="text_4" refType="h" refFor="ch" refForName="accent_4" fact="0.8"/>
-                <dgm:constr type="ctrY" for="ch" forName="text_4" refType="ctrY" refFor="ch" refForName="accent_4"/>
-                <dgm:constr type="lMarg" for="ch" forName="text_4" refType="w" refFor="ch" refForName="accent_4" fact="1.8"/>
-                <dgm:constr type="h" for="ch" forName="accent_5" refType="h" fact="0.1136"/>
-                <dgm:constr type="w" for="ch" forName="accent_5" refType="h" refFor="ch" refForName="accent_5" op="equ"/>
-                <dgm:constr type="ctrY" for="ch" forName="accent_5" refType="h" fact="0.6364"/>
-                <dgm:constr type="ctrX" for="ch" forName="accent_5" refType="h" fact="0.2109"/>
-                <dgm:constr type="l" for="ch" forName="text_5" refType="ctrX" refFor="ch" refForName="accent_5"/>
-                <dgm:constr type="r" for="ch" forName="text_5" refType="w"/>
-                <dgm:constr type="w" for="ch" forName="text_5" refType="h" refFor="ch" refForName="text_5" op="gte"/>
-                <dgm:constr type="h" for="ch" forName="text_5" refType="h" refFor="ch" refForName="accent_5" fact="0.8"/>
-                <dgm:constr type="ctrY" for="ch" forName="text_5" refType="ctrY" refFor="ch" refForName="accent_5"/>
-                <dgm:constr type="lMarg" for="ch" forName="text_5" refType="w" refFor="ch" refForName="accent_5" fact="1.8"/>
-                <dgm:constr type="h" for="ch" forName="accent_6" refType="h" fact="0.1136"/>
-                <dgm:constr type="w" for="ch" forName="accent_6" refType="h" refFor="ch" refForName="accent_6" op="equ"/>
-                <dgm:constr type="ctrY" for="ch" forName="accent_6" refType="h" fact="0.7727"/>
-                <dgm:constr type="ctrX" for="ch" forName="accent_6" refType="h" fact="0.1658"/>
-                <dgm:constr type="l" for="ch" forName="text_6" refType="ctrX" refFor="ch" refForName="accent_6"/>
-                <dgm:constr type="r" for="ch" forName="text_6" refType="w"/>
-                <dgm:constr type="w" for="ch" forName="text_6" refType="h" refFor="ch" refForName="text_6" op="gte"/>
-                <dgm:constr type="h" for="ch" forName="text_6" refType="h" refFor="ch" refForName="accent_6" fact="0.8"/>
-                <dgm:constr type="ctrY" for="ch" forName="text_6" refType="ctrY" refFor="ch" refForName="accent_6"/>
-                <dgm:constr type="lMarg" for="ch" forName="text_6" refType="w" refFor="ch" refForName="accent_6" fact="1.8"/>
-                <dgm:constr type="h" for="ch" forName="accent_7" refType="h" fact="0.1136"/>
-                <dgm:constr type="w" for="ch" forName="accent_7" refType="h" refFor="ch" refForName="accent_7" op="equ"/>
-                <dgm:constr type="ctrY" for="ch" forName="accent_7" refType="h" fact="0.9091"/>
-                <dgm:constr type="ctrX" for="ch" forName="accent_7" refType="h" fact="0.0835"/>
-                <dgm:constr type="l" for="ch" forName="text_7" refType="ctrX" refFor="ch" refForName="accent_7"/>
-                <dgm:constr type="r" for="ch" forName="text_7" refType="w"/>
-                <dgm:constr type="w" for="ch" forName="text_7" refType="h" refFor="ch" refForName="text_7" op="gte"/>
-                <dgm:constr type="h" for="ch" forName="text_7" refType="h" refFor="ch" refForName="accent_7" fact="0.8"/>
-                <dgm:constr type="ctrY" for="ch" forName="text_7" refType="ctrY" refFor="ch" refForName="accent_7"/>
-                <dgm:constr type="lMarg" for="ch" forName="text_7" refType="w" refFor="ch" refForName="accent_7" fact="1.8"/>
-                <dgm:constr type="primFontSz" for="ch" ptType="node" op="equ" val="65"/>
-              </dgm:constrLst>
-            </dgm:else>
-          </dgm:choose>
-        </dgm:if>
-        <dgm:else name="Name12">
-          <dgm:choose name="Name13">
-            <dgm:if name="Name14" axis="ch" ptType="node" func="cnt" op="equ" val="1">
-              <dgm:constrLst>
-                <dgm:constr type="h" for="ch" forName="cycle" refType="h"/>
-                <dgm:constr type="w" for="ch" forName="cycle" refType="h" refFor="ch" refForName="cycle" fact="0.26"/>
-                <dgm:constr type="r" for="ch" forName="cycle" refType="w"/>
-                <dgm:constr type="ctrY" for="ch" forName="cycle" refType="h" fact="0.5"/>
-                <dgm:constr type="diam" for="ch" forName="cycle" refType="h" fact="1.344"/>
-                <dgm:constr type="h" for="ch" forName="accent_1" refType="h" fact="0.625"/>
-                <dgm:constr type="w" for="ch" forName="accent_1" refType="h" refFor="ch" refForName="accent_1" op="equ"/>
-                <dgm:constr type="ctrY" for="ch" forName="accent_1" refType="h" fact="0.5"/>
-                <dgm:constr type="ctrX" for="ch" forName="accent_1" refType="w"/>
-                <dgm:constr type="ctrXOff" for="ch" forName="accent_1" refType="h" fact="-0.2253"/>
-                <dgm:constr type="r" for="ch" forName="text_1" refType="ctrX" refFor="ch" refForName="accent_1"/>
-                <dgm:constr type="rOff" for="ch" forName="text_1" refType="ctrXOff" refFor="ch" refForName="accent_1"/>
-                <dgm:constr type="l" for="ch" forName="text_1"/>
-                <dgm:constr type="w" for="ch" forName="text_1" refType="h" refFor="ch" refForName="text_1" op="gte"/>
-                <dgm:constr type="h" for="ch" forName="text_1" refType="h" refFor="ch" refForName="accent_1" fact="0.8"/>
-                <dgm:constr type="ctrY" for="ch" forName="text_1" refType="ctrY" refFor="ch" refForName="accent_1"/>
-                <dgm:constr type="rMarg" for="ch" forName="text_1" refType="w" refFor="ch" refForName="accent_1" fact="1.8"/>
-                <dgm:constr type="primFontSz" for="ch" ptType="node" op="equ" val="65"/>
-              </dgm:constrLst>
-            </dgm:if>
-            <dgm:if name="Name15" axis="ch" ptType="node" func="cnt" op="equ" val="2">
-              <dgm:constrLst>
-                <dgm:constr type="h" for="ch" forName="cycle" refType="h"/>
-                <dgm:constr type="w" for="ch" forName="cycle" refType="h" refFor="ch" refForName="cycle" fact="0.26"/>
-                <dgm:constr type="r" for="ch" forName="cycle" refType="w"/>
-                <dgm:constr type="ctrY" for="ch" forName="cycle" refType="h" fact="0.5"/>
-                <dgm:constr type="diam" for="ch" forName="cycle" refType="h" fact="1.344"/>
-                <dgm:constr type="h" for="ch" forName="accent_1" refType="h" fact="0.3571"/>
-                <dgm:constr type="w" for="ch" forName="accent_1" refType="h" refFor="ch" refForName="accent_1" op="equ"/>
-                <dgm:constr type="ctrY" for="ch" forName="accent_1" refType="h" fact="0.2857"/>
-                <dgm:constr type="ctrX" for="ch" forName="accent_1" refType="w"/>
-                <dgm:constr type="ctrXOff" for="ch" forName="accent_1" refType="h" fact="-0.1891"/>
-                <dgm:constr type="r" for="ch" forName="text_1" refType="ctrX" refFor="ch" refForName="accent_1"/>
-                <dgm:constr type="rOff" for="ch" forName="text_1" refType="ctrXOff" refFor="ch" refForName="accent_1"/>
-                <dgm:constr type="l" for="ch" forName="text_1"/>
-                <dgm:constr type="w" for="ch" forName="text_1" refType="h" refFor="ch" refForName="text_1" op="gte"/>
-                <dgm:constr type="h" for="ch" forName="text_1" refType="h" refFor="ch" refForName="accent_1" fact="0.8"/>
-                <dgm:constr type="ctrY" for="ch" forName="text_1" refType="ctrY" refFor="ch" refForName="accent_1"/>
-                <dgm:constr type="rMarg" for="ch" forName="text_1" refType="w" refFor="ch" refForName="accent_1" fact="1.8"/>
-                <dgm:constr type="h" for="ch" forName="accent_2" refType="h" fact="0.3571"/>
-                <dgm:constr type="w" for="ch" forName="accent_2" refType="h" refFor="ch" refForName="accent_2" op="equ"/>
-                <dgm:constr type="ctrY" for="ch" forName="accent_2" refType="h" fact="0.7143"/>
-                <dgm:constr type="ctrX" for="ch" forName="accent_2" refType="w"/>
-                <dgm:constr type="ctrXOff" for="ch" forName="accent_2" refType="h" fact="-0.1891"/>
-                <dgm:constr type="r" for="ch" forName="text_2" refType="ctrX" refFor="ch" refForName="accent_2"/>
-                <dgm:constr type="rOff" for="ch" forName="text_2" refType="ctrXOff" refFor="ch" refForName="accent_2"/>
-                <dgm:constr type="l" for="ch" forName="text_2"/>
-                <dgm:constr type="w" for="ch" forName="text_2" refType="h" refFor="ch" refForName="text_2" op="gte"/>
-                <dgm:constr type="h" for="ch" forName="text_2" refType="h" refFor="ch" refForName="accent_2" fact="0.8"/>
-                <dgm:constr type="ctrY" for="ch" forName="text_2" refType="ctrY" refFor="ch" refForName="accent_2"/>
-                <dgm:constr type="rMarg" for="ch" forName="text_2" refType="w" refFor="ch" refForName="accent_2" fact="1.8"/>
-                <dgm:constr type="primFontSz" for="ch" ptType="node" op="equ" val="65"/>
-              </dgm:constrLst>
-            </dgm:if>
-            <dgm:if name="Name16" axis="ch" ptType="node" func="cnt" op="equ" val="3">
-              <dgm:constrLst>
-                <dgm:constr type="h" for="ch" forName="cycle" refType="h"/>
-                <dgm:constr type="w" for="ch" forName="cycle" refType="h" refFor="ch" refForName="cycle" fact="0.26"/>
-                <dgm:constr type="r" for="ch" forName="cycle" refType="w"/>
-                <dgm:constr type="ctrY" for="ch" forName="cycle" refType="h" fact="0.5"/>
-                <dgm:constr type="diam" for="ch" forName="cycle" refType="h" fact="1.344"/>
-                <dgm:constr type="h" for="ch" forName="accent_1" refType="h" fact="0.25"/>
-                <dgm:constr type="w" for="ch" forName="accent_1" refType="h" refFor="ch" refForName="accent_1" op="equ"/>
-                <dgm:constr type="ctrY" for="ch" forName="accent_1" refType="h" fact="0.2"/>
-                <dgm:constr type="ctrX" for="ch" forName="accent_1" refType="w"/>
-                <dgm:constr type="ctrXOff" for="ch" forName="accent_1" refType="h" fact="-0.1526"/>
-                <dgm:constr type="r" for="ch" forName="text_1" refType="ctrX" refFor="ch" refForName="accent_1"/>
-                <dgm:constr type="rOff" for="ch" forName="text_1" refType="ctrXOff" refFor="ch" refForName="accent_1"/>
-                <dgm:constr type="l" for="ch" forName="text_1"/>
-                <dgm:constr type="w" for="ch" forName="text_1" refType="h" refFor="ch" refForName="text_1" op="gte"/>
-                <dgm:constr type="h" for="ch" forName="text_1" refType="h" refFor="ch" refForName="accent_1" fact="0.8"/>
-                <dgm:constr type="ctrY" for="ch" forName="text_1" refType="ctrY" refFor="ch" refForName="accent_1"/>
-                <dgm:constr type="rMarg" for="ch" forName="text_1" refType="w" refFor="ch" refForName="accent_1" fact="1.8"/>
-                <dgm:constr type="h" for="ch" forName="accent_2" refType="h" fact="0.25"/>
-                <dgm:constr type="w" for="ch" forName="accent_2" refType="h" refFor="ch" refForName="accent_2" op="equ"/>
-                <dgm:constr type="ctrY" for="ch" forName="accent_2" refType="h" fact="0.5"/>
-                <dgm:constr type="ctrX" for="ch" forName="accent_2" refType="w"/>
-                <dgm:constr type="ctrXOff" for="ch" forName="accent_2" refType="h" fact="-0.2253"/>
-                <dgm:constr type="r" for="ch" forName="text_2" refType="ctrX" refFor="ch" refForName="accent_2"/>
-                <dgm:constr type="rOff" for="ch" forName="text_2" refType="ctrXOff" refFor="ch" refForName="accent_2"/>
-                <dgm:constr type="l" for="ch" forName="text_2"/>
-                <dgm:constr type="w" for="ch" forName="text_2" refType="h" refFor="ch" refForName="text_2" op="gte"/>
-                <dgm:constr type="h" for="ch" forName="text_2" refType="h" refFor="ch" refForName="accent_2" fact="0.8"/>
-                <dgm:constr type="ctrY" for="ch" forName="text_2" refType="ctrY" refFor="ch" refForName="accent_2"/>
-                <dgm:constr type="rMarg" for="ch" forName="text_2" refType="w" refFor="ch" refForName="accent_2" fact="1.8"/>
-                <dgm:constr type="h" for="ch" forName="accent_3" refType="h" fact="0.25"/>
-                <dgm:constr type="w" for="ch" forName="accent_3" refType="h" refFor="ch" refForName="accent_3" op="equ"/>
-                <dgm:constr type="ctrY" for="ch" forName="accent_3" refType="h" fact="0.8"/>
-                <dgm:constr type="ctrX" for="ch" forName="accent_3" refType="w"/>
-                <dgm:constr type="ctrXOff" for="ch" forName="accent_3" refType="h" fact="-0.1526"/>
-                <dgm:constr type="r" for="ch" forName="text_3" refType="ctrX" refFor="ch" refForName="accent_3"/>
-                <dgm:constr type="rOff" for="ch" forName="text_3" refType="ctrXOff" refFor="ch" refForName="accent_3"/>
-                <dgm:constr type="l" for="ch" forName="text_3"/>
-                <dgm:constr type="w" for="ch" forName="text_3" refType="h" refFor="ch" refForName="text_3" op="gte"/>
-                <dgm:constr type="h" for="ch" forName="text_3" refType="h" refFor="ch" refForName="accent_3" fact="0.8"/>
-                <dgm:constr type="ctrY" for="ch" forName="text_3" refType="ctrY" refFor="ch" refForName="accent_3"/>
-                <dgm:constr type="rMarg" for="ch" forName="text_3" refType="w" refFor="ch" refForName="accent_3" fact="1.8"/>
-                <dgm:constr type="primFontSz" for="ch" ptType="node" op="equ" val="65"/>
-              </dgm:constrLst>
-            </dgm:if>
-            <dgm:if name="Name17" axis="ch" ptType="node" func="cnt" op="equ" val="4">
-              <dgm:constrLst>
-                <dgm:constr type="h" for="ch" forName="cycle" refType="h"/>
-                <dgm:constr type="w" for="ch" forName="cycle" refType="h" refFor="ch" refForName="cycle" fact="0.26"/>
-                <dgm:constr type="r" for="ch" forName="cycle" refType="w"/>
-                <dgm:constr type="ctrY" for="ch" forName="cycle" refType="h" fact="0.5"/>
-                <dgm:constr type="diam" for="ch" forName="cycle" refType="h" fact="1.344"/>
-                <dgm:constr type="h" for="ch" forName="accent_1" refType="h" fact="0.1923"/>
-                <dgm:constr type="w" for="ch" forName="accent_1" refType="h" refFor="ch" refForName="accent_1" op="equ"/>
-                <dgm:constr type="ctrY" for="ch" forName="accent_1" refType="h" fact="0.1538"/>
-                <dgm:constr type="ctrX" for="ch" forName="accent_1" refType="w"/>
-                <dgm:constr type="ctrXOff" for="ch" forName="accent_1" refType="h" fact="-0.1268"/>
-                <dgm:constr type="r" for="ch" forName="text_1" refType="ctrX" refFor="ch" refForName="accent_1"/>
-                <dgm:constr type="rOff" for="ch" forName="text_1" refType="ctrXOff" refFor="ch" refForName="accent_1"/>
-                <dgm:constr type="l" for="ch" forName="text_1"/>
-                <dgm:constr type="w" for="ch" forName="text_1" refType="h" refFor="ch" refForName="text_1" op="gte"/>
-                <dgm:constr type="h" for="ch" forName="text_1" refType="h" refFor="ch" refForName="accent_1" fact="0.8"/>
-                <dgm:constr type="ctrY" for="ch" forName="text_1" refType="ctrY" refFor="ch" refForName="accent_1"/>
-                <dgm:constr type="rMarg" for="ch" forName="text_1" refType="w" refFor="ch" refForName="accent_1" fact="1.8"/>
-                <dgm:constr type="h" for="ch" forName="accent_2" refType="h" fact="0.1923"/>
-                <dgm:constr type="w" for="ch" forName="accent_2" refType="h" refFor="ch" refForName="accent_2" op="equ"/>
-                <dgm:constr type="ctrY" for="ch" forName="accent_2" refType="h" fact="0.3846"/>
-                <dgm:constr type="ctrX" for="ch" forName="accent_2" refType="w"/>
-                <dgm:constr type="ctrXOff" for="ch" forName="accent_2" refType="h" fact="-0.215"/>
-                <dgm:constr type="r" for="ch" forName="text_2" refType="ctrX" refFor="ch" refForName="accent_2"/>
-                <dgm:constr type="rOff" for="ch" forName="text_2" refType="ctrXOff" refFor="ch" refForName="accent_2"/>
-                <dgm:constr type="l" for="ch" forName="text_2"/>
-                <dgm:constr type="w" for="ch" forName="text_2" refType="h" refFor="ch" refForName="text_2" op="gte"/>
-                <dgm:constr type="h" for="ch" forName="text_2" refType="h" refFor="ch" refForName="accent_2" fact="0.8"/>
-                <dgm:constr type="ctrY" for="ch" forName="text_2" refType="ctrY" refFor="ch" refForName="accent_2"/>
-                <dgm:constr type="rMarg" for="ch" forName="text_2" refType="w" refFor="ch" refForName="accent_2" fact="1.8"/>
-                <dgm:constr type="h" for="ch" forName="accent_3" refType="h" fact="0.1923"/>
-                <dgm:constr type="w" for="ch" forName="accent_3" refType="h" refFor="ch" refForName="accent_3" op="equ"/>
-                <dgm:constr type="ctrY" for="ch" forName="accent_3" refType="h" fact="0.6154"/>
-                <dgm:constr type="ctrX" for="ch" forName="accent_3" refType="w"/>
-                <dgm:constr type="ctrXOff" for="ch" forName="accent_3" refType="h" fact="-0.215"/>
-                <dgm:constr type="r" for="ch" forName="text_3" refType="ctrX" refFor="ch" refForName="accent_3"/>
-                <dgm:constr type="rOff" for="ch" forName="text_3" refType="ctrXOff" refFor="ch" refForName="accent_3"/>
-                <dgm:constr type="l" for="ch" forName="text_3"/>
-                <dgm:constr type="w" for="ch" forName="text_3" refType="h" refFor="ch" refForName="text_3" op="gte"/>
-                <dgm:constr type="h" for="ch" forName="text_3" refType="h" refFor="ch" refForName="accent_3" fact="0.8"/>
-                <dgm:constr type="ctrY" for="ch" forName="text_3" refType="ctrY" refFor="ch" refForName="accent_3"/>
-                <dgm:constr type="rMarg" for="ch" forName="text_3" refType="w" refFor="ch" refForName="accent_3" fact="1.8"/>
-                <dgm:constr type="h" for="ch" forName="accent_4" refType="h" fact="0.1923"/>
-                <dgm:constr type="w" for="ch" forName="accent_4" refType="h" refFor="ch" refForName="accent_4" op="equ"/>
-                <dgm:constr type="ctrY" for="ch" forName="accent_4" refType="h" fact="0.8462"/>
-                <dgm:constr type="ctrX" for="ch" forName="accent_4" refType="w"/>
-                <dgm:constr type="ctrXOff" for="ch" forName="accent_4" refType="h" fact="-0.1268"/>
-                <dgm:constr type="r" for="ch" forName="text_4" refType="ctrX" refFor="ch" refForName="accent_4"/>
-                <dgm:constr type="rOff" for="ch" forName="text_4" refType="ctrXOff" refFor="ch" refForName="accent_4"/>
-                <dgm:constr type="l" for="ch" forName="text_4"/>
-                <dgm:constr type="w" for="ch" forName="text_4" refType="h" refFor="ch" refForName="text_4" op="gte"/>
-                <dgm:constr type="h" for="ch" forName="text_4" refType="h" refFor="ch" refForName="accent_4" fact="0.8"/>
-                <dgm:constr type="ctrY" for="ch" forName="text_4" refType="ctrY" refFor="ch" refForName="accent_4"/>
-                <dgm:constr type="rMarg" for="ch" forName="text_4" refType="w" refFor="ch" refForName="accent_4" fact="1.8"/>
-                <dgm:constr type="primFontSz" for="ch" ptType="node" op="equ" val="65"/>
-              </dgm:constrLst>
-            </dgm:if>
-            <dgm:if name="Name18" axis="ch" ptType="node" func="cnt" op="equ" val="5">
-              <dgm:constrLst>
-                <dgm:constr type="h" for="ch" forName="cycle" refType="h"/>
-                <dgm:constr type="w" for="ch" forName="cycle" refType="h" refFor="ch" refForName="cycle" fact="0.26"/>
-                <dgm:constr type="r" for="ch" forName="cycle" refType="w"/>
-                <dgm:constr type="ctrY" for="ch" forName="cycle" refType="h" fact="0.5"/>
-                <dgm:constr type="diam" for="ch" forName="cycle" refType="h" fact="1.344"/>
-                <dgm:constr type="h" for="ch" forName="accent_1" refType="h" fact="0.1563"/>
-                <dgm:constr type="w" for="ch" forName="accent_1" refType="h" refFor="ch" refForName="accent_1" op="equ"/>
-                <dgm:constr type="ctrY" for="ch" forName="accent_1" refType="h" fact="0.125"/>
-                <dgm:constr type="ctrX" for="ch" forName="accent_1" refType="w"/>
-                <dgm:constr type="ctrXOff" for="ch" forName="accent_1" refType="h" fact="-0.1082"/>
-                <dgm:constr type="r" for="ch" forName="text_1" refType="ctrX" refFor="ch" refForName="accent_1"/>
-                <dgm:constr type="rOff" for="ch" forName="text_1" refType="ctrXOff" refFor="ch" refForName="accent_1"/>
-                <dgm:constr type="l" for="ch" forName="text_1"/>
-                <dgm:constr type="w" for="ch" forName="text_1" refType="h" refFor="ch" refForName="text_1" op="gte"/>
-                <dgm:constr type="h" for="ch" forName="text_1" refType="h" refFor="ch" refForName="accent_1" fact="0.8"/>
-                <dgm:constr type="ctrY" for="ch" forName="text_1" refType="ctrY" refFor="ch" refForName="accent_1"/>
-                <dgm:constr type="rMarg" for="ch" forName="text_1" refType="w" refFor="ch" refForName="accent_1" fact="1.8"/>
-                <dgm:constr type="h" for="ch" forName="accent_2" refType="h" fact="0.1563"/>
-                <dgm:constr type="w" for="ch" forName="accent_2" refType="h" refFor="ch" refForName="accent_2" op="equ"/>
-                <dgm:constr type="ctrY" for="ch" forName="accent_2" refType="h" fact="0.3125"/>
-                <dgm:constr type="ctrX" for="ch" forName="accent_2" refType="w"/>
-                <dgm:constr type="ctrXOff" for="ch" forName="accent_2" refType="h" fact="-0.1978"/>
-                <dgm:constr type="r" for="ch" forName="text_2" refType="ctrX" refFor="ch" refForName="accent_2"/>
-                <dgm:constr type="rOff" for="ch" forName="text_2" refType="ctrXOff" refFor="ch" refForName="accent_2"/>
-                <dgm:constr type="l" for="ch" forName="text_2"/>
-                <dgm:constr type="w" for="ch" forName="text_2" refType="h" refFor="ch" refForName="text_2" op="gte"/>
-                <dgm:constr type="h" for="ch" forName="text_2" refType="h" refFor="ch" refForName="accent_2" fact="0.8"/>
-                <dgm:constr type="ctrY" for="ch" forName="text_2" refType="ctrY" refFor="ch" refForName="accent_2"/>
-                <dgm:constr type="rMarg" for="ch" forName="text_2" refType="w" refFor="ch" refForName="accent_2" fact="1.8"/>
-                <dgm:constr type="h" for="ch" forName="accent_3" refType="h" fact="0.1563"/>
-                <dgm:constr type="w" for="ch" forName="accent_3" refType="h" refFor="ch" refForName="accent_3" op="equ"/>
-                <dgm:constr type="ctrY" for="ch" forName="accent_3" refType="h" fact="0.5"/>
-                <dgm:constr type="ctrX" for="ch" forName="accent_3" refType="w"/>
-                <dgm:constr type="ctrXOff" for="ch" forName="accent_3" refType="h" fact="-0.2253"/>
-                <dgm:constr type="r" for="ch" forName="text_3" refType="ctrX" refFor="ch" refForName="accent_3"/>
-                <dgm:constr type="rOff" for="ch" forName="text_3" refType="ctrXOff" refFor="ch" refForName="accent_3"/>
-                <dgm:constr type="l" for="ch" forName="text_3"/>
-                <dgm:constr type="w" for="ch" forName="text_3" refType="h" refFor="ch" refForName="text_3" op="gte"/>
-                <dgm:constr type="h" for="ch" forName="text_3" refType="h" refFor="ch" refForName="accent_3" fact="0.8"/>
-                <dgm:constr type="ctrY" for="ch" forName="text_3" refType="ctrY" refFor="ch" refForName="accent_3"/>
-                <dgm:constr type="rMarg" for="ch" forName="text_3" refType="w" refFor="ch" refForName="accent_3" fact="1.8"/>
-                <dgm:constr type="h" for="ch" forName="accent_4" refType="h" fact="0.1563"/>
-                <dgm:constr type="w" for="ch" forName="accent_4" refType="h" refFor="ch" refForName="accent_4" op="equ"/>
-                <dgm:constr type="ctrY" for="ch" forName="accent_4" refType="h" fact="0.6875"/>
-                <dgm:constr type="ctrX" for="ch" forName="accent_4" refType="w"/>
-                <dgm:constr type="ctrXOff" for="ch" forName="accent_4" refType="h" fact="-0.1978"/>
-                <dgm:constr type="r" for="ch" forName="text_4" refType="ctrX" refFor="ch" refForName="accent_4"/>
-                <dgm:constr type="rOff" for="ch" forName="text_4" refType="ctrXOff" refFor="ch" refForName="accent_4"/>
-                <dgm:constr type="l" for="ch" forName="text_4"/>
-                <dgm:constr type="w" for="ch" forName="text_4" refType="h" refFor="ch" refForName="text_4" op="gte"/>
-                <dgm:constr type="h" for="ch" forName="text_4" refType="h" refFor="ch" refForName="accent_4" fact="0.8"/>
-                <dgm:constr type="ctrY" for="ch" forName="text_4" refType="ctrY" refFor="ch" refForName="accent_4"/>
-                <dgm:constr type="rMarg" for="ch" forName="text_4" refType="w" refFor="ch" refForName="accent_4" fact="1.8"/>
-                <dgm:constr type="h" for="ch" forName="accent_5" refType="h" fact="0.1563"/>
-                <dgm:constr type="w" for="ch" forName="accent_5" refType="h" refFor="ch" refForName="accent_5" op="equ"/>
-                <dgm:constr type="ctrY" for="ch" forName="accent_5" refType="h" fact="0.875"/>
-                <dgm:constr type="ctrX" for="ch" forName="accent_5" refType="w"/>
-                <dgm:constr type="ctrXOff" for="ch" forName="accent_5" refType="h" fact="-0.1082"/>
-                <dgm:constr type="r" for="ch" forName="text_5" refType="ctrX" refFor="ch" refForName="accent_5"/>
-                <dgm:constr type="rOff" for="ch" forName="text_5" refType="ctrXOff" refFor="ch" refForName="accent_5"/>
-                <dgm:constr type="l" for="ch" forName="text_5"/>
-                <dgm:constr type="w" for="ch" forName="text_5" refType="h" refFor="ch" refForName="text_5" op="gte"/>
-                <dgm:constr type="h" for="ch" forName="text_5" refType="h" refFor="ch" refForName="accent_5" fact="0.8"/>
-                <dgm:constr type="ctrY" for="ch" forName="text_5" refType="ctrY" refFor="ch" refForName="accent_5"/>
-                <dgm:constr type="rMarg" for="ch" forName="text_5" refType="w" refFor="ch" refForName="accent_5" fact="1.8"/>
-                <dgm:constr type="primFontSz" for="ch" ptType="node" op="equ" val="65"/>
-              </dgm:constrLst>
-            </dgm:if>
-            <dgm:if name="Name19" axis="ch" ptType="node" func="cnt" op="equ" val="6">
-              <dgm:constrLst>
-                <dgm:constr type="h" for="ch" forName="cycle" refType="h"/>
-                <dgm:constr type="w" for="ch" forName="cycle" refType="h" refFor="ch" refForName="cycle" fact="0.26"/>
-                <dgm:constr type="r" for="ch" forName="cycle" refType="w"/>
-                <dgm:constr type="ctrY" for="ch" forName="cycle" refType="h" fact="0.5"/>
-                <dgm:constr type="diam" for="ch" forName="cycle" refType="h" fact="1.344"/>
-                <dgm:constr type="h" for="ch" forName="accent_1" refType="h" fact="0.1316"/>
-                <dgm:constr type="w" for="ch" forName="accent_1" refType="h" refFor="ch" refForName="accent_1" op="equ"/>
-                <dgm:constr type="ctrY" for="ch" forName="accent_1" refType="h" fact="0.1053"/>
-                <dgm:constr type="ctrX" for="ch" forName="accent_1" refType="w"/>
-                <dgm:constr type="ctrXOff" for="ch" forName="accent_1" refType="h" fact="-0.0943"/>
-                <dgm:constr type="r" for="ch" forName="text_1" refType="ctrX" refFor="ch" refForName="accent_1"/>
-                <dgm:constr type="rOff" for="ch" forName="text_1" refType="ctrXOff" refFor="ch" refForName="accent_1"/>
-                <dgm:constr type="l" for="ch" forName="text_1"/>
-                <dgm:constr type="w" for="ch" forName="text_1" refType="h" refFor="ch" refForName="text_1" op="gte"/>
-                <dgm:constr type="h" for="ch" forName="text_1" refType="h" refFor="ch" refForName="accent_1" fact="0.8"/>
-                <dgm:constr type="ctrY" for="ch" forName="text_1" refType="ctrY" refFor="ch" refForName="accent_1"/>
-                <dgm:constr type="rMarg" for="ch" forName="text_1" refType="w" refFor="ch" refForName="accent_1" fact="1.8"/>
-                <dgm:constr type="h" for="ch" forName="accent_2" refType="h" fact="0.1316"/>
-                <dgm:constr type="w" for="ch" forName="accent_2" refType="h" refFor="ch" refForName="accent_2" op="equ"/>
-                <dgm:constr type="ctrY" for="ch" forName="accent_2" refType="h" fact="0.2632"/>
-                <dgm:constr type="ctrX" for="ch" forName="accent_2" refType="w"/>
-                <dgm:constr type="ctrXOff" for="ch" forName="accent_2" refType="h" fact="-0.1809"/>
-                <dgm:constr type="r" for="ch" forName="text_2" refType="ctrX" refFor="ch" refForName="accent_2"/>
-                <dgm:constr type="rOff" for="ch" forName="text_2" refType="ctrXOff" refFor="ch" refForName="accent_2"/>
-                <dgm:constr type="l" for="ch" forName="text_2"/>
-                <dgm:constr type="w" for="ch" forName="text_2" refType="h" refFor="ch" refForName="text_2" op="gte"/>
-                <dgm:constr type="h" for="ch" forName="text_2" refType="h" refFor="ch" refForName="accent_2" fact="0.8"/>
-                <dgm:constr type="ctrY" for="ch" forName="text_2" refType="ctrY" refFor="ch" refForName="accent_2"/>
-                <dgm:constr type="rMarg" for="ch" forName="text_2" refType="w" refFor="ch" refForName="accent_2" fact="1.8"/>
-                <dgm:constr type="h" for="ch" forName="accent_3" refType="h" fact="0.1316"/>
-                <dgm:constr type="w" for="ch" forName="accent_3" refType="h" refFor="ch" refForName="accent_3" op="equ"/>
-                <dgm:constr type="ctrY" for="ch" forName="accent_3" refType="h" fact="0.4211"/>
-                <dgm:constr type="ctrX" for="ch" forName="accent_3" refType="w"/>
-                <dgm:constr type="ctrXOff" for="ch" forName="accent_3" refType="h" fact="-0.2205"/>
-                <dgm:constr type="r" for="ch" forName="text_3" refType="ctrX" refFor="ch" refForName="accent_3"/>
-                <dgm:constr type="rOff" for="ch" forName="text_3" refType="ctrXOff" refFor="ch" refForName="accent_3"/>
-                <dgm:constr type="l" for="ch" forName="text_3"/>
-                <dgm:constr type="w" for="ch" forName="text_3" refType="h" refFor="ch" refForName="text_3" op="gte"/>
-                <dgm:constr type="h" for="ch" forName="text_3" refType="h" refFor="ch" refForName="accent_3" fact="0.8"/>
-                <dgm:constr type="ctrY" for="ch" forName="text_3" refType="ctrY" refFor="ch" refForName="accent_3"/>
-                <dgm:constr type="rMarg" for="ch" forName="text_3" refType="w" refFor="ch" refForName="accent_3" fact="1.8"/>
-                <dgm:constr type="h" for="ch" forName="accent_4" refType="h" fact="0.1316"/>
-                <dgm:constr type="w" for="ch" forName="accent_4" refType="h" refFor="ch" refForName="accent_4" op="equ"/>
-                <dgm:constr type="ctrY" for="ch" forName="accent_4" refType="h" fact="0.5789"/>
-                <dgm:constr type="ctrX" for="ch" forName="accent_4" refType="w"/>
-                <dgm:constr type="ctrXOff" for="ch" forName="accent_4" refType="h" fact="-0.2205"/>
-                <dgm:constr type="r" for="ch" forName="text_4" refType="ctrX" refFor="ch" refForName="accent_4"/>
-                <dgm:constr type="rOff" for="ch" forName="text_4" refType="ctrXOff" refFor="ch" refForName="accent_4"/>
-                <dgm:constr type="l" for="ch" forName="text_4"/>
-                <dgm:constr type="w" for="ch" forName="text_4" refType="h" refFor="ch" refForName="text_4" op="gte"/>
-                <dgm:constr type="h" for="ch" forName="text_4" refType="h" refFor="ch" refForName="accent_4" fact="0.8"/>
-                <dgm:constr type="ctrY" for="ch" forName="text_4" refType="ctrY" refFor="ch" refForName="accent_4"/>
-                <dgm:constr type="rMarg" for="ch" forName="text_4" refType="w" refFor="ch" refForName="accent_4" fact="1.8"/>
-                <dgm:constr type="h" for="ch" forName="accent_5" refType="h" fact="0.1316"/>
-                <dgm:constr type="w" for="ch" forName="accent_5" refType="h" refFor="ch" refForName="accent_5" op="equ"/>
-                <dgm:constr type="ctrY" for="ch" forName="accent_5" refType="h" fact="0.7368"/>
-                <dgm:constr type="ctrX" for="ch" forName="accent_5" refType="w"/>
-                <dgm:constr type="ctrXOff" for="ch" forName="accent_5" refType="h" fact="-0.1809"/>
-                <dgm:constr type="r" for="ch" forName="text_5" refType="ctrX" refFor="ch" refForName="accent_5"/>
-                <dgm:constr type="rOff" for="ch" forName="text_5" refType="ctrXOff" refFor="ch" refForName="accent_5"/>
-                <dgm:constr type="l" for="ch" forName="text_5"/>
-                <dgm:constr type="w" for="ch" forName="text_5" refType="h" refFor="ch" refForName="text_5" op="gte"/>
-                <dgm:constr type="h" for="ch" forName="text_5" refType="h" refFor="ch" refForName="accent_5" fact="0.8"/>
-                <dgm:constr type="ctrY" for="ch" forName="text_5" refType="ctrY" refFor="ch" refForName="accent_5"/>
-                <dgm:constr type="rMarg" for="ch" forName="text_5" refType="w" refFor="ch" refForName="accent_5" fact="1.8"/>
-                <dgm:constr type="h" for="ch" forName="accent_6" refType="h" fact="0.1316"/>
-                <dgm:constr type="w" for="ch" forName="accent_6" refType="h" refFor="ch" refForName="accent_6" op="equ"/>
-                <dgm:constr type="ctrY" for="ch" forName="accent_6" refType="h" fact="0.8947"/>
-                <dgm:constr type="ctrX" for="ch" forName="accent_6" refType="w"/>
-                <dgm:constr type="ctrXOff" for="ch" forName="accent_6" refType="h" fact="-0.0943"/>
-                <dgm:constr type="r" for="ch" forName="text_6" refType="ctrX" refFor="ch" refForName="accent_6"/>
-                <dgm:constr type="rOff" for="ch" forName="text_6" refType="ctrXOff" refFor="ch" refForName="accent_6"/>
-                <dgm:constr type="l" for="ch" forName="text_6"/>
-                <dgm:constr type="w" for="ch" forName="text_6" refType="h" refFor="ch" refForName="text_6" op="gte"/>
-                <dgm:constr type="h" for="ch" forName="text_6" refType="h" refFor="ch" refForName="accent_6" fact="0.8"/>
-                <dgm:constr type="ctrY" for="ch" forName="text_6" refType="ctrY" refFor="ch" refForName="accent_6"/>
-                <dgm:constr type="rMarg" for="ch" forName="text_6" refType="w" refFor="ch" refForName="accent_6" fact="1.8"/>
-                <dgm:constr type="primFontSz" for="ch" ptType="node" op="equ" val="65"/>
-              </dgm:constrLst>
-            </dgm:if>
-            <dgm:else name="Name20">
-              <dgm:constrLst>
-                <dgm:constr type="h" for="ch" forName="cycle" refType="h"/>
-                <dgm:constr type="w" for="ch" forName="cycle" refType="h" refFor="ch" refForName="cycle" fact="0.26"/>
-                <dgm:constr type="r" for="ch" forName="cycle" refType="w"/>
-                <dgm:constr type="ctrY" for="ch" forName="cycle" refType="h" fact="0.5"/>
-                <dgm:constr type="diam" for="ch" forName="cycle" refType="h" fact="1.344"/>
-                <dgm:constr type="h" for="ch" forName="accent_1" refType="h" fact="0.1136"/>
-                <dgm:constr type="w" for="ch" forName="accent_1" refType="h" refFor="ch" refForName="accent_1" op="equ"/>
-                <dgm:constr type="ctrY" for="ch" forName="accent_1" refType="h" fact="0.0909"/>
-                <dgm:constr type="ctrX" for="ch" forName="accent_1" refType="w"/>
-                <dgm:constr type="ctrXOff" for="ch" forName="accent_1" refType="h" fact="-0.0835"/>
-                <dgm:constr type="r" for="ch" forName="text_1" refType="ctrX" refFor="ch" refForName="accent_1"/>
-                <dgm:constr type="rOff" for="ch" forName="text_1" refType="ctrXOff" refFor="ch" refForName="accent_1"/>
-                <dgm:constr type="l" for="ch" forName="text_1"/>
-                <dgm:constr type="w" for="ch" forName="text_1" refType="h" refFor="ch" refForName="text_1" op="gte"/>
-                <dgm:constr type="h" for="ch" forName="text_1" refType="h" refFor="ch" refForName="accent_1" fact="0.8"/>
-                <dgm:constr type="ctrY" for="ch" forName="text_1" refType="ctrY" refFor="ch" refForName="accent_1"/>
-                <dgm:constr type="rMarg" for="ch" forName="text_1" refType="w" refFor="ch" refForName="accent_1" fact="1.8"/>
-                <dgm:constr type="h" for="ch" forName="accent_2" refType="h" fact="0.1136"/>
-                <dgm:constr type="w" for="ch" forName="accent_2" refType="h" refFor="ch" refForName="accent_2" op="equ"/>
-                <dgm:constr type="ctrY" for="ch" forName="accent_2" refType="h" fact="0.2273"/>
-                <dgm:constr type="ctrX" for="ch" forName="accent_2" refType="w"/>
-                <dgm:constr type="ctrXOff" for="ch" forName="accent_2" refType="h" fact="-0.1658"/>
-                <dgm:constr type="r" for="ch" forName="text_2" refType="ctrX" refFor="ch" refForName="accent_2"/>
-                <dgm:constr type="rOff" for="ch" forName="text_2" refType="ctrXOff" refFor="ch" refForName="accent_2"/>
-                <dgm:constr type="l" for="ch" forName="text_2"/>
-                <dgm:constr type="w" for="ch" forName="text_2" refType="h" refFor="ch" refForName="text_2" op="gte"/>
-                <dgm:constr type="h" for="ch" forName="text_2" refType="h" refFor="ch" refForName="accent_2" fact="0.8"/>
-                <dgm:constr type="ctrY" for="ch" forName="text_2" refType="ctrY" refFor="ch" refForName="accent_2"/>
-                <dgm:constr type="rMarg" for="ch" forName="text_2" refType="w" refFor="ch" refForName="accent_2" fact="1.8"/>
-                <dgm:constr type="h" for="ch" forName="accent_3" refType="h" fact="0.1136"/>
-                <dgm:constr type="w" for="ch" forName="accent_3" refType="h" refFor="ch" refForName="accent_3" op="equ"/>
-                <dgm:constr type="ctrY" for="ch" forName="accent_3" refType="h" fact="0.3636"/>
-                <dgm:constr type="ctrX" for="ch" forName="accent_3" refType="w"/>
-                <dgm:constr type="ctrXOff" for="ch" forName="accent_3" refType="h" fact="-0.2109"/>
-                <dgm:constr type="r" for="ch" forName="text_3" refType="ctrX" refFor="ch" refForName="accent_3"/>
-                <dgm:constr type="rOff" for="ch" forName="text_3" refType="ctrXOff" refFor="ch" refForName="accent_3"/>
-                <dgm:constr type="l" for="ch" forName="text_3"/>
-                <dgm:constr type="w" for="ch" forName="text_3" refType="h" refFor="ch" refForName="text_3" op="gte"/>
-                <dgm:constr type="h" for="ch" forName="text_3" refType="h" refFor="ch" refForName="accent_3" fact="0.8"/>
-                <dgm:constr type="ctrY" for="ch" forName="text_3" refType="ctrY" refFor="ch" refForName="accent_3"/>
-                <dgm:constr type="rMarg" for="ch" forName="text_3" refType="w" refFor="ch" refForName="accent_3" fact="1.8"/>
-                <dgm:constr type="h" for="ch" forName="accent_4" refType="h" fact="0.1136"/>
-                <dgm:constr type="w" for="ch" forName="accent_4" refType="h" refFor="ch" refForName="accent_4" op="equ"/>
-                <dgm:constr type="ctrY" for="ch" forName="accent_4" refType="h" fact="0.5"/>
-                <dgm:constr type="ctrX" for="ch" forName="accent_4" refType="w"/>
-                <dgm:constr type="ctrXOff" for="ch" forName="accent_4" refType="h" fact="-0.2253"/>
-                <dgm:constr type="r" for="ch" forName="text_4" refType="ctrX" refFor="ch" refForName="accent_4"/>
-                <dgm:constr type="rOff" for="ch" forName="text_4" refType="ctrXOff" refFor="ch" refForName="accent_4"/>
-                <dgm:constr type="l" for="ch" forName="text_4"/>
-                <dgm:constr type="w" for="ch" forName="text_4" refType="h" refFor="ch" refForName="text_4" op="gte"/>
-                <dgm:constr type="h" for="ch" forName="text_4" refType="h" refFor="ch" refForName="accent_4" fact="0.8"/>
-                <dgm:constr type="ctrY" for="ch" forName="text_4" refType="ctrY" refFor="ch" refForName="accent_4"/>
-                <dgm:constr type="rMarg" for="ch" forName="text_4" refType="w" refFor="ch" refForName="accent_4" fact="1.8"/>
-                <dgm:constr type="h" for="ch" forName="accent_5" refType="h" fact="0.1136"/>
-                <dgm:constr type="w" for="ch" forName="accent_5" refType="h" refFor="ch" refForName="accent_5" op="equ"/>
-                <dgm:constr type="ctrY" for="ch" forName="accent_5" refType="h" fact="0.6364"/>
-                <dgm:constr type="ctrX" for="ch" forName="accent_5" refType="w"/>
-                <dgm:constr type="ctrXOff" for="ch" forName="accent_5" refType="h" fact="-0.2109"/>
-                <dgm:constr type="r" for="ch" forName="text_5" refType="ctrX" refFor="ch" refForName="accent_5"/>
-                <dgm:constr type="rOff" for="ch" forName="text_5" refType="ctrXOff" refFor="ch" refForName="accent_5"/>
-                <dgm:constr type="l" for="ch" forName="text_5"/>
-                <dgm:constr type="w" for="ch" forName="text_5" refType="h" refFor="ch" refForName="text_5" op="gte"/>
-                <dgm:constr type="h" for="ch" forName="text_5" refType="h" refFor="ch" refForName="accent_5" fact="0.8"/>
-                <dgm:constr type="ctrY" for="ch" forName="text_5" refType="ctrY" refFor="ch" refForName="accent_5"/>
-                <dgm:constr type="rMarg" for="ch" forName="text_5" refType="w" refFor="ch" refForName="accent_5" fact="1.8"/>
-                <dgm:constr type="h" for="ch" forName="accent_6" refType="h" fact="0.1136"/>
-                <dgm:constr type="w" for="ch" forName="accent_6" refType="h" refFor="ch" refForName="accent_6" op="equ"/>
-                <dgm:constr type="ctrY" for="ch" forName="accent_6" refType="h" fact="0.7727"/>
-                <dgm:constr type="ctrX" for="ch" forName="accent_6" refType="w"/>
-                <dgm:constr type="ctrXOff" for="ch" forName="accent_6" refType="h" fact="-0.1658"/>
-                <dgm:constr type="r" for="ch" forName="text_6" refType="ctrX" refFor="ch" refForName="accent_6"/>
-                <dgm:constr type="rOff" for="ch" forName="text_6" refType="ctrXOff" refFor="ch" refForName="accent_6"/>
-                <dgm:constr type="l" for="ch" forName="text_6"/>
-                <dgm:constr type="w" for="ch" forName="text_6" refType="h" refFor="ch" refForName="text_6" op="gte"/>
-                <dgm:constr type="h" for="ch" forName="text_6" refType="h" refFor="ch" refForName="accent_6" fact="0.8"/>
-                <dgm:constr type="ctrY" for="ch" forName="text_6" refType="ctrY" refFor="ch" refForName="accent_6"/>
-                <dgm:constr type="rMarg" for="ch" forName="text_6" refType="w" refFor="ch" refForName="accent_6" fact="1.8"/>
-                <dgm:constr type="h" for="ch" forName="accent_7" refType="h" fact="0.1136"/>
-                <dgm:constr type="w" for="ch" forName="accent_7" refType="h" refFor="ch" refForName="accent_7" op="equ"/>
-                <dgm:constr type="ctrY" for="ch" forName="accent_7" refType="h" fact="0.9091"/>
-                <dgm:constr type="ctrX" for="ch" forName="accent_7" refType="w"/>
-                <dgm:constr type="ctrXOff" for="ch" forName="accent_7" refType="h" fact="-0.0835"/>
-                <dgm:constr type="r" for="ch" forName="text_7" refType="ctrX" refFor="ch" refForName="accent_7"/>
-                <dgm:constr type="rOff" for="ch" forName="text_7" refType="ctrXOff" refFor="ch" refForName="accent_7"/>
-                <dgm:constr type="l" for="ch" forName="text_7"/>
-                <dgm:constr type="w" for="ch" forName="text_7" refType="h" refFor="ch" refForName="text_7" op="gte"/>
-                <dgm:constr type="h" for="ch" forName="text_7" refType="h" refFor="ch" refForName="accent_7" fact="0.8"/>
-                <dgm:constr type="ctrY" for="ch" forName="text_7" refType="ctrY" refFor="ch" refForName="accent_7"/>
-                <dgm:constr type="rMarg" for="ch" forName="text_7" refType="w" refFor="ch" refForName="accent_7" fact="1.8"/>
-                <dgm:constr type="primFontSz" for="ch" ptType="node" op="equ" val="65"/>
-              </dgm:constrLst>
-            </dgm:else>
-          </dgm:choose>
-        </dgm:else>
-      </dgm:choose>
-      <dgm:layoutNode name="cycle">
-        <dgm:choose name="Name21">
-          <dgm:if name="Name22" func="var" arg="dir" op="equ" val="norm">
-            <dgm:alg type="cycle">
-              <dgm:param type="stAng" val="45"/>
-              <dgm:param type="spanAng" val="90"/>
-            </dgm:alg>
-          </dgm:if>
-          <dgm:else name="Name23">
-            <dgm:alg type="cycle">
-              <dgm:param type="stAng" val="225"/>
-              <dgm:param type="spanAng" val="90"/>
-            </dgm:alg>
-          </dgm:else>
-        </dgm:choose>
-        <dgm:shape xmlns:r="http://schemas.openxmlformats.org/officeDocument/2006/relationships" r:blip="">
+    <dgm:presOf/>
+    <dgm:choose name="Name0">
+      <dgm:if name="Name1" axis="ch" ptType="node" func="cnt" op="lte" val="1">
+        <dgm:constrLst>
+          <dgm:constr type="primFontSz" for="ch" ptType="node" op="equ" val="65"/>
+          <dgm:constr type="w" for="ch" forName="gear1" refType="w" fact="0.55"/>
+          <dgm:constr type="h" for="ch" forName="gear1" refType="w" fact="0.55"/>
+          <dgm:constr type="l" for="ch" forName="gear1" refType="w" fact="0.05"/>
+          <dgm:constr type="t" for="ch" forName="gear1" refType="w" fact="0.05"/>
+          <dgm:constr type="w" for="ch" forName="gear1srcNode" val="1"/>
+          <dgm:constr type="h" for="ch" forName="gear1srcNode" val="1"/>
+          <dgm:constr type="l" for="ch" forName="gear1srcNode" refType="w" fact="0.32"/>
+          <dgm:constr type="t" for="ch" forName="gear1srcNode"/>
+          <dgm:constr type="w" for="ch" forName="gear1dstNode" val="1"/>
+          <dgm:constr type="h" for="ch" forName="gear1dstNode" val="1"/>
+          <dgm:constr type="r" for="ch" forName="gear1dstNode" refType="w" fact="0.58"/>
+          <dgm:constr type="t" for="ch" forName="gear1dstNode" refType="h" fact="0.55"/>
+          <dgm:constr type="diam" for="des" forName="connector1" refType="w" refFor="ch" refForName="gear1" op="equ" fact="1.1"/>
+          <dgm:constr type="h" for="des" forName="connector1" refType="w" refFor="ch" refForName="gear1" op="equ" fact="0.1"/>
+          <dgm:constr type="w" for="ch" forName="gear1ch" refType="w" fact="0.35"/>
+          <dgm:constr type="h" for="ch" forName="gear1ch" refType="w" refFor="ch" refForName="gear1ch" fact="0.6"/>
+          <dgm:constr type="l" for="ch" forName="gear1ch"/>
+          <dgm:constr type="b" for="ch" forName="gear1ch" refType="h" fact="0.6"/>
+        </dgm:constrLst>
+      </dgm:if>
+      <dgm:if name="Name2" axis="ch" ptType="node" func="cnt" op="equ" val="2">
+        <dgm:constrLst>
+          <dgm:constr type="primFontSz" for="ch" ptType="node" op="equ" val="65"/>
+          <dgm:constr type="w" for="ch" forName="gear1" refType="w" fact="0.55"/>
+          <dgm:constr type="h" for="ch" forName="gear1" refType="w" fact="0.55"/>
+          <dgm:constr type="l" for="ch" forName="gear1" refType="w" fact="0.45"/>
+          <dgm:constr type="t" for="ch" forName="gear1" refType="w" fact="0.25"/>
+          <dgm:constr type="w" for="ch" forName="gear1srcNode" val="1"/>
+          <dgm:constr type="h" for="ch" forName="gear1srcNode" val="1"/>
+          <dgm:constr type="l" for="ch" forName="gear1srcNode" refType="w" fact="0.72"/>
+          <dgm:constr type="t" for="ch" forName="gear1srcNode" refType="w" fact="0.2"/>
+          <dgm:constr type="w" for="ch" forName="gear1dstNode" val="1"/>
+          <dgm:constr type="h" for="ch" forName="gear1dstNode" val="1"/>
+          <dgm:constr type="r" for="ch" forName="gear1dstNode" refType="w" fact="0.98"/>
+          <dgm:constr type="t" for="ch" forName="gear1dstNode" refType="h" fact="0.75"/>
+          <dgm:constr type="diam" for="des" forName="connector1" refType="w" refFor="ch" refForName="gear1" op="equ" fact="1.1"/>
+          <dgm:constr type="h" for="des" forName="connector1" refType="w" refFor="ch" refForName="gear1" op="equ" fact="0.1"/>
+          <dgm:constr type="w" for="ch" forName="gear1ch" refType="w" fact="0.35"/>
+          <dgm:constr type="h" for="ch" forName="gear1ch" refType="w" refFor="ch" refForName="gear1ch" fact="0.6"/>
+          <dgm:constr type="l" for="ch" forName="gear1ch" refType="w" fact="0.38"/>
+          <dgm:constr type="b" for="ch" forName="gear1ch" refType="w" fact="0.8"/>
+          <dgm:constr type="w" for="ch" forName="gear2" refType="w" fact="0.4"/>
+          <dgm:constr type="h" for="ch" forName="gear2" refType="w" fact="0.4"/>
+          <dgm:constr type="l" for="ch" forName="gear2" refType="w" fact="0.13"/>
+          <dgm:constr type="t" for="ch" forName="gear2" refType="w" fact="0.12"/>
+          <dgm:constr type="w" for="ch" forName="gear2srcNode" val="1"/>
+          <dgm:constr type="h" for="ch" forName="gear2srcNode" val="1"/>
+          <dgm:constr type="l" for="ch" forName="gear2srcNode" refType="w" fact="0.23"/>
+          <dgm:constr type="t" for="ch" forName="gear2srcNode" refType="w" fact="0.08"/>
+          <dgm:constr type="w" for="ch" forName="gear2dstNode" val="1"/>
+          <dgm:constr type="h" for="ch" forName="gear2dstNode" val="1"/>
+          <dgm:constr type="l" for="ch" forName="gear2dstNode" refType="w" fact="0.1"/>
+          <dgm:constr type="t" for="ch" forName="gear2dstNode" refType="h" fact="0.33"/>
+          <dgm:constr type="diam" for="des" forName="connector2" refType="w" refFor="ch" refForName="gear2" op="equ" fact="-1.1"/>
+          <dgm:constr type="h" for="des" forName="connector2" refType="w" refFor="ch" refForName="gear1" op="equ" fact="0.1"/>
+          <dgm:constr type="w" for="ch" forName="gear2ch" refType="w" fact="0.35"/>
+          <dgm:constr type="h" for="ch" forName="gear2ch" refType="w" refFor="ch" refForName="gear2ch" fact="0.6"/>
+          <dgm:constr type="l" for="ch" forName="gear2ch" refType="w" fact="0.34"/>
+          <dgm:constr type="t" for="ch" forName="gear2ch" refType="w" fact="0.04"/>
+        </dgm:constrLst>
+      </dgm:if>
+      <dgm:else name="Name3">
+        <dgm:constrLst>
+          <dgm:constr type="primFontSz" for="ch" ptType="node" op="equ" val="65"/>
+          <dgm:constr type="w" for="ch" forName="gear1" refType="w" fact="0.55"/>
+          <dgm:constr type="h" for="ch" forName="gear1" refType="w" fact="0.55"/>
+          <dgm:constr type="l" for="ch" forName="gear1" refType="w" fact="0.45"/>
+          <dgm:constr type="t" for="ch" forName="gear1" refType="w" fact="0.45"/>
+          <dgm:constr type="w" for="ch" forName="gear1srcNode" val="1"/>
+          <dgm:constr type="h" for="ch" forName="gear1srcNode" val="1"/>
+          <dgm:constr type="l" for="ch" forName="gear1srcNode" refType="w" fact="0.72"/>
+          <dgm:constr type="t" for="ch" forName="gear1srcNode" refType="w" fact="0.4"/>
+          <dgm:constr type="w" for="ch" forName="gear1dstNode" val="1"/>
+          <dgm:constr type="h" for="ch" forName="gear1dstNode" val="1"/>
+          <dgm:constr type="r" for="ch" forName="gear1dstNode" refType="w" fact="0.98"/>
+          <dgm:constr type="t" for="ch" forName="gear1dstNode" refType="h" fact="0.95"/>
+          <dgm:constr type="diam" for="des" forName="connector1" refType="w" refFor="ch" refForName="gear1" op="equ" fact="1.15"/>
+          <dgm:constr type="h" for="des" forName="connector1" refType="w" refFor="ch" refForName="gear1" op="equ" fact="0.1"/>
+          <dgm:constr type="w" for="ch" forName="gear1ch" refType="w" fact="0.35"/>
+          <dgm:constr type="h" for="ch" forName="gear1ch" refType="w" refFor="ch" refForName="gear1ch" fact="0.6"/>
+          <dgm:constr type="l" for="ch" forName="gear1ch" refType="w" fact="0.38"/>
+          <dgm:constr type="b" for="ch" forName="gear1ch" refType="h"/>
+          <dgm:constr type="w" for="ch" forName="gear2" refType="w" fact="0.4"/>
+          <dgm:constr type="h" for="ch" forName="gear2" refType="w" fact="0.4"/>
+          <dgm:constr type="l" for="ch" forName="gear2" refType="w" fact="0.13"/>
+          <dgm:constr type="t" for="ch" forName="gear2" refType="w" fact="0.32"/>
+          <dgm:constr type="w" for="ch" forName="gear2srcNode" val="1"/>
+          <dgm:constr type="h" for="ch" forName="gear2srcNode" val="1"/>
+          <dgm:constr type="l" for="ch" forName="gear2srcNode" refType="w" fact="0.23"/>
+          <dgm:constr type="t" for="ch" forName="gear2srcNode" refType="w" fact="0.28"/>
+          <dgm:constr type="w" for="ch" forName="gear2dstNode" val="1"/>
+          <dgm:constr type="h" for="ch" forName="gear2dstNode" val="1"/>
+          <dgm:constr type="l" for="ch" forName="gear2dstNode" refType="w" fact="0.1"/>
+          <dgm:constr type="t" for="ch" forName="gear2dstNode" refType="h" fact="0.53"/>
+          <dgm:constr type="diam" for="des" forName="connector2" refType="w" refFor="ch" refForName="gear2" op="equ" fact="-1.1"/>
+          <dgm:constr type="h" for="des" forName="connector2" refType="w" refFor="ch" refForName="gear1" op="equ" fact="0.1"/>
+          <dgm:constr type="w" for="ch" forName="gear2ch" refType="w" fact="0.35"/>
+          <dgm:constr type="h" for="ch" forName="gear2ch" refType="w" refFor="ch" refForName="gear2ch" fact="0.6"/>
+          <dgm:constr type="l" for="ch" forName="gear2ch"/>
+          <dgm:constr type="t" for="ch" forName="gear2ch" refType="w" fact="0.58"/>
+          <dgm:constr type="w" for="ch" forName="gear3" refType="w" fact="0.48"/>
+          <dgm:constr type="h" for="ch" forName="gear3" refType="w" fact="0.48"/>
+          <dgm:constr type="l" for="ch" forName="gear3" refType="w" fact="0.31"/>
+          <dgm:constr type="t" for="ch" forName="gear3"/>
+          <dgm:constr type="w" for="ch" forName="gear3tx" refType="w" fact="0.22"/>
+          <dgm:constr type="h" for="ch" forName="gear3tx" refType="w" fact="0.22"/>
+          <dgm:constr type="ctrX" for="ch" forName="gear3tx" refType="ctrX" refFor="ch" refForName="gear3"/>
+          <dgm:constr type="ctrY" for="ch" forName="gear3tx" refType="ctrY" refFor="ch" refForName="gear3"/>
+          <dgm:constr type="w" for="ch" forName="gear3srcNode" val="1"/>
+          <dgm:constr type="h" for="ch" forName="gear3srcNode" val="1"/>
+          <dgm:constr type="l" for="ch" forName="gear3srcNode" refType="w" fact="0.3"/>
+          <dgm:constr type="t" for="ch" forName="gear3srcNode" refType="w" fact="0.25"/>
+          <dgm:constr type="w" for="ch" forName="gear3dstNode" val="1"/>
+          <dgm:constr type="h" for="ch" forName="gear3dstNode" val="1"/>
+          <dgm:constr type="l" for="ch" forName="gear3dstNode" refType="w" fact="0.38"/>
+          <dgm:constr type="t" for="ch" forName="gear3dstNode" refType="h" fact="0.05"/>
+          <dgm:constr type="diam" for="des" forName="connector3" refType="w" refFor="ch" refForName="gear3" op="equ"/>
+          <dgm:constr type="h" for="des" forName="connector3" refType="w" refFor="ch" refForName="gear1" op="equ" fact="0.1"/>
+          <dgm:constr type="w" for="ch" forName="gear3ch" refType="w" fact="0.35"/>
+          <dgm:constr type="h" for="ch" forName="gear3ch" refType="w" refFor="ch" refForName="gear3ch" fact="0.6"/>
+          <dgm:constr type="l" for="ch" forName="gear3ch" refType="w" fact="0.65"/>
+          <dgm:constr type="t" for="ch" forName="gear3ch" refType="h" fact="0.13"/>
+        </dgm:constrLst>
+      </dgm:else>
+    </dgm:choose>
+    <dgm:ruleLst/>
+    <dgm:forEach name="Name4" axis="ch" ptType="node" cnt="1">
+      <dgm:layoutNode name="gear1" styleLbl="node1">
+        <dgm:varLst>
+          <dgm:chMax val="1"/>
+          <dgm:bulletEnabled val="1"/>
+        </dgm:varLst>
+        <dgm:alg type="tx">
+          <dgm:param type="txAnchorVertCh" val="mid"/>
+        </dgm:alg>
+        <dgm:shape xmlns:r="http://schemas.openxmlformats.org/officeDocument/2006/relationships" type="gear9" r:blip="">
           <dgm:adjLst/>
         </dgm:shape>
-        <dgm:presOf/>
+        <dgm:presOf axis="self"/>
         <dgm:constrLst>
-          <dgm:constr type="w" for="ch" val="1"/>
-          <dgm:constr type="h" for="ch" val="1"/>
-          <dgm:constr type="diam" for="ch" forName="conn" refType="diam"/>
+          <dgm:constr type="tMarg" refType="primFontSz" fact="0.1"/>
+          <dgm:constr type="bMarg" refType="primFontSz" fact="0.1"/>
+          <dgm:constr type="lMarg" refType="primFontSz" fact="0.1"/>
+          <dgm:constr type="rMarg" refType="primFontSz" fact="0.1"/>
         </dgm:constrLst>
-        <dgm:layoutNode name="srcNode">
-          <dgm:alg type="sp"/>
-          <dgm:shape xmlns:r="http://schemas.openxmlformats.org/officeDocument/2006/relationships" type="rect" r:blip="" hideGeom="1">
-            <dgm:adjLst/>
-          </dgm:shape>
-          <dgm:presOf/>
-        </dgm:layoutNode>
-        <dgm:layoutNode name="conn" styleLbl="parChTrans1D2">
-          <dgm:alg type="conn">
-            <dgm:param type="connRout" val="curve"/>
-            <dgm:param type="srcNode" val="srcNode"/>
-            <dgm:param type="dstNode" val="dstNode"/>
-            <dgm:param type="begPts" val="ctr"/>
-            <dgm:param type="endPts" val="ctr"/>
-            <dgm:param type="endSty" val="noArr"/>
-          </dgm:alg>
-          <dgm:shape xmlns:r="http://schemas.openxmlformats.org/officeDocument/2006/relationships" type="conn" r:blip="">
-            <dgm:adjLst/>
-          </dgm:shape>
-          <dgm:presOf axis="desOrSelf" ptType="sibTrans" hideLastTrans="0" st="0" cnt="1"/>
-          <dgm:constrLst>
-            <dgm:constr type="begPad"/>
-            <dgm:constr type="endPad"/>
-          </dgm:constrLst>
-        </dgm:layoutNode>
-        <dgm:layoutNode name="extraNode">
-          <dgm:alg type="sp"/>
-          <dgm:shape xmlns:r="http://schemas.openxmlformats.org/officeDocument/2006/relationships" type="rect" r:blip="" hideGeom="1">
-            <dgm:adjLst/>
-          </dgm:shape>
-          <dgm:presOf/>
-        </dgm:layoutNode>
-        <dgm:layoutNode name="dstNode">
-          <dgm:alg type="sp"/>
-          <dgm:shape xmlns:r="http://schemas.openxmlformats.org/officeDocument/2006/relationships" type="rect" r:blip="" hideGeom="1">
-            <dgm:adjLst/>
-          </dgm:shape>
-          <dgm:presOf/>
-        </dgm:layoutNode>
+        <dgm:ruleLst>
+          <dgm:rule type="primFontSz" val="5" fact="NaN" max="NaN"/>
+        </dgm:ruleLst>
       </dgm:layoutNode>
-      <dgm:forEach name="wrapper" axis="self" ptType="parTrans">
-        <dgm:forEach name="wrapper2" axis="self" ptType="sibTrans" st="2">
-          <dgm:forEach name="accentRepeat" axis="self">
-            <dgm:layoutNode name="accentRepeatNode" styleLbl="solidFgAcc1">
-              <dgm:alg type="sp"/>
-              <dgm:shape xmlns:r="http://schemas.openxmlformats.org/officeDocument/2006/relationships" type="ellipse" r:blip="">
-                <dgm:adjLst/>
-              </dgm:shape>
-              <dgm:presOf/>
-            </dgm:layoutNode>
-          </dgm:forEach>
-        </dgm:forEach>
-      </dgm:forEach>
-      <dgm:forEach name="Name24" axis="ch" ptType="node" cnt="1">
-        <dgm:layoutNode name="text_1" styleLbl="node1">
-          <dgm:varLst>
-            <dgm:bulletEnabled val="1"/>
-          </dgm:varLst>
-          <dgm:choose name="Name25">
-            <dgm:if name="Name26" func="var" arg="dir" op="equ" val="norm">
-              <dgm:alg type="tx">
-                <dgm:param type="parTxLTRAlign" val="l"/>
-                <dgm:param type="shpTxLTRAlignCh" val="l"/>
-                <dgm:param type="parTxRTLAlign" val="l"/>
-                <dgm:param type="shpTxRTLAlignCh" val="l"/>
-              </dgm:alg>
-            </dgm:if>
-            <dgm:else name="Name27">
-              <dgm:alg type="tx">
-                <dgm:param type="parTxLTRAlign" val="r"/>
-                <dgm:param type="shpTxLTRAlignCh" val="r"/>
-                <dgm:param type="parTxRTLAlign" val="r"/>
-                <dgm:param type="shpTxRTLAlignCh" val="r"/>
-              </dgm:alg>
-            </dgm:else>
-          </dgm:choose>
-          <dgm:shape xmlns:r="http://schemas.openxmlformats.org/officeDocument/2006/relationships" type="rect" r:blip="">
-            <dgm:adjLst/>
-          </dgm:shape>
-          <dgm:presOf axis="desOrSelf" ptType="node"/>
-          <dgm:constrLst>
-            <dgm:constr type="primFontSz" val="65"/>
-            <dgm:constr type="lMarg" refType="primFontSz" fact="0.2"/>
-            <dgm:constr type="rMarg" refType="primFontSz" fact="0.2"/>
-            <dgm:constr type="tMarg" refType="primFontSz" fact="0.2"/>
-            <dgm:constr type="bMarg" refType="primFontSz" fact="0.2"/>
-          </dgm:constrLst>
-          <dgm:ruleLst>
-            <dgm:rule type="primFontSz" val="5" fact="NaN" max="NaN"/>
-          </dgm:ruleLst>
-        </dgm:layoutNode>
-        <dgm:layoutNode name="accent_1">
-          <dgm:alg type="sp"/>
-          <dgm:shape xmlns:r="http://schemas.openxmlformats.org/officeDocument/2006/relationships" r:blip="">
-            <dgm:adjLst/>
-          </dgm:shape>
-          <dgm:presOf/>
-          <dgm:constrLst/>
-          <dgm:forEach name="Name28" ref="accentRepeat"/>
-        </dgm:layoutNode>
-      </dgm:forEach>
-      <dgm:forEach name="Name29" axis="ch" ptType="node" st="2" cnt="1">
-        <dgm:layoutNode name="text_2" styleLbl="node1">
-          <dgm:varLst>
-            <dgm:bulletEnabled val="1"/>
-          </dgm:varLst>
-          <dgm:choose name="Name30">
-            <dgm:if name="Name31" func="var" arg="dir" op="equ" val="norm">
-              <dgm:alg type="tx">
-                <dgm:param type="parTxLTRAlign" val="l"/>
-                <dgm:param type="shpTxLTRAlignCh" val="l"/>
-                <dgm:param type="parTxRTLAlign" val="l"/>
-                <dgm:param type="shpTxRTLAlignCh" val="l"/>
-              </dgm:alg>
-            </dgm:if>
-            <dgm:else name="Name32">
-              <dgm:alg type="tx">
-                <dgm:param type="parTxLTRAlign" val="r"/>
-                <dgm:param type="shpTxLTRAlignCh" val="r"/>
-                <dgm:param type="parTxRTLAlign" val="r"/>
-                <dgm:param type="shpTxRTLAlignCh" val="r"/>
-              </dgm:alg>
-            </dgm:else>
-          </dgm:choose>
-          <dgm:shape xmlns:r="http://schemas.openxmlformats.org/officeDocument/2006/relationships" type="rect" r:blip="">
-            <dgm:adjLst/>
-          </dgm:shape>
-          <dgm:presOf axis="desOrSelf" ptType="node"/>
-          <dgm:constrLst>
-            <dgm:constr type="primFontSz" val="65"/>
-            <dgm:constr type="lMarg" refType="primFontSz" fact="0.2"/>
-            <dgm:constr type="rMarg" refType="primFontSz" fact="0.2"/>
-            <dgm:constr type="tMarg" refType="primFontSz" fact="0.2"/>
-            <dgm:constr type="bMarg" refType="primFontSz" fact="0.2"/>
-          </dgm:constrLst>
-          <dgm:ruleLst>
-            <dgm:rule type="primFontSz" val="5" fact="NaN" max="NaN"/>
-          </dgm:ruleLst>
-        </dgm:layoutNode>
-        <dgm:layoutNode name="accent_2">
-          <dgm:alg type="sp"/>
-          <dgm:shape xmlns:r="http://schemas.openxmlformats.org/officeDocument/2006/relationships" r:blip="">
-            <dgm:adjLst/>
-          </dgm:shape>
-          <dgm:presOf/>
-          <dgm:constrLst/>
-          <dgm:forEach name="Name33" ref="accentRepeat"/>
-        </dgm:layoutNode>
-      </dgm:forEach>
-      <dgm:forEach name="Name34" axis="ch" ptType="node" st="3" cnt="1">
-        <dgm:layoutNode name="text_3" styleLbl="node1">
-          <dgm:varLst>
-            <dgm:bulletEnabled val="1"/>
-          </dgm:varLst>
-          <dgm:choose name="Name35">
-            <dgm:if name="Name36" func="var" arg="dir" op="equ" val="norm">
-              <dgm:alg type="tx">
-                <dgm:param type="parTxLTRAlign" val="l"/>
-                <dgm:param type="shpTxLTRAlignCh" val="l"/>
-                <dgm:param type="parTxRTLAlign" val="l"/>
-                <dgm:param type="shpTxRTLAlignCh" val="l"/>
-              </dgm:alg>
-            </dgm:if>
-            <dgm:else name="Name37">
-              <dgm:alg type="tx">
-                <dgm:param type="parTxLTRAlign" val="r"/>
-                <dgm:param type="shpTxLTRAlignCh" val="r"/>
-                <dgm:param type="parTxRTLAlign" val="r"/>
-                <dgm:param type="shpTxRTLAlignCh" val="r"/>
-              </dgm:alg>
-            </dgm:else>
-          </dgm:choose>
-          <dgm:shape xmlns:r="http://schemas.openxmlformats.org/officeDocument/2006/relationships" type="rect" r:blip="">
-            <dgm:adjLst/>
-          </dgm:shape>
-          <dgm:presOf axis="desOrSelf" ptType="node"/>
-          <dgm:constrLst>
-            <dgm:constr type="primFontSz" val="65"/>
-            <dgm:constr type="lMarg" refType="primFontSz" fact="0.2"/>
-            <dgm:constr type="rMarg" refType="primFontSz" fact="0.2"/>
-            <dgm:constr type="tMarg" refType="primFontSz" fact="0.2"/>
-            <dgm:constr type="bMarg" refType="primFontSz" fact="0.2"/>
-          </dgm:constrLst>
-          <dgm:ruleLst>
-            <dgm:rule type="primFontSz" val="5" fact="NaN" max="NaN"/>
-          </dgm:ruleLst>
-        </dgm:layoutNode>
-        <dgm:layoutNode name="accent_3">
-          <dgm:alg type="sp"/>
-          <dgm:shape xmlns:r="http://schemas.openxmlformats.org/officeDocument/2006/relationships" r:blip="">
-            <dgm:adjLst/>
-          </dgm:shape>
-          <dgm:presOf/>
-          <dgm:constrLst/>
-          <dgm:forEach name="Name38" ref="accentRepeat"/>
-        </dgm:layoutNode>
-      </dgm:forEach>
-      <dgm:forEach name="Name39" axis="ch" ptType="node" st="4" cnt="1">
-        <dgm:layoutNode name="text_4" styleLbl="node1">
-          <dgm:varLst>
-            <dgm:bulletEnabled val="1"/>
-          </dgm:varLst>
-          <dgm:choose name="Name40">
-            <dgm:if name="Name41" func="var" arg="dir" op="equ" val="norm">
-              <dgm:alg type="tx">
-                <dgm:param type="parTxLTRAlign" val="l"/>
-                <dgm:param type="shpTxLTRAlignCh" val="l"/>
-                <dgm:param type="parTxRTLAlign" val="l"/>
-                <dgm:param type="shpTxRTLAlignCh" val="l"/>
-              </dgm:alg>
-            </dgm:if>
-            <dgm:else name="Name42">
-              <dgm:alg type="tx">
-                <dgm:param type="parTxLTRAlign" val="r"/>
-                <dgm:param type="shpTxLTRAlignCh" val="r"/>
-                <dgm:param type="parTxRTLAlign" val="r"/>
-                <dgm:param type="shpTxRTLAlignCh" val="r"/>
-              </dgm:alg>
-            </dgm:else>
-          </dgm:choose>
-          <dgm:shape xmlns:r="http://schemas.openxmlformats.org/officeDocument/2006/relationships" type="rect" r:blip="">
-            <dgm:adjLst/>
-          </dgm:shape>
-          <dgm:presOf axis="desOrSelf" ptType="node"/>
-          <dgm:constrLst>
-            <dgm:constr type="primFontSz" val="65"/>
-            <dgm:constr type="lMarg" refType="primFontSz" fact="0.2"/>
-            <dgm:constr type="rMarg" refType="primFontSz" fact="0.2"/>
-            <dgm:constr type="tMarg" refType="primFontSz" fact="0.2"/>
-            <dgm:constr type="bMarg" refType="primFontSz" fact="0.2"/>
-          </dgm:constrLst>
-          <dgm:ruleLst>
-            <dgm:rule type="primFontSz" val="5" fact="NaN" max="NaN"/>
-          </dgm:ruleLst>
-        </dgm:layoutNode>
-        <dgm:layoutNode name="accent_4">
-          <dgm:alg type="sp"/>
-          <dgm:shape xmlns:r="http://schemas.openxmlformats.org/officeDocument/2006/relationships" r:blip="">
-            <dgm:adjLst/>
-          </dgm:shape>
-          <dgm:presOf/>
-          <dgm:constrLst/>
-          <dgm:forEach name="Name43" ref="accentRepeat"/>
-        </dgm:layoutNode>
-      </dgm:forEach>
-      <dgm:forEach name="Name44" axis="ch" ptType="node" st="5" cnt="1">
-        <dgm:layoutNode name="text_5" styleLbl="node1">
-          <dgm:varLst>
-            <dgm:bulletEnabled val="1"/>
-          </dgm:varLst>
-          <dgm:choose name="Name45">
-            <dgm:if name="Name46" func="var" arg="dir" op="equ" val="norm">
-              <dgm:alg type="tx">
-                <dgm:param type="parTxLTRAlign" val="l"/>
-                <dgm:param type="shpTxLTRAlignCh" val="l"/>
-                <dgm:param type="parTxRTLAlign" val="l"/>
-                <dgm:param type="shpTxRTLAlignCh" val="l"/>
-              </dgm:alg>
-            </dgm:if>
-            <dgm:else name="Name47">
-              <dgm:alg type="tx">
-                <dgm:param type="parTxLTRAlign" val="r"/>
-                <dgm:param type="shpTxLTRAlignCh" val="r"/>
-                <dgm:param type="parTxRTLAlign" val="r"/>
-                <dgm:param type="shpTxRTLAlignCh" val="r"/>
-              </dgm:alg>
-            </dgm:else>
-          </dgm:choose>
-          <dgm:shape xmlns:r="http://schemas.openxmlformats.org/officeDocument/2006/relationships" type="rect" r:blip="">
-            <dgm:adjLst/>
-          </dgm:shape>
-          <dgm:presOf axis="desOrSelf" ptType="node"/>
-          <dgm:constrLst>
-            <dgm:constr type="primFontSz" val="65"/>
-            <dgm:constr type="lMarg" refType="primFontSz" fact="0.2"/>
-            <dgm:constr type="rMarg" refType="primFontSz" fact="0.2"/>
-            <dgm:constr type="tMarg" refType="primFontSz" fact="0.2"/>
-            <dgm:constr type="bMarg" refType="primFontSz" fact="0.2"/>
-          </dgm:constrLst>
-          <dgm:ruleLst>
-            <dgm:rule type="primFontSz" val="5" fact="NaN" max="NaN"/>
-          </dgm:ruleLst>
-        </dgm:layoutNode>
-        <dgm:layoutNode name="accent_5">
-          <dgm:alg type="sp"/>
-          <dgm:shape xmlns:r="http://schemas.openxmlformats.org/officeDocument/2006/relationships" r:blip="">
-            <dgm:adjLst/>
-          </dgm:shape>
-          <dgm:presOf/>
-          <dgm:constrLst/>
-          <dgm:forEach name="Name48" ref="accentRepeat"/>
-        </dgm:layoutNode>
-      </dgm:forEach>
-      <dgm:forEach name="Name49" axis="ch" ptType="node" st="6" cnt="1">
-        <dgm:layoutNode name="text_6" styleLbl="node1">
-          <dgm:varLst>
-            <dgm:bulletEnabled val="1"/>
-          </dgm:varLst>
-          <dgm:choose name="Name50">
-            <dgm:if name="Name51" func="var" arg="dir" op="equ" val="norm">
-              <dgm:alg type="tx">
-                <dgm:param type="parTxLTRAlign" val="l"/>
-                <dgm:param type="shpTxLTRAlignCh" val="l"/>
-                <dgm:param type="parTxRTLAlign" val="l"/>
-                <dgm:param type="shpTxRTLAlignCh" val="l"/>
-              </dgm:alg>
-            </dgm:if>
-            <dgm:else name="Name52">
-              <dgm:alg type="tx">
-                <dgm:param type="parTxLTRAlign" val="r"/>
-                <dgm:param type="shpTxLTRAlignCh" val="r"/>
-                <dgm:param type="parTxRTLAlign" val="r"/>
-                <dgm:param type="shpTxRTLAlignCh" val="r"/>
-              </dgm:alg>
-            </dgm:else>
-          </dgm:choose>
-          <dgm:shape xmlns:r="http://schemas.openxmlformats.org/officeDocument/2006/relationships" type="rect" r:blip="">
-            <dgm:adjLst/>
-          </dgm:shape>
-          <dgm:presOf axis="desOrSelf" ptType="node"/>
-          <dgm:constrLst>
-            <dgm:constr type="primFontSz" val="65"/>
-            <dgm:constr type="lMarg" refType="primFontSz" fact="0.2"/>
-            <dgm:constr type="rMarg" refType="primFontSz" fact="0.2"/>
-            <dgm:constr type="tMarg" refType="primFontSz" fact="0.2"/>
-            <dgm:constr type="bMarg" refType="primFontSz" fact="0.2"/>
-          </dgm:constrLst>
-          <dgm:ruleLst>
-            <dgm:rule type="primFontSz" val="5" fact="NaN" max="NaN"/>
-          </dgm:ruleLst>
-        </dgm:layoutNode>
-        <dgm:layoutNode name="accent_6">
-          <dgm:alg type="sp"/>
-          <dgm:shape xmlns:r="http://schemas.openxmlformats.org/officeDocument/2006/relationships" r:blip="">
-            <dgm:adjLst/>
-          </dgm:shape>
-          <dgm:presOf/>
-          <dgm:constrLst/>
-          <dgm:forEach name="Name53" ref="accentRepeat"/>
-        </dgm:layoutNode>
-      </dgm:forEach>
-      <dgm:forEach name="Name54" axis="ch" ptType="node" st="7" cnt="1">
-        <dgm:layoutNode name="text_7" styleLbl="node1">
-          <dgm:varLst>
-            <dgm:bulletEnabled val="1"/>
-          </dgm:varLst>
-          <dgm:choose name="Name55">
-            <dgm:if name="Name56" func="var" arg="dir" op="equ" val="norm">
-              <dgm:alg type="tx">
-                <dgm:param type="parTxLTRAlign" val="l"/>
-                <dgm:param type="shpTxLTRAlignCh" val="l"/>
-                <dgm:param type="parTxRTLAlign" val="l"/>
-                <dgm:param type="shpTxRTLAlignCh" val="l"/>
-              </dgm:alg>
-            </dgm:if>
-            <dgm:else name="Name57">
-              <dgm:alg type="tx">
-                <dgm:param type="parTxLTRAlign" val="r"/>
-                <dgm:param type="shpTxLTRAlignCh" val="r"/>
-                <dgm:param type="parTxRTLAlign" val="r"/>
-                <dgm:param type="shpTxRTLAlignCh" val="r"/>
-              </dgm:alg>
-            </dgm:else>
-          </dgm:choose>
-          <dgm:shape xmlns:r="http://schemas.openxmlformats.org/officeDocument/2006/relationships" type="rect" r:blip="">
-            <dgm:adjLst/>
-          </dgm:shape>
-          <dgm:presOf axis="desOrSelf" ptType="node"/>
-          <dgm:constrLst>
-            <dgm:constr type="primFontSz" val="65"/>
-            <dgm:constr type="lMarg" refType="primFontSz" fact="0.2"/>
-            <dgm:constr type="rMarg" refType="primFontSz" fact="0.2"/>
-            <dgm:constr type="tMarg" refType="primFontSz" fact="0.2"/>
-            <dgm:constr type="bMarg" refType="primFontSz" fact="0.2"/>
-          </dgm:constrLst>
-          <dgm:ruleLst>
-            <dgm:rule type="primFontSz" val="5" fact="NaN" max="NaN"/>
-          </dgm:ruleLst>
-        </dgm:layoutNode>
-        <dgm:layoutNode name="accent_7">
-          <dgm:alg type="sp"/>
-          <dgm:shape xmlns:r="http://schemas.openxmlformats.org/officeDocument/2006/relationships" r:blip="">
-            <dgm:adjLst/>
-          </dgm:shape>
-          <dgm:presOf/>
-          <dgm:constrLst/>
-          <dgm:forEach name="Name58" ref="accentRepeat"/>
-        </dgm:layoutNode>
-      </dgm:forEach>
-    </dgm:layoutNode>
+      <dgm:layoutNode name="gear1srcNode">
+        <dgm:alg type="sp"/>
+        <dgm:shape xmlns:r="http://schemas.openxmlformats.org/officeDocument/2006/relationships" type="rect" r:blip="" hideGeom="1">
+          <dgm:adjLst/>
+        </dgm:shape>
+        <dgm:presOf axis="self"/>
+        <dgm:constrLst/>
+        <dgm:ruleLst/>
+      </dgm:layoutNode>
+      <dgm:layoutNode name="gear1dstNode">
+        <dgm:alg type="sp"/>
+        <dgm:shape xmlns:r="http://schemas.openxmlformats.org/officeDocument/2006/relationships" type="rect" r:blip="" hideGeom="1">
+          <dgm:adjLst/>
+        </dgm:shape>
+        <dgm:presOf axis="self"/>
+        <dgm:constrLst/>
+        <dgm:ruleLst/>
+      </dgm:layoutNode>
+      <dgm:choose name="Name5">
+        <dgm:if name="Name6" axis="ch" ptType="node" func="cnt" op="gte" val="1">
+          <dgm:layoutNode name="gear1ch" styleLbl="fgAcc1">
+            <dgm:varLst>
+              <dgm:chMax val="0"/>
+              <dgm:bulletEnabled val="1"/>
+            </dgm:varLst>
+            <dgm:alg type="tx">
+              <dgm:param type="stBulletLvl" val="1"/>
+            </dgm:alg>
+            <dgm:shape xmlns:r="http://schemas.openxmlformats.org/officeDocument/2006/relationships" type="roundRect" r:blip="">
+              <dgm:adjLst>
+                <dgm:adj idx="1" val="0.1"/>
+              </dgm:adjLst>
+            </dgm:shape>
+            <dgm:presOf axis="des" ptType="node"/>
+            <dgm:constrLst>
+              <dgm:constr type="tMarg" refType="primFontSz" fact="0.3"/>
+              <dgm:constr type="bMarg" refType="primFontSz" fact="0.3"/>
+              <dgm:constr type="lMarg" refType="primFontSz" fact="0.3"/>
+              <dgm:constr type="rMarg" refType="primFontSz" fact="0.3"/>
+            </dgm:constrLst>
+            <dgm:ruleLst>
+              <dgm:rule type="primFontSz" val="5" fact="NaN" max="NaN"/>
+            </dgm:ruleLst>
+          </dgm:layoutNode>
+        </dgm:if>
+        <dgm:else name="Name7"/>
+      </dgm:choose>
+    </dgm:forEach>
+    <dgm:forEach name="Name8" axis="ch" ptType="node" st="2" cnt="1">
+      <dgm:layoutNode name="gear2" styleLbl="node1">
+        <dgm:varLst>
+          <dgm:chMax val="1"/>
+          <dgm:bulletEnabled val="1"/>
+        </dgm:varLst>
+        <dgm:alg type="tx">
+          <dgm:param type="txAnchorVertCh" val="mid"/>
+        </dgm:alg>
+        <dgm:shape xmlns:r="http://schemas.openxmlformats.org/officeDocument/2006/relationships" type="gear6" r:blip="">
+          <dgm:adjLst/>
+        </dgm:shape>
+        <dgm:presOf axis="self"/>
+        <dgm:constrLst>
+          <dgm:constr type="tMarg" refType="primFontSz" fact="0.1"/>
+          <dgm:constr type="bMarg" refType="primFontSz" fact="0.1"/>
+          <dgm:constr type="lMarg" refType="primFontSz" fact="0.1"/>
+          <dgm:constr type="rMarg" refType="primFontSz" fact="0.1"/>
+        </dgm:constrLst>
+        <dgm:ruleLst>
+          <dgm:rule type="primFontSz" val="5" fact="NaN" max="NaN"/>
+        </dgm:ruleLst>
+      </dgm:layoutNode>
+      <dgm:layoutNode name="gear2srcNode">
+        <dgm:alg type="sp"/>
+        <dgm:shape xmlns:r="http://schemas.openxmlformats.org/officeDocument/2006/relationships" type="rect" r:blip="" hideGeom="1">
+          <dgm:adjLst/>
+        </dgm:shape>
+        <dgm:presOf axis="self"/>
+        <dgm:constrLst/>
+        <dgm:ruleLst/>
+      </dgm:layoutNode>
+      <dgm:layoutNode name="gear2dstNode">
+        <dgm:alg type="sp"/>
+        <dgm:shape xmlns:r="http://schemas.openxmlformats.org/officeDocument/2006/relationships" type="rect" r:blip="" hideGeom="1">
+          <dgm:adjLst/>
+        </dgm:shape>
+        <dgm:presOf axis="self"/>
+        <dgm:constrLst/>
+        <dgm:ruleLst/>
+      </dgm:layoutNode>
+      <dgm:choose name="Name9">
+        <dgm:if name="Name10" axis="ch" ptType="node" func="cnt" op="gte" val="1">
+          <dgm:layoutNode name="gear2ch" styleLbl="fgAcc1">
+            <dgm:varLst>
+              <dgm:chMax val="0"/>
+              <dgm:bulletEnabled val="1"/>
+            </dgm:varLst>
+            <dgm:alg type="tx">
+              <dgm:param type="stBulletLvl" val="1"/>
+            </dgm:alg>
+            <dgm:shape xmlns:r="http://schemas.openxmlformats.org/officeDocument/2006/relationships" type="roundRect" r:blip="">
+              <dgm:adjLst>
+                <dgm:adj idx="1" val="0.1"/>
+              </dgm:adjLst>
+            </dgm:shape>
+            <dgm:presOf axis="des" ptType="node"/>
+            <dgm:constrLst>
+              <dgm:constr type="tMarg" refType="primFontSz" fact="0.3"/>
+              <dgm:constr type="bMarg" refType="primFontSz" fact="0.3"/>
+              <dgm:constr type="lMarg" refType="primFontSz" fact="0.3"/>
+              <dgm:constr type="rMarg" refType="primFontSz" fact="0.3"/>
+            </dgm:constrLst>
+            <dgm:ruleLst>
+              <dgm:rule type="primFontSz" val="5" fact="NaN" max="NaN"/>
+            </dgm:ruleLst>
+          </dgm:layoutNode>
+        </dgm:if>
+        <dgm:else name="Name11"/>
+      </dgm:choose>
+    </dgm:forEach>
+    <dgm:forEach name="Name12" axis="ch" ptType="node" st="3" cnt="1">
+      <dgm:layoutNode name="gear3" styleLbl="node1">
+        <dgm:alg type="sp"/>
+        <dgm:shape xmlns:r="http://schemas.openxmlformats.org/officeDocument/2006/relationships" rot="-15" type="gear6" r:blip="">
+          <dgm:adjLst/>
+        </dgm:shape>
+        <dgm:presOf axis="self"/>
+        <dgm:constrLst/>
+        <dgm:ruleLst/>
+      </dgm:layoutNode>
+      <dgm:layoutNode name="gear3tx" styleLbl="node1">
+        <dgm:varLst>
+          <dgm:chMax val="1"/>
+          <dgm:bulletEnabled val="1"/>
+        </dgm:varLst>
+        <dgm:alg type="tx">
+          <dgm:param type="txAnchorVertCh" val="mid"/>
+        </dgm:alg>
+        <dgm:shape xmlns:r="http://schemas.openxmlformats.org/officeDocument/2006/relationships" type="rect" r:blip="" hideGeom="1">
+          <dgm:adjLst/>
+        </dgm:shape>
+        <dgm:presOf axis="self"/>
+        <dgm:constrLst>
+          <dgm:constr type="tMarg" refType="primFontSz" fact="0.1"/>
+          <dgm:constr type="bMarg" refType="primFontSz" fact="0.1"/>
+          <dgm:constr type="lMarg" refType="primFontSz" fact="0.1"/>
+          <dgm:constr type="rMarg" refType="primFontSz" fact="0.1"/>
+        </dgm:constrLst>
+        <dgm:ruleLst>
+          <dgm:rule type="primFontSz" val="5" fact="NaN" max="NaN"/>
+        </dgm:ruleLst>
+      </dgm:layoutNode>
+      <dgm:layoutNode name="gear3srcNode">
+        <dgm:alg type="sp"/>
+        <dgm:shape xmlns:r="http://schemas.openxmlformats.org/officeDocument/2006/relationships" type="rect" r:blip="" hideGeom="1">
+          <dgm:adjLst/>
+        </dgm:shape>
+        <dgm:presOf axis="self"/>
+        <dgm:constrLst/>
+        <dgm:ruleLst/>
+      </dgm:layoutNode>
+      <dgm:layoutNode name="gear3dstNode">
+        <dgm:alg type="sp"/>
+        <dgm:shape xmlns:r="http://schemas.openxmlformats.org/officeDocument/2006/relationships" type="rect" r:blip="" hideGeom="1">
+          <dgm:adjLst/>
+        </dgm:shape>
+        <dgm:presOf axis="self"/>
+        <dgm:constrLst/>
+        <dgm:ruleLst/>
+      </dgm:layoutNode>
+      <dgm:choose name="Name13">
+        <dgm:if name="Name14" axis="ch" ptType="node" func="cnt" op="gte" val="1">
+          <dgm:layoutNode name="gear3ch" styleLbl="fgAcc1">
+            <dgm:varLst>
+              <dgm:chMax val="0"/>
+              <dgm:bulletEnabled val="1"/>
+            </dgm:varLst>
+            <dgm:alg type="tx">
+              <dgm:param type="stBulletLvl" val="1"/>
+            </dgm:alg>
+            <dgm:shape xmlns:r="http://schemas.openxmlformats.org/officeDocument/2006/relationships" type="roundRect" r:blip="">
+              <dgm:adjLst>
+                <dgm:adj idx="1" val="0.1"/>
+              </dgm:adjLst>
+            </dgm:shape>
+            <dgm:presOf axis="des" ptType="node"/>
+            <dgm:constrLst>
+              <dgm:constr type="tMarg" refType="primFontSz" fact="0.3"/>
+              <dgm:constr type="bMarg" refType="primFontSz" fact="0.3"/>
+              <dgm:constr type="lMarg" refType="primFontSz" fact="0.3"/>
+              <dgm:constr type="rMarg" refType="primFontSz" fact="0.3"/>
+            </dgm:constrLst>
+            <dgm:ruleLst>
+              <dgm:rule type="primFontSz" val="5" fact="NaN" max="NaN"/>
+            </dgm:ruleLst>
+          </dgm:layoutNode>
+        </dgm:if>
+        <dgm:else name="Name15"/>
+      </dgm:choose>
+    </dgm:forEach>
+    <dgm:forEach name="Name16" axis="ch" ptType="sibTrans" hideLastTrans="0" cnt="1">
+      <dgm:layoutNode name="connector1" styleLbl="sibTrans2D1">
+        <dgm:alg type="conn">
+          <dgm:param type="connRout" val="curve"/>
+          <dgm:param type="srcNode" val="gear1srcNode"/>
+          <dgm:param type="dstNode" val="gear1dstNode"/>
+          <dgm:param type="begPts" val="midR"/>
+          <dgm:param type="endPts" val="tCtr"/>
+        </dgm:alg>
+        <dgm:shape xmlns:r="http://schemas.openxmlformats.org/officeDocument/2006/relationships" type="conn" r:blip="">
+          <dgm:adjLst/>
+        </dgm:shape>
+        <dgm:presOf axis="self"/>
+        <dgm:constrLst>
+          <dgm:constr type="w" val="10"/>
+          <dgm:constr type="h" val="10"/>
+          <dgm:constr type="begPad"/>
+          <dgm:constr type="endPad"/>
+        </dgm:constrLst>
+        <dgm:ruleLst/>
+      </dgm:layoutNode>
+    </dgm:forEach>
+    <dgm:forEach name="Name17" axis="ch" ptType="sibTrans" hideLastTrans="0" st="2" cnt="1">
+      <dgm:layoutNode name="connector2" styleLbl="sibTrans2D1">
+        <dgm:alg type="conn">
+          <dgm:param type="connRout" val="curve"/>
+          <dgm:param type="srcNode" val="gear2srcNode"/>
+          <dgm:param type="dstNode" val="gear2dstNode"/>
+          <dgm:param type="begPts" val="midL"/>
+          <dgm:param type="endPts" val="midL"/>
+        </dgm:alg>
+        <dgm:shape xmlns:r="http://schemas.openxmlformats.org/officeDocument/2006/relationships" type="conn" r:blip="">
+          <dgm:adjLst/>
+        </dgm:shape>
+        <dgm:presOf axis="self"/>
+        <dgm:constrLst>
+          <dgm:constr type="w" val="10"/>
+          <dgm:constr type="h" val="10"/>
+          <dgm:constr type="begPad"/>
+          <dgm:constr type="endPad"/>
+        </dgm:constrLst>
+        <dgm:ruleLst/>
+      </dgm:layoutNode>
+    </dgm:forEach>
+    <dgm:forEach name="Name18" axis="ch" ptType="sibTrans" hideLastTrans="0" st="3" cnt="1">
+      <dgm:layoutNode name="connector3" styleLbl="sibTrans2D1">
+        <dgm:alg type="conn">
+          <dgm:param type="connRout" val="curve"/>
+          <dgm:param type="srcNode" val="gear3srcNode"/>
+          <dgm:param type="dstNode" val="gear3dstNode"/>
+          <dgm:param type="begPts" val="midL"/>
+          <dgm:param type="endPts" val="midL"/>
+        </dgm:alg>
+        <dgm:shape xmlns:r="http://schemas.openxmlformats.org/officeDocument/2006/relationships" type="conn" r:blip="">
+          <dgm:adjLst/>
+        </dgm:shape>
+        <dgm:presOf axis="self"/>
+        <dgm:constrLst>
+          <dgm:constr type="w" val="10"/>
+          <dgm:constr type="h" val="10"/>
+          <dgm:constr type="begPad"/>
+          <dgm:constr type="endPad"/>
+        </dgm:constrLst>
+        <dgm:ruleLst/>
+      </dgm:layoutNode>
+    </dgm:forEach>
   </dgm:layoutNode>
 </dgm:layoutDef>
 </file>
@@ -10991,10 +9777,6 @@
           <a:lstStyle/>
           <a:p>
             <a:r>
-              <a:rPr lang="en-US" dirty="0" smtClean="0"/>
-              <a:t>DC Python </a:t>
-            </a:r>
-            <a:r>
               <a:rPr lang="en-US" dirty="0" err="1" smtClean="0"/>
               <a:t>Meetup</a:t>
             </a:r>
@@ -11046,7 +9828,7 @@
       </p:sp>
       <p:pic>
         <p:nvPicPr>
-          <p:cNvPr id="4" name="Picture 3" descr="python-logo-master-v3-TM-flattened.png"/>
+          <p:cNvPr id="5" name="Picture 4" descr="dcpython.png"/>
           <p:cNvPicPr>
             <a:picLocks noChangeAspect="1"/>
           </p:cNvPicPr>
@@ -11066,8 +9848,8 @@
         </p:blipFill>
         <p:spPr>
           <a:xfrm>
-            <a:off x="685800" y="510812"/>
-            <a:ext cx="7727143" cy="2610000"/>
+            <a:off x="76200" y="468165"/>
+            <a:ext cx="8991600" cy="2578100"/>
           </a:xfrm>
           <a:prstGeom prst="rect">
             <a:avLst/>
@@ -11943,19 +10725,19 @@
       </p:sp>
       <p:graphicFrame>
         <p:nvGraphicFramePr>
-          <p:cNvPr id="8" name="Diagram 7"/>
+          <p:cNvPr id="7" name="Diagram 6"/>
           <p:cNvGraphicFramePr/>
           <p:nvPr>
             <p:extLst>
               <p:ext uri="{D42A27DB-BD31-4B8C-83A1-F6EECF244321}">
-                <p14:modId xmlns:p14="http://schemas.microsoft.com/office/powerpoint/2010/main" val="1902004002"/>
+                <p14:modId xmlns:p14="http://schemas.microsoft.com/office/powerpoint/2010/main" val="2255582973"/>
               </p:ext>
             </p:extLst>
           </p:nvPr>
         </p:nvGraphicFramePr>
         <p:xfrm>
-          <a:off x="2294498" y="3642433"/>
-          <a:ext cx="6267983" cy="2783306"/>
+          <a:off x="3027405" y="2821459"/>
+          <a:ext cx="5546811" cy="3655540"/>
         </p:xfrm>
         <a:graphic>
           <a:graphicData uri="http://schemas.openxmlformats.org/drawingml/2006/diagram">
@@ -12997,7 +11779,7 @@
           </a:p>
           <a:p>
             <a:r>
-              <a:rPr lang="en-US" smtClean="0">
+              <a:rPr lang="en-US" dirty="0" smtClean="0">
                 <a:solidFill>
                   <a:schemeClr val="bg1">
                     <a:lumMod val="50000"/>

--- a/DC Python Generic Meetup Slides.pptx
+++ b/DC Python Generic Meetup Slides.pptx
@@ -9768,7 +9768,7 @@
         </p:nvSpPr>
         <p:spPr>
           <a:xfrm>
-            <a:off x="685800" y="2641237"/>
+            <a:off x="685800" y="2455885"/>
             <a:ext cx="7772400" cy="1470025"/>
           </a:xfrm>
         </p:spPr>
@@ -9796,7 +9796,7 @@
         </p:nvSpPr>
         <p:spPr>
           <a:xfrm>
-            <a:off x="1371600" y="4397012"/>
+            <a:off x="1371600" y="4328363"/>
             <a:ext cx="6400800" cy="1752600"/>
           </a:xfrm>
         </p:spPr>
@@ -9848,7 +9848,7 @@
         </p:blipFill>
         <p:spPr>
           <a:xfrm>
-            <a:off x="76200" y="468165"/>
+            <a:off x="76200" y="310273"/>
             <a:ext cx="8991600" cy="2578100"/>
           </a:xfrm>
           <a:prstGeom prst="rect">

--- a/DC Python Generic Meetup Slides.pptx
+++ b/DC Python Generic Meetup Slides.pptx
@@ -5,10 +5,10 @@
     <p:sldMasterId id="2147483648" r:id="rId1"/>
   </p:sldMasterIdLst>
   <p:notesMasterIdLst>
-    <p:notesMasterId r:id="rId26"/>
+    <p:notesMasterId r:id="rId35"/>
   </p:notesMasterIdLst>
   <p:handoutMasterIdLst>
-    <p:handoutMasterId r:id="rId27"/>
+    <p:handoutMasterId r:id="rId36"/>
   </p:handoutMasterIdLst>
   <p:sldIdLst>
     <p:sldId id="256" r:id="rId2"/>
@@ -35,6 +35,15 @@
     <p:sldId id="282" r:id="rId23"/>
     <p:sldId id="278" r:id="rId24"/>
     <p:sldId id="279" r:id="rId25"/>
+    <p:sldId id="283" r:id="rId26"/>
+    <p:sldId id="284" r:id="rId27"/>
+    <p:sldId id="285" r:id="rId28"/>
+    <p:sldId id="286" r:id="rId29"/>
+    <p:sldId id="287" r:id="rId30"/>
+    <p:sldId id="288" r:id="rId31"/>
+    <p:sldId id="289" r:id="rId32"/>
+    <p:sldId id="291" r:id="rId33"/>
+    <p:sldId id="292" r:id="rId34"/>
   </p:sldIdLst>
   <p:sldSz cx="9144000" cy="6858000" type="screen4x3"/>
   <p:notesSz cx="6858000" cy="9144000"/>
@@ -12062,6 +12071,494 @@
 </p:sld>
 </file>
 
+<file path=ppt/slides/slide25.xml><?xml version="1.0" encoding="utf-8"?>
+<p:sld xmlns:a="http://schemas.openxmlformats.org/drawingml/2006/main" xmlns:r="http://schemas.openxmlformats.org/officeDocument/2006/relationships" xmlns:p="http://schemas.openxmlformats.org/presentationml/2006/main">
+  <p:cSld>
+    <p:spTree>
+      <p:nvGrpSpPr>
+        <p:cNvPr id="1" name=""/>
+        <p:cNvGrpSpPr/>
+        <p:nvPr/>
+      </p:nvGrpSpPr>
+      <p:grpSpPr>
+        <a:xfrm>
+          <a:off x="0" y="0"/>
+          <a:ext cx="0" cy="0"/>
+          <a:chOff x="0" y="0"/>
+          <a:chExt cx="0" cy="0"/>
+        </a:xfrm>
+      </p:grpSpPr>
+      <p:sp>
+        <p:nvSpPr>
+          <p:cNvPr id="2" name="Title 1"/>
+          <p:cNvSpPr>
+            <a:spLocks noGrp="1"/>
+          </p:cNvSpPr>
+          <p:nvPr>
+            <p:ph type="title"/>
+          </p:nvPr>
+        </p:nvSpPr>
+        <p:spPr/>
+        <p:txBody>
+          <a:bodyPr/>
+          <a:lstStyle/>
+          <a:p>
+            <a:r>
+              <a:rPr lang="en-US" dirty="0" smtClean="0"/>
+              <a:t>Who?	</a:t>
+            </a:r>
+            <a:endParaRPr lang="en-US" dirty="0"/>
+          </a:p>
+        </p:txBody>
+      </p:sp>
+      <p:sp>
+        <p:nvSpPr>
+          <p:cNvPr id="3" name="Content Placeholder 2"/>
+          <p:cNvSpPr>
+            <a:spLocks noGrp="1"/>
+          </p:cNvSpPr>
+          <p:nvPr>
+            <p:ph idx="1"/>
+          </p:nvPr>
+        </p:nvSpPr>
+        <p:spPr/>
+        <p:txBody>
+          <a:bodyPr/>
+          <a:lstStyle/>
+          <a:p>
+            <a:r>
+              <a:rPr lang="en-US" dirty="0" smtClean="0">
+                <a:solidFill>
+                  <a:schemeClr val="bg1">
+                    <a:lumMod val="50000"/>
+                  </a:schemeClr>
+                </a:solidFill>
+              </a:rPr>
+              <a:t>Your Host</a:t>
+            </a:r>
+          </a:p>
+        </p:txBody>
+      </p:sp>
+    </p:spTree>
+    <p:extLst>
+      <p:ext uri="{BB962C8B-B14F-4D97-AF65-F5344CB8AC3E}">
+        <p14:creationId xmlns:p14="http://schemas.microsoft.com/office/powerpoint/2010/main" val="332378758"/>
+      </p:ext>
+    </p:extLst>
+  </p:cSld>
+  <p:clrMapOvr>
+    <a:masterClrMapping/>
+  </p:clrMapOvr>
+  <p:timing>
+    <p:tnLst>
+      <p:par>
+        <p:cTn xmlns:p14="http://schemas.microsoft.com/office/powerpoint/2010/main" id="1" dur="indefinite" restart="never" nodeType="tmRoot"/>
+      </p:par>
+    </p:tnLst>
+  </p:timing>
+</p:sld>
+</file>
+
+<file path=ppt/slides/slide26.xml><?xml version="1.0" encoding="utf-8"?>
+<p:sld xmlns:a="http://schemas.openxmlformats.org/drawingml/2006/main" xmlns:r="http://schemas.openxmlformats.org/officeDocument/2006/relationships" xmlns:p="http://schemas.openxmlformats.org/presentationml/2006/main">
+  <p:cSld>
+    <p:spTree>
+      <p:nvGrpSpPr>
+        <p:cNvPr id="1" name=""/>
+        <p:cNvGrpSpPr/>
+        <p:nvPr/>
+      </p:nvGrpSpPr>
+      <p:grpSpPr>
+        <a:xfrm>
+          <a:off x="0" y="0"/>
+          <a:ext cx="0" cy="0"/>
+          <a:chOff x="0" y="0"/>
+          <a:chExt cx="0" cy="0"/>
+        </a:xfrm>
+      </p:grpSpPr>
+      <p:sp>
+        <p:nvSpPr>
+          <p:cNvPr id="2" name="Title 1"/>
+          <p:cNvSpPr>
+            <a:spLocks noGrp="1"/>
+          </p:cNvSpPr>
+          <p:nvPr>
+            <p:ph type="title"/>
+          </p:nvPr>
+        </p:nvSpPr>
+        <p:spPr/>
+        <p:txBody>
+          <a:bodyPr/>
+          <a:lstStyle/>
+          <a:p>
+            <a:r>
+              <a:rPr lang="en-US" dirty="0" smtClean="0"/>
+              <a:t>Who?	</a:t>
+            </a:r>
+            <a:endParaRPr lang="en-US" dirty="0"/>
+          </a:p>
+        </p:txBody>
+      </p:sp>
+      <p:sp>
+        <p:nvSpPr>
+          <p:cNvPr id="3" name="Content Placeholder 2"/>
+          <p:cNvSpPr>
+            <a:spLocks noGrp="1"/>
+          </p:cNvSpPr>
+          <p:nvPr>
+            <p:ph idx="1"/>
+          </p:nvPr>
+        </p:nvSpPr>
+        <p:spPr/>
+        <p:txBody>
+          <a:bodyPr/>
+          <a:lstStyle/>
+          <a:p>
+            <a:r>
+              <a:rPr lang="en-US" dirty="0" smtClean="0">
+                <a:solidFill>
+                  <a:schemeClr val="bg1">
+                    <a:lumMod val="50000"/>
+                  </a:schemeClr>
+                </a:solidFill>
+              </a:rPr>
+              <a:t>Your Host (Me)</a:t>
+            </a:r>
+          </a:p>
+        </p:txBody>
+      </p:sp>
+    </p:spTree>
+    <p:extLst>
+      <p:ext uri="{BB962C8B-B14F-4D97-AF65-F5344CB8AC3E}">
+        <p14:creationId xmlns:p14="http://schemas.microsoft.com/office/powerpoint/2010/main" val="792484031"/>
+      </p:ext>
+    </p:extLst>
+  </p:cSld>
+  <p:clrMapOvr>
+    <a:masterClrMapping/>
+  </p:clrMapOvr>
+  <p:timing>
+    <p:tnLst>
+      <p:par>
+        <p:cTn xmlns:p14="http://schemas.microsoft.com/office/powerpoint/2010/main" id="1" dur="indefinite" restart="never" nodeType="tmRoot"/>
+      </p:par>
+    </p:tnLst>
+  </p:timing>
+</p:sld>
+</file>
+
+<file path=ppt/slides/slide27.xml><?xml version="1.0" encoding="utf-8"?>
+<p:sld xmlns:a="http://schemas.openxmlformats.org/drawingml/2006/main" xmlns:r="http://schemas.openxmlformats.org/officeDocument/2006/relationships" xmlns:p="http://schemas.openxmlformats.org/presentationml/2006/main">
+  <p:cSld>
+    <p:spTree>
+      <p:nvGrpSpPr>
+        <p:cNvPr id="1" name=""/>
+        <p:cNvGrpSpPr/>
+        <p:nvPr/>
+      </p:nvGrpSpPr>
+      <p:grpSpPr>
+        <a:xfrm>
+          <a:off x="0" y="0"/>
+          <a:ext cx="0" cy="0"/>
+          <a:chOff x="0" y="0"/>
+          <a:chExt cx="0" cy="0"/>
+        </a:xfrm>
+      </p:grpSpPr>
+      <p:sp>
+        <p:nvSpPr>
+          <p:cNvPr id="2" name="Title 1"/>
+          <p:cNvSpPr>
+            <a:spLocks noGrp="1"/>
+          </p:cNvSpPr>
+          <p:nvPr>
+            <p:ph type="title"/>
+          </p:nvPr>
+        </p:nvSpPr>
+        <p:spPr/>
+        <p:txBody>
+          <a:bodyPr/>
+          <a:lstStyle/>
+          <a:p>
+            <a:r>
+              <a:rPr lang="en-US" dirty="0" smtClean="0"/>
+              <a:t>Who?	</a:t>
+            </a:r>
+            <a:endParaRPr lang="en-US" dirty="0"/>
+          </a:p>
+        </p:txBody>
+      </p:sp>
+      <p:sp>
+        <p:nvSpPr>
+          <p:cNvPr id="3" name="Content Placeholder 2"/>
+          <p:cNvSpPr>
+            <a:spLocks noGrp="1"/>
+          </p:cNvSpPr>
+          <p:nvPr>
+            <p:ph idx="1"/>
+          </p:nvPr>
+        </p:nvSpPr>
+        <p:spPr/>
+        <p:txBody>
+          <a:bodyPr/>
+          <a:lstStyle/>
+          <a:p>
+            <a:r>
+              <a:rPr lang="en-US" dirty="0" smtClean="0">
+                <a:solidFill>
+                  <a:schemeClr val="bg1">
+                    <a:lumMod val="50000"/>
+                  </a:schemeClr>
+                </a:solidFill>
+              </a:rPr>
+              <a:t>Your Host (Me)</a:t>
+            </a:r>
+          </a:p>
+          <a:p>
+            <a:r>
+              <a:rPr lang="en-US" dirty="0" smtClean="0">
+                <a:solidFill>
+                  <a:schemeClr val="bg1">
+                    <a:lumMod val="50000"/>
+                  </a:schemeClr>
+                </a:solidFill>
+              </a:rPr>
+              <a:t>Attendees</a:t>
+            </a:r>
+          </a:p>
+        </p:txBody>
+      </p:sp>
+    </p:spTree>
+    <p:extLst>
+      <p:ext uri="{BB962C8B-B14F-4D97-AF65-F5344CB8AC3E}">
+        <p14:creationId xmlns:p14="http://schemas.microsoft.com/office/powerpoint/2010/main" val="3843666183"/>
+      </p:ext>
+    </p:extLst>
+  </p:cSld>
+  <p:clrMapOvr>
+    <a:masterClrMapping/>
+  </p:clrMapOvr>
+  <p:timing>
+    <p:tnLst>
+      <p:par>
+        <p:cTn xmlns:p14="http://schemas.microsoft.com/office/powerpoint/2010/main" id="1" dur="indefinite" restart="never" nodeType="tmRoot"/>
+      </p:par>
+    </p:tnLst>
+  </p:timing>
+</p:sld>
+</file>
+
+<file path=ppt/slides/slide28.xml><?xml version="1.0" encoding="utf-8"?>
+<p:sld xmlns:a="http://schemas.openxmlformats.org/drawingml/2006/main" xmlns:r="http://schemas.openxmlformats.org/officeDocument/2006/relationships" xmlns:p="http://schemas.openxmlformats.org/presentationml/2006/main">
+  <p:cSld>
+    <p:spTree>
+      <p:nvGrpSpPr>
+        <p:cNvPr id="1" name=""/>
+        <p:cNvGrpSpPr/>
+        <p:nvPr/>
+      </p:nvGrpSpPr>
+      <p:grpSpPr>
+        <a:xfrm>
+          <a:off x="0" y="0"/>
+          <a:ext cx="0" cy="0"/>
+          <a:chOff x="0" y="0"/>
+          <a:chExt cx="0" cy="0"/>
+        </a:xfrm>
+      </p:grpSpPr>
+      <p:sp>
+        <p:nvSpPr>
+          <p:cNvPr id="2" name="Title 1"/>
+          <p:cNvSpPr>
+            <a:spLocks noGrp="1"/>
+          </p:cNvSpPr>
+          <p:nvPr>
+            <p:ph type="title"/>
+          </p:nvPr>
+        </p:nvSpPr>
+        <p:spPr/>
+        <p:txBody>
+          <a:bodyPr/>
+          <a:lstStyle/>
+          <a:p>
+            <a:r>
+              <a:rPr lang="en-US" dirty="0" smtClean="0"/>
+              <a:t>Who?	</a:t>
+            </a:r>
+            <a:endParaRPr lang="en-US" dirty="0"/>
+          </a:p>
+        </p:txBody>
+      </p:sp>
+      <p:sp>
+        <p:nvSpPr>
+          <p:cNvPr id="3" name="Content Placeholder 2"/>
+          <p:cNvSpPr>
+            <a:spLocks noGrp="1"/>
+          </p:cNvSpPr>
+          <p:nvPr>
+            <p:ph idx="1"/>
+          </p:nvPr>
+        </p:nvSpPr>
+        <p:spPr/>
+        <p:txBody>
+          <a:bodyPr/>
+          <a:lstStyle/>
+          <a:p>
+            <a:r>
+              <a:rPr lang="en-US" dirty="0" smtClean="0">
+                <a:solidFill>
+                  <a:schemeClr val="bg1">
+                    <a:lumMod val="50000"/>
+                  </a:schemeClr>
+                </a:solidFill>
+              </a:rPr>
+              <a:t>Your Host (Me)</a:t>
+            </a:r>
+          </a:p>
+          <a:p>
+            <a:r>
+              <a:rPr lang="en-US" dirty="0" smtClean="0">
+                <a:solidFill>
+                  <a:schemeClr val="bg1">
+                    <a:lumMod val="50000"/>
+                  </a:schemeClr>
+                </a:solidFill>
+              </a:rPr>
+              <a:t>Attendees (You)</a:t>
+            </a:r>
+          </a:p>
+        </p:txBody>
+      </p:sp>
+    </p:spTree>
+    <p:extLst>
+      <p:ext uri="{BB962C8B-B14F-4D97-AF65-F5344CB8AC3E}">
+        <p14:creationId xmlns:p14="http://schemas.microsoft.com/office/powerpoint/2010/main" val="3918760181"/>
+      </p:ext>
+    </p:extLst>
+  </p:cSld>
+  <p:clrMapOvr>
+    <a:masterClrMapping/>
+  </p:clrMapOvr>
+  <p:timing>
+    <p:tnLst>
+      <p:par>
+        <p:cTn xmlns:p14="http://schemas.microsoft.com/office/powerpoint/2010/main" id="1" dur="indefinite" restart="never" nodeType="tmRoot"/>
+      </p:par>
+    </p:tnLst>
+  </p:timing>
+</p:sld>
+</file>
+
+<file path=ppt/slides/slide29.xml><?xml version="1.0" encoding="utf-8"?>
+<p:sld xmlns:a="http://schemas.openxmlformats.org/drawingml/2006/main" xmlns:r="http://schemas.openxmlformats.org/officeDocument/2006/relationships" xmlns:p="http://schemas.openxmlformats.org/presentationml/2006/main">
+  <p:cSld>
+    <p:spTree>
+      <p:nvGrpSpPr>
+        <p:cNvPr id="1" name=""/>
+        <p:cNvGrpSpPr/>
+        <p:nvPr/>
+      </p:nvGrpSpPr>
+      <p:grpSpPr>
+        <a:xfrm>
+          <a:off x="0" y="0"/>
+          <a:ext cx="0" cy="0"/>
+          <a:chOff x="0" y="0"/>
+          <a:chExt cx="0" cy="0"/>
+        </a:xfrm>
+      </p:grpSpPr>
+      <p:sp>
+        <p:nvSpPr>
+          <p:cNvPr id="2" name="Title 1"/>
+          <p:cNvSpPr>
+            <a:spLocks noGrp="1"/>
+          </p:cNvSpPr>
+          <p:nvPr>
+            <p:ph type="title"/>
+          </p:nvPr>
+        </p:nvSpPr>
+        <p:spPr/>
+        <p:txBody>
+          <a:bodyPr/>
+          <a:lstStyle/>
+          <a:p>
+            <a:r>
+              <a:rPr lang="en-US" dirty="0" smtClean="0"/>
+              <a:t>Who?	</a:t>
+            </a:r>
+            <a:endParaRPr lang="en-US" dirty="0"/>
+          </a:p>
+        </p:txBody>
+      </p:sp>
+      <p:sp>
+        <p:nvSpPr>
+          <p:cNvPr id="3" name="Content Placeholder 2"/>
+          <p:cNvSpPr>
+            <a:spLocks noGrp="1"/>
+          </p:cNvSpPr>
+          <p:nvPr>
+            <p:ph idx="1"/>
+          </p:nvPr>
+        </p:nvSpPr>
+        <p:spPr/>
+        <p:txBody>
+          <a:bodyPr/>
+          <a:lstStyle/>
+          <a:p>
+            <a:r>
+              <a:rPr lang="en-US" dirty="0" smtClean="0">
+                <a:solidFill>
+                  <a:schemeClr val="bg1">
+                    <a:lumMod val="50000"/>
+                  </a:schemeClr>
+                </a:solidFill>
+              </a:rPr>
+              <a:t>Your Host (Me)</a:t>
+            </a:r>
+          </a:p>
+          <a:p>
+            <a:r>
+              <a:rPr lang="en-US" dirty="0" smtClean="0">
+                <a:solidFill>
+                  <a:schemeClr val="bg1">
+                    <a:lumMod val="50000"/>
+                  </a:schemeClr>
+                </a:solidFill>
+              </a:rPr>
+              <a:t>Attendees (You)</a:t>
+            </a:r>
+          </a:p>
+          <a:p>
+            <a:r>
+              <a:rPr lang="en-US" dirty="0" smtClean="0">
+                <a:solidFill>
+                  <a:schemeClr val="bg1">
+                    <a:lumMod val="50000"/>
+                  </a:schemeClr>
+                </a:solidFill>
+              </a:rPr>
+              <a:t>Your Speaker</a:t>
+            </a:r>
+          </a:p>
+        </p:txBody>
+      </p:sp>
+    </p:spTree>
+    <p:extLst>
+      <p:ext uri="{BB962C8B-B14F-4D97-AF65-F5344CB8AC3E}">
+        <p14:creationId xmlns:p14="http://schemas.microsoft.com/office/powerpoint/2010/main" val="4214903709"/>
+      </p:ext>
+    </p:extLst>
+  </p:cSld>
+  <p:clrMapOvr>
+    <a:masterClrMapping/>
+  </p:clrMapOvr>
+  <p:timing>
+    <p:tnLst>
+      <p:par>
+        <p:cTn xmlns:p14="http://schemas.microsoft.com/office/powerpoint/2010/main" id="1" dur="indefinite" restart="never" nodeType="tmRoot"/>
+      </p:par>
+    </p:tnLst>
+  </p:timing>
+</p:sld>
+</file>
+
 <file path=ppt/slides/slide3.xml><?xml version="1.0" encoding="utf-8"?>
 <p:sld xmlns:a="http://schemas.openxmlformats.org/drawingml/2006/main" xmlns:r="http://schemas.openxmlformats.org/officeDocument/2006/relationships" xmlns:p="http://schemas.openxmlformats.org/presentationml/2006/main">
   <p:cSld>
@@ -12168,6 +12665,510 @@
       <p:transition xmlns:p14="http://schemas.microsoft.com/office/powerpoint/2010/main"/>
     </mc:Fallback>
   </mc:AlternateContent>
+  <p:timing>
+    <p:tnLst>
+      <p:par>
+        <p:cTn xmlns:p14="http://schemas.microsoft.com/office/powerpoint/2010/main" id="1" dur="indefinite" restart="never" nodeType="tmRoot"/>
+      </p:par>
+    </p:tnLst>
+  </p:timing>
+</p:sld>
+</file>
+
+<file path=ppt/slides/slide30.xml><?xml version="1.0" encoding="utf-8"?>
+<p:sld xmlns:a="http://schemas.openxmlformats.org/drawingml/2006/main" xmlns:r="http://schemas.openxmlformats.org/officeDocument/2006/relationships" xmlns:p="http://schemas.openxmlformats.org/presentationml/2006/main">
+  <p:cSld>
+    <p:spTree>
+      <p:nvGrpSpPr>
+        <p:cNvPr id="1" name=""/>
+        <p:cNvGrpSpPr/>
+        <p:nvPr/>
+      </p:nvGrpSpPr>
+      <p:grpSpPr>
+        <a:xfrm>
+          <a:off x="0" y="0"/>
+          <a:ext cx="0" cy="0"/>
+          <a:chOff x="0" y="0"/>
+          <a:chExt cx="0" cy="0"/>
+        </a:xfrm>
+      </p:grpSpPr>
+      <p:sp>
+        <p:nvSpPr>
+          <p:cNvPr id="2" name="Title 1"/>
+          <p:cNvSpPr>
+            <a:spLocks noGrp="1"/>
+          </p:cNvSpPr>
+          <p:nvPr>
+            <p:ph type="title"/>
+          </p:nvPr>
+        </p:nvSpPr>
+        <p:spPr/>
+        <p:txBody>
+          <a:bodyPr/>
+          <a:lstStyle/>
+          <a:p>
+            <a:r>
+              <a:rPr lang="en-US" dirty="0" smtClean="0"/>
+              <a:t>Who?	</a:t>
+            </a:r>
+            <a:endParaRPr lang="en-US" dirty="0"/>
+          </a:p>
+        </p:txBody>
+      </p:sp>
+      <p:sp>
+        <p:nvSpPr>
+          <p:cNvPr id="3" name="Content Placeholder 2"/>
+          <p:cNvSpPr>
+            <a:spLocks noGrp="1"/>
+          </p:cNvSpPr>
+          <p:nvPr>
+            <p:ph idx="1"/>
+          </p:nvPr>
+        </p:nvSpPr>
+        <p:spPr/>
+        <p:txBody>
+          <a:bodyPr/>
+          <a:lstStyle/>
+          <a:p>
+            <a:r>
+              <a:rPr lang="en-US" dirty="0" smtClean="0">
+                <a:solidFill>
+                  <a:schemeClr val="bg1">
+                    <a:lumMod val="50000"/>
+                  </a:schemeClr>
+                </a:solidFill>
+              </a:rPr>
+              <a:t>Your Host (Me)</a:t>
+            </a:r>
+          </a:p>
+          <a:p>
+            <a:r>
+              <a:rPr lang="en-US" dirty="0" smtClean="0">
+                <a:solidFill>
+                  <a:schemeClr val="bg1">
+                    <a:lumMod val="50000"/>
+                  </a:schemeClr>
+                </a:solidFill>
+              </a:rPr>
+              <a:t>Attendees (You)</a:t>
+            </a:r>
+          </a:p>
+          <a:p>
+            <a:r>
+              <a:rPr lang="en-US" dirty="0">
+                <a:solidFill>
+                  <a:schemeClr val="bg1">
+                    <a:lumMod val="50000"/>
+                  </a:schemeClr>
+                </a:solidFill>
+              </a:rPr>
+              <a:t>Your Speaker(s</a:t>
+            </a:r>
+            <a:r>
+              <a:rPr lang="en-US" dirty="0" smtClean="0">
+                <a:solidFill>
+                  <a:schemeClr val="bg1">
+                    <a:lumMod val="50000"/>
+                  </a:schemeClr>
+                </a:solidFill>
+              </a:rPr>
+              <a:t>)</a:t>
+            </a:r>
+            <a:endParaRPr lang="en-US" dirty="0">
+              <a:solidFill>
+                <a:schemeClr val="bg1">
+                  <a:lumMod val="50000"/>
+                </a:schemeClr>
+              </a:solidFill>
+            </a:endParaRPr>
+          </a:p>
+        </p:txBody>
+      </p:sp>
+    </p:spTree>
+    <p:extLst>
+      <p:ext uri="{BB962C8B-B14F-4D97-AF65-F5344CB8AC3E}">
+        <p14:creationId xmlns:p14="http://schemas.microsoft.com/office/powerpoint/2010/main" val="2439768631"/>
+      </p:ext>
+    </p:extLst>
+  </p:cSld>
+  <p:clrMapOvr>
+    <a:masterClrMapping/>
+  </p:clrMapOvr>
+  <p:timing>
+    <p:tnLst>
+      <p:par>
+        <p:cTn xmlns:p14="http://schemas.microsoft.com/office/powerpoint/2010/main" id="1" dur="indefinite" restart="never" nodeType="tmRoot"/>
+      </p:par>
+    </p:tnLst>
+  </p:timing>
+</p:sld>
+</file>
+
+<file path=ppt/slides/slide31.xml><?xml version="1.0" encoding="utf-8"?>
+<p:sld xmlns:a="http://schemas.openxmlformats.org/drawingml/2006/main" xmlns:r="http://schemas.openxmlformats.org/officeDocument/2006/relationships" xmlns:p="http://schemas.openxmlformats.org/presentationml/2006/main">
+  <p:cSld>
+    <p:spTree>
+      <p:nvGrpSpPr>
+        <p:cNvPr id="1" name=""/>
+        <p:cNvGrpSpPr/>
+        <p:nvPr/>
+      </p:nvGrpSpPr>
+      <p:grpSpPr>
+        <a:xfrm>
+          <a:off x="0" y="0"/>
+          <a:ext cx="0" cy="0"/>
+          <a:chOff x="0" y="0"/>
+          <a:chExt cx="0" cy="0"/>
+        </a:xfrm>
+      </p:grpSpPr>
+      <p:sp>
+        <p:nvSpPr>
+          <p:cNvPr id="2" name="Title 1"/>
+          <p:cNvSpPr>
+            <a:spLocks noGrp="1"/>
+          </p:cNvSpPr>
+          <p:nvPr>
+            <p:ph type="title"/>
+          </p:nvPr>
+        </p:nvSpPr>
+        <p:spPr/>
+        <p:txBody>
+          <a:bodyPr/>
+          <a:lstStyle/>
+          <a:p>
+            <a:r>
+              <a:rPr lang="en-US" dirty="0" smtClean="0"/>
+              <a:t>Who?	</a:t>
+            </a:r>
+            <a:endParaRPr lang="en-US" dirty="0"/>
+          </a:p>
+        </p:txBody>
+      </p:sp>
+      <p:sp>
+        <p:nvSpPr>
+          <p:cNvPr id="3" name="Content Placeholder 2"/>
+          <p:cNvSpPr>
+            <a:spLocks noGrp="1"/>
+          </p:cNvSpPr>
+          <p:nvPr>
+            <p:ph idx="1"/>
+          </p:nvPr>
+        </p:nvSpPr>
+        <p:spPr/>
+        <p:txBody>
+          <a:bodyPr/>
+          <a:lstStyle/>
+          <a:p>
+            <a:r>
+              <a:rPr lang="en-US" dirty="0" smtClean="0">
+                <a:solidFill>
+                  <a:schemeClr val="bg1">
+                    <a:lumMod val="50000"/>
+                  </a:schemeClr>
+                </a:solidFill>
+              </a:rPr>
+              <a:t>Your Host (Me)</a:t>
+            </a:r>
+          </a:p>
+          <a:p>
+            <a:r>
+              <a:rPr lang="en-US" dirty="0" smtClean="0">
+                <a:solidFill>
+                  <a:schemeClr val="bg1">
+                    <a:lumMod val="50000"/>
+                  </a:schemeClr>
+                </a:solidFill>
+              </a:rPr>
+              <a:t>Attendees (You)</a:t>
+            </a:r>
+          </a:p>
+          <a:p>
+            <a:r>
+              <a:rPr lang="en-US" dirty="0">
+                <a:solidFill>
+                  <a:schemeClr val="bg1">
+                    <a:lumMod val="50000"/>
+                  </a:schemeClr>
+                </a:solidFill>
+              </a:rPr>
+              <a:t>Your Speaker(s) (Her/Him/Them)</a:t>
+            </a:r>
+          </a:p>
+        </p:txBody>
+      </p:sp>
+    </p:spTree>
+    <p:extLst>
+      <p:ext uri="{BB962C8B-B14F-4D97-AF65-F5344CB8AC3E}">
+        <p14:creationId xmlns:p14="http://schemas.microsoft.com/office/powerpoint/2010/main" val="3835721994"/>
+      </p:ext>
+    </p:extLst>
+  </p:cSld>
+  <p:clrMapOvr>
+    <a:masterClrMapping/>
+  </p:clrMapOvr>
+  <p:timing>
+    <p:tnLst>
+      <p:par>
+        <p:cTn xmlns:p14="http://schemas.microsoft.com/office/powerpoint/2010/main" id="1" dur="indefinite" restart="never" nodeType="tmRoot"/>
+      </p:par>
+    </p:tnLst>
+  </p:timing>
+</p:sld>
+</file>
+
+<file path=ppt/slides/slide32.xml><?xml version="1.0" encoding="utf-8"?>
+<p:sld xmlns:a="http://schemas.openxmlformats.org/drawingml/2006/main" xmlns:r="http://schemas.openxmlformats.org/officeDocument/2006/relationships" xmlns:p="http://schemas.openxmlformats.org/presentationml/2006/main">
+  <p:cSld>
+    <p:spTree>
+      <p:nvGrpSpPr>
+        <p:cNvPr id="1" name=""/>
+        <p:cNvGrpSpPr/>
+        <p:nvPr/>
+      </p:nvGrpSpPr>
+      <p:grpSpPr>
+        <a:xfrm>
+          <a:off x="0" y="0"/>
+          <a:ext cx="0" cy="0"/>
+          <a:chOff x="0" y="0"/>
+          <a:chExt cx="0" cy="0"/>
+        </a:xfrm>
+      </p:grpSpPr>
+      <p:sp>
+        <p:nvSpPr>
+          <p:cNvPr id="2" name="Title 1"/>
+          <p:cNvSpPr>
+            <a:spLocks noGrp="1"/>
+          </p:cNvSpPr>
+          <p:nvPr>
+            <p:ph type="title"/>
+          </p:nvPr>
+        </p:nvSpPr>
+        <p:spPr/>
+        <p:txBody>
+          <a:bodyPr/>
+          <a:lstStyle/>
+          <a:p>
+            <a:r>
+              <a:rPr lang="en-US" dirty="0" smtClean="0"/>
+              <a:t>Who?	</a:t>
+            </a:r>
+            <a:endParaRPr lang="en-US" dirty="0"/>
+          </a:p>
+        </p:txBody>
+      </p:sp>
+      <p:sp>
+        <p:nvSpPr>
+          <p:cNvPr id="3" name="Content Placeholder 2"/>
+          <p:cNvSpPr>
+            <a:spLocks noGrp="1"/>
+          </p:cNvSpPr>
+          <p:nvPr>
+            <p:ph idx="1"/>
+          </p:nvPr>
+        </p:nvSpPr>
+        <p:spPr/>
+        <p:txBody>
+          <a:bodyPr/>
+          <a:lstStyle/>
+          <a:p>
+            <a:r>
+              <a:rPr lang="en-US" dirty="0" smtClean="0">
+                <a:solidFill>
+                  <a:schemeClr val="bg1">
+                    <a:lumMod val="50000"/>
+                  </a:schemeClr>
+                </a:solidFill>
+              </a:rPr>
+              <a:t>Your Host (Me)</a:t>
+            </a:r>
+          </a:p>
+          <a:p>
+            <a:r>
+              <a:rPr lang="en-US" dirty="0" smtClean="0">
+                <a:solidFill>
+                  <a:schemeClr val="bg1">
+                    <a:lumMod val="50000"/>
+                  </a:schemeClr>
+                </a:solidFill>
+              </a:rPr>
+              <a:t>Attendees (You)</a:t>
+            </a:r>
+          </a:p>
+          <a:p>
+            <a:r>
+              <a:rPr lang="en-US" dirty="0" smtClean="0">
+                <a:solidFill>
+                  <a:schemeClr val="bg1">
+                    <a:lumMod val="50000"/>
+                  </a:schemeClr>
+                </a:solidFill>
+              </a:rPr>
+              <a:t>Your Speaker(s) (Her/Him/Them)</a:t>
+            </a:r>
+          </a:p>
+          <a:p>
+            <a:r>
+              <a:rPr lang="en-US" dirty="0" smtClean="0"/>
+              <a:t>Tonight:</a:t>
+            </a:r>
+            <a:endParaRPr lang="en-US" dirty="0" smtClean="0">
+              <a:solidFill>
+                <a:schemeClr val="bg1">
+                  <a:lumMod val="50000"/>
+                </a:schemeClr>
+              </a:solidFill>
+            </a:endParaRPr>
+          </a:p>
+        </p:txBody>
+      </p:sp>
+    </p:spTree>
+    <p:extLst>
+      <p:ext uri="{BB962C8B-B14F-4D97-AF65-F5344CB8AC3E}">
+        <p14:creationId xmlns:p14="http://schemas.microsoft.com/office/powerpoint/2010/main" val="3666704167"/>
+      </p:ext>
+    </p:extLst>
+  </p:cSld>
+  <p:clrMapOvr>
+    <a:masterClrMapping/>
+  </p:clrMapOvr>
+  <p:timing>
+    <p:tnLst>
+      <p:par>
+        <p:cTn xmlns:p14="http://schemas.microsoft.com/office/powerpoint/2010/main" id="1" dur="indefinite" restart="never" nodeType="tmRoot"/>
+      </p:par>
+    </p:tnLst>
+  </p:timing>
+</p:sld>
+</file>
+
+<file path=ppt/slides/slide33.xml><?xml version="1.0" encoding="utf-8"?>
+<p:sld xmlns:a="http://schemas.openxmlformats.org/drawingml/2006/main" xmlns:r="http://schemas.openxmlformats.org/officeDocument/2006/relationships" xmlns:p="http://schemas.openxmlformats.org/presentationml/2006/main">
+  <p:cSld>
+    <p:spTree>
+      <p:nvGrpSpPr>
+        <p:cNvPr id="1" name=""/>
+        <p:cNvGrpSpPr/>
+        <p:nvPr/>
+      </p:nvGrpSpPr>
+      <p:grpSpPr>
+        <a:xfrm>
+          <a:off x="0" y="0"/>
+          <a:ext cx="0" cy="0"/>
+          <a:chOff x="0" y="0"/>
+          <a:chExt cx="0" cy="0"/>
+        </a:xfrm>
+      </p:grpSpPr>
+      <p:sp>
+        <p:nvSpPr>
+          <p:cNvPr id="2" name="Title 1"/>
+          <p:cNvSpPr>
+            <a:spLocks noGrp="1"/>
+          </p:cNvSpPr>
+          <p:nvPr>
+            <p:ph type="title"/>
+          </p:nvPr>
+        </p:nvSpPr>
+        <p:spPr/>
+        <p:txBody>
+          <a:bodyPr/>
+          <a:lstStyle/>
+          <a:p>
+            <a:r>
+              <a:rPr lang="en-US" dirty="0" smtClean="0"/>
+              <a:t>Who?	</a:t>
+            </a:r>
+            <a:endParaRPr lang="en-US" dirty="0"/>
+          </a:p>
+        </p:txBody>
+      </p:sp>
+      <p:sp>
+        <p:nvSpPr>
+          <p:cNvPr id="3" name="Content Placeholder 2"/>
+          <p:cNvSpPr>
+            <a:spLocks noGrp="1"/>
+          </p:cNvSpPr>
+          <p:nvPr>
+            <p:ph idx="1"/>
+          </p:nvPr>
+        </p:nvSpPr>
+        <p:spPr/>
+        <p:txBody>
+          <a:bodyPr>
+            <a:normAutofit fontScale="92500" lnSpcReduction="20000"/>
+          </a:bodyPr>
+          <a:lstStyle/>
+          <a:p>
+            <a:r>
+              <a:rPr lang="en-US" dirty="0" smtClean="0">
+                <a:solidFill>
+                  <a:schemeClr val="bg1">
+                    <a:lumMod val="50000"/>
+                  </a:schemeClr>
+                </a:solidFill>
+              </a:rPr>
+              <a:t>Your Host (Me)</a:t>
+            </a:r>
+          </a:p>
+          <a:p>
+            <a:r>
+              <a:rPr lang="en-US" dirty="0" smtClean="0">
+                <a:solidFill>
+                  <a:schemeClr val="bg1">
+                    <a:lumMod val="50000"/>
+                  </a:schemeClr>
+                </a:solidFill>
+              </a:rPr>
+              <a:t>Attendees (You)</a:t>
+            </a:r>
+          </a:p>
+          <a:p>
+            <a:r>
+              <a:rPr lang="en-US" dirty="0" smtClean="0">
+                <a:solidFill>
+                  <a:schemeClr val="bg1">
+                    <a:lumMod val="50000"/>
+                  </a:schemeClr>
+                </a:solidFill>
+              </a:rPr>
+              <a:t>Your Speaker(s) (Her/Him/Them)</a:t>
+            </a:r>
+          </a:p>
+          <a:p>
+            <a:r>
+              <a:rPr lang="en-US" dirty="0" smtClean="0"/>
+              <a:t>Tonight:</a:t>
+            </a:r>
+          </a:p>
+          <a:p>
+            <a:pPr marL="0" indent="0" algn="ctr">
+              <a:buNone/>
+            </a:pPr>
+            <a:r>
+              <a:rPr lang="en-US" sz="9600" dirty="0" smtClean="0">
+                <a:solidFill>
+                  <a:srgbClr val="000000"/>
+                </a:solidFill>
+              </a:rPr>
+              <a:t>&lt;ABOUT YOUR SPEAKER(S)!&gt;</a:t>
+            </a:r>
+            <a:endParaRPr lang="en-US" sz="9600" dirty="0">
+              <a:solidFill>
+                <a:srgbClr val="000000"/>
+              </a:solidFill>
+            </a:endParaRPr>
+          </a:p>
+        </p:txBody>
+      </p:sp>
+    </p:spTree>
+    <p:extLst>
+      <p:ext uri="{BB962C8B-B14F-4D97-AF65-F5344CB8AC3E}">
+        <p14:creationId xmlns:p14="http://schemas.microsoft.com/office/powerpoint/2010/main" val="2003403246"/>
+      </p:ext>
+    </p:extLst>
+  </p:cSld>
+  <p:clrMapOvr>
+    <a:masterClrMapping/>
+  </p:clrMapOvr>
   <p:timing>
     <p:tnLst>
       <p:par>

--- a/DC Python Generic Meetup Slides.pptx
+++ b/DC Python Generic Meetup Slides.pptx
@@ -5,10 +5,10 @@
     <p:sldMasterId id="2147483648" r:id="rId1"/>
   </p:sldMasterIdLst>
   <p:notesMasterIdLst>
-    <p:notesMasterId r:id="rId35"/>
+    <p:notesMasterId r:id="rId49"/>
   </p:notesMasterIdLst>
   <p:handoutMasterIdLst>
-    <p:handoutMasterId r:id="rId36"/>
+    <p:handoutMasterId r:id="rId50"/>
   </p:handoutMasterIdLst>
   <p:sldIdLst>
     <p:sldId id="256" r:id="rId2"/>
@@ -44,6 +44,20 @@
     <p:sldId id="289" r:id="rId32"/>
     <p:sldId id="291" r:id="rId33"/>
     <p:sldId id="292" r:id="rId34"/>
+    <p:sldId id="293" r:id="rId35"/>
+    <p:sldId id="295" r:id="rId36"/>
+    <p:sldId id="296" r:id="rId37"/>
+    <p:sldId id="297" r:id="rId38"/>
+    <p:sldId id="298" r:id="rId39"/>
+    <p:sldId id="299" r:id="rId40"/>
+    <p:sldId id="300" r:id="rId41"/>
+    <p:sldId id="301" r:id="rId42"/>
+    <p:sldId id="294" r:id="rId43"/>
+    <p:sldId id="302" r:id="rId44"/>
+    <p:sldId id="303" r:id="rId45"/>
+    <p:sldId id="304" r:id="rId46"/>
+    <p:sldId id="305" r:id="rId47"/>
+    <p:sldId id="306" r:id="rId48"/>
   </p:sldIdLst>
   <p:sldSz cx="9144000" cy="6858000" type="screen4x3"/>
   <p:notesSz cx="6858000" cy="9144000"/>
@@ -13179,6 +13193,584 @@
 </p:sld>
 </file>
 
+<file path=ppt/slides/slide34.xml><?xml version="1.0" encoding="utf-8"?>
+<p:sld xmlns:a="http://schemas.openxmlformats.org/drawingml/2006/main" xmlns:r="http://schemas.openxmlformats.org/officeDocument/2006/relationships" xmlns:p="http://schemas.openxmlformats.org/presentationml/2006/main">
+  <p:cSld>
+    <p:spTree>
+      <p:nvGrpSpPr>
+        <p:cNvPr id="1" name=""/>
+        <p:cNvGrpSpPr/>
+        <p:nvPr/>
+      </p:nvGrpSpPr>
+      <p:grpSpPr>
+        <a:xfrm>
+          <a:off x="0" y="0"/>
+          <a:ext cx="0" cy="0"/>
+          <a:chOff x="0" y="0"/>
+          <a:chExt cx="0" cy="0"/>
+        </a:xfrm>
+      </p:grpSpPr>
+      <p:sp>
+        <p:nvSpPr>
+          <p:cNvPr id="2" name="Title 1"/>
+          <p:cNvSpPr>
+            <a:spLocks noGrp="1"/>
+          </p:cNvSpPr>
+          <p:nvPr>
+            <p:ph type="title"/>
+          </p:nvPr>
+        </p:nvSpPr>
+        <p:spPr/>
+        <p:txBody>
+          <a:bodyPr/>
+          <a:lstStyle/>
+          <a:p>
+            <a:r>
+              <a:rPr lang="en-US" dirty="0" smtClean="0"/>
+              <a:t>What?</a:t>
+            </a:r>
+            <a:endParaRPr lang="en-US" dirty="0"/>
+          </a:p>
+        </p:txBody>
+      </p:sp>
+      <p:sp>
+        <p:nvSpPr>
+          <p:cNvPr id="3" name="Content Placeholder 2"/>
+          <p:cNvSpPr>
+            <a:spLocks noGrp="1"/>
+          </p:cNvSpPr>
+          <p:nvPr>
+            <p:ph idx="1"/>
+          </p:nvPr>
+        </p:nvSpPr>
+        <p:spPr/>
+        <p:txBody>
+          <a:bodyPr>
+            <a:normAutofit/>
+          </a:bodyPr>
+          <a:lstStyle/>
+          <a:p>
+            <a:r>
+              <a:rPr lang="en-US" dirty="0" smtClean="0"/>
+              <a:t>Python Web Frameworks</a:t>
+            </a:r>
+          </a:p>
+        </p:txBody>
+      </p:sp>
+    </p:spTree>
+    <p:extLst>
+      <p:ext uri="{BB962C8B-B14F-4D97-AF65-F5344CB8AC3E}">
+        <p14:creationId xmlns:p14="http://schemas.microsoft.com/office/powerpoint/2010/main" val="2591506805"/>
+      </p:ext>
+    </p:extLst>
+  </p:cSld>
+  <p:clrMapOvr>
+    <a:masterClrMapping/>
+  </p:clrMapOvr>
+</p:sld>
+</file>
+
+<file path=ppt/slides/slide35.xml><?xml version="1.0" encoding="utf-8"?>
+<p:sld xmlns:a="http://schemas.openxmlformats.org/drawingml/2006/main" xmlns:r="http://schemas.openxmlformats.org/officeDocument/2006/relationships" xmlns:p="http://schemas.openxmlformats.org/presentationml/2006/main">
+  <p:cSld>
+    <p:spTree>
+      <p:nvGrpSpPr>
+        <p:cNvPr id="1" name=""/>
+        <p:cNvGrpSpPr/>
+        <p:nvPr/>
+      </p:nvGrpSpPr>
+      <p:grpSpPr>
+        <a:xfrm>
+          <a:off x="0" y="0"/>
+          <a:ext cx="0" cy="0"/>
+          <a:chOff x="0" y="0"/>
+          <a:chExt cx="0" cy="0"/>
+        </a:xfrm>
+      </p:grpSpPr>
+      <p:sp>
+        <p:nvSpPr>
+          <p:cNvPr id="2" name="Title 1"/>
+          <p:cNvSpPr>
+            <a:spLocks noGrp="1"/>
+          </p:cNvSpPr>
+          <p:nvPr>
+            <p:ph type="title"/>
+          </p:nvPr>
+        </p:nvSpPr>
+        <p:spPr/>
+        <p:txBody>
+          <a:bodyPr/>
+          <a:lstStyle/>
+          <a:p>
+            <a:r>
+              <a:rPr lang="en-US" dirty="0" smtClean="0"/>
+              <a:t>What?</a:t>
+            </a:r>
+            <a:endParaRPr lang="en-US" dirty="0"/>
+          </a:p>
+        </p:txBody>
+      </p:sp>
+      <p:sp>
+        <p:nvSpPr>
+          <p:cNvPr id="3" name="Content Placeholder 2"/>
+          <p:cNvSpPr>
+            <a:spLocks noGrp="1"/>
+          </p:cNvSpPr>
+          <p:nvPr>
+            <p:ph idx="1"/>
+          </p:nvPr>
+        </p:nvSpPr>
+        <p:spPr/>
+        <p:txBody>
+          <a:bodyPr>
+            <a:normAutofit/>
+          </a:bodyPr>
+          <a:lstStyle/>
+          <a:p>
+            <a:r>
+              <a:rPr lang="en-US" dirty="0" smtClean="0"/>
+              <a:t>Python Web Frameworks (Bottle, </a:t>
+            </a:r>
+            <a:r>
+              <a:rPr lang="en-US" dirty="0" err="1" smtClean="0"/>
+              <a:t>Django</a:t>
+            </a:r>
+            <a:r>
+              <a:rPr lang="en-US" dirty="0" smtClean="0"/>
+              <a:t>, Flask, Pyramid, </a:t>
+            </a:r>
+            <a:r>
+              <a:rPr lang="en-US" dirty="0" err="1" smtClean="0"/>
+              <a:t>Zope</a:t>
+            </a:r>
+            <a:r>
+              <a:rPr lang="en-US" dirty="0" smtClean="0"/>
+              <a:t>, etc.)</a:t>
+            </a:r>
+          </a:p>
+        </p:txBody>
+      </p:sp>
+    </p:spTree>
+    <p:extLst>
+      <p:ext uri="{BB962C8B-B14F-4D97-AF65-F5344CB8AC3E}">
+        <p14:creationId xmlns:p14="http://schemas.microsoft.com/office/powerpoint/2010/main" val="2914362012"/>
+      </p:ext>
+    </p:extLst>
+  </p:cSld>
+  <p:clrMapOvr>
+    <a:masterClrMapping/>
+  </p:clrMapOvr>
+</p:sld>
+</file>
+
+<file path=ppt/slides/slide36.xml><?xml version="1.0" encoding="utf-8"?>
+<p:sld xmlns:a="http://schemas.openxmlformats.org/drawingml/2006/main" xmlns:r="http://schemas.openxmlformats.org/officeDocument/2006/relationships" xmlns:p="http://schemas.openxmlformats.org/presentationml/2006/main">
+  <p:cSld>
+    <p:spTree>
+      <p:nvGrpSpPr>
+        <p:cNvPr id="1" name=""/>
+        <p:cNvGrpSpPr/>
+        <p:nvPr/>
+      </p:nvGrpSpPr>
+      <p:grpSpPr>
+        <a:xfrm>
+          <a:off x="0" y="0"/>
+          <a:ext cx="0" cy="0"/>
+          <a:chOff x="0" y="0"/>
+          <a:chExt cx="0" cy="0"/>
+        </a:xfrm>
+      </p:grpSpPr>
+      <p:sp>
+        <p:nvSpPr>
+          <p:cNvPr id="2" name="Title 1"/>
+          <p:cNvSpPr>
+            <a:spLocks noGrp="1"/>
+          </p:cNvSpPr>
+          <p:nvPr>
+            <p:ph type="title"/>
+          </p:nvPr>
+        </p:nvSpPr>
+        <p:spPr/>
+        <p:txBody>
+          <a:bodyPr/>
+          <a:lstStyle/>
+          <a:p>
+            <a:r>
+              <a:rPr lang="en-US" dirty="0" smtClean="0"/>
+              <a:t>What?</a:t>
+            </a:r>
+            <a:endParaRPr lang="en-US" dirty="0"/>
+          </a:p>
+        </p:txBody>
+      </p:sp>
+      <p:sp>
+        <p:nvSpPr>
+          <p:cNvPr id="3" name="Content Placeholder 2"/>
+          <p:cNvSpPr>
+            <a:spLocks noGrp="1"/>
+          </p:cNvSpPr>
+          <p:nvPr>
+            <p:ph idx="1"/>
+          </p:nvPr>
+        </p:nvSpPr>
+        <p:spPr/>
+        <p:txBody>
+          <a:bodyPr>
+            <a:normAutofit/>
+          </a:bodyPr>
+          <a:lstStyle/>
+          <a:p>
+            <a:r>
+              <a:rPr lang="en-US" dirty="0"/>
+              <a:t>Python Web Frameworks (Bottle, </a:t>
+            </a:r>
+            <a:r>
+              <a:rPr lang="en-US" dirty="0" err="1"/>
+              <a:t>Django</a:t>
+            </a:r>
+            <a:r>
+              <a:rPr lang="en-US" dirty="0"/>
+              <a:t>, Flask, Pyramid, </a:t>
+            </a:r>
+            <a:r>
+              <a:rPr lang="en-US" dirty="0" err="1"/>
+              <a:t>Zope</a:t>
+            </a:r>
+            <a:r>
+              <a:rPr lang="en-US" dirty="0"/>
+              <a:t>, etc.)</a:t>
+            </a:r>
+          </a:p>
+          <a:p>
+            <a:r>
+              <a:rPr lang="en-US" dirty="0" smtClean="0"/>
+              <a:t>Python Core Development</a:t>
+            </a:r>
+          </a:p>
+        </p:txBody>
+      </p:sp>
+    </p:spTree>
+    <p:extLst>
+      <p:ext uri="{BB962C8B-B14F-4D97-AF65-F5344CB8AC3E}">
+        <p14:creationId xmlns:p14="http://schemas.microsoft.com/office/powerpoint/2010/main" val="2229839888"/>
+      </p:ext>
+    </p:extLst>
+  </p:cSld>
+  <p:clrMapOvr>
+    <a:masterClrMapping/>
+  </p:clrMapOvr>
+</p:sld>
+</file>
+
+<file path=ppt/slides/slide37.xml><?xml version="1.0" encoding="utf-8"?>
+<p:sld xmlns:a="http://schemas.openxmlformats.org/drawingml/2006/main" xmlns:r="http://schemas.openxmlformats.org/officeDocument/2006/relationships" xmlns:p="http://schemas.openxmlformats.org/presentationml/2006/main">
+  <p:cSld>
+    <p:spTree>
+      <p:nvGrpSpPr>
+        <p:cNvPr id="1" name=""/>
+        <p:cNvGrpSpPr/>
+        <p:nvPr/>
+      </p:nvGrpSpPr>
+      <p:grpSpPr>
+        <a:xfrm>
+          <a:off x="0" y="0"/>
+          <a:ext cx="0" cy="0"/>
+          <a:chOff x="0" y="0"/>
+          <a:chExt cx="0" cy="0"/>
+        </a:xfrm>
+      </p:grpSpPr>
+      <p:sp>
+        <p:nvSpPr>
+          <p:cNvPr id="2" name="Title 1"/>
+          <p:cNvSpPr>
+            <a:spLocks noGrp="1"/>
+          </p:cNvSpPr>
+          <p:nvPr>
+            <p:ph type="title"/>
+          </p:nvPr>
+        </p:nvSpPr>
+        <p:spPr/>
+        <p:txBody>
+          <a:bodyPr/>
+          <a:lstStyle/>
+          <a:p>
+            <a:r>
+              <a:rPr lang="en-US" dirty="0" smtClean="0"/>
+              <a:t>What?</a:t>
+            </a:r>
+            <a:endParaRPr lang="en-US" dirty="0"/>
+          </a:p>
+        </p:txBody>
+      </p:sp>
+      <p:sp>
+        <p:nvSpPr>
+          <p:cNvPr id="3" name="Content Placeholder 2"/>
+          <p:cNvSpPr>
+            <a:spLocks noGrp="1"/>
+          </p:cNvSpPr>
+          <p:nvPr>
+            <p:ph idx="1"/>
+          </p:nvPr>
+        </p:nvSpPr>
+        <p:spPr/>
+        <p:txBody>
+          <a:bodyPr>
+            <a:normAutofit/>
+          </a:bodyPr>
+          <a:lstStyle/>
+          <a:p>
+            <a:r>
+              <a:rPr lang="en-US" dirty="0"/>
+              <a:t>Python Web Frameworks (Bottle, </a:t>
+            </a:r>
+            <a:r>
+              <a:rPr lang="en-US" dirty="0" err="1"/>
+              <a:t>Django</a:t>
+            </a:r>
+            <a:r>
+              <a:rPr lang="en-US" dirty="0"/>
+              <a:t>, Flask, Pyramid, </a:t>
+            </a:r>
+            <a:r>
+              <a:rPr lang="en-US" dirty="0" err="1"/>
+              <a:t>Zope</a:t>
+            </a:r>
+            <a:r>
+              <a:rPr lang="en-US" dirty="0"/>
+              <a:t>, etc.)</a:t>
+            </a:r>
+          </a:p>
+          <a:p>
+            <a:r>
+              <a:rPr lang="en-US" dirty="0" smtClean="0"/>
+              <a:t>Python Core Development (PEP435)</a:t>
+            </a:r>
+          </a:p>
+        </p:txBody>
+      </p:sp>
+    </p:spTree>
+    <p:extLst>
+      <p:ext uri="{BB962C8B-B14F-4D97-AF65-F5344CB8AC3E}">
+        <p14:creationId xmlns:p14="http://schemas.microsoft.com/office/powerpoint/2010/main" val="3892783657"/>
+      </p:ext>
+    </p:extLst>
+  </p:cSld>
+  <p:clrMapOvr>
+    <a:masterClrMapping/>
+  </p:clrMapOvr>
+</p:sld>
+</file>
+
+<file path=ppt/slides/slide38.xml><?xml version="1.0" encoding="utf-8"?>
+<p:sld xmlns:a="http://schemas.openxmlformats.org/drawingml/2006/main" xmlns:r="http://schemas.openxmlformats.org/officeDocument/2006/relationships" xmlns:p="http://schemas.openxmlformats.org/presentationml/2006/main">
+  <p:cSld>
+    <p:spTree>
+      <p:nvGrpSpPr>
+        <p:cNvPr id="1" name=""/>
+        <p:cNvGrpSpPr/>
+        <p:nvPr/>
+      </p:nvGrpSpPr>
+      <p:grpSpPr>
+        <a:xfrm>
+          <a:off x="0" y="0"/>
+          <a:ext cx="0" cy="0"/>
+          <a:chOff x="0" y="0"/>
+          <a:chExt cx="0" cy="0"/>
+        </a:xfrm>
+      </p:grpSpPr>
+      <p:sp>
+        <p:nvSpPr>
+          <p:cNvPr id="2" name="Title 1"/>
+          <p:cNvSpPr>
+            <a:spLocks noGrp="1"/>
+          </p:cNvSpPr>
+          <p:nvPr>
+            <p:ph type="title"/>
+          </p:nvPr>
+        </p:nvSpPr>
+        <p:spPr/>
+        <p:txBody>
+          <a:bodyPr/>
+          <a:lstStyle/>
+          <a:p>
+            <a:r>
+              <a:rPr lang="en-US" dirty="0" smtClean="0"/>
+              <a:t>What?</a:t>
+            </a:r>
+            <a:endParaRPr lang="en-US" dirty="0"/>
+          </a:p>
+        </p:txBody>
+      </p:sp>
+      <p:sp>
+        <p:nvSpPr>
+          <p:cNvPr id="3" name="Content Placeholder 2"/>
+          <p:cNvSpPr>
+            <a:spLocks noGrp="1"/>
+          </p:cNvSpPr>
+          <p:nvPr>
+            <p:ph idx="1"/>
+          </p:nvPr>
+        </p:nvSpPr>
+        <p:spPr/>
+        <p:txBody>
+          <a:bodyPr>
+            <a:normAutofit/>
+          </a:bodyPr>
+          <a:lstStyle/>
+          <a:p>
+            <a:r>
+              <a:rPr lang="en-US" dirty="0"/>
+              <a:t>Python Web Frameworks (Bottle, </a:t>
+            </a:r>
+            <a:r>
+              <a:rPr lang="en-US" dirty="0" err="1"/>
+              <a:t>Django</a:t>
+            </a:r>
+            <a:r>
+              <a:rPr lang="en-US" dirty="0"/>
+              <a:t>, Flask, Pyramid, </a:t>
+            </a:r>
+            <a:r>
+              <a:rPr lang="en-US" dirty="0" err="1"/>
+              <a:t>Zope</a:t>
+            </a:r>
+            <a:r>
+              <a:rPr lang="en-US" dirty="0"/>
+              <a:t>, etc.)</a:t>
+            </a:r>
+          </a:p>
+          <a:p>
+            <a:r>
+              <a:rPr lang="en-US" dirty="0" smtClean="0"/>
+              <a:t>Python Core Development (PEP435)</a:t>
+            </a:r>
+          </a:p>
+          <a:p>
+            <a:r>
+              <a:rPr lang="en-US" dirty="0" smtClean="0"/>
+              <a:t>Introduction To Python Programming</a:t>
+            </a:r>
+          </a:p>
+        </p:txBody>
+      </p:sp>
+    </p:spTree>
+    <p:extLst>
+      <p:ext uri="{BB962C8B-B14F-4D97-AF65-F5344CB8AC3E}">
+        <p14:creationId xmlns:p14="http://schemas.microsoft.com/office/powerpoint/2010/main" val="3571239804"/>
+      </p:ext>
+    </p:extLst>
+  </p:cSld>
+  <p:clrMapOvr>
+    <a:masterClrMapping/>
+  </p:clrMapOvr>
+</p:sld>
+</file>
+
+<file path=ppt/slides/slide39.xml><?xml version="1.0" encoding="utf-8"?>
+<p:sld xmlns:a="http://schemas.openxmlformats.org/drawingml/2006/main" xmlns:r="http://schemas.openxmlformats.org/officeDocument/2006/relationships" xmlns:p="http://schemas.openxmlformats.org/presentationml/2006/main">
+  <p:cSld>
+    <p:spTree>
+      <p:nvGrpSpPr>
+        <p:cNvPr id="1" name=""/>
+        <p:cNvGrpSpPr/>
+        <p:nvPr/>
+      </p:nvGrpSpPr>
+      <p:grpSpPr>
+        <a:xfrm>
+          <a:off x="0" y="0"/>
+          <a:ext cx="0" cy="0"/>
+          <a:chOff x="0" y="0"/>
+          <a:chExt cx="0" cy="0"/>
+        </a:xfrm>
+      </p:grpSpPr>
+      <p:sp>
+        <p:nvSpPr>
+          <p:cNvPr id="2" name="Title 1"/>
+          <p:cNvSpPr>
+            <a:spLocks noGrp="1"/>
+          </p:cNvSpPr>
+          <p:nvPr>
+            <p:ph type="title"/>
+          </p:nvPr>
+        </p:nvSpPr>
+        <p:spPr/>
+        <p:txBody>
+          <a:bodyPr/>
+          <a:lstStyle/>
+          <a:p>
+            <a:r>
+              <a:rPr lang="en-US" dirty="0" smtClean="0"/>
+              <a:t>What?</a:t>
+            </a:r>
+            <a:endParaRPr lang="en-US" dirty="0"/>
+          </a:p>
+        </p:txBody>
+      </p:sp>
+      <p:sp>
+        <p:nvSpPr>
+          <p:cNvPr id="3" name="Content Placeholder 2"/>
+          <p:cNvSpPr>
+            <a:spLocks noGrp="1"/>
+          </p:cNvSpPr>
+          <p:nvPr>
+            <p:ph idx="1"/>
+          </p:nvPr>
+        </p:nvSpPr>
+        <p:spPr/>
+        <p:txBody>
+          <a:bodyPr>
+            <a:normAutofit/>
+          </a:bodyPr>
+          <a:lstStyle/>
+          <a:p>
+            <a:r>
+              <a:rPr lang="en-US" dirty="0"/>
+              <a:t>Python Web Frameworks (Bottle, </a:t>
+            </a:r>
+            <a:r>
+              <a:rPr lang="en-US" dirty="0" err="1"/>
+              <a:t>Django</a:t>
+            </a:r>
+            <a:r>
+              <a:rPr lang="en-US" dirty="0"/>
+              <a:t>, Flask, Pyramid, </a:t>
+            </a:r>
+            <a:r>
+              <a:rPr lang="en-US" dirty="0" err="1"/>
+              <a:t>Zope</a:t>
+            </a:r>
+            <a:r>
+              <a:rPr lang="en-US" dirty="0"/>
+              <a:t>, etc.)</a:t>
+            </a:r>
+          </a:p>
+          <a:p>
+            <a:r>
+              <a:rPr lang="en-US" dirty="0" smtClean="0"/>
+              <a:t>Python Core Development (PEP435)</a:t>
+            </a:r>
+          </a:p>
+          <a:p>
+            <a:r>
+              <a:rPr lang="en-US" dirty="0" smtClean="0"/>
+              <a:t>Introduction To Python Programming (&gt;&gt;&gt; import this)</a:t>
+            </a:r>
+          </a:p>
+        </p:txBody>
+      </p:sp>
+    </p:spTree>
+    <p:extLst>
+      <p:ext uri="{BB962C8B-B14F-4D97-AF65-F5344CB8AC3E}">
+        <p14:creationId xmlns:p14="http://schemas.microsoft.com/office/powerpoint/2010/main" val="2886417343"/>
+      </p:ext>
+    </p:extLst>
+  </p:cSld>
+  <p:clrMapOvr>
+    <a:masterClrMapping/>
+  </p:clrMapOvr>
+</p:sld>
+</file>
+
 <file path=ppt/slides/slide4.xml><?xml version="1.0" encoding="utf-8"?>
 <p:sld xmlns:a="http://schemas.openxmlformats.org/drawingml/2006/main" xmlns:r="http://schemas.openxmlformats.org/officeDocument/2006/relationships" xmlns:p="http://schemas.openxmlformats.org/presentationml/2006/main">
   <p:cSld>
@@ -13304,6 +13896,894 @@
       </p:par>
     </p:tnLst>
   </p:timing>
+</p:sld>
+</file>
+
+<file path=ppt/slides/slide40.xml><?xml version="1.0" encoding="utf-8"?>
+<p:sld xmlns:a="http://schemas.openxmlformats.org/drawingml/2006/main" xmlns:r="http://schemas.openxmlformats.org/officeDocument/2006/relationships" xmlns:p="http://schemas.openxmlformats.org/presentationml/2006/main">
+  <p:cSld>
+    <p:spTree>
+      <p:nvGrpSpPr>
+        <p:cNvPr id="1" name=""/>
+        <p:cNvGrpSpPr/>
+        <p:nvPr/>
+      </p:nvGrpSpPr>
+      <p:grpSpPr>
+        <a:xfrm>
+          <a:off x="0" y="0"/>
+          <a:ext cx="0" cy="0"/>
+          <a:chOff x="0" y="0"/>
+          <a:chExt cx="0" cy="0"/>
+        </a:xfrm>
+      </p:grpSpPr>
+      <p:sp>
+        <p:nvSpPr>
+          <p:cNvPr id="2" name="Title 1"/>
+          <p:cNvSpPr>
+            <a:spLocks noGrp="1"/>
+          </p:cNvSpPr>
+          <p:nvPr>
+            <p:ph type="title"/>
+          </p:nvPr>
+        </p:nvSpPr>
+        <p:spPr/>
+        <p:txBody>
+          <a:bodyPr/>
+          <a:lstStyle/>
+          <a:p>
+            <a:r>
+              <a:rPr lang="en-US" dirty="0" smtClean="0"/>
+              <a:t>What?</a:t>
+            </a:r>
+            <a:endParaRPr lang="en-US" dirty="0"/>
+          </a:p>
+        </p:txBody>
+      </p:sp>
+      <p:sp>
+        <p:nvSpPr>
+          <p:cNvPr id="3" name="Content Placeholder 2"/>
+          <p:cNvSpPr>
+            <a:spLocks noGrp="1"/>
+          </p:cNvSpPr>
+          <p:nvPr>
+            <p:ph idx="1"/>
+          </p:nvPr>
+        </p:nvSpPr>
+        <p:spPr/>
+        <p:txBody>
+          <a:bodyPr>
+            <a:normAutofit/>
+          </a:bodyPr>
+          <a:lstStyle/>
+          <a:p>
+            <a:r>
+              <a:rPr lang="en-US" dirty="0"/>
+              <a:t>Python Web Frameworks (Bottle, </a:t>
+            </a:r>
+            <a:r>
+              <a:rPr lang="en-US" dirty="0" err="1"/>
+              <a:t>Django</a:t>
+            </a:r>
+            <a:r>
+              <a:rPr lang="en-US" dirty="0"/>
+              <a:t>, Flask, Pyramid, </a:t>
+            </a:r>
+            <a:r>
+              <a:rPr lang="en-US" dirty="0" err="1"/>
+              <a:t>Zope</a:t>
+            </a:r>
+            <a:r>
+              <a:rPr lang="en-US" dirty="0"/>
+              <a:t>, etc.)</a:t>
+            </a:r>
+          </a:p>
+          <a:p>
+            <a:r>
+              <a:rPr lang="en-US" dirty="0" smtClean="0"/>
+              <a:t>Python Core Development (PEP435)</a:t>
+            </a:r>
+          </a:p>
+          <a:p>
+            <a:r>
+              <a:rPr lang="en-US" dirty="0" smtClean="0"/>
+              <a:t>Introduction To Python Programming (&gt;&gt;&gt; import this)</a:t>
+            </a:r>
+          </a:p>
+          <a:p>
+            <a:r>
+              <a:rPr lang="en-US" dirty="0" smtClean="0"/>
+              <a:t>Intermediate Python Programming</a:t>
+            </a:r>
+          </a:p>
+        </p:txBody>
+      </p:sp>
+    </p:spTree>
+    <p:extLst>
+      <p:ext uri="{BB962C8B-B14F-4D97-AF65-F5344CB8AC3E}">
+        <p14:creationId xmlns:p14="http://schemas.microsoft.com/office/powerpoint/2010/main" val="780894628"/>
+      </p:ext>
+    </p:extLst>
+  </p:cSld>
+  <p:clrMapOvr>
+    <a:masterClrMapping/>
+  </p:clrMapOvr>
+</p:sld>
+</file>
+
+<file path=ppt/slides/slide41.xml><?xml version="1.0" encoding="utf-8"?>
+<p:sld xmlns:a="http://schemas.openxmlformats.org/drawingml/2006/main" xmlns:r="http://schemas.openxmlformats.org/officeDocument/2006/relationships" xmlns:p="http://schemas.openxmlformats.org/presentationml/2006/main">
+  <p:cSld>
+    <p:spTree>
+      <p:nvGrpSpPr>
+        <p:cNvPr id="1" name=""/>
+        <p:cNvGrpSpPr/>
+        <p:nvPr/>
+      </p:nvGrpSpPr>
+      <p:grpSpPr>
+        <a:xfrm>
+          <a:off x="0" y="0"/>
+          <a:ext cx="0" cy="0"/>
+          <a:chOff x="0" y="0"/>
+          <a:chExt cx="0" cy="0"/>
+        </a:xfrm>
+      </p:grpSpPr>
+      <p:sp>
+        <p:nvSpPr>
+          <p:cNvPr id="2" name="Title 1"/>
+          <p:cNvSpPr>
+            <a:spLocks noGrp="1"/>
+          </p:cNvSpPr>
+          <p:nvPr>
+            <p:ph type="title"/>
+          </p:nvPr>
+        </p:nvSpPr>
+        <p:spPr/>
+        <p:txBody>
+          <a:bodyPr/>
+          <a:lstStyle/>
+          <a:p>
+            <a:r>
+              <a:rPr lang="en-US" dirty="0" smtClean="0"/>
+              <a:t>What?</a:t>
+            </a:r>
+            <a:endParaRPr lang="en-US" dirty="0"/>
+          </a:p>
+        </p:txBody>
+      </p:sp>
+      <p:sp>
+        <p:nvSpPr>
+          <p:cNvPr id="3" name="Content Placeholder 2"/>
+          <p:cNvSpPr>
+            <a:spLocks noGrp="1"/>
+          </p:cNvSpPr>
+          <p:nvPr>
+            <p:ph idx="1"/>
+          </p:nvPr>
+        </p:nvSpPr>
+        <p:spPr/>
+        <p:txBody>
+          <a:bodyPr>
+            <a:normAutofit/>
+          </a:bodyPr>
+          <a:lstStyle/>
+          <a:p>
+            <a:r>
+              <a:rPr lang="en-US" dirty="0"/>
+              <a:t>Python Web Frameworks (Bottle, </a:t>
+            </a:r>
+            <a:r>
+              <a:rPr lang="en-US" dirty="0" err="1"/>
+              <a:t>Django</a:t>
+            </a:r>
+            <a:r>
+              <a:rPr lang="en-US" dirty="0"/>
+              <a:t>, Flask, Pyramid, </a:t>
+            </a:r>
+            <a:r>
+              <a:rPr lang="en-US" dirty="0" err="1"/>
+              <a:t>Zope</a:t>
+            </a:r>
+            <a:r>
+              <a:rPr lang="en-US" dirty="0"/>
+              <a:t>, etc.)</a:t>
+            </a:r>
+          </a:p>
+          <a:p>
+            <a:r>
+              <a:rPr lang="en-US" dirty="0" smtClean="0"/>
+              <a:t>Python Core Development (PEP435)</a:t>
+            </a:r>
+          </a:p>
+          <a:p>
+            <a:r>
+              <a:rPr lang="en-US" dirty="0" smtClean="0"/>
+              <a:t>Introduction To Python Programming (&gt;&gt;&gt; import this)</a:t>
+            </a:r>
+          </a:p>
+          <a:p>
+            <a:r>
+              <a:rPr lang="en-US" dirty="0" smtClean="0"/>
+              <a:t>Intermediate Python Programming (</a:t>
+            </a:r>
+            <a:r>
+              <a:rPr lang="en-US" dirty="0"/>
+              <a:t>&gt;&gt;&gt; [</a:t>
+            </a:r>
+            <a:r>
+              <a:rPr lang="en-US" dirty="0" err="1"/>
+              <a:t>i</a:t>
+            </a:r>
+            <a:r>
+              <a:rPr lang="en-US" dirty="0"/>
+              <a:t> for </a:t>
+            </a:r>
+            <a:r>
+              <a:rPr lang="en-US" dirty="0" err="1"/>
+              <a:t>i</a:t>
+            </a:r>
+            <a:r>
+              <a:rPr lang="en-US" dirty="0"/>
+              <a:t> in </a:t>
+            </a:r>
+            <a:r>
+              <a:rPr lang="en-US" dirty="0" err="1"/>
+              <a:t>things_we_talk_about</a:t>
+            </a:r>
+            <a:r>
+              <a:rPr lang="en-US" dirty="0"/>
+              <a:t>])</a:t>
+            </a:r>
+          </a:p>
+        </p:txBody>
+      </p:sp>
+    </p:spTree>
+    <p:extLst>
+      <p:ext uri="{BB962C8B-B14F-4D97-AF65-F5344CB8AC3E}">
+        <p14:creationId xmlns:p14="http://schemas.microsoft.com/office/powerpoint/2010/main" val="1748029861"/>
+      </p:ext>
+    </p:extLst>
+  </p:cSld>
+  <p:clrMapOvr>
+    <a:masterClrMapping/>
+  </p:clrMapOvr>
+</p:sld>
+</file>
+
+<file path=ppt/slides/slide42.xml><?xml version="1.0" encoding="utf-8"?>
+<p:sld xmlns:a="http://schemas.openxmlformats.org/drawingml/2006/main" xmlns:r="http://schemas.openxmlformats.org/officeDocument/2006/relationships" xmlns:p="http://schemas.openxmlformats.org/presentationml/2006/main">
+  <p:cSld>
+    <p:spTree>
+      <p:nvGrpSpPr>
+        <p:cNvPr id="1" name=""/>
+        <p:cNvGrpSpPr/>
+        <p:nvPr/>
+      </p:nvGrpSpPr>
+      <p:grpSpPr>
+        <a:xfrm>
+          <a:off x="0" y="0"/>
+          <a:ext cx="0" cy="0"/>
+          <a:chOff x="0" y="0"/>
+          <a:chExt cx="0" cy="0"/>
+        </a:xfrm>
+      </p:grpSpPr>
+      <p:sp>
+        <p:nvSpPr>
+          <p:cNvPr id="2" name="Title 1"/>
+          <p:cNvSpPr>
+            <a:spLocks noGrp="1"/>
+          </p:cNvSpPr>
+          <p:nvPr>
+            <p:ph type="title"/>
+          </p:nvPr>
+        </p:nvSpPr>
+        <p:spPr/>
+        <p:txBody>
+          <a:bodyPr/>
+          <a:lstStyle/>
+          <a:p>
+            <a:r>
+              <a:rPr lang="en-US" dirty="0" smtClean="0"/>
+              <a:t>What else?</a:t>
+            </a:r>
+            <a:endParaRPr lang="en-US" dirty="0"/>
+          </a:p>
+        </p:txBody>
+      </p:sp>
+      <p:sp>
+        <p:nvSpPr>
+          <p:cNvPr id="3" name="Content Placeholder 2"/>
+          <p:cNvSpPr>
+            <a:spLocks noGrp="1"/>
+          </p:cNvSpPr>
+          <p:nvPr>
+            <p:ph idx="1"/>
+          </p:nvPr>
+        </p:nvSpPr>
+        <p:spPr/>
+        <p:txBody>
+          <a:bodyPr/>
+          <a:lstStyle/>
+          <a:p>
+            <a:r>
+              <a:rPr lang="en-US" dirty="0"/>
+              <a:t>Advanced </a:t>
+            </a:r>
+            <a:r>
+              <a:rPr lang="en-US" dirty="0" smtClean="0"/>
+              <a:t>Python Programming</a:t>
+            </a:r>
+            <a:endParaRPr lang="en-US" dirty="0"/>
+          </a:p>
+        </p:txBody>
+      </p:sp>
+    </p:spTree>
+    <p:extLst>
+      <p:ext uri="{BB962C8B-B14F-4D97-AF65-F5344CB8AC3E}">
+        <p14:creationId xmlns:p14="http://schemas.microsoft.com/office/powerpoint/2010/main" val="3348063941"/>
+      </p:ext>
+    </p:extLst>
+  </p:cSld>
+  <p:clrMapOvr>
+    <a:masterClrMapping/>
+  </p:clrMapOvr>
+</p:sld>
+</file>
+
+<file path=ppt/slides/slide43.xml><?xml version="1.0" encoding="utf-8"?>
+<p:sld xmlns:a="http://schemas.openxmlformats.org/drawingml/2006/main" xmlns:r="http://schemas.openxmlformats.org/officeDocument/2006/relationships" xmlns:p="http://schemas.openxmlformats.org/presentationml/2006/main">
+  <p:cSld>
+    <p:spTree>
+      <p:nvGrpSpPr>
+        <p:cNvPr id="1" name=""/>
+        <p:cNvGrpSpPr/>
+        <p:nvPr/>
+      </p:nvGrpSpPr>
+      <p:grpSpPr>
+        <a:xfrm>
+          <a:off x="0" y="0"/>
+          <a:ext cx="0" cy="0"/>
+          <a:chOff x="0" y="0"/>
+          <a:chExt cx="0" cy="0"/>
+        </a:xfrm>
+      </p:grpSpPr>
+      <p:sp>
+        <p:nvSpPr>
+          <p:cNvPr id="2" name="Title 1"/>
+          <p:cNvSpPr>
+            <a:spLocks noGrp="1"/>
+          </p:cNvSpPr>
+          <p:nvPr>
+            <p:ph type="title"/>
+          </p:nvPr>
+        </p:nvSpPr>
+        <p:spPr/>
+        <p:txBody>
+          <a:bodyPr/>
+          <a:lstStyle/>
+          <a:p>
+            <a:r>
+              <a:rPr lang="en-US" dirty="0" smtClean="0"/>
+              <a:t>What else?</a:t>
+            </a:r>
+            <a:endParaRPr lang="en-US" dirty="0"/>
+          </a:p>
+        </p:txBody>
+      </p:sp>
+      <p:sp>
+        <p:nvSpPr>
+          <p:cNvPr id="3" name="Content Placeholder 2"/>
+          <p:cNvSpPr>
+            <a:spLocks noGrp="1"/>
+          </p:cNvSpPr>
+          <p:nvPr>
+            <p:ph idx="1"/>
+          </p:nvPr>
+        </p:nvSpPr>
+        <p:spPr/>
+        <p:txBody>
+          <a:bodyPr/>
+          <a:lstStyle/>
+          <a:p>
+            <a:r>
+              <a:rPr lang="en-US" dirty="0"/>
+              <a:t>Advanced Python Programming (&gt;&gt;&gt; X = type('X',(),{'</a:t>
+            </a:r>
+            <a:r>
+              <a:rPr lang="en-US" dirty="0" err="1"/>
+              <a:t>foo':lambda</a:t>
+            </a:r>
+            <a:r>
+              <a:rPr lang="en-US" dirty="0"/>
+              <a:t> </a:t>
+            </a:r>
+            <a:r>
+              <a:rPr lang="en-US" dirty="0" err="1"/>
+              <a:t>self:'foo</a:t>
+            </a:r>
+            <a:r>
+              <a:rPr lang="en-US" dirty="0"/>
+              <a:t>'})</a:t>
+            </a:r>
+            <a:r>
+              <a:rPr lang="en-US" dirty="0" smtClean="0"/>
+              <a:t>)</a:t>
+            </a:r>
+            <a:endParaRPr lang="en-US" dirty="0"/>
+          </a:p>
+        </p:txBody>
+      </p:sp>
+    </p:spTree>
+    <p:extLst>
+      <p:ext uri="{BB962C8B-B14F-4D97-AF65-F5344CB8AC3E}">
+        <p14:creationId xmlns:p14="http://schemas.microsoft.com/office/powerpoint/2010/main" val="2219051750"/>
+      </p:ext>
+    </p:extLst>
+  </p:cSld>
+  <p:clrMapOvr>
+    <a:masterClrMapping/>
+  </p:clrMapOvr>
+</p:sld>
+</file>
+
+<file path=ppt/slides/slide44.xml><?xml version="1.0" encoding="utf-8"?>
+<p:sld xmlns:a="http://schemas.openxmlformats.org/drawingml/2006/main" xmlns:r="http://schemas.openxmlformats.org/officeDocument/2006/relationships" xmlns:p="http://schemas.openxmlformats.org/presentationml/2006/main">
+  <p:cSld>
+    <p:spTree>
+      <p:nvGrpSpPr>
+        <p:cNvPr id="1" name=""/>
+        <p:cNvGrpSpPr/>
+        <p:nvPr/>
+      </p:nvGrpSpPr>
+      <p:grpSpPr>
+        <a:xfrm>
+          <a:off x="0" y="0"/>
+          <a:ext cx="0" cy="0"/>
+          <a:chOff x="0" y="0"/>
+          <a:chExt cx="0" cy="0"/>
+        </a:xfrm>
+      </p:grpSpPr>
+      <p:sp>
+        <p:nvSpPr>
+          <p:cNvPr id="2" name="Title 1"/>
+          <p:cNvSpPr>
+            <a:spLocks noGrp="1"/>
+          </p:cNvSpPr>
+          <p:nvPr>
+            <p:ph type="title"/>
+          </p:nvPr>
+        </p:nvSpPr>
+        <p:spPr/>
+        <p:txBody>
+          <a:bodyPr/>
+          <a:lstStyle/>
+          <a:p>
+            <a:r>
+              <a:rPr lang="en-US" dirty="0" smtClean="0"/>
+              <a:t>What else?</a:t>
+            </a:r>
+            <a:endParaRPr lang="en-US" dirty="0"/>
+          </a:p>
+        </p:txBody>
+      </p:sp>
+      <p:sp>
+        <p:nvSpPr>
+          <p:cNvPr id="3" name="Content Placeholder 2"/>
+          <p:cNvSpPr>
+            <a:spLocks noGrp="1"/>
+          </p:cNvSpPr>
+          <p:nvPr>
+            <p:ph idx="1"/>
+          </p:nvPr>
+        </p:nvSpPr>
+        <p:spPr/>
+        <p:txBody>
+          <a:bodyPr/>
+          <a:lstStyle/>
+          <a:p>
+            <a:r>
+              <a:rPr lang="en-US" dirty="0"/>
+              <a:t>Advanced Python Programming (&gt;&gt;&gt; X = type('X',(),{'</a:t>
+            </a:r>
+            <a:r>
+              <a:rPr lang="en-US" dirty="0" err="1"/>
+              <a:t>foo':lambda</a:t>
+            </a:r>
+            <a:r>
+              <a:rPr lang="en-US" dirty="0"/>
+              <a:t> </a:t>
+            </a:r>
+            <a:r>
+              <a:rPr lang="en-US" dirty="0" err="1"/>
+              <a:t>self:'foo</a:t>
+            </a:r>
+            <a:r>
+              <a:rPr lang="en-US" dirty="0"/>
+              <a:t>'}))</a:t>
+            </a:r>
+          </a:p>
+          <a:p>
+            <a:r>
+              <a:rPr lang="en-US" dirty="0"/>
+              <a:t>Database </a:t>
+            </a:r>
+            <a:r>
+              <a:rPr lang="en-US" dirty="0" smtClean="0"/>
+              <a:t>Technology</a:t>
+            </a:r>
+            <a:endParaRPr lang="en-US" dirty="0"/>
+          </a:p>
+        </p:txBody>
+      </p:sp>
+    </p:spTree>
+    <p:extLst>
+      <p:ext uri="{BB962C8B-B14F-4D97-AF65-F5344CB8AC3E}">
+        <p14:creationId xmlns:p14="http://schemas.microsoft.com/office/powerpoint/2010/main" val="1990153644"/>
+      </p:ext>
+    </p:extLst>
+  </p:cSld>
+  <p:clrMapOvr>
+    <a:masterClrMapping/>
+  </p:clrMapOvr>
+</p:sld>
+</file>
+
+<file path=ppt/slides/slide45.xml><?xml version="1.0" encoding="utf-8"?>
+<p:sld xmlns:a="http://schemas.openxmlformats.org/drawingml/2006/main" xmlns:r="http://schemas.openxmlformats.org/officeDocument/2006/relationships" xmlns:p="http://schemas.openxmlformats.org/presentationml/2006/main">
+  <p:cSld>
+    <p:spTree>
+      <p:nvGrpSpPr>
+        <p:cNvPr id="1" name=""/>
+        <p:cNvGrpSpPr/>
+        <p:nvPr/>
+      </p:nvGrpSpPr>
+      <p:grpSpPr>
+        <a:xfrm>
+          <a:off x="0" y="0"/>
+          <a:ext cx="0" cy="0"/>
+          <a:chOff x="0" y="0"/>
+          <a:chExt cx="0" cy="0"/>
+        </a:xfrm>
+      </p:grpSpPr>
+      <p:sp>
+        <p:nvSpPr>
+          <p:cNvPr id="2" name="Title 1"/>
+          <p:cNvSpPr>
+            <a:spLocks noGrp="1"/>
+          </p:cNvSpPr>
+          <p:nvPr>
+            <p:ph type="title"/>
+          </p:nvPr>
+        </p:nvSpPr>
+        <p:spPr/>
+        <p:txBody>
+          <a:bodyPr/>
+          <a:lstStyle/>
+          <a:p>
+            <a:r>
+              <a:rPr lang="en-US" dirty="0" smtClean="0"/>
+              <a:t>What else?</a:t>
+            </a:r>
+            <a:endParaRPr lang="en-US" dirty="0"/>
+          </a:p>
+        </p:txBody>
+      </p:sp>
+      <p:sp>
+        <p:nvSpPr>
+          <p:cNvPr id="3" name="Content Placeholder 2"/>
+          <p:cNvSpPr>
+            <a:spLocks noGrp="1"/>
+          </p:cNvSpPr>
+          <p:nvPr>
+            <p:ph idx="1"/>
+          </p:nvPr>
+        </p:nvSpPr>
+        <p:spPr/>
+        <p:txBody>
+          <a:bodyPr/>
+          <a:lstStyle/>
+          <a:p>
+            <a:r>
+              <a:rPr lang="en-US" dirty="0"/>
+              <a:t>Advanced Python Programming (&gt;&gt;&gt; X = type('X',(),{'</a:t>
+            </a:r>
+            <a:r>
+              <a:rPr lang="en-US" dirty="0" err="1"/>
+              <a:t>foo':lambda</a:t>
+            </a:r>
+            <a:r>
+              <a:rPr lang="en-US" dirty="0"/>
+              <a:t> </a:t>
+            </a:r>
+            <a:r>
+              <a:rPr lang="en-US" dirty="0" err="1"/>
+              <a:t>self:'foo</a:t>
+            </a:r>
+            <a:r>
+              <a:rPr lang="en-US" dirty="0"/>
+              <a:t>'}))</a:t>
+            </a:r>
+          </a:p>
+          <a:p>
+            <a:r>
+              <a:rPr lang="en-US" dirty="0"/>
+              <a:t>Database Technology (&gt;&gt;&gt; import </a:t>
+            </a:r>
+            <a:r>
+              <a:rPr lang="en-US" dirty="0" err="1"/>
+              <a:t>redis</a:t>
+            </a:r>
+            <a:r>
+              <a:rPr lang="en-US" dirty="0" smtClean="0"/>
+              <a:t>)</a:t>
+            </a:r>
+            <a:endParaRPr lang="en-US" dirty="0"/>
+          </a:p>
+        </p:txBody>
+      </p:sp>
+    </p:spTree>
+    <p:extLst>
+      <p:ext uri="{BB962C8B-B14F-4D97-AF65-F5344CB8AC3E}">
+        <p14:creationId xmlns:p14="http://schemas.microsoft.com/office/powerpoint/2010/main" val="409398432"/>
+      </p:ext>
+    </p:extLst>
+  </p:cSld>
+  <p:clrMapOvr>
+    <a:masterClrMapping/>
+  </p:clrMapOvr>
+</p:sld>
+</file>
+
+<file path=ppt/slides/slide46.xml><?xml version="1.0" encoding="utf-8"?>
+<p:sld xmlns:a="http://schemas.openxmlformats.org/drawingml/2006/main" xmlns:r="http://schemas.openxmlformats.org/officeDocument/2006/relationships" xmlns:p="http://schemas.openxmlformats.org/presentationml/2006/main">
+  <p:cSld>
+    <p:spTree>
+      <p:nvGrpSpPr>
+        <p:cNvPr id="1" name=""/>
+        <p:cNvGrpSpPr/>
+        <p:nvPr/>
+      </p:nvGrpSpPr>
+      <p:grpSpPr>
+        <a:xfrm>
+          <a:off x="0" y="0"/>
+          <a:ext cx="0" cy="0"/>
+          <a:chOff x="0" y="0"/>
+          <a:chExt cx="0" cy="0"/>
+        </a:xfrm>
+      </p:grpSpPr>
+      <p:sp>
+        <p:nvSpPr>
+          <p:cNvPr id="2" name="Title 1"/>
+          <p:cNvSpPr>
+            <a:spLocks noGrp="1"/>
+          </p:cNvSpPr>
+          <p:nvPr>
+            <p:ph type="title"/>
+          </p:nvPr>
+        </p:nvSpPr>
+        <p:spPr/>
+        <p:txBody>
+          <a:bodyPr/>
+          <a:lstStyle/>
+          <a:p>
+            <a:r>
+              <a:rPr lang="en-US" dirty="0" smtClean="0"/>
+              <a:t>What else?</a:t>
+            </a:r>
+            <a:endParaRPr lang="en-US" dirty="0"/>
+          </a:p>
+        </p:txBody>
+      </p:sp>
+      <p:sp>
+        <p:nvSpPr>
+          <p:cNvPr id="3" name="Content Placeholder 2"/>
+          <p:cNvSpPr>
+            <a:spLocks noGrp="1"/>
+          </p:cNvSpPr>
+          <p:nvPr>
+            <p:ph idx="1"/>
+          </p:nvPr>
+        </p:nvSpPr>
+        <p:spPr/>
+        <p:txBody>
+          <a:bodyPr/>
+          <a:lstStyle/>
+          <a:p>
+            <a:r>
+              <a:rPr lang="en-US" dirty="0"/>
+              <a:t>Advanced Python Programming (&gt;&gt;&gt; X = type('X',(),{'</a:t>
+            </a:r>
+            <a:r>
+              <a:rPr lang="en-US" dirty="0" err="1"/>
+              <a:t>foo':lambda</a:t>
+            </a:r>
+            <a:r>
+              <a:rPr lang="en-US" dirty="0"/>
+              <a:t> </a:t>
+            </a:r>
+            <a:r>
+              <a:rPr lang="en-US" dirty="0" err="1"/>
+              <a:t>self:'foo</a:t>
+            </a:r>
+            <a:r>
+              <a:rPr lang="en-US" dirty="0"/>
+              <a:t>'}))</a:t>
+            </a:r>
+          </a:p>
+          <a:p>
+            <a:r>
+              <a:rPr lang="en-US" dirty="0"/>
+              <a:t>Database Technology (&gt;&gt;&gt; import </a:t>
+            </a:r>
+            <a:r>
+              <a:rPr lang="en-US" dirty="0" err="1"/>
+              <a:t>redis</a:t>
+            </a:r>
+            <a:r>
+              <a:rPr lang="en-US" dirty="0"/>
+              <a:t>)</a:t>
+            </a:r>
+          </a:p>
+          <a:p>
+            <a:r>
+              <a:rPr lang="en-US" dirty="0"/>
+              <a:t>Development and Operations </a:t>
+            </a:r>
+            <a:r>
+              <a:rPr lang="en-US" dirty="0" smtClean="0"/>
+              <a:t>Technology</a:t>
+            </a:r>
+            <a:endParaRPr lang="en-US" dirty="0"/>
+          </a:p>
+        </p:txBody>
+      </p:sp>
+    </p:spTree>
+    <p:extLst>
+      <p:ext uri="{BB962C8B-B14F-4D97-AF65-F5344CB8AC3E}">
+        <p14:creationId xmlns:p14="http://schemas.microsoft.com/office/powerpoint/2010/main" val="2359113400"/>
+      </p:ext>
+    </p:extLst>
+  </p:cSld>
+  <p:clrMapOvr>
+    <a:masterClrMapping/>
+  </p:clrMapOvr>
+</p:sld>
+</file>
+
+<file path=ppt/slides/slide47.xml><?xml version="1.0" encoding="utf-8"?>
+<p:sld xmlns:a="http://schemas.openxmlformats.org/drawingml/2006/main" xmlns:r="http://schemas.openxmlformats.org/officeDocument/2006/relationships" xmlns:p="http://schemas.openxmlformats.org/presentationml/2006/main">
+  <p:cSld>
+    <p:spTree>
+      <p:nvGrpSpPr>
+        <p:cNvPr id="1" name=""/>
+        <p:cNvGrpSpPr/>
+        <p:nvPr/>
+      </p:nvGrpSpPr>
+      <p:grpSpPr>
+        <a:xfrm>
+          <a:off x="0" y="0"/>
+          <a:ext cx="0" cy="0"/>
+          <a:chOff x="0" y="0"/>
+          <a:chExt cx="0" cy="0"/>
+        </a:xfrm>
+      </p:grpSpPr>
+      <p:sp>
+        <p:nvSpPr>
+          <p:cNvPr id="2" name="Title 1"/>
+          <p:cNvSpPr>
+            <a:spLocks noGrp="1"/>
+          </p:cNvSpPr>
+          <p:nvPr>
+            <p:ph type="title"/>
+          </p:nvPr>
+        </p:nvSpPr>
+        <p:spPr/>
+        <p:txBody>
+          <a:bodyPr/>
+          <a:lstStyle/>
+          <a:p>
+            <a:r>
+              <a:rPr lang="en-US" dirty="0" smtClean="0"/>
+              <a:t>What else?</a:t>
+            </a:r>
+            <a:endParaRPr lang="en-US" dirty="0"/>
+          </a:p>
+        </p:txBody>
+      </p:sp>
+      <p:sp>
+        <p:nvSpPr>
+          <p:cNvPr id="3" name="Content Placeholder 2"/>
+          <p:cNvSpPr>
+            <a:spLocks noGrp="1"/>
+          </p:cNvSpPr>
+          <p:nvPr>
+            <p:ph idx="1"/>
+          </p:nvPr>
+        </p:nvSpPr>
+        <p:spPr/>
+        <p:txBody>
+          <a:bodyPr/>
+          <a:lstStyle/>
+          <a:p>
+            <a:r>
+              <a:rPr lang="en-US" dirty="0"/>
+              <a:t>Advanced Python Programming (&gt;&gt;&gt; X = type('X',(),{'</a:t>
+            </a:r>
+            <a:r>
+              <a:rPr lang="en-US" dirty="0" err="1"/>
+              <a:t>foo':lambda</a:t>
+            </a:r>
+            <a:r>
+              <a:rPr lang="en-US" dirty="0"/>
+              <a:t> </a:t>
+            </a:r>
+            <a:r>
+              <a:rPr lang="en-US" dirty="0" err="1"/>
+              <a:t>self:'foo</a:t>
+            </a:r>
+            <a:r>
+              <a:rPr lang="en-US" dirty="0"/>
+              <a:t>'}))</a:t>
+            </a:r>
+          </a:p>
+          <a:p>
+            <a:r>
+              <a:rPr lang="en-US" dirty="0"/>
+              <a:t>Database Technology (&gt;&gt;&gt; import </a:t>
+            </a:r>
+            <a:r>
+              <a:rPr lang="en-US" dirty="0" err="1"/>
+              <a:t>redis</a:t>
+            </a:r>
+            <a:r>
+              <a:rPr lang="en-US" dirty="0"/>
+              <a:t>)</a:t>
+            </a:r>
+          </a:p>
+          <a:p>
+            <a:r>
+              <a:rPr lang="en-US" dirty="0"/>
+              <a:t>Development and Operations Technology (</a:t>
+            </a:r>
+            <a:r>
+              <a:rPr lang="en-US" dirty="0" err="1"/>
+              <a:t>Heroku</a:t>
+            </a:r>
+            <a:r>
+              <a:rPr lang="en-US" dirty="0"/>
+              <a:t>, </a:t>
+            </a:r>
+            <a:r>
+              <a:rPr lang="en-US" dirty="0" err="1"/>
+              <a:t>Openstack</a:t>
+            </a:r>
+            <a:r>
+              <a:rPr lang="en-US" dirty="0"/>
+              <a:t>, </a:t>
+            </a:r>
+            <a:r>
+              <a:rPr lang="en-US" dirty="0" err="1"/>
+              <a:t>Zenoss</a:t>
+            </a:r>
+            <a:r>
+              <a:rPr lang="en-US" dirty="0"/>
+              <a:t>)</a:t>
+            </a:r>
+          </a:p>
+          <a:p>
+            <a:endParaRPr lang="en-US" dirty="0"/>
+          </a:p>
+        </p:txBody>
+      </p:sp>
+    </p:spTree>
+    <p:extLst>
+      <p:ext uri="{BB962C8B-B14F-4D97-AF65-F5344CB8AC3E}">
+        <p14:creationId xmlns:p14="http://schemas.microsoft.com/office/powerpoint/2010/main" val="135844114"/>
+      </p:ext>
+    </p:extLst>
+  </p:cSld>
+  <p:clrMapOvr>
+    <a:masterClrMapping/>
+  </p:clrMapOvr>
 </p:sld>
 </file>
 

--- a/DC Python Generic Meetup Slides.pptx
+++ b/DC Python Generic Meetup Slides.pptx
@@ -13267,6 +13267,13 @@
   <p:clrMapOvr>
     <a:masterClrMapping/>
   </p:clrMapOvr>
+  <p:timing>
+    <p:tnLst>
+      <p:par>
+        <p:cTn xmlns:p14="http://schemas.microsoft.com/office/powerpoint/2010/main" id="1" dur="indefinite" restart="never" nodeType="tmRoot"/>
+      </p:par>
+    </p:tnLst>
+  </p:timing>
 </p:sld>
 </file>
 
@@ -13360,6 +13367,13 @@
   <p:clrMapOvr>
     <a:masterClrMapping/>
   </p:clrMapOvr>
+  <p:timing>
+    <p:tnLst>
+      <p:par>
+        <p:cTn xmlns:p14="http://schemas.microsoft.com/office/powerpoint/2010/main" id="1" dur="indefinite" restart="never" nodeType="tmRoot"/>
+      </p:par>
+    </p:tnLst>
+  </p:timing>
 </p:sld>
 </file>
 
@@ -13459,6 +13473,13 @@
   <p:clrMapOvr>
     <a:masterClrMapping/>
   </p:clrMapOvr>
+  <p:timing>
+    <p:tnLst>
+      <p:par>
+        <p:cTn xmlns:p14="http://schemas.microsoft.com/office/powerpoint/2010/main" id="1" dur="indefinite" restart="never" nodeType="tmRoot"/>
+      </p:par>
+    </p:tnLst>
+  </p:timing>
 </p:sld>
 </file>
 
@@ -13558,6 +13579,13 @@
   <p:clrMapOvr>
     <a:masterClrMapping/>
   </p:clrMapOvr>
+  <p:timing>
+    <p:tnLst>
+      <p:par>
+        <p:cTn xmlns:p14="http://schemas.microsoft.com/office/powerpoint/2010/main" id="1" dur="indefinite" restart="never" nodeType="tmRoot"/>
+      </p:par>
+    </p:tnLst>
+  </p:timing>
 </p:sld>
 </file>
 
@@ -13663,6 +13691,13 @@
   <p:clrMapOvr>
     <a:masterClrMapping/>
   </p:clrMapOvr>
+  <p:timing>
+    <p:tnLst>
+      <p:par>
+        <p:cTn xmlns:p14="http://schemas.microsoft.com/office/powerpoint/2010/main" id="1" dur="indefinite" restart="never" nodeType="tmRoot"/>
+      </p:par>
+    </p:tnLst>
+  </p:timing>
 </p:sld>
 </file>
 
@@ -13768,6 +13803,13 @@
   <p:clrMapOvr>
     <a:masterClrMapping/>
   </p:clrMapOvr>
+  <p:timing>
+    <p:tnLst>
+      <p:par>
+        <p:cTn xmlns:p14="http://schemas.microsoft.com/office/powerpoint/2010/main" id="1" dur="indefinite" restart="never" nodeType="tmRoot"/>
+      </p:par>
+    </p:tnLst>
+  </p:timing>
 </p:sld>
 </file>
 
@@ -14007,6 +14049,13 @@
   <p:clrMapOvr>
     <a:masterClrMapping/>
   </p:clrMapOvr>
+  <p:timing>
+    <p:tnLst>
+      <p:par>
+        <p:cTn xmlns:p14="http://schemas.microsoft.com/office/powerpoint/2010/main" id="1" dur="indefinite" restart="never" nodeType="tmRoot"/>
+      </p:par>
+    </p:tnLst>
+  </p:timing>
 </p:sld>
 </file>
 
@@ -14146,6 +14195,13 @@
   <p:clrMapOvr>
     <a:masterClrMapping/>
   </p:clrMapOvr>
+  <p:timing>
+    <p:tnLst>
+      <p:par>
+        <p:cTn xmlns:p14="http://schemas.microsoft.com/office/powerpoint/2010/main" id="1" dur="indefinite" restart="never" nodeType="tmRoot"/>
+      </p:par>
+    </p:tnLst>
+  </p:timing>
 </p:sld>
 </file>
 
@@ -14226,6 +14282,13 @@
   <p:clrMapOvr>
     <a:masterClrMapping/>
   </p:clrMapOvr>
+  <p:timing>
+    <p:tnLst>
+      <p:par>
+        <p:cTn xmlns:p14="http://schemas.microsoft.com/office/powerpoint/2010/main" id="1" dur="indefinite" restart="never" nodeType="tmRoot"/>
+      </p:par>
+    </p:tnLst>
+  </p:timing>
 </p:sld>
 </file>
 
@@ -14322,6 +14385,13 @@
   <p:clrMapOvr>
     <a:masterClrMapping/>
   </p:clrMapOvr>
+  <p:timing>
+    <p:tnLst>
+      <p:par>
+        <p:cTn xmlns:p14="http://schemas.microsoft.com/office/powerpoint/2010/main" id="1" dur="indefinite" restart="never" nodeType="tmRoot"/>
+      </p:par>
+    </p:tnLst>
+  </p:timing>
 </p:sld>
 </file>
 
@@ -14424,6 +14494,13 @@
   <p:clrMapOvr>
     <a:masterClrMapping/>
   </p:clrMapOvr>
+  <p:timing>
+    <p:tnLst>
+      <p:par>
+        <p:cTn xmlns:p14="http://schemas.microsoft.com/office/powerpoint/2010/main" id="1" dur="indefinite" restart="never" nodeType="tmRoot"/>
+      </p:par>
+    </p:tnLst>
+  </p:timing>
 </p:sld>
 </file>
 
@@ -14530,6 +14607,13 @@
   <p:clrMapOvr>
     <a:masterClrMapping/>
   </p:clrMapOvr>
+  <p:timing>
+    <p:tnLst>
+      <p:par>
+        <p:cTn xmlns:p14="http://schemas.microsoft.com/office/powerpoint/2010/main" id="1" dur="indefinite" restart="never" nodeType="tmRoot"/>
+      </p:par>
+    </p:tnLst>
+  </p:timing>
 </p:sld>
 </file>
 
@@ -14646,6 +14730,13 @@
   <p:clrMapOvr>
     <a:masterClrMapping/>
   </p:clrMapOvr>
+  <p:timing>
+    <p:tnLst>
+      <p:par>
+        <p:cTn xmlns:p14="http://schemas.microsoft.com/office/powerpoint/2010/main" id="1" dur="indefinite" restart="never" nodeType="tmRoot"/>
+      </p:par>
+    </p:tnLst>
+  </p:timing>
 </p:sld>
 </file>
 
@@ -14784,6 +14875,13 @@
   <p:clrMapOvr>
     <a:masterClrMapping/>
   </p:clrMapOvr>
+  <p:timing>
+    <p:tnLst>
+      <p:par>
+        <p:cTn xmlns:p14="http://schemas.microsoft.com/office/powerpoint/2010/main" id="1" dur="indefinite" restart="never" nodeType="tmRoot"/>
+      </p:par>
+    </p:tnLst>
+  </p:timing>
 </p:sld>
 </file>
 

--- a/DC Python Generic Meetup Slides.pptx
+++ b/DC Python Generic Meetup Slides.pptx
@@ -13251,7 +13251,13 @@
           <a:lstStyle/>
           <a:p>
             <a:r>
-              <a:rPr lang="en-US" dirty="0" smtClean="0"/>
+              <a:rPr lang="en-US" dirty="0" smtClean="0">
+                <a:solidFill>
+                  <a:schemeClr val="bg1">
+                    <a:lumMod val="50000"/>
+                  </a:schemeClr>
+                </a:solidFill>
+              </a:rPr>
               <a:t>Python Web Frameworks</a:t>
             </a:r>
           </a:p>
@@ -13335,23 +13341,43 @@
           <a:lstStyle/>
           <a:p>
             <a:r>
-              <a:rPr lang="en-US" dirty="0" smtClean="0"/>
+              <a:rPr lang="en-US" dirty="0" smtClean="0">
+                <a:solidFill>
+                  <a:srgbClr val="7F7F7F"/>
+                </a:solidFill>
+              </a:rPr>
               <a:t>Python Web Frameworks (Bottle, </a:t>
             </a:r>
             <a:r>
-              <a:rPr lang="en-US" dirty="0" err="1" smtClean="0"/>
+              <a:rPr lang="en-US" dirty="0" err="1" smtClean="0">
+                <a:solidFill>
+                  <a:srgbClr val="7F7F7F"/>
+                </a:solidFill>
+              </a:rPr>
               <a:t>Django</a:t>
             </a:r>
             <a:r>
-              <a:rPr lang="en-US" dirty="0" smtClean="0"/>
+              <a:rPr lang="en-US" dirty="0" smtClean="0">
+                <a:solidFill>
+                  <a:srgbClr val="7F7F7F"/>
+                </a:solidFill>
+              </a:rPr>
               <a:t>, Flask, Pyramid, </a:t>
             </a:r>
             <a:r>
-              <a:rPr lang="en-US" dirty="0" err="1" smtClean="0"/>
+              <a:rPr lang="en-US" dirty="0" err="1" smtClean="0">
+                <a:solidFill>
+                  <a:srgbClr val="7F7F7F"/>
+                </a:solidFill>
+              </a:rPr>
               <a:t>Zope</a:t>
             </a:r>
             <a:r>
-              <a:rPr lang="en-US" dirty="0" smtClean="0"/>
+              <a:rPr lang="en-US" dirty="0" smtClean="0">
+                <a:solidFill>
+                  <a:srgbClr val="7F7F7F"/>
+                </a:solidFill>
+              </a:rPr>
               <a:t>, etc.)</a:t>
             </a:r>
           </a:p>
@@ -13435,29 +13461,53 @@
           <a:lstStyle/>
           <a:p>
             <a:r>
-              <a:rPr lang="en-US" dirty="0"/>
+              <a:rPr lang="en-US" dirty="0">
+                <a:solidFill>
+                  <a:srgbClr val="7F7F7F"/>
+                </a:solidFill>
+              </a:rPr>
               <a:t>Python Web Frameworks (Bottle, </a:t>
             </a:r>
             <a:r>
-              <a:rPr lang="en-US" dirty="0" err="1"/>
+              <a:rPr lang="en-US" dirty="0" err="1">
+                <a:solidFill>
+                  <a:srgbClr val="7F7F7F"/>
+                </a:solidFill>
+              </a:rPr>
               <a:t>Django</a:t>
             </a:r>
             <a:r>
-              <a:rPr lang="en-US" dirty="0"/>
+              <a:rPr lang="en-US" dirty="0">
+                <a:solidFill>
+                  <a:srgbClr val="7F7F7F"/>
+                </a:solidFill>
+              </a:rPr>
               <a:t>, Flask, Pyramid, </a:t>
             </a:r>
             <a:r>
-              <a:rPr lang="en-US" dirty="0" err="1"/>
+              <a:rPr lang="en-US" dirty="0" err="1">
+                <a:solidFill>
+                  <a:srgbClr val="7F7F7F"/>
+                </a:solidFill>
+              </a:rPr>
               <a:t>Zope</a:t>
             </a:r>
             <a:r>
-              <a:rPr lang="en-US" dirty="0"/>
+              <a:rPr lang="en-US" dirty="0">
+                <a:solidFill>
+                  <a:srgbClr val="7F7F7F"/>
+                </a:solidFill>
+              </a:rPr>
               <a:t>, etc.)</a:t>
             </a:r>
           </a:p>
           <a:p>
             <a:r>
-              <a:rPr lang="en-US" dirty="0" smtClean="0"/>
+              <a:rPr lang="en-US" dirty="0" smtClean="0">
+                <a:solidFill>
+                  <a:srgbClr val="7F7F7F"/>
+                </a:solidFill>
+              </a:rPr>
               <a:t>Python Core Development</a:t>
             </a:r>
           </a:p>
@@ -13541,29 +13591,53 @@
           <a:lstStyle/>
           <a:p>
             <a:r>
-              <a:rPr lang="en-US" dirty="0"/>
+              <a:rPr lang="en-US" dirty="0">
+                <a:solidFill>
+                  <a:srgbClr val="7F7F7F"/>
+                </a:solidFill>
+              </a:rPr>
               <a:t>Python Web Frameworks (Bottle, </a:t>
             </a:r>
             <a:r>
-              <a:rPr lang="en-US" dirty="0" err="1"/>
+              <a:rPr lang="en-US" dirty="0" err="1">
+                <a:solidFill>
+                  <a:srgbClr val="7F7F7F"/>
+                </a:solidFill>
+              </a:rPr>
               <a:t>Django</a:t>
             </a:r>
             <a:r>
-              <a:rPr lang="en-US" dirty="0"/>
+              <a:rPr lang="en-US" dirty="0">
+                <a:solidFill>
+                  <a:srgbClr val="7F7F7F"/>
+                </a:solidFill>
+              </a:rPr>
               <a:t>, Flask, Pyramid, </a:t>
             </a:r>
             <a:r>
-              <a:rPr lang="en-US" dirty="0" err="1"/>
+              <a:rPr lang="en-US" dirty="0" err="1">
+                <a:solidFill>
+                  <a:srgbClr val="7F7F7F"/>
+                </a:solidFill>
+              </a:rPr>
               <a:t>Zope</a:t>
             </a:r>
             <a:r>
-              <a:rPr lang="en-US" dirty="0"/>
+              <a:rPr lang="en-US" dirty="0">
+                <a:solidFill>
+                  <a:srgbClr val="7F7F7F"/>
+                </a:solidFill>
+              </a:rPr>
               <a:t>, etc.)</a:t>
             </a:r>
           </a:p>
           <a:p>
             <a:r>
-              <a:rPr lang="en-US" dirty="0" smtClean="0"/>
+              <a:rPr lang="en-US" dirty="0" smtClean="0">
+                <a:solidFill>
+                  <a:srgbClr val="7F7F7F"/>
+                </a:solidFill>
+              </a:rPr>
               <a:t>Python Core Development (PEP435)</a:t>
             </a:r>
           </a:p>
@@ -13647,35 +13721,63 @@
           <a:lstStyle/>
           <a:p>
             <a:r>
-              <a:rPr lang="en-US" dirty="0"/>
+              <a:rPr lang="en-US" dirty="0">
+                <a:solidFill>
+                  <a:srgbClr val="7F7F7F"/>
+                </a:solidFill>
+              </a:rPr>
               <a:t>Python Web Frameworks (Bottle, </a:t>
             </a:r>
             <a:r>
-              <a:rPr lang="en-US" dirty="0" err="1"/>
+              <a:rPr lang="en-US" dirty="0" err="1">
+                <a:solidFill>
+                  <a:srgbClr val="7F7F7F"/>
+                </a:solidFill>
+              </a:rPr>
               <a:t>Django</a:t>
             </a:r>
             <a:r>
-              <a:rPr lang="en-US" dirty="0"/>
+              <a:rPr lang="en-US" dirty="0">
+                <a:solidFill>
+                  <a:srgbClr val="7F7F7F"/>
+                </a:solidFill>
+              </a:rPr>
               <a:t>, Flask, Pyramid, </a:t>
             </a:r>
             <a:r>
-              <a:rPr lang="en-US" dirty="0" err="1"/>
+              <a:rPr lang="en-US" dirty="0" err="1">
+                <a:solidFill>
+                  <a:srgbClr val="7F7F7F"/>
+                </a:solidFill>
+              </a:rPr>
               <a:t>Zope</a:t>
             </a:r>
             <a:r>
-              <a:rPr lang="en-US" dirty="0"/>
+              <a:rPr lang="en-US" dirty="0">
+                <a:solidFill>
+                  <a:srgbClr val="7F7F7F"/>
+                </a:solidFill>
+              </a:rPr>
               <a:t>, etc.)</a:t>
             </a:r>
           </a:p>
           <a:p>
             <a:r>
-              <a:rPr lang="en-US" dirty="0" smtClean="0"/>
+              <a:rPr lang="en-US" dirty="0" smtClean="0">
+                <a:solidFill>
+                  <a:srgbClr val="7F7F7F"/>
+                </a:solidFill>
+              </a:rPr>
               <a:t>Python Core Development (PEP435)</a:t>
             </a:r>
           </a:p>
           <a:p>
             <a:r>
-              <a:rPr lang="en-US" dirty="0" smtClean="0"/>
+              <a:rPr lang="en-US" dirty="0" smtClean="0">
+                <a:solidFill>
+                  <a:srgbClr val="7F7F7F"/>
+                </a:solidFill>
+              </a:rPr>
               <a:t>Introduction To Python Programming</a:t>
             </a:r>
           </a:p>
@@ -13759,35 +13861,63 @@
           <a:lstStyle/>
           <a:p>
             <a:r>
-              <a:rPr lang="en-US" dirty="0"/>
+              <a:rPr lang="en-US" dirty="0">
+                <a:solidFill>
+                  <a:srgbClr val="7F7F7F"/>
+                </a:solidFill>
+              </a:rPr>
               <a:t>Python Web Frameworks (Bottle, </a:t>
             </a:r>
             <a:r>
-              <a:rPr lang="en-US" dirty="0" err="1"/>
+              <a:rPr lang="en-US" dirty="0" err="1">
+                <a:solidFill>
+                  <a:srgbClr val="7F7F7F"/>
+                </a:solidFill>
+              </a:rPr>
               <a:t>Django</a:t>
             </a:r>
             <a:r>
-              <a:rPr lang="en-US" dirty="0"/>
+              <a:rPr lang="en-US" dirty="0">
+                <a:solidFill>
+                  <a:srgbClr val="7F7F7F"/>
+                </a:solidFill>
+              </a:rPr>
               <a:t>, Flask, Pyramid, </a:t>
             </a:r>
             <a:r>
-              <a:rPr lang="en-US" dirty="0" err="1"/>
+              <a:rPr lang="en-US" dirty="0" err="1">
+                <a:solidFill>
+                  <a:srgbClr val="7F7F7F"/>
+                </a:solidFill>
+              </a:rPr>
               <a:t>Zope</a:t>
             </a:r>
             <a:r>
-              <a:rPr lang="en-US" dirty="0"/>
+              <a:rPr lang="en-US" dirty="0">
+                <a:solidFill>
+                  <a:srgbClr val="7F7F7F"/>
+                </a:solidFill>
+              </a:rPr>
               <a:t>, etc.)</a:t>
             </a:r>
           </a:p>
           <a:p>
             <a:r>
-              <a:rPr lang="en-US" dirty="0" smtClean="0"/>
+              <a:rPr lang="en-US" dirty="0" smtClean="0">
+                <a:solidFill>
+                  <a:srgbClr val="7F7F7F"/>
+                </a:solidFill>
+              </a:rPr>
               <a:t>Python Core Development (PEP435)</a:t>
             </a:r>
           </a:p>
           <a:p>
             <a:r>
-              <a:rPr lang="en-US" dirty="0" smtClean="0"/>
+              <a:rPr lang="en-US" dirty="0" smtClean="0">
+                <a:solidFill>
+                  <a:srgbClr val="7F7F7F"/>
+                </a:solidFill>
+              </a:rPr>
               <a:t>Introduction To Python Programming (&gt;&gt;&gt; import this)</a:t>
             </a:r>
           </a:p>
@@ -13999,41 +14129,73 @@
           <a:lstStyle/>
           <a:p>
             <a:r>
-              <a:rPr lang="en-US" dirty="0"/>
+              <a:rPr lang="en-US" dirty="0">
+                <a:solidFill>
+                  <a:srgbClr val="7F7F7F"/>
+                </a:solidFill>
+              </a:rPr>
               <a:t>Python Web Frameworks (Bottle, </a:t>
             </a:r>
             <a:r>
-              <a:rPr lang="en-US" dirty="0" err="1"/>
+              <a:rPr lang="en-US" dirty="0" err="1">
+                <a:solidFill>
+                  <a:srgbClr val="7F7F7F"/>
+                </a:solidFill>
+              </a:rPr>
               <a:t>Django</a:t>
             </a:r>
             <a:r>
-              <a:rPr lang="en-US" dirty="0"/>
+              <a:rPr lang="en-US" dirty="0">
+                <a:solidFill>
+                  <a:srgbClr val="7F7F7F"/>
+                </a:solidFill>
+              </a:rPr>
               <a:t>, Flask, Pyramid, </a:t>
             </a:r>
             <a:r>
-              <a:rPr lang="en-US" dirty="0" err="1"/>
+              <a:rPr lang="en-US" dirty="0" err="1">
+                <a:solidFill>
+                  <a:srgbClr val="7F7F7F"/>
+                </a:solidFill>
+              </a:rPr>
               <a:t>Zope</a:t>
             </a:r>
             <a:r>
-              <a:rPr lang="en-US" dirty="0"/>
+              <a:rPr lang="en-US" dirty="0">
+                <a:solidFill>
+                  <a:srgbClr val="7F7F7F"/>
+                </a:solidFill>
+              </a:rPr>
               <a:t>, etc.)</a:t>
             </a:r>
           </a:p>
           <a:p>
             <a:r>
-              <a:rPr lang="en-US" dirty="0" smtClean="0"/>
+              <a:rPr lang="en-US" dirty="0" smtClean="0">
+                <a:solidFill>
+                  <a:srgbClr val="7F7F7F"/>
+                </a:solidFill>
+              </a:rPr>
               <a:t>Python Core Development (PEP435)</a:t>
             </a:r>
           </a:p>
           <a:p>
             <a:r>
-              <a:rPr lang="en-US" dirty="0" smtClean="0"/>
+              <a:rPr lang="en-US" dirty="0" smtClean="0">
+                <a:solidFill>
+                  <a:srgbClr val="7F7F7F"/>
+                </a:solidFill>
+              </a:rPr>
               <a:t>Introduction To Python Programming (&gt;&gt;&gt; import this)</a:t>
             </a:r>
           </a:p>
           <a:p>
             <a:r>
-              <a:rPr lang="en-US" dirty="0" smtClean="0"/>
+              <a:rPr lang="en-US" dirty="0" smtClean="0">
+                <a:solidFill>
+                  <a:srgbClr val="7F7F7F"/>
+                </a:solidFill>
+              </a:rPr>
               <a:t>Intermediate Python Programming</a:t>
             </a:r>
           </a:p>
@@ -14117,69 +14279,129 @@
           <a:lstStyle/>
           <a:p>
             <a:r>
-              <a:rPr lang="en-US" dirty="0"/>
+              <a:rPr lang="en-US" dirty="0">
+                <a:solidFill>
+                  <a:srgbClr val="7F7F7F"/>
+                </a:solidFill>
+              </a:rPr>
               <a:t>Python Web Frameworks (Bottle, </a:t>
             </a:r>
             <a:r>
-              <a:rPr lang="en-US" dirty="0" err="1"/>
+              <a:rPr lang="en-US" dirty="0" err="1">
+                <a:solidFill>
+                  <a:srgbClr val="7F7F7F"/>
+                </a:solidFill>
+              </a:rPr>
               <a:t>Django</a:t>
             </a:r>
             <a:r>
-              <a:rPr lang="en-US" dirty="0"/>
+              <a:rPr lang="en-US" dirty="0">
+                <a:solidFill>
+                  <a:srgbClr val="7F7F7F"/>
+                </a:solidFill>
+              </a:rPr>
               <a:t>, Flask, Pyramid, </a:t>
             </a:r>
             <a:r>
-              <a:rPr lang="en-US" dirty="0" err="1"/>
+              <a:rPr lang="en-US" dirty="0" err="1">
+                <a:solidFill>
+                  <a:srgbClr val="7F7F7F"/>
+                </a:solidFill>
+              </a:rPr>
               <a:t>Zope</a:t>
             </a:r>
             <a:r>
-              <a:rPr lang="en-US" dirty="0"/>
+              <a:rPr lang="en-US" dirty="0">
+                <a:solidFill>
+                  <a:srgbClr val="7F7F7F"/>
+                </a:solidFill>
+              </a:rPr>
               <a:t>, etc.)</a:t>
             </a:r>
           </a:p>
           <a:p>
             <a:r>
-              <a:rPr lang="en-US" dirty="0" smtClean="0"/>
+              <a:rPr lang="en-US" dirty="0" smtClean="0">
+                <a:solidFill>
+                  <a:srgbClr val="7F7F7F"/>
+                </a:solidFill>
+              </a:rPr>
               <a:t>Python Core Development (PEP435)</a:t>
             </a:r>
           </a:p>
           <a:p>
             <a:r>
-              <a:rPr lang="en-US" dirty="0" smtClean="0"/>
+              <a:rPr lang="en-US" dirty="0" smtClean="0">
+                <a:solidFill>
+                  <a:srgbClr val="7F7F7F"/>
+                </a:solidFill>
+              </a:rPr>
               <a:t>Introduction To Python Programming (&gt;&gt;&gt; import this)</a:t>
             </a:r>
           </a:p>
           <a:p>
             <a:r>
-              <a:rPr lang="en-US" dirty="0" smtClean="0"/>
+              <a:rPr lang="en-US" dirty="0" smtClean="0">
+                <a:solidFill>
+                  <a:srgbClr val="7F7F7F"/>
+                </a:solidFill>
+              </a:rPr>
               <a:t>Intermediate Python Programming (</a:t>
             </a:r>
             <a:r>
-              <a:rPr lang="en-US" dirty="0"/>
+              <a:rPr lang="en-US" dirty="0">
+                <a:solidFill>
+                  <a:srgbClr val="7F7F7F"/>
+                </a:solidFill>
+              </a:rPr>
               <a:t>&gt;&gt;&gt; [</a:t>
             </a:r>
             <a:r>
-              <a:rPr lang="en-US" dirty="0" err="1"/>
+              <a:rPr lang="en-US" dirty="0" err="1">
+                <a:solidFill>
+                  <a:srgbClr val="7F7F7F"/>
+                </a:solidFill>
+              </a:rPr>
               <a:t>i</a:t>
             </a:r>
             <a:r>
-              <a:rPr lang="en-US" dirty="0"/>
+              <a:rPr lang="en-US" dirty="0">
+                <a:solidFill>
+                  <a:srgbClr val="7F7F7F"/>
+                </a:solidFill>
+              </a:rPr>
               <a:t> for </a:t>
             </a:r>
             <a:r>
-              <a:rPr lang="en-US" dirty="0" err="1"/>
+              <a:rPr lang="en-US" dirty="0" err="1">
+                <a:solidFill>
+                  <a:srgbClr val="7F7F7F"/>
+                </a:solidFill>
+              </a:rPr>
               <a:t>i</a:t>
             </a:r>
             <a:r>
-              <a:rPr lang="en-US" dirty="0"/>
+              <a:rPr lang="en-US" dirty="0">
+                <a:solidFill>
+                  <a:srgbClr val="7F7F7F"/>
+                </a:solidFill>
+              </a:rPr>
               <a:t> in </a:t>
             </a:r>
             <a:r>
-              <a:rPr lang="en-US" dirty="0" err="1"/>
+              <a:rPr lang="en-US" dirty="0" err="1">
+                <a:solidFill>
+                  <a:srgbClr val="7F7F7F"/>
+                </a:solidFill>
+              </a:rPr>
               <a:t>things_we_talk_about</a:t>
             </a:r>
             <a:r>
-              <a:rPr lang="en-US" dirty="0"/>
+              <a:rPr lang="en-US" dirty="0">
+                <a:solidFill>
+                  <a:srgbClr val="7F7F7F"/>
+                </a:solidFill>
+              </a:rPr>
               <a:t>])</a:t>
             </a:r>
           </a:p>
@@ -14261,14 +14483,26 @@
           <a:lstStyle/>
           <a:p>
             <a:r>
-              <a:rPr lang="en-US" dirty="0"/>
+              <a:rPr lang="en-US" dirty="0">
+                <a:solidFill>
+                  <a:srgbClr val="7F7F7F"/>
+                </a:solidFill>
+              </a:rPr>
               <a:t>Advanced </a:t>
             </a:r>
             <a:r>
-              <a:rPr lang="en-US" dirty="0" smtClean="0"/>
+              <a:rPr lang="en-US" dirty="0" smtClean="0">
+                <a:solidFill>
+                  <a:srgbClr val="7F7F7F"/>
+                </a:solidFill>
+              </a:rPr>
               <a:t>Python Programming</a:t>
             </a:r>
-            <a:endParaRPr lang="en-US" dirty="0"/>
+            <a:endParaRPr lang="en-US" dirty="0">
+              <a:solidFill>
+                <a:srgbClr val="7F7F7F"/>
+              </a:solidFill>
+            </a:endParaRPr>
           </a:p>
         </p:txBody>
       </p:sp>
@@ -14348,30 +14582,58 @@
           <a:lstStyle/>
           <a:p>
             <a:r>
-              <a:rPr lang="en-US" dirty="0"/>
+              <a:rPr lang="en-US" dirty="0">
+                <a:solidFill>
+                  <a:srgbClr val="7F7F7F"/>
+                </a:solidFill>
+              </a:rPr>
               <a:t>Advanced Python Programming (&gt;&gt;&gt; X = type('X',(),{'</a:t>
             </a:r>
             <a:r>
-              <a:rPr lang="en-US" dirty="0" err="1"/>
+              <a:rPr lang="en-US" dirty="0" err="1">
+                <a:solidFill>
+                  <a:srgbClr val="7F7F7F"/>
+                </a:solidFill>
+              </a:rPr>
               <a:t>foo':lambda</a:t>
             </a:r>
             <a:r>
-              <a:rPr lang="en-US" dirty="0"/>
+              <a:rPr lang="en-US" dirty="0">
+                <a:solidFill>
+                  <a:srgbClr val="7F7F7F"/>
+                </a:solidFill>
+              </a:rPr>
               <a:t> </a:t>
             </a:r>
             <a:r>
-              <a:rPr lang="en-US" dirty="0" err="1"/>
+              <a:rPr lang="en-US" dirty="0" err="1">
+                <a:solidFill>
+                  <a:srgbClr val="7F7F7F"/>
+                </a:solidFill>
+              </a:rPr>
               <a:t>self:'foo</a:t>
             </a:r>
             <a:r>
-              <a:rPr lang="en-US" dirty="0"/>
+              <a:rPr lang="en-US" dirty="0">
+                <a:solidFill>
+                  <a:srgbClr val="7F7F7F"/>
+                </a:solidFill>
+              </a:rPr>
               <a:t>'})</a:t>
             </a:r>
             <a:r>
-              <a:rPr lang="en-US" dirty="0" smtClean="0"/>
+              <a:rPr lang="en-US" dirty="0" smtClean="0">
+                <a:solidFill>
+                  <a:srgbClr val="7F7F7F"/>
+                </a:solidFill>
+              </a:rPr>
               <a:t>)</a:t>
             </a:r>
-            <a:endParaRPr lang="en-US" dirty="0"/>
+            <a:endParaRPr lang="en-US" dirty="0">
+              <a:solidFill>
+                <a:srgbClr val="7F7F7F"/>
+              </a:solidFill>
+            </a:endParaRPr>
           </a:p>
         </p:txBody>
       </p:sp>
@@ -14451,36 +14713,68 @@
           <a:lstStyle/>
           <a:p>
             <a:r>
-              <a:rPr lang="en-US" dirty="0"/>
+              <a:rPr lang="en-US" dirty="0">
+                <a:solidFill>
+                  <a:srgbClr val="7F7F7F"/>
+                </a:solidFill>
+              </a:rPr>
               <a:t>Advanced Python Programming (&gt;&gt;&gt; X = type('X',(),{'</a:t>
             </a:r>
             <a:r>
-              <a:rPr lang="en-US" dirty="0" err="1"/>
+              <a:rPr lang="en-US" dirty="0" err="1">
+                <a:solidFill>
+                  <a:srgbClr val="7F7F7F"/>
+                </a:solidFill>
+              </a:rPr>
               <a:t>foo':lambda</a:t>
             </a:r>
             <a:r>
-              <a:rPr lang="en-US" dirty="0"/>
+              <a:rPr lang="en-US" dirty="0">
+                <a:solidFill>
+                  <a:srgbClr val="7F7F7F"/>
+                </a:solidFill>
+              </a:rPr>
               <a:t> </a:t>
             </a:r>
             <a:r>
-              <a:rPr lang="en-US" dirty="0" err="1"/>
+              <a:rPr lang="en-US" dirty="0" err="1">
+                <a:solidFill>
+                  <a:srgbClr val="7F7F7F"/>
+                </a:solidFill>
+              </a:rPr>
               <a:t>self:'foo</a:t>
             </a:r>
             <a:r>
-              <a:rPr lang="en-US" dirty="0"/>
+              <a:rPr lang="en-US" dirty="0">
+                <a:solidFill>
+                  <a:srgbClr val="7F7F7F"/>
+                </a:solidFill>
+              </a:rPr>
               <a:t>'}))</a:t>
             </a:r>
           </a:p>
           <a:p>
             <a:r>
-              <a:rPr lang="en-US" dirty="0"/>
+              <a:rPr lang="en-US" dirty="0">
+                <a:solidFill>
+                  <a:srgbClr val="7F7F7F"/>
+                </a:solidFill>
+              </a:rPr>
               <a:t>Database </a:t>
             </a:r>
             <a:r>
-              <a:rPr lang="en-US" dirty="0" smtClean="0"/>
+              <a:rPr lang="en-US" dirty="0" smtClean="0">
+                <a:solidFill>
+                  <a:srgbClr val="7F7F7F"/>
+                </a:solidFill>
+              </a:rPr>
               <a:t>Technology</a:t>
             </a:r>
-            <a:endParaRPr lang="en-US" dirty="0"/>
+            <a:endParaRPr lang="en-US" dirty="0">
+              <a:solidFill>
+                <a:srgbClr val="7F7F7F"/>
+              </a:solidFill>
+            </a:endParaRPr>
           </a:p>
         </p:txBody>
       </p:sp>
@@ -14560,40 +14854,76 @@
           <a:lstStyle/>
           <a:p>
             <a:r>
-              <a:rPr lang="en-US" dirty="0"/>
+              <a:rPr lang="en-US" dirty="0">
+                <a:solidFill>
+                  <a:srgbClr val="7F7F7F"/>
+                </a:solidFill>
+              </a:rPr>
               <a:t>Advanced Python Programming (&gt;&gt;&gt; X = type('X',(),{'</a:t>
             </a:r>
             <a:r>
-              <a:rPr lang="en-US" dirty="0" err="1"/>
+              <a:rPr lang="en-US" dirty="0" err="1">
+                <a:solidFill>
+                  <a:srgbClr val="7F7F7F"/>
+                </a:solidFill>
+              </a:rPr>
               <a:t>foo':lambda</a:t>
             </a:r>
             <a:r>
-              <a:rPr lang="en-US" dirty="0"/>
+              <a:rPr lang="en-US" dirty="0">
+                <a:solidFill>
+                  <a:srgbClr val="7F7F7F"/>
+                </a:solidFill>
+              </a:rPr>
               <a:t> </a:t>
             </a:r>
             <a:r>
-              <a:rPr lang="en-US" dirty="0" err="1"/>
+              <a:rPr lang="en-US" dirty="0" err="1">
+                <a:solidFill>
+                  <a:srgbClr val="7F7F7F"/>
+                </a:solidFill>
+              </a:rPr>
               <a:t>self:'foo</a:t>
             </a:r>
             <a:r>
-              <a:rPr lang="en-US" dirty="0"/>
+              <a:rPr lang="en-US" dirty="0">
+                <a:solidFill>
+                  <a:srgbClr val="7F7F7F"/>
+                </a:solidFill>
+              </a:rPr>
               <a:t>'}))</a:t>
             </a:r>
           </a:p>
           <a:p>
             <a:r>
-              <a:rPr lang="en-US" dirty="0"/>
+              <a:rPr lang="en-US" dirty="0">
+                <a:solidFill>
+                  <a:srgbClr val="7F7F7F"/>
+                </a:solidFill>
+              </a:rPr>
               <a:t>Database Technology (&gt;&gt;&gt; import </a:t>
             </a:r>
             <a:r>
-              <a:rPr lang="en-US" dirty="0" err="1"/>
+              <a:rPr lang="en-US" dirty="0" err="1">
+                <a:solidFill>
+                  <a:srgbClr val="7F7F7F"/>
+                </a:solidFill>
+              </a:rPr>
               <a:t>redis</a:t>
             </a:r>
             <a:r>
-              <a:rPr lang="en-US" dirty="0" smtClean="0"/>
+              <a:rPr lang="en-US" dirty="0" smtClean="0">
+                <a:solidFill>
+                  <a:srgbClr val="7F7F7F"/>
+                </a:solidFill>
+              </a:rPr>
               <a:t>)</a:t>
             </a:r>
-            <a:endParaRPr lang="en-US" dirty="0"/>
+            <a:endParaRPr lang="en-US" dirty="0">
+              <a:solidFill>
+                <a:srgbClr val="7F7F7F"/>
+              </a:solidFill>
+            </a:endParaRPr>
           </a:p>
         </p:txBody>
       </p:sp>
@@ -14673,50 +15003,94 @@
           <a:lstStyle/>
           <a:p>
             <a:r>
-              <a:rPr lang="en-US" dirty="0"/>
+              <a:rPr lang="en-US" dirty="0">
+                <a:solidFill>
+                  <a:srgbClr val="7F7F7F"/>
+                </a:solidFill>
+              </a:rPr>
               <a:t>Advanced Python Programming (&gt;&gt;&gt; X = type('X',(),{'</a:t>
             </a:r>
             <a:r>
-              <a:rPr lang="en-US" dirty="0" err="1"/>
+              <a:rPr lang="en-US" dirty="0" err="1">
+                <a:solidFill>
+                  <a:srgbClr val="7F7F7F"/>
+                </a:solidFill>
+              </a:rPr>
               <a:t>foo':lambda</a:t>
             </a:r>
             <a:r>
-              <a:rPr lang="en-US" dirty="0"/>
+              <a:rPr lang="en-US" dirty="0">
+                <a:solidFill>
+                  <a:srgbClr val="7F7F7F"/>
+                </a:solidFill>
+              </a:rPr>
               <a:t> </a:t>
             </a:r>
             <a:r>
-              <a:rPr lang="en-US" dirty="0" err="1"/>
+              <a:rPr lang="en-US" dirty="0" err="1">
+                <a:solidFill>
+                  <a:srgbClr val="7F7F7F"/>
+                </a:solidFill>
+              </a:rPr>
               <a:t>self:'foo</a:t>
             </a:r>
             <a:r>
-              <a:rPr lang="en-US" dirty="0"/>
+              <a:rPr lang="en-US" dirty="0">
+                <a:solidFill>
+                  <a:srgbClr val="7F7F7F"/>
+                </a:solidFill>
+              </a:rPr>
               <a:t>'}))</a:t>
             </a:r>
           </a:p>
           <a:p>
             <a:r>
-              <a:rPr lang="en-US" dirty="0"/>
+              <a:rPr lang="en-US" dirty="0">
+                <a:solidFill>
+                  <a:srgbClr val="7F7F7F"/>
+                </a:solidFill>
+              </a:rPr>
               <a:t>Database Technology (&gt;&gt;&gt; import </a:t>
             </a:r>
             <a:r>
-              <a:rPr lang="en-US" dirty="0" err="1"/>
+              <a:rPr lang="en-US" dirty="0" err="1">
+                <a:solidFill>
+                  <a:srgbClr val="7F7F7F"/>
+                </a:solidFill>
+              </a:rPr>
               <a:t>redis</a:t>
             </a:r>
             <a:r>
-              <a:rPr lang="en-US" dirty="0"/>
+              <a:rPr lang="en-US" dirty="0">
+                <a:solidFill>
+                  <a:srgbClr val="7F7F7F"/>
+                </a:solidFill>
+              </a:rPr>
               <a:t>)</a:t>
             </a:r>
           </a:p>
           <a:p>
             <a:r>
-              <a:rPr lang="en-US" dirty="0"/>
+              <a:rPr lang="en-US" dirty="0">
+                <a:solidFill>
+                  <a:srgbClr val="7F7F7F"/>
+                </a:solidFill>
+              </a:rPr>
               <a:t>Development and Operations </a:t>
             </a:r>
             <a:r>
-              <a:rPr lang="en-US" dirty="0" smtClean="0"/>
+              <a:rPr lang="en-US" dirty="0" smtClean="0">
+                <a:solidFill>
+                  <a:srgbClr val="7F7F7F"/>
+                </a:solidFill>
+              </a:rPr>
               <a:t>Technology</a:t>
             </a:r>
-            <a:endParaRPr lang="en-US" dirty="0"/>
+            <a:endParaRPr lang="en-US" dirty="0">
+              <a:solidFill>
+                <a:srgbClr val="7F7F7F"/>
+              </a:solidFill>
+            </a:endParaRPr>
           </a:p>
         </p:txBody>
       </p:sp>
@@ -14796,72 +15170,136 @@
           <a:lstStyle/>
           <a:p>
             <a:r>
-              <a:rPr lang="en-US" dirty="0"/>
+              <a:rPr lang="en-US" dirty="0">
+                <a:solidFill>
+                  <a:srgbClr val="7F7F7F"/>
+                </a:solidFill>
+              </a:rPr>
               <a:t>Advanced Python Programming (&gt;&gt;&gt; X = type('X',(),{'</a:t>
             </a:r>
             <a:r>
-              <a:rPr lang="en-US" dirty="0" err="1"/>
+              <a:rPr lang="en-US" dirty="0" err="1">
+                <a:solidFill>
+                  <a:srgbClr val="7F7F7F"/>
+                </a:solidFill>
+              </a:rPr>
               <a:t>foo':lambda</a:t>
             </a:r>
             <a:r>
-              <a:rPr lang="en-US" dirty="0"/>
+              <a:rPr lang="en-US" dirty="0">
+                <a:solidFill>
+                  <a:srgbClr val="7F7F7F"/>
+                </a:solidFill>
+              </a:rPr>
               <a:t> </a:t>
             </a:r>
             <a:r>
-              <a:rPr lang="en-US" dirty="0" err="1"/>
+              <a:rPr lang="en-US" dirty="0" err="1">
+                <a:solidFill>
+                  <a:srgbClr val="7F7F7F"/>
+                </a:solidFill>
+              </a:rPr>
               <a:t>self:'foo</a:t>
             </a:r>
             <a:r>
-              <a:rPr lang="en-US" dirty="0"/>
+              <a:rPr lang="en-US" dirty="0">
+                <a:solidFill>
+                  <a:srgbClr val="7F7F7F"/>
+                </a:solidFill>
+              </a:rPr>
               <a:t>'}))</a:t>
             </a:r>
           </a:p>
           <a:p>
             <a:r>
-              <a:rPr lang="en-US" dirty="0"/>
+              <a:rPr lang="en-US" dirty="0">
+                <a:solidFill>
+                  <a:srgbClr val="7F7F7F"/>
+                </a:solidFill>
+              </a:rPr>
               <a:t>Database Technology (&gt;&gt;&gt; import </a:t>
             </a:r>
             <a:r>
-              <a:rPr lang="en-US" dirty="0" err="1"/>
+              <a:rPr lang="en-US" dirty="0" err="1">
+                <a:solidFill>
+                  <a:srgbClr val="7F7F7F"/>
+                </a:solidFill>
+              </a:rPr>
               <a:t>redis</a:t>
             </a:r>
             <a:r>
-              <a:rPr lang="en-US" dirty="0"/>
+              <a:rPr lang="en-US" dirty="0">
+                <a:solidFill>
+                  <a:srgbClr val="7F7F7F"/>
+                </a:solidFill>
+              </a:rPr>
               <a:t>)</a:t>
             </a:r>
           </a:p>
           <a:p>
             <a:r>
-              <a:rPr lang="en-US" dirty="0"/>
+              <a:rPr lang="en-US" dirty="0">
+                <a:solidFill>
+                  <a:srgbClr val="7F7F7F"/>
+                </a:solidFill>
+              </a:rPr>
               <a:t>Development and Operations Technology (</a:t>
             </a:r>
             <a:r>
-              <a:rPr lang="en-US" dirty="0" err="1"/>
+              <a:rPr lang="en-US" dirty="0" err="1">
+                <a:solidFill>
+                  <a:srgbClr val="7F7F7F"/>
+                </a:solidFill>
+              </a:rPr>
               <a:t>Heroku</a:t>
             </a:r>
             <a:r>
-              <a:rPr lang="en-US" dirty="0"/>
+              <a:rPr lang="en-US" dirty="0">
+                <a:solidFill>
+                  <a:srgbClr val="7F7F7F"/>
+                </a:solidFill>
+              </a:rPr>
               <a:t>, </a:t>
             </a:r>
             <a:r>
-              <a:rPr lang="en-US" dirty="0" err="1"/>
+              <a:rPr lang="en-US" dirty="0" err="1">
+                <a:solidFill>
+                  <a:srgbClr val="7F7F7F"/>
+                </a:solidFill>
+              </a:rPr>
               <a:t>Openstack</a:t>
             </a:r>
             <a:r>
-              <a:rPr lang="en-US" dirty="0"/>
+              <a:rPr lang="en-US" dirty="0">
+                <a:solidFill>
+                  <a:srgbClr val="7F7F7F"/>
+                </a:solidFill>
+              </a:rPr>
               <a:t>, </a:t>
             </a:r>
             <a:r>
-              <a:rPr lang="en-US" dirty="0" err="1"/>
+              <a:rPr lang="en-US" dirty="0" err="1">
+                <a:solidFill>
+                  <a:srgbClr val="7F7F7F"/>
+                </a:solidFill>
+              </a:rPr>
               <a:t>Zenoss</a:t>
             </a:r>
             <a:r>
-              <a:rPr lang="en-US" dirty="0"/>
+              <a:rPr lang="en-US" dirty="0">
+                <a:solidFill>
+                  <a:srgbClr val="7F7F7F"/>
+                </a:solidFill>
+              </a:rPr>
               <a:t>)</a:t>
             </a:r>
           </a:p>
           <a:p>
-            <a:endParaRPr lang="en-US" dirty="0"/>
+            <a:endParaRPr lang="en-US" dirty="0">
+              <a:solidFill>
+                <a:srgbClr val="7F7F7F"/>
+              </a:solidFill>
+            </a:endParaRPr>
           </a:p>
         </p:txBody>
       </p:sp>

--- a/DC Python Generic Meetup Slides.pptx
+++ b/DC Python Generic Meetup Slides.pptx
@@ -15286,15 +15286,13 @@
               <a:t>Zenoss</a:t>
             </a:r>
             <a:r>
-              <a:rPr lang="en-US" dirty="0">
+              <a:rPr lang="en-US" dirty="0" smtClean="0">
                 <a:solidFill>
                   <a:srgbClr val="7F7F7F"/>
                 </a:solidFill>
               </a:rPr>
               <a:t>)</a:t>
             </a:r>
-          </a:p>
-          <a:p>
             <a:endParaRPr lang="en-US" dirty="0">
               <a:solidFill>
                 <a:srgbClr val="7F7F7F"/>

--- a/DC Python Generic Meetup Slides.pptx
+++ b/DC Python Generic Meetup Slides.pptx
@@ -5,10 +5,10 @@
     <p:sldMasterId id="2147483648" r:id="rId1"/>
   </p:sldMasterIdLst>
   <p:notesMasterIdLst>
-    <p:notesMasterId r:id="rId49"/>
+    <p:notesMasterId r:id="rId50"/>
   </p:notesMasterIdLst>
   <p:handoutMasterIdLst>
-    <p:handoutMasterId r:id="rId50"/>
+    <p:handoutMasterId r:id="rId51"/>
   </p:handoutMasterIdLst>
   <p:sldIdLst>
     <p:sldId id="256" r:id="rId2"/>
@@ -58,6 +58,7 @@
     <p:sldId id="304" r:id="rId46"/>
     <p:sldId id="305" r:id="rId47"/>
     <p:sldId id="306" r:id="rId48"/>
+    <p:sldId id="307" r:id="rId49"/>
   </p:sldIdLst>
   <p:sldSz cx="9144000" cy="6858000" type="screen4x3"/>
   <p:notesSz cx="6858000" cy="9144000"/>
@@ -2034,14 +2035,35 @@
         </dgm:presLayoutVars>
       </dgm:prSet>
       <dgm:spPr/>
+      <dgm:t>
+        <a:bodyPr/>
+        <a:lstStyle/>
+        <a:p>
+          <a:endParaRPr lang="en-US"/>
+        </a:p>
+      </dgm:t>
     </dgm:pt>
     <dgm:pt modelId="{BE2EB545-6FA3-CD40-BC2A-B2361CFE9225}" type="pres">
       <dgm:prSet presAssocID="{DAAA23F8-8BB7-5740-AD18-CD44CB53A764}" presName="gear1srcNode" presStyleLbl="node1" presStyleIdx="0" presStyleCnt="3"/>
       <dgm:spPr/>
+      <dgm:t>
+        <a:bodyPr/>
+        <a:lstStyle/>
+        <a:p>
+          <a:endParaRPr lang="en-US"/>
+        </a:p>
+      </dgm:t>
     </dgm:pt>
     <dgm:pt modelId="{2DAF9D70-16AC-0B41-B43B-D47B3C49AA1A}" type="pres">
       <dgm:prSet presAssocID="{DAAA23F8-8BB7-5740-AD18-CD44CB53A764}" presName="gear1dstNode" presStyleLbl="node1" presStyleIdx="0" presStyleCnt="3"/>
       <dgm:spPr/>
+      <dgm:t>
+        <a:bodyPr/>
+        <a:lstStyle/>
+        <a:p>
+          <a:endParaRPr lang="en-US"/>
+        </a:p>
+      </dgm:t>
     </dgm:pt>
     <dgm:pt modelId="{E113A2B0-800B-8946-9E04-1F1FFE35BB64}" type="pres">
       <dgm:prSet presAssocID="{332460BC-61CC-8646-81F5-6768092DF9F3}" presName="gear2" presStyleLbl="node1" presStyleIdx="1" presStyleCnt="3">
@@ -2062,14 +2084,35 @@
     <dgm:pt modelId="{6B0D9A16-003F-7F4D-B346-1B27C07D3D89}" type="pres">
       <dgm:prSet presAssocID="{332460BC-61CC-8646-81F5-6768092DF9F3}" presName="gear2srcNode" presStyleLbl="node1" presStyleIdx="1" presStyleCnt="3"/>
       <dgm:spPr/>
+      <dgm:t>
+        <a:bodyPr/>
+        <a:lstStyle/>
+        <a:p>
+          <a:endParaRPr lang="en-US"/>
+        </a:p>
+      </dgm:t>
     </dgm:pt>
     <dgm:pt modelId="{E87A2261-927D-E942-A6A6-DA51FE3CF3F4}" type="pres">
       <dgm:prSet presAssocID="{332460BC-61CC-8646-81F5-6768092DF9F3}" presName="gear2dstNode" presStyleLbl="node1" presStyleIdx="1" presStyleCnt="3"/>
       <dgm:spPr/>
+      <dgm:t>
+        <a:bodyPr/>
+        <a:lstStyle/>
+        <a:p>
+          <a:endParaRPr lang="en-US"/>
+        </a:p>
+      </dgm:t>
     </dgm:pt>
     <dgm:pt modelId="{618A21FE-0F2A-EC41-BE22-539C7CBFA060}" type="pres">
       <dgm:prSet presAssocID="{B145BBAC-A802-264C-BA7D-81C6144CDA5B}" presName="gear3" presStyleLbl="node1" presStyleIdx="2" presStyleCnt="3"/>
       <dgm:spPr/>
+      <dgm:t>
+        <a:bodyPr/>
+        <a:lstStyle/>
+        <a:p>
+          <a:endParaRPr lang="en-US"/>
+        </a:p>
+      </dgm:t>
     </dgm:pt>
     <dgm:pt modelId="{46376F2C-E844-424B-B5FF-CA7F7AB1BA33}" type="pres">
       <dgm:prSet presAssocID="{B145BBAC-A802-264C-BA7D-81C6144CDA5B}" presName="gear3tx" presStyleLbl="node1" presStyleIdx="2" presStyleCnt="3">
@@ -2079,33 +2122,75 @@
         </dgm:presLayoutVars>
       </dgm:prSet>
       <dgm:spPr/>
+      <dgm:t>
+        <a:bodyPr/>
+        <a:lstStyle/>
+        <a:p>
+          <a:endParaRPr lang="en-US"/>
+        </a:p>
+      </dgm:t>
     </dgm:pt>
     <dgm:pt modelId="{986A70DD-7A31-FC46-93FD-89CCEE380B70}" type="pres">
       <dgm:prSet presAssocID="{B145BBAC-A802-264C-BA7D-81C6144CDA5B}" presName="gear3srcNode" presStyleLbl="node1" presStyleIdx="2" presStyleCnt="3"/>
       <dgm:spPr/>
+      <dgm:t>
+        <a:bodyPr/>
+        <a:lstStyle/>
+        <a:p>
+          <a:endParaRPr lang="en-US"/>
+        </a:p>
+      </dgm:t>
     </dgm:pt>
     <dgm:pt modelId="{71756CBB-821C-554B-B6DF-6B7F8612EB75}" type="pres">
       <dgm:prSet presAssocID="{B145BBAC-A802-264C-BA7D-81C6144CDA5B}" presName="gear3dstNode" presStyleLbl="node1" presStyleIdx="2" presStyleCnt="3"/>
       <dgm:spPr/>
+      <dgm:t>
+        <a:bodyPr/>
+        <a:lstStyle/>
+        <a:p>
+          <a:endParaRPr lang="en-US"/>
+        </a:p>
+      </dgm:t>
     </dgm:pt>
     <dgm:pt modelId="{7C43D32C-41B4-8F4D-9CCB-6E34A8353E0D}" type="pres">
       <dgm:prSet presAssocID="{FD48E00A-4E5D-A24C-BEA4-7205F370131B}" presName="connector1" presStyleLbl="sibTrans2D1" presStyleIdx="0" presStyleCnt="3"/>
       <dgm:spPr/>
+      <dgm:t>
+        <a:bodyPr/>
+        <a:lstStyle/>
+        <a:p>
+          <a:endParaRPr lang="en-US"/>
+        </a:p>
+      </dgm:t>
     </dgm:pt>
     <dgm:pt modelId="{04C33541-52C2-944F-997B-6BC8AECE8323}" type="pres">
       <dgm:prSet presAssocID="{11DBF7EE-B165-0546-9CBE-032FDC98DE10}" presName="connector2" presStyleLbl="sibTrans2D1" presStyleIdx="1" presStyleCnt="3"/>
       <dgm:spPr/>
+      <dgm:t>
+        <a:bodyPr/>
+        <a:lstStyle/>
+        <a:p>
+          <a:endParaRPr lang="en-US"/>
+        </a:p>
+      </dgm:t>
     </dgm:pt>
     <dgm:pt modelId="{3C948D63-6A23-514D-B7CB-258484D3FD58}" type="pres">
       <dgm:prSet presAssocID="{A2296D9A-9076-A44C-88E0-455FBF1AE013}" presName="connector3" presStyleLbl="sibTrans2D1" presStyleIdx="2" presStyleCnt="3"/>
       <dgm:spPr/>
+      <dgm:t>
+        <a:bodyPr/>
+        <a:lstStyle/>
+        <a:p>
+          <a:endParaRPr lang="en-US"/>
+        </a:p>
+      </dgm:t>
     </dgm:pt>
   </dgm:ptLst>
   <dgm:cxnLst>
     <dgm:cxn modelId="{B220F9F7-49C9-C84F-A646-E9026E4BEE4E}" type="presOf" srcId="{FD48E00A-4E5D-A24C-BEA4-7205F370131B}" destId="{7C43D32C-41B4-8F4D-9CCB-6E34A8353E0D}" srcOrd="0" destOrd="0" presId="urn:microsoft.com/office/officeart/2005/8/layout/gear1"/>
     <dgm:cxn modelId="{11213341-F94A-A04E-A40C-EC9E224FB5FD}" type="presOf" srcId="{332460BC-61CC-8646-81F5-6768092DF9F3}" destId="{E87A2261-927D-E942-A6A6-DA51FE3CF3F4}" srcOrd="2" destOrd="0" presId="urn:microsoft.com/office/officeart/2005/8/layout/gear1"/>
+    <dgm:cxn modelId="{2534634C-F212-D440-96EC-700DA6B2FDC9}" type="presOf" srcId="{11DBF7EE-B165-0546-9CBE-032FDC98DE10}" destId="{04C33541-52C2-944F-997B-6BC8AECE8323}" srcOrd="0" destOrd="0" presId="urn:microsoft.com/office/officeart/2005/8/layout/gear1"/>
     <dgm:cxn modelId="{560F8048-308B-814C-85BB-30CD79E45B3A}" type="presOf" srcId="{FCDF74A7-55BE-8C4A-9A44-9E6F71B83BB5}" destId="{FB3CE05D-DF13-0A4A-98C9-9994C92C6D84}" srcOrd="0" destOrd="0" presId="urn:microsoft.com/office/officeart/2005/8/layout/gear1"/>
-    <dgm:cxn modelId="{2534634C-F212-D440-96EC-700DA6B2FDC9}" type="presOf" srcId="{11DBF7EE-B165-0546-9CBE-032FDC98DE10}" destId="{04C33541-52C2-944F-997B-6BC8AECE8323}" srcOrd="0" destOrd="0" presId="urn:microsoft.com/office/officeart/2005/8/layout/gear1"/>
     <dgm:cxn modelId="{9C406F92-DFD8-644D-BF57-F8D8CB08F0ED}" type="presOf" srcId="{A2296D9A-9076-A44C-88E0-455FBF1AE013}" destId="{3C948D63-6A23-514D-B7CB-258484D3FD58}" srcOrd="0" destOrd="0" presId="urn:microsoft.com/office/officeart/2005/8/layout/gear1"/>
     <dgm:cxn modelId="{4EC40FB4-B121-2A49-81C2-08AA1E915B58}" srcId="{FCDF74A7-55BE-8C4A-9A44-9E6F71B83BB5}" destId="{DAAA23F8-8BB7-5740-AD18-CD44CB53A764}" srcOrd="0" destOrd="0" parTransId="{64F7653D-899E-664D-91DB-A787FEC063D3}" sibTransId="{FD48E00A-4E5D-A24C-BEA4-7205F370131B}"/>
     <dgm:cxn modelId="{6A16F25D-4E78-8848-8855-E6EBD2AA1654}" type="presOf" srcId="{DAAA23F8-8BB7-5740-AD18-CD44CB53A764}" destId="{BE2EB545-6FA3-CD40-BC2A-B2361CFE9225}" srcOrd="1" destOrd="0" presId="urn:microsoft.com/office/officeart/2005/8/layout/gear1"/>
@@ -5919,7 +6004,7 @@
           <a:p>
             <a:fld id="{3DA2F995-0FF6-6E44-92B9-F44FA798D6C9}" type="datetime1">
               <a:rPr lang="en-US" smtClean="0"/>
-              <a:t>10/1/13</a:t>
+              <a:t>10/2/13</a:t>
             </a:fld>
             <a:endParaRPr lang="en-US"/>
           </a:p>
@@ -6085,7 +6170,7 @@
           <a:p>
             <a:fld id="{4F924AB4-F5D2-6247-A6D0-391E23B3E7F0}" type="datetime1">
               <a:rPr lang="en-US" smtClean="0"/>
-              <a:t>10/1/13</a:t>
+              <a:t>10/2/13</a:t>
             </a:fld>
             <a:endParaRPr lang="en-US"/>
           </a:p>
@@ -6971,7 +7056,7 @@
           <a:p>
             <a:fld id="{D58B479C-A613-E540-A18A-4ED6368CC8D5}" type="datetime1">
               <a:rPr lang="en-US" smtClean="0"/>
-              <a:t>10/1/13</a:t>
+              <a:t>10/2/13</a:t>
             </a:fld>
             <a:endParaRPr lang="en-US"/>
           </a:p>
@@ -7141,7 +7226,7 @@
           <a:p>
             <a:fld id="{528CD4CF-2841-3F43-AB9C-AAFED58B40BF}" type="datetime1">
               <a:rPr lang="en-US" smtClean="0"/>
-              <a:t>10/1/13</a:t>
+              <a:t>10/2/13</a:t>
             </a:fld>
             <a:endParaRPr lang="en-US"/>
           </a:p>
@@ -7321,7 +7406,7 @@
           <a:p>
             <a:fld id="{084B7766-69EC-5640-B993-DF5D4B41D767}" type="datetime1">
               <a:rPr lang="en-US" smtClean="0"/>
-              <a:t>10/1/13</a:t>
+              <a:t>10/2/13</a:t>
             </a:fld>
             <a:endParaRPr lang="en-US"/>
           </a:p>
@@ -7491,7 +7576,7 @@
           <a:p>
             <a:fld id="{578EE160-6EFB-B945-A98C-09E9962FBCA7}" type="datetime1">
               <a:rPr lang="en-US" smtClean="0"/>
-              <a:t>10/1/13</a:t>
+              <a:t>10/2/13</a:t>
             </a:fld>
             <a:endParaRPr lang="en-US"/>
           </a:p>
@@ -7737,7 +7822,7 @@
           <a:p>
             <a:fld id="{9334A506-0F4D-E14C-8692-989A61B8DA7B}" type="datetime1">
               <a:rPr lang="en-US" smtClean="0"/>
-              <a:t>10/1/13</a:t>
+              <a:t>10/2/13</a:t>
             </a:fld>
             <a:endParaRPr lang="en-US"/>
           </a:p>
@@ -8025,7 +8110,7 @@
           <a:p>
             <a:fld id="{AB18862A-80CE-AD46-9128-E579FAFBB762}" type="datetime1">
               <a:rPr lang="en-US" smtClean="0"/>
-              <a:t>10/1/13</a:t>
+              <a:t>10/2/13</a:t>
             </a:fld>
             <a:endParaRPr lang="en-US"/>
           </a:p>
@@ -8447,7 +8532,7 @@
           <a:p>
             <a:fld id="{796A0FAF-2876-C346-AE02-A9ECACDBA40A}" type="datetime1">
               <a:rPr lang="en-US" smtClean="0"/>
-              <a:t>10/1/13</a:t>
+              <a:t>10/2/13</a:t>
             </a:fld>
             <a:endParaRPr lang="en-US"/>
           </a:p>
@@ -8565,7 +8650,7 @@
           <a:p>
             <a:fld id="{8400723B-7CD2-7646-8E86-692C7DAEB432}" type="datetime1">
               <a:rPr lang="en-US" smtClean="0"/>
-              <a:t>10/1/13</a:t>
+              <a:t>10/2/13</a:t>
             </a:fld>
             <a:endParaRPr lang="en-US"/>
           </a:p>
@@ -8660,7 +8745,7 @@
           <a:p>
             <a:fld id="{6DC01575-03D7-594F-9953-92812EC16204}" type="datetime1">
               <a:rPr lang="en-US" smtClean="0"/>
-              <a:t>10/1/13</a:t>
+              <a:t>10/2/13</a:t>
             </a:fld>
             <a:endParaRPr lang="en-US"/>
           </a:p>
@@ -8937,7 +9022,7 @@
           <a:p>
             <a:fld id="{7D2C1B22-0F08-4041-BC94-076A056871D0}" type="datetime1">
               <a:rPr lang="en-US" smtClean="0"/>
-              <a:t>10/1/13</a:t>
+              <a:t>10/2/13</a:t>
             </a:fld>
             <a:endParaRPr lang="en-US"/>
           </a:p>
@@ -9190,7 +9275,7 @@
           <a:p>
             <a:fld id="{8D7CA9A7-6D4E-924C-80EF-5A7A58EBC5CB}" type="datetime1">
               <a:rPr lang="en-US" smtClean="0"/>
-              <a:t>10/1/13</a:t>
+              <a:t>10/2/13</a:t>
             </a:fld>
             <a:endParaRPr lang="en-US"/>
           </a:p>
@@ -9403,7 +9488,7 @@
           <a:p>
             <a:fld id="{BF7B0B65-097E-1846-A364-0628A11BD9CA}" type="datetime1">
               <a:rPr lang="en-US" smtClean="0"/>
-              <a:t>10/1/13</a:t>
+              <a:t>10/2/13</a:t>
             </a:fld>
             <a:endParaRPr lang="en-US"/>
           </a:p>
@@ -11103,17 +11188,7 @@
                   </a:schemeClr>
                 </a:solidFill>
               </a:rPr>
-              <a:t>Fourth Tuesday </a:t>
-            </a:r>
-            <a:r>
-              <a:rPr lang="en-US" dirty="0" smtClean="0">
-                <a:solidFill>
-                  <a:schemeClr val="bg1">
-                    <a:lumMod val="50000"/>
-                  </a:schemeClr>
-                </a:solidFill>
-              </a:rPr>
-              <a:t>of the Month</a:t>
+              <a:t>Fourth Tuesday of the Month</a:t>
             </a:r>
           </a:p>
         </p:txBody>
@@ -11337,17 +11412,7 @@
                   </a:schemeClr>
                 </a:solidFill>
               </a:rPr>
-              <a:t>Fourth Tuesday </a:t>
-            </a:r>
-            <a:r>
-              <a:rPr lang="en-US" dirty="0" smtClean="0">
-                <a:solidFill>
-                  <a:schemeClr val="bg1">
-                    <a:lumMod val="50000"/>
-                  </a:schemeClr>
-                </a:solidFill>
-              </a:rPr>
-              <a:t>of the Month (Office Hours)</a:t>
+              <a:t>Fourth Tuesday of the Month (Office Hours)</a:t>
             </a:r>
           </a:p>
         </p:txBody>
@@ -11475,17 +11540,7 @@
                   </a:schemeClr>
                 </a:solidFill>
               </a:rPr>
-              <a:t>Fourth Tuesday </a:t>
-            </a:r>
-            <a:r>
-              <a:rPr lang="en-US" dirty="0" smtClean="0">
-                <a:solidFill>
-                  <a:schemeClr val="bg1">
-                    <a:lumMod val="50000"/>
-                  </a:schemeClr>
-                </a:solidFill>
-              </a:rPr>
-              <a:t>of the Month (Office Hours)</a:t>
+              <a:t>Fourth Tuesday of the Month (Office Hours)</a:t>
             </a:r>
           </a:p>
           <a:p>
@@ -11632,17 +11687,7 @@
                   </a:schemeClr>
                 </a:solidFill>
               </a:rPr>
-              <a:t>Fourth Tuesday </a:t>
-            </a:r>
-            <a:r>
-              <a:rPr lang="en-US" dirty="0" smtClean="0">
-                <a:solidFill>
-                  <a:schemeClr val="bg1">
-                    <a:lumMod val="50000"/>
-                  </a:schemeClr>
-                </a:solidFill>
-              </a:rPr>
-              <a:t>of the Month (Office Hours)</a:t>
+              <a:t>Fourth Tuesday of the Month (Office Hours)</a:t>
             </a:r>
           </a:p>
           <a:p>
@@ -11809,17 +11854,7 @@
                   </a:schemeClr>
                 </a:solidFill>
               </a:rPr>
-              <a:t>Fourth Tuesday </a:t>
-            </a:r>
-            <a:r>
-              <a:rPr lang="en-US" dirty="0" smtClean="0">
-                <a:solidFill>
-                  <a:schemeClr val="bg1">
-                    <a:lumMod val="50000"/>
-                  </a:schemeClr>
-                </a:solidFill>
-              </a:rPr>
-              <a:t>of the Month (Office Hours)</a:t>
+              <a:t>Fourth Tuesday of the Month (Office Hours)</a:t>
             </a:r>
           </a:p>
           <a:p>
@@ -11990,8 +12025,10 @@
                   </a:schemeClr>
                 </a:solidFill>
               </a:rPr>
-              <a:t>Fourth Tuesday </a:t>
-            </a:r>
+              <a:t>Fourth Tuesday of the Month (Office Hours)</a:t>
+            </a:r>
+          </a:p>
+          <a:p>
             <a:r>
               <a:rPr lang="en-US" dirty="0" smtClean="0">
                 <a:solidFill>
@@ -12000,49 +12037,33 @@
                   </a:schemeClr>
                 </a:solidFill>
               </a:rPr>
-              <a:t>of the Month (Office Hours)</a:t>
-            </a:r>
-          </a:p>
-          <a:p>
-            <a:r>
-              <a:rPr lang="en-US" dirty="0" smtClean="0">
+              <a:t>Summer 2014 (</a:t>
+            </a:r>
+            <a:r>
+              <a:rPr lang="en-US" dirty="0" err="1" smtClean="0">
                 <a:solidFill>
                   <a:schemeClr val="bg1">
                     <a:lumMod val="50000"/>
                   </a:schemeClr>
                 </a:solidFill>
               </a:rPr>
-              <a:t>Summer 2014 (</a:t>
-            </a:r>
-            <a:r>
-              <a:rPr lang="en-US" dirty="0" err="1" smtClean="0">
+              <a:t>PyDC</a:t>
+            </a:r>
+            <a:r>
+              <a:rPr lang="en-US" dirty="0" smtClean="0">
                 <a:solidFill>
                   <a:schemeClr val="bg1">
                     <a:lumMod val="50000"/>
                   </a:schemeClr>
                 </a:solidFill>
               </a:rPr>
-              <a:t>PyDC</a:t>
-            </a:r>
-            <a:r>
-              <a:rPr lang="en-US" dirty="0" smtClean="0">
-                <a:solidFill>
-                  <a:schemeClr val="bg1">
-                    <a:lumMod val="50000"/>
-                  </a:schemeClr>
-                </a:solidFill>
-              </a:rPr>
               <a:t> 2014)</a:t>
             </a:r>
           </a:p>
           <a:p>
             <a:r>
               <a:rPr lang="en-US" dirty="0" smtClean="0"/>
-              <a:t>Where</a:t>
-            </a:r>
-            <a:r>
-              <a:rPr lang="en-US" dirty="0" smtClean="0"/>
-              <a:t>?</a:t>
+              <a:t>Where?</a:t>
             </a:r>
           </a:p>
           <a:p>
@@ -12053,7 +12074,6 @@
               <a:rPr lang="en-US" sz="9600" dirty="0" smtClean="0"/>
               <a:t>???</a:t>
             </a:r>
-            <a:endParaRPr lang="en-US" sz="9600" dirty="0" smtClean="0"/>
           </a:p>
         </p:txBody>
       </p:sp>
@@ -13638,7 +13658,23 @@
                   <a:srgbClr val="7F7F7F"/>
                 </a:solidFill>
               </a:rPr>
-              <a:t>Python Core Development (PEP435)</a:t>
+              <a:t>Python Core Development </a:t>
+            </a:r>
+            <a:r>
+              <a:rPr lang="en-US" dirty="0" smtClean="0">
+                <a:solidFill>
+                  <a:srgbClr val="7F7F7F"/>
+                </a:solidFill>
+              </a:rPr>
+              <a:t>(e.g. PEP435</a:t>
+            </a:r>
+            <a:r>
+              <a:rPr lang="en-US" dirty="0" smtClean="0">
+                <a:solidFill>
+                  <a:srgbClr val="7F7F7F"/>
+                </a:solidFill>
+              </a:rPr>
+              <a:t>)</a:t>
             </a:r>
           </a:p>
         </p:txBody>
@@ -13768,7 +13804,23 @@
                   <a:srgbClr val="7F7F7F"/>
                 </a:solidFill>
               </a:rPr>
-              <a:t>Python Core Development (PEP435)</a:t>
+              <a:t>Python Core Development </a:t>
+            </a:r>
+            <a:r>
+              <a:rPr lang="en-US" dirty="0" smtClean="0">
+                <a:solidFill>
+                  <a:srgbClr val="7F7F7F"/>
+                </a:solidFill>
+              </a:rPr>
+              <a:t>(e.g. PEP435</a:t>
+            </a:r>
+            <a:r>
+              <a:rPr lang="en-US" dirty="0" smtClean="0">
+                <a:solidFill>
+                  <a:srgbClr val="7F7F7F"/>
+                </a:solidFill>
+              </a:rPr>
+              <a:t>)</a:t>
             </a:r>
           </a:p>
           <a:p>
@@ -13908,8 +13960,21 @@
                   <a:srgbClr val="7F7F7F"/>
                 </a:solidFill>
               </a:rPr>
-              <a:t>Python Core Development (PEP435)</a:t>
-            </a:r>
+              <a:t>Python Core Development </a:t>
+            </a:r>
+            <a:r>
+              <a:rPr lang="en-US" dirty="0">
+                <a:solidFill>
+                  <a:srgbClr val="7F7F7F"/>
+                </a:solidFill>
+              </a:rPr>
+              <a:t>(e.g. PEP435)</a:t>
+            </a:r>
+            <a:endParaRPr lang="en-US" dirty="0" smtClean="0">
+              <a:solidFill>
+                <a:srgbClr val="7F7F7F"/>
+              </a:solidFill>
+            </a:endParaRPr>
           </a:p>
           <a:p>
             <a:r>
@@ -14176,8 +14241,21 @@
                   <a:srgbClr val="7F7F7F"/>
                 </a:solidFill>
               </a:rPr>
-              <a:t>Python Core Development (PEP435)</a:t>
-            </a:r>
+              <a:t>Python Core Development </a:t>
+            </a:r>
+            <a:r>
+              <a:rPr lang="en-US" dirty="0">
+                <a:solidFill>
+                  <a:srgbClr val="7F7F7F"/>
+                </a:solidFill>
+              </a:rPr>
+              <a:t>(e.g. PEP435)</a:t>
+            </a:r>
+            <a:endParaRPr lang="en-US" dirty="0" smtClean="0">
+              <a:solidFill>
+                <a:srgbClr val="7F7F7F"/>
+              </a:solidFill>
+            </a:endParaRPr>
           </a:p>
           <a:p>
             <a:r>
@@ -14326,8 +14404,21 @@
                   <a:srgbClr val="7F7F7F"/>
                 </a:solidFill>
               </a:rPr>
-              <a:t>Python Core Development (PEP435)</a:t>
-            </a:r>
+              <a:t>Python Core Development </a:t>
+            </a:r>
+            <a:r>
+              <a:rPr lang="en-US" dirty="0">
+                <a:solidFill>
+                  <a:srgbClr val="7F7F7F"/>
+                </a:solidFill>
+              </a:rPr>
+              <a:t>(e.g. PEP435)</a:t>
+            </a:r>
+            <a:endParaRPr lang="en-US" dirty="0" smtClean="0">
+              <a:solidFill>
+                <a:srgbClr val="7F7F7F"/>
+              </a:solidFill>
+            </a:endParaRPr>
           </a:p>
           <a:p>
             <a:r>
@@ -15305,6 +15396,81 @@
     <p:extLst>
       <p:ext uri="{BB962C8B-B14F-4D97-AF65-F5344CB8AC3E}">
         <p14:creationId xmlns:p14="http://schemas.microsoft.com/office/powerpoint/2010/main" val="135844114"/>
+      </p:ext>
+    </p:extLst>
+  </p:cSld>
+  <p:clrMapOvr>
+    <a:masterClrMapping/>
+  </p:clrMapOvr>
+  <p:timing>
+    <p:tnLst>
+      <p:par>
+        <p:cTn xmlns:p14="http://schemas.microsoft.com/office/powerpoint/2010/main" id="1" dur="indefinite" restart="never" nodeType="tmRoot"/>
+      </p:par>
+    </p:tnLst>
+  </p:timing>
+</p:sld>
+</file>
+
+<file path=ppt/slides/slide48.xml><?xml version="1.0" encoding="utf-8"?>
+<p:sld xmlns:a="http://schemas.openxmlformats.org/drawingml/2006/main" xmlns:r="http://schemas.openxmlformats.org/officeDocument/2006/relationships" xmlns:p="http://schemas.openxmlformats.org/presentationml/2006/main">
+  <p:cSld>
+    <p:spTree>
+      <p:nvGrpSpPr>
+        <p:cNvPr id="1" name=""/>
+        <p:cNvGrpSpPr/>
+        <p:nvPr/>
+      </p:nvGrpSpPr>
+      <p:grpSpPr>
+        <a:xfrm>
+          <a:off x="0" y="0"/>
+          <a:ext cx="0" cy="0"/>
+          <a:chOff x="0" y="0"/>
+          <a:chExt cx="0" cy="0"/>
+        </a:xfrm>
+      </p:grpSpPr>
+      <p:sp>
+        <p:nvSpPr>
+          <p:cNvPr id="2" name="Title 1"/>
+          <p:cNvSpPr>
+            <a:spLocks noGrp="1"/>
+          </p:cNvSpPr>
+          <p:nvPr>
+            <p:ph type="title"/>
+          </p:nvPr>
+        </p:nvSpPr>
+        <p:spPr/>
+        <p:txBody>
+          <a:bodyPr/>
+          <a:lstStyle/>
+          <a:p>
+            <a:endParaRPr lang="en-US" dirty="0"/>
+          </a:p>
+        </p:txBody>
+      </p:sp>
+      <p:sp>
+        <p:nvSpPr>
+          <p:cNvPr id="3" name="Content Placeholder 2"/>
+          <p:cNvSpPr>
+            <a:spLocks noGrp="1"/>
+          </p:cNvSpPr>
+          <p:nvPr>
+            <p:ph idx="1"/>
+          </p:nvPr>
+        </p:nvSpPr>
+        <p:spPr/>
+        <p:txBody>
+          <a:bodyPr/>
+          <a:lstStyle/>
+          <a:p>
+            <a:endParaRPr lang="en-US" dirty="0"/>
+          </a:p>
+        </p:txBody>
+      </p:sp>
+    </p:spTree>
+    <p:extLst>
+      <p:ext uri="{BB962C8B-B14F-4D97-AF65-F5344CB8AC3E}">
+        <p14:creationId xmlns:p14="http://schemas.microsoft.com/office/powerpoint/2010/main" val="2750955079"/>
       </p:ext>
     </p:extLst>
   </p:cSld>

--- a/DC Python Generic Meetup Slides.pptx
+++ b/DC Python Generic Meetup Slides.pptx
@@ -11982,7 +11982,9 @@
           </a:prstGeom>
         </p:spPr>
         <p:txBody>
-          <a:bodyPr/>
+          <a:bodyPr>
+            <a:normAutofit fontScale="92500" lnSpcReduction="20000"/>
+          </a:bodyPr>
           <a:lstStyle/>
           <a:p>
             <a:r>
@@ -12063,7 +12065,11 @@
           <a:p>
             <a:r>
               <a:rPr lang="en-US" dirty="0" smtClean="0"/>
-              <a:t>Where?</a:t>
+              <a:t>Where</a:t>
+            </a:r>
+            <a:r>
+              <a:rPr lang="en-US" dirty="0" smtClean="0"/>
+              <a:t>?</a:t>
             </a:r>
           </a:p>
           <a:p>
@@ -12072,8 +12078,13 @@
             </a:pPr>
             <a:r>
               <a:rPr lang="en-US" sz="9600" dirty="0" smtClean="0"/>
-              <a:t>???</a:t>
-            </a:r>
+              <a:t>&lt;</a:t>
+            </a:r>
+            <a:r>
+              <a:rPr lang="en-US" sz="9600" smtClean="0"/>
+              <a:t>OUR LOCATION(S)&gt;</a:t>
+            </a:r>
+            <a:endParaRPr lang="en-US" sz="9600" dirty="0" smtClean="0"/>
           </a:p>
         </p:txBody>
       </p:sp>
@@ -15444,6 +15455,10 @@
           <a:bodyPr/>
           <a:lstStyle/>
           <a:p>
+            <a:r>
+              <a:rPr lang="en-US" dirty="0" smtClean="0"/>
+              <a:t>Thank You</a:t>
+            </a:r>
             <a:endParaRPr lang="en-US" dirty="0"/>
           </a:p>
         </p:txBody>
@@ -15460,8 +15475,54 @@
         </p:nvSpPr>
         <p:spPr/>
         <p:txBody>
-          <a:bodyPr/>
+          <a:bodyPr>
+            <a:normAutofit fontScale="92500"/>
+          </a:bodyPr>
           <a:lstStyle/>
+          <a:p>
+            <a:r>
+              <a:rPr lang="en-US" dirty="0"/>
+              <a:t>Alex Clark—@aclark4life— </a:t>
+            </a:r>
+            <a:r>
+              <a:rPr lang="en-US" dirty="0">
+                <a:hlinkClick r:id="rId2"/>
+              </a:rPr>
+              <a:t>aclark@dcpython.org</a:t>
+            </a:r>
+            <a:r>
+              <a:rPr lang="en-US" dirty="0"/>
+              <a:t> </a:t>
+            </a:r>
+            <a:endParaRPr lang="en-US" dirty="0" smtClean="0"/>
+          </a:p>
+          <a:p>
+            <a:r>
+              <a:rPr lang="en-US" dirty="0" smtClean="0"/>
+              <a:t>A </a:t>
+            </a:r>
+            <a:r>
+              <a:rPr lang="en-US" dirty="0"/>
+              <a:t>copy of the current financial statement of ZPUGDC, Inc. is available by writing </a:t>
+            </a:r>
+            <a:r>
+              <a:rPr lang="en-US" dirty="0" err="1"/>
+              <a:t>board@dcpython.org</a:t>
+            </a:r>
+            <a:r>
+              <a:rPr lang="en-US" dirty="0"/>
+              <a:t> or by calling (301) 312-5236. Documents and information submitted under the Maryland Solicitations Act are also available, for the cost of postage and copies, from the Maryland Secretary of State, State House</a:t>
+            </a:r>
+            <a:r>
+              <a:rPr lang="en-US" dirty="0" smtClean="0"/>
+              <a:t>, Annapolis </a:t>
+            </a:r>
+            <a:r>
+              <a:rPr lang="en-US" dirty="0"/>
+              <a:t>MD 21401, (410) 974-5534. </a:t>
+            </a:r>
+            <a:endParaRPr lang="en-US" dirty="0"/>
+          </a:p>
           <a:p>
             <a:endParaRPr lang="en-US" dirty="0"/>
           </a:p>

--- a/DC Python Generic Meetup Slides.pptx
+++ b/DC Python Generic Meetup Slides.pptx
@@ -12078,11 +12078,7 @@
             </a:pPr>
             <a:r>
               <a:rPr lang="en-US" sz="9600" dirty="0" smtClean="0"/>
-              <a:t>&lt;</a:t>
-            </a:r>
-            <a:r>
-              <a:rPr lang="en-US" sz="9600" smtClean="0"/>
-              <a:t>OUR LOCATION(S)&gt;</a:t>
+              <a:t>&lt;OUR LOCATION(S)&gt;</a:t>
             </a:r>
             <a:endParaRPr lang="en-US" sz="9600" dirty="0" smtClean="0"/>
           </a:p>
@@ -15506,12 +15502,24 @@
               <a:t>copy of the current financial statement of ZPUGDC, Inc. is available by writing </a:t>
             </a:r>
             <a:r>
-              <a:rPr lang="en-US" dirty="0" err="1"/>
-              <a:t>board@dcpython.org</a:t>
+              <a:rPr lang="en-US" dirty="0">
+                <a:hlinkClick r:id="rId3"/>
+              </a:rPr>
+              <a:t>board@</a:t>
+            </a:r>
+            <a:r>
+              <a:rPr lang="en-US" dirty="0" smtClean="0">
+                <a:hlinkClick r:id="rId3"/>
+              </a:rPr>
+              <a:t>dcpython.org</a:t>
+            </a:r>
+            <a:r>
+              <a:rPr lang="en-US" dirty="0" smtClean="0"/>
+              <a:t> or </a:t>
             </a:r>
             <a:r>
               <a:rPr lang="en-US" dirty="0"/>
-              <a:t> or by calling (301) 312-5236. Documents and information submitted under the Maryland Solicitations Act are also available, for the cost of postage and copies, from the Maryland Secretary of State, State House</a:t>
+              <a:t>by calling (301) 312-5236. Documents and information submitted under the Maryland Solicitations Act are also available, for the cost of postage and copies, from the Maryland Secretary of State, State House</a:t>
             </a:r>
             <a:r>
               <a:rPr lang="en-US" dirty="0" smtClean="0"/>

--- a/DC Python Generic Meetup Slides.pptx
+++ b/DC Python Generic Meetup Slides.pptx
@@ -5,10 +5,10 @@
     <p:sldMasterId id="2147483648" r:id="rId1"/>
   </p:sldMasterIdLst>
   <p:notesMasterIdLst>
-    <p:notesMasterId r:id="rId50"/>
+    <p:notesMasterId r:id="rId51"/>
   </p:notesMasterIdLst>
   <p:handoutMasterIdLst>
-    <p:handoutMasterId r:id="rId51"/>
+    <p:handoutMasterId r:id="rId52"/>
   </p:handoutMasterIdLst>
   <p:sldIdLst>
     <p:sldId id="256" r:id="rId2"/>
@@ -59,6 +59,7 @@
     <p:sldId id="305" r:id="rId47"/>
     <p:sldId id="306" r:id="rId48"/>
     <p:sldId id="307" r:id="rId49"/>
+    <p:sldId id="308" r:id="rId50"/>
   </p:sldIdLst>
   <p:sldSz cx="9144000" cy="6858000" type="screen4x3"/>
   <p:notesSz cx="6858000" cy="9144000"/>
@@ -15472,7 +15473,7 @@
         <p:spPr/>
         <p:txBody>
           <a:bodyPr>
-            <a:normAutofit fontScale="92500"/>
+            <a:normAutofit/>
           </a:bodyPr>
           <a:lstStyle/>
           <a:p>
@@ -15494,44 +15495,38 @@
           </a:p>
           <a:p>
             <a:r>
-              <a:rPr lang="en-US" dirty="0" smtClean="0"/>
-              <a:t>A </a:t>
-            </a:r>
-            <a:r>
-              <a:rPr lang="en-US" dirty="0"/>
-              <a:t>copy of the current financial statement of ZPUGDC, Inc. is available by writing </a:t>
-            </a:r>
-            <a:r>
               <a:rPr lang="en-US" dirty="0">
                 <a:hlinkClick r:id="rId3"/>
               </a:rPr>
-              <a:t>board@</a:t>
+              <a:t>http://www.slideshare.net/dcpython/generic-meetup-</a:t>
             </a:r>
             <a:r>
               <a:rPr lang="en-US" dirty="0" smtClean="0">
                 <a:hlinkClick r:id="rId3"/>
               </a:rPr>
-              <a:t>dcpython.org</a:t>
-            </a:r>
-            <a:r>
-              <a:rPr lang="en-US" dirty="0" smtClean="0"/>
-              <a:t> or </a:t>
-            </a:r>
-            <a:r>
-              <a:rPr lang="en-US" dirty="0"/>
-              <a:t>by calling (301) 312-5236. Documents and information submitted under the Maryland Solicitations Act are also available, for the cost of postage and copies, from the Maryland Secretary of State, State House</a:t>
-            </a:r>
-            <a:r>
-              <a:rPr lang="en-US" dirty="0" smtClean="0"/>
-              <a:t>, Annapolis </a:t>
-            </a:r>
-            <a:r>
-              <a:rPr lang="en-US" dirty="0"/>
-              <a:t>MD 21401, (410) 974-5534. </a:t>
-            </a:r>
-            <a:endParaRPr lang="en-US" dirty="0"/>
-          </a:p>
-          <a:p>
+              <a:t>slides</a:t>
+            </a:r>
+            <a:endParaRPr lang="en-US" dirty="0" smtClean="0"/>
+          </a:p>
+          <a:p>
+            <a:r>
+              <a:rPr lang="en-US" dirty="0">
+                <a:hlinkClick r:id="rId4"/>
+              </a:rPr>
+              <a:t>https://github.com/DCPython/generic-meetup-</a:t>
+            </a:r>
+            <a:r>
+              <a:rPr lang="en-US" dirty="0" smtClean="0">
+                <a:hlinkClick r:id="rId4"/>
+              </a:rPr>
+              <a:t>slides</a:t>
+            </a:r>
+            <a:endParaRPr lang="en-US" dirty="0" smtClean="0"/>
+          </a:p>
+          <a:p>
+            <a:pPr marL="0" indent="0">
+              <a:buNone/>
+            </a:pPr>
             <a:endParaRPr lang="en-US" dirty="0"/>
           </a:p>
         </p:txBody>
@@ -15540,6 +15535,126 @@
     <p:extLst>
       <p:ext uri="{BB962C8B-B14F-4D97-AF65-F5344CB8AC3E}">
         <p14:creationId xmlns:p14="http://schemas.microsoft.com/office/powerpoint/2010/main" val="2750955079"/>
+      </p:ext>
+    </p:extLst>
+  </p:cSld>
+  <p:clrMapOvr>
+    <a:masterClrMapping/>
+  </p:clrMapOvr>
+  <p:timing>
+    <p:tnLst>
+      <p:par>
+        <p:cTn xmlns:p14="http://schemas.microsoft.com/office/powerpoint/2010/main" id="1" dur="indefinite" restart="never" nodeType="tmRoot"/>
+      </p:par>
+    </p:tnLst>
+  </p:timing>
+</p:sld>
+</file>
+
+<file path=ppt/slides/slide49.xml><?xml version="1.0" encoding="utf-8"?>
+<p:sld xmlns:a="http://schemas.openxmlformats.org/drawingml/2006/main" xmlns:r="http://schemas.openxmlformats.org/officeDocument/2006/relationships" xmlns:p="http://schemas.openxmlformats.org/presentationml/2006/main">
+  <p:cSld>
+    <p:spTree>
+      <p:nvGrpSpPr>
+        <p:cNvPr id="1" name=""/>
+        <p:cNvGrpSpPr/>
+        <p:nvPr/>
+      </p:nvGrpSpPr>
+      <p:grpSpPr>
+        <a:xfrm>
+          <a:off x="0" y="0"/>
+          <a:ext cx="0" cy="0"/>
+          <a:chOff x="0" y="0"/>
+          <a:chExt cx="0" cy="0"/>
+        </a:xfrm>
+      </p:grpSpPr>
+      <p:sp>
+        <p:nvSpPr>
+          <p:cNvPr id="2" name="Title 1"/>
+          <p:cNvSpPr>
+            <a:spLocks noGrp="1"/>
+          </p:cNvSpPr>
+          <p:nvPr>
+            <p:ph type="title"/>
+          </p:nvPr>
+        </p:nvSpPr>
+        <p:spPr/>
+        <p:txBody>
+          <a:bodyPr/>
+          <a:lstStyle/>
+          <a:p>
+            <a:r>
+              <a:rPr lang="en-US" dirty="0" smtClean="0"/>
+              <a:t>Thank You</a:t>
+            </a:r>
+            <a:endParaRPr lang="en-US" dirty="0"/>
+          </a:p>
+        </p:txBody>
+      </p:sp>
+      <p:sp>
+        <p:nvSpPr>
+          <p:cNvPr id="3" name="Content Placeholder 2"/>
+          <p:cNvSpPr>
+            <a:spLocks noGrp="1"/>
+          </p:cNvSpPr>
+          <p:nvPr>
+            <p:ph idx="1"/>
+          </p:nvPr>
+        </p:nvSpPr>
+        <p:spPr/>
+        <p:txBody>
+          <a:bodyPr>
+            <a:normAutofit/>
+          </a:bodyPr>
+          <a:lstStyle/>
+          <a:p>
+            <a:r>
+              <a:rPr lang="en-US" dirty="0" smtClean="0"/>
+              <a:t>A </a:t>
+            </a:r>
+            <a:r>
+              <a:rPr lang="en-US" dirty="0"/>
+              <a:t>copy of the current financial statement of ZPUGDC, Inc. is available by writing </a:t>
+            </a:r>
+            <a:r>
+              <a:rPr lang="en-US" dirty="0">
+                <a:hlinkClick r:id="rId2"/>
+              </a:rPr>
+              <a:t>board@</a:t>
+            </a:r>
+            <a:r>
+              <a:rPr lang="en-US" dirty="0" smtClean="0">
+                <a:hlinkClick r:id="rId2"/>
+              </a:rPr>
+              <a:t>dcpython.org</a:t>
+            </a:r>
+            <a:r>
+              <a:rPr lang="en-US" dirty="0" smtClean="0"/>
+              <a:t> or </a:t>
+            </a:r>
+            <a:r>
+              <a:rPr lang="en-US" dirty="0"/>
+              <a:t>by calling (301) 312-5236. Documents and information submitted under the Maryland Solicitations Act are also available, for the cost of postage and copies, from the Maryland Secretary of State, State House</a:t>
+            </a:r>
+            <a:r>
+              <a:rPr lang="en-US" dirty="0" smtClean="0"/>
+              <a:t>, Annapolis </a:t>
+            </a:r>
+            <a:r>
+              <a:rPr lang="en-US" dirty="0"/>
+              <a:t>MD 21401, (410) 974-5534. </a:t>
+            </a:r>
+            <a:endParaRPr lang="en-US" dirty="0"/>
+          </a:p>
+          <a:p>
+            <a:endParaRPr lang="en-US" dirty="0"/>
+          </a:p>
+        </p:txBody>
+      </p:sp>
+    </p:spTree>
+    <p:extLst>
+      <p:ext uri="{BB962C8B-B14F-4D97-AF65-F5344CB8AC3E}">
+        <p14:creationId xmlns:p14="http://schemas.microsoft.com/office/powerpoint/2010/main" val="3089775211"/>
       </p:ext>
     </p:extLst>
   </p:cSld>

--- a/DC Python Generic Meetup Slides.pptx
+++ b/DC Python Generic Meetup Slides.pptx
@@ -5,61 +5,63 @@
     <p:sldMasterId id="2147483648" r:id="rId1"/>
   </p:sldMasterIdLst>
   <p:notesMasterIdLst>
-    <p:notesMasterId r:id="rId51"/>
+    <p:notesMasterId r:id="rId53"/>
   </p:notesMasterIdLst>
   <p:handoutMasterIdLst>
-    <p:handoutMasterId r:id="rId52"/>
+    <p:handoutMasterId r:id="rId54"/>
   </p:handoutMasterIdLst>
   <p:sldIdLst>
     <p:sldId id="256" r:id="rId2"/>
     <p:sldId id="257" r:id="rId3"/>
     <p:sldId id="270" r:id="rId4"/>
-    <p:sldId id="261" r:id="rId5"/>
-    <p:sldId id="269" r:id="rId6"/>
-    <p:sldId id="262" r:id="rId7"/>
-    <p:sldId id="268" r:id="rId8"/>
-    <p:sldId id="267" r:id="rId9"/>
-    <p:sldId id="258" r:id="rId10"/>
-    <p:sldId id="271" r:id="rId11"/>
-    <p:sldId id="265" r:id="rId12"/>
-    <p:sldId id="272" r:id="rId13"/>
-    <p:sldId id="266" r:id="rId14"/>
-    <p:sldId id="273" r:id="rId15"/>
-    <p:sldId id="274" r:id="rId16"/>
-    <p:sldId id="275" r:id="rId17"/>
-    <p:sldId id="260" r:id="rId18"/>
-    <p:sldId id="280" r:id="rId19"/>
-    <p:sldId id="276" r:id="rId20"/>
-    <p:sldId id="281" r:id="rId21"/>
-    <p:sldId id="277" r:id="rId22"/>
-    <p:sldId id="282" r:id="rId23"/>
-    <p:sldId id="278" r:id="rId24"/>
-    <p:sldId id="279" r:id="rId25"/>
-    <p:sldId id="283" r:id="rId26"/>
-    <p:sldId id="284" r:id="rId27"/>
-    <p:sldId id="285" r:id="rId28"/>
-    <p:sldId id="286" r:id="rId29"/>
-    <p:sldId id="287" r:id="rId30"/>
-    <p:sldId id="288" r:id="rId31"/>
-    <p:sldId id="289" r:id="rId32"/>
-    <p:sldId id="291" r:id="rId33"/>
-    <p:sldId id="292" r:id="rId34"/>
-    <p:sldId id="293" r:id="rId35"/>
-    <p:sldId id="295" r:id="rId36"/>
-    <p:sldId id="296" r:id="rId37"/>
-    <p:sldId id="297" r:id="rId38"/>
-    <p:sldId id="298" r:id="rId39"/>
-    <p:sldId id="299" r:id="rId40"/>
-    <p:sldId id="300" r:id="rId41"/>
-    <p:sldId id="301" r:id="rId42"/>
-    <p:sldId id="294" r:id="rId43"/>
-    <p:sldId id="302" r:id="rId44"/>
-    <p:sldId id="303" r:id="rId45"/>
-    <p:sldId id="304" r:id="rId46"/>
-    <p:sldId id="305" r:id="rId47"/>
-    <p:sldId id="306" r:id="rId48"/>
-    <p:sldId id="307" r:id="rId49"/>
-    <p:sldId id="308" r:id="rId50"/>
+    <p:sldId id="312" r:id="rId5"/>
+    <p:sldId id="261" r:id="rId6"/>
+    <p:sldId id="269" r:id="rId7"/>
+    <p:sldId id="262" r:id="rId8"/>
+    <p:sldId id="268" r:id="rId9"/>
+    <p:sldId id="267" r:id="rId10"/>
+    <p:sldId id="258" r:id="rId11"/>
+    <p:sldId id="271" r:id="rId12"/>
+    <p:sldId id="265" r:id="rId13"/>
+    <p:sldId id="272" r:id="rId14"/>
+    <p:sldId id="266" r:id="rId15"/>
+    <p:sldId id="273" r:id="rId16"/>
+    <p:sldId id="274" r:id="rId17"/>
+    <p:sldId id="275" r:id="rId18"/>
+    <p:sldId id="260" r:id="rId19"/>
+    <p:sldId id="280" r:id="rId20"/>
+    <p:sldId id="276" r:id="rId21"/>
+    <p:sldId id="281" r:id="rId22"/>
+    <p:sldId id="277" r:id="rId23"/>
+    <p:sldId id="282" r:id="rId24"/>
+    <p:sldId id="278" r:id="rId25"/>
+    <p:sldId id="279" r:id="rId26"/>
+    <p:sldId id="283" r:id="rId27"/>
+    <p:sldId id="284" r:id="rId28"/>
+    <p:sldId id="285" r:id="rId29"/>
+    <p:sldId id="286" r:id="rId30"/>
+    <p:sldId id="287" r:id="rId31"/>
+    <p:sldId id="288" r:id="rId32"/>
+    <p:sldId id="289" r:id="rId33"/>
+    <p:sldId id="291" r:id="rId34"/>
+    <p:sldId id="292" r:id="rId35"/>
+    <p:sldId id="293" r:id="rId36"/>
+    <p:sldId id="295" r:id="rId37"/>
+    <p:sldId id="296" r:id="rId38"/>
+    <p:sldId id="297" r:id="rId39"/>
+    <p:sldId id="298" r:id="rId40"/>
+    <p:sldId id="299" r:id="rId41"/>
+    <p:sldId id="300" r:id="rId42"/>
+    <p:sldId id="301" r:id="rId43"/>
+    <p:sldId id="294" r:id="rId44"/>
+    <p:sldId id="302" r:id="rId45"/>
+    <p:sldId id="303" r:id="rId46"/>
+    <p:sldId id="304" r:id="rId47"/>
+    <p:sldId id="305" r:id="rId48"/>
+    <p:sldId id="306" r:id="rId49"/>
+    <p:sldId id="309" r:id="rId50"/>
+    <p:sldId id="307" r:id="rId51"/>
+    <p:sldId id="308" r:id="rId52"/>
   </p:sldIdLst>
   <p:sldSz cx="9144000" cy="6858000" type="screen4x3"/>
   <p:notesSz cx="6858000" cy="9144000"/>
@@ -1749,7 +1751,7 @@
         <a:p>
           <a:r>
             <a:rPr lang="en-US" dirty="0" smtClean="0"/>
-            <a:t>Sponsors</a:t>
+            <a:t>Attendees</a:t>
           </a:r>
           <a:endParaRPr lang="en-US" dirty="0"/>
         </a:p>
@@ -1777,6 +1779,43 @@
         </a:p>
       </dgm:t>
     </dgm:pt>
+    <dgm:pt modelId="{741FBF72-D682-984B-8F92-A21F7ACB2182}">
+      <dgm:prSet/>
+      <dgm:spPr/>
+      <dgm:t>
+        <a:bodyPr/>
+        <a:lstStyle/>
+        <a:p>
+          <a:r>
+            <a:rPr lang="en-US" dirty="0" smtClean="0"/>
+            <a:t>Sponsors</a:t>
+          </a:r>
+          <a:endParaRPr lang="en-US" dirty="0"/>
+        </a:p>
+      </dgm:t>
+    </dgm:pt>
+    <dgm:pt modelId="{10B1CED0-5212-3947-8DB6-1E19815AB010}" type="parTrans" cxnId="{B5289A1C-B5F9-3C40-BE5A-58770D2F37D2}">
+      <dgm:prSet/>
+      <dgm:spPr/>
+      <dgm:t>
+        <a:bodyPr/>
+        <a:lstStyle/>
+        <a:p>
+          <a:endParaRPr lang="en-US"/>
+        </a:p>
+      </dgm:t>
+    </dgm:pt>
+    <dgm:pt modelId="{0F0FD1C5-BB76-DF4A-9502-D948080AFA21}" type="sibTrans" cxnId="{B5289A1C-B5F9-3C40-BE5A-58770D2F37D2}">
+      <dgm:prSet/>
+      <dgm:spPr/>
+      <dgm:t>
+        <a:bodyPr/>
+        <a:lstStyle/>
+        <a:p>
+          <a:endParaRPr lang="en-US"/>
+        </a:p>
+      </dgm:t>
+    </dgm:pt>
     <dgm:pt modelId="{93B56176-B886-0444-B17A-022452DA2F9F}" type="pres">
       <dgm:prSet presAssocID="{4ECC684F-0F7D-314F-B9A6-9CE9DC873B74}" presName="linearFlow" presStyleCnt="0">
         <dgm:presLayoutVars>
@@ -1787,7 +1826,7 @@
       <dgm:spPr/>
     </dgm:pt>
     <dgm:pt modelId="{ACCCC60A-D7A0-5644-B8E1-AF520200FE7D}" type="pres">
-      <dgm:prSet presAssocID="{4C7B0283-6C34-904D-AA06-376431F17CE5}" presName="node" presStyleLbl="node1" presStyleIdx="0" presStyleCnt="3">
+      <dgm:prSet presAssocID="{4C7B0283-6C34-904D-AA06-376431F17CE5}" presName="node" presStyleLbl="node1" presStyleIdx="0" presStyleCnt="4">
         <dgm:presLayoutVars>
           <dgm:bulletEnabled val="1"/>
         </dgm:presLayoutVars>
@@ -1806,7 +1845,7 @@
       <dgm:spPr/>
     </dgm:pt>
     <dgm:pt modelId="{D74A67A9-6093-594B-B43E-5FB6377EA6F1}" type="pres">
-      <dgm:prSet presAssocID="{F8027762-2974-D94F-A17C-BF6CAF479163}" presName="sibTrans" presStyleLbl="sibTrans2D1" presStyleIdx="0" presStyleCnt="2"/>
+      <dgm:prSet presAssocID="{F8027762-2974-D94F-A17C-BF6CAF479163}" presName="sibTrans" presStyleLbl="sibTrans2D1" presStyleIdx="0" presStyleCnt="3"/>
       <dgm:spPr/>
       <dgm:t>
         <a:bodyPr/>
@@ -1820,8 +1859,35 @@
       <dgm:prSet presAssocID="{F8027762-2974-D94F-A17C-BF6CAF479163}" presName="spacerR" presStyleCnt="0"/>
       <dgm:spPr/>
     </dgm:pt>
+    <dgm:pt modelId="{C19F02B0-8F81-C442-8B0D-FD6228BD12CF}" type="pres">
+      <dgm:prSet presAssocID="{741FBF72-D682-984B-8F92-A21F7ACB2182}" presName="node" presStyleLbl="node1" presStyleIdx="1" presStyleCnt="4">
+        <dgm:presLayoutVars>
+          <dgm:bulletEnabled val="1"/>
+        </dgm:presLayoutVars>
+      </dgm:prSet>
+      <dgm:spPr/>
+      <dgm:t>
+        <a:bodyPr/>
+        <a:lstStyle/>
+        <a:p>
+          <a:endParaRPr lang="en-US"/>
+        </a:p>
+      </dgm:t>
+    </dgm:pt>
+    <dgm:pt modelId="{49AB6E11-3364-0148-B70E-7059505F6759}" type="pres">
+      <dgm:prSet presAssocID="{0F0FD1C5-BB76-DF4A-9502-D948080AFA21}" presName="spacerL" presStyleCnt="0"/>
+      <dgm:spPr/>
+    </dgm:pt>
+    <dgm:pt modelId="{ED53C07A-FC50-5649-BA09-EF5F48C41B01}" type="pres">
+      <dgm:prSet presAssocID="{0F0FD1C5-BB76-DF4A-9502-D948080AFA21}" presName="sibTrans" presStyleLbl="sibTrans2D1" presStyleIdx="1" presStyleCnt="3"/>
+      <dgm:spPr/>
+    </dgm:pt>
+    <dgm:pt modelId="{BCF77E05-DD61-FF4E-BA7E-970C6E0DE198}" type="pres">
+      <dgm:prSet presAssocID="{0F0FD1C5-BB76-DF4A-9502-D948080AFA21}" presName="spacerR" presStyleCnt="0"/>
+      <dgm:spPr/>
+    </dgm:pt>
     <dgm:pt modelId="{9E5CFF5B-A34C-9544-ABA9-A91F4AB8C805}" type="pres">
-      <dgm:prSet presAssocID="{488E5B53-3640-BC41-8601-71A82784A9B9}" presName="node" presStyleLbl="node1" presStyleIdx="1" presStyleCnt="3">
+      <dgm:prSet presAssocID="{488E5B53-3640-BC41-8601-71A82784A9B9}" presName="node" presStyleLbl="node1" presStyleIdx="2" presStyleCnt="4">
         <dgm:presLayoutVars>
           <dgm:bulletEnabled val="1"/>
         </dgm:presLayoutVars>
@@ -1840,7 +1906,7 @@
       <dgm:spPr/>
     </dgm:pt>
     <dgm:pt modelId="{7731807F-631C-9145-A924-7BD8E4FAB9F4}" type="pres">
-      <dgm:prSet presAssocID="{E483A671-5D45-9448-B88B-01F058A82F67}" presName="sibTrans" presStyleLbl="sibTrans2D1" presStyleIdx="1" presStyleCnt="2"/>
+      <dgm:prSet presAssocID="{E483A671-5D45-9448-B88B-01F058A82F67}" presName="sibTrans" presStyleLbl="sibTrans2D1" presStyleIdx="2" presStyleCnt="3"/>
       <dgm:spPr/>
       <dgm:t>
         <a:bodyPr/>
@@ -1855,7 +1921,7 @@
       <dgm:spPr/>
     </dgm:pt>
     <dgm:pt modelId="{43B2F147-A6C4-B744-8E79-3FA856FBF0E9}" type="pres">
-      <dgm:prSet presAssocID="{54197186-10DD-7043-857C-CD4EFC8D86D9}" presName="node" presStyleLbl="node1" presStyleIdx="2" presStyleCnt="3">
+      <dgm:prSet presAssocID="{54197186-10DD-7043-857C-CD4EFC8D86D9}" presName="node" presStyleLbl="node1" presStyleIdx="3" presStyleCnt="4">
         <dgm:presLayoutVars>
           <dgm:bulletEnabled val="1"/>
         </dgm:presLayoutVars>
@@ -1872,29 +1938,36 @@
   </dgm:ptLst>
   <dgm:cxnLst>
     <dgm:cxn modelId="{066A4966-F416-7E46-99B1-9F0DBB529C5A}" type="presOf" srcId="{F8027762-2974-D94F-A17C-BF6CAF479163}" destId="{D74A67A9-6093-594B-B43E-5FB6377EA6F1}" srcOrd="0" destOrd="0" presId="urn:microsoft.com/office/officeart/2005/8/layout/equation1"/>
-    <dgm:cxn modelId="{D35759BA-9BA3-9547-96BE-62253A630E09}" srcId="{4ECC684F-0F7D-314F-B9A6-9CE9DC873B74}" destId="{488E5B53-3640-BC41-8601-71A82784A9B9}" srcOrd="1" destOrd="0" parTransId="{AEE92DE2-C075-AC48-83FE-BAA8C31EDAB9}" sibTransId="{E483A671-5D45-9448-B88B-01F058A82F67}"/>
+    <dgm:cxn modelId="{D35759BA-9BA3-9547-96BE-62253A630E09}" srcId="{4ECC684F-0F7D-314F-B9A6-9CE9DC873B74}" destId="{488E5B53-3640-BC41-8601-71A82784A9B9}" srcOrd="2" destOrd="0" parTransId="{AEE92DE2-C075-AC48-83FE-BAA8C31EDAB9}" sibTransId="{E483A671-5D45-9448-B88B-01F058A82F67}"/>
     <dgm:cxn modelId="{19BF7FF7-C9FC-0C42-A3C9-E4A806BA1E20}" type="presOf" srcId="{4C7B0283-6C34-904D-AA06-376431F17CE5}" destId="{ACCCC60A-D7A0-5644-B8E1-AF520200FE7D}" srcOrd="0" destOrd="0" presId="urn:microsoft.com/office/officeart/2005/8/layout/equation1"/>
     <dgm:cxn modelId="{D249E07D-5046-334C-8FAF-165EB4A80DB5}" type="presOf" srcId="{54197186-10DD-7043-857C-CD4EFC8D86D9}" destId="{43B2F147-A6C4-B744-8E79-3FA856FBF0E9}" srcOrd="0" destOrd="0" presId="urn:microsoft.com/office/officeart/2005/8/layout/equation1"/>
     <dgm:cxn modelId="{3115325E-1A2E-B54E-91D8-4C2B36C1867F}" type="presOf" srcId="{4ECC684F-0F7D-314F-B9A6-9CE9DC873B74}" destId="{93B56176-B886-0444-B17A-022452DA2F9F}" srcOrd="0" destOrd="0" presId="urn:microsoft.com/office/officeart/2005/8/layout/equation1"/>
-    <dgm:cxn modelId="{F9728D04-1028-2E4A-8186-E173674EFD0D}" srcId="{4ECC684F-0F7D-314F-B9A6-9CE9DC873B74}" destId="{54197186-10DD-7043-857C-CD4EFC8D86D9}" srcOrd="2" destOrd="0" parTransId="{45EAFC0C-E36A-3B41-9323-131BDA5E9491}" sibTransId="{F4ACB6AD-0A24-7046-B18F-5621933C496B}"/>
+    <dgm:cxn modelId="{C1F9E339-0D07-0943-8A0E-589091C41162}" type="presOf" srcId="{0F0FD1C5-BB76-DF4A-9502-D948080AFA21}" destId="{ED53C07A-FC50-5649-BA09-EF5F48C41B01}" srcOrd="0" destOrd="0" presId="urn:microsoft.com/office/officeart/2005/8/layout/equation1"/>
+    <dgm:cxn modelId="{F9728D04-1028-2E4A-8186-E173674EFD0D}" srcId="{4ECC684F-0F7D-314F-B9A6-9CE9DC873B74}" destId="{54197186-10DD-7043-857C-CD4EFC8D86D9}" srcOrd="3" destOrd="0" parTransId="{45EAFC0C-E36A-3B41-9323-131BDA5E9491}" sibTransId="{F4ACB6AD-0A24-7046-B18F-5621933C496B}"/>
+    <dgm:cxn modelId="{C9608CE2-A8C1-9A42-B0AC-8E86FD15886C}" type="presOf" srcId="{741FBF72-D682-984B-8F92-A21F7ACB2182}" destId="{C19F02B0-8F81-C442-8B0D-FD6228BD12CF}" srcOrd="0" destOrd="0" presId="urn:microsoft.com/office/officeart/2005/8/layout/equation1"/>
     <dgm:cxn modelId="{5BF5606E-49FD-1C48-9685-CFFF8067B0DF}" type="presOf" srcId="{E483A671-5D45-9448-B88B-01F058A82F67}" destId="{7731807F-631C-9145-A924-7BD8E4FAB9F4}" srcOrd="0" destOrd="0" presId="urn:microsoft.com/office/officeart/2005/8/layout/equation1"/>
     <dgm:cxn modelId="{5DD6E37E-F39B-924D-8EE7-B6AF052452FD}" srcId="{4ECC684F-0F7D-314F-B9A6-9CE9DC873B74}" destId="{4C7B0283-6C34-904D-AA06-376431F17CE5}" srcOrd="0" destOrd="0" parTransId="{523B3A1F-6C1A-0A46-88FF-A6D86C90A07A}" sibTransId="{F8027762-2974-D94F-A17C-BF6CAF479163}"/>
     <dgm:cxn modelId="{E8C2686A-361B-E146-91B5-A5BB01AD5C55}" type="presOf" srcId="{488E5B53-3640-BC41-8601-71A82784A9B9}" destId="{9E5CFF5B-A34C-9544-ABA9-A91F4AB8C805}" srcOrd="0" destOrd="0" presId="urn:microsoft.com/office/officeart/2005/8/layout/equation1"/>
+    <dgm:cxn modelId="{B5289A1C-B5F9-3C40-BE5A-58770D2F37D2}" srcId="{4ECC684F-0F7D-314F-B9A6-9CE9DC873B74}" destId="{741FBF72-D682-984B-8F92-A21F7ACB2182}" srcOrd="1" destOrd="0" parTransId="{10B1CED0-5212-3947-8DB6-1E19815AB010}" sibTransId="{0F0FD1C5-BB76-DF4A-9502-D948080AFA21}"/>
     <dgm:cxn modelId="{441A9EBB-5999-7840-B36B-9941CFADF6BE}" type="presParOf" srcId="{93B56176-B886-0444-B17A-022452DA2F9F}" destId="{ACCCC60A-D7A0-5644-B8E1-AF520200FE7D}" srcOrd="0" destOrd="0" presId="urn:microsoft.com/office/officeart/2005/8/layout/equation1"/>
     <dgm:cxn modelId="{344EA77A-01A3-3F40-B60F-038F341597E0}" type="presParOf" srcId="{93B56176-B886-0444-B17A-022452DA2F9F}" destId="{5C29ED1A-F99D-614E-B2B4-C22786F6A33D}" srcOrd="1" destOrd="0" presId="urn:microsoft.com/office/officeart/2005/8/layout/equation1"/>
     <dgm:cxn modelId="{7FAA00B0-2FCE-5B48-890B-515AB55EE4F2}" type="presParOf" srcId="{93B56176-B886-0444-B17A-022452DA2F9F}" destId="{D74A67A9-6093-594B-B43E-5FB6377EA6F1}" srcOrd="2" destOrd="0" presId="urn:microsoft.com/office/officeart/2005/8/layout/equation1"/>
     <dgm:cxn modelId="{0D3B4318-85D8-064C-B5E7-03B730B42902}" type="presParOf" srcId="{93B56176-B886-0444-B17A-022452DA2F9F}" destId="{885B3B52-454C-374D-8149-127AABD9749C}" srcOrd="3" destOrd="0" presId="urn:microsoft.com/office/officeart/2005/8/layout/equation1"/>
-    <dgm:cxn modelId="{D2BD312F-C35C-EE4C-863F-49DC08F32B55}" type="presParOf" srcId="{93B56176-B886-0444-B17A-022452DA2F9F}" destId="{9E5CFF5B-A34C-9544-ABA9-A91F4AB8C805}" srcOrd="4" destOrd="0" presId="urn:microsoft.com/office/officeart/2005/8/layout/equation1"/>
-    <dgm:cxn modelId="{046545A4-B225-8945-B066-4AE06BA6C037}" type="presParOf" srcId="{93B56176-B886-0444-B17A-022452DA2F9F}" destId="{A185BE08-3864-DC4C-9FA9-DEBD3CB89591}" srcOrd="5" destOrd="0" presId="urn:microsoft.com/office/officeart/2005/8/layout/equation1"/>
-    <dgm:cxn modelId="{798E6E93-CDE7-DE4E-A6B6-A02128A1DD99}" type="presParOf" srcId="{93B56176-B886-0444-B17A-022452DA2F9F}" destId="{7731807F-631C-9145-A924-7BD8E4FAB9F4}" srcOrd="6" destOrd="0" presId="urn:microsoft.com/office/officeart/2005/8/layout/equation1"/>
-    <dgm:cxn modelId="{7DA433BC-A3FF-764F-8B6F-5E32944F2E77}" type="presParOf" srcId="{93B56176-B886-0444-B17A-022452DA2F9F}" destId="{36C38D28-883F-EA43-9E28-A69BEC5BB45B}" srcOrd="7" destOrd="0" presId="urn:microsoft.com/office/officeart/2005/8/layout/equation1"/>
-    <dgm:cxn modelId="{04706293-043F-DD4A-BFB9-FBD8F32A1387}" type="presParOf" srcId="{93B56176-B886-0444-B17A-022452DA2F9F}" destId="{43B2F147-A6C4-B744-8E79-3FA856FBF0E9}" srcOrd="8" destOrd="0" presId="urn:microsoft.com/office/officeart/2005/8/layout/equation1"/>
+    <dgm:cxn modelId="{72BDE2B7-4684-744B-B565-4A07A2CF3D93}" type="presParOf" srcId="{93B56176-B886-0444-B17A-022452DA2F9F}" destId="{C19F02B0-8F81-C442-8B0D-FD6228BD12CF}" srcOrd="4" destOrd="0" presId="urn:microsoft.com/office/officeart/2005/8/layout/equation1"/>
+    <dgm:cxn modelId="{9F807A95-A5E1-6941-BC9E-CD2F2E01D8F6}" type="presParOf" srcId="{93B56176-B886-0444-B17A-022452DA2F9F}" destId="{49AB6E11-3364-0148-B70E-7059505F6759}" srcOrd="5" destOrd="0" presId="urn:microsoft.com/office/officeart/2005/8/layout/equation1"/>
+    <dgm:cxn modelId="{117C2C61-75DB-0243-8AE0-586B59568FFE}" type="presParOf" srcId="{93B56176-B886-0444-B17A-022452DA2F9F}" destId="{ED53C07A-FC50-5649-BA09-EF5F48C41B01}" srcOrd="6" destOrd="0" presId="urn:microsoft.com/office/officeart/2005/8/layout/equation1"/>
+    <dgm:cxn modelId="{E2BF24C2-5E5C-3346-81DC-3B6C8CFEEEED}" type="presParOf" srcId="{93B56176-B886-0444-B17A-022452DA2F9F}" destId="{BCF77E05-DD61-FF4E-BA7E-970C6E0DE198}" srcOrd="7" destOrd="0" presId="urn:microsoft.com/office/officeart/2005/8/layout/equation1"/>
+    <dgm:cxn modelId="{D2BD312F-C35C-EE4C-863F-49DC08F32B55}" type="presParOf" srcId="{93B56176-B886-0444-B17A-022452DA2F9F}" destId="{9E5CFF5B-A34C-9544-ABA9-A91F4AB8C805}" srcOrd="8" destOrd="0" presId="urn:microsoft.com/office/officeart/2005/8/layout/equation1"/>
+    <dgm:cxn modelId="{046545A4-B225-8945-B066-4AE06BA6C037}" type="presParOf" srcId="{93B56176-B886-0444-B17A-022452DA2F9F}" destId="{A185BE08-3864-DC4C-9FA9-DEBD3CB89591}" srcOrd="9" destOrd="0" presId="urn:microsoft.com/office/officeart/2005/8/layout/equation1"/>
+    <dgm:cxn modelId="{798E6E93-CDE7-DE4E-A6B6-A02128A1DD99}" type="presParOf" srcId="{93B56176-B886-0444-B17A-022452DA2F9F}" destId="{7731807F-631C-9145-A924-7BD8E4FAB9F4}" srcOrd="10" destOrd="0" presId="urn:microsoft.com/office/officeart/2005/8/layout/equation1"/>
+    <dgm:cxn modelId="{7DA433BC-A3FF-764F-8B6F-5E32944F2E77}" type="presParOf" srcId="{93B56176-B886-0444-B17A-022452DA2F9F}" destId="{36C38D28-883F-EA43-9E28-A69BEC5BB45B}" srcOrd="11" destOrd="0" presId="urn:microsoft.com/office/officeart/2005/8/layout/equation1"/>
+    <dgm:cxn modelId="{04706293-043F-DD4A-BFB9-FBD8F32A1387}" type="presParOf" srcId="{93B56176-B886-0444-B17A-022452DA2F9F}" destId="{43B2F147-A6C4-B744-8E79-3FA856FBF0E9}" srcOrd="12" destOrd="0" presId="urn:microsoft.com/office/officeart/2005/8/layout/equation1"/>
   </dgm:cxnLst>
   <dgm:bg/>
   <dgm:whole/>
   <dgm:extLst>
     <a:ext uri="http://schemas.microsoft.com/office/drawing/2008/diagram">
-      <dsp:dataModelExt xmlns:dsp="http://schemas.microsoft.com/office/drawing/2008/diagram" relId="rId6" minVer="http://schemas.openxmlformats.org/drawingml/2006/diagram"/>
+      <dsp:dataModelExt xmlns:dsp="http://schemas.microsoft.com/office/drawing/2008/diagram" relId="rId7" minVer="http://schemas.openxmlformats.org/drawingml/2006/diagram"/>
     </a:ext>
   </dgm:extLst>
 </dgm:dataModel>
@@ -2223,7 +2296,7 @@
   <dgm:whole/>
   <dgm:extLst>
     <a:ext uri="http://schemas.microsoft.com/office/drawing/2008/diagram">
-      <dsp:dataModelExt xmlns:dsp="http://schemas.microsoft.com/office/drawing/2008/diagram" relId="rId6" minVer="http://schemas.openxmlformats.org/drawingml/2006/diagram"/>
+      <dsp:dataModelExt xmlns:dsp="http://schemas.microsoft.com/office/drawing/2008/diagram" relId="rId7" minVer="http://schemas.openxmlformats.org/drawingml/2006/diagram"/>
     </a:ext>
   </dgm:extLst>
 </dgm:dataModel>
@@ -2244,8 +2317,8 @@
       </dsp:nvSpPr>
       <dsp:spPr>
         <a:xfrm>
-          <a:off x="1025" y="1352599"/>
-          <a:ext cx="1358800" cy="1358800"/>
+          <a:off x="4638" y="2479981"/>
+          <a:ext cx="1288778" cy="1288778"/>
         </a:xfrm>
         <a:prstGeom prst="ellipse">
           <a:avLst/>
@@ -2303,12 +2376,12 @@
         </a:fontRef>
       </dsp:style>
       <dsp:txBody>
-        <a:bodyPr spcFirstLastPara="0" vert="horz" wrap="square" lIns="24130" tIns="24130" rIns="24130" bIns="24130" numCol="1" spcCol="1270" anchor="ctr" anchorCtr="0">
+        <a:bodyPr spcFirstLastPara="0" vert="horz" wrap="square" lIns="20320" tIns="20320" rIns="20320" bIns="20320" numCol="1" spcCol="1270" anchor="ctr" anchorCtr="0">
           <a:noAutofit/>
         </a:bodyPr>
         <a:lstStyle/>
         <a:p>
-          <a:pPr lvl="0" algn="ctr" defTabSz="844550">
+          <a:pPr lvl="0" algn="ctr" defTabSz="711200">
             <a:lnSpc>
               <a:spcPct val="90000"/>
             </a:lnSpc>
@@ -2320,15 +2393,15 @@
             </a:spcAft>
           </a:pPr>
           <a:r>
-            <a:rPr lang="en-US" sz="1900" kern="1200" dirty="0" smtClean="0"/>
-            <a:t>Sponsors</a:t>
+            <a:rPr lang="en-US" sz="1600" kern="1200" dirty="0" smtClean="0"/>
+            <a:t>Attendees</a:t>
           </a:r>
-          <a:endParaRPr lang="en-US" sz="1900" kern="1200" dirty="0"/>
+          <a:endParaRPr lang="en-US" sz="1600" kern="1200" dirty="0"/>
         </a:p>
       </dsp:txBody>
       <dsp:txXfrm>
-        <a:off x="200017" y="1551591"/>
-        <a:ext cx="960816" cy="960816"/>
+        <a:off x="193375" y="2668718"/>
+        <a:ext cx="911304" cy="911304"/>
       </dsp:txXfrm>
     </dsp:sp>
     <dsp:sp modelId="{D74A67A9-6093-594B-B43E-5FB6377EA6F1}">
@@ -2338,10 +2411,382 @@
       </dsp:nvSpPr>
       <dsp:spPr>
         <a:xfrm>
-          <a:off x="1470160" y="1637947"/>
-          <a:ext cx="788104" cy="788104"/>
+          <a:off x="1398065" y="2750625"/>
+          <a:ext cx="747491" cy="747491"/>
         </a:xfrm>
         <a:prstGeom prst="mathPlus">
+          <a:avLst/>
+        </a:prstGeom>
+        <a:gradFill rotWithShape="0">
+          <a:gsLst>
+            <a:gs pos="0">
+              <a:schemeClr val="accent1">
+                <a:tint val="60000"/>
+                <a:hueOff val="0"/>
+                <a:satOff val="0"/>
+                <a:lumOff val="0"/>
+                <a:alphaOff val="0"/>
+                <a:tint val="100000"/>
+                <a:shade val="100000"/>
+                <a:satMod val="130000"/>
+              </a:schemeClr>
+            </a:gs>
+            <a:gs pos="100000">
+              <a:schemeClr val="accent1">
+                <a:tint val="60000"/>
+                <a:hueOff val="0"/>
+                <a:satOff val="0"/>
+                <a:lumOff val="0"/>
+                <a:alphaOff val="0"/>
+                <a:tint val="50000"/>
+                <a:shade val="100000"/>
+                <a:satMod val="350000"/>
+              </a:schemeClr>
+            </a:gs>
+          </a:gsLst>
+          <a:lin ang="16200000" scaled="0"/>
+        </a:gradFill>
+        <a:ln>
+          <a:noFill/>
+        </a:ln>
+        <a:effectLst>
+          <a:outerShdw blurRad="40000" dist="23000" dir="5400000" rotWithShape="0">
+            <a:srgbClr val="000000">
+              <a:alpha val="35000"/>
+            </a:srgbClr>
+          </a:outerShdw>
+        </a:effectLst>
+      </dsp:spPr>
+      <dsp:style>
+        <a:lnRef idx="0">
+          <a:scrgbClr r="0" g="0" b="0"/>
+        </a:lnRef>
+        <a:fillRef idx="3">
+          <a:scrgbClr r="0" g="0" b="0"/>
+        </a:fillRef>
+        <a:effectRef idx="2">
+          <a:scrgbClr r="0" g="0" b="0"/>
+        </a:effectRef>
+        <a:fontRef idx="minor">
+          <a:schemeClr val="lt1"/>
+        </a:fontRef>
+      </dsp:style>
+      <dsp:txBody>
+        <a:bodyPr spcFirstLastPara="0" vert="horz" wrap="square" lIns="0" tIns="0" rIns="0" bIns="0" numCol="1" spcCol="1270" anchor="ctr" anchorCtr="0">
+          <a:noAutofit/>
+        </a:bodyPr>
+        <a:lstStyle/>
+        <a:p>
+          <a:pPr lvl="0" algn="ctr" defTabSz="533400">
+            <a:lnSpc>
+              <a:spcPct val="90000"/>
+            </a:lnSpc>
+            <a:spcBef>
+              <a:spcPct val="0"/>
+            </a:spcBef>
+            <a:spcAft>
+              <a:spcPct val="35000"/>
+            </a:spcAft>
+          </a:pPr>
+          <a:endParaRPr lang="en-US" sz="1200" kern="1200"/>
+        </a:p>
+      </dsp:txBody>
+      <dsp:txXfrm>
+        <a:off x="1497145" y="3036466"/>
+        <a:ext cx="549331" cy="175809"/>
+      </dsp:txXfrm>
+    </dsp:sp>
+    <dsp:sp modelId="{C19F02B0-8F81-C442-8B0D-FD6228BD12CF}">
+      <dsp:nvSpPr>
+        <dsp:cNvPr id="0" name=""/>
+        <dsp:cNvSpPr/>
+      </dsp:nvSpPr>
+      <dsp:spPr>
+        <a:xfrm>
+          <a:off x="2250206" y="2479981"/>
+          <a:ext cx="1288778" cy="1288778"/>
+        </a:xfrm>
+        <a:prstGeom prst="ellipse">
+          <a:avLst/>
+        </a:prstGeom>
+        <a:gradFill rotWithShape="0">
+          <a:gsLst>
+            <a:gs pos="0">
+              <a:schemeClr val="accent1">
+                <a:hueOff val="0"/>
+                <a:satOff val="0"/>
+                <a:lumOff val="0"/>
+                <a:alphaOff val="0"/>
+                <a:tint val="100000"/>
+                <a:shade val="100000"/>
+                <a:satMod val="130000"/>
+              </a:schemeClr>
+            </a:gs>
+            <a:gs pos="100000">
+              <a:schemeClr val="accent1">
+                <a:hueOff val="0"/>
+                <a:satOff val="0"/>
+                <a:lumOff val="0"/>
+                <a:alphaOff val="0"/>
+                <a:tint val="50000"/>
+                <a:shade val="100000"/>
+                <a:satMod val="350000"/>
+              </a:schemeClr>
+            </a:gs>
+          </a:gsLst>
+          <a:lin ang="16200000" scaled="0"/>
+        </a:gradFill>
+        <a:ln>
+          <a:noFill/>
+        </a:ln>
+        <a:effectLst>
+          <a:outerShdw blurRad="40000" dist="23000" dir="5400000" rotWithShape="0">
+            <a:srgbClr val="000000">
+              <a:alpha val="35000"/>
+            </a:srgbClr>
+          </a:outerShdw>
+        </a:effectLst>
+      </dsp:spPr>
+      <dsp:style>
+        <a:lnRef idx="0">
+          <a:scrgbClr r="0" g="0" b="0"/>
+        </a:lnRef>
+        <a:fillRef idx="3">
+          <a:scrgbClr r="0" g="0" b="0"/>
+        </a:fillRef>
+        <a:effectRef idx="2">
+          <a:scrgbClr r="0" g="0" b="0"/>
+        </a:effectRef>
+        <a:fontRef idx="minor">
+          <a:schemeClr val="lt1"/>
+        </a:fontRef>
+      </dsp:style>
+      <dsp:txBody>
+        <a:bodyPr spcFirstLastPara="0" vert="horz" wrap="square" lIns="20320" tIns="20320" rIns="20320" bIns="20320" numCol="1" spcCol="1270" anchor="ctr" anchorCtr="0">
+          <a:noAutofit/>
+        </a:bodyPr>
+        <a:lstStyle/>
+        <a:p>
+          <a:pPr lvl="0" algn="ctr" defTabSz="711200">
+            <a:lnSpc>
+              <a:spcPct val="90000"/>
+            </a:lnSpc>
+            <a:spcBef>
+              <a:spcPct val="0"/>
+            </a:spcBef>
+            <a:spcAft>
+              <a:spcPct val="35000"/>
+            </a:spcAft>
+          </a:pPr>
+          <a:r>
+            <a:rPr lang="en-US" sz="1600" kern="1200" dirty="0" smtClean="0"/>
+            <a:t>Sponsors</a:t>
+          </a:r>
+          <a:endParaRPr lang="en-US" sz="1600" kern="1200" dirty="0"/>
+        </a:p>
+      </dsp:txBody>
+      <dsp:txXfrm>
+        <a:off x="2438943" y="2668718"/>
+        <a:ext cx="911304" cy="911304"/>
+      </dsp:txXfrm>
+    </dsp:sp>
+    <dsp:sp modelId="{ED53C07A-FC50-5649-BA09-EF5F48C41B01}">
+      <dsp:nvSpPr>
+        <dsp:cNvPr id="0" name=""/>
+        <dsp:cNvSpPr/>
+      </dsp:nvSpPr>
+      <dsp:spPr>
+        <a:xfrm>
+          <a:off x="3643633" y="2750625"/>
+          <a:ext cx="747491" cy="747491"/>
+        </a:xfrm>
+        <a:prstGeom prst="mathPlus">
+          <a:avLst/>
+        </a:prstGeom>
+        <a:gradFill rotWithShape="0">
+          <a:gsLst>
+            <a:gs pos="0">
+              <a:schemeClr val="accent1">
+                <a:tint val="60000"/>
+                <a:hueOff val="0"/>
+                <a:satOff val="0"/>
+                <a:lumOff val="0"/>
+                <a:alphaOff val="0"/>
+                <a:tint val="100000"/>
+                <a:shade val="100000"/>
+                <a:satMod val="130000"/>
+              </a:schemeClr>
+            </a:gs>
+            <a:gs pos="100000">
+              <a:schemeClr val="accent1">
+                <a:tint val="60000"/>
+                <a:hueOff val="0"/>
+                <a:satOff val="0"/>
+                <a:lumOff val="0"/>
+                <a:alphaOff val="0"/>
+                <a:tint val="50000"/>
+                <a:shade val="100000"/>
+                <a:satMod val="350000"/>
+              </a:schemeClr>
+            </a:gs>
+          </a:gsLst>
+          <a:lin ang="16200000" scaled="0"/>
+        </a:gradFill>
+        <a:ln>
+          <a:noFill/>
+        </a:ln>
+        <a:effectLst>
+          <a:outerShdw blurRad="40000" dist="23000" dir="5400000" rotWithShape="0">
+            <a:srgbClr val="000000">
+              <a:alpha val="35000"/>
+            </a:srgbClr>
+          </a:outerShdw>
+        </a:effectLst>
+      </dsp:spPr>
+      <dsp:style>
+        <a:lnRef idx="0">
+          <a:scrgbClr r="0" g="0" b="0"/>
+        </a:lnRef>
+        <a:fillRef idx="3">
+          <a:scrgbClr r="0" g="0" b="0"/>
+        </a:fillRef>
+        <a:effectRef idx="2">
+          <a:scrgbClr r="0" g="0" b="0"/>
+        </a:effectRef>
+        <a:fontRef idx="minor">
+          <a:schemeClr val="lt1"/>
+        </a:fontRef>
+      </dsp:style>
+      <dsp:txBody>
+        <a:bodyPr spcFirstLastPara="0" vert="horz" wrap="square" lIns="0" tIns="0" rIns="0" bIns="0" numCol="1" spcCol="1270" anchor="ctr" anchorCtr="0">
+          <a:noAutofit/>
+        </a:bodyPr>
+        <a:lstStyle/>
+        <a:p>
+          <a:pPr lvl="0" algn="ctr" defTabSz="533400">
+            <a:lnSpc>
+              <a:spcPct val="90000"/>
+            </a:lnSpc>
+            <a:spcBef>
+              <a:spcPct val="0"/>
+            </a:spcBef>
+            <a:spcAft>
+              <a:spcPct val="35000"/>
+            </a:spcAft>
+          </a:pPr>
+          <a:endParaRPr lang="en-US" sz="1200" kern="1200"/>
+        </a:p>
+      </dsp:txBody>
+      <dsp:txXfrm>
+        <a:off x="3742713" y="3036466"/>
+        <a:ext cx="549331" cy="175809"/>
+      </dsp:txXfrm>
+    </dsp:sp>
+    <dsp:sp modelId="{9E5CFF5B-A34C-9544-ABA9-A91F4AB8C805}">
+      <dsp:nvSpPr>
+        <dsp:cNvPr id="0" name=""/>
+        <dsp:cNvSpPr/>
+      </dsp:nvSpPr>
+      <dsp:spPr>
+        <a:xfrm>
+          <a:off x="4495773" y="2479981"/>
+          <a:ext cx="1288778" cy="1288778"/>
+        </a:xfrm>
+        <a:prstGeom prst="ellipse">
+          <a:avLst/>
+        </a:prstGeom>
+        <a:gradFill rotWithShape="0">
+          <a:gsLst>
+            <a:gs pos="0">
+              <a:schemeClr val="accent1">
+                <a:hueOff val="0"/>
+                <a:satOff val="0"/>
+                <a:lumOff val="0"/>
+                <a:alphaOff val="0"/>
+                <a:tint val="100000"/>
+                <a:shade val="100000"/>
+                <a:satMod val="130000"/>
+              </a:schemeClr>
+            </a:gs>
+            <a:gs pos="100000">
+              <a:schemeClr val="accent1">
+                <a:hueOff val="0"/>
+                <a:satOff val="0"/>
+                <a:lumOff val="0"/>
+                <a:alphaOff val="0"/>
+                <a:tint val="50000"/>
+                <a:shade val="100000"/>
+                <a:satMod val="350000"/>
+              </a:schemeClr>
+            </a:gs>
+          </a:gsLst>
+          <a:lin ang="16200000" scaled="0"/>
+        </a:gradFill>
+        <a:ln>
+          <a:noFill/>
+        </a:ln>
+        <a:effectLst>
+          <a:outerShdw blurRad="40000" dist="23000" dir="5400000" rotWithShape="0">
+            <a:srgbClr val="000000">
+              <a:alpha val="35000"/>
+            </a:srgbClr>
+          </a:outerShdw>
+        </a:effectLst>
+      </dsp:spPr>
+      <dsp:style>
+        <a:lnRef idx="0">
+          <a:scrgbClr r="0" g="0" b="0"/>
+        </a:lnRef>
+        <a:fillRef idx="3">
+          <a:scrgbClr r="0" g="0" b="0"/>
+        </a:fillRef>
+        <a:effectRef idx="2">
+          <a:scrgbClr r="0" g="0" b="0"/>
+        </a:effectRef>
+        <a:fontRef idx="minor">
+          <a:schemeClr val="lt1"/>
+        </a:fontRef>
+      </dsp:style>
+      <dsp:txBody>
+        <a:bodyPr spcFirstLastPara="0" vert="horz" wrap="square" lIns="20320" tIns="20320" rIns="20320" bIns="20320" numCol="1" spcCol="1270" anchor="ctr" anchorCtr="0">
+          <a:noAutofit/>
+        </a:bodyPr>
+        <a:lstStyle/>
+        <a:p>
+          <a:pPr lvl="0" algn="ctr" defTabSz="711200">
+            <a:lnSpc>
+              <a:spcPct val="90000"/>
+            </a:lnSpc>
+            <a:spcBef>
+              <a:spcPct val="0"/>
+            </a:spcBef>
+            <a:spcAft>
+              <a:spcPct val="35000"/>
+            </a:spcAft>
+          </a:pPr>
+          <a:r>
+            <a:rPr lang="en-US" sz="1600" kern="1200" dirty="0" smtClean="0"/>
+            <a:t>DC Python</a:t>
+          </a:r>
+          <a:endParaRPr lang="en-US" sz="1600" kern="1200" dirty="0"/>
+        </a:p>
+      </dsp:txBody>
+      <dsp:txXfrm>
+        <a:off x="4684510" y="2668718"/>
+        <a:ext cx="911304" cy="911304"/>
+      </dsp:txXfrm>
+    </dsp:sp>
+    <dsp:sp modelId="{7731807F-631C-9145-A924-7BD8E4FAB9F4}">
+      <dsp:nvSpPr>
+        <dsp:cNvPr id="0" name=""/>
+        <dsp:cNvSpPr/>
+      </dsp:nvSpPr>
+      <dsp:spPr>
+        <a:xfrm>
+          <a:off x="5889200" y="2750625"/>
+          <a:ext cx="747491" cy="747491"/>
+        </a:xfrm>
+        <a:prstGeom prst="mathEqual">
           <a:avLst/>
         </a:prstGeom>
         <a:gradFill rotWithShape="0">
@@ -2419,19 +2864,19 @@
         </a:p>
       </dsp:txBody>
       <dsp:txXfrm>
-        <a:off x="1574623" y="1939318"/>
-        <a:ext cx="579178" cy="185362"/>
+        <a:off x="5988280" y="2904608"/>
+        <a:ext cx="549331" cy="439525"/>
       </dsp:txXfrm>
     </dsp:sp>
-    <dsp:sp modelId="{9E5CFF5B-A34C-9544-ABA9-A91F4AB8C805}">
+    <dsp:sp modelId="{43B2F147-A6C4-B744-8E79-3FA856FBF0E9}">
       <dsp:nvSpPr>
         <dsp:cNvPr id="0" name=""/>
         <dsp:cNvSpPr/>
       </dsp:nvSpPr>
       <dsp:spPr>
         <a:xfrm>
-          <a:off x="2368599" y="1352599"/>
-          <a:ext cx="1358800" cy="1358800"/>
+          <a:off x="6741340" y="2479981"/>
+          <a:ext cx="1288778" cy="1288778"/>
         </a:xfrm>
         <a:prstGeom prst="ellipse">
           <a:avLst/>
@@ -2489,12 +2934,12 @@
         </a:fontRef>
       </dsp:style>
       <dsp:txBody>
-        <a:bodyPr spcFirstLastPara="0" vert="horz" wrap="square" lIns="24130" tIns="24130" rIns="24130" bIns="24130" numCol="1" spcCol="1270" anchor="ctr" anchorCtr="0">
+        <a:bodyPr spcFirstLastPara="0" vert="horz" wrap="square" lIns="20320" tIns="20320" rIns="20320" bIns="20320" numCol="1" spcCol="1270" anchor="ctr" anchorCtr="0">
           <a:noAutofit/>
         </a:bodyPr>
         <a:lstStyle/>
         <a:p>
-          <a:pPr lvl="0" algn="ctr" defTabSz="844550">
+          <a:pPr lvl="0" algn="ctr" defTabSz="711200">
             <a:lnSpc>
               <a:spcPct val="90000"/>
             </a:lnSpc>
@@ -2506,205 +2951,19 @@
             </a:spcAft>
           </a:pPr>
           <a:r>
-            <a:rPr lang="en-US" sz="1900" kern="1200" dirty="0" smtClean="0"/>
-            <a:t>DC Python</a:t>
+            <a:rPr lang="en-US" sz="1600" kern="1200" dirty="0" smtClean="0"/>
+            <a:t>DC Python </a:t>
           </a:r>
-          <a:endParaRPr lang="en-US" sz="1900" kern="1200" dirty="0"/>
+          <a:r>
+            <a:rPr lang="en-US" sz="1600" kern="1200" dirty="0" err="1" smtClean="0"/>
+            <a:t>Meetup</a:t>
+          </a:r>
+          <a:endParaRPr lang="en-US" sz="1600" kern="1200" dirty="0"/>
         </a:p>
       </dsp:txBody>
       <dsp:txXfrm>
-        <a:off x="2567591" y="1551591"/>
-        <a:ext cx="960816" cy="960816"/>
-      </dsp:txXfrm>
-    </dsp:sp>
-    <dsp:sp modelId="{7731807F-631C-9145-A924-7BD8E4FAB9F4}">
-      <dsp:nvSpPr>
-        <dsp:cNvPr id="0" name=""/>
-        <dsp:cNvSpPr/>
-      </dsp:nvSpPr>
-      <dsp:spPr>
-        <a:xfrm>
-          <a:off x="3837735" y="1637947"/>
-          <a:ext cx="788104" cy="788104"/>
-        </a:xfrm>
-        <a:prstGeom prst="mathEqual">
-          <a:avLst/>
-        </a:prstGeom>
-        <a:gradFill rotWithShape="0">
-          <a:gsLst>
-            <a:gs pos="0">
-              <a:schemeClr val="accent1">
-                <a:tint val="60000"/>
-                <a:hueOff val="0"/>
-                <a:satOff val="0"/>
-                <a:lumOff val="0"/>
-                <a:alphaOff val="0"/>
-                <a:tint val="100000"/>
-                <a:shade val="100000"/>
-                <a:satMod val="130000"/>
-              </a:schemeClr>
-            </a:gs>
-            <a:gs pos="100000">
-              <a:schemeClr val="accent1">
-                <a:tint val="60000"/>
-                <a:hueOff val="0"/>
-                <a:satOff val="0"/>
-                <a:lumOff val="0"/>
-                <a:alphaOff val="0"/>
-                <a:tint val="50000"/>
-                <a:shade val="100000"/>
-                <a:satMod val="350000"/>
-              </a:schemeClr>
-            </a:gs>
-          </a:gsLst>
-          <a:lin ang="16200000" scaled="0"/>
-        </a:gradFill>
-        <a:ln>
-          <a:noFill/>
-        </a:ln>
-        <a:effectLst>
-          <a:outerShdw blurRad="40000" dist="23000" dir="5400000" rotWithShape="0">
-            <a:srgbClr val="000000">
-              <a:alpha val="35000"/>
-            </a:srgbClr>
-          </a:outerShdw>
-        </a:effectLst>
-      </dsp:spPr>
-      <dsp:style>
-        <a:lnRef idx="0">
-          <a:scrgbClr r="0" g="0" b="0"/>
-        </a:lnRef>
-        <a:fillRef idx="3">
-          <a:scrgbClr r="0" g="0" b="0"/>
-        </a:fillRef>
-        <a:effectRef idx="2">
-          <a:scrgbClr r="0" g="0" b="0"/>
-        </a:effectRef>
-        <a:fontRef idx="minor">
-          <a:schemeClr val="lt1"/>
-        </a:fontRef>
-      </dsp:style>
-      <dsp:txBody>
-        <a:bodyPr spcFirstLastPara="0" vert="horz" wrap="square" lIns="0" tIns="0" rIns="0" bIns="0" numCol="1" spcCol="1270" anchor="ctr" anchorCtr="0">
-          <a:noAutofit/>
-        </a:bodyPr>
-        <a:lstStyle/>
-        <a:p>
-          <a:pPr lvl="0" algn="ctr" defTabSz="666750">
-            <a:lnSpc>
-              <a:spcPct val="90000"/>
-            </a:lnSpc>
-            <a:spcBef>
-              <a:spcPct val="0"/>
-            </a:spcBef>
-            <a:spcAft>
-              <a:spcPct val="35000"/>
-            </a:spcAft>
-          </a:pPr>
-          <a:endParaRPr lang="en-US" sz="1500" kern="1200"/>
-        </a:p>
-      </dsp:txBody>
-      <dsp:txXfrm>
-        <a:off x="3942198" y="1800296"/>
-        <a:ext cx="579178" cy="463406"/>
-      </dsp:txXfrm>
-    </dsp:sp>
-    <dsp:sp modelId="{43B2F147-A6C4-B744-8E79-3FA856FBF0E9}">
-      <dsp:nvSpPr>
-        <dsp:cNvPr id="0" name=""/>
-        <dsp:cNvSpPr/>
-      </dsp:nvSpPr>
-      <dsp:spPr>
-        <a:xfrm>
-          <a:off x="4736174" y="1352599"/>
-          <a:ext cx="1358800" cy="1358800"/>
-        </a:xfrm>
-        <a:prstGeom prst="ellipse">
-          <a:avLst/>
-        </a:prstGeom>
-        <a:gradFill rotWithShape="0">
-          <a:gsLst>
-            <a:gs pos="0">
-              <a:schemeClr val="accent1">
-                <a:hueOff val="0"/>
-                <a:satOff val="0"/>
-                <a:lumOff val="0"/>
-                <a:alphaOff val="0"/>
-                <a:tint val="100000"/>
-                <a:shade val="100000"/>
-                <a:satMod val="130000"/>
-              </a:schemeClr>
-            </a:gs>
-            <a:gs pos="100000">
-              <a:schemeClr val="accent1">
-                <a:hueOff val="0"/>
-                <a:satOff val="0"/>
-                <a:lumOff val="0"/>
-                <a:alphaOff val="0"/>
-                <a:tint val="50000"/>
-                <a:shade val="100000"/>
-                <a:satMod val="350000"/>
-              </a:schemeClr>
-            </a:gs>
-          </a:gsLst>
-          <a:lin ang="16200000" scaled="0"/>
-        </a:gradFill>
-        <a:ln>
-          <a:noFill/>
-        </a:ln>
-        <a:effectLst>
-          <a:outerShdw blurRad="40000" dist="23000" dir="5400000" rotWithShape="0">
-            <a:srgbClr val="000000">
-              <a:alpha val="35000"/>
-            </a:srgbClr>
-          </a:outerShdw>
-        </a:effectLst>
-      </dsp:spPr>
-      <dsp:style>
-        <a:lnRef idx="0">
-          <a:scrgbClr r="0" g="0" b="0"/>
-        </a:lnRef>
-        <a:fillRef idx="3">
-          <a:scrgbClr r="0" g="0" b="0"/>
-        </a:fillRef>
-        <a:effectRef idx="2">
-          <a:scrgbClr r="0" g="0" b="0"/>
-        </a:effectRef>
-        <a:fontRef idx="minor">
-          <a:schemeClr val="lt1"/>
-        </a:fontRef>
-      </dsp:style>
-      <dsp:txBody>
-        <a:bodyPr spcFirstLastPara="0" vert="horz" wrap="square" lIns="24130" tIns="24130" rIns="24130" bIns="24130" numCol="1" spcCol="1270" anchor="ctr" anchorCtr="0">
-          <a:noAutofit/>
-        </a:bodyPr>
-        <a:lstStyle/>
-        <a:p>
-          <a:pPr lvl="0" algn="ctr" defTabSz="844550">
-            <a:lnSpc>
-              <a:spcPct val="90000"/>
-            </a:lnSpc>
-            <a:spcBef>
-              <a:spcPct val="0"/>
-            </a:spcBef>
-            <a:spcAft>
-              <a:spcPct val="35000"/>
-            </a:spcAft>
-          </a:pPr>
-          <a:r>
-            <a:rPr lang="en-US" sz="1900" kern="1200" dirty="0" smtClean="0"/>
-            <a:t>DC Python </a:t>
-          </a:r>
-          <a:r>
-            <a:rPr lang="en-US" sz="1900" kern="1200" dirty="0" err="1" smtClean="0"/>
-            <a:t>Meetup</a:t>
-          </a:r>
-          <a:endParaRPr lang="en-US" sz="1900" kern="1200" dirty="0"/>
-        </a:p>
-      </dsp:txBody>
-      <dsp:txXfrm>
-        <a:off x="4935166" y="1551591"/>
-        <a:ext cx="960816" cy="960816"/>
+        <a:off x="6930077" y="2668718"/>
+        <a:ext cx="911304" cy="911304"/>
       </dsp:txXfrm>
     </dsp:sp>
   </dsp:spTree>
@@ -6005,7 +6264,7 @@
           <a:p>
             <a:fld id="{3DA2F995-0FF6-6E44-92B9-F44FA798D6C9}" type="datetime1">
               <a:rPr lang="en-US" smtClean="0"/>
-              <a:t>10/2/13</a:t>
+              <a:t>11/5/13</a:t>
             </a:fld>
             <a:endParaRPr lang="en-US"/>
           </a:p>
@@ -6171,7 +6430,7 @@
           <a:p>
             <a:fld id="{4F924AB4-F5D2-6247-A6D0-391E23B3E7F0}" type="datetime1">
               <a:rPr lang="en-US" smtClean="0"/>
-              <a:t>10/2/13</a:t>
+              <a:t>11/5/13</a:t>
             </a:fld>
             <a:endParaRPr lang="en-US"/>
           </a:p>
@@ -6484,7 +6743,43 @@
           <a:bodyPr/>
           <a:lstStyle/>
           <a:p>
-            <a:endParaRPr lang="en-US"/>
+            <a:pPr marL="171450" indent="-171450">
+              <a:buFont typeface="Arial"/>
+              <a:buChar char="•"/>
+            </a:pPr>
+            <a:r>
+              <a:rPr lang="en-US" dirty="0" smtClean="0"/>
+              <a:t>Welcome</a:t>
+            </a:r>
+            <a:r>
+              <a:rPr lang="en-US" baseline="0" dirty="0" smtClean="0"/>
+              <a:t> to the DC Python </a:t>
+            </a:r>
+            <a:r>
+              <a:rPr lang="en-US" baseline="0" dirty="0" err="1" smtClean="0"/>
+              <a:t>Meetup</a:t>
+            </a:r>
+            <a:endParaRPr lang="en-US" baseline="0" dirty="0" smtClean="0"/>
+          </a:p>
+          <a:p>
+            <a:pPr marL="171450" indent="-171450">
+              <a:buFont typeface="Arial"/>
+              <a:buChar char="•"/>
+            </a:pPr>
+            <a:r>
+              <a:rPr lang="en-US" baseline="0" dirty="0" smtClean="0"/>
+              <a:t>My name is Alex Clark</a:t>
+            </a:r>
+          </a:p>
+          <a:p>
+            <a:pPr marL="171450" indent="-171450">
+              <a:buFont typeface="Arial"/>
+              <a:buChar char="•"/>
+            </a:pPr>
+            <a:r>
+              <a:rPr lang="en-US" baseline="0" dirty="0" smtClean="0"/>
+              <a:t>I am a Python Web Developer</a:t>
+            </a:r>
           </a:p>
         </p:txBody>
       </p:sp>
@@ -6515,6 +6810,909 @@
     <p:extLst>
       <p:ext uri="{BB962C8B-B14F-4D97-AF65-F5344CB8AC3E}">
         <p14:creationId xmlns:p14="http://schemas.microsoft.com/office/powerpoint/2010/main" val="1307812592"/>
+      </p:ext>
+    </p:extLst>
+  </p:cSld>
+  <p:clrMapOvr>
+    <a:masterClrMapping/>
+  </p:clrMapOvr>
+</p:notes>
+</file>
+
+<file path=ppt/notesSlides/notesSlide10.xml><?xml version="1.0" encoding="utf-8"?>
+<p:notes xmlns:a="http://schemas.openxmlformats.org/drawingml/2006/main" xmlns:r="http://schemas.openxmlformats.org/officeDocument/2006/relationships" xmlns:p="http://schemas.openxmlformats.org/presentationml/2006/main">
+  <p:cSld>
+    <p:spTree>
+      <p:nvGrpSpPr>
+        <p:cNvPr id="1" name=""/>
+        <p:cNvGrpSpPr/>
+        <p:nvPr/>
+      </p:nvGrpSpPr>
+      <p:grpSpPr>
+        <a:xfrm>
+          <a:off x="0" y="0"/>
+          <a:ext cx="0" cy="0"/>
+          <a:chOff x="0" y="0"/>
+          <a:chExt cx="0" cy="0"/>
+        </a:xfrm>
+      </p:grpSpPr>
+      <p:sp>
+        <p:nvSpPr>
+          <p:cNvPr id="2" name="Slide Image Placeholder 1"/>
+          <p:cNvSpPr>
+            <a:spLocks noGrp="1" noRot="1" noChangeAspect="1"/>
+          </p:cNvSpPr>
+          <p:nvPr>
+            <p:ph type="sldImg"/>
+          </p:nvPr>
+        </p:nvSpPr>
+        <p:spPr/>
+      </p:sp>
+      <p:sp>
+        <p:nvSpPr>
+          <p:cNvPr id="3" name="Notes Placeholder 2"/>
+          <p:cNvSpPr>
+            <a:spLocks noGrp="1"/>
+          </p:cNvSpPr>
+          <p:nvPr>
+            <p:ph type="body" idx="1"/>
+          </p:nvPr>
+        </p:nvSpPr>
+        <p:spPr/>
+        <p:txBody>
+          <a:bodyPr/>
+          <a:lstStyle/>
+          <a:p>
+            <a:endParaRPr lang="en-US" dirty="0"/>
+          </a:p>
+        </p:txBody>
+      </p:sp>
+      <p:sp>
+        <p:nvSpPr>
+          <p:cNvPr id="4" name="Slide Number Placeholder 3"/>
+          <p:cNvSpPr>
+            <a:spLocks noGrp="1"/>
+          </p:cNvSpPr>
+          <p:nvPr>
+            <p:ph type="sldNum" sz="quarter" idx="10"/>
+          </p:nvPr>
+        </p:nvSpPr>
+        <p:spPr/>
+        <p:txBody>
+          <a:bodyPr/>
+          <a:lstStyle/>
+          <a:p>
+            <a:fld id="{C67D605A-642E-A34F-B894-6BF6E4E70EAB}" type="slidenum">
+              <a:rPr lang="en-US" smtClean="0"/>
+              <a:t>10</a:t>
+            </a:fld>
+            <a:endParaRPr lang="en-US"/>
+          </a:p>
+        </p:txBody>
+      </p:sp>
+    </p:spTree>
+    <p:extLst>
+      <p:ext uri="{BB962C8B-B14F-4D97-AF65-F5344CB8AC3E}">
+        <p14:creationId xmlns:p14="http://schemas.microsoft.com/office/powerpoint/2010/main" val="2981132363"/>
+      </p:ext>
+    </p:extLst>
+  </p:cSld>
+  <p:clrMapOvr>
+    <a:masterClrMapping/>
+  </p:clrMapOvr>
+</p:notes>
+</file>
+
+<file path=ppt/notesSlides/notesSlide11.xml><?xml version="1.0" encoding="utf-8"?>
+<p:notes xmlns:a="http://schemas.openxmlformats.org/drawingml/2006/main" xmlns:r="http://schemas.openxmlformats.org/officeDocument/2006/relationships" xmlns:p="http://schemas.openxmlformats.org/presentationml/2006/main">
+  <p:cSld>
+    <p:spTree>
+      <p:nvGrpSpPr>
+        <p:cNvPr id="1" name=""/>
+        <p:cNvGrpSpPr/>
+        <p:nvPr/>
+      </p:nvGrpSpPr>
+      <p:grpSpPr>
+        <a:xfrm>
+          <a:off x="0" y="0"/>
+          <a:ext cx="0" cy="0"/>
+          <a:chOff x="0" y="0"/>
+          <a:chExt cx="0" cy="0"/>
+        </a:xfrm>
+      </p:grpSpPr>
+      <p:sp>
+        <p:nvSpPr>
+          <p:cNvPr id="2" name="Slide Image Placeholder 1"/>
+          <p:cNvSpPr>
+            <a:spLocks noGrp="1" noRot="1" noChangeAspect="1"/>
+          </p:cNvSpPr>
+          <p:nvPr>
+            <p:ph type="sldImg"/>
+          </p:nvPr>
+        </p:nvSpPr>
+        <p:spPr/>
+      </p:sp>
+      <p:sp>
+        <p:nvSpPr>
+          <p:cNvPr id="3" name="Notes Placeholder 2"/>
+          <p:cNvSpPr>
+            <a:spLocks noGrp="1"/>
+          </p:cNvSpPr>
+          <p:nvPr>
+            <p:ph type="body" idx="1"/>
+          </p:nvPr>
+        </p:nvSpPr>
+        <p:spPr/>
+        <p:txBody>
+          <a:bodyPr/>
+          <a:lstStyle/>
+          <a:p>
+            <a:r>
+              <a:rPr lang="en-US" dirty="0" smtClean="0"/>
+              <a:t>Be social</a:t>
+            </a:r>
+            <a:endParaRPr lang="en-US" dirty="0"/>
+          </a:p>
+        </p:txBody>
+      </p:sp>
+      <p:sp>
+        <p:nvSpPr>
+          <p:cNvPr id="4" name="Slide Number Placeholder 3"/>
+          <p:cNvSpPr>
+            <a:spLocks noGrp="1"/>
+          </p:cNvSpPr>
+          <p:nvPr>
+            <p:ph type="sldNum" sz="quarter" idx="10"/>
+          </p:nvPr>
+        </p:nvSpPr>
+        <p:spPr/>
+        <p:txBody>
+          <a:bodyPr/>
+          <a:lstStyle/>
+          <a:p>
+            <a:fld id="{C67D605A-642E-A34F-B894-6BF6E4E70EAB}" type="slidenum">
+              <a:rPr lang="en-US" smtClean="0"/>
+              <a:t>11</a:t>
+            </a:fld>
+            <a:endParaRPr lang="en-US"/>
+          </a:p>
+        </p:txBody>
+      </p:sp>
+    </p:spTree>
+    <p:extLst>
+      <p:ext uri="{BB962C8B-B14F-4D97-AF65-F5344CB8AC3E}">
+        <p14:creationId xmlns:p14="http://schemas.microsoft.com/office/powerpoint/2010/main" val="103638937"/>
+      </p:ext>
+    </p:extLst>
+  </p:cSld>
+  <p:clrMapOvr>
+    <a:masterClrMapping/>
+  </p:clrMapOvr>
+</p:notes>
+</file>
+
+<file path=ppt/notesSlides/notesSlide12.xml><?xml version="1.0" encoding="utf-8"?>
+<p:notes xmlns:a="http://schemas.openxmlformats.org/drawingml/2006/main" xmlns:r="http://schemas.openxmlformats.org/officeDocument/2006/relationships" xmlns:p="http://schemas.openxmlformats.org/presentationml/2006/main">
+  <p:cSld>
+    <p:spTree>
+      <p:nvGrpSpPr>
+        <p:cNvPr id="1" name=""/>
+        <p:cNvGrpSpPr/>
+        <p:nvPr/>
+      </p:nvGrpSpPr>
+      <p:grpSpPr>
+        <a:xfrm>
+          <a:off x="0" y="0"/>
+          <a:ext cx="0" cy="0"/>
+          <a:chOff x="0" y="0"/>
+          <a:chExt cx="0" cy="0"/>
+        </a:xfrm>
+      </p:grpSpPr>
+      <p:sp>
+        <p:nvSpPr>
+          <p:cNvPr id="2" name="Slide Image Placeholder 1"/>
+          <p:cNvSpPr>
+            <a:spLocks noGrp="1" noRot="1" noChangeAspect="1"/>
+          </p:cNvSpPr>
+          <p:nvPr>
+            <p:ph type="sldImg"/>
+          </p:nvPr>
+        </p:nvSpPr>
+        <p:spPr/>
+      </p:sp>
+      <p:sp>
+        <p:nvSpPr>
+          <p:cNvPr id="3" name="Notes Placeholder 2"/>
+          <p:cNvSpPr>
+            <a:spLocks noGrp="1"/>
+          </p:cNvSpPr>
+          <p:nvPr>
+            <p:ph type="body" idx="1"/>
+          </p:nvPr>
+        </p:nvSpPr>
+        <p:spPr/>
+        <p:txBody>
+          <a:bodyPr/>
+          <a:lstStyle/>
+          <a:p>
+            <a:endParaRPr lang="en-US" dirty="0"/>
+          </a:p>
+        </p:txBody>
+      </p:sp>
+      <p:sp>
+        <p:nvSpPr>
+          <p:cNvPr id="4" name="Slide Number Placeholder 3"/>
+          <p:cNvSpPr>
+            <a:spLocks noGrp="1"/>
+          </p:cNvSpPr>
+          <p:nvPr>
+            <p:ph type="sldNum" sz="quarter" idx="10"/>
+          </p:nvPr>
+        </p:nvSpPr>
+        <p:spPr/>
+        <p:txBody>
+          <a:bodyPr/>
+          <a:lstStyle/>
+          <a:p>
+            <a:fld id="{C67D605A-642E-A34F-B894-6BF6E4E70EAB}" type="slidenum">
+              <a:rPr lang="en-US" smtClean="0"/>
+              <a:t>12</a:t>
+            </a:fld>
+            <a:endParaRPr lang="en-US"/>
+          </a:p>
+        </p:txBody>
+      </p:sp>
+    </p:spTree>
+    <p:extLst>
+      <p:ext uri="{BB962C8B-B14F-4D97-AF65-F5344CB8AC3E}">
+        <p14:creationId xmlns:p14="http://schemas.microsoft.com/office/powerpoint/2010/main" val="2895212041"/>
+      </p:ext>
+    </p:extLst>
+  </p:cSld>
+  <p:clrMapOvr>
+    <a:masterClrMapping/>
+  </p:clrMapOvr>
+</p:notes>
+</file>
+
+<file path=ppt/notesSlides/notesSlide13.xml><?xml version="1.0" encoding="utf-8"?>
+<p:notes xmlns:a="http://schemas.openxmlformats.org/drawingml/2006/main" xmlns:r="http://schemas.openxmlformats.org/officeDocument/2006/relationships" xmlns:p="http://schemas.openxmlformats.org/presentationml/2006/main">
+  <p:cSld>
+    <p:spTree>
+      <p:nvGrpSpPr>
+        <p:cNvPr id="1" name=""/>
+        <p:cNvGrpSpPr/>
+        <p:nvPr/>
+      </p:nvGrpSpPr>
+      <p:grpSpPr>
+        <a:xfrm>
+          <a:off x="0" y="0"/>
+          <a:ext cx="0" cy="0"/>
+          <a:chOff x="0" y="0"/>
+          <a:chExt cx="0" cy="0"/>
+        </a:xfrm>
+      </p:grpSpPr>
+      <p:sp>
+        <p:nvSpPr>
+          <p:cNvPr id="2" name="Slide Image Placeholder 1"/>
+          <p:cNvSpPr>
+            <a:spLocks noGrp="1" noRot="1" noChangeAspect="1"/>
+          </p:cNvSpPr>
+          <p:nvPr>
+            <p:ph type="sldImg"/>
+          </p:nvPr>
+        </p:nvSpPr>
+        <p:spPr/>
+      </p:sp>
+      <p:sp>
+        <p:nvSpPr>
+          <p:cNvPr id="3" name="Notes Placeholder 2"/>
+          <p:cNvSpPr>
+            <a:spLocks noGrp="1"/>
+          </p:cNvSpPr>
+          <p:nvPr>
+            <p:ph type="body" idx="1"/>
+          </p:nvPr>
+        </p:nvSpPr>
+        <p:spPr/>
+        <p:txBody>
+          <a:bodyPr/>
+          <a:lstStyle/>
+          <a:p>
+            <a:endParaRPr lang="en-US" dirty="0"/>
+          </a:p>
+        </p:txBody>
+      </p:sp>
+      <p:sp>
+        <p:nvSpPr>
+          <p:cNvPr id="4" name="Slide Number Placeholder 3"/>
+          <p:cNvSpPr>
+            <a:spLocks noGrp="1"/>
+          </p:cNvSpPr>
+          <p:nvPr>
+            <p:ph type="sldNum" sz="quarter" idx="10"/>
+          </p:nvPr>
+        </p:nvSpPr>
+        <p:spPr/>
+        <p:txBody>
+          <a:bodyPr/>
+          <a:lstStyle/>
+          <a:p>
+            <a:fld id="{C67D605A-642E-A34F-B894-6BF6E4E70EAB}" type="slidenum">
+              <a:rPr lang="en-US" smtClean="0"/>
+              <a:t>13</a:t>
+            </a:fld>
+            <a:endParaRPr lang="en-US"/>
+          </a:p>
+        </p:txBody>
+      </p:sp>
+    </p:spTree>
+    <p:extLst>
+      <p:ext uri="{BB962C8B-B14F-4D97-AF65-F5344CB8AC3E}">
+        <p14:creationId xmlns:p14="http://schemas.microsoft.com/office/powerpoint/2010/main" val="1760586043"/>
+      </p:ext>
+    </p:extLst>
+  </p:cSld>
+  <p:clrMapOvr>
+    <a:masterClrMapping/>
+  </p:clrMapOvr>
+</p:notes>
+</file>
+
+<file path=ppt/notesSlides/notesSlide14.xml><?xml version="1.0" encoding="utf-8"?>
+<p:notes xmlns:a="http://schemas.openxmlformats.org/drawingml/2006/main" xmlns:r="http://schemas.openxmlformats.org/officeDocument/2006/relationships" xmlns:p="http://schemas.openxmlformats.org/presentationml/2006/main">
+  <p:cSld>
+    <p:spTree>
+      <p:nvGrpSpPr>
+        <p:cNvPr id="1" name=""/>
+        <p:cNvGrpSpPr/>
+        <p:nvPr/>
+      </p:nvGrpSpPr>
+      <p:grpSpPr>
+        <a:xfrm>
+          <a:off x="0" y="0"/>
+          <a:ext cx="0" cy="0"/>
+          <a:chOff x="0" y="0"/>
+          <a:chExt cx="0" cy="0"/>
+        </a:xfrm>
+      </p:grpSpPr>
+      <p:sp>
+        <p:nvSpPr>
+          <p:cNvPr id="2" name="Slide Image Placeholder 1"/>
+          <p:cNvSpPr>
+            <a:spLocks noGrp="1" noRot="1" noChangeAspect="1"/>
+          </p:cNvSpPr>
+          <p:nvPr>
+            <p:ph type="sldImg"/>
+          </p:nvPr>
+        </p:nvSpPr>
+        <p:spPr/>
+      </p:sp>
+      <p:sp>
+        <p:nvSpPr>
+          <p:cNvPr id="3" name="Notes Placeholder 2"/>
+          <p:cNvSpPr>
+            <a:spLocks noGrp="1"/>
+          </p:cNvSpPr>
+          <p:nvPr>
+            <p:ph type="body" idx="1"/>
+          </p:nvPr>
+        </p:nvSpPr>
+        <p:spPr/>
+        <p:txBody>
+          <a:bodyPr/>
+          <a:lstStyle/>
+          <a:p>
+            <a:endParaRPr lang="en-US" dirty="0"/>
+          </a:p>
+        </p:txBody>
+      </p:sp>
+      <p:sp>
+        <p:nvSpPr>
+          <p:cNvPr id="4" name="Slide Number Placeholder 3"/>
+          <p:cNvSpPr>
+            <a:spLocks noGrp="1"/>
+          </p:cNvSpPr>
+          <p:nvPr>
+            <p:ph type="sldNum" sz="quarter" idx="10"/>
+          </p:nvPr>
+        </p:nvSpPr>
+        <p:spPr/>
+        <p:txBody>
+          <a:bodyPr/>
+          <a:lstStyle/>
+          <a:p>
+            <a:fld id="{C67D605A-642E-A34F-B894-6BF6E4E70EAB}" type="slidenum">
+              <a:rPr lang="en-US" smtClean="0"/>
+              <a:t>14</a:t>
+            </a:fld>
+            <a:endParaRPr lang="en-US"/>
+          </a:p>
+        </p:txBody>
+      </p:sp>
+    </p:spTree>
+    <p:extLst>
+      <p:ext uri="{BB962C8B-B14F-4D97-AF65-F5344CB8AC3E}">
+        <p14:creationId xmlns:p14="http://schemas.microsoft.com/office/powerpoint/2010/main" val="2343545407"/>
+      </p:ext>
+    </p:extLst>
+  </p:cSld>
+  <p:clrMapOvr>
+    <a:masterClrMapping/>
+  </p:clrMapOvr>
+</p:notes>
+</file>
+
+<file path=ppt/notesSlides/notesSlide15.xml><?xml version="1.0" encoding="utf-8"?>
+<p:notes xmlns:a="http://schemas.openxmlformats.org/drawingml/2006/main" xmlns:r="http://schemas.openxmlformats.org/officeDocument/2006/relationships" xmlns:p="http://schemas.openxmlformats.org/presentationml/2006/main">
+  <p:cSld>
+    <p:spTree>
+      <p:nvGrpSpPr>
+        <p:cNvPr id="1" name=""/>
+        <p:cNvGrpSpPr/>
+        <p:nvPr/>
+      </p:nvGrpSpPr>
+      <p:grpSpPr>
+        <a:xfrm>
+          <a:off x="0" y="0"/>
+          <a:ext cx="0" cy="0"/>
+          <a:chOff x="0" y="0"/>
+          <a:chExt cx="0" cy="0"/>
+        </a:xfrm>
+      </p:grpSpPr>
+      <p:sp>
+        <p:nvSpPr>
+          <p:cNvPr id="2" name="Slide Image Placeholder 1"/>
+          <p:cNvSpPr>
+            <a:spLocks noGrp="1" noRot="1" noChangeAspect="1"/>
+          </p:cNvSpPr>
+          <p:nvPr>
+            <p:ph type="sldImg"/>
+          </p:nvPr>
+        </p:nvSpPr>
+        <p:spPr/>
+      </p:sp>
+      <p:sp>
+        <p:nvSpPr>
+          <p:cNvPr id="3" name="Notes Placeholder 2"/>
+          <p:cNvSpPr>
+            <a:spLocks noGrp="1"/>
+          </p:cNvSpPr>
+          <p:nvPr>
+            <p:ph type="body" idx="1"/>
+          </p:nvPr>
+        </p:nvSpPr>
+        <p:spPr/>
+        <p:txBody>
+          <a:bodyPr/>
+          <a:lstStyle/>
+          <a:p>
+            <a:endParaRPr lang="en-US" dirty="0"/>
+          </a:p>
+        </p:txBody>
+      </p:sp>
+      <p:sp>
+        <p:nvSpPr>
+          <p:cNvPr id="4" name="Slide Number Placeholder 3"/>
+          <p:cNvSpPr>
+            <a:spLocks noGrp="1"/>
+          </p:cNvSpPr>
+          <p:nvPr>
+            <p:ph type="sldNum" sz="quarter" idx="10"/>
+          </p:nvPr>
+        </p:nvSpPr>
+        <p:spPr/>
+        <p:txBody>
+          <a:bodyPr/>
+          <a:lstStyle/>
+          <a:p>
+            <a:fld id="{C67D605A-642E-A34F-B894-6BF6E4E70EAB}" type="slidenum">
+              <a:rPr lang="en-US" smtClean="0"/>
+              <a:t>15</a:t>
+            </a:fld>
+            <a:endParaRPr lang="en-US"/>
+          </a:p>
+        </p:txBody>
+      </p:sp>
+    </p:spTree>
+    <p:extLst>
+      <p:ext uri="{BB962C8B-B14F-4D97-AF65-F5344CB8AC3E}">
+        <p14:creationId xmlns:p14="http://schemas.microsoft.com/office/powerpoint/2010/main" val="1482864025"/>
+      </p:ext>
+    </p:extLst>
+  </p:cSld>
+  <p:clrMapOvr>
+    <a:masterClrMapping/>
+  </p:clrMapOvr>
+</p:notes>
+</file>
+
+<file path=ppt/notesSlides/notesSlide16.xml><?xml version="1.0" encoding="utf-8"?>
+<p:notes xmlns:a="http://schemas.openxmlformats.org/drawingml/2006/main" xmlns:r="http://schemas.openxmlformats.org/officeDocument/2006/relationships" xmlns:p="http://schemas.openxmlformats.org/presentationml/2006/main">
+  <p:cSld>
+    <p:spTree>
+      <p:nvGrpSpPr>
+        <p:cNvPr id="1" name=""/>
+        <p:cNvGrpSpPr/>
+        <p:nvPr/>
+      </p:nvGrpSpPr>
+      <p:grpSpPr>
+        <a:xfrm>
+          <a:off x="0" y="0"/>
+          <a:ext cx="0" cy="0"/>
+          <a:chOff x="0" y="0"/>
+          <a:chExt cx="0" cy="0"/>
+        </a:xfrm>
+      </p:grpSpPr>
+      <p:sp>
+        <p:nvSpPr>
+          <p:cNvPr id="2" name="Slide Image Placeholder 1"/>
+          <p:cNvSpPr>
+            <a:spLocks noGrp="1" noRot="1" noChangeAspect="1"/>
+          </p:cNvSpPr>
+          <p:nvPr>
+            <p:ph type="sldImg"/>
+          </p:nvPr>
+        </p:nvSpPr>
+        <p:spPr/>
+      </p:sp>
+      <p:sp>
+        <p:nvSpPr>
+          <p:cNvPr id="3" name="Notes Placeholder 2"/>
+          <p:cNvSpPr>
+            <a:spLocks noGrp="1"/>
+          </p:cNvSpPr>
+          <p:nvPr>
+            <p:ph type="body" idx="1"/>
+          </p:nvPr>
+        </p:nvSpPr>
+        <p:spPr/>
+        <p:txBody>
+          <a:bodyPr/>
+          <a:lstStyle/>
+          <a:p>
+            <a:r>
+              <a:rPr lang="en-US" dirty="0" smtClean="0"/>
+              <a:t>How do we do this? Through events</a:t>
+            </a:r>
+            <a:endParaRPr lang="en-US" dirty="0"/>
+          </a:p>
+        </p:txBody>
+      </p:sp>
+      <p:sp>
+        <p:nvSpPr>
+          <p:cNvPr id="4" name="Slide Number Placeholder 3"/>
+          <p:cNvSpPr>
+            <a:spLocks noGrp="1"/>
+          </p:cNvSpPr>
+          <p:nvPr>
+            <p:ph type="sldNum" sz="quarter" idx="10"/>
+          </p:nvPr>
+        </p:nvSpPr>
+        <p:spPr/>
+        <p:txBody>
+          <a:bodyPr/>
+          <a:lstStyle/>
+          <a:p>
+            <a:fld id="{C67D605A-642E-A34F-B894-6BF6E4E70EAB}" type="slidenum">
+              <a:rPr lang="en-US" smtClean="0"/>
+              <a:t>16</a:t>
+            </a:fld>
+            <a:endParaRPr lang="en-US"/>
+          </a:p>
+        </p:txBody>
+      </p:sp>
+    </p:spTree>
+    <p:extLst>
+      <p:ext uri="{BB962C8B-B14F-4D97-AF65-F5344CB8AC3E}">
+        <p14:creationId xmlns:p14="http://schemas.microsoft.com/office/powerpoint/2010/main" val="3068854691"/>
+      </p:ext>
+    </p:extLst>
+  </p:cSld>
+  <p:clrMapOvr>
+    <a:masterClrMapping/>
+  </p:clrMapOvr>
+</p:notes>
+</file>
+
+<file path=ppt/notesSlides/notesSlide17.xml><?xml version="1.0" encoding="utf-8"?>
+<p:notes xmlns:a="http://schemas.openxmlformats.org/drawingml/2006/main" xmlns:r="http://schemas.openxmlformats.org/officeDocument/2006/relationships" xmlns:p="http://schemas.openxmlformats.org/presentationml/2006/main">
+  <p:cSld>
+    <p:spTree>
+      <p:nvGrpSpPr>
+        <p:cNvPr id="1" name=""/>
+        <p:cNvGrpSpPr/>
+        <p:nvPr/>
+      </p:nvGrpSpPr>
+      <p:grpSpPr>
+        <a:xfrm>
+          <a:off x="0" y="0"/>
+          <a:ext cx="0" cy="0"/>
+          <a:chOff x="0" y="0"/>
+          <a:chExt cx="0" cy="0"/>
+        </a:xfrm>
+      </p:grpSpPr>
+      <p:sp>
+        <p:nvSpPr>
+          <p:cNvPr id="2" name="Slide Image Placeholder 1"/>
+          <p:cNvSpPr>
+            <a:spLocks noGrp="1" noRot="1" noChangeAspect="1"/>
+          </p:cNvSpPr>
+          <p:nvPr>
+            <p:ph type="sldImg"/>
+          </p:nvPr>
+        </p:nvSpPr>
+        <p:spPr/>
+      </p:sp>
+      <p:sp>
+        <p:nvSpPr>
+          <p:cNvPr id="3" name="Notes Placeholder 2"/>
+          <p:cNvSpPr>
+            <a:spLocks noGrp="1"/>
+          </p:cNvSpPr>
+          <p:nvPr>
+            <p:ph type="body" idx="1"/>
+          </p:nvPr>
+        </p:nvSpPr>
+        <p:spPr/>
+        <p:txBody>
+          <a:bodyPr/>
+          <a:lstStyle/>
+          <a:p>
+            <a:pPr marL="171450" indent="-171450">
+              <a:buFont typeface="Arial"/>
+              <a:buChar char="•"/>
+            </a:pPr>
+            <a:r>
+              <a:rPr lang="en-US" dirty="0" err="1" smtClean="0"/>
+              <a:t>Meetups</a:t>
+            </a:r>
+            <a:endParaRPr lang="en-US" dirty="0" smtClean="0"/>
+          </a:p>
+          <a:p>
+            <a:pPr marL="171450" indent="-171450">
+              <a:buFont typeface="Arial"/>
+              <a:buChar char="•"/>
+            </a:pPr>
+            <a:r>
+              <a:rPr lang="en-US" dirty="0" smtClean="0"/>
+              <a:t>Office Hours</a:t>
+            </a:r>
+          </a:p>
+          <a:p>
+            <a:pPr marL="171450" indent="-171450">
+              <a:buFont typeface="Arial"/>
+              <a:buChar char="•"/>
+            </a:pPr>
+            <a:r>
+              <a:rPr lang="en-US" dirty="0" smtClean="0"/>
+              <a:t>Sprints</a:t>
+            </a:r>
+          </a:p>
+          <a:p>
+            <a:pPr marL="171450" indent="-171450">
+              <a:buFont typeface="Arial"/>
+              <a:buChar char="•"/>
+            </a:pPr>
+            <a:r>
+              <a:rPr lang="en-US" dirty="0" smtClean="0"/>
+              <a:t>Conferences</a:t>
+            </a:r>
+            <a:endParaRPr lang="en-US" dirty="0"/>
+          </a:p>
+        </p:txBody>
+      </p:sp>
+      <p:sp>
+        <p:nvSpPr>
+          <p:cNvPr id="4" name="Slide Number Placeholder 3"/>
+          <p:cNvSpPr>
+            <a:spLocks noGrp="1"/>
+          </p:cNvSpPr>
+          <p:nvPr>
+            <p:ph type="sldNum" sz="quarter" idx="10"/>
+          </p:nvPr>
+        </p:nvSpPr>
+        <p:spPr/>
+        <p:txBody>
+          <a:bodyPr/>
+          <a:lstStyle/>
+          <a:p>
+            <a:fld id="{C67D605A-642E-A34F-B894-6BF6E4E70EAB}" type="slidenum">
+              <a:rPr lang="en-US" smtClean="0"/>
+              <a:t>17</a:t>
+            </a:fld>
+            <a:endParaRPr lang="en-US"/>
+          </a:p>
+        </p:txBody>
+      </p:sp>
+    </p:spTree>
+    <p:extLst>
+      <p:ext uri="{BB962C8B-B14F-4D97-AF65-F5344CB8AC3E}">
+        <p14:creationId xmlns:p14="http://schemas.microsoft.com/office/powerpoint/2010/main" val="2056647840"/>
+      </p:ext>
+    </p:extLst>
+  </p:cSld>
+  <p:clrMapOvr>
+    <a:masterClrMapping/>
+  </p:clrMapOvr>
+</p:notes>
+</file>
+
+<file path=ppt/notesSlides/notesSlide18.xml><?xml version="1.0" encoding="utf-8"?>
+<p:notes xmlns:a="http://schemas.openxmlformats.org/drawingml/2006/main" xmlns:r="http://schemas.openxmlformats.org/officeDocument/2006/relationships" xmlns:p="http://schemas.openxmlformats.org/presentationml/2006/main">
+  <p:cSld>
+    <p:spTree>
+      <p:nvGrpSpPr>
+        <p:cNvPr id="1" name=""/>
+        <p:cNvGrpSpPr/>
+        <p:nvPr/>
+      </p:nvGrpSpPr>
+      <p:grpSpPr>
+        <a:xfrm>
+          <a:off x="0" y="0"/>
+          <a:ext cx="0" cy="0"/>
+          <a:chOff x="0" y="0"/>
+          <a:chExt cx="0" cy="0"/>
+        </a:xfrm>
+      </p:grpSpPr>
+      <p:sp>
+        <p:nvSpPr>
+          <p:cNvPr id="2" name="Slide Image Placeholder 1"/>
+          <p:cNvSpPr>
+            <a:spLocks noGrp="1" noRot="1" noChangeAspect="1"/>
+          </p:cNvSpPr>
+          <p:nvPr>
+            <p:ph type="sldImg"/>
+          </p:nvPr>
+        </p:nvSpPr>
+        <p:spPr/>
+      </p:sp>
+      <p:sp>
+        <p:nvSpPr>
+          <p:cNvPr id="3" name="Notes Placeholder 2"/>
+          <p:cNvSpPr>
+            <a:spLocks noGrp="1"/>
+          </p:cNvSpPr>
+          <p:nvPr>
+            <p:ph type="body" idx="1"/>
+          </p:nvPr>
+        </p:nvSpPr>
+        <p:spPr/>
+        <p:txBody>
+          <a:bodyPr/>
+          <a:lstStyle/>
+          <a:p>
+            <a:r>
+              <a:rPr lang="en-US" dirty="0" smtClean="0"/>
+              <a:t>Gloria</a:t>
+            </a:r>
+            <a:r>
+              <a:rPr lang="en-US" baseline="0" dirty="0" smtClean="0"/>
+              <a:t> from NYC </a:t>
+            </a:r>
+            <a:r>
+              <a:rPr lang="en-US" baseline="0" dirty="0" err="1" smtClean="0"/>
+              <a:t>Meetup</a:t>
+            </a:r>
+            <a:r>
+              <a:rPr lang="en-US" baseline="0" dirty="0" smtClean="0"/>
+              <a:t> FTW!</a:t>
+            </a:r>
+            <a:endParaRPr lang="en-US" dirty="0"/>
+          </a:p>
+        </p:txBody>
+      </p:sp>
+      <p:sp>
+        <p:nvSpPr>
+          <p:cNvPr id="4" name="Slide Number Placeholder 3"/>
+          <p:cNvSpPr>
+            <a:spLocks noGrp="1"/>
+          </p:cNvSpPr>
+          <p:nvPr>
+            <p:ph type="sldNum" sz="quarter" idx="10"/>
+          </p:nvPr>
+        </p:nvSpPr>
+        <p:spPr/>
+        <p:txBody>
+          <a:bodyPr/>
+          <a:lstStyle/>
+          <a:p>
+            <a:fld id="{C67D605A-642E-A34F-B894-6BF6E4E70EAB}" type="slidenum">
+              <a:rPr lang="en-US" smtClean="0"/>
+              <a:t>21</a:t>
+            </a:fld>
+            <a:endParaRPr lang="en-US"/>
+          </a:p>
+        </p:txBody>
+      </p:sp>
+    </p:spTree>
+    <p:extLst>
+      <p:ext uri="{BB962C8B-B14F-4D97-AF65-F5344CB8AC3E}">
+        <p14:creationId xmlns:p14="http://schemas.microsoft.com/office/powerpoint/2010/main" val="859964874"/>
+      </p:ext>
+    </p:extLst>
+  </p:cSld>
+  <p:clrMapOvr>
+    <a:masterClrMapping/>
+  </p:clrMapOvr>
+</p:notes>
+</file>
+
+<file path=ppt/notesSlides/notesSlide19.xml><?xml version="1.0" encoding="utf-8"?>
+<p:notes xmlns:a="http://schemas.openxmlformats.org/drawingml/2006/main" xmlns:r="http://schemas.openxmlformats.org/officeDocument/2006/relationships" xmlns:p="http://schemas.openxmlformats.org/presentationml/2006/main">
+  <p:cSld>
+    <p:spTree>
+      <p:nvGrpSpPr>
+        <p:cNvPr id="1" name=""/>
+        <p:cNvGrpSpPr/>
+        <p:nvPr/>
+      </p:nvGrpSpPr>
+      <p:grpSpPr>
+        <a:xfrm>
+          <a:off x="0" y="0"/>
+          <a:ext cx="0" cy="0"/>
+          <a:chOff x="0" y="0"/>
+          <a:chExt cx="0" cy="0"/>
+        </a:xfrm>
+      </p:grpSpPr>
+      <p:sp>
+        <p:nvSpPr>
+          <p:cNvPr id="2" name="Slide Image Placeholder 1"/>
+          <p:cNvSpPr>
+            <a:spLocks noGrp="1" noRot="1" noChangeAspect="1"/>
+          </p:cNvSpPr>
+          <p:nvPr>
+            <p:ph type="sldImg"/>
+          </p:nvPr>
+        </p:nvSpPr>
+        <p:spPr/>
+      </p:sp>
+      <p:sp>
+        <p:nvSpPr>
+          <p:cNvPr id="3" name="Notes Placeholder 2"/>
+          <p:cNvSpPr>
+            <a:spLocks noGrp="1"/>
+          </p:cNvSpPr>
+          <p:nvPr>
+            <p:ph type="body" idx="1"/>
+          </p:nvPr>
+        </p:nvSpPr>
+        <p:spPr/>
+        <p:txBody>
+          <a:bodyPr/>
+          <a:lstStyle/>
+          <a:p>
+            <a:endParaRPr lang="en-US" dirty="0"/>
+          </a:p>
+        </p:txBody>
+      </p:sp>
+      <p:sp>
+        <p:nvSpPr>
+          <p:cNvPr id="4" name="Slide Number Placeholder 3"/>
+          <p:cNvSpPr>
+            <a:spLocks noGrp="1"/>
+          </p:cNvSpPr>
+          <p:nvPr>
+            <p:ph type="sldNum" sz="quarter" idx="10"/>
+          </p:nvPr>
+        </p:nvSpPr>
+        <p:spPr/>
+        <p:txBody>
+          <a:bodyPr/>
+          <a:lstStyle/>
+          <a:p>
+            <a:fld id="{C67D605A-642E-A34F-B894-6BF6E4E70EAB}" type="slidenum">
+              <a:rPr lang="en-US" smtClean="0"/>
+              <a:t>30</a:t>
+            </a:fld>
+            <a:endParaRPr lang="en-US"/>
+          </a:p>
+        </p:txBody>
+      </p:sp>
+    </p:spTree>
+    <p:extLst>
+      <p:ext uri="{BB962C8B-B14F-4D97-AF65-F5344CB8AC3E}">
+        <p14:creationId xmlns:p14="http://schemas.microsoft.com/office/powerpoint/2010/main" val="4124417320"/>
       </p:ext>
     </p:extLst>
   </p:cSld>
@@ -6568,11 +7766,70 @@
           <a:bodyPr/>
           <a:lstStyle/>
           <a:p>
+            <a:pPr marL="171450" indent="-171450">
+              <a:buFont typeface="Arial"/>
+              <a:buChar char="•"/>
+            </a:pPr>
             <a:r>
               <a:rPr lang="en-US" dirty="0" smtClean="0"/>
-              <a:t>This is our non-profit organization.</a:t>
-            </a:r>
-            <a:endParaRPr lang="en-US" dirty="0"/>
+              <a:t>This</a:t>
+            </a:r>
+            <a:r>
+              <a:rPr lang="en-US" baseline="0" dirty="0" smtClean="0"/>
+              <a:t> </a:t>
+            </a:r>
+            <a:r>
+              <a:rPr lang="en-US" baseline="0" dirty="0" err="1" smtClean="0"/>
+              <a:t>M</a:t>
+            </a:r>
+            <a:r>
+              <a:rPr lang="en-US" dirty="0" err="1" smtClean="0"/>
+              <a:t>eetup</a:t>
+            </a:r>
+            <a:r>
+              <a:rPr lang="en-US" dirty="0" smtClean="0"/>
+              <a:t> is a service of the DC Python non-profit</a:t>
+            </a:r>
+            <a:r>
+              <a:rPr lang="en-US" baseline="0" dirty="0" smtClean="0"/>
+              <a:t> organization</a:t>
+            </a:r>
+            <a:endParaRPr lang="en-US" dirty="0" smtClean="0"/>
+          </a:p>
+          <a:p>
+            <a:pPr marL="171450" marR="0" indent="-171450" algn="l" defTabSz="457200" rtl="0" eaLnBrk="1" fontAlgn="auto" latinLnBrk="0" hangingPunct="1">
+              <a:lnSpc>
+                <a:spcPct val="100000"/>
+              </a:lnSpc>
+              <a:spcBef>
+                <a:spcPts val="0"/>
+              </a:spcBef>
+              <a:spcAft>
+                <a:spcPts val="0"/>
+              </a:spcAft>
+              <a:buClrTx/>
+              <a:buSzTx/>
+              <a:buFont typeface="Arial"/>
+              <a:buChar char="•"/>
+              <a:tabLst/>
+              <a:defRPr/>
+            </a:pPr>
+            <a:r>
+              <a:rPr lang="en-US" dirty="0" smtClean="0"/>
+              <a:t>I started</a:t>
+            </a:r>
+            <a:r>
+              <a:rPr lang="en-US" baseline="0" dirty="0" smtClean="0"/>
+              <a:t> DC Python in 2008 to facilitate the hosting of </a:t>
+            </a:r>
+            <a:r>
+              <a:rPr lang="en-US" baseline="0" dirty="0" err="1" smtClean="0"/>
+              <a:t>Plone</a:t>
+            </a:r>
+            <a:r>
+              <a:rPr lang="en-US" baseline="0" dirty="0" smtClean="0"/>
+              <a:t> Conference 2008</a:t>
+            </a:r>
           </a:p>
         </p:txBody>
       </p:sp>
@@ -6656,7 +7913,44 @@
           <a:bodyPr/>
           <a:lstStyle/>
           <a:p>
-            <a:endParaRPr lang="en-US" dirty="0"/>
+            <a:pPr marL="171450" indent="-171450">
+              <a:buFont typeface="Arial"/>
+              <a:buChar char="•"/>
+            </a:pPr>
+            <a:r>
+              <a:rPr lang="en-US" baseline="0" dirty="0" smtClean="0"/>
+              <a:t>Our legal name is ZPUGDC, </a:t>
+            </a:r>
+            <a:r>
+              <a:rPr lang="en-US" baseline="0" dirty="0" err="1" smtClean="0"/>
+              <a:t>Inc</a:t>
+            </a:r>
+            <a:endParaRPr lang="en-US" baseline="0" dirty="0" smtClean="0"/>
+          </a:p>
+          <a:p>
+            <a:pPr marL="171450" indent="-171450">
+              <a:buFont typeface="Arial"/>
+              <a:buChar char="•"/>
+            </a:pPr>
+            <a:r>
+              <a:rPr lang="en-US" baseline="0" dirty="0" smtClean="0"/>
+              <a:t>ZPUGDC, </a:t>
+            </a:r>
+            <a:r>
+              <a:rPr lang="en-US" baseline="0" dirty="0" err="1" smtClean="0"/>
+              <a:t>Inc</a:t>
+            </a:r>
+            <a:r>
+              <a:rPr lang="en-US" baseline="0" dirty="0" smtClean="0"/>
+              <a:t> is a registered 501(c)(3) organization in the state of Maryland, USA</a:t>
+            </a:r>
+          </a:p>
+          <a:p>
+            <a:pPr marL="171450" indent="-171450">
+              <a:buFont typeface="Arial"/>
+              <a:buChar char="•"/>
+            </a:pPr>
+            <a:endParaRPr lang="en-US" baseline="0" dirty="0" smtClean="0"/>
           </a:p>
         </p:txBody>
       </p:sp>
@@ -6740,15 +8034,15 @@
           <a:bodyPr/>
           <a:lstStyle/>
           <a:p>
-            <a:r>
-              <a:rPr lang="en-US" dirty="0" smtClean="0"/>
-              <a:t>We have many generous</a:t>
-            </a:r>
+            <a:pPr marL="171450" indent="-171450">
+              <a:buFont typeface="Arial"/>
+              <a:buChar char="•"/>
+            </a:pPr>
             <a:r>
               <a:rPr lang="en-US" baseline="0" dirty="0" smtClean="0"/>
-              <a:t> sponsors.</a:t>
-            </a:r>
-            <a:endParaRPr lang="en-US" dirty="0"/>
+              <a:t>Our mission is to promote and support the use of Python software in DC</a:t>
+            </a:r>
+            <a:endParaRPr lang="en-US" baseline="0" dirty="0" smtClean="0"/>
           </a:p>
         </p:txBody>
       </p:sp>
@@ -6778,7 +8072,7 @@
     </p:spTree>
     <p:extLst>
       <p:ext uri="{BB962C8B-B14F-4D97-AF65-F5344CB8AC3E}">
-        <p14:creationId xmlns:p14="http://schemas.microsoft.com/office/powerpoint/2010/main" val="268176591"/>
+        <p14:creationId xmlns:p14="http://schemas.microsoft.com/office/powerpoint/2010/main" val="1307812592"/>
       </p:ext>
     </p:extLst>
   </p:cSld>
@@ -6832,9 +8126,181 @@
           <a:bodyPr/>
           <a:lstStyle/>
           <a:p>
+            <a:pPr marL="0" indent="0">
+              <a:buFont typeface="Arial"/>
+              <a:buNone/>
+            </a:pPr>
             <a:r>
               <a:rPr lang="en-US" dirty="0" smtClean="0"/>
-              <a:t>We appreciate you attending every month.</a:t>
+              <a:t>We are very fortunate</a:t>
+            </a:r>
+            <a:r>
+              <a:rPr lang="en-US" baseline="0" dirty="0" smtClean="0"/>
+              <a:t> to have sponsors </a:t>
+            </a:r>
+            <a:r>
+              <a:rPr lang="en-US" baseline="0" smtClean="0"/>
+              <a:t>help us with </a:t>
+            </a:r>
+            <a:r>
+              <a:rPr lang="en-US" baseline="0" dirty="0" smtClean="0"/>
+              <a:t>our mission</a:t>
+            </a:r>
+            <a:endParaRPr lang="en-US" dirty="0" smtClean="0"/>
+          </a:p>
+          <a:p>
+            <a:pPr marL="171450" indent="-171450">
+              <a:buFont typeface="Arial"/>
+              <a:buChar char="•"/>
+            </a:pPr>
+            <a:r>
+              <a:rPr lang="en-US" dirty="0" smtClean="0"/>
+              <a:t>Individual</a:t>
+            </a:r>
+            <a:r>
+              <a:rPr lang="en-US" baseline="0" dirty="0" smtClean="0"/>
+              <a:t> (</a:t>
+            </a:r>
+            <a:r>
+              <a:rPr lang="en-US" dirty="0" smtClean="0"/>
+              <a:t>e.g.</a:t>
+            </a:r>
+            <a:r>
+              <a:rPr lang="en-US" baseline="0" dirty="0" smtClean="0"/>
+              <a:t> Attendees)</a:t>
+            </a:r>
+            <a:endParaRPr lang="en-US" dirty="0" smtClean="0"/>
+          </a:p>
+          <a:p>
+            <a:pPr marL="171450" indent="-171450">
+              <a:buFont typeface="Arial"/>
+              <a:buChar char="•"/>
+            </a:pPr>
+            <a:r>
+              <a:rPr lang="en-US" dirty="0" smtClean="0"/>
+              <a:t>Corporate (e.g. “Python shops”)</a:t>
+            </a:r>
+          </a:p>
+          <a:p>
+            <a:pPr marL="171450" indent="-171450">
+              <a:buFont typeface="Arial"/>
+              <a:buChar char="•"/>
+            </a:pPr>
+            <a:r>
+              <a:rPr lang="en-US" dirty="0" smtClean="0"/>
+              <a:t>Venue (e.g. This location)</a:t>
+            </a:r>
+          </a:p>
+          <a:p>
+            <a:pPr marL="171450" indent="-171450">
+              <a:buFont typeface="Arial"/>
+              <a:buChar char="•"/>
+            </a:pPr>
+            <a:r>
+              <a:rPr lang="en-US" dirty="0" smtClean="0"/>
+              <a:t>Other</a:t>
+            </a:r>
+            <a:r>
+              <a:rPr lang="en-US" baseline="0" dirty="0" smtClean="0"/>
+              <a:t> (</a:t>
+            </a:r>
+            <a:r>
+              <a:rPr lang="en-US" dirty="0" smtClean="0"/>
+              <a:t>e.g. Computers)</a:t>
+            </a:r>
+          </a:p>
+          <a:p>
+            <a:pPr marL="0" indent="0">
+              <a:buFont typeface="Arial"/>
+              <a:buNone/>
+            </a:pPr>
+            <a:endParaRPr lang="en-US" dirty="0"/>
+          </a:p>
+        </p:txBody>
+      </p:sp>
+      <p:sp>
+        <p:nvSpPr>
+          <p:cNvPr id="4" name="Slide Number Placeholder 3"/>
+          <p:cNvSpPr>
+            <a:spLocks noGrp="1"/>
+          </p:cNvSpPr>
+          <p:nvPr>
+            <p:ph type="sldNum" sz="quarter" idx="10"/>
+          </p:nvPr>
+        </p:nvSpPr>
+        <p:spPr/>
+        <p:txBody>
+          <a:bodyPr/>
+          <a:lstStyle/>
+          <a:p>
+            <a:fld id="{C67D605A-642E-A34F-B894-6BF6E4E70EAB}" type="slidenum">
+              <a:rPr lang="en-US" smtClean="0"/>
+              <a:t>5</a:t>
+            </a:fld>
+            <a:endParaRPr lang="en-US"/>
+          </a:p>
+        </p:txBody>
+      </p:sp>
+    </p:spTree>
+    <p:extLst>
+      <p:ext uri="{BB962C8B-B14F-4D97-AF65-F5344CB8AC3E}">
+        <p14:creationId xmlns:p14="http://schemas.microsoft.com/office/powerpoint/2010/main" val="268176591"/>
+      </p:ext>
+    </p:extLst>
+  </p:cSld>
+  <p:clrMapOvr>
+    <a:masterClrMapping/>
+  </p:clrMapOvr>
+</p:notes>
+</file>
+
+<file path=ppt/notesSlides/notesSlide6.xml><?xml version="1.0" encoding="utf-8"?>
+<p:notes xmlns:a="http://schemas.openxmlformats.org/drawingml/2006/main" xmlns:r="http://schemas.openxmlformats.org/officeDocument/2006/relationships" xmlns:p="http://schemas.openxmlformats.org/presentationml/2006/main">
+  <p:cSld>
+    <p:spTree>
+      <p:nvGrpSpPr>
+        <p:cNvPr id="1" name=""/>
+        <p:cNvGrpSpPr/>
+        <p:nvPr/>
+      </p:nvGrpSpPr>
+      <p:grpSpPr>
+        <a:xfrm>
+          <a:off x="0" y="0"/>
+          <a:ext cx="0" cy="0"/>
+          <a:chOff x="0" y="0"/>
+          <a:chExt cx="0" cy="0"/>
+        </a:xfrm>
+      </p:grpSpPr>
+      <p:sp>
+        <p:nvSpPr>
+          <p:cNvPr id="2" name="Slide Image Placeholder 1"/>
+          <p:cNvSpPr>
+            <a:spLocks noGrp="1" noRot="1" noChangeAspect="1"/>
+          </p:cNvSpPr>
+          <p:nvPr>
+            <p:ph type="sldImg"/>
+          </p:nvPr>
+        </p:nvSpPr>
+        <p:spPr/>
+      </p:sp>
+      <p:sp>
+        <p:nvSpPr>
+          <p:cNvPr id="3" name="Notes Placeholder 2"/>
+          <p:cNvSpPr>
+            <a:spLocks noGrp="1"/>
+          </p:cNvSpPr>
+          <p:nvPr>
+            <p:ph type="body" idx="1"/>
+          </p:nvPr>
+        </p:nvSpPr>
+        <p:spPr/>
+        <p:txBody>
+          <a:bodyPr/>
+          <a:lstStyle/>
+          <a:p>
+            <a:r>
+              <a:rPr lang="en-US" dirty="0" smtClean="0"/>
+              <a:t>We appreciate our sponsors</a:t>
             </a:r>
             <a:endParaRPr lang="en-US" dirty="0"/>
           </a:p>
@@ -6866,7 +8332,301 @@
     </p:spTree>
     <p:extLst>
       <p:ext uri="{BB962C8B-B14F-4D97-AF65-F5344CB8AC3E}">
+        <p14:creationId xmlns:p14="http://schemas.microsoft.com/office/powerpoint/2010/main" val="452899087"/>
+      </p:ext>
+    </p:extLst>
+  </p:cSld>
+  <p:clrMapOvr>
+    <a:masterClrMapping/>
+  </p:clrMapOvr>
+</p:notes>
+</file>
+
+<file path=ppt/notesSlides/notesSlide7.xml><?xml version="1.0" encoding="utf-8"?>
+<p:notes xmlns:a="http://schemas.openxmlformats.org/drawingml/2006/main" xmlns:r="http://schemas.openxmlformats.org/officeDocument/2006/relationships" xmlns:p="http://schemas.openxmlformats.org/presentationml/2006/main">
+  <p:cSld>
+    <p:spTree>
+      <p:nvGrpSpPr>
+        <p:cNvPr id="1" name=""/>
+        <p:cNvGrpSpPr/>
+        <p:nvPr/>
+      </p:nvGrpSpPr>
+      <p:grpSpPr>
+        <a:xfrm>
+          <a:off x="0" y="0"/>
+          <a:ext cx="0" cy="0"/>
+          <a:chOff x="0" y="0"/>
+          <a:chExt cx="0" cy="0"/>
+        </a:xfrm>
+      </p:grpSpPr>
+      <p:sp>
+        <p:nvSpPr>
+          <p:cNvPr id="2" name="Slide Image Placeholder 1"/>
+          <p:cNvSpPr>
+            <a:spLocks noGrp="1" noRot="1" noChangeAspect="1"/>
+          </p:cNvSpPr>
+          <p:nvPr>
+            <p:ph type="sldImg"/>
+          </p:nvPr>
+        </p:nvSpPr>
+        <p:spPr/>
+      </p:sp>
+      <p:sp>
+        <p:nvSpPr>
+          <p:cNvPr id="3" name="Notes Placeholder 2"/>
+          <p:cNvSpPr>
+            <a:spLocks noGrp="1"/>
+          </p:cNvSpPr>
+          <p:nvPr>
+            <p:ph type="body" idx="1"/>
+          </p:nvPr>
+        </p:nvSpPr>
+        <p:spPr/>
+        <p:txBody>
+          <a:bodyPr/>
+          <a:lstStyle/>
+          <a:p>
+            <a:pPr marL="171450" indent="-171450">
+              <a:buFont typeface="Arial"/>
+              <a:buChar char="•"/>
+            </a:pPr>
+            <a:r>
+              <a:rPr lang="en-US" dirty="0" smtClean="0"/>
+              <a:t>Programmers</a:t>
+            </a:r>
+          </a:p>
+          <a:p>
+            <a:pPr marL="171450" indent="-171450">
+              <a:buFont typeface="Arial"/>
+              <a:buChar char="•"/>
+            </a:pPr>
+            <a:r>
+              <a:rPr lang="en-US" dirty="0" smtClean="0"/>
+              <a:t>Recruiters</a:t>
+            </a:r>
+          </a:p>
+          <a:p>
+            <a:pPr marL="171450" indent="-171450">
+              <a:buFont typeface="Arial"/>
+              <a:buChar char="•"/>
+            </a:pPr>
+            <a:r>
+              <a:rPr lang="en-US" dirty="0" smtClean="0"/>
+              <a:t>Bosses</a:t>
+            </a:r>
+          </a:p>
+          <a:p>
+            <a:pPr marL="171450" indent="-171450">
+              <a:buFont typeface="Arial"/>
+              <a:buChar char="•"/>
+            </a:pPr>
+            <a:r>
+              <a:rPr lang="en-US" dirty="0" err="1" smtClean="0"/>
+              <a:t>Misc</a:t>
+            </a:r>
+            <a:endParaRPr lang="en-US" dirty="0" smtClean="0"/>
+          </a:p>
+        </p:txBody>
+      </p:sp>
+      <p:sp>
+        <p:nvSpPr>
+          <p:cNvPr id="4" name="Slide Number Placeholder 3"/>
+          <p:cNvSpPr>
+            <a:spLocks noGrp="1"/>
+          </p:cNvSpPr>
+          <p:nvPr>
+            <p:ph type="sldNum" sz="quarter" idx="10"/>
+          </p:nvPr>
+        </p:nvSpPr>
+        <p:spPr/>
+        <p:txBody>
+          <a:bodyPr/>
+          <a:lstStyle/>
+          <a:p>
+            <a:fld id="{C67D605A-642E-A34F-B894-6BF6E4E70EAB}" type="slidenum">
+              <a:rPr lang="en-US" smtClean="0"/>
+              <a:t>7</a:t>
+            </a:fld>
+            <a:endParaRPr lang="en-US"/>
+          </a:p>
+        </p:txBody>
+      </p:sp>
+    </p:spTree>
+    <p:extLst>
+      <p:ext uri="{BB962C8B-B14F-4D97-AF65-F5344CB8AC3E}">
         <p14:creationId xmlns:p14="http://schemas.microsoft.com/office/powerpoint/2010/main" val="3983222427"/>
+      </p:ext>
+    </p:extLst>
+  </p:cSld>
+  <p:clrMapOvr>
+    <a:masterClrMapping/>
+  </p:clrMapOvr>
+</p:notes>
+</file>
+
+<file path=ppt/notesSlides/notesSlide8.xml><?xml version="1.0" encoding="utf-8"?>
+<p:notes xmlns:a="http://schemas.openxmlformats.org/drawingml/2006/main" xmlns:r="http://schemas.openxmlformats.org/officeDocument/2006/relationships" xmlns:p="http://schemas.openxmlformats.org/presentationml/2006/main">
+  <p:cSld>
+    <p:spTree>
+      <p:nvGrpSpPr>
+        <p:cNvPr id="1" name=""/>
+        <p:cNvGrpSpPr/>
+        <p:nvPr/>
+      </p:nvGrpSpPr>
+      <p:grpSpPr>
+        <a:xfrm>
+          <a:off x="0" y="0"/>
+          <a:ext cx="0" cy="0"/>
+          <a:chOff x="0" y="0"/>
+          <a:chExt cx="0" cy="0"/>
+        </a:xfrm>
+      </p:grpSpPr>
+      <p:sp>
+        <p:nvSpPr>
+          <p:cNvPr id="2" name="Slide Image Placeholder 1"/>
+          <p:cNvSpPr>
+            <a:spLocks noGrp="1" noRot="1" noChangeAspect="1"/>
+          </p:cNvSpPr>
+          <p:nvPr>
+            <p:ph type="sldImg"/>
+          </p:nvPr>
+        </p:nvSpPr>
+        <p:spPr/>
+      </p:sp>
+      <p:sp>
+        <p:nvSpPr>
+          <p:cNvPr id="3" name="Notes Placeholder 2"/>
+          <p:cNvSpPr>
+            <a:spLocks noGrp="1"/>
+          </p:cNvSpPr>
+          <p:nvPr>
+            <p:ph type="body" idx="1"/>
+          </p:nvPr>
+        </p:nvSpPr>
+        <p:spPr/>
+        <p:txBody>
+          <a:bodyPr/>
+          <a:lstStyle/>
+          <a:p>
+            <a:r>
+              <a:rPr lang="en-US" dirty="0" smtClean="0"/>
+              <a:t>We appreciate our attendees</a:t>
+            </a:r>
+            <a:endParaRPr lang="en-US" dirty="0"/>
+          </a:p>
+        </p:txBody>
+      </p:sp>
+      <p:sp>
+        <p:nvSpPr>
+          <p:cNvPr id="4" name="Slide Number Placeholder 3"/>
+          <p:cNvSpPr>
+            <a:spLocks noGrp="1"/>
+          </p:cNvSpPr>
+          <p:nvPr>
+            <p:ph type="sldNum" sz="quarter" idx="10"/>
+          </p:nvPr>
+        </p:nvSpPr>
+        <p:spPr/>
+        <p:txBody>
+          <a:bodyPr/>
+          <a:lstStyle/>
+          <a:p>
+            <a:fld id="{C67D605A-642E-A34F-B894-6BF6E4E70EAB}" type="slidenum">
+              <a:rPr lang="en-US" smtClean="0"/>
+              <a:t>8</a:t>
+            </a:fld>
+            <a:endParaRPr lang="en-US"/>
+          </a:p>
+        </p:txBody>
+      </p:sp>
+    </p:spTree>
+    <p:extLst>
+      <p:ext uri="{BB962C8B-B14F-4D97-AF65-F5344CB8AC3E}">
+        <p14:creationId xmlns:p14="http://schemas.microsoft.com/office/powerpoint/2010/main" val="2331452028"/>
+      </p:ext>
+    </p:extLst>
+  </p:cSld>
+  <p:clrMapOvr>
+    <a:masterClrMapping/>
+  </p:clrMapOvr>
+</p:notes>
+</file>
+
+<file path=ppt/notesSlides/notesSlide9.xml><?xml version="1.0" encoding="utf-8"?>
+<p:notes xmlns:a="http://schemas.openxmlformats.org/drawingml/2006/main" xmlns:r="http://schemas.openxmlformats.org/officeDocument/2006/relationships" xmlns:p="http://schemas.openxmlformats.org/presentationml/2006/main">
+  <p:cSld>
+    <p:spTree>
+      <p:nvGrpSpPr>
+        <p:cNvPr id="1" name=""/>
+        <p:cNvGrpSpPr/>
+        <p:nvPr/>
+      </p:nvGrpSpPr>
+      <p:grpSpPr>
+        <a:xfrm>
+          <a:off x="0" y="0"/>
+          <a:ext cx="0" cy="0"/>
+          <a:chOff x="0" y="0"/>
+          <a:chExt cx="0" cy="0"/>
+        </a:xfrm>
+      </p:grpSpPr>
+      <p:sp>
+        <p:nvSpPr>
+          <p:cNvPr id="2" name="Slide Image Placeholder 1"/>
+          <p:cNvSpPr>
+            <a:spLocks noGrp="1" noRot="1" noChangeAspect="1"/>
+          </p:cNvSpPr>
+          <p:nvPr>
+            <p:ph type="sldImg"/>
+          </p:nvPr>
+        </p:nvSpPr>
+        <p:spPr/>
+      </p:sp>
+      <p:sp>
+        <p:nvSpPr>
+          <p:cNvPr id="3" name="Notes Placeholder 2"/>
+          <p:cNvSpPr>
+            <a:spLocks noGrp="1"/>
+          </p:cNvSpPr>
+          <p:nvPr>
+            <p:ph type="body" idx="1"/>
+          </p:nvPr>
+        </p:nvSpPr>
+        <p:spPr/>
+        <p:txBody>
+          <a:bodyPr/>
+          <a:lstStyle/>
+          <a:p>
+            <a:endParaRPr lang="en-US" dirty="0"/>
+          </a:p>
+        </p:txBody>
+      </p:sp>
+      <p:sp>
+        <p:nvSpPr>
+          <p:cNvPr id="4" name="Slide Number Placeholder 3"/>
+          <p:cNvSpPr>
+            <a:spLocks noGrp="1"/>
+          </p:cNvSpPr>
+          <p:nvPr>
+            <p:ph type="sldNum" sz="quarter" idx="10"/>
+          </p:nvPr>
+        </p:nvSpPr>
+        <p:spPr/>
+        <p:txBody>
+          <a:bodyPr/>
+          <a:lstStyle/>
+          <a:p>
+            <a:fld id="{C67D605A-642E-A34F-B894-6BF6E4E70EAB}" type="slidenum">
+              <a:rPr lang="en-US" smtClean="0"/>
+              <a:t>9</a:t>
+            </a:fld>
+            <a:endParaRPr lang="en-US"/>
+          </a:p>
+        </p:txBody>
+      </p:sp>
+    </p:spTree>
+    <p:extLst>
+      <p:ext uri="{BB962C8B-B14F-4D97-AF65-F5344CB8AC3E}">
+        <p14:creationId xmlns:p14="http://schemas.microsoft.com/office/powerpoint/2010/main" val="3510031916"/>
       </p:ext>
     </p:extLst>
   </p:cSld>
@@ -7057,7 +8817,7 @@
           <a:p>
             <a:fld id="{D58B479C-A613-E540-A18A-4ED6368CC8D5}" type="datetime1">
               <a:rPr lang="en-US" smtClean="0"/>
-              <a:t>10/2/13</a:t>
+              <a:t>11/5/13</a:t>
             </a:fld>
             <a:endParaRPr lang="en-US"/>
           </a:p>
@@ -7227,7 +8987,7 @@
           <a:p>
             <a:fld id="{528CD4CF-2841-3F43-AB9C-AAFED58B40BF}" type="datetime1">
               <a:rPr lang="en-US" smtClean="0"/>
-              <a:t>10/2/13</a:t>
+              <a:t>11/5/13</a:t>
             </a:fld>
             <a:endParaRPr lang="en-US"/>
           </a:p>
@@ -7407,7 +9167,7 @@
           <a:p>
             <a:fld id="{084B7766-69EC-5640-B993-DF5D4B41D767}" type="datetime1">
               <a:rPr lang="en-US" smtClean="0"/>
-              <a:t>10/2/13</a:t>
+              <a:t>11/5/13</a:t>
             </a:fld>
             <a:endParaRPr lang="en-US"/>
           </a:p>
@@ -7577,7 +9337,7 @@
           <a:p>
             <a:fld id="{578EE160-6EFB-B945-A98C-09E9962FBCA7}" type="datetime1">
               <a:rPr lang="en-US" smtClean="0"/>
-              <a:t>10/2/13</a:t>
+              <a:t>11/5/13</a:t>
             </a:fld>
             <a:endParaRPr lang="en-US"/>
           </a:p>
@@ -7823,7 +9583,7 @@
           <a:p>
             <a:fld id="{9334A506-0F4D-E14C-8692-989A61B8DA7B}" type="datetime1">
               <a:rPr lang="en-US" smtClean="0"/>
-              <a:t>10/2/13</a:t>
+              <a:t>11/5/13</a:t>
             </a:fld>
             <a:endParaRPr lang="en-US"/>
           </a:p>
@@ -8111,7 +9871,7 @@
           <a:p>
             <a:fld id="{AB18862A-80CE-AD46-9128-E579FAFBB762}" type="datetime1">
               <a:rPr lang="en-US" smtClean="0"/>
-              <a:t>10/2/13</a:t>
+              <a:t>11/5/13</a:t>
             </a:fld>
             <a:endParaRPr lang="en-US"/>
           </a:p>
@@ -8533,7 +10293,7 @@
           <a:p>
             <a:fld id="{796A0FAF-2876-C346-AE02-A9ECACDBA40A}" type="datetime1">
               <a:rPr lang="en-US" smtClean="0"/>
-              <a:t>10/2/13</a:t>
+              <a:t>11/5/13</a:t>
             </a:fld>
             <a:endParaRPr lang="en-US"/>
           </a:p>
@@ -8651,7 +10411,7 @@
           <a:p>
             <a:fld id="{8400723B-7CD2-7646-8E86-692C7DAEB432}" type="datetime1">
               <a:rPr lang="en-US" smtClean="0"/>
-              <a:t>10/2/13</a:t>
+              <a:t>11/5/13</a:t>
             </a:fld>
             <a:endParaRPr lang="en-US"/>
           </a:p>
@@ -8746,7 +10506,7 @@
           <a:p>
             <a:fld id="{6DC01575-03D7-594F-9953-92812EC16204}" type="datetime1">
               <a:rPr lang="en-US" smtClean="0"/>
-              <a:t>10/2/13</a:t>
+              <a:t>11/5/13</a:t>
             </a:fld>
             <a:endParaRPr lang="en-US"/>
           </a:p>
@@ -9023,7 +10783,7 @@
           <a:p>
             <a:fld id="{7D2C1B22-0F08-4041-BC94-076A056871D0}" type="datetime1">
               <a:rPr lang="en-US" smtClean="0"/>
-              <a:t>10/2/13</a:t>
+              <a:t>11/5/13</a:t>
             </a:fld>
             <a:endParaRPr lang="en-US"/>
           </a:p>
@@ -9276,7 +11036,7 @@
           <a:p>
             <a:fld id="{8D7CA9A7-6D4E-924C-80EF-5A7A58EBC5CB}" type="datetime1">
               <a:rPr lang="en-US" smtClean="0"/>
-              <a:t>10/2/13</a:t>
+              <a:t>11/5/13</a:t>
             </a:fld>
             <a:endParaRPr lang="en-US"/>
           </a:p>
@@ -9489,7 +11249,7 @@
           <a:p>
             <a:fld id="{BF7B0B65-097E-1846-A364-0628A11BD9CA}" type="datetime1">
               <a:rPr lang="en-US" smtClean="0"/>
-              <a:t>10/2/13</a:t>
+              <a:t>11/5/13</a:t>
             </a:fld>
             <a:endParaRPr lang="en-US"/>
           </a:p>
@@ -10054,7 +11814,7 @@
                   <a:srgbClr val="7F7F7F"/>
                 </a:solidFill>
               </a:rPr>
-              <a:t>To get together ( o/ \o )</a:t>
+              <a:t>To get together</a:t>
             </a:r>
           </a:p>
         </p:txBody>
@@ -10062,7 +11822,7 @@
     </p:spTree>
     <p:extLst>
       <p:ext uri="{BB962C8B-B14F-4D97-AF65-F5344CB8AC3E}">
-        <p14:creationId xmlns:p14="http://schemas.microsoft.com/office/powerpoint/2010/main" val="3613043405"/>
+        <p14:creationId xmlns:p14="http://schemas.microsoft.com/office/powerpoint/2010/main" val="2982498852"/>
       </p:ext>
     </p:extLst>
   </p:cSld>
@@ -10148,49 +11908,7 @@
                   <a:srgbClr val="7F7F7F"/>
                 </a:solidFill>
               </a:rPr>
-              <a:t>To </a:t>
-            </a:r>
-            <a:r>
-              <a:rPr lang="en-US" dirty="0">
-                <a:solidFill>
-                  <a:srgbClr val="7F7F7F"/>
-                </a:solidFill>
-              </a:rPr>
-              <a:t>get together </a:t>
-            </a:r>
-            <a:r>
-              <a:rPr lang="en-US" dirty="0" smtClean="0">
-                <a:solidFill>
-                  <a:srgbClr val="7F7F7F"/>
-                </a:solidFill>
-              </a:rPr>
-              <a:t>( o</a:t>
-            </a:r>
-            <a:r>
-              <a:rPr lang="en-US" dirty="0">
-                <a:solidFill>
-                  <a:srgbClr val="7F7F7F"/>
-                </a:solidFill>
-              </a:rPr>
-              <a:t>/ \</a:t>
-            </a:r>
-            <a:r>
-              <a:rPr lang="en-US" dirty="0" smtClean="0">
-                <a:solidFill>
-                  <a:srgbClr val="7F7F7F"/>
-                </a:solidFill>
-              </a:rPr>
-              <a:t>o )</a:t>
-            </a:r>
-          </a:p>
-          <a:p>
-            <a:r>
-              <a:rPr lang="en-US" dirty="0" smtClean="0">
-                <a:solidFill>
-                  <a:srgbClr val="7F7F7F"/>
-                </a:solidFill>
-              </a:rPr>
-              <a:t>To learn Python</a:t>
+              <a:t>To get together ( o/ \o )</a:t>
             </a:r>
           </a:p>
         </p:txBody>
@@ -10198,7 +11916,7 @@
     </p:spTree>
     <p:extLst>
       <p:ext uri="{BB962C8B-B14F-4D97-AF65-F5344CB8AC3E}">
-        <p14:creationId xmlns:p14="http://schemas.microsoft.com/office/powerpoint/2010/main" val="2064902487"/>
+        <p14:creationId xmlns:p14="http://schemas.microsoft.com/office/powerpoint/2010/main" val="3613043405"/>
       </p:ext>
     </p:extLst>
   </p:cSld>
@@ -10326,7 +12044,7 @@
                   <a:srgbClr val="7F7F7F"/>
                 </a:solidFill>
               </a:rPr>
-              <a:t>To learn Python ( &gt;&gt;&gt; )</a:t>
+              <a:t>To learn Python</a:t>
             </a:r>
           </a:p>
         </p:txBody>
@@ -10334,7 +12052,7 @@
     </p:spTree>
     <p:extLst>
       <p:ext uri="{BB962C8B-B14F-4D97-AF65-F5344CB8AC3E}">
-        <p14:creationId xmlns:p14="http://schemas.microsoft.com/office/powerpoint/2010/main" val="1167858477"/>
+        <p14:creationId xmlns:p14="http://schemas.microsoft.com/office/powerpoint/2010/main" val="2064902487"/>
       </p:ext>
     </p:extLst>
   </p:cSld>
@@ -10420,27 +12138,49 @@
                   <a:srgbClr val="7F7F7F"/>
                 </a:solidFill>
               </a:rPr>
-              <a:t>To get together ( o/ \o )</a:t>
-            </a:r>
-          </a:p>
-          <a:p>
+              <a:t>To </a:t>
+            </a:r>
+            <a:r>
+              <a:rPr lang="en-US" dirty="0">
+                <a:solidFill>
+                  <a:srgbClr val="7F7F7F"/>
+                </a:solidFill>
+              </a:rPr>
+              <a:t>get together </a:t>
+            </a:r>
             <a:r>
               <a:rPr lang="en-US" dirty="0" smtClean="0">
                 <a:solidFill>
                   <a:srgbClr val="7F7F7F"/>
                 </a:solidFill>
               </a:rPr>
+              <a:t>( o</a:t>
+            </a:r>
+            <a:r>
+              <a:rPr lang="en-US" dirty="0">
+                <a:solidFill>
+                  <a:srgbClr val="7F7F7F"/>
+                </a:solidFill>
+              </a:rPr>
+              <a:t>/ \</a:t>
+            </a:r>
+            <a:r>
+              <a:rPr lang="en-US" dirty="0" smtClean="0">
+                <a:solidFill>
+                  <a:srgbClr val="7F7F7F"/>
+                </a:solidFill>
+              </a:rPr>
+              <a:t>o )</a:t>
+            </a:r>
+          </a:p>
+          <a:p>
+            <a:r>
+              <a:rPr lang="en-US" dirty="0" smtClean="0">
+                <a:solidFill>
+                  <a:srgbClr val="7F7F7F"/>
+                </a:solidFill>
+              </a:rPr>
               <a:t>To learn Python ( &gt;&gt;&gt; )</a:t>
-            </a:r>
-          </a:p>
-          <a:p>
-            <a:r>
-              <a:rPr lang="en-US" dirty="0" smtClean="0">
-                <a:solidFill>
-                  <a:srgbClr val="7F7F7F"/>
-                </a:solidFill>
-              </a:rPr>
-              <a:t>To have fun</a:t>
             </a:r>
           </a:p>
         </p:txBody>
@@ -10448,7 +12188,7 @@
     </p:spTree>
     <p:extLst>
       <p:ext uri="{BB962C8B-B14F-4D97-AF65-F5344CB8AC3E}">
-        <p14:creationId xmlns:p14="http://schemas.microsoft.com/office/powerpoint/2010/main" val="613670414"/>
+        <p14:creationId xmlns:p14="http://schemas.microsoft.com/office/powerpoint/2010/main" val="1167858477"/>
       </p:ext>
     </p:extLst>
   </p:cSld>
@@ -10554,28 +12294,15 @@
                   <a:srgbClr val="7F7F7F"/>
                 </a:solidFill>
               </a:rPr>
-              <a:t>To </a:t>
-            </a:r>
-            <a:r>
-              <a:rPr lang="en-US" smtClean="0">
-                <a:solidFill>
-                  <a:srgbClr val="7F7F7F"/>
-                </a:solidFill>
-              </a:rPr>
-              <a:t>have fun ( \o/ )</a:t>
-            </a:r>
-            <a:endParaRPr lang="en-US" dirty="0" smtClean="0">
-              <a:solidFill>
-                <a:srgbClr val="7F7F7F"/>
-              </a:solidFill>
-            </a:endParaRPr>
+              <a:t>To have fun</a:t>
+            </a:r>
           </a:p>
         </p:txBody>
       </p:sp>
     </p:spTree>
     <p:extLst>
       <p:ext uri="{BB962C8B-B14F-4D97-AF65-F5344CB8AC3E}">
-        <p14:creationId xmlns:p14="http://schemas.microsoft.com/office/powerpoint/2010/main" val="4034274315"/>
+        <p14:creationId xmlns:p14="http://schemas.microsoft.com/office/powerpoint/2010/main" val="613670414"/>
       </p:ext>
     </p:extLst>
   </p:cSld>
@@ -10681,27 +12408,28 @@
                   <a:srgbClr val="7F7F7F"/>
                 </a:solidFill>
               </a:rPr>
-              <a:t>To have fun ( \o/ )</a:t>
-            </a:r>
-            <a:endParaRPr lang="en-US" dirty="0">
+              <a:t>To </a:t>
+            </a:r>
+            <a:r>
+              <a:rPr lang="en-US" smtClean="0">
+                <a:solidFill>
+                  <a:srgbClr val="7F7F7F"/>
+                </a:solidFill>
+              </a:rPr>
+              <a:t>have fun ( \o/ )</a:t>
+            </a:r>
+            <a:endParaRPr lang="en-US" dirty="0" smtClean="0">
               <a:solidFill>
                 <a:srgbClr val="7F7F7F"/>
               </a:solidFill>
             </a:endParaRPr>
           </a:p>
-          <a:p>
-            <a:r>
-              <a:rPr lang="en-US" dirty="0" smtClean="0"/>
-              <a:t>How?</a:t>
-            </a:r>
-            <a:endParaRPr lang="en-US" dirty="0"/>
-          </a:p>
         </p:txBody>
       </p:sp>
     </p:spTree>
     <p:extLst>
       <p:ext uri="{BB962C8B-B14F-4D97-AF65-F5344CB8AC3E}">
-        <p14:creationId xmlns:p14="http://schemas.microsoft.com/office/powerpoint/2010/main" val="3320394110"/>
+        <p14:creationId xmlns:p14="http://schemas.microsoft.com/office/powerpoint/2010/main" val="4034274315"/>
       </p:ext>
     </p:extLst>
   </p:cSld>
@@ -10817,47 +12545,17 @@
           </a:p>
           <a:p>
             <a:r>
-              <a:rPr lang="en-US" dirty="0" smtClean="0">
-                <a:solidFill>
-                  <a:srgbClr val="000000"/>
-                </a:solidFill>
-              </a:rPr>
+              <a:rPr lang="en-US" dirty="0" smtClean="0"/>
               <a:t>How?</a:t>
             </a:r>
-            <a:endParaRPr lang="en-US" dirty="0">
-              <a:solidFill>
-                <a:srgbClr val="000000"/>
-              </a:solidFill>
-            </a:endParaRPr>
-          </a:p>
-        </p:txBody>
-      </p:sp>
-      <p:graphicFrame>
-        <p:nvGraphicFramePr>
-          <p:cNvPr id="7" name="Diagram 6"/>
-          <p:cNvGraphicFramePr/>
-          <p:nvPr>
-            <p:extLst>
-              <p:ext uri="{D42A27DB-BD31-4B8C-83A1-F6EECF244321}">
-                <p14:modId xmlns:p14="http://schemas.microsoft.com/office/powerpoint/2010/main" val="2255582973"/>
-              </p:ext>
-            </p:extLst>
-          </p:nvPr>
-        </p:nvGraphicFramePr>
-        <p:xfrm>
-          <a:off x="3027405" y="2821459"/>
-          <a:ext cx="5546811" cy="3655540"/>
-        </p:xfrm>
-        <a:graphic>
-          <a:graphicData uri="http://schemas.openxmlformats.org/drawingml/2006/diagram">
-            <dgm:relIds xmlns:dgm="http://schemas.openxmlformats.org/drawingml/2006/diagram" xmlns:r="http://schemas.openxmlformats.org/officeDocument/2006/relationships" r:dm="rId2" r:lo="rId3" r:qs="rId4" r:cs="rId5"/>
-          </a:graphicData>
-        </a:graphic>
-      </p:graphicFrame>
+            <a:endParaRPr lang="en-US" dirty="0"/>
+          </a:p>
+        </p:txBody>
+      </p:sp>
     </p:spTree>
     <p:extLst>
       <p:ext uri="{BB962C8B-B14F-4D97-AF65-F5344CB8AC3E}">
-        <p14:creationId xmlns:p14="http://schemas.microsoft.com/office/powerpoint/2010/main" val="3186731297"/>
+        <p14:creationId xmlns:p14="http://schemas.microsoft.com/office/powerpoint/2010/main" val="3320394110"/>
       </p:ext>
     </p:extLst>
   </p:cSld>
@@ -10916,7 +12614,7 @@
           <a:p>
             <a:r>
               <a:rPr lang="en-US" dirty="0" smtClean="0"/>
-              <a:t>When?</a:t>
+              <a:t>Why?</a:t>
             </a:r>
             <a:endParaRPr lang="en-US" dirty="0"/>
           </a:p>
@@ -10940,20 +12638,80 @@
             <a:r>
               <a:rPr lang="en-US" dirty="0" smtClean="0">
                 <a:solidFill>
-                  <a:schemeClr val="bg1">
-                    <a:lumMod val="50000"/>
-                  </a:schemeClr>
-                </a:solidFill>
-              </a:rPr>
-              <a:t>First Tuesday of the Month</a:t>
-            </a:r>
-          </a:p>
-        </p:txBody>
-      </p:sp>
+                  <a:srgbClr val="7F7F7F"/>
+                </a:solidFill>
+              </a:rPr>
+              <a:t>To get together ( o/ \o )</a:t>
+            </a:r>
+          </a:p>
+          <a:p>
+            <a:r>
+              <a:rPr lang="en-US" dirty="0" smtClean="0">
+                <a:solidFill>
+                  <a:srgbClr val="7F7F7F"/>
+                </a:solidFill>
+              </a:rPr>
+              <a:t>To learn Python ( &gt;&gt;&gt; )</a:t>
+            </a:r>
+          </a:p>
+          <a:p>
+            <a:r>
+              <a:rPr lang="en-US" dirty="0" smtClean="0">
+                <a:solidFill>
+                  <a:srgbClr val="7F7F7F"/>
+                </a:solidFill>
+              </a:rPr>
+              <a:t>To have fun ( \o/ )</a:t>
+            </a:r>
+            <a:endParaRPr lang="en-US" dirty="0">
+              <a:solidFill>
+                <a:srgbClr val="7F7F7F"/>
+              </a:solidFill>
+            </a:endParaRPr>
+          </a:p>
+          <a:p>
+            <a:r>
+              <a:rPr lang="en-US" dirty="0" smtClean="0">
+                <a:solidFill>
+                  <a:srgbClr val="000000"/>
+                </a:solidFill>
+              </a:rPr>
+              <a:t>How?</a:t>
+            </a:r>
+            <a:endParaRPr lang="en-US" dirty="0">
+              <a:solidFill>
+                <a:srgbClr val="000000"/>
+              </a:solidFill>
+            </a:endParaRPr>
+          </a:p>
+        </p:txBody>
+      </p:sp>
+      <p:graphicFrame>
+        <p:nvGraphicFramePr>
+          <p:cNvPr id="7" name="Diagram 6"/>
+          <p:cNvGraphicFramePr/>
+          <p:nvPr>
+            <p:extLst>
+              <p:ext uri="{D42A27DB-BD31-4B8C-83A1-F6EECF244321}">
+                <p14:modId xmlns:p14="http://schemas.microsoft.com/office/powerpoint/2010/main" val="2255582973"/>
+              </p:ext>
+            </p:extLst>
+          </p:nvPr>
+        </p:nvGraphicFramePr>
+        <p:xfrm>
+          <a:off x="3027405" y="2821459"/>
+          <a:ext cx="5546811" cy="3655540"/>
+        </p:xfrm>
+        <a:graphic>
+          <a:graphicData uri="http://schemas.openxmlformats.org/drawingml/2006/diagram">
+            <dgm:relIds xmlns:dgm="http://schemas.openxmlformats.org/drawingml/2006/diagram" xmlns:r="http://schemas.openxmlformats.org/officeDocument/2006/relationships" r:dm="rId3" r:lo="rId4" r:qs="rId5" r:cs="rId6"/>
+          </a:graphicData>
+        </a:graphic>
+      </p:graphicFrame>
     </p:spTree>
     <p:extLst>
       <p:ext uri="{BB962C8B-B14F-4D97-AF65-F5344CB8AC3E}">
-        <p14:creationId xmlns:p14="http://schemas.microsoft.com/office/powerpoint/2010/main" val="2783754650"/>
+        <p14:creationId xmlns:p14="http://schemas.microsoft.com/office/powerpoint/2010/main" val="3186731297"/>
       </p:ext>
     </p:extLst>
   </p:cSld>
@@ -11041,27 +12799,7 @@
                   </a:schemeClr>
                 </a:solidFill>
               </a:rPr>
-              <a:t>First Tuesday of the Month (</a:t>
-            </a:r>
-            <a:r>
-              <a:rPr lang="en-US" dirty="0" err="1" smtClean="0">
-                <a:solidFill>
-                  <a:schemeClr val="bg1">
-                    <a:lumMod val="50000"/>
-                  </a:schemeClr>
-                </a:solidFill>
-              </a:rPr>
-              <a:t>Meetup</a:t>
-            </a:r>
-            <a:r>
-              <a:rPr lang="en-US" dirty="0" smtClean="0">
-                <a:solidFill>
-                  <a:schemeClr val="bg1">
-                    <a:lumMod val="50000"/>
-                  </a:schemeClr>
-                </a:solidFill>
-              </a:rPr>
-              <a:t>)</a:t>
+              <a:t>First Tuesday of the Month</a:t>
             </a:r>
           </a:p>
         </p:txBody>
@@ -11069,7 +12807,7 @@
     </p:spTree>
     <p:extLst>
       <p:ext uri="{BB962C8B-B14F-4D97-AF65-F5344CB8AC3E}">
-        <p14:creationId xmlns:p14="http://schemas.microsoft.com/office/powerpoint/2010/main" val="3305364878"/>
+        <p14:creationId xmlns:p14="http://schemas.microsoft.com/office/powerpoint/2010/main" val="2783754650"/>
       </p:ext>
     </p:extLst>
   </p:cSld>
@@ -11180,24 +12918,12 @@
               <a:t>)</a:t>
             </a:r>
           </a:p>
-          <a:p>
-            <a:r>
-              <a:rPr lang="en-US" dirty="0" smtClean="0">
-                <a:solidFill>
-                  <a:schemeClr val="bg1">
-                    <a:lumMod val="50000"/>
-                  </a:schemeClr>
-                </a:solidFill>
-              </a:rPr>
-              <a:t>Fourth Tuesday of the Month</a:t>
-            </a:r>
-          </a:p>
         </p:txBody>
       </p:sp>
     </p:spTree>
     <p:extLst>
       <p:ext uri="{BB962C8B-B14F-4D97-AF65-F5344CB8AC3E}">
-        <p14:creationId xmlns:p14="http://schemas.microsoft.com/office/powerpoint/2010/main" val="604400284"/>
+        <p14:creationId xmlns:p14="http://schemas.microsoft.com/office/powerpoint/2010/main" val="3305364878"/>
       </p:ext>
     </p:extLst>
   </p:cSld>
@@ -11256,7 +12982,15 @@
           <a:p>
             <a:r>
               <a:rPr lang="en-US" dirty="0" smtClean="0"/>
-              <a:t>Brought to you by:</a:t>
+              <a:t>Brought </a:t>
+            </a:r>
+            <a:r>
+              <a:rPr lang="en-US" dirty="0" smtClean="0"/>
+              <a:t>to </a:t>
+            </a:r>
+            <a:r>
+              <a:rPr lang="en-US" dirty="0" smtClean="0"/>
+              <a:t>you by:</a:t>
             </a:r>
             <a:endParaRPr lang="en-US" dirty="0"/>
           </a:p>
@@ -11413,7 +13147,7 @@
                   </a:schemeClr>
                 </a:solidFill>
               </a:rPr>
-              <a:t>Fourth Tuesday of the Month (Office Hours)</a:t>
+              <a:t>Fourth Tuesday of the Month</a:t>
             </a:r>
           </a:p>
         </p:txBody>
@@ -11421,7 +13155,7 @@
     </p:spTree>
     <p:extLst>
       <p:ext uri="{BB962C8B-B14F-4D97-AF65-F5344CB8AC3E}">
-        <p14:creationId xmlns:p14="http://schemas.microsoft.com/office/powerpoint/2010/main" val="343482578"/>
+        <p14:creationId xmlns:p14="http://schemas.microsoft.com/office/powerpoint/2010/main" val="604400284"/>
       </p:ext>
     </p:extLst>
   </p:cSld>
@@ -11544,31 +13278,12 @@
               <a:t>Fourth Tuesday of the Month (Office Hours)</a:t>
             </a:r>
           </a:p>
-          <a:p>
-            <a:r>
-              <a:rPr lang="en-US" dirty="0" smtClean="0">
-                <a:solidFill>
-                  <a:schemeClr val="bg1">
-                    <a:lumMod val="50000"/>
-                  </a:schemeClr>
-                </a:solidFill>
-              </a:rPr>
-              <a:t>Summer 2014</a:t>
-            </a:r>
-            <a:endParaRPr lang="en-US" dirty="0">
-              <a:solidFill>
-                <a:schemeClr val="bg1">
-                  <a:lumMod val="50000"/>
-                </a:schemeClr>
-              </a:solidFill>
-            </a:endParaRPr>
-          </a:p>
         </p:txBody>
       </p:sp>
     </p:spTree>
     <p:extLst>
       <p:ext uri="{BB962C8B-B14F-4D97-AF65-F5344CB8AC3E}">
-        <p14:creationId xmlns:p14="http://schemas.microsoft.com/office/powerpoint/2010/main" val="319183449"/>
+        <p14:creationId xmlns:p14="http://schemas.microsoft.com/office/powerpoint/2010/main" val="343482578"/>
       </p:ext>
     </p:extLst>
   </p:cSld>
@@ -11700,27 +13415,7 @@
                   </a:schemeClr>
                 </a:solidFill>
               </a:rPr>
-              <a:t>Summer 2014 (</a:t>
-            </a:r>
-            <a:r>
-              <a:rPr lang="en-US" dirty="0" err="1" smtClean="0">
-                <a:solidFill>
-                  <a:schemeClr val="bg1">
-                    <a:lumMod val="50000"/>
-                  </a:schemeClr>
-                </a:solidFill>
-              </a:rPr>
-              <a:t>PyDC</a:t>
-            </a:r>
-            <a:r>
-              <a:rPr lang="en-US" dirty="0" smtClean="0">
-                <a:solidFill>
-                  <a:schemeClr val="bg1">
-                    <a:lumMod val="50000"/>
-                  </a:schemeClr>
-                </a:solidFill>
-              </a:rPr>
-              <a:t> 2014)</a:t>
+              <a:t>Summer 2014</a:t>
             </a:r>
             <a:endParaRPr lang="en-US" dirty="0">
               <a:solidFill>
@@ -11735,7 +13430,7 @@
     </p:spTree>
     <p:extLst>
       <p:ext uri="{BB962C8B-B14F-4D97-AF65-F5344CB8AC3E}">
-        <p14:creationId xmlns:p14="http://schemas.microsoft.com/office/powerpoint/2010/main" val="2145874966"/>
+        <p14:creationId xmlns:p14="http://schemas.microsoft.com/office/powerpoint/2010/main" val="319183449"/>
       </p:ext>
     </p:extLst>
   </p:cSld>
@@ -11889,20 +13584,20 @@
               </a:rPr>
               <a:t> 2014)</a:t>
             </a:r>
-          </a:p>
-          <a:p>
-            <a:r>
-              <a:rPr lang="en-US" dirty="0" smtClean="0"/>
-              <a:t>Where?</a:t>
-            </a:r>
-            <a:endParaRPr lang="en-US" dirty="0"/>
+            <a:endParaRPr lang="en-US" dirty="0">
+              <a:solidFill>
+                <a:schemeClr val="bg1">
+                  <a:lumMod val="50000"/>
+                </a:schemeClr>
+              </a:solidFill>
+            </a:endParaRPr>
           </a:p>
         </p:txBody>
       </p:sp>
     </p:spTree>
     <p:extLst>
       <p:ext uri="{BB962C8B-B14F-4D97-AF65-F5344CB8AC3E}">
-        <p14:creationId xmlns:p14="http://schemas.microsoft.com/office/powerpoint/2010/main" val="959773447"/>
+        <p14:creationId xmlns:p14="http://schemas.microsoft.com/office/powerpoint/2010/main" val="2145874966"/>
       </p:ext>
     </p:extLst>
   </p:cSld>
@@ -11977,15 +13672,9 @@
             <p:ph idx="1"/>
           </p:nvPr>
         </p:nvSpPr>
-        <p:spPr>
-          <a:prstGeom prst="rect">
-            <a:avLst/>
-          </a:prstGeom>
-        </p:spPr>
-        <p:txBody>
-          <a:bodyPr>
-            <a:normAutofit fontScale="92500" lnSpcReduction="20000"/>
-          </a:bodyPr>
+        <p:spPr/>
+        <p:txBody>
+          <a:bodyPr/>
           <a:lstStyle/>
           <a:p>
             <a:r>
@@ -12066,29 +13755,16 @@
           <a:p>
             <a:r>
               <a:rPr lang="en-US" dirty="0" smtClean="0"/>
-              <a:t>Where</a:t>
-            </a:r>
-            <a:r>
-              <a:rPr lang="en-US" dirty="0" smtClean="0"/>
-              <a:t>?</a:t>
-            </a:r>
-          </a:p>
-          <a:p>
-            <a:pPr marL="0" indent="0" algn="ctr">
-              <a:buNone/>
-            </a:pPr>
-            <a:r>
-              <a:rPr lang="en-US" sz="9600" dirty="0" smtClean="0"/>
-              <a:t>&lt;OUR LOCATION(S)&gt;</a:t>
-            </a:r>
-            <a:endParaRPr lang="en-US" sz="9600" dirty="0" smtClean="0"/>
+              <a:t>Where?</a:t>
+            </a:r>
+            <a:endParaRPr lang="en-US" dirty="0"/>
           </a:p>
         </p:txBody>
       </p:sp>
     </p:spTree>
     <p:extLst>
       <p:ext uri="{BB962C8B-B14F-4D97-AF65-F5344CB8AC3E}">
-        <p14:creationId xmlns:p14="http://schemas.microsoft.com/office/powerpoint/2010/main" val="1822998542"/>
+        <p14:creationId xmlns:p14="http://schemas.microsoft.com/office/powerpoint/2010/main" val="959773447"/>
       </p:ext>
     </p:extLst>
   </p:cSld>
@@ -12147,7 +13823,7 @@
           <a:p>
             <a:r>
               <a:rPr lang="en-US" dirty="0" smtClean="0"/>
-              <a:t>Who?	</a:t>
+              <a:t>When?</a:t>
             </a:r>
             <a:endParaRPr lang="en-US" dirty="0"/>
           </a:p>
@@ -12163,9 +13839,15 @@
             <p:ph idx="1"/>
           </p:nvPr>
         </p:nvSpPr>
-        <p:spPr/>
-        <p:txBody>
-          <a:bodyPr/>
+        <p:spPr>
+          <a:prstGeom prst="rect">
+            <a:avLst/>
+          </a:prstGeom>
+        </p:spPr>
+        <p:txBody>
+          <a:bodyPr>
+            <a:normAutofit fontScale="92500" lnSpcReduction="20000"/>
+          </a:bodyPr>
           <a:lstStyle/>
           <a:p>
             <a:r>
@@ -12176,7 +13858,86 @@
                   </a:schemeClr>
                 </a:solidFill>
               </a:rPr>
-              <a:t>Your Host</a:t>
+              <a:t>First Tuesday of the Month (</a:t>
+            </a:r>
+            <a:r>
+              <a:rPr lang="en-US" dirty="0" err="1" smtClean="0">
+                <a:solidFill>
+                  <a:schemeClr val="bg1">
+                    <a:lumMod val="50000"/>
+                  </a:schemeClr>
+                </a:solidFill>
+              </a:rPr>
+              <a:t>Meetup</a:t>
+            </a:r>
+            <a:r>
+              <a:rPr lang="en-US" dirty="0" smtClean="0">
+                <a:solidFill>
+                  <a:schemeClr val="bg1">
+                    <a:lumMod val="50000"/>
+                  </a:schemeClr>
+                </a:solidFill>
+              </a:rPr>
+              <a:t>)</a:t>
+            </a:r>
+          </a:p>
+          <a:p>
+            <a:r>
+              <a:rPr lang="en-US" dirty="0" smtClean="0">
+                <a:solidFill>
+                  <a:schemeClr val="bg1">
+                    <a:lumMod val="50000"/>
+                  </a:schemeClr>
+                </a:solidFill>
+              </a:rPr>
+              <a:t>Fourth Tuesday of the Month (Office Hours)</a:t>
+            </a:r>
+          </a:p>
+          <a:p>
+            <a:r>
+              <a:rPr lang="en-US" dirty="0" smtClean="0">
+                <a:solidFill>
+                  <a:schemeClr val="bg1">
+                    <a:lumMod val="50000"/>
+                  </a:schemeClr>
+                </a:solidFill>
+              </a:rPr>
+              <a:t>Summer 2014 (</a:t>
+            </a:r>
+            <a:r>
+              <a:rPr lang="en-US" dirty="0" err="1" smtClean="0">
+                <a:solidFill>
+                  <a:schemeClr val="bg1">
+                    <a:lumMod val="50000"/>
+                  </a:schemeClr>
+                </a:solidFill>
+              </a:rPr>
+              <a:t>PyDC</a:t>
+            </a:r>
+            <a:r>
+              <a:rPr lang="en-US" dirty="0" smtClean="0">
+                <a:solidFill>
+                  <a:schemeClr val="bg1">
+                    <a:lumMod val="50000"/>
+                  </a:schemeClr>
+                </a:solidFill>
+              </a:rPr>
+              <a:t> 2014)</a:t>
+            </a:r>
+          </a:p>
+          <a:p>
+            <a:r>
+              <a:rPr lang="en-US" dirty="0" smtClean="0"/>
+              <a:t>Where?</a:t>
+            </a:r>
+          </a:p>
+          <a:p>
+            <a:pPr marL="0" indent="0" algn="ctr">
+              <a:buNone/>
+            </a:pPr>
+            <a:r>
+              <a:rPr lang="en-US" sz="9600" dirty="0" smtClean="0"/>
+              <a:t>&lt;OUR LOCATION(S)&gt;</a:t>
             </a:r>
           </a:p>
         </p:txBody>
@@ -12184,13 +13945,21 @@
     </p:spTree>
     <p:extLst>
       <p:ext uri="{BB962C8B-B14F-4D97-AF65-F5344CB8AC3E}">
-        <p14:creationId xmlns:p14="http://schemas.microsoft.com/office/powerpoint/2010/main" val="332378758"/>
+        <p14:creationId xmlns:p14="http://schemas.microsoft.com/office/powerpoint/2010/main" val="1822998542"/>
       </p:ext>
     </p:extLst>
   </p:cSld>
   <p:clrMapOvr>
     <a:masterClrMapping/>
   </p:clrMapOvr>
+  <mc:AlternateContent xmlns:mc="http://schemas.openxmlformats.org/markup-compatibility/2006" xmlns:p14="http://schemas.microsoft.com/office/powerpoint/2010/main">
+    <mc:Choice Requires="p14">
+      <p:transition p14:dur="0"/>
+    </mc:Choice>
+    <mc:Fallback xmlns="">
+      <p:transition xmlns:p14="http://schemas.microsoft.com/office/powerpoint/2010/main"/>
+    </mc:Fallback>
+  </mc:AlternateContent>
   <p:timing>
     <p:tnLst>
       <p:par>
@@ -12264,7 +14033,7 @@
                   </a:schemeClr>
                 </a:solidFill>
               </a:rPr>
-              <a:t>Your Host (Me)</a:t>
+              <a:t>Your Host</a:t>
             </a:r>
           </a:p>
         </p:txBody>
@@ -12272,7 +14041,7 @@
     </p:spTree>
     <p:extLst>
       <p:ext uri="{BB962C8B-B14F-4D97-AF65-F5344CB8AC3E}">
-        <p14:creationId xmlns:p14="http://schemas.microsoft.com/office/powerpoint/2010/main" val="792484031"/>
+        <p14:creationId xmlns:p14="http://schemas.microsoft.com/office/powerpoint/2010/main" val="332378758"/>
       </p:ext>
     </p:extLst>
   </p:cSld>
@@ -12355,24 +14124,12 @@
               <a:t>Your Host (Me)</a:t>
             </a:r>
           </a:p>
-          <a:p>
-            <a:r>
-              <a:rPr lang="en-US" dirty="0" smtClean="0">
-                <a:solidFill>
-                  <a:schemeClr val="bg1">
-                    <a:lumMod val="50000"/>
-                  </a:schemeClr>
-                </a:solidFill>
-              </a:rPr>
-              <a:t>Attendees</a:t>
-            </a:r>
-          </a:p>
         </p:txBody>
       </p:sp>
     </p:spTree>
     <p:extLst>
       <p:ext uri="{BB962C8B-B14F-4D97-AF65-F5344CB8AC3E}">
-        <p14:creationId xmlns:p14="http://schemas.microsoft.com/office/powerpoint/2010/main" val="3843666183"/>
+        <p14:creationId xmlns:p14="http://schemas.microsoft.com/office/powerpoint/2010/main" val="792484031"/>
       </p:ext>
     </p:extLst>
   </p:cSld>
@@ -12464,7 +14221,7 @@
                   </a:schemeClr>
                 </a:solidFill>
               </a:rPr>
-              <a:t>Attendees (You)</a:t>
+              <a:t>Attendees</a:t>
             </a:r>
           </a:p>
         </p:txBody>
@@ -12472,7 +14229,7 @@
     </p:spTree>
     <p:extLst>
       <p:ext uri="{BB962C8B-B14F-4D97-AF65-F5344CB8AC3E}">
-        <p14:creationId xmlns:p14="http://schemas.microsoft.com/office/powerpoint/2010/main" val="3918760181"/>
+        <p14:creationId xmlns:p14="http://schemas.microsoft.com/office/powerpoint/2010/main" val="3843666183"/>
       </p:ext>
     </p:extLst>
   </p:cSld>
@@ -12567,24 +14324,12 @@
               <a:t>Attendees (You)</a:t>
             </a:r>
           </a:p>
-          <a:p>
-            <a:r>
-              <a:rPr lang="en-US" dirty="0" smtClean="0">
-                <a:solidFill>
-                  <a:schemeClr val="bg1">
-                    <a:lumMod val="50000"/>
-                  </a:schemeClr>
-                </a:solidFill>
-              </a:rPr>
-              <a:t>Your Speaker</a:t>
-            </a:r>
-          </a:p>
         </p:txBody>
       </p:sp>
     </p:spTree>
     <p:extLst>
       <p:ext uri="{BB962C8B-B14F-4D97-AF65-F5344CB8AC3E}">
-        <p14:creationId xmlns:p14="http://schemas.microsoft.com/office/powerpoint/2010/main" val="4214903709"/>
+        <p14:creationId xmlns:p14="http://schemas.microsoft.com/office/powerpoint/2010/main" val="3918760181"/>
       </p:ext>
     </p:extLst>
   </p:cSld>
@@ -12797,39 +14542,22 @@
           </a:p>
           <a:p>
             <a:r>
-              <a:rPr lang="en-US" dirty="0">
+              <a:rPr lang="en-US" dirty="0" smtClean="0">
                 <a:solidFill>
                   <a:schemeClr val="bg1">
                     <a:lumMod val="50000"/>
                   </a:schemeClr>
                 </a:solidFill>
               </a:rPr>
-              <a:t>Your Speaker(s</a:t>
-            </a:r>
-            <a:r>
-              <a:rPr lang="en-US" dirty="0" smtClean="0">
-                <a:solidFill>
-                  <a:schemeClr val="bg1">
-                    <a:lumMod val="50000"/>
-                  </a:schemeClr>
-                </a:solidFill>
-              </a:rPr>
-              <a:t>)</a:t>
-            </a:r>
-            <a:endParaRPr lang="en-US" dirty="0">
-              <a:solidFill>
-                <a:schemeClr val="bg1">
-                  <a:lumMod val="50000"/>
-                </a:schemeClr>
-              </a:solidFill>
-            </a:endParaRPr>
+              <a:t>Your Speaker</a:t>
+            </a:r>
           </a:p>
         </p:txBody>
       </p:sp>
     </p:spTree>
     <p:extLst>
       <p:ext uri="{BB962C8B-B14F-4D97-AF65-F5344CB8AC3E}">
-        <p14:creationId xmlns:p14="http://schemas.microsoft.com/office/powerpoint/2010/main" val="2439768631"/>
+        <p14:creationId xmlns:p14="http://schemas.microsoft.com/office/powerpoint/2010/main" val="4214903709"/>
       </p:ext>
     </p:extLst>
   </p:cSld>
@@ -12933,15 +14661,32 @@
                   </a:schemeClr>
                 </a:solidFill>
               </a:rPr>
-              <a:t>Your Speaker(s) (Her/Him/Them)</a:t>
-            </a:r>
+              <a:t>Your Speaker(s</a:t>
+            </a:r>
+            <a:r>
+              <a:rPr lang="en-US" dirty="0" smtClean="0">
+                <a:solidFill>
+                  <a:schemeClr val="bg1">
+                    <a:lumMod val="50000"/>
+                  </a:schemeClr>
+                </a:solidFill>
+              </a:rPr>
+              <a:t>)</a:t>
+            </a:r>
+            <a:endParaRPr lang="en-US" dirty="0">
+              <a:solidFill>
+                <a:schemeClr val="bg1">
+                  <a:lumMod val="50000"/>
+                </a:schemeClr>
+              </a:solidFill>
+            </a:endParaRPr>
           </a:p>
         </p:txBody>
       </p:sp>
     </p:spTree>
     <p:extLst>
       <p:ext uri="{BB962C8B-B14F-4D97-AF65-F5344CB8AC3E}">
-        <p14:creationId xmlns:p14="http://schemas.microsoft.com/office/powerpoint/2010/main" val="3835721994"/>
+        <p14:creationId xmlns:p14="http://schemas.microsoft.com/office/powerpoint/2010/main" val="2439768631"/>
       </p:ext>
     </p:extLst>
   </p:cSld>
@@ -13038,7 +14783,7 @@
           </a:p>
           <a:p>
             <a:r>
-              <a:rPr lang="en-US" dirty="0" smtClean="0">
+              <a:rPr lang="en-US" dirty="0">
                 <a:solidFill>
                   <a:schemeClr val="bg1">
                     <a:lumMod val="50000"/>
@@ -13048,25 +14793,12 @@
               <a:t>Your Speaker(s) (Her/Him/Them)</a:t>
             </a:r>
           </a:p>
-          <a:p>
-            <a:r>
-              <a:rPr lang="en-US" dirty="0" smtClean="0"/>
-              <a:t>Tonight:</a:t>
-            </a:r>
-            <a:endParaRPr lang="en-US" dirty="0" smtClean="0">
-              <a:solidFill>
-                <a:schemeClr val="bg1">
-                  <a:lumMod val="50000"/>
-                </a:schemeClr>
-              </a:solidFill>
-            </a:endParaRPr>
-          </a:p>
         </p:txBody>
       </p:sp>
     </p:spTree>
     <p:extLst>
       <p:ext uri="{BB962C8B-B14F-4D97-AF65-F5344CB8AC3E}">
-        <p14:creationId xmlns:p14="http://schemas.microsoft.com/office/powerpoint/2010/main" val="3666704167"/>
+        <p14:creationId xmlns:p14="http://schemas.microsoft.com/office/powerpoint/2010/main" val="3835721994"/>
       </p:ext>
     </p:extLst>
   </p:cSld>
@@ -13135,9 +14867,7 @@
         </p:nvSpPr>
         <p:spPr/>
         <p:txBody>
-          <a:bodyPr>
-            <a:normAutofit fontScale="92500" lnSpcReduction="20000"/>
-          </a:bodyPr>
+          <a:bodyPr/>
           <a:lstStyle/>
           <a:p>
             <a:r>
@@ -13180,22 +14910,11 @@
               <a:rPr lang="en-US" dirty="0" smtClean="0"/>
               <a:t>Tonight:</a:t>
             </a:r>
-          </a:p>
-          <a:p>
-            <a:pPr marL="0" indent="0" algn="ctr">
-              <a:buNone/>
-            </a:pPr>
-            <a:r>
-              <a:rPr lang="en-US" sz="9600" dirty="0" smtClean="0">
-                <a:solidFill>
-                  <a:srgbClr val="000000"/>
-                </a:solidFill>
-              </a:rPr>
-              <a:t>&lt;ABOUT YOUR SPEAKER(S)!&gt;</a:t>
-            </a:r>
-            <a:endParaRPr lang="en-US" sz="9600" dirty="0">
+            <a:endParaRPr lang="en-US" dirty="0" smtClean="0">
               <a:solidFill>
-                <a:srgbClr val="000000"/>
+                <a:schemeClr val="bg1">
+                  <a:lumMod val="50000"/>
+                </a:schemeClr>
               </a:solidFill>
             </a:endParaRPr>
           </a:p>
@@ -13204,7 +14923,7 @@
     </p:spTree>
     <p:extLst>
       <p:ext uri="{BB962C8B-B14F-4D97-AF65-F5344CB8AC3E}">
-        <p14:creationId xmlns:p14="http://schemas.microsoft.com/office/powerpoint/2010/main" val="2003403246"/>
+        <p14:creationId xmlns:p14="http://schemas.microsoft.com/office/powerpoint/2010/main" val="3666704167"/>
       </p:ext>
     </p:extLst>
   </p:cSld>
@@ -13255,7 +14974,7 @@
           <a:p>
             <a:r>
               <a:rPr lang="en-US" dirty="0" smtClean="0"/>
-              <a:t>What?</a:t>
+              <a:t>Who?	</a:t>
             </a:r>
             <a:endParaRPr lang="en-US" dirty="0"/>
           </a:p>
@@ -13274,7 +14993,7 @@
         <p:spPr/>
         <p:txBody>
           <a:bodyPr>
-            <a:normAutofit/>
+            <a:normAutofit fontScale="92500" lnSpcReduction="20000"/>
           </a:bodyPr>
           <a:lstStyle/>
           <a:p>
@@ -13286,15 +15005,63 @@
                   </a:schemeClr>
                 </a:solidFill>
               </a:rPr>
-              <a:t>Python Web Frameworks</a:t>
-            </a:r>
+              <a:t>Your Host (Me)</a:t>
+            </a:r>
+          </a:p>
+          <a:p>
+            <a:r>
+              <a:rPr lang="en-US" dirty="0" smtClean="0">
+                <a:solidFill>
+                  <a:schemeClr val="bg1">
+                    <a:lumMod val="50000"/>
+                  </a:schemeClr>
+                </a:solidFill>
+              </a:rPr>
+              <a:t>Attendees (You)</a:t>
+            </a:r>
+          </a:p>
+          <a:p>
+            <a:r>
+              <a:rPr lang="en-US" dirty="0" smtClean="0">
+                <a:solidFill>
+                  <a:schemeClr val="bg1">
+                    <a:lumMod val="50000"/>
+                  </a:schemeClr>
+                </a:solidFill>
+              </a:rPr>
+              <a:t>Your Speaker(s) (Her/Him/Them)</a:t>
+            </a:r>
+          </a:p>
+          <a:p>
+            <a:r>
+              <a:rPr lang="en-US" dirty="0" smtClean="0"/>
+              <a:t>Tonight:</a:t>
+            </a:r>
+          </a:p>
+          <a:p>
+            <a:pPr marL="0" indent="0" algn="ctr">
+              <a:buNone/>
+            </a:pPr>
+            <a:r>
+              <a:rPr lang="en-US" sz="9600" dirty="0" smtClean="0">
+                <a:solidFill>
+                  <a:srgbClr val="000000"/>
+                </a:solidFill>
+              </a:rPr>
+              <a:t>&lt;ABOUT YOUR SPEAKER(S)!&gt;</a:t>
+            </a:r>
+            <a:endParaRPr lang="en-US" sz="9600" dirty="0">
+              <a:solidFill>
+                <a:srgbClr val="000000"/>
+              </a:solidFill>
+            </a:endParaRPr>
           </a:p>
         </p:txBody>
       </p:sp>
     </p:spTree>
     <p:extLst>
       <p:ext uri="{BB962C8B-B14F-4D97-AF65-F5344CB8AC3E}">
-        <p14:creationId xmlns:p14="http://schemas.microsoft.com/office/powerpoint/2010/main" val="2591506805"/>
+        <p14:creationId xmlns:p14="http://schemas.microsoft.com/office/powerpoint/2010/main" val="2003403246"/>
       </p:ext>
     </p:extLst>
   </p:cSld>
@@ -13371,42 +15138,12 @@
             <a:r>
               <a:rPr lang="en-US" dirty="0" smtClean="0">
                 <a:solidFill>
-                  <a:srgbClr val="7F7F7F"/>
-                </a:solidFill>
-              </a:rPr>
-              <a:t>Python Web Frameworks (Bottle, </a:t>
-            </a:r>
-            <a:r>
-              <a:rPr lang="en-US" dirty="0" err="1" smtClean="0">
-                <a:solidFill>
-                  <a:srgbClr val="7F7F7F"/>
-                </a:solidFill>
-              </a:rPr>
-              <a:t>Django</a:t>
-            </a:r>
-            <a:r>
-              <a:rPr lang="en-US" dirty="0" smtClean="0">
-                <a:solidFill>
-                  <a:srgbClr val="7F7F7F"/>
-                </a:solidFill>
-              </a:rPr>
-              <a:t>, Flask, Pyramid, </a:t>
-            </a:r>
-            <a:r>
-              <a:rPr lang="en-US" dirty="0" err="1" smtClean="0">
-                <a:solidFill>
-                  <a:srgbClr val="7F7F7F"/>
-                </a:solidFill>
-              </a:rPr>
-              <a:t>Zope</a:t>
-            </a:r>
-            <a:r>
-              <a:rPr lang="en-US" dirty="0" smtClean="0">
-                <a:solidFill>
-                  <a:srgbClr val="7F7F7F"/>
-                </a:solidFill>
-              </a:rPr>
-              <a:t>, etc.)</a:t>
+                  <a:schemeClr val="bg1">
+                    <a:lumMod val="50000"/>
+                  </a:schemeClr>
+                </a:solidFill>
+              </a:rPr>
+              <a:t>Python Web Frameworks</a:t>
             </a:r>
           </a:p>
         </p:txBody>
@@ -13414,7 +15151,7 @@
     </p:spTree>
     <p:extLst>
       <p:ext uri="{BB962C8B-B14F-4D97-AF65-F5344CB8AC3E}">
-        <p14:creationId xmlns:p14="http://schemas.microsoft.com/office/powerpoint/2010/main" val="2914362012"/>
+        <p14:creationId xmlns:p14="http://schemas.microsoft.com/office/powerpoint/2010/main" val="2591506805"/>
       </p:ext>
     </p:extLst>
   </p:cSld>
@@ -13489,7 +15226,7 @@
           <a:lstStyle/>
           <a:p>
             <a:r>
-              <a:rPr lang="en-US" dirty="0">
+              <a:rPr lang="en-US" dirty="0" smtClean="0">
                 <a:solidFill>
                   <a:srgbClr val="7F7F7F"/>
                 </a:solidFill>
@@ -13497,7 +15234,7 @@
               <a:t>Python Web Frameworks (Bottle, </a:t>
             </a:r>
             <a:r>
-              <a:rPr lang="en-US" dirty="0" err="1">
+              <a:rPr lang="en-US" dirty="0" err="1" smtClean="0">
                 <a:solidFill>
                   <a:srgbClr val="7F7F7F"/>
                 </a:solidFill>
@@ -13505,7 +15242,7 @@
               <a:t>Django</a:t>
             </a:r>
             <a:r>
-              <a:rPr lang="en-US" dirty="0">
+              <a:rPr lang="en-US" dirty="0" smtClean="0">
                 <a:solidFill>
                   <a:srgbClr val="7F7F7F"/>
                 </a:solidFill>
@@ -13513,7 +15250,7 @@
               <a:t>, Flask, Pyramid, </a:t>
             </a:r>
             <a:r>
-              <a:rPr lang="en-US" dirty="0" err="1">
+              <a:rPr lang="en-US" dirty="0" err="1" smtClean="0">
                 <a:solidFill>
                   <a:srgbClr val="7F7F7F"/>
                 </a:solidFill>
@@ -13521,22 +15258,12 @@
               <a:t>Zope</a:t>
             </a:r>
             <a:r>
-              <a:rPr lang="en-US" dirty="0">
+              <a:rPr lang="en-US" dirty="0" smtClean="0">
                 <a:solidFill>
                   <a:srgbClr val="7F7F7F"/>
                 </a:solidFill>
               </a:rPr>
               <a:t>, etc.)</a:t>
-            </a:r>
-          </a:p>
-          <a:p>
-            <a:r>
-              <a:rPr lang="en-US" dirty="0" smtClean="0">
-                <a:solidFill>
-                  <a:srgbClr val="7F7F7F"/>
-                </a:solidFill>
-              </a:rPr>
-              <a:t>Python Core Development</a:t>
             </a:r>
           </a:p>
         </p:txBody>
@@ -13544,7 +15271,7 @@
     </p:spTree>
     <p:extLst>
       <p:ext uri="{BB962C8B-B14F-4D97-AF65-F5344CB8AC3E}">
-        <p14:creationId xmlns:p14="http://schemas.microsoft.com/office/powerpoint/2010/main" val="2229839888"/>
+        <p14:creationId xmlns:p14="http://schemas.microsoft.com/office/powerpoint/2010/main" val="2914362012"/>
       </p:ext>
     </p:extLst>
   </p:cSld>
@@ -13666,23 +15393,7 @@
                   <a:srgbClr val="7F7F7F"/>
                 </a:solidFill>
               </a:rPr>
-              <a:t>Python Core Development </a:t>
-            </a:r>
-            <a:r>
-              <a:rPr lang="en-US" dirty="0" smtClean="0">
-                <a:solidFill>
-                  <a:srgbClr val="7F7F7F"/>
-                </a:solidFill>
-              </a:rPr>
-              <a:t>(e.g. PEP435</a:t>
-            </a:r>
-            <a:r>
-              <a:rPr lang="en-US" dirty="0" smtClean="0">
-                <a:solidFill>
-                  <a:srgbClr val="7F7F7F"/>
-                </a:solidFill>
-              </a:rPr>
-              <a:t>)</a:t>
+              <a:t>Python Core Development</a:t>
             </a:r>
           </a:p>
         </p:txBody>
@@ -13690,7 +15401,7 @@
     </p:spTree>
     <p:extLst>
       <p:ext uri="{BB962C8B-B14F-4D97-AF65-F5344CB8AC3E}">
-        <p14:creationId xmlns:p14="http://schemas.microsoft.com/office/powerpoint/2010/main" val="3892783657"/>
+        <p14:creationId xmlns:p14="http://schemas.microsoft.com/office/powerpoint/2010/main" val="2229839888"/>
       </p:ext>
     </p:extLst>
   </p:cSld>
@@ -13812,33 +15523,7 @@
                   <a:srgbClr val="7F7F7F"/>
                 </a:solidFill>
               </a:rPr>
-              <a:t>Python Core Development </a:t>
-            </a:r>
-            <a:r>
-              <a:rPr lang="en-US" dirty="0" smtClean="0">
-                <a:solidFill>
-                  <a:srgbClr val="7F7F7F"/>
-                </a:solidFill>
-              </a:rPr>
-              <a:t>(e.g. PEP435</a:t>
-            </a:r>
-            <a:r>
-              <a:rPr lang="en-US" dirty="0" smtClean="0">
-                <a:solidFill>
-                  <a:srgbClr val="7F7F7F"/>
-                </a:solidFill>
-              </a:rPr>
-              <a:t>)</a:t>
-            </a:r>
-          </a:p>
-          <a:p>
-            <a:r>
-              <a:rPr lang="en-US" dirty="0" smtClean="0">
-                <a:solidFill>
-                  <a:srgbClr val="7F7F7F"/>
-                </a:solidFill>
-              </a:rPr>
-              <a:t>Introduction To Python Programming</a:t>
+              <a:t>Python Core Development (e.g. PEP435)</a:t>
             </a:r>
           </a:p>
         </p:txBody>
@@ -13846,7 +15531,7 @@
     </p:spTree>
     <p:extLst>
       <p:ext uri="{BB962C8B-B14F-4D97-AF65-F5344CB8AC3E}">
-        <p14:creationId xmlns:p14="http://schemas.microsoft.com/office/powerpoint/2010/main" val="3571239804"/>
+        <p14:creationId xmlns:p14="http://schemas.microsoft.com/office/powerpoint/2010/main" val="3892783657"/>
       </p:ext>
     </p:extLst>
   </p:cSld>
@@ -13926,7 +15611,23 @@
                   <a:srgbClr val="7F7F7F"/>
                 </a:solidFill>
               </a:rPr>
-              <a:t>Python Web Frameworks (Bottle, </a:t>
+              <a:t>Python Web Frameworks </a:t>
+            </a:r>
+            <a:r>
+              <a:rPr lang="en-US" dirty="0" smtClean="0">
+                <a:solidFill>
+                  <a:srgbClr val="7F7F7F"/>
+                </a:solidFill>
+              </a:rPr>
+              <a:t>(e.g. Bottle</a:t>
+            </a:r>
+            <a:r>
+              <a:rPr lang="en-US" dirty="0">
+                <a:solidFill>
+                  <a:srgbClr val="7F7F7F"/>
+                </a:solidFill>
+              </a:rPr>
+              <a:t>, </a:t>
             </a:r>
             <a:r>
               <a:rPr lang="en-US" dirty="0" err="1">
@@ -13968,30 +15669,17 @@
                   <a:srgbClr val="7F7F7F"/>
                 </a:solidFill>
               </a:rPr>
-              <a:t>Python Core Development </a:t>
-            </a:r>
-            <a:r>
-              <a:rPr lang="en-US" dirty="0">
+              <a:t>Python Core Development (e.g. PEP435)</a:t>
+            </a:r>
+          </a:p>
+          <a:p>
+            <a:r>
+              <a:rPr lang="en-US" dirty="0" smtClean="0">
                 <a:solidFill>
                   <a:srgbClr val="7F7F7F"/>
                 </a:solidFill>
               </a:rPr>
-              <a:t>(e.g. PEP435)</a:t>
-            </a:r>
-            <a:endParaRPr lang="en-US" dirty="0" smtClean="0">
-              <a:solidFill>
-                <a:srgbClr val="7F7F7F"/>
-              </a:solidFill>
-            </a:endParaRPr>
-          </a:p>
-          <a:p>
-            <a:r>
-              <a:rPr lang="en-US" dirty="0" smtClean="0">
-                <a:solidFill>
-                  <a:srgbClr val="7F7F7F"/>
-                </a:solidFill>
-              </a:rPr>
-              <a:t>Introduction To Python Programming (&gt;&gt;&gt; import this)</a:t>
+              <a:t>Introduction To Python Programming</a:t>
             </a:r>
           </a:p>
         </p:txBody>
@@ -13999,7 +15687,7 @@
     </p:spTree>
     <p:extLst>
       <p:ext uri="{BB962C8B-B14F-4D97-AF65-F5344CB8AC3E}">
-        <p14:creationId xmlns:p14="http://schemas.microsoft.com/office/powerpoint/2010/main" val="2886417343"/>
+        <p14:creationId xmlns:p14="http://schemas.microsoft.com/office/powerpoint/2010/main" val="3571239804"/>
       </p:ext>
     </p:extLst>
   </p:cSld>
@@ -14040,17 +15728,22 @@
             <a:spLocks noGrp="1"/>
           </p:cNvSpPr>
           <p:nvPr>
-            <p:ph type="title"/>
-          </p:nvPr>
-        </p:nvSpPr>
-        <p:spPr/>
+            <p:ph type="ctrTitle"/>
+          </p:nvPr>
+        </p:nvSpPr>
+        <p:spPr>
+          <a:xfrm>
+            <a:off x="685800" y="2455885"/>
+            <a:ext cx="7772400" cy="1470025"/>
+          </a:xfrm>
+        </p:spPr>
         <p:txBody>
           <a:bodyPr/>
           <a:lstStyle/>
           <a:p>
             <a:r>
               <a:rPr lang="en-US" dirty="0" smtClean="0"/>
-              <a:t>Brought to you by:</a:t>
+              <a:t>Mission Statement</a:t>
             </a:r>
             <a:endParaRPr lang="en-US" dirty="0"/>
           </a:p>
@@ -14058,68 +15751,88 @@
       </p:sp>
       <p:sp>
         <p:nvSpPr>
-          <p:cNvPr id="3" name="Content Placeholder 2"/>
-          <p:cNvSpPr>
-            <a:spLocks noGrp="1"/>
-          </p:cNvSpPr>
-          <p:nvPr>
-            <p:ph idx="1"/>
-          </p:nvPr>
-        </p:nvSpPr>
-        <p:spPr/>
-        <p:txBody>
-          <a:bodyPr/>
+          <p:cNvPr id="3" name="Subtitle 2"/>
+          <p:cNvSpPr>
+            <a:spLocks noGrp="1"/>
+          </p:cNvSpPr>
+          <p:nvPr>
+            <p:ph type="subTitle" idx="1"/>
+          </p:nvPr>
+        </p:nvSpPr>
+        <p:spPr>
+          <a:xfrm>
+            <a:off x="1371600" y="4328363"/>
+            <a:ext cx="6400800" cy="2043072"/>
+          </a:xfrm>
+        </p:spPr>
+        <p:txBody>
+          <a:bodyPr>
+            <a:normAutofit lnSpcReduction="10000"/>
+          </a:bodyPr>
           <a:lstStyle/>
           <a:p>
             <a:r>
-              <a:rPr lang="en-US" dirty="0" smtClean="0">
-                <a:solidFill>
-                  <a:schemeClr val="bg1">
-                    <a:lumMod val="50000"/>
-                  </a:schemeClr>
-                </a:solidFill>
-              </a:rPr>
-              <a:t>DC Python (ZPUGDC, </a:t>
-            </a:r>
-            <a:r>
-              <a:rPr lang="en-US" dirty="0" err="1" smtClean="0">
-                <a:solidFill>
-                  <a:schemeClr val="bg1">
-                    <a:lumMod val="50000"/>
-                  </a:schemeClr>
-                </a:solidFill>
-              </a:rPr>
-              <a:t>Inc</a:t>
-            </a:r>
-            <a:r>
-              <a:rPr lang="en-US" dirty="0" smtClean="0">
-                <a:solidFill>
-                  <a:schemeClr val="bg1">
-                    <a:lumMod val="50000"/>
-                  </a:schemeClr>
-                </a:solidFill>
-              </a:rPr>
-              <a:t>)</a:t>
-            </a:r>
-          </a:p>
-          <a:p>
-            <a:r>
-              <a:rPr lang="en-US" dirty="0" smtClean="0">
-                <a:solidFill>
-                  <a:schemeClr val="bg1">
-                    <a:lumMod val="50000"/>
-                  </a:schemeClr>
-                </a:solidFill>
-              </a:rPr>
-              <a:t>Sponsors</a:t>
-            </a:r>
-          </a:p>
-        </p:txBody>
-      </p:sp>
+              <a:rPr lang="en-US" dirty="0"/>
+              <a:t>We promote and support the use of Python software in </a:t>
+            </a:r>
+            <a:r>
+              <a:rPr lang="en-US" dirty="0" smtClean="0"/>
+              <a:t>DC</a:t>
+            </a:r>
+          </a:p>
+          <a:p>
+            <a:endParaRPr lang="en-US" dirty="0" smtClean="0"/>
+          </a:p>
+          <a:p>
+            <a:r>
+              <a:rPr lang="en-US" dirty="0" smtClean="0"/>
+              <a:t>Since </a:t>
+            </a:r>
+            <a:r>
+              <a:rPr lang="en-US" dirty="0" smtClean="0"/>
+              <a:t>2008™</a:t>
+            </a:r>
+            <a:endParaRPr lang="en-US" dirty="0"/>
+          </a:p>
+          <a:p>
+            <a:endParaRPr lang="en-US" dirty="0"/>
+          </a:p>
+        </p:txBody>
+      </p:sp>
+      <p:pic>
+        <p:nvPicPr>
+          <p:cNvPr id="5" name="Picture 4" descr="dcpython.png"/>
+          <p:cNvPicPr>
+            <a:picLocks noChangeAspect="1"/>
+          </p:cNvPicPr>
+          <p:nvPr/>
+        </p:nvPicPr>
+        <p:blipFill>
+          <a:blip r:embed="rId3">
+            <a:extLst>
+              <a:ext uri="{28A0092B-C50C-407E-A947-70E740481C1C}">
+                <a14:useLocalDpi xmlns:a14="http://schemas.microsoft.com/office/drawing/2010/main" val="0"/>
+              </a:ext>
+            </a:extLst>
+          </a:blip>
+          <a:stretch>
+            <a:fillRect/>
+          </a:stretch>
+        </p:blipFill>
+        <p:spPr>
+          <a:xfrm>
+            <a:off x="76200" y="310273"/>
+            <a:ext cx="8991600" cy="2578100"/>
+          </a:xfrm>
+          <a:prstGeom prst="rect">
+            <a:avLst/>
+          </a:prstGeom>
+        </p:spPr>
+      </p:pic>
     </p:spTree>
     <p:extLst>
       <p:ext uri="{BB962C8B-B14F-4D97-AF65-F5344CB8AC3E}">
-        <p14:creationId xmlns:p14="http://schemas.microsoft.com/office/powerpoint/2010/main" val="541471367"/>
+        <p14:creationId xmlns:p14="http://schemas.microsoft.com/office/powerpoint/2010/main" val="3019376250"/>
       </p:ext>
     </p:extLst>
   </p:cSld>
@@ -14207,7 +15920,23 @@
                   <a:srgbClr val="7F7F7F"/>
                 </a:solidFill>
               </a:rPr>
-              <a:t>Python Web Frameworks (Bottle, </a:t>
+              <a:t>Python Web Frameworks </a:t>
+            </a:r>
+            <a:r>
+              <a:rPr lang="en-US" dirty="0" smtClean="0">
+                <a:solidFill>
+                  <a:srgbClr val="7F7F7F"/>
+                </a:solidFill>
+              </a:rPr>
+              <a:t>(e.g. Bottle</a:t>
+            </a:r>
+            <a:r>
+              <a:rPr lang="en-US" dirty="0">
+                <a:solidFill>
+                  <a:srgbClr val="7F7F7F"/>
+                </a:solidFill>
+              </a:rPr>
+              <a:t>, </a:t>
             </a:r>
             <a:r>
               <a:rPr lang="en-US" dirty="0" err="1">
@@ -14275,22 +16004,12 @@
               <a:t>Introduction To Python Programming (&gt;&gt;&gt; import this)</a:t>
             </a:r>
           </a:p>
-          <a:p>
-            <a:r>
-              <a:rPr lang="en-US" dirty="0" smtClean="0">
-                <a:solidFill>
-                  <a:srgbClr val="7F7F7F"/>
-                </a:solidFill>
-              </a:rPr>
-              <a:t>Intermediate Python Programming</a:t>
-            </a:r>
-          </a:p>
         </p:txBody>
       </p:sp>
     </p:spTree>
     <p:extLst>
       <p:ext uri="{BB962C8B-B14F-4D97-AF65-F5344CB8AC3E}">
-        <p14:creationId xmlns:p14="http://schemas.microsoft.com/office/powerpoint/2010/main" val="780894628"/>
+        <p14:creationId xmlns:p14="http://schemas.microsoft.com/office/powerpoint/2010/main" val="2886417343"/>
       </p:ext>
     </p:extLst>
   </p:cSld>
@@ -14370,7 +16089,23 @@
                   <a:srgbClr val="7F7F7F"/>
                 </a:solidFill>
               </a:rPr>
-              <a:t>Python Web Frameworks (Bottle, </a:t>
+              <a:t>Python Web Frameworks </a:t>
+            </a:r>
+            <a:r>
+              <a:rPr lang="en-US" dirty="0" smtClean="0">
+                <a:solidFill>
+                  <a:srgbClr val="7F7F7F"/>
+                </a:solidFill>
+              </a:rPr>
+              <a:t>(e.g. Bottle</a:t>
+            </a:r>
+            <a:r>
+              <a:rPr lang="en-US" dirty="0">
+                <a:solidFill>
+                  <a:srgbClr val="7F7F7F"/>
+                </a:solidFill>
+              </a:rPr>
+              <a:t>, </a:t>
             </a:r>
             <a:r>
               <a:rPr lang="en-US" dirty="0" err="1">
@@ -14445,63 +16180,7 @@
                   <a:srgbClr val="7F7F7F"/>
                 </a:solidFill>
               </a:rPr>
-              <a:t>Intermediate Python Programming (</a:t>
-            </a:r>
-            <a:r>
-              <a:rPr lang="en-US" dirty="0">
-                <a:solidFill>
-                  <a:srgbClr val="7F7F7F"/>
-                </a:solidFill>
-              </a:rPr>
-              <a:t>&gt;&gt;&gt; [</a:t>
-            </a:r>
-            <a:r>
-              <a:rPr lang="en-US" dirty="0" err="1">
-                <a:solidFill>
-                  <a:srgbClr val="7F7F7F"/>
-                </a:solidFill>
-              </a:rPr>
-              <a:t>i</a:t>
-            </a:r>
-            <a:r>
-              <a:rPr lang="en-US" dirty="0">
-                <a:solidFill>
-                  <a:srgbClr val="7F7F7F"/>
-                </a:solidFill>
-              </a:rPr>
-              <a:t> for </a:t>
-            </a:r>
-            <a:r>
-              <a:rPr lang="en-US" dirty="0" err="1">
-                <a:solidFill>
-                  <a:srgbClr val="7F7F7F"/>
-                </a:solidFill>
-              </a:rPr>
-              <a:t>i</a:t>
-            </a:r>
-            <a:r>
-              <a:rPr lang="en-US" dirty="0">
-                <a:solidFill>
-                  <a:srgbClr val="7F7F7F"/>
-                </a:solidFill>
-              </a:rPr>
-              <a:t> in </a:t>
-            </a:r>
-            <a:r>
-              <a:rPr lang="en-US" dirty="0" err="1">
-                <a:solidFill>
-                  <a:srgbClr val="7F7F7F"/>
-                </a:solidFill>
-              </a:rPr>
-              <a:t>things_we_talk_about</a:t>
-            </a:r>
-            <a:r>
-              <a:rPr lang="en-US" dirty="0">
-                <a:solidFill>
-                  <a:srgbClr val="7F7F7F"/>
-                </a:solidFill>
-              </a:rPr>
-              <a:t>])</a:t>
+              <a:t>Intermediate Python Programming</a:t>
             </a:r>
           </a:p>
         </p:txBody>
@@ -14509,7 +16188,7 @@
     </p:spTree>
     <p:extLst>
       <p:ext uri="{BB962C8B-B14F-4D97-AF65-F5344CB8AC3E}">
-        <p14:creationId xmlns:p14="http://schemas.microsoft.com/office/powerpoint/2010/main" val="1748029861"/>
+        <p14:creationId xmlns:p14="http://schemas.microsoft.com/office/powerpoint/2010/main" val="780894628"/>
       </p:ext>
     </p:extLst>
   </p:cSld>
@@ -14560,7 +16239,7 @@
           <a:p>
             <a:r>
               <a:rPr lang="en-US" dirty="0" smtClean="0"/>
-              <a:t>What else?</a:t>
+              <a:t>What?</a:t>
             </a:r>
             <a:endParaRPr lang="en-US" dirty="0"/>
           </a:p>
@@ -14578,7 +16257,9 @@
         </p:nvSpPr>
         <p:spPr/>
         <p:txBody>
-          <a:bodyPr/>
+          <a:bodyPr>
+            <a:normAutofit/>
+          </a:bodyPr>
           <a:lstStyle/>
           <a:p>
             <a:r>
@@ -14587,7 +16268,7 @@
                   <a:srgbClr val="7F7F7F"/>
                 </a:solidFill>
               </a:rPr>
-              <a:t>Advanced </a:t>
+              <a:t>Python Web Frameworks </a:t>
             </a:r>
             <a:r>
               <a:rPr lang="en-US" dirty="0" smtClean="0">
@@ -14595,20 +16276,154 @@
                   <a:srgbClr val="7F7F7F"/>
                 </a:solidFill>
               </a:rPr>
-              <a:t>Python Programming</a:t>
-            </a:r>
-            <a:endParaRPr lang="en-US" dirty="0">
+              <a:t>(e.g. Bottle</a:t>
+            </a:r>
+            <a:r>
+              <a:rPr lang="en-US" dirty="0">
+                <a:solidFill>
+                  <a:srgbClr val="7F7F7F"/>
+                </a:solidFill>
+              </a:rPr>
+              <a:t>, </a:t>
+            </a:r>
+            <a:r>
+              <a:rPr lang="en-US" dirty="0" err="1">
+                <a:solidFill>
+                  <a:srgbClr val="7F7F7F"/>
+                </a:solidFill>
+              </a:rPr>
+              <a:t>Django</a:t>
+            </a:r>
+            <a:r>
+              <a:rPr lang="en-US" dirty="0">
+                <a:solidFill>
+                  <a:srgbClr val="7F7F7F"/>
+                </a:solidFill>
+              </a:rPr>
+              <a:t>, Flask, Pyramid, </a:t>
+            </a:r>
+            <a:r>
+              <a:rPr lang="en-US" dirty="0" err="1">
+                <a:solidFill>
+                  <a:srgbClr val="7F7F7F"/>
+                </a:solidFill>
+              </a:rPr>
+              <a:t>Zope</a:t>
+            </a:r>
+            <a:r>
+              <a:rPr lang="en-US" dirty="0">
+                <a:solidFill>
+                  <a:srgbClr val="7F7F7F"/>
+                </a:solidFill>
+              </a:rPr>
+              <a:t>, etc.)</a:t>
+            </a:r>
+          </a:p>
+          <a:p>
+            <a:r>
+              <a:rPr lang="en-US" dirty="0" smtClean="0">
+                <a:solidFill>
+                  <a:srgbClr val="7F7F7F"/>
+                </a:solidFill>
+              </a:rPr>
+              <a:t>Python Core Development </a:t>
+            </a:r>
+            <a:r>
+              <a:rPr lang="en-US" dirty="0">
+                <a:solidFill>
+                  <a:srgbClr val="7F7F7F"/>
+                </a:solidFill>
+              </a:rPr>
+              <a:t>(e.g. PEP435)</a:t>
+            </a:r>
+            <a:endParaRPr lang="en-US" dirty="0" smtClean="0">
               <a:solidFill>
                 <a:srgbClr val="7F7F7F"/>
               </a:solidFill>
             </a:endParaRPr>
           </a:p>
+          <a:p>
+            <a:r>
+              <a:rPr lang="en-US" dirty="0" smtClean="0">
+                <a:solidFill>
+                  <a:srgbClr val="7F7F7F"/>
+                </a:solidFill>
+              </a:rPr>
+              <a:t>Introduction To Python Programming (&gt;&gt;&gt; import this)</a:t>
+            </a:r>
+          </a:p>
+          <a:p>
+            <a:r>
+              <a:rPr lang="en-US" dirty="0" smtClean="0">
+                <a:solidFill>
+                  <a:srgbClr val="7F7F7F"/>
+                </a:solidFill>
+              </a:rPr>
+              <a:t>Intermediate Python Programming (</a:t>
+            </a:r>
+            <a:r>
+              <a:rPr lang="en-US" dirty="0">
+                <a:solidFill>
+                  <a:srgbClr val="7F7F7F"/>
+                </a:solidFill>
+              </a:rPr>
+              <a:t>&gt;&gt;&gt; [</a:t>
+            </a:r>
+            <a:r>
+              <a:rPr lang="en-US" dirty="0" err="1">
+                <a:solidFill>
+                  <a:srgbClr val="7F7F7F"/>
+                </a:solidFill>
+              </a:rPr>
+              <a:t>i</a:t>
+            </a:r>
+            <a:r>
+              <a:rPr lang="en-US" dirty="0">
+                <a:solidFill>
+                  <a:srgbClr val="7F7F7F"/>
+                </a:solidFill>
+              </a:rPr>
+              <a:t> for </a:t>
+            </a:r>
+            <a:r>
+              <a:rPr lang="en-US" dirty="0" err="1">
+                <a:solidFill>
+                  <a:srgbClr val="7F7F7F"/>
+                </a:solidFill>
+              </a:rPr>
+              <a:t>i</a:t>
+            </a:r>
+            <a:r>
+              <a:rPr lang="en-US" dirty="0">
+                <a:solidFill>
+                  <a:srgbClr val="7F7F7F"/>
+                </a:solidFill>
+              </a:rPr>
+              <a:t> in </a:t>
+            </a:r>
+            <a:r>
+              <a:rPr lang="en-US" dirty="0" err="1">
+                <a:solidFill>
+                  <a:srgbClr val="7F7F7F"/>
+                </a:solidFill>
+              </a:rPr>
+              <a:t>things_we_talk_about</a:t>
+            </a:r>
+            <a:r>
+              <a:rPr lang="en-US" dirty="0">
+                <a:solidFill>
+                  <a:srgbClr val="7F7F7F"/>
+                </a:solidFill>
+              </a:rPr>
+              <a:t>])</a:t>
+            </a:r>
+          </a:p>
         </p:txBody>
       </p:sp>
     </p:spTree>
     <p:extLst>
       <p:ext uri="{BB962C8B-B14F-4D97-AF65-F5344CB8AC3E}">
-        <p14:creationId xmlns:p14="http://schemas.microsoft.com/office/powerpoint/2010/main" val="3348063941"/>
+        <p14:creationId xmlns:p14="http://schemas.microsoft.com/office/powerpoint/2010/main" val="1748029861"/>
       </p:ext>
     </p:extLst>
   </p:cSld>
@@ -14686,47 +16501,15 @@
                   <a:srgbClr val="7F7F7F"/>
                 </a:solidFill>
               </a:rPr>
-              <a:t>Advanced Python Programming (&gt;&gt;&gt; X = type('X',(),{'</a:t>
-            </a:r>
-            <a:r>
-              <a:rPr lang="en-US" dirty="0" err="1">
+              <a:t>Advanced </a:t>
+            </a:r>
+            <a:r>
+              <a:rPr lang="en-US" dirty="0" smtClean="0">
                 <a:solidFill>
                   <a:srgbClr val="7F7F7F"/>
                 </a:solidFill>
               </a:rPr>
-              <a:t>foo':lambda</a:t>
-            </a:r>
-            <a:r>
-              <a:rPr lang="en-US" dirty="0">
-                <a:solidFill>
-                  <a:srgbClr val="7F7F7F"/>
-                </a:solidFill>
-              </a:rPr>
-              <a:t> </a:t>
-            </a:r>
-            <a:r>
-              <a:rPr lang="en-US" dirty="0" err="1">
-                <a:solidFill>
-                  <a:srgbClr val="7F7F7F"/>
-                </a:solidFill>
-              </a:rPr>
-              <a:t>self:'foo</a:t>
-            </a:r>
-            <a:r>
-              <a:rPr lang="en-US" dirty="0">
-                <a:solidFill>
-                  <a:srgbClr val="7F7F7F"/>
-                </a:solidFill>
-              </a:rPr>
-              <a:t>'})</a:t>
-            </a:r>
-            <a:r>
-              <a:rPr lang="en-US" dirty="0" smtClean="0">
-                <a:solidFill>
-                  <a:srgbClr val="7F7F7F"/>
-                </a:solidFill>
-              </a:rPr>
-              <a:t>)</a:t>
+              <a:t>Python Programming</a:t>
             </a:r>
             <a:endParaRPr lang="en-US" dirty="0">
               <a:solidFill>
@@ -14739,7 +16522,7 @@
     </p:spTree>
     <p:extLst>
       <p:ext uri="{BB962C8B-B14F-4D97-AF65-F5344CB8AC3E}">
-        <p14:creationId xmlns:p14="http://schemas.microsoft.com/office/powerpoint/2010/main" val="2219051750"/>
+        <p14:creationId xmlns:p14="http://schemas.microsoft.com/office/powerpoint/2010/main" val="3348063941"/>
       </p:ext>
     </p:extLst>
   </p:cSld>
@@ -14849,25 +16632,15 @@
                   <a:srgbClr val="7F7F7F"/>
                 </a:solidFill>
               </a:rPr>
-              <a:t>'}))</a:t>
-            </a:r>
-          </a:p>
-          <a:p>
-            <a:r>
-              <a:rPr lang="en-US" dirty="0">
+              <a:t>'})</a:t>
+            </a:r>
+            <a:r>
+              <a:rPr lang="en-US" dirty="0" smtClean="0">
                 <a:solidFill>
                   <a:srgbClr val="7F7F7F"/>
                 </a:solidFill>
               </a:rPr>
-              <a:t>Database </a:t>
-            </a:r>
-            <a:r>
-              <a:rPr lang="en-US" dirty="0" smtClean="0">
-                <a:solidFill>
-                  <a:srgbClr val="7F7F7F"/>
-                </a:solidFill>
-              </a:rPr>
-              <a:t>Technology</a:t>
+              <a:t>)</a:t>
             </a:r>
             <a:endParaRPr lang="en-US" dirty="0">
               <a:solidFill>
@@ -14880,7 +16653,7 @@
     </p:spTree>
     <p:extLst>
       <p:ext uri="{BB962C8B-B14F-4D97-AF65-F5344CB8AC3E}">
-        <p14:creationId xmlns:p14="http://schemas.microsoft.com/office/powerpoint/2010/main" val="1990153644"/>
+        <p14:creationId xmlns:p14="http://schemas.microsoft.com/office/powerpoint/2010/main" val="2219051750"/>
       </p:ext>
     </p:extLst>
   </p:cSld>
@@ -15000,23 +16773,15 @@
                   <a:srgbClr val="7F7F7F"/>
                 </a:solidFill>
               </a:rPr>
-              <a:t>Database Technology (&gt;&gt;&gt; import </a:t>
-            </a:r>
-            <a:r>
-              <a:rPr lang="en-US" dirty="0" err="1">
+              <a:t>Database </a:t>
+            </a:r>
+            <a:r>
+              <a:rPr lang="en-US" dirty="0" smtClean="0">
                 <a:solidFill>
                   <a:srgbClr val="7F7F7F"/>
                 </a:solidFill>
               </a:rPr>
-              <a:t>redis</a:t>
-            </a:r>
-            <a:r>
-              <a:rPr lang="en-US" dirty="0" smtClean="0">
-                <a:solidFill>
-                  <a:srgbClr val="7F7F7F"/>
-                </a:solidFill>
-              </a:rPr>
-              <a:t>)</a:t>
+              <a:t>Technology</a:t>
             </a:r>
             <a:endParaRPr lang="en-US" dirty="0">
               <a:solidFill>
@@ -15029,7 +16794,7 @@
     </p:spTree>
     <p:extLst>
       <p:ext uri="{BB962C8B-B14F-4D97-AF65-F5344CB8AC3E}">
-        <p14:creationId xmlns:p14="http://schemas.microsoft.com/office/powerpoint/2010/main" val="409398432"/>
+        <p14:creationId xmlns:p14="http://schemas.microsoft.com/office/powerpoint/2010/main" val="1990153644"/>
       </p:ext>
     </p:extLst>
   </p:cSld>
@@ -15160,30 +16925,12 @@
               <a:t>redis</a:t>
             </a:r>
             <a:r>
-              <a:rPr lang="en-US" dirty="0">
+              <a:rPr lang="en-US" dirty="0" smtClean="0">
                 <a:solidFill>
                   <a:srgbClr val="7F7F7F"/>
                 </a:solidFill>
               </a:rPr>
               <a:t>)</a:t>
-            </a:r>
-          </a:p>
-          <a:p>
-            <a:r>
-              <a:rPr lang="en-US" dirty="0">
-                <a:solidFill>
-                  <a:srgbClr val="7F7F7F"/>
-                </a:solidFill>
-              </a:rPr>
-              <a:t>Development and Operations </a:t>
-            </a:r>
-            <a:r>
-              <a:rPr lang="en-US" dirty="0" smtClean="0">
-                <a:solidFill>
-                  <a:srgbClr val="7F7F7F"/>
-                </a:solidFill>
-              </a:rPr>
-              <a:t>Technology</a:t>
             </a:r>
             <a:endParaRPr lang="en-US" dirty="0">
               <a:solidFill>
@@ -15196,7 +16943,7 @@
     </p:spTree>
     <p:extLst>
       <p:ext uri="{BB962C8B-B14F-4D97-AF65-F5344CB8AC3E}">
-        <p14:creationId xmlns:p14="http://schemas.microsoft.com/office/powerpoint/2010/main" val="2359113400"/>
+        <p14:creationId xmlns:p14="http://schemas.microsoft.com/office/powerpoint/2010/main" val="409398432"/>
       </p:ext>
     </p:extLst>
   </p:cSld>
@@ -15342,55 +17089,15 @@
                   <a:srgbClr val="7F7F7F"/>
                 </a:solidFill>
               </a:rPr>
-              <a:t>Development and Operations Technology (</a:t>
-            </a:r>
-            <a:r>
-              <a:rPr lang="en-US" dirty="0" err="1">
+              <a:t>Development and Operations </a:t>
+            </a:r>
+            <a:r>
+              <a:rPr lang="en-US" dirty="0" smtClean="0">
                 <a:solidFill>
                   <a:srgbClr val="7F7F7F"/>
                 </a:solidFill>
               </a:rPr>
-              <a:t>Heroku</a:t>
-            </a:r>
-            <a:r>
-              <a:rPr lang="en-US" dirty="0">
-                <a:solidFill>
-                  <a:srgbClr val="7F7F7F"/>
-                </a:solidFill>
-              </a:rPr>
-              <a:t>, </a:t>
-            </a:r>
-            <a:r>
-              <a:rPr lang="en-US" dirty="0" err="1">
-                <a:solidFill>
-                  <a:srgbClr val="7F7F7F"/>
-                </a:solidFill>
-              </a:rPr>
-              <a:t>Openstack</a:t>
-            </a:r>
-            <a:r>
-              <a:rPr lang="en-US" dirty="0">
-                <a:solidFill>
-                  <a:srgbClr val="7F7F7F"/>
-                </a:solidFill>
-              </a:rPr>
-              <a:t>, </a:t>
-            </a:r>
-            <a:r>
-              <a:rPr lang="en-US" dirty="0" err="1">
-                <a:solidFill>
-                  <a:srgbClr val="7F7F7F"/>
-                </a:solidFill>
-              </a:rPr>
-              <a:t>Zenoss</a:t>
-            </a:r>
-            <a:r>
-              <a:rPr lang="en-US" dirty="0" smtClean="0">
-                <a:solidFill>
-                  <a:srgbClr val="7F7F7F"/>
-                </a:solidFill>
-              </a:rPr>
-              <a:t>)</a:t>
+              <a:t>Technology</a:t>
             </a:r>
             <a:endParaRPr lang="en-US" dirty="0">
               <a:solidFill>
@@ -15403,7 +17110,7 @@
     </p:spTree>
     <p:extLst>
       <p:ext uri="{BB962C8B-B14F-4D97-AF65-F5344CB8AC3E}">
-        <p14:creationId xmlns:p14="http://schemas.microsoft.com/office/powerpoint/2010/main" val="135844114"/>
+        <p14:creationId xmlns:p14="http://schemas.microsoft.com/office/powerpoint/2010/main" val="2359113400"/>
       </p:ext>
     </p:extLst>
   </p:cSld>
@@ -15454,7 +17161,7 @@
           <a:p>
             <a:r>
               <a:rPr lang="en-US" dirty="0" smtClean="0"/>
-              <a:t>Thank You</a:t>
+              <a:t>What else?</a:t>
             </a:r>
             <a:endParaRPr lang="en-US" dirty="0"/>
           </a:p>
@@ -15472,69 +17179,163 @@
         </p:nvSpPr>
         <p:spPr/>
         <p:txBody>
-          <a:bodyPr>
-            <a:normAutofit/>
-          </a:bodyPr>
+          <a:bodyPr/>
           <a:lstStyle/>
           <a:p>
             <a:r>
-              <a:rPr lang="en-US" dirty="0"/>
-              <a:t>Alex Clark—@aclark4life— </a:t>
-            </a:r>
-            <a:r>
               <a:rPr lang="en-US" dirty="0">
-                <a:hlinkClick r:id="rId2"/>
-              </a:rPr>
-              <a:t>aclark@dcpython.org</a:t>
-            </a:r>
-            <a:r>
-              <a:rPr lang="en-US" dirty="0"/>
+                <a:solidFill>
+                  <a:srgbClr val="7F7F7F"/>
+                </a:solidFill>
+              </a:rPr>
+              <a:t>Advanced Python Programming (&gt;&gt;&gt; X = type('X',(),{'</a:t>
+            </a:r>
+            <a:r>
+              <a:rPr lang="en-US" dirty="0" err="1">
+                <a:solidFill>
+                  <a:srgbClr val="7F7F7F"/>
+                </a:solidFill>
+              </a:rPr>
+              <a:t>foo':lambda</a:t>
+            </a:r>
+            <a:r>
+              <a:rPr lang="en-US" dirty="0">
+                <a:solidFill>
+                  <a:srgbClr val="7F7F7F"/>
+                </a:solidFill>
+              </a:rPr>
               <a:t> </a:t>
             </a:r>
-            <a:endParaRPr lang="en-US" dirty="0" smtClean="0"/>
-          </a:p>
-          <a:p>
+            <a:r>
+              <a:rPr lang="en-US" dirty="0" err="1">
+                <a:solidFill>
+                  <a:srgbClr val="7F7F7F"/>
+                </a:solidFill>
+              </a:rPr>
+              <a:t>self:'foo</a:t>
+            </a:r>
             <a:r>
               <a:rPr lang="en-US" dirty="0">
-                <a:hlinkClick r:id="rId3"/>
-              </a:rPr>
-              <a:t>http://www.slideshare.net/dcpython/generic-meetup-</a:t>
+                <a:solidFill>
+                  <a:srgbClr val="7F7F7F"/>
+                </a:solidFill>
+              </a:rPr>
+              <a:t>'}))</a:t>
+            </a:r>
+          </a:p>
+          <a:p>
+            <a:r>
+              <a:rPr lang="en-US" dirty="0">
+                <a:solidFill>
+                  <a:srgbClr val="7F7F7F"/>
+                </a:solidFill>
+              </a:rPr>
+              <a:t>Database Technology (&gt;&gt;&gt; import </a:t>
+            </a:r>
+            <a:r>
+              <a:rPr lang="en-US" dirty="0" err="1">
+                <a:solidFill>
+                  <a:srgbClr val="7F7F7F"/>
+                </a:solidFill>
+              </a:rPr>
+              <a:t>redis</a:t>
+            </a:r>
+            <a:r>
+              <a:rPr lang="en-US" dirty="0">
+                <a:solidFill>
+                  <a:srgbClr val="7F7F7F"/>
+                </a:solidFill>
+              </a:rPr>
+              <a:t>)</a:t>
+            </a:r>
+          </a:p>
+          <a:p>
+            <a:r>
+              <a:rPr lang="en-US" dirty="0">
+                <a:solidFill>
+                  <a:srgbClr val="7F7F7F"/>
+                </a:solidFill>
+              </a:rPr>
+              <a:t>Development and Operations Technology </a:t>
             </a:r>
             <a:r>
               <a:rPr lang="en-US" dirty="0" smtClean="0">
-                <a:hlinkClick r:id="rId3"/>
-              </a:rPr>
-              <a:t>slides</a:t>
-            </a:r>
-            <a:endParaRPr lang="en-US" dirty="0" smtClean="0"/>
-          </a:p>
-          <a:p>
+                <a:solidFill>
+                  <a:srgbClr val="7F7F7F"/>
+                </a:solidFill>
+              </a:rPr>
+              <a:t>(e.g. </a:t>
+            </a:r>
+            <a:r>
+              <a:rPr lang="en-US" dirty="0" err="1" smtClean="0">
+                <a:solidFill>
+                  <a:srgbClr val="7F7F7F"/>
+                </a:solidFill>
+              </a:rPr>
+              <a:t>Heroku</a:t>
+            </a:r>
             <a:r>
               <a:rPr lang="en-US" dirty="0">
-                <a:hlinkClick r:id="rId4"/>
-              </a:rPr>
-              <a:t>https://github.com/DCPython/generic-meetup-</a:t>
+                <a:solidFill>
+                  <a:srgbClr val="7F7F7F"/>
+                </a:solidFill>
+              </a:rPr>
+              <a:t>, </a:t>
+            </a:r>
+            <a:r>
+              <a:rPr lang="en-US" dirty="0" err="1">
+                <a:solidFill>
+                  <a:srgbClr val="7F7F7F"/>
+                </a:solidFill>
+              </a:rPr>
+              <a:t>Openstack</a:t>
+            </a:r>
+            <a:r>
+              <a:rPr lang="en-US" dirty="0">
+                <a:solidFill>
+                  <a:srgbClr val="7F7F7F"/>
+                </a:solidFill>
+              </a:rPr>
+              <a:t>, </a:t>
+            </a:r>
+            <a:r>
+              <a:rPr lang="en-US" dirty="0" err="1">
+                <a:solidFill>
+                  <a:srgbClr val="7F7F7F"/>
+                </a:solidFill>
+              </a:rPr>
+              <a:t>Zenoss</a:t>
             </a:r>
             <a:r>
               <a:rPr lang="en-US" dirty="0" smtClean="0">
-                <a:hlinkClick r:id="rId4"/>
-              </a:rPr>
-              <a:t>slides</a:t>
-            </a:r>
-            <a:endParaRPr lang="en-US" dirty="0" smtClean="0"/>
-          </a:p>
-          <a:p>
-            <a:pPr marL="0" indent="0">
-              <a:buNone/>
-            </a:pPr>
-            <a:endParaRPr lang="en-US" dirty="0"/>
+                <a:solidFill>
+                  <a:srgbClr val="7F7F7F"/>
+                </a:solidFill>
+              </a:rPr>
+              <a:t>)</a:t>
+            </a:r>
+          </a:p>
+          <a:p>
+            <a:r>
+              <a:rPr lang="en-US" dirty="0" smtClean="0">
+                <a:solidFill>
+                  <a:srgbClr val="7F7F7F"/>
+                </a:solidFill>
+              </a:rPr>
+              <a:t>Scientific Libraries</a:t>
+            </a:r>
+            <a:endParaRPr lang="en-US" dirty="0">
+              <a:solidFill>
+                <a:srgbClr val="7F7F7F"/>
+              </a:solidFill>
+            </a:endParaRPr>
           </a:p>
         </p:txBody>
       </p:sp>
     </p:spTree>
     <p:extLst>
       <p:ext uri="{BB962C8B-B14F-4D97-AF65-F5344CB8AC3E}">
-        <p14:creationId xmlns:p14="http://schemas.microsoft.com/office/powerpoint/2010/main" val="2750955079"/>
+        <p14:creationId xmlns:p14="http://schemas.microsoft.com/office/powerpoint/2010/main" val="135844114"/>
       </p:ext>
     </p:extLst>
   </p:cSld>
@@ -15585,7 +17386,7 @@
           <a:p>
             <a:r>
               <a:rPr lang="en-US" dirty="0" smtClean="0"/>
-              <a:t>Thank You</a:t>
+              <a:t>What else?</a:t>
             </a:r>
             <a:endParaRPr lang="en-US" dirty="0"/>
           </a:p>
@@ -15603,58 +17404,195 @@
         </p:nvSpPr>
         <p:spPr/>
         <p:txBody>
-          <a:bodyPr>
-            <a:normAutofit/>
-          </a:bodyPr>
+          <a:bodyPr/>
           <a:lstStyle/>
           <a:p>
             <a:r>
-              <a:rPr lang="en-US" dirty="0" smtClean="0"/>
-              <a:t>A </a:t>
-            </a:r>
-            <a:r>
-              <a:rPr lang="en-US" dirty="0"/>
-              <a:t>copy of the current financial statement of ZPUGDC, Inc. is available by writing </a:t>
-            </a:r>
-            <a:r>
               <a:rPr lang="en-US" dirty="0">
-                <a:hlinkClick r:id="rId2"/>
-              </a:rPr>
-              <a:t>board@</a:t>
+                <a:solidFill>
+                  <a:srgbClr val="7F7F7F"/>
+                </a:solidFill>
+              </a:rPr>
+              <a:t>Advanced Python Programming (&gt;&gt;&gt; X = type('X',(),{'</a:t>
+            </a:r>
+            <a:r>
+              <a:rPr lang="en-US" dirty="0" err="1">
+                <a:solidFill>
+                  <a:srgbClr val="7F7F7F"/>
+                </a:solidFill>
+              </a:rPr>
+              <a:t>foo':lambda</a:t>
+            </a:r>
+            <a:r>
+              <a:rPr lang="en-US" dirty="0">
+                <a:solidFill>
+                  <a:srgbClr val="7F7F7F"/>
+                </a:solidFill>
+              </a:rPr>
+              <a:t> </a:t>
+            </a:r>
+            <a:r>
+              <a:rPr lang="en-US" dirty="0" err="1">
+                <a:solidFill>
+                  <a:srgbClr val="7F7F7F"/>
+                </a:solidFill>
+              </a:rPr>
+              <a:t>self:'foo</a:t>
+            </a:r>
+            <a:r>
+              <a:rPr lang="en-US" dirty="0">
+                <a:solidFill>
+                  <a:srgbClr val="7F7F7F"/>
+                </a:solidFill>
+              </a:rPr>
+              <a:t>'}))</a:t>
+            </a:r>
+          </a:p>
+          <a:p>
+            <a:r>
+              <a:rPr lang="en-US" dirty="0">
+                <a:solidFill>
+                  <a:srgbClr val="7F7F7F"/>
+                </a:solidFill>
+              </a:rPr>
+              <a:t>Database Technology (&gt;&gt;&gt; import </a:t>
+            </a:r>
+            <a:r>
+              <a:rPr lang="en-US" dirty="0" err="1">
+                <a:solidFill>
+                  <a:srgbClr val="7F7F7F"/>
+                </a:solidFill>
+              </a:rPr>
+              <a:t>redis</a:t>
+            </a:r>
+            <a:r>
+              <a:rPr lang="en-US" dirty="0">
+                <a:solidFill>
+                  <a:srgbClr val="7F7F7F"/>
+                </a:solidFill>
+              </a:rPr>
+              <a:t>)</a:t>
+            </a:r>
+          </a:p>
+          <a:p>
+            <a:r>
+              <a:rPr lang="en-US" dirty="0">
+                <a:solidFill>
+                  <a:srgbClr val="7F7F7F"/>
+                </a:solidFill>
+              </a:rPr>
+              <a:t>Development and Operations Technology </a:t>
             </a:r>
             <a:r>
               <a:rPr lang="en-US" dirty="0" smtClean="0">
-                <a:hlinkClick r:id="rId2"/>
-              </a:rPr>
-              <a:t>dcpython.org</a:t>
-            </a:r>
-            <a:r>
-              <a:rPr lang="en-US" dirty="0" smtClean="0"/>
-              <a:t> or </a:t>
-            </a:r>
-            <a:r>
-              <a:rPr lang="en-US" dirty="0"/>
-              <a:t>by calling (301) 312-5236. Documents and information submitted under the Maryland Solicitations Act are also available, for the cost of postage and copies, from the Maryland Secretary of State, State House</a:t>
-            </a:r>
-            <a:r>
-              <a:rPr lang="en-US" dirty="0" smtClean="0"/>
-              <a:t>, Annapolis </a:t>
-            </a:r>
-            <a:r>
-              <a:rPr lang="en-US" dirty="0"/>
-              <a:t>MD 21401, (410) 974-5534. </a:t>
-            </a:r>
-            <a:endParaRPr lang="en-US" dirty="0"/>
-          </a:p>
-          <a:p>
-            <a:endParaRPr lang="en-US" dirty="0"/>
+                <a:solidFill>
+                  <a:srgbClr val="7F7F7F"/>
+                </a:solidFill>
+              </a:rPr>
+              <a:t>(e.g. </a:t>
+            </a:r>
+            <a:r>
+              <a:rPr lang="en-US" dirty="0" err="1" smtClean="0">
+                <a:solidFill>
+                  <a:srgbClr val="7F7F7F"/>
+                </a:solidFill>
+              </a:rPr>
+              <a:t>Heroku</a:t>
+            </a:r>
+            <a:r>
+              <a:rPr lang="en-US" dirty="0">
+                <a:solidFill>
+                  <a:srgbClr val="7F7F7F"/>
+                </a:solidFill>
+              </a:rPr>
+              <a:t>, </a:t>
+            </a:r>
+            <a:r>
+              <a:rPr lang="en-US" dirty="0" err="1">
+                <a:solidFill>
+                  <a:srgbClr val="7F7F7F"/>
+                </a:solidFill>
+              </a:rPr>
+              <a:t>Openstack</a:t>
+            </a:r>
+            <a:r>
+              <a:rPr lang="en-US" dirty="0">
+                <a:solidFill>
+                  <a:srgbClr val="7F7F7F"/>
+                </a:solidFill>
+              </a:rPr>
+              <a:t>, </a:t>
+            </a:r>
+            <a:r>
+              <a:rPr lang="en-US" dirty="0" err="1">
+                <a:solidFill>
+                  <a:srgbClr val="7F7F7F"/>
+                </a:solidFill>
+              </a:rPr>
+              <a:t>Zenoss</a:t>
+            </a:r>
+            <a:r>
+              <a:rPr lang="en-US" dirty="0" smtClean="0">
+                <a:solidFill>
+                  <a:srgbClr val="7F7F7F"/>
+                </a:solidFill>
+              </a:rPr>
+              <a:t>)</a:t>
+            </a:r>
+          </a:p>
+          <a:p>
+            <a:r>
+              <a:rPr lang="en-US" dirty="0" smtClean="0">
+                <a:solidFill>
+                  <a:srgbClr val="7F7F7F"/>
+                </a:solidFill>
+              </a:rPr>
+              <a:t>Scientific Libraries (e.g. </a:t>
+            </a:r>
+            <a:r>
+              <a:rPr lang="en-US" dirty="0" err="1" smtClean="0">
+                <a:solidFill>
+                  <a:srgbClr val="7F7F7F"/>
+                </a:solidFill>
+              </a:rPr>
+              <a:t>Numpy</a:t>
+            </a:r>
+            <a:r>
+              <a:rPr lang="en-US" dirty="0" smtClean="0">
+                <a:solidFill>
+                  <a:srgbClr val="7F7F7F"/>
+                </a:solidFill>
+              </a:rPr>
+              <a:t>, </a:t>
+            </a:r>
+            <a:r>
+              <a:rPr lang="en-US" dirty="0" err="1" smtClean="0">
+                <a:solidFill>
+                  <a:srgbClr val="7F7F7F"/>
+                </a:solidFill>
+              </a:rPr>
+              <a:t>Scipy</a:t>
+            </a:r>
+            <a:r>
+              <a:rPr lang="en-US" dirty="0" smtClean="0">
+                <a:solidFill>
+                  <a:srgbClr val="7F7F7F"/>
+                </a:solidFill>
+              </a:rPr>
+              <a:t>, Pandas, etc.)</a:t>
+            </a:r>
+            <a:endParaRPr lang="en-US" dirty="0">
+              <a:solidFill>
+                <a:srgbClr val="7F7F7F"/>
+              </a:solidFill>
+            </a:endParaRPr>
           </a:p>
         </p:txBody>
       </p:sp>
     </p:spTree>
     <p:extLst>
       <p:ext uri="{BB962C8B-B14F-4D97-AF65-F5344CB8AC3E}">
-        <p14:creationId xmlns:p14="http://schemas.microsoft.com/office/powerpoint/2010/main" val="3089775211"/>
+        <p14:creationId xmlns:p14="http://schemas.microsoft.com/office/powerpoint/2010/main" val="2553675972"/>
       </p:ext>
     </p:extLst>
   </p:cSld>
@@ -15766,7 +17704,7 @@
                   </a:schemeClr>
                 </a:solidFill>
               </a:rPr>
-              <a:t>Sponsors (Thank You!)</a:t>
+              <a:t>Sponsors</a:t>
             </a:r>
           </a:p>
         </p:txBody>
@@ -15774,7 +17712,7 @@
     </p:spTree>
     <p:extLst>
       <p:ext uri="{BB962C8B-B14F-4D97-AF65-F5344CB8AC3E}">
-        <p14:creationId xmlns:p14="http://schemas.microsoft.com/office/powerpoint/2010/main" val="1466153887"/>
+        <p14:creationId xmlns:p14="http://schemas.microsoft.com/office/powerpoint/2010/main" val="541471367"/>
       </p:ext>
     </p:extLst>
   </p:cSld>
@@ -15789,6 +17727,256 @@
       <p:transition xmlns:p14="http://schemas.microsoft.com/office/powerpoint/2010/main"/>
     </mc:Fallback>
   </mc:AlternateContent>
+  <p:timing>
+    <p:tnLst>
+      <p:par>
+        <p:cTn xmlns:p14="http://schemas.microsoft.com/office/powerpoint/2010/main" id="1" dur="indefinite" restart="never" nodeType="tmRoot"/>
+      </p:par>
+    </p:tnLst>
+  </p:timing>
+</p:sld>
+</file>
+
+<file path=ppt/slides/slide50.xml><?xml version="1.0" encoding="utf-8"?>
+<p:sld xmlns:a="http://schemas.openxmlformats.org/drawingml/2006/main" xmlns:r="http://schemas.openxmlformats.org/officeDocument/2006/relationships" xmlns:p="http://schemas.openxmlformats.org/presentationml/2006/main">
+  <p:cSld>
+    <p:spTree>
+      <p:nvGrpSpPr>
+        <p:cNvPr id="1" name=""/>
+        <p:cNvGrpSpPr/>
+        <p:nvPr/>
+      </p:nvGrpSpPr>
+      <p:grpSpPr>
+        <a:xfrm>
+          <a:off x="0" y="0"/>
+          <a:ext cx="0" cy="0"/>
+          <a:chOff x="0" y="0"/>
+          <a:chExt cx="0" cy="0"/>
+        </a:xfrm>
+      </p:grpSpPr>
+      <p:sp>
+        <p:nvSpPr>
+          <p:cNvPr id="2" name="Title 1"/>
+          <p:cNvSpPr>
+            <a:spLocks noGrp="1"/>
+          </p:cNvSpPr>
+          <p:nvPr>
+            <p:ph type="title"/>
+          </p:nvPr>
+        </p:nvSpPr>
+        <p:spPr/>
+        <p:txBody>
+          <a:bodyPr/>
+          <a:lstStyle/>
+          <a:p>
+            <a:r>
+              <a:rPr lang="en-US" dirty="0" smtClean="0"/>
+              <a:t>Thank You</a:t>
+            </a:r>
+            <a:endParaRPr lang="en-US" dirty="0"/>
+          </a:p>
+        </p:txBody>
+      </p:sp>
+      <p:sp>
+        <p:nvSpPr>
+          <p:cNvPr id="3" name="Content Placeholder 2"/>
+          <p:cNvSpPr>
+            <a:spLocks noGrp="1"/>
+          </p:cNvSpPr>
+          <p:nvPr>
+            <p:ph idx="1"/>
+          </p:nvPr>
+        </p:nvSpPr>
+        <p:spPr/>
+        <p:txBody>
+          <a:bodyPr>
+            <a:normAutofit/>
+          </a:bodyPr>
+          <a:lstStyle/>
+          <a:p>
+            <a:r>
+              <a:rPr lang="en-US" dirty="0"/>
+              <a:t>Alex Clark—@aclark4life— </a:t>
+            </a:r>
+            <a:r>
+              <a:rPr lang="en-US" dirty="0">
+                <a:hlinkClick r:id="rId2"/>
+              </a:rPr>
+              <a:t>aclark@dcpython.org</a:t>
+            </a:r>
+            <a:r>
+              <a:rPr lang="en-US" dirty="0"/>
+              <a:t> </a:t>
+            </a:r>
+            <a:endParaRPr lang="en-US" dirty="0" smtClean="0"/>
+          </a:p>
+          <a:p>
+            <a:r>
+              <a:rPr lang="en-US" dirty="0">
+                <a:hlinkClick r:id="rId3"/>
+              </a:rPr>
+              <a:t>http://www.slideshare.net/dcpython/generic-meetup-</a:t>
+            </a:r>
+            <a:r>
+              <a:rPr lang="en-US" dirty="0" smtClean="0">
+                <a:hlinkClick r:id="rId3"/>
+              </a:rPr>
+              <a:t>slides</a:t>
+            </a:r>
+            <a:endParaRPr lang="en-US" dirty="0" smtClean="0"/>
+          </a:p>
+          <a:p>
+            <a:r>
+              <a:rPr lang="en-US" dirty="0">
+                <a:hlinkClick r:id="rId4"/>
+              </a:rPr>
+              <a:t>https://github.com/DCPython/generic-meetup-</a:t>
+            </a:r>
+            <a:r>
+              <a:rPr lang="en-US" dirty="0" smtClean="0">
+                <a:hlinkClick r:id="rId4"/>
+              </a:rPr>
+              <a:t>slides</a:t>
+            </a:r>
+            <a:endParaRPr lang="en-US" dirty="0" smtClean="0"/>
+          </a:p>
+          <a:p>
+            <a:pPr marL="0" indent="0">
+              <a:buNone/>
+            </a:pPr>
+            <a:endParaRPr lang="en-US" dirty="0"/>
+          </a:p>
+        </p:txBody>
+      </p:sp>
+    </p:spTree>
+    <p:extLst>
+      <p:ext uri="{BB962C8B-B14F-4D97-AF65-F5344CB8AC3E}">
+        <p14:creationId xmlns:p14="http://schemas.microsoft.com/office/powerpoint/2010/main" val="2750955079"/>
+      </p:ext>
+    </p:extLst>
+  </p:cSld>
+  <p:clrMapOvr>
+    <a:masterClrMapping/>
+  </p:clrMapOvr>
+  <p:timing>
+    <p:tnLst>
+      <p:par>
+        <p:cTn xmlns:p14="http://schemas.microsoft.com/office/powerpoint/2010/main" id="1" dur="indefinite" restart="never" nodeType="tmRoot"/>
+      </p:par>
+    </p:tnLst>
+  </p:timing>
+</p:sld>
+</file>
+
+<file path=ppt/slides/slide51.xml><?xml version="1.0" encoding="utf-8"?>
+<p:sld xmlns:a="http://schemas.openxmlformats.org/drawingml/2006/main" xmlns:r="http://schemas.openxmlformats.org/officeDocument/2006/relationships" xmlns:p="http://schemas.openxmlformats.org/presentationml/2006/main">
+  <p:cSld>
+    <p:spTree>
+      <p:nvGrpSpPr>
+        <p:cNvPr id="1" name=""/>
+        <p:cNvGrpSpPr/>
+        <p:nvPr/>
+      </p:nvGrpSpPr>
+      <p:grpSpPr>
+        <a:xfrm>
+          <a:off x="0" y="0"/>
+          <a:ext cx="0" cy="0"/>
+          <a:chOff x="0" y="0"/>
+          <a:chExt cx="0" cy="0"/>
+        </a:xfrm>
+      </p:grpSpPr>
+      <p:sp>
+        <p:nvSpPr>
+          <p:cNvPr id="2" name="Title 1"/>
+          <p:cNvSpPr>
+            <a:spLocks noGrp="1"/>
+          </p:cNvSpPr>
+          <p:nvPr>
+            <p:ph type="title"/>
+          </p:nvPr>
+        </p:nvSpPr>
+        <p:spPr/>
+        <p:txBody>
+          <a:bodyPr/>
+          <a:lstStyle/>
+          <a:p>
+            <a:r>
+              <a:rPr lang="en-US" dirty="0" smtClean="0"/>
+              <a:t>Thank You</a:t>
+            </a:r>
+            <a:endParaRPr lang="en-US" dirty="0"/>
+          </a:p>
+        </p:txBody>
+      </p:sp>
+      <p:sp>
+        <p:nvSpPr>
+          <p:cNvPr id="3" name="Content Placeholder 2"/>
+          <p:cNvSpPr>
+            <a:spLocks noGrp="1"/>
+          </p:cNvSpPr>
+          <p:nvPr>
+            <p:ph idx="1"/>
+          </p:nvPr>
+        </p:nvSpPr>
+        <p:spPr/>
+        <p:txBody>
+          <a:bodyPr>
+            <a:normAutofit/>
+          </a:bodyPr>
+          <a:lstStyle/>
+          <a:p>
+            <a:r>
+              <a:rPr lang="en-US" dirty="0" smtClean="0"/>
+              <a:t>A </a:t>
+            </a:r>
+            <a:r>
+              <a:rPr lang="en-US" dirty="0"/>
+              <a:t>copy of the current financial statement of ZPUGDC, Inc. is available by writing </a:t>
+            </a:r>
+            <a:r>
+              <a:rPr lang="en-US" dirty="0">
+                <a:hlinkClick r:id="rId2"/>
+              </a:rPr>
+              <a:t>board@</a:t>
+            </a:r>
+            <a:r>
+              <a:rPr lang="en-US" dirty="0" smtClean="0">
+                <a:hlinkClick r:id="rId2"/>
+              </a:rPr>
+              <a:t>dcpython.org</a:t>
+            </a:r>
+            <a:r>
+              <a:rPr lang="en-US" dirty="0" smtClean="0"/>
+              <a:t> or </a:t>
+            </a:r>
+            <a:r>
+              <a:rPr lang="en-US" dirty="0"/>
+              <a:t>by calling (301) 312-5236. Documents and information submitted under the Maryland Solicitations Act are also available, for the cost of postage and copies, from the Maryland Secretary of State, State House</a:t>
+            </a:r>
+            <a:r>
+              <a:rPr lang="en-US" dirty="0" smtClean="0"/>
+              <a:t>, Annapolis </a:t>
+            </a:r>
+            <a:r>
+              <a:rPr lang="en-US" dirty="0"/>
+              <a:t>MD 21401, (410) 974-5534. </a:t>
+            </a:r>
+          </a:p>
+          <a:p>
+            <a:endParaRPr lang="en-US" dirty="0"/>
+          </a:p>
+        </p:txBody>
+      </p:sp>
+    </p:spTree>
+    <p:extLst>
+      <p:ext uri="{BB962C8B-B14F-4D97-AF65-F5344CB8AC3E}">
+        <p14:creationId xmlns:p14="http://schemas.microsoft.com/office/powerpoint/2010/main" val="3089775211"/>
+      </p:ext>
+    </p:extLst>
+  </p:cSld>
+  <p:clrMapOvr>
+    <a:masterClrMapping/>
+  </p:clrMapOvr>
   <p:timing>
     <p:tnLst>
       <p:par>
@@ -15897,24 +18085,12 @@
               <a:t>Sponsors (Thank You!)</a:t>
             </a:r>
           </a:p>
-          <a:p>
-            <a:r>
-              <a:rPr lang="en-US" dirty="0" smtClean="0">
-                <a:solidFill>
-                  <a:schemeClr val="bg1">
-                    <a:lumMod val="50000"/>
-                  </a:schemeClr>
-                </a:solidFill>
-              </a:rPr>
-              <a:t>You</a:t>
-            </a:r>
-          </a:p>
         </p:txBody>
       </p:sp>
     </p:spTree>
     <p:extLst>
       <p:ext uri="{BB962C8B-B14F-4D97-AF65-F5344CB8AC3E}">
-        <p14:creationId xmlns:p14="http://schemas.microsoft.com/office/powerpoint/2010/main" val="770641886"/>
+        <p14:creationId xmlns:p14="http://schemas.microsoft.com/office/powerpoint/2010/main" val="1466153887"/>
       </p:ext>
     </p:extLst>
   </p:cSld>
@@ -16046,15 +18222,22 @@
                   </a:schemeClr>
                 </a:solidFill>
               </a:rPr>
-              <a:t>You (Thank You, Too!)</a:t>
-            </a:r>
+              <a:t>Attendees</a:t>
+            </a:r>
+            <a:endParaRPr lang="en-US" dirty="0" smtClean="0">
+              <a:solidFill>
+                <a:schemeClr val="bg1">
+                  <a:lumMod val="50000"/>
+                </a:schemeClr>
+              </a:solidFill>
+            </a:endParaRPr>
           </a:p>
         </p:txBody>
       </p:sp>
     </p:spTree>
     <p:extLst>
       <p:ext uri="{BB962C8B-B14F-4D97-AF65-F5344CB8AC3E}">
-        <p14:creationId xmlns:p14="http://schemas.microsoft.com/office/powerpoint/2010/main" val="3860508510"/>
+        <p14:creationId xmlns:p14="http://schemas.microsoft.com/office/powerpoint/2010/main" val="770641886"/>
       </p:ext>
     </p:extLst>
   </p:cSld>
@@ -16186,37 +18369,45 @@
                   </a:schemeClr>
                 </a:solidFill>
               </a:rPr>
-              <a:t>You (Thank You, Too!)</a:t>
-            </a:r>
-          </a:p>
-        </p:txBody>
-      </p:sp>
-      <p:graphicFrame>
-        <p:nvGraphicFramePr>
-          <p:cNvPr id="5" name="Diagram 4"/>
-          <p:cNvGraphicFramePr/>
-          <p:nvPr>
-            <p:extLst>
-              <p:ext uri="{D42A27DB-BD31-4B8C-83A1-F6EECF244321}">
-                <p14:modId xmlns:p14="http://schemas.microsoft.com/office/powerpoint/2010/main" val="711580938"/>
-              </p:ext>
-            </p:extLst>
-          </p:nvPr>
-        </p:nvGraphicFramePr>
-        <p:xfrm>
-          <a:off x="1536573" y="2767657"/>
-          <a:ext cx="6096000" cy="4064000"/>
-        </p:xfrm>
-        <a:graphic>
-          <a:graphicData uri="http://schemas.openxmlformats.org/drawingml/2006/diagram">
-            <dgm:relIds xmlns:dgm="http://schemas.openxmlformats.org/drawingml/2006/diagram" xmlns:r="http://schemas.openxmlformats.org/officeDocument/2006/relationships" r:dm="rId2" r:lo="rId3" r:qs="rId4" r:cs="rId5"/>
-          </a:graphicData>
-        </a:graphic>
-      </p:graphicFrame>
+              <a:t>Attendees (</a:t>
+            </a:r>
+            <a:r>
+              <a:rPr lang="en-US" dirty="0" smtClean="0">
+                <a:solidFill>
+                  <a:schemeClr val="bg1">
+                    <a:lumMod val="50000"/>
+                  </a:schemeClr>
+                </a:solidFill>
+              </a:rPr>
+              <a:t>Thank </a:t>
+            </a:r>
+            <a:r>
+              <a:rPr lang="en-US" dirty="0" smtClean="0">
+                <a:solidFill>
+                  <a:schemeClr val="bg1">
+                    <a:lumMod val="50000"/>
+                  </a:schemeClr>
+                </a:solidFill>
+              </a:rPr>
+              <a:t>You, </a:t>
+            </a:r>
+            <a:r>
+              <a:rPr lang="en-US" dirty="0" smtClean="0">
+                <a:solidFill>
+                  <a:schemeClr val="bg1">
+                    <a:lumMod val="50000"/>
+                  </a:schemeClr>
+                </a:solidFill>
+              </a:rPr>
+              <a:t>Too!)</a:t>
+            </a:r>
+          </a:p>
+        </p:txBody>
+      </p:sp>
     </p:spTree>
     <p:extLst>
       <p:ext uri="{BB962C8B-B14F-4D97-AF65-F5344CB8AC3E}">
-        <p14:creationId xmlns:p14="http://schemas.microsoft.com/office/powerpoint/2010/main" val="2389464077"/>
+        <p14:creationId xmlns:p14="http://schemas.microsoft.com/office/powerpoint/2010/main" val="3860508510"/>
       </p:ext>
     </p:extLst>
   </p:cSld>
@@ -16275,7 +18466,7 @@
           <a:p>
             <a:r>
               <a:rPr lang="en-US" dirty="0" smtClean="0"/>
-              <a:t>Why?</a:t>
+              <a:t>Brought to you by:</a:t>
             </a:r>
             <a:endParaRPr lang="en-US" dirty="0"/>
           </a:p>
@@ -16299,18 +18490,136 @@
             <a:r>
               <a:rPr lang="en-US" dirty="0" smtClean="0">
                 <a:solidFill>
-                  <a:srgbClr val="7F7F7F"/>
-                </a:solidFill>
-              </a:rPr>
-              <a:t>To get together</a:t>
-            </a:r>
-          </a:p>
-        </p:txBody>
-      </p:sp>
+                  <a:schemeClr val="bg1">
+                    <a:lumMod val="50000"/>
+                  </a:schemeClr>
+                </a:solidFill>
+              </a:rPr>
+              <a:t>DC Python (ZPUGDC, </a:t>
+            </a:r>
+            <a:r>
+              <a:rPr lang="en-US" dirty="0" err="1" smtClean="0">
+                <a:solidFill>
+                  <a:schemeClr val="bg1">
+                    <a:lumMod val="50000"/>
+                  </a:schemeClr>
+                </a:solidFill>
+              </a:rPr>
+              <a:t>Inc</a:t>
+            </a:r>
+            <a:r>
+              <a:rPr lang="en-US" dirty="0" smtClean="0">
+                <a:solidFill>
+                  <a:schemeClr val="bg1">
+                    <a:lumMod val="50000"/>
+                  </a:schemeClr>
+                </a:solidFill>
+              </a:rPr>
+              <a:t>)</a:t>
+            </a:r>
+          </a:p>
+          <a:p>
+            <a:r>
+              <a:rPr lang="en-US" dirty="0" smtClean="0">
+                <a:solidFill>
+                  <a:schemeClr val="bg1">
+                    <a:lumMod val="50000"/>
+                  </a:schemeClr>
+                </a:solidFill>
+              </a:rPr>
+              <a:t>Sponsors (Thank You!)</a:t>
+            </a:r>
+          </a:p>
+          <a:p>
+            <a:r>
+              <a:rPr lang="en-US" dirty="0" smtClean="0">
+                <a:solidFill>
+                  <a:schemeClr val="bg1">
+                    <a:lumMod val="50000"/>
+                  </a:schemeClr>
+                </a:solidFill>
+              </a:rPr>
+              <a:t>Attendees (</a:t>
+            </a:r>
+            <a:r>
+              <a:rPr lang="en-US" dirty="0" smtClean="0">
+                <a:solidFill>
+                  <a:schemeClr val="bg1">
+                    <a:lumMod val="50000"/>
+                  </a:schemeClr>
+                </a:solidFill>
+              </a:rPr>
+              <a:t>Thank </a:t>
+            </a:r>
+            <a:r>
+              <a:rPr lang="en-US" dirty="0" smtClean="0">
+                <a:solidFill>
+                  <a:schemeClr val="bg1">
+                    <a:lumMod val="50000"/>
+                  </a:schemeClr>
+                </a:solidFill>
+              </a:rPr>
+              <a:t>You</a:t>
+            </a:r>
+            <a:r>
+              <a:rPr lang="en-US" dirty="0" smtClean="0">
+                <a:solidFill>
+                  <a:schemeClr val="bg1">
+                    <a:lumMod val="50000"/>
+                  </a:schemeClr>
+                </a:solidFill>
+              </a:rPr>
+              <a:t>, </a:t>
+            </a:r>
+            <a:r>
+              <a:rPr lang="en-US" dirty="0" smtClean="0">
+                <a:solidFill>
+                  <a:schemeClr val="bg1">
+                    <a:lumMod val="50000"/>
+                  </a:schemeClr>
+                </a:solidFill>
+              </a:rPr>
+              <a:t>Too</a:t>
+            </a:r>
+            <a:r>
+              <a:rPr lang="en-US" dirty="0" smtClean="0">
+                <a:solidFill>
+                  <a:schemeClr val="bg1">
+                    <a:lumMod val="50000"/>
+                  </a:schemeClr>
+                </a:solidFill>
+              </a:rPr>
+              <a:t>!)</a:t>
+            </a:r>
+          </a:p>
+        </p:txBody>
+      </p:sp>
+      <p:graphicFrame>
+        <p:nvGraphicFramePr>
+          <p:cNvPr id="5" name="Diagram 4"/>
+          <p:cNvGraphicFramePr/>
+          <p:nvPr>
+            <p:extLst>
+              <p:ext uri="{D42A27DB-BD31-4B8C-83A1-F6EECF244321}">
+                <p14:modId xmlns:p14="http://schemas.microsoft.com/office/powerpoint/2010/main" val="2070713568"/>
+              </p:ext>
+            </p:extLst>
+          </p:nvPr>
+        </p:nvGraphicFramePr>
+        <p:xfrm>
+          <a:off x="555837" y="1824690"/>
+          <a:ext cx="8034758" cy="6248742"/>
+        </p:xfrm>
+        <a:graphic>
+          <a:graphicData uri="http://schemas.openxmlformats.org/drawingml/2006/diagram">
+            <dgm:relIds xmlns:dgm="http://schemas.openxmlformats.org/drawingml/2006/diagram" xmlns:r="http://schemas.openxmlformats.org/officeDocument/2006/relationships" r:dm="rId3" r:lo="rId4" r:qs="rId5" r:cs="rId6"/>
+          </a:graphicData>
+        </a:graphic>
+      </p:graphicFrame>
     </p:spTree>
     <p:extLst>
       <p:ext uri="{BB962C8B-B14F-4D97-AF65-F5344CB8AC3E}">
-        <p14:creationId xmlns:p14="http://schemas.microsoft.com/office/powerpoint/2010/main" val="2982498852"/>
+        <p14:creationId xmlns:p14="http://schemas.microsoft.com/office/powerpoint/2010/main" val="2389464077"/>
       </p:ext>
     </p:extLst>
   </p:cSld>
